--- a/授業資料/講義資料：Vectorクラス.pptx
+++ b/授業資料/講義資料：Vectorクラス.pptx
@@ -7,7 +7,12 @@
   <p:sldIdLst>
     <p:sldId id="269" r:id="rId2"/>
     <p:sldId id="270" r:id="rId3"/>
-    <p:sldId id="343" r:id="rId4"/>
+    <p:sldId id="344" r:id="rId4"/>
+    <p:sldId id="345" r:id="rId5"/>
+    <p:sldId id="346" r:id="rId6"/>
+    <p:sldId id="347" r:id="rId7"/>
+    <p:sldId id="348" r:id="rId8"/>
+    <p:sldId id="343" r:id="rId9"/>
   </p:sldIdLst>
   <p:sldSz cx="12192000" cy="6858000"/>
   <p:notesSz cx="6858000" cy="9144000"/>
@@ -245,7 +250,7 @@
           <a:p>
             <a:fld id="{5B96D3F8-CD2E-4A0D-AC38-517181EABB18}" type="datetimeFigureOut">
               <a:rPr kumimoji="1" lang="ja-JP" altLang="en-US" smtClean="0"/>
-              <a:t>2024/9/19</a:t>
+              <a:t>2024/9/20</a:t>
             </a:fld>
             <a:endParaRPr kumimoji="1" lang="ja-JP" altLang="en-US"/>
           </a:p>
@@ -447,7 +452,7 @@
           <a:p>
             <a:fld id="{5B96D3F8-CD2E-4A0D-AC38-517181EABB18}" type="datetimeFigureOut">
               <a:rPr kumimoji="1" lang="ja-JP" altLang="en-US" smtClean="0"/>
-              <a:t>2024/9/19</a:t>
+              <a:t>2024/9/20</a:t>
             </a:fld>
             <a:endParaRPr kumimoji="1" lang="ja-JP" altLang="en-US"/>
           </a:p>
@@ -659,7 +664,7 @@
           <a:p>
             <a:fld id="{5B96D3F8-CD2E-4A0D-AC38-517181EABB18}" type="datetimeFigureOut">
               <a:rPr kumimoji="1" lang="ja-JP" altLang="en-US" smtClean="0"/>
-              <a:t>2024/9/19</a:t>
+              <a:t>2024/9/20</a:t>
             </a:fld>
             <a:endParaRPr kumimoji="1" lang="ja-JP" altLang="en-US"/>
           </a:p>
@@ -861,7 +866,7 @@
           <a:p>
             <a:fld id="{5B96D3F8-CD2E-4A0D-AC38-517181EABB18}" type="datetimeFigureOut">
               <a:rPr kumimoji="1" lang="ja-JP" altLang="en-US" smtClean="0"/>
-              <a:t>2024/9/19</a:t>
+              <a:t>2024/9/20</a:t>
             </a:fld>
             <a:endParaRPr kumimoji="1" lang="ja-JP" altLang="en-US"/>
           </a:p>
@@ -1107,7 +1112,7 @@
           <a:p>
             <a:fld id="{5B96D3F8-CD2E-4A0D-AC38-517181EABB18}" type="datetimeFigureOut">
               <a:rPr kumimoji="1" lang="ja-JP" altLang="en-US" smtClean="0"/>
-              <a:t>2024/9/19</a:t>
+              <a:t>2024/9/20</a:t>
             </a:fld>
             <a:endParaRPr kumimoji="1" lang="ja-JP" altLang="en-US"/>
           </a:p>
@@ -1403,7 +1408,7 @@
           <a:p>
             <a:fld id="{5B96D3F8-CD2E-4A0D-AC38-517181EABB18}" type="datetimeFigureOut">
               <a:rPr kumimoji="1" lang="ja-JP" altLang="en-US" smtClean="0"/>
-              <a:t>2024/9/19</a:t>
+              <a:t>2024/9/20</a:t>
             </a:fld>
             <a:endParaRPr kumimoji="1" lang="ja-JP" altLang="en-US"/>
           </a:p>
@@ -1834,7 +1839,7 @@
           <a:p>
             <a:fld id="{5B96D3F8-CD2E-4A0D-AC38-517181EABB18}" type="datetimeFigureOut">
               <a:rPr kumimoji="1" lang="ja-JP" altLang="en-US" smtClean="0"/>
-              <a:t>2024/9/19</a:t>
+              <a:t>2024/9/20</a:t>
             </a:fld>
             <a:endParaRPr kumimoji="1" lang="ja-JP" altLang="en-US"/>
           </a:p>
@@ -1952,7 +1957,7 @@
           <a:p>
             <a:fld id="{5B96D3F8-CD2E-4A0D-AC38-517181EABB18}" type="datetimeFigureOut">
               <a:rPr kumimoji="1" lang="ja-JP" altLang="en-US" smtClean="0"/>
-              <a:t>2024/9/19</a:t>
+              <a:t>2024/9/20</a:t>
             </a:fld>
             <a:endParaRPr kumimoji="1" lang="ja-JP" altLang="en-US"/>
           </a:p>
@@ -2047,7 +2052,7 @@
           <a:p>
             <a:fld id="{5B96D3F8-CD2E-4A0D-AC38-517181EABB18}" type="datetimeFigureOut">
               <a:rPr kumimoji="1" lang="ja-JP" altLang="en-US" smtClean="0"/>
-              <a:t>2024/9/19</a:t>
+              <a:t>2024/9/20</a:t>
             </a:fld>
             <a:endParaRPr kumimoji="1" lang="ja-JP" altLang="en-US"/>
           </a:p>
@@ -2356,7 +2361,7 @@
           <a:p>
             <a:fld id="{5B96D3F8-CD2E-4A0D-AC38-517181EABB18}" type="datetimeFigureOut">
               <a:rPr kumimoji="1" lang="ja-JP" altLang="en-US" smtClean="0"/>
-              <a:t>2024/9/19</a:t>
+              <a:t>2024/9/20</a:t>
             </a:fld>
             <a:endParaRPr kumimoji="1" lang="ja-JP" altLang="en-US"/>
           </a:p>
@@ -2613,7 +2618,7 @@
           <a:p>
             <a:fld id="{5B96D3F8-CD2E-4A0D-AC38-517181EABB18}" type="datetimeFigureOut">
               <a:rPr kumimoji="1" lang="ja-JP" altLang="en-US" smtClean="0"/>
-              <a:t>2024/9/19</a:t>
+              <a:t>2024/9/20</a:t>
             </a:fld>
             <a:endParaRPr kumimoji="1" lang="ja-JP" altLang="en-US"/>
           </a:p>
@@ -2858,7 +2863,7 @@
           <a:p>
             <a:fld id="{5B96D3F8-CD2E-4A0D-AC38-517181EABB18}" type="datetimeFigureOut">
               <a:rPr kumimoji="1" lang="ja-JP" altLang="en-US" smtClean="0"/>
-              <a:t>2024/9/19</a:t>
+              <a:t>2024/9/20</a:t>
             </a:fld>
             <a:endParaRPr kumimoji="1" lang="ja-JP" altLang="en-US"/>
           </a:p>
@@ -3607,8 +3612,16 @@
           <a:p>
             <a:pPr lvl="1"/>
             <a:r>
+              <a:rPr lang="ja-JP" altLang="en-US" b="1" dirty="0">
+                <a:solidFill>
+                  <a:srgbClr val="FF0000"/>
+                </a:solidFill>
+              </a:rPr>
+              <a:t>動的な配列</a:t>
+            </a:r>
+            <a:r>
               <a:rPr lang="ja-JP" altLang="en-US" dirty="0"/>
-              <a:t>動的な配列を実現できる</a:t>
+              <a:t>を実現できる</a:t>
             </a:r>
             <a:br>
               <a:rPr lang="en-US" altLang="ja-JP" dirty="0"/>
@@ -3626,18 +3639,25 @@
             <a:pPr lvl="1"/>
             <a:r>
               <a:rPr lang="ja-JP" altLang="en-US" dirty="0"/>
-              <a:t>配列のように添え字で要素を指定できる</a:t>
+              <a:t>クラスのメンバ関数として、要素数をカウントしたり、</a:t>
             </a:r>
             <a:br>
               <a:rPr lang="en-US" altLang="ja-JP" dirty="0"/>
             </a:br>
-            <a:endParaRPr lang="en-US" altLang="ja-JP" dirty="0"/>
-          </a:p>
-          <a:p>
-            <a:pPr lvl="1"/>
             <a:r>
               <a:rPr lang="ja-JP" altLang="en-US" dirty="0"/>
-              <a:t>要素数をカウントしたり、クリアしたりが容易にできる</a:t>
+              <a:t>要素をすべてクリアしたりといった機能があり、</a:t>
+            </a:r>
+            <a:br>
+              <a:rPr lang="en-US" altLang="ja-JP" dirty="0"/>
+            </a:br>
+            <a:r>
+              <a:rPr lang="en-US" altLang="ja-JP" dirty="0"/>
+              <a:t>C</a:t>
+            </a:r>
+            <a:r>
+              <a:rPr lang="ja-JP" altLang="en-US" dirty="0"/>
+              <a:t>言語では容易でなかったことができる！</a:t>
             </a:r>
             <a:endParaRPr lang="en-US" altLang="ja-JP" dirty="0"/>
           </a:p>
@@ -3657,6 +3677,909 @@
 </file>
 
 <file path=ppt/slides/slide3.xml><?xml version="1.0" encoding="utf-8"?>
+<p:sld xmlns:a="http://schemas.openxmlformats.org/drawingml/2006/main" xmlns:r="http://schemas.openxmlformats.org/officeDocument/2006/relationships" xmlns:p="http://schemas.openxmlformats.org/presentationml/2006/main">
+  <p:cSld>
+    <p:spTree>
+      <p:nvGrpSpPr>
+        <p:cNvPr id="1" name=""/>
+        <p:cNvGrpSpPr/>
+        <p:nvPr/>
+      </p:nvGrpSpPr>
+      <p:grpSpPr>
+        <a:xfrm>
+          <a:off x="0" y="0"/>
+          <a:ext cx="0" cy="0"/>
+          <a:chOff x="0" y="0"/>
+          <a:chExt cx="0" cy="0"/>
+        </a:xfrm>
+      </p:grpSpPr>
+      <p:sp>
+        <p:nvSpPr>
+          <p:cNvPr id="2" name="タイトル 1">
+            <a:extLst>
+              <a:ext uri="{FF2B5EF4-FFF2-40B4-BE49-F238E27FC236}">
+                <a16:creationId xmlns:a16="http://schemas.microsoft.com/office/drawing/2014/main" id="{9F789731-37C4-49DD-AEE8-78E5514E279E}"/>
+              </a:ext>
+            </a:extLst>
+          </p:cNvPr>
+          <p:cNvSpPr>
+            <a:spLocks noGrp="1"/>
+          </p:cNvSpPr>
+          <p:nvPr>
+            <p:ph type="title"/>
+          </p:nvPr>
+        </p:nvSpPr>
+        <p:spPr/>
+        <p:txBody>
+          <a:bodyPr/>
+          <a:lstStyle/>
+          <a:p>
+            <a:r>
+              <a:rPr kumimoji="1" lang="en-US" altLang="ja-JP" dirty="0"/>
+              <a:t>Vector</a:t>
+            </a:r>
+            <a:r>
+              <a:rPr kumimoji="1" lang="ja-JP" altLang="en-US" dirty="0"/>
+              <a:t>クラス</a:t>
+            </a:r>
+          </a:p>
+        </p:txBody>
+      </p:sp>
+      <p:sp>
+        <p:nvSpPr>
+          <p:cNvPr id="3" name="コンテンツ プレースホルダー 2">
+            <a:extLst>
+              <a:ext uri="{FF2B5EF4-FFF2-40B4-BE49-F238E27FC236}">
+                <a16:creationId xmlns:a16="http://schemas.microsoft.com/office/drawing/2014/main" id="{39562F0E-6033-40BD-BCB8-F015661306FD}"/>
+              </a:ext>
+            </a:extLst>
+          </p:cNvPr>
+          <p:cNvSpPr>
+            <a:spLocks noGrp="1"/>
+          </p:cNvSpPr>
+          <p:nvPr>
+            <p:ph idx="1"/>
+          </p:nvPr>
+        </p:nvSpPr>
+        <p:spPr/>
+        <p:txBody>
+          <a:bodyPr>
+            <a:normAutofit/>
+          </a:bodyPr>
+          <a:lstStyle/>
+          <a:p>
+            <a:r>
+              <a:rPr lang="en-US" altLang="ja-JP" dirty="0"/>
+              <a:t>Vector</a:t>
+            </a:r>
+            <a:r>
+              <a:rPr lang="ja-JP" altLang="en-US" dirty="0"/>
+              <a:t>を使う利点</a:t>
+            </a:r>
+            <a:br>
+              <a:rPr lang="en-US" altLang="ja-JP" dirty="0"/>
+            </a:br>
+            <a:endParaRPr lang="en-US" altLang="ja-JP" dirty="0"/>
+          </a:p>
+          <a:p>
+            <a:pPr lvl="1"/>
+            <a:r>
+              <a:rPr lang="ja-JP" altLang="en-US" b="1" dirty="0">
+                <a:solidFill>
+                  <a:srgbClr val="FF0000"/>
+                </a:solidFill>
+              </a:rPr>
+              <a:t>動的な配列</a:t>
+            </a:r>
+            <a:r>
+              <a:rPr lang="ja-JP" altLang="en-US" dirty="0"/>
+              <a:t>を実現できる</a:t>
+            </a:r>
+            <a:br>
+              <a:rPr lang="en-US" altLang="ja-JP" dirty="0"/>
+            </a:br>
+            <a:r>
+              <a:rPr lang="ja-JP" altLang="en-US" dirty="0"/>
+              <a:t>（配列の要素数最初に定めずに、都度追加できる）</a:t>
+            </a:r>
+            <a:br>
+              <a:rPr lang="en-US" altLang="ja-JP" dirty="0"/>
+            </a:br>
+            <a:br>
+              <a:rPr lang="en-US" altLang="ja-JP" dirty="0"/>
+            </a:br>
+            <a:r>
+              <a:rPr lang="ja-JP" altLang="en-US" dirty="0"/>
+              <a:t>例えばゲーム中の敵をクラスで管理したいとき、</a:t>
+            </a:r>
+            <a:br>
+              <a:rPr lang="en-US" altLang="ja-JP" dirty="0"/>
+            </a:br>
+            <a:r>
+              <a:rPr lang="en-US" altLang="ja-JP" dirty="0"/>
+              <a:t>1</a:t>
+            </a:r>
+            <a:r>
+              <a:rPr lang="ja-JP" altLang="en-US" dirty="0"/>
+              <a:t>体ずつインスタンスを生成するより、配列化した</a:t>
+            </a:r>
+            <a:br>
+              <a:rPr lang="en-US" altLang="ja-JP" dirty="0"/>
+            </a:br>
+            <a:r>
+              <a:rPr lang="ja-JP" altLang="en-US" dirty="0"/>
+              <a:t>ほうがよい</a:t>
+            </a:r>
+            <a:br>
+              <a:rPr lang="en-US" altLang="ja-JP" dirty="0"/>
+            </a:br>
+            <a:br>
+              <a:rPr lang="en-US" altLang="ja-JP" dirty="0"/>
+            </a:br>
+            <a:r>
+              <a:rPr lang="ja-JP" altLang="en-US" dirty="0"/>
+              <a:t>しかし、敵の数も増減するので固定長の配列は不適</a:t>
+            </a:r>
+            <a:endParaRPr lang="en-US" altLang="ja-JP" dirty="0"/>
+          </a:p>
+        </p:txBody>
+      </p:sp>
+    </p:spTree>
+    <p:extLst>
+      <p:ext uri="{BB962C8B-B14F-4D97-AF65-F5344CB8AC3E}">
+        <p14:creationId xmlns:p14="http://schemas.microsoft.com/office/powerpoint/2010/main" val="3857952349"/>
+      </p:ext>
+    </p:extLst>
+  </p:cSld>
+  <p:clrMapOvr>
+    <a:masterClrMapping/>
+  </p:clrMapOvr>
+</p:sld>
+</file>
+
+<file path=ppt/slides/slide4.xml><?xml version="1.0" encoding="utf-8"?>
+<p:sld xmlns:a="http://schemas.openxmlformats.org/drawingml/2006/main" xmlns:r="http://schemas.openxmlformats.org/officeDocument/2006/relationships" xmlns:p="http://schemas.openxmlformats.org/presentationml/2006/main">
+  <p:cSld>
+    <p:spTree>
+      <p:nvGrpSpPr>
+        <p:cNvPr id="1" name=""/>
+        <p:cNvGrpSpPr/>
+        <p:nvPr/>
+      </p:nvGrpSpPr>
+      <p:grpSpPr>
+        <a:xfrm>
+          <a:off x="0" y="0"/>
+          <a:ext cx="0" cy="0"/>
+          <a:chOff x="0" y="0"/>
+          <a:chExt cx="0" cy="0"/>
+        </a:xfrm>
+      </p:grpSpPr>
+      <p:sp>
+        <p:nvSpPr>
+          <p:cNvPr id="2" name="タイトル 1">
+            <a:extLst>
+              <a:ext uri="{FF2B5EF4-FFF2-40B4-BE49-F238E27FC236}">
+                <a16:creationId xmlns:a16="http://schemas.microsoft.com/office/drawing/2014/main" id="{9F789731-37C4-49DD-AEE8-78E5514E279E}"/>
+              </a:ext>
+            </a:extLst>
+          </p:cNvPr>
+          <p:cNvSpPr>
+            <a:spLocks noGrp="1"/>
+          </p:cNvSpPr>
+          <p:nvPr>
+            <p:ph type="title"/>
+          </p:nvPr>
+        </p:nvSpPr>
+        <p:spPr/>
+        <p:txBody>
+          <a:bodyPr/>
+          <a:lstStyle/>
+          <a:p>
+            <a:r>
+              <a:rPr kumimoji="1" lang="en-US" altLang="ja-JP" dirty="0"/>
+              <a:t>Vector</a:t>
+            </a:r>
+            <a:r>
+              <a:rPr kumimoji="1" lang="ja-JP" altLang="en-US" dirty="0"/>
+              <a:t>クラス</a:t>
+            </a:r>
+          </a:p>
+        </p:txBody>
+      </p:sp>
+      <p:sp>
+        <p:nvSpPr>
+          <p:cNvPr id="3" name="コンテンツ プレースホルダー 2">
+            <a:extLst>
+              <a:ext uri="{FF2B5EF4-FFF2-40B4-BE49-F238E27FC236}">
+                <a16:creationId xmlns:a16="http://schemas.microsoft.com/office/drawing/2014/main" id="{39562F0E-6033-40BD-BCB8-F015661306FD}"/>
+              </a:ext>
+            </a:extLst>
+          </p:cNvPr>
+          <p:cNvSpPr>
+            <a:spLocks noGrp="1"/>
+          </p:cNvSpPr>
+          <p:nvPr>
+            <p:ph idx="1"/>
+          </p:nvPr>
+        </p:nvSpPr>
+        <p:spPr/>
+        <p:txBody>
+          <a:bodyPr>
+            <a:normAutofit lnSpcReduction="10000"/>
+          </a:bodyPr>
+          <a:lstStyle/>
+          <a:p>
+            <a:r>
+              <a:rPr lang="en-US" altLang="ja-JP" dirty="0"/>
+              <a:t>Vector</a:t>
+            </a:r>
+            <a:r>
+              <a:rPr lang="ja-JP" altLang="en-US" dirty="0"/>
+              <a:t>を使う利点</a:t>
+            </a:r>
+            <a:br>
+              <a:rPr lang="en-US" altLang="ja-JP" dirty="0"/>
+            </a:br>
+            <a:endParaRPr lang="en-US" altLang="ja-JP" dirty="0"/>
+          </a:p>
+          <a:p>
+            <a:pPr lvl="1"/>
+            <a:r>
+              <a:rPr lang="ja-JP" altLang="en-US" b="1" dirty="0"/>
+              <a:t>（例）敵クラスのインスタンス生成</a:t>
+            </a:r>
+            <a:br>
+              <a:rPr lang="en-US" altLang="ja-JP" dirty="0"/>
+            </a:br>
+            <a:r>
+              <a:rPr lang="en-US" altLang="ja-JP" dirty="0"/>
+              <a:t>Enemy* pEnemy1 = new Enemy();</a:t>
+            </a:r>
+            <a:br>
+              <a:rPr lang="en-US" altLang="ja-JP" dirty="0"/>
+            </a:br>
+            <a:r>
+              <a:rPr lang="en-US" altLang="ja-JP" dirty="0"/>
+              <a:t>Enemy* pEnemy2 = new Enemy();</a:t>
+            </a:r>
+            <a:br>
+              <a:rPr lang="en-US" altLang="ja-JP" dirty="0"/>
+            </a:br>
+            <a:r>
+              <a:rPr lang="en-US" altLang="ja-JP" dirty="0"/>
+              <a:t>Enemy* pEnemy3 = new Enemy();</a:t>
+            </a:r>
+            <a:br>
+              <a:rPr lang="en-US" altLang="ja-JP" dirty="0"/>
+            </a:br>
+            <a:br>
+              <a:rPr lang="en-US" altLang="ja-JP" dirty="0"/>
+            </a:br>
+            <a:r>
+              <a:rPr lang="ja-JP" altLang="en-US" dirty="0"/>
+              <a:t>より</a:t>
+            </a:r>
+            <a:br>
+              <a:rPr lang="en-US" altLang="ja-JP" dirty="0"/>
+            </a:br>
+            <a:br>
+              <a:rPr lang="en-US" altLang="ja-JP" dirty="0"/>
+            </a:br>
+            <a:r>
+              <a:rPr lang="en-US" altLang="ja-JP" dirty="0"/>
+              <a:t>Enemy* </a:t>
+            </a:r>
+            <a:r>
+              <a:rPr lang="en-US" altLang="ja-JP" dirty="0" err="1"/>
+              <a:t>pEnemy</a:t>
+            </a:r>
+            <a:r>
+              <a:rPr lang="en-US" altLang="ja-JP" dirty="0"/>
+              <a:t> = new Enemy[100];</a:t>
+            </a:r>
+            <a:br>
+              <a:rPr lang="en-US" altLang="ja-JP" dirty="0"/>
+            </a:br>
+            <a:br>
+              <a:rPr lang="en-US" altLang="ja-JP" dirty="0"/>
+            </a:br>
+            <a:r>
+              <a:rPr lang="ja-JP" altLang="en-US" dirty="0"/>
+              <a:t>のほうがよいが、</a:t>
+            </a:r>
+            <a:r>
+              <a:rPr lang="en-US" altLang="ja-JP" dirty="0"/>
+              <a:t>100</a:t>
+            </a:r>
+            <a:r>
+              <a:rPr lang="ja-JP" altLang="en-US" dirty="0"/>
+              <a:t>体までしか対応できない</a:t>
+            </a:r>
+            <a:r>
+              <a:rPr lang="en-US" altLang="ja-JP" dirty="0"/>
+              <a:t>…</a:t>
+            </a:r>
+          </a:p>
+        </p:txBody>
+      </p:sp>
+    </p:spTree>
+    <p:extLst>
+      <p:ext uri="{BB962C8B-B14F-4D97-AF65-F5344CB8AC3E}">
+        <p14:creationId xmlns:p14="http://schemas.microsoft.com/office/powerpoint/2010/main" val="334589800"/>
+      </p:ext>
+    </p:extLst>
+  </p:cSld>
+  <p:clrMapOvr>
+    <a:masterClrMapping/>
+  </p:clrMapOvr>
+</p:sld>
+</file>
+
+<file path=ppt/slides/slide5.xml><?xml version="1.0" encoding="utf-8"?>
+<p:sld xmlns:a="http://schemas.openxmlformats.org/drawingml/2006/main" xmlns:r="http://schemas.openxmlformats.org/officeDocument/2006/relationships" xmlns:p="http://schemas.openxmlformats.org/presentationml/2006/main">
+  <p:cSld>
+    <p:spTree>
+      <p:nvGrpSpPr>
+        <p:cNvPr id="1" name=""/>
+        <p:cNvGrpSpPr/>
+        <p:nvPr/>
+      </p:nvGrpSpPr>
+      <p:grpSpPr>
+        <a:xfrm>
+          <a:off x="0" y="0"/>
+          <a:ext cx="0" cy="0"/>
+          <a:chOff x="0" y="0"/>
+          <a:chExt cx="0" cy="0"/>
+        </a:xfrm>
+      </p:grpSpPr>
+      <p:sp>
+        <p:nvSpPr>
+          <p:cNvPr id="2" name="タイトル 1">
+            <a:extLst>
+              <a:ext uri="{FF2B5EF4-FFF2-40B4-BE49-F238E27FC236}">
+                <a16:creationId xmlns:a16="http://schemas.microsoft.com/office/drawing/2014/main" id="{9F789731-37C4-49DD-AEE8-78E5514E279E}"/>
+              </a:ext>
+            </a:extLst>
+          </p:cNvPr>
+          <p:cNvSpPr>
+            <a:spLocks noGrp="1"/>
+          </p:cNvSpPr>
+          <p:nvPr>
+            <p:ph type="title"/>
+          </p:nvPr>
+        </p:nvSpPr>
+        <p:spPr/>
+        <p:txBody>
+          <a:bodyPr/>
+          <a:lstStyle/>
+          <a:p>
+            <a:r>
+              <a:rPr kumimoji="1" lang="en-US" altLang="ja-JP" dirty="0"/>
+              <a:t>Vector</a:t>
+            </a:r>
+            <a:r>
+              <a:rPr kumimoji="1" lang="ja-JP" altLang="en-US" dirty="0"/>
+              <a:t>クラス</a:t>
+            </a:r>
+          </a:p>
+        </p:txBody>
+      </p:sp>
+      <p:sp>
+        <p:nvSpPr>
+          <p:cNvPr id="3" name="コンテンツ プレースホルダー 2">
+            <a:extLst>
+              <a:ext uri="{FF2B5EF4-FFF2-40B4-BE49-F238E27FC236}">
+                <a16:creationId xmlns:a16="http://schemas.microsoft.com/office/drawing/2014/main" id="{39562F0E-6033-40BD-BCB8-F015661306FD}"/>
+              </a:ext>
+            </a:extLst>
+          </p:cNvPr>
+          <p:cNvSpPr>
+            <a:spLocks noGrp="1"/>
+          </p:cNvSpPr>
+          <p:nvPr>
+            <p:ph idx="1"/>
+          </p:nvPr>
+        </p:nvSpPr>
+        <p:spPr/>
+        <p:txBody>
+          <a:bodyPr>
+            <a:normAutofit/>
+          </a:bodyPr>
+          <a:lstStyle/>
+          <a:p>
+            <a:r>
+              <a:rPr lang="en-US" altLang="ja-JP" dirty="0"/>
+              <a:t>Vector</a:t>
+            </a:r>
+            <a:r>
+              <a:rPr lang="ja-JP" altLang="en-US" dirty="0"/>
+              <a:t>を使う利点</a:t>
+            </a:r>
+            <a:br>
+              <a:rPr lang="en-US" altLang="ja-JP" dirty="0"/>
+            </a:br>
+            <a:endParaRPr lang="en-US" altLang="ja-JP" dirty="0"/>
+          </a:p>
+          <a:p>
+            <a:pPr lvl="1"/>
+            <a:r>
+              <a:rPr lang="ja-JP" altLang="en-US" b="1" dirty="0"/>
+              <a:t>（例）敵クラスのインスタンス生成</a:t>
+            </a:r>
+            <a:br>
+              <a:rPr lang="en-US" altLang="ja-JP" b="1" dirty="0"/>
+            </a:br>
+            <a:r>
+              <a:rPr lang="en-US" altLang="ja-JP" dirty="0"/>
+              <a:t>Enemy* </a:t>
+            </a:r>
+            <a:r>
+              <a:rPr lang="en-US" altLang="ja-JP" dirty="0" err="1"/>
+              <a:t>pEnemy</a:t>
+            </a:r>
+            <a:r>
+              <a:rPr lang="en-US" altLang="ja-JP" dirty="0"/>
+              <a:t> = new Enemy[100];</a:t>
+            </a:r>
+            <a:br>
+              <a:rPr lang="en-US" altLang="ja-JP" dirty="0"/>
+            </a:br>
+            <a:r>
+              <a:rPr lang="ja-JP" altLang="en-US" dirty="0"/>
+              <a:t>　　　　　　　　　　　　　　　　　　　　　　　　　</a:t>
+            </a:r>
+            <a:br>
+              <a:rPr lang="en-US" altLang="ja-JP" dirty="0"/>
+            </a:br>
+            <a:r>
+              <a:rPr lang="en-US" altLang="ja-JP" dirty="0"/>
+              <a:t>Enemy* </a:t>
+            </a:r>
+            <a:r>
+              <a:rPr lang="en-US" altLang="ja-JP" dirty="0" err="1"/>
+              <a:t>pEnemy</a:t>
+            </a:r>
+            <a:r>
+              <a:rPr lang="en-US" altLang="ja-JP" dirty="0"/>
+              <a:t> = new Enemy[10000];</a:t>
+            </a:r>
+            <a:br>
+              <a:rPr lang="en-US" altLang="ja-JP" dirty="0"/>
+            </a:br>
+            <a:br>
+              <a:rPr lang="en-US" altLang="ja-JP" dirty="0"/>
+            </a:br>
+            <a:r>
+              <a:rPr lang="ja-JP" altLang="en-US" dirty="0"/>
+              <a:t>とすると、最初に</a:t>
+            </a:r>
+            <a:r>
+              <a:rPr lang="en-US" altLang="ja-JP" dirty="0"/>
+              <a:t>10000</a:t>
+            </a:r>
+            <a:r>
+              <a:rPr lang="ja-JP" altLang="en-US" dirty="0"/>
+              <a:t>体分のメモリを確保しようと</a:t>
+            </a:r>
+            <a:br>
+              <a:rPr lang="en-US" altLang="ja-JP" dirty="0"/>
+            </a:br>
+            <a:r>
+              <a:rPr lang="ja-JP" altLang="en-US" dirty="0"/>
+              <a:t>するため、敵が数体しか登場しないときはメモリの</a:t>
+            </a:r>
+            <a:br>
+              <a:rPr lang="en-US" altLang="ja-JP" dirty="0"/>
+            </a:br>
+            <a:r>
+              <a:rPr lang="ja-JP" altLang="en-US" dirty="0"/>
+              <a:t>無駄遣いになる</a:t>
+            </a:r>
+            <a:r>
+              <a:rPr lang="en-US" altLang="ja-JP" dirty="0"/>
+              <a:t>…</a:t>
+            </a:r>
+          </a:p>
+        </p:txBody>
+      </p:sp>
+      <p:sp>
+        <p:nvSpPr>
+          <p:cNvPr id="4" name="矢印: 下 3">
+            <a:extLst>
+              <a:ext uri="{FF2B5EF4-FFF2-40B4-BE49-F238E27FC236}">
+                <a16:creationId xmlns:a16="http://schemas.microsoft.com/office/drawing/2014/main" id="{56B0BAEB-2D4C-88CE-A756-7A44135E7C72}"/>
+              </a:ext>
+            </a:extLst>
+          </p:cNvPr>
+          <p:cNvSpPr/>
+          <p:nvPr/>
+        </p:nvSpPr>
+        <p:spPr>
+          <a:xfrm>
+            <a:off x="8482519" y="3341451"/>
+            <a:ext cx="330741" cy="384243"/>
+          </a:xfrm>
+          <a:prstGeom prst="downArrow">
+            <a:avLst/>
+          </a:prstGeom>
+        </p:spPr>
+        <p:style>
+          <a:lnRef idx="2">
+            <a:schemeClr val="accent1">
+              <a:shade val="15000"/>
+            </a:schemeClr>
+          </a:lnRef>
+          <a:fillRef idx="1">
+            <a:schemeClr val="accent1"/>
+          </a:fillRef>
+          <a:effectRef idx="0">
+            <a:schemeClr val="accent1"/>
+          </a:effectRef>
+          <a:fontRef idx="minor">
+            <a:schemeClr val="lt1"/>
+          </a:fontRef>
+        </p:style>
+        <p:txBody>
+          <a:bodyPr rtlCol="0" anchor="ctr"/>
+          <a:lstStyle/>
+          <a:p>
+            <a:pPr algn="ctr"/>
+            <a:endParaRPr kumimoji="1" lang="ja-JP" altLang="en-US"/>
+          </a:p>
+        </p:txBody>
+      </p:sp>
+    </p:spTree>
+    <p:extLst>
+      <p:ext uri="{BB962C8B-B14F-4D97-AF65-F5344CB8AC3E}">
+        <p14:creationId xmlns:p14="http://schemas.microsoft.com/office/powerpoint/2010/main" val="238633306"/>
+      </p:ext>
+    </p:extLst>
+  </p:cSld>
+  <p:clrMapOvr>
+    <a:masterClrMapping/>
+  </p:clrMapOvr>
+</p:sld>
+</file>
+
+<file path=ppt/slides/slide6.xml><?xml version="1.0" encoding="utf-8"?>
+<p:sld xmlns:a="http://schemas.openxmlformats.org/drawingml/2006/main" xmlns:r="http://schemas.openxmlformats.org/officeDocument/2006/relationships" xmlns:p="http://schemas.openxmlformats.org/presentationml/2006/main">
+  <p:cSld>
+    <p:spTree>
+      <p:nvGrpSpPr>
+        <p:cNvPr id="1" name=""/>
+        <p:cNvGrpSpPr/>
+        <p:nvPr/>
+      </p:nvGrpSpPr>
+      <p:grpSpPr>
+        <a:xfrm>
+          <a:off x="0" y="0"/>
+          <a:ext cx="0" cy="0"/>
+          <a:chOff x="0" y="0"/>
+          <a:chExt cx="0" cy="0"/>
+        </a:xfrm>
+      </p:grpSpPr>
+      <p:sp>
+        <p:nvSpPr>
+          <p:cNvPr id="2" name="タイトル 1">
+            <a:extLst>
+              <a:ext uri="{FF2B5EF4-FFF2-40B4-BE49-F238E27FC236}">
+                <a16:creationId xmlns:a16="http://schemas.microsoft.com/office/drawing/2014/main" id="{9F789731-37C4-49DD-AEE8-78E5514E279E}"/>
+              </a:ext>
+            </a:extLst>
+          </p:cNvPr>
+          <p:cNvSpPr>
+            <a:spLocks noGrp="1"/>
+          </p:cNvSpPr>
+          <p:nvPr>
+            <p:ph type="title"/>
+          </p:nvPr>
+        </p:nvSpPr>
+        <p:spPr/>
+        <p:txBody>
+          <a:bodyPr/>
+          <a:lstStyle/>
+          <a:p>
+            <a:r>
+              <a:rPr kumimoji="1" lang="en-US" altLang="ja-JP" dirty="0"/>
+              <a:t>Vector</a:t>
+            </a:r>
+            <a:r>
+              <a:rPr kumimoji="1" lang="ja-JP" altLang="en-US" dirty="0"/>
+              <a:t>クラス</a:t>
+            </a:r>
+          </a:p>
+        </p:txBody>
+      </p:sp>
+      <p:sp>
+        <p:nvSpPr>
+          <p:cNvPr id="3" name="コンテンツ プレースホルダー 2">
+            <a:extLst>
+              <a:ext uri="{FF2B5EF4-FFF2-40B4-BE49-F238E27FC236}">
+                <a16:creationId xmlns:a16="http://schemas.microsoft.com/office/drawing/2014/main" id="{39562F0E-6033-40BD-BCB8-F015661306FD}"/>
+              </a:ext>
+            </a:extLst>
+          </p:cNvPr>
+          <p:cNvSpPr>
+            <a:spLocks noGrp="1"/>
+          </p:cNvSpPr>
+          <p:nvPr>
+            <p:ph idx="1"/>
+          </p:nvPr>
+        </p:nvSpPr>
+        <p:spPr/>
+        <p:txBody>
+          <a:bodyPr>
+            <a:normAutofit/>
+          </a:bodyPr>
+          <a:lstStyle/>
+          <a:p>
+            <a:r>
+              <a:rPr lang="en-US" altLang="ja-JP" dirty="0"/>
+              <a:t>Vector</a:t>
+            </a:r>
+            <a:r>
+              <a:rPr lang="ja-JP" altLang="en-US" dirty="0"/>
+              <a:t>を使う利点</a:t>
+            </a:r>
+            <a:br>
+              <a:rPr lang="en-US" altLang="ja-JP" dirty="0"/>
+            </a:br>
+            <a:endParaRPr lang="en-US" altLang="ja-JP" dirty="0"/>
+          </a:p>
+          <a:p>
+            <a:pPr lvl="1"/>
+            <a:r>
+              <a:rPr lang="ja-JP" altLang="en-US" b="1" dirty="0"/>
+              <a:t>（例）敵クラスのインスタンス生成</a:t>
+            </a:r>
+            <a:br>
+              <a:rPr lang="en-US" altLang="ja-JP" b="1" dirty="0"/>
+            </a:br>
+            <a:br>
+              <a:rPr lang="en-US" altLang="ja-JP" b="1" dirty="0"/>
+            </a:br>
+            <a:r>
+              <a:rPr lang="en-US" altLang="ja-JP" dirty="0"/>
+              <a:t>Vector</a:t>
+            </a:r>
+            <a:r>
+              <a:rPr lang="ja-JP" altLang="en-US" dirty="0"/>
+              <a:t>を使うことで、必要なときに必要なぶんだけ</a:t>
+            </a:r>
+            <a:br>
+              <a:rPr lang="en-US" altLang="ja-JP" dirty="0"/>
+            </a:br>
+            <a:r>
+              <a:rPr lang="ja-JP" altLang="en-US" dirty="0"/>
+              <a:t>配列要素を確保して、不要になれば削除すればよい</a:t>
+            </a:r>
+            <a:br>
+              <a:rPr lang="en-US" altLang="ja-JP" dirty="0"/>
+            </a:br>
+            <a:br>
+              <a:rPr lang="en-US" altLang="ja-JP" dirty="0"/>
+            </a:br>
+            <a:r>
+              <a:rPr lang="ja-JP" altLang="en-US" dirty="0"/>
+              <a:t>こういった配列を</a:t>
+            </a:r>
+            <a:r>
+              <a:rPr lang="ja-JP" altLang="en-US" b="1" dirty="0">
+                <a:solidFill>
+                  <a:srgbClr val="FF0000"/>
+                </a:solidFill>
+              </a:rPr>
+              <a:t>動的配列</a:t>
+            </a:r>
+            <a:r>
+              <a:rPr lang="ja-JP" altLang="en-US" dirty="0"/>
+              <a:t>もしくは</a:t>
+            </a:r>
+            <a:r>
+              <a:rPr lang="ja-JP" altLang="en-US" b="1" dirty="0">
+                <a:solidFill>
+                  <a:srgbClr val="FF0000"/>
+                </a:solidFill>
+              </a:rPr>
+              <a:t>可変長配列</a:t>
+            </a:r>
+            <a:r>
+              <a:rPr lang="ja-JP" altLang="en-US" dirty="0"/>
+              <a:t>という</a:t>
+            </a:r>
+            <a:endParaRPr lang="en-US" altLang="ja-JP" dirty="0"/>
+          </a:p>
+        </p:txBody>
+      </p:sp>
+    </p:spTree>
+    <p:extLst>
+      <p:ext uri="{BB962C8B-B14F-4D97-AF65-F5344CB8AC3E}">
+        <p14:creationId xmlns:p14="http://schemas.microsoft.com/office/powerpoint/2010/main" val="2795998479"/>
+      </p:ext>
+    </p:extLst>
+  </p:cSld>
+  <p:clrMapOvr>
+    <a:masterClrMapping/>
+  </p:clrMapOvr>
+</p:sld>
+</file>
+
+<file path=ppt/slides/slide7.xml><?xml version="1.0" encoding="utf-8"?>
+<p:sld xmlns:a="http://schemas.openxmlformats.org/drawingml/2006/main" xmlns:r="http://schemas.openxmlformats.org/officeDocument/2006/relationships" xmlns:p="http://schemas.openxmlformats.org/presentationml/2006/main">
+  <p:cSld>
+    <p:spTree>
+      <p:nvGrpSpPr>
+        <p:cNvPr id="1" name=""/>
+        <p:cNvGrpSpPr/>
+        <p:nvPr/>
+      </p:nvGrpSpPr>
+      <p:grpSpPr>
+        <a:xfrm>
+          <a:off x="0" y="0"/>
+          <a:ext cx="0" cy="0"/>
+          <a:chOff x="0" y="0"/>
+          <a:chExt cx="0" cy="0"/>
+        </a:xfrm>
+      </p:grpSpPr>
+      <p:sp>
+        <p:nvSpPr>
+          <p:cNvPr id="2" name="タイトル 1">
+            <a:extLst>
+              <a:ext uri="{FF2B5EF4-FFF2-40B4-BE49-F238E27FC236}">
+                <a16:creationId xmlns:a16="http://schemas.microsoft.com/office/drawing/2014/main" id="{9F789731-37C4-49DD-AEE8-78E5514E279E}"/>
+              </a:ext>
+            </a:extLst>
+          </p:cNvPr>
+          <p:cNvSpPr>
+            <a:spLocks noGrp="1"/>
+          </p:cNvSpPr>
+          <p:nvPr>
+            <p:ph type="title"/>
+          </p:nvPr>
+        </p:nvSpPr>
+        <p:spPr/>
+        <p:txBody>
+          <a:bodyPr/>
+          <a:lstStyle/>
+          <a:p>
+            <a:r>
+              <a:rPr kumimoji="1" lang="en-US" altLang="ja-JP" dirty="0"/>
+              <a:t>Vector</a:t>
+            </a:r>
+            <a:r>
+              <a:rPr kumimoji="1" lang="ja-JP" altLang="en-US" dirty="0"/>
+              <a:t>クラス</a:t>
+            </a:r>
+          </a:p>
+        </p:txBody>
+      </p:sp>
+      <p:sp>
+        <p:nvSpPr>
+          <p:cNvPr id="3" name="コンテンツ プレースホルダー 2">
+            <a:extLst>
+              <a:ext uri="{FF2B5EF4-FFF2-40B4-BE49-F238E27FC236}">
+                <a16:creationId xmlns:a16="http://schemas.microsoft.com/office/drawing/2014/main" id="{39562F0E-6033-40BD-BCB8-F015661306FD}"/>
+              </a:ext>
+            </a:extLst>
+          </p:cNvPr>
+          <p:cNvSpPr>
+            <a:spLocks noGrp="1"/>
+          </p:cNvSpPr>
+          <p:nvPr>
+            <p:ph idx="1"/>
+          </p:nvPr>
+        </p:nvSpPr>
+        <p:spPr/>
+        <p:txBody>
+          <a:bodyPr>
+            <a:normAutofit/>
+          </a:bodyPr>
+          <a:lstStyle/>
+          <a:p>
+            <a:r>
+              <a:rPr lang="en-US" altLang="ja-JP" dirty="0"/>
+              <a:t>Vector</a:t>
+            </a:r>
+            <a:r>
+              <a:rPr lang="ja-JP" altLang="en-US" dirty="0"/>
+              <a:t>を使う利点</a:t>
+            </a:r>
+            <a:br>
+              <a:rPr lang="en-US" altLang="ja-JP" dirty="0"/>
+            </a:br>
+            <a:endParaRPr lang="en-US" altLang="ja-JP" dirty="0"/>
+          </a:p>
+          <a:p>
+            <a:pPr lvl="1"/>
+            <a:r>
+              <a:rPr lang="en-US" altLang="ja-JP" dirty="0"/>
+              <a:t>Vector</a:t>
+            </a:r>
+            <a:r>
+              <a:rPr lang="ja-JP" altLang="en-US" dirty="0"/>
+              <a:t>クラスのメンバ関数</a:t>
+            </a:r>
+            <a:endParaRPr lang="en-US" altLang="ja-JP" dirty="0"/>
+          </a:p>
+          <a:p>
+            <a:pPr lvl="2"/>
+            <a:r>
+              <a:rPr lang="en-US" altLang="ja-JP" dirty="0"/>
+              <a:t>size()		:</a:t>
+            </a:r>
+            <a:r>
+              <a:rPr lang="ja-JP" altLang="en-US" dirty="0"/>
+              <a:t>配列の全要素数をカウント</a:t>
+            </a:r>
+            <a:endParaRPr lang="en-US" altLang="ja-JP" dirty="0"/>
+          </a:p>
+          <a:p>
+            <a:pPr lvl="2"/>
+            <a:r>
+              <a:rPr lang="en-US" altLang="ja-JP" dirty="0" err="1"/>
+              <a:t>push_back</a:t>
+            </a:r>
+            <a:r>
+              <a:rPr lang="en-US" altLang="ja-JP" dirty="0"/>
+              <a:t>()	:</a:t>
+            </a:r>
+          </a:p>
+          <a:p>
+            <a:pPr lvl="2"/>
+            <a:r>
+              <a:rPr lang="en-US" altLang="ja-JP" dirty="0" err="1"/>
+              <a:t>pop_back</a:t>
+            </a:r>
+            <a:r>
+              <a:rPr lang="en-US" altLang="ja-JP" dirty="0"/>
+              <a:t>()	:</a:t>
+            </a:r>
+          </a:p>
+          <a:p>
+            <a:pPr lvl="2"/>
+            <a:r>
+              <a:rPr lang="en-US" altLang="ja-JP" dirty="0"/>
+              <a:t>erase()		:</a:t>
+            </a:r>
+          </a:p>
+          <a:p>
+            <a:pPr lvl="2"/>
+            <a:r>
+              <a:rPr lang="en-US" altLang="ja-JP" dirty="0"/>
+              <a:t>begin()		:</a:t>
+            </a:r>
+          </a:p>
+          <a:p>
+            <a:pPr lvl="2"/>
+            <a:r>
+              <a:rPr lang="en-US" altLang="ja-JP" dirty="0"/>
+              <a:t>insert()	:</a:t>
+            </a:r>
+          </a:p>
+          <a:p>
+            <a:pPr lvl="2"/>
+            <a:r>
+              <a:rPr lang="en-US" altLang="ja-JP"/>
+              <a:t>swap()		:</a:t>
+            </a:r>
+            <a:endParaRPr lang="en-US" altLang="ja-JP" dirty="0"/>
+          </a:p>
+        </p:txBody>
+      </p:sp>
+    </p:spTree>
+    <p:extLst>
+      <p:ext uri="{BB962C8B-B14F-4D97-AF65-F5344CB8AC3E}">
+        <p14:creationId xmlns:p14="http://schemas.microsoft.com/office/powerpoint/2010/main" val="1346714230"/>
+      </p:ext>
+    </p:extLst>
+  </p:cSld>
+  <p:clrMapOvr>
+    <a:masterClrMapping/>
+  </p:clrMapOvr>
+</p:sld>
+</file>
+
+<file path=ppt/slides/slide8.xml><?xml version="1.0" encoding="utf-8"?>
 <p:sld xmlns:a="http://schemas.openxmlformats.org/drawingml/2006/main" xmlns:r="http://schemas.openxmlformats.org/officeDocument/2006/relationships" xmlns:p="http://schemas.openxmlformats.org/presentationml/2006/main">
   <p:cSld>
     <p:spTree>

--- a/授業資料/講義資料：Vectorクラス.pptx
+++ b/授業資料/講義資料：Vectorクラス.pptx
@@ -13,6 +13,8 @@
     <p:sldId id="347" r:id="rId7"/>
     <p:sldId id="348" r:id="rId8"/>
     <p:sldId id="343" r:id="rId9"/>
+    <p:sldId id="349" r:id="rId10"/>
+    <p:sldId id="350" r:id="rId11"/>
   </p:sldIdLst>
   <p:sldSz cx="12192000" cy="6858000"/>
   <p:notesSz cx="6858000" cy="9144000"/>
@@ -3524,6 +3526,207 @@
 </p:sld>
 </file>
 
+<file path=ppt/slides/slide10.xml><?xml version="1.0" encoding="utf-8"?>
+<p:sld xmlns:a="http://schemas.openxmlformats.org/drawingml/2006/main" xmlns:r="http://schemas.openxmlformats.org/officeDocument/2006/relationships" xmlns:p="http://schemas.openxmlformats.org/presentationml/2006/main">
+  <p:cSld>
+    <p:spTree>
+      <p:nvGrpSpPr>
+        <p:cNvPr id="1" name=""/>
+        <p:cNvGrpSpPr/>
+        <p:nvPr/>
+      </p:nvGrpSpPr>
+      <p:grpSpPr>
+        <a:xfrm>
+          <a:off x="0" y="0"/>
+          <a:ext cx="0" cy="0"/>
+          <a:chOff x="0" y="0"/>
+          <a:chExt cx="0" cy="0"/>
+        </a:xfrm>
+      </p:grpSpPr>
+      <p:sp>
+        <p:nvSpPr>
+          <p:cNvPr id="2" name="タイトル 1">
+            <a:extLst>
+              <a:ext uri="{FF2B5EF4-FFF2-40B4-BE49-F238E27FC236}">
+                <a16:creationId xmlns:a16="http://schemas.microsoft.com/office/drawing/2014/main" id="{9F789731-37C4-49DD-AEE8-78E5514E279E}"/>
+              </a:ext>
+            </a:extLst>
+          </p:cNvPr>
+          <p:cNvSpPr>
+            <a:spLocks noGrp="1"/>
+          </p:cNvSpPr>
+          <p:nvPr>
+            <p:ph type="title"/>
+          </p:nvPr>
+        </p:nvSpPr>
+        <p:spPr/>
+        <p:txBody>
+          <a:bodyPr/>
+          <a:lstStyle/>
+          <a:p>
+            <a:r>
+              <a:rPr kumimoji="1" lang="en-US" altLang="ja-JP" dirty="0"/>
+              <a:t>Vector</a:t>
+            </a:r>
+            <a:r>
+              <a:rPr kumimoji="1" lang="ja-JP" altLang="en-US" dirty="0"/>
+              <a:t>クラス</a:t>
+            </a:r>
+          </a:p>
+        </p:txBody>
+      </p:sp>
+      <p:sp>
+        <p:nvSpPr>
+          <p:cNvPr id="3" name="コンテンツ プレースホルダー 2">
+            <a:extLst>
+              <a:ext uri="{FF2B5EF4-FFF2-40B4-BE49-F238E27FC236}">
+                <a16:creationId xmlns:a16="http://schemas.microsoft.com/office/drawing/2014/main" id="{39562F0E-6033-40BD-BCB8-F015661306FD}"/>
+              </a:ext>
+            </a:extLst>
+          </p:cNvPr>
+          <p:cNvSpPr>
+            <a:spLocks noGrp="1"/>
+          </p:cNvSpPr>
+          <p:nvPr>
+            <p:ph idx="1"/>
+          </p:nvPr>
+        </p:nvSpPr>
+        <p:spPr/>
+        <p:txBody>
+          <a:bodyPr>
+            <a:normAutofit/>
+          </a:bodyPr>
+          <a:lstStyle/>
+          <a:p>
+            <a:r>
+              <a:rPr lang="en-US" altLang="ja-JP" dirty="0"/>
+              <a:t>vector</a:t>
+            </a:r>
+            <a:r>
+              <a:rPr lang="ja-JP" altLang="en-US" dirty="0"/>
+              <a:t>の末尾にデータを追加</a:t>
+            </a:r>
+            <a:br>
+              <a:rPr lang="en-US" altLang="ja-JP" dirty="0"/>
+            </a:br>
+            <a:endParaRPr lang="en-US" altLang="ja-JP" dirty="0"/>
+          </a:p>
+          <a:p>
+            <a:r>
+              <a:rPr lang="en-US" altLang="ja-JP" dirty="0"/>
+              <a:t>std::</a:t>
+            </a:r>
+            <a:r>
+              <a:rPr lang="en-US" altLang="ja-JP" b="1" dirty="0"/>
+              <a:t>vector</a:t>
+            </a:r>
+            <a:r>
+              <a:rPr lang="en-US" altLang="ja-JP" dirty="0"/>
+              <a:t>&lt;</a:t>
+            </a:r>
+            <a:r>
+              <a:rPr lang="en-US" altLang="ja-JP" dirty="0">
+                <a:solidFill>
+                  <a:srgbClr val="00B0F0"/>
+                </a:solidFill>
+              </a:rPr>
+              <a:t>int</a:t>
+            </a:r>
+            <a:r>
+              <a:rPr lang="en-US" altLang="ja-JP" dirty="0"/>
+              <a:t>&gt; </a:t>
+            </a:r>
+            <a:r>
+              <a:rPr lang="en-US" altLang="ja-JP" dirty="0" err="1">
+                <a:solidFill>
+                  <a:srgbClr val="FF00FF"/>
+                </a:solidFill>
+              </a:rPr>
+              <a:t>intVec</a:t>
+            </a:r>
+            <a:br>
+              <a:rPr lang="en-US" altLang="ja-JP" dirty="0"/>
+            </a:br>
+            <a:br>
+              <a:rPr lang="en-US" altLang="ja-JP" dirty="0"/>
+            </a:br>
+            <a:r>
+              <a:rPr lang="en-US" altLang="ja-JP" dirty="0" err="1"/>
+              <a:t>intVec.</a:t>
+            </a:r>
+            <a:r>
+              <a:rPr lang="en-US" altLang="ja-JP" dirty="0" err="1">
+                <a:solidFill>
+                  <a:srgbClr val="FF0000"/>
+                </a:solidFill>
+              </a:rPr>
+              <a:t>push_back</a:t>
+            </a:r>
+            <a:r>
+              <a:rPr lang="en-US" altLang="ja-JP" dirty="0"/>
+              <a:t>(10)</a:t>
+            </a:r>
+            <a:r>
+              <a:rPr lang="ja-JP" altLang="en-US" dirty="0"/>
+              <a:t>　　　　　または</a:t>
+            </a:r>
+            <a:br>
+              <a:rPr lang="en-US" altLang="ja-JP" dirty="0">
+                <a:solidFill>
+                  <a:srgbClr val="00B050"/>
+                </a:solidFill>
+              </a:rPr>
+            </a:br>
+            <a:r>
+              <a:rPr lang="en-US" altLang="ja-JP" dirty="0" err="1"/>
+              <a:t>intVec.</a:t>
+            </a:r>
+            <a:r>
+              <a:rPr lang="en-US" altLang="ja-JP" dirty="0" err="1">
+                <a:solidFill>
+                  <a:srgbClr val="00B050"/>
+                </a:solidFill>
+              </a:rPr>
+              <a:t>emplace_back</a:t>
+            </a:r>
+            <a:r>
+              <a:rPr lang="en-US" altLang="ja-JP" dirty="0"/>
+              <a:t>(11)</a:t>
+            </a:r>
+            <a:br>
+              <a:rPr lang="en-US" altLang="ja-JP" dirty="0"/>
+            </a:br>
+            <a:br>
+              <a:rPr lang="en-US" altLang="ja-JP" dirty="0"/>
+            </a:br>
+            <a:r>
+              <a:rPr lang="ja-JP" altLang="en-US" dirty="0"/>
+              <a:t>引数は定義したときと同じ基本型のデータ</a:t>
+            </a:r>
+            <a:br>
+              <a:rPr lang="en-US" altLang="ja-JP" dirty="0"/>
+            </a:br>
+            <a:r>
+              <a:rPr lang="ja-JP" altLang="en-US" dirty="0"/>
+              <a:t>追加すると要素数が増えていく</a:t>
+            </a:r>
+            <a:endParaRPr lang="en-US" altLang="ja-JP" dirty="0"/>
+          </a:p>
+        </p:txBody>
+      </p:sp>
+    </p:spTree>
+    <p:extLst>
+      <p:ext uri="{BB962C8B-B14F-4D97-AF65-F5344CB8AC3E}">
+        <p14:creationId xmlns:p14="http://schemas.microsoft.com/office/powerpoint/2010/main" val="2259584471"/>
+      </p:ext>
+    </p:extLst>
+  </p:cSld>
+  <p:clrMapOvr>
+    <a:masterClrMapping/>
+  </p:clrMapOvr>
+</p:sld>
+</file>
+
 <file path=ppt/slides/slide2.xml><?xml version="1.0" encoding="utf-8"?>
 <p:sld xmlns:a="http://schemas.openxmlformats.org/drawingml/2006/main" xmlns:r="http://schemas.openxmlformats.org/officeDocument/2006/relationships" xmlns:p="http://schemas.openxmlformats.org/presentationml/2006/main">
   <p:cSld>
@@ -3911,7 +4114,7 @@
           <a:p>
             <a:r>
               <a:rPr lang="en-US" altLang="ja-JP" dirty="0"/>
-              <a:t>Vector</a:t>
+              <a:t>vector</a:t>
             </a:r>
             <a:r>
               <a:rPr lang="ja-JP" altLang="en-US" dirty="0"/>
@@ -4089,7 +4292,7 @@
           <a:p>
             <a:r>
               <a:rPr lang="en-US" altLang="ja-JP" dirty="0"/>
-              <a:t>Vector</a:t>
+              <a:t>vector</a:t>
             </a:r>
             <a:r>
               <a:rPr lang="ja-JP" altLang="en-US" dirty="0"/>
@@ -4315,7 +4518,7 @@
           <a:p>
             <a:r>
               <a:rPr lang="en-US" altLang="ja-JP" dirty="0"/>
-              <a:t>Vector</a:t>
+              <a:t>vector</a:t>
             </a:r>
             <a:r>
               <a:rPr lang="ja-JP" altLang="en-US" dirty="0"/>
@@ -4478,7 +4681,7 @@
           <a:p>
             <a:r>
               <a:rPr lang="en-US" altLang="ja-JP" dirty="0"/>
-              <a:t>Vector</a:t>
+              <a:t>vector</a:t>
             </a:r>
             <a:r>
               <a:rPr lang="ja-JP" altLang="en-US" dirty="0"/>
@@ -4523,6 +4726,11 @@
               <a:rPr lang="en-US" altLang="ja-JP" dirty="0"/>
               <a:t>()	:</a:t>
             </a:r>
+            <a:r>
+              <a:rPr lang="ja-JP" altLang="en-US" dirty="0"/>
+              <a:t>配列末尾に要素を付け加える</a:t>
+            </a:r>
+            <a:endParaRPr lang="en-US" altLang="ja-JP" dirty="0"/>
           </a:p>
           <a:p>
             <a:pPr lvl="2"/>
@@ -4534,6 +4742,11 @@
               <a:rPr lang="en-US" altLang="ja-JP" dirty="0"/>
               <a:t>()	:</a:t>
             </a:r>
+            <a:r>
+              <a:rPr lang="ja-JP" altLang="en-US" dirty="0"/>
+              <a:t>配列末尾のデータを消去する</a:t>
+            </a:r>
+            <a:endParaRPr lang="en-US" altLang="ja-JP" dirty="0"/>
           </a:p>
           <a:p>
             <a:pPr lvl="2"/>
@@ -4541,26 +4754,61 @@
               <a:rPr lang="en-US" altLang="ja-JP" dirty="0"/>
               <a:t>erase()		:</a:t>
             </a:r>
+            <a:r>
+              <a:rPr lang="ja-JP" altLang="en-US" dirty="0"/>
+              <a:t>指定された場所の要素を削除する</a:t>
+            </a:r>
+            <a:endParaRPr lang="en-US" altLang="ja-JP" dirty="0"/>
           </a:p>
           <a:p>
             <a:pPr lvl="2"/>
             <a:r>
               <a:rPr lang="en-US" altLang="ja-JP" dirty="0"/>
-              <a:t>begin()		:</a:t>
-            </a:r>
+              <a:t>insert()	:</a:t>
+            </a:r>
+            <a:r>
+              <a:rPr lang="ja-JP" altLang="en-US" dirty="0"/>
+              <a:t>指定された場所へ要素を追加する</a:t>
+            </a:r>
+            <a:endParaRPr lang="en-US" altLang="ja-JP" dirty="0"/>
           </a:p>
           <a:p>
             <a:pPr lvl="2"/>
             <a:r>
               <a:rPr lang="en-US" altLang="ja-JP" dirty="0"/>
-              <a:t>insert()	:</a:t>
-            </a:r>
+              <a:t>empty()		:</a:t>
+            </a:r>
+            <a:r>
+              <a:rPr lang="ja-JP" altLang="en-US" dirty="0"/>
+              <a:t>配列要素が空なら</a:t>
+            </a:r>
+            <a:r>
+              <a:rPr lang="en-US" altLang="ja-JP" dirty="0"/>
+              <a:t>true</a:t>
+            </a:r>
+            <a:r>
+              <a:rPr lang="ja-JP" altLang="en-US" dirty="0"/>
+              <a:t>を返す</a:t>
+            </a:r>
+            <a:endParaRPr lang="en-US" altLang="ja-JP" dirty="0"/>
           </a:p>
           <a:p>
             <a:pPr lvl="2"/>
             <a:r>
-              <a:rPr lang="en-US" altLang="ja-JP"/>
+              <a:rPr lang="en-US" altLang="ja-JP" dirty="0"/>
               <a:t>swap()		:</a:t>
+            </a:r>
+            <a:r>
+              <a:rPr lang="ja-JP" altLang="en-US" dirty="0"/>
+              <a:t>二つの</a:t>
+            </a:r>
+            <a:r>
+              <a:rPr lang="en-US" altLang="ja-JP" dirty="0"/>
+              <a:t>vector</a:t>
+            </a:r>
+            <a:r>
+              <a:rPr lang="ja-JP" altLang="en-US" dirty="0"/>
+              <a:t>を入れ替える</a:t>
             </a:r>
             <a:endParaRPr lang="en-US" altLang="ja-JP" dirty="0"/>
           </a:p>
@@ -4763,6 +5011,263 @@
     <p:extLst>
       <p:ext uri="{BB962C8B-B14F-4D97-AF65-F5344CB8AC3E}">
         <p14:creationId xmlns:p14="http://schemas.microsoft.com/office/powerpoint/2010/main" val="1067166728"/>
+      </p:ext>
+    </p:extLst>
+  </p:cSld>
+  <p:clrMapOvr>
+    <a:masterClrMapping/>
+  </p:clrMapOvr>
+</p:sld>
+</file>
+
+<file path=ppt/slides/slide9.xml><?xml version="1.0" encoding="utf-8"?>
+<p:sld xmlns:a="http://schemas.openxmlformats.org/drawingml/2006/main" xmlns:r="http://schemas.openxmlformats.org/officeDocument/2006/relationships" xmlns:p="http://schemas.openxmlformats.org/presentationml/2006/main">
+  <p:cSld>
+    <p:spTree>
+      <p:nvGrpSpPr>
+        <p:cNvPr id="1" name=""/>
+        <p:cNvGrpSpPr/>
+        <p:nvPr/>
+      </p:nvGrpSpPr>
+      <p:grpSpPr>
+        <a:xfrm>
+          <a:off x="0" y="0"/>
+          <a:ext cx="0" cy="0"/>
+          <a:chOff x="0" y="0"/>
+          <a:chExt cx="0" cy="0"/>
+        </a:xfrm>
+      </p:grpSpPr>
+      <p:sp>
+        <p:nvSpPr>
+          <p:cNvPr id="2" name="タイトル 1">
+            <a:extLst>
+              <a:ext uri="{FF2B5EF4-FFF2-40B4-BE49-F238E27FC236}">
+                <a16:creationId xmlns:a16="http://schemas.microsoft.com/office/drawing/2014/main" id="{9F789731-37C4-49DD-AEE8-78E5514E279E}"/>
+              </a:ext>
+            </a:extLst>
+          </p:cNvPr>
+          <p:cNvSpPr>
+            <a:spLocks noGrp="1"/>
+          </p:cNvSpPr>
+          <p:nvPr>
+            <p:ph type="title"/>
+          </p:nvPr>
+        </p:nvSpPr>
+        <p:spPr/>
+        <p:txBody>
+          <a:bodyPr/>
+          <a:lstStyle/>
+          <a:p>
+            <a:r>
+              <a:rPr kumimoji="1" lang="en-US" altLang="ja-JP" dirty="0"/>
+              <a:t>Vector</a:t>
+            </a:r>
+            <a:r>
+              <a:rPr kumimoji="1" lang="ja-JP" altLang="en-US" dirty="0"/>
+              <a:t>クラス</a:t>
+            </a:r>
+          </a:p>
+        </p:txBody>
+      </p:sp>
+      <p:sp>
+        <p:nvSpPr>
+          <p:cNvPr id="3" name="コンテンツ プレースホルダー 2">
+            <a:extLst>
+              <a:ext uri="{FF2B5EF4-FFF2-40B4-BE49-F238E27FC236}">
+                <a16:creationId xmlns:a16="http://schemas.microsoft.com/office/drawing/2014/main" id="{39562F0E-6033-40BD-BCB8-F015661306FD}"/>
+              </a:ext>
+            </a:extLst>
+          </p:cNvPr>
+          <p:cNvSpPr>
+            <a:spLocks noGrp="1"/>
+          </p:cNvSpPr>
+          <p:nvPr>
+            <p:ph idx="1"/>
+          </p:nvPr>
+        </p:nvSpPr>
+        <p:spPr/>
+        <p:txBody>
+          <a:bodyPr>
+            <a:normAutofit/>
+          </a:bodyPr>
+          <a:lstStyle/>
+          <a:p>
+            <a:r>
+              <a:rPr lang="en-US" altLang="ja-JP" dirty="0"/>
+              <a:t>vector</a:t>
+            </a:r>
+            <a:r>
+              <a:rPr lang="ja-JP" altLang="en-US" dirty="0"/>
+              <a:t>の宣言方法</a:t>
+            </a:r>
+            <a:br>
+              <a:rPr lang="en-US" altLang="ja-JP" dirty="0"/>
+            </a:br>
+            <a:endParaRPr lang="en-US" altLang="ja-JP" dirty="0"/>
+          </a:p>
+          <a:p>
+            <a:r>
+              <a:rPr lang="en-US" altLang="ja-JP" dirty="0">
+                <a:solidFill>
+                  <a:srgbClr val="FF0000"/>
+                </a:solidFill>
+              </a:rPr>
+              <a:t>#include &lt;vector&gt; </a:t>
+            </a:r>
+            <a:r>
+              <a:rPr lang="ja-JP" altLang="en-US" dirty="0"/>
+              <a:t>が必須</a:t>
+            </a:r>
+            <a:br>
+              <a:rPr lang="en-US" altLang="ja-JP" dirty="0"/>
+            </a:br>
+            <a:endParaRPr lang="en-US" altLang="ja-JP" dirty="0"/>
+          </a:p>
+          <a:p>
+            <a:r>
+              <a:rPr lang="en-US" altLang="ja-JP" dirty="0"/>
+              <a:t>std::</a:t>
+            </a:r>
+            <a:r>
+              <a:rPr lang="en-US" altLang="ja-JP" b="1" dirty="0"/>
+              <a:t>vector</a:t>
+            </a:r>
+            <a:r>
+              <a:rPr lang="en-US" altLang="ja-JP" dirty="0"/>
+              <a:t>&lt;</a:t>
+            </a:r>
+            <a:r>
+              <a:rPr lang="ja-JP" altLang="en-US" dirty="0">
+                <a:solidFill>
+                  <a:srgbClr val="00B0F0"/>
+                </a:solidFill>
+              </a:rPr>
+              <a:t>型名</a:t>
+            </a:r>
+            <a:r>
+              <a:rPr lang="en-US" altLang="ja-JP" dirty="0"/>
+              <a:t>&gt; </a:t>
+            </a:r>
+            <a:r>
+              <a:rPr lang="ja-JP" altLang="en-US" dirty="0">
+                <a:solidFill>
+                  <a:srgbClr val="FF00FF"/>
+                </a:solidFill>
+              </a:rPr>
+              <a:t>変数名</a:t>
+            </a:r>
+            <a:br>
+              <a:rPr lang="en-US" altLang="ja-JP" dirty="0"/>
+            </a:br>
+            <a:r>
+              <a:rPr lang="en-US" altLang="ja-JP" dirty="0"/>
+              <a:t>std::</a:t>
+            </a:r>
+            <a:r>
+              <a:rPr lang="en-US" altLang="ja-JP" b="1" dirty="0"/>
+              <a:t>vector</a:t>
+            </a:r>
+            <a:r>
+              <a:rPr lang="en-US" altLang="ja-JP" dirty="0"/>
+              <a:t>&lt;</a:t>
+            </a:r>
+            <a:r>
+              <a:rPr lang="ja-JP" altLang="en-US" dirty="0">
+                <a:solidFill>
+                  <a:srgbClr val="00B0F0"/>
+                </a:solidFill>
+              </a:rPr>
+              <a:t>型名</a:t>
+            </a:r>
+            <a:r>
+              <a:rPr lang="en-US" altLang="ja-JP" dirty="0"/>
+              <a:t>&gt; </a:t>
+            </a:r>
+            <a:r>
+              <a:rPr lang="ja-JP" altLang="en-US" dirty="0">
+                <a:solidFill>
+                  <a:srgbClr val="FF00FF"/>
+                </a:solidFill>
+              </a:rPr>
+              <a:t>変数名 </a:t>
+            </a:r>
+            <a:r>
+              <a:rPr lang="en-US" altLang="ja-JP" dirty="0">
+                <a:solidFill>
+                  <a:srgbClr val="00B050"/>
+                </a:solidFill>
+              </a:rPr>
+              <a:t>{ </a:t>
+            </a:r>
+            <a:r>
+              <a:rPr lang="ja-JP" altLang="en-US" dirty="0">
+                <a:solidFill>
+                  <a:srgbClr val="00B050"/>
+                </a:solidFill>
+              </a:rPr>
+              <a:t>初期値 </a:t>
+            </a:r>
+            <a:r>
+              <a:rPr lang="en-US" altLang="ja-JP" dirty="0">
+                <a:solidFill>
+                  <a:srgbClr val="00B050"/>
+                </a:solidFill>
+              </a:rPr>
+              <a:t>}</a:t>
+            </a:r>
+            <a:br>
+              <a:rPr lang="en-US" altLang="ja-JP" dirty="0">
+                <a:solidFill>
+                  <a:srgbClr val="00B050"/>
+                </a:solidFill>
+              </a:rPr>
+            </a:br>
+            <a:br>
+              <a:rPr lang="en-US" altLang="ja-JP" dirty="0">
+                <a:solidFill>
+                  <a:srgbClr val="00B050"/>
+                </a:solidFill>
+              </a:rPr>
+            </a:br>
+            <a:r>
+              <a:rPr lang="en-US" altLang="ja-JP" dirty="0">
+                <a:solidFill>
+                  <a:srgbClr val="00B050"/>
+                </a:solidFill>
+              </a:rPr>
+              <a:t>※</a:t>
+            </a:r>
+            <a:r>
+              <a:rPr lang="en-US" altLang="ja-JP" dirty="0"/>
+              <a:t>using namespace std</a:t>
+            </a:r>
+            <a:r>
+              <a:rPr lang="ja-JP" altLang="en-US" dirty="0"/>
+              <a:t>をしていると</a:t>
+            </a:r>
+            <a:br>
+              <a:rPr lang="en-US" altLang="ja-JP" dirty="0"/>
+            </a:br>
+            <a:r>
+              <a:rPr lang="ja-JP" altLang="en-US" dirty="0"/>
+              <a:t>　　「 </a:t>
+            </a:r>
+            <a:r>
+              <a:rPr lang="en-US" altLang="ja-JP" dirty="0"/>
+              <a:t>std:: </a:t>
+            </a:r>
+            <a:r>
+              <a:rPr lang="ja-JP" altLang="en-US" dirty="0"/>
+              <a:t>」は省略可能</a:t>
+            </a:r>
+            <a:endParaRPr lang="en-US" altLang="ja-JP" dirty="0"/>
+          </a:p>
+        </p:txBody>
+      </p:sp>
+    </p:spTree>
+    <p:extLst>
+      <p:ext uri="{BB962C8B-B14F-4D97-AF65-F5344CB8AC3E}">
+        <p14:creationId xmlns:p14="http://schemas.microsoft.com/office/powerpoint/2010/main" val="1786727034"/>
       </p:ext>
     </p:extLst>
   </p:cSld>

--- a/授業資料/講義資料：Vectorクラス.pptx
+++ b/授業資料/講義資料：Vectorクラス.pptx
@@ -268,7 +268,7 @@
           <a:p>
             <a:fld id="{5B96D3F8-CD2E-4A0D-AC38-517181EABB18}" type="datetimeFigureOut">
               <a:rPr kumimoji="1" lang="ja-JP" altLang="en-US" smtClean="0"/>
-              <a:t>2024/9/30</a:t>
+              <a:t>2024/10/4</a:t>
             </a:fld>
             <a:endParaRPr kumimoji="1" lang="ja-JP" altLang="en-US"/>
           </a:p>
@@ -470,7 +470,7 @@
           <a:p>
             <a:fld id="{5B96D3F8-CD2E-4A0D-AC38-517181EABB18}" type="datetimeFigureOut">
               <a:rPr kumimoji="1" lang="ja-JP" altLang="en-US" smtClean="0"/>
-              <a:t>2024/9/30</a:t>
+              <a:t>2024/10/4</a:t>
             </a:fld>
             <a:endParaRPr kumimoji="1" lang="ja-JP" altLang="en-US"/>
           </a:p>
@@ -682,7 +682,7 @@
           <a:p>
             <a:fld id="{5B96D3F8-CD2E-4A0D-AC38-517181EABB18}" type="datetimeFigureOut">
               <a:rPr kumimoji="1" lang="ja-JP" altLang="en-US" smtClean="0"/>
-              <a:t>2024/9/30</a:t>
+              <a:t>2024/10/4</a:t>
             </a:fld>
             <a:endParaRPr kumimoji="1" lang="ja-JP" altLang="en-US"/>
           </a:p>
@@ -884,7 +884,7 @@
           <a:p>
             <a:fld id="{5B96D3F8-CD2E-4A0D-AC38-517181EABB18}" type="datetimeFigureOut">
               <a:rPr kumimoji="1" lang="ja-JP" altLang="en-US" smtClean="0"/>
-              <a:t>2024/9/30</a:t>
+              <a:t>2024/10/4</a:t>
             </a:fld>
             <a:endParaRPr kumimoji="1" lang="ja-JP" altLang="en-US"/>
           </a:p>
@@ -1130,7 +1130,7 @@
           <a:p>
             <a:fld id="{5B96D3F8-CD2E-4A0D-AC38-517181EABB18}" type="datetimeFigureOut">
               <a:rPr kumimoji="1" lang="ja-JP" altLang="en-US" smtClean="0"/>
-              <a:t>2024/9/30</a:t>
+              <a:t>2024/10/4</a:t>
             </a:fld>
             <a:endParaRPr kumimoji="1" lang="ja-JP" altLang="en-US"/>
           </a:p>
@@ -1426,7 +1426,7 @@
           <a:p>
             <a:fld id="{5B96D3F8-CD2E-4A0D-AC38-517181EABB18}" type="datetimeFigureOut">
               <a:rPr kumimoji="1" lang="ja-JP" altLang="en-US" smtClean="0"/>
-              <a:t>2024/9/30</a:t>
+              <a:t>2024/10/4</a:t>
             </a:fld>
             <a:endParaRPr kumimoji="1" lang="ja-JP" altLang="en-US"/>
           </a:p>
@@ -1857,7 +1857,7 @@
           <a:p>
             <a:fld id="{5B96D3F8-CD2E-4A0D-AC38-517181EABB18}" type="datetimeFigureOut">
               <a:rPr kumimoji="1" lang="ja-JP" altLang="en-US" smtClean="0"/>
-              <a:t>2024/9/30</a:t>
+              <a:t>2024/10/4</a:t>
             </a:fld>
             <a:endParaRPr kumimoji="1" lang="ja-JP" altLang="en-US"/>
           </a:p>
@@ -1975,7 +1975,7 @@
           <a:p>
             <a:fld id="{5B96D3F8-CD2E-4A0D-AC38-517181EABB18}" type="datetimeFigureOut">
               <a:rPr kumimoji="1" lang="ja-JP" altLang="en-US" smtClean="0"/>
-              <a:t>2024/9/30</a:t>
+              <a:t>2024/10/4</a:t>
             </a:fld>
             <a:endParaRPr kumimoji="1" lang="ja-JP" altLang="en-US"/>
           </a:p>
@@ -2070,7 +2070,7 @@
           <a:p>
             <a:fld id="{5B96D3F8-CD2E-4A0D-AC38-517181EABB18}" type="datetimeFigureOut">
               <a:rPr kumimoji="1" lang="ja-JP" altLang="en-US" smtClean="0"/>
-              <a:t>2024/9/30</a:t>
+              <a:t>2024/10/4</a:t>
             </a:fld>
             <a:endParaRPr kumimoji="1" lang="ja-JP" altLang="en-US"/>
           </a:p>
@@ -2379,7 +2379,7 @@
           <a:p>
             <a:fld id="{5B96D3F8-CD2E-4A0D-AC38-517181EABB18}" type="datetimeFigureOut">
               <a:rPr kumimoji="1" lang="ja-JP" altLang="en-US" smtClean="0"/>
-              <a:t>2024/9/30</a:t>
+              <a:t>2024/10/4</a:t>
             </a:fld>
             <a:endParaRPr kumimoji="1" lang="ja-JP" altLang="en-US"/>
           </a:p>
@@ -2636,7 +2636,7 @@
           <a:p>
             <a:fld id="{5B96D3F8-CD2E-4A0D-AC38-517181EABB18}" type="datetimeFigureOut">
               <a:rPr kumimoji="1" lang="ja-JP" altLang="en-US" smtClean="0"/>
-              <a:t>2024/9/30</a:t>
+              <a:t>2024/10/4</a:t>
             </a:fld>
             <a:endParaRPr kumimoji="1" lang="ja-JP" altLang="en-US"/>
           </a:p>
@@ -2881,7 +2881,7 @@
           <a:p>
             <a:fld id="{5B96D3F8-CD2E-4A0D-AC38-517181EABB18}" type="datetimeFigureOut">
               <a:rPr kumimoji="1" lang="ja-JP" altLang="en-US" smtClean="0"/>
-              <a:t>2024/9/30</a:t>
+              <a:t>2024/10/4</a:t>
             </a:fld>
             <a:endParaRPr kumimoji="1" lang="ja-JP" altLang="en-US"/>
           </a:p>
@@ -3698,7 +3698,7 @@
                   <a:srgbClr val="FF00FF"/>
                 </a:solidFill>
               </a:rPr>
-              <a:t>変数名</a:t>
+              <a:t>配列名</a:t>
             </a:r>
             <a:br>
               <a:rPr lang="en-US" altLang="ja-JP" dirty="0"/>
@@ -3733,7 +3733,7 @@
                   <a:srgbClr val="FF00FF"/>
                 </a:solidFill>
               </a:rPr>
-              <a:t>変数名 </a:t>
+              <a:t>配列名 </a:t>
             </a:r>
             <a:r>
               <a:rPr lang="en-US" altLang="ja-JP" dirty="0">
@@ -6986,246 +6986,6 @@
           </a:p>
           <a:p>
             <a:r>
-              <a:rPr lang="nn-NO" altLang="ja-JP" sz="1800" dirty="0">
-                <a:solidFill>
-                  <a:srgbClr val="0000FF"/>
-                </a:solidFill>
-                <a:ea typeface="ＭＳ ゴシック" panose="020B0609070205080204" pitchFamily="49" charset="-128"/>
-              </a:rPr>
-              <a:t>	for</a:t>
-            </a:r>
-            <a:r>
-              <a:rPr lang="nn-NO" altLang="ja-JP" sz="1800" dirty="0">
-                <a:solidFill>
-                  <a:srgbClr val="000000"/>
-                </a:solidFill>
-                <a:ea typeface="ＭＳ ゴシック" panose="020B0609070205080204" pitchFamily="49" charset="-128"/>
-              </a:rPr>
-              <a:t> (</a:t>
-            </a:r>
-            <a:r>
-              <a:rPr lang="nn-NO" altLang="ja-JP" sz="1800" dirty="0">
-                <a:solidFill>
-                  <a:srgbClr val="0000FF"/>
-                </a:solidFill>
-                <a:ea typeface="ＭＳ ゴシック" panose="020B0609070205080204" pitchFamily="49" charset="-128"/>
-              </a:rPr>
-              <a:t>int</a:t>
-            </a:r>
-            <a:r>
-              <a:rPr lang="nn-NO" altLang="ja-JP" sz="1800" dirty="0">
-                <a:solidFill>
-                  <a:srgbClr val="000000"/>
-                </a:solidFill>
-                <a:ea typeface="ＭＳ ゴシック" panose="020B0609070205080204" pitchFamily="49" charset="-128"/>
-              </a:rPr>
-              <a:t> i = 0; i &lt; v1.size(); i++) {</a:t>
-            </a:r>
-          </a:p>
-          <a:p>
-            <a:r>
-              <a:rPr lang="sv-SE" altLang="ja-JP" sz="1800" dirty="0">
-                <a:solidFill>
-                  <a:srgbClr val="000000"/>
-                </a:solidFill>
-                <a:ea typeface="ＭＳ ゴシック" panose="020B0609070205080204" pitchFamily="49" charset="-128"/>
-              </a:rPr>
-              <a:t>		</a:t>
-            </a:r>
-            <a:r>
-              <a:rPr lang="en-US" altLang="ja-JP" sz="1800" dirty="0">
-                <a:solidFill>
-                  <a:srgbClr val="2B91AF"/>
-                </a:solidFill>
-                <a:ea typeface="ＭＳ ゴシック" panose="020B0609070205080204" pitchFamily="49" charset="-128"/>
-              </a:rPr>
-              <a:t> std::</a:t>
-            </a:r>
-            <a:r>
-              <a:rPr lang="sv-SE" altLang="ja-JP" sz="1800" dirty="0">
-                <a:solidFill>
-                  <a:srgbClr val="000000"/>
-                </a:solidFill>
-                <a:ea typeface="ＭＳ ゴシック" panose="020B0609070205080204" pitchFamily="49" charset="-128"/>
-              </a:rPr>
-              <a:t>cout </a:t>
-            </a:r>
-            <a:r>
-              <a:rPr lang="sv-SE" altLang="ja-JP" sz="1800" dirty="0">
-                <a:solidFill>
-                  <a:srgbClr val="008080"/>
-                </a:solidFill>
-                <a:ea typeface="ＭＳ ゴシック" panose="020B0609070205080204" pitchFamily="49" charset="-128"/>
-              </a:rPr>
-              <a:t>&lt;&lt;</a:t>
-            </a:r>
-            <a:r>
-              <a:rPr lang="sv-SE" altLang="ja-JP" sz="1800" dirty="0">
-                <a:solidFill>
-                  <a:srgbClr val="000000"/>
-                </a:solidFill>
-                <a:ea typeface="ＭＳ ゴシック" panose="020B0609070205080204" pitchFamily="49" charset="-128"/>
-              </a:rPr>
-              <a:t> </a:t>
-            </a:r>
-            <a:r>
-              <a:rPr lang="sv-SE" altLang="ja-JP" sz="1800" dirty="0">
-                <a:solidFill>
-                  <a:srgbClr val="A31515"/>
-                </a:solidFill>
-                <a:ea typeface="ＭＳ ゴシック" panose="020B0609070205080204" pitchFamily="49" charset="-128"/>
-              </a:rPr>
-              <a:t>”v1["</a:t>
-            </a:r>
-            <a:r>
-              <a:rPr lang="sv-SE" altLang="ja-JP" sz="1800" dirty="0">
-                <a:solidFill>
-                  <a:srgbClr val="000000"/>
-                </a:solidFill>
-                <a:ea typeface="ＭＳ ゴシック" panose="020B0609070205080204" pitchFamily="49" charset="-128"/>
-              </a:rPr>
-              <a:t> </a:t>
-            </a:r>
-            <a:r>
-              <a:rPr lang="sv-SE" altLang="ja-JP" sz="1800" dirty="0">
-                <a:solidFill>
-                  <a:srgbClr val="008080"/>
-                </a:solidFill>
-                <a:ea typeface="ＭＳ ゴシック" panose="020B0609070205080204" pitchFamily="49" charset="-128"/>
-              </a:rPr>
-              <a:t>&lt;&lt;</a:t>
-            </a:r>
-            <a:r>
-              <a:rPr lang="sv-SE" altLang="ja-JP" sz="1800" dirty="0">
-                <a:solidFill>
-                  <a:srgbClr val="000000"/>
-                </a:solidFill>
-                <a:ea typeface="ＭＳ ゴシック" panose="020B0609070205080204" pitchFamily="49" charset="-128"/>
-              </a:rPr>
-              <a:t> i </a:t>
-            </a:r>
-            <a:r>
-              <a:rPr lang="sv-SE" altLang="ja-JP" sz="1800" dirty="0">
-                <a:solidFill>
-                  <a:srgbClr val="008080"/>
-                </a:solidFill>
-                <a:ea typeface="ＭＳ ゴシック" panose="020B0609070205080204" pitchFamily="49" charset="-128"/>
-              </a:rPr>
-              <a:t>&lt;&lt;</a:t>
-            </a:r>
-            <a:r>
-              <a:rPr lang="sv-SE" altLang="ja-JP" sz="1800" dirty="0">
-                <a:solidFill>
-                  <a:srgbClr val="000000"/>
-                </a:solidFill>
-                <a:ea typeface="ＭＳ ゴシック" panose="020B0609070205080204" pitchFamily="49" charset="-128"/>
-              </a:rPr>
-              <a:t> </a:t>
-            </a:r>
-            <a:r>
-              <a:rPr lang="sv-SE" altLang="ja-JP" sz="1800" dirty="0">
-                <a:solidFill>
-                  <a:srgbClr val="A31515"/>
-                </a:solidFill>
-                <a:ea typeface="ＭＳ ゴシック" panose="020B0609070205080204" pitchFamily="49" charset="-128"/>
-              </a:rPr>
-              <a:t>"]="</a:t>
-            </a:r>
-            <a:r>
-              <a:rPr lang="sv-SE" altLang="ja-JP" sz="1800" dirty="0">
-                <a:solidFill>
-                  <a:srgbClr val="000000"/>
-                </a:solidFill>
-                <a:ea typeface="ＭＳ ゴシック" panose="020B0609070205080204" pitchFamily="49" charset="-128"/>
-              </a:rPr>
-              <a:t> </a:t>
-            </a:r>
-            <a:r>
-              <a:rPr lang="sv-SE" altLang="ja-JP" sz="1800" dirty="0">
-                <a:solidFill>
-                  <a:srgbClr val="008080"/>
-                </a:solidFill>
-                <a:ea typeface="ＭＳ ゴシック" panose="020B0609070205080204" pitchFamily="49" charset="-128"/>
-              </a:rPr>
-              <a:t>&lt;&lt;</a:t>
-            </a:r>
-            <a:r>
-              <a:rPr lang="sv-SE" altLang="ja-JP" sz="1800" dirty="0">
-                <a:solidFill>
-                  <a:srgbClr val="000000"/>
-                </a:solidFill>
-                <a:ea typeface="ＭＳ ゴシック" panose="020B0609070205080204" pitchFamily="49" charset="-128"/>
-              </a:rPr>
-              <a:t> v1</a:t>
-            </a:r>
-            <a:r>
-              <a:rPr lang="sv-SE" altLang="ja-JP" sz="1800" dirty="0">
-                <a:solidFill>
-                  <a:srgbClr val="008080"/>
-                </a:solidFill>
-                <a:ea typeface="ＭＳ ゴシック" panose="020B0609070205080204" pitchFamily="49" charset="-128"/>
-              </a:rPr>
-              <a:t>[</a:t>
-            </a:r>
-            <a:r>
-              <a:rPr lang="sv-SE" altLang="ja-JP" sz="1800" dirty="0">
-                <a:solidFill>
-                  <a:srgbClr val="000000"/>
-                </a:solidFill>
-                <a:ea typeface="ＭＳ ゴシック" panose="020B0609070205080204" pitchFamily="49" charset="-128"/>
-              </a:rPr>
-              <a:t>i</a:t>
-            </a:r>
-            <a:r>
-              <a:rPr lang="sv-SE" altLang="ja-JP" sz="1800" dirty="0">
-                <a:solidFill>
-                  <a:srgbClr val="008080"/>
-                </a:solidFill>
-                <a:ea typeface="ＭＳ ゴシック" panose="020B0609070205080204" pitchFamily="49" charset="-128"/>
-              </a:rPr>
-              <a:t>]</a:t>
-            </a:r>
-            <a:r>
-              <a:rPr lang="sv-SE" altLang="ja-JP" sz="1800" dirty="0">
-                <a:solidFill>
-                  <a:srgbClr val="000000"/>
-                </a:solidFill>
-                <a:ea typeface="ＭＳ ゴシック" panose="020B0609070205080204" pitchFamily="49" charset="-128"/>
-              </a:rPr>
-              <a:t> </a:t>
-            </a:r>
-            <a:r>
-              <a:rPr lang="sv-SE" altLang="ja-JP" sz="1800" dirty="0">
-                <a:solidFill>
-                  <a:srgbClr val="008080"/>
-                </a:solidFill>
-                <a:ea typeface="ＭＳ ゴシック" panose="020B0609070205080204" pitchFamily="49" charset="-128"/>
-              </a:rPr>
-              <a:t>&lt;&lt;</a:t>
-            </a:r>
-            <a:r>
-              <a:rPr lang="sv-SE" altLang="ja-JP" sz="1800" dirty="0">
-                <a:solidFill>
-                  <a:srgbClr val="000000"/>
-                </a:solidFill>
-                <a:ea typeface="ＭＳ ゴシック" panose="020B0609070205080204" pitchFamily="49" charset="-128"/>
-              </a:rPr>
-              <a:t> endl;</a:t>
-            </a:r>
-          </a:p>
-          <a:p>
-            <a:r>
-              <a:rPr lang="en-US" altLang="ja-JP" sz="1800" dirty="0">
-                <a:solidFill>
-                  <a:srgbClr val="000000"/>
-                </a:solidFill>
-                <a:ea typeface="ＭＳ ゴシック" panose="020B0609070205080204" pitchFamily="49" charset="-128"/>
-              </a:rPr>
-              <a:t>	}</a:t>
-            </a:r>
-          </a:p>
-          <a:p>
-            <a:r>
               <a:rPr lang="en-US" altLang="ja-JP" sz="1800" dirty="0">
                 <a:solidFill>
                   <a:srgbClr val="000000"/>
@@ -7296,6 +7056,246 @@
           </a:p>
           <a:p>
             <a:r>
+              <a:rPr lang="nn-NO" altLang="ja-JP" dirty="0">
+                <a:solidFill>
+                  <a:srgbClr val="0000FF"/>
+                </a:solidFill>
+                <a:ea typeface="ＭＳ ゴシック" panose="020B0609070205080204" pitchFamily="49" charset="-128"/>
+              </a:rPr>
+              <a:t>	for</a:t>
+            </a:r>
+            <a:r>
+              <a:rPr lang="nn-NO" altLang="ja-JP" dirty="0">
+                <a:solidFill>
+                  <a:srgbClr val="000000"/>
+                </a:solidFill>
+                <a:ea typeface="ＭＳ ゴシック" panose="020B0609070205080204" pitchFamily="49" charset="-128"/>
+              </a:rPr>
+              <a:t> (</a:t>
+            </a:r>
+            <a:r>
+              <a:rPr lang="nn-NO" altLang="ja-JP" dirty="0">
+                <a:solidFill>
+                  <a:srgbClr val="0000FF"/>
+                </a:solidFill>
+                <a:ea typeface="ＭＳ ゴシック" panose="020B0609070205080204" pitchFamily="49" charset="-128"/>
+              </a:rPr>
+              <a:t>int</a:t>
+            </a:r>
+            <a:r>
+              <a:rPr lang="nn-NO" altLang="ja-JP" dirty="0">
+                <a:solidFill>
+                  <a:srgbClr val="000000"/>
+                </a:solidFill>
+                <a:ea typeface="ＭＳ ゴシック" panose="020B0609070205080204" pitchFamily="49" charset="-128"/>
+              </a:rPr>
+              <a:t> i = 0; i &lt; v1.size(); i++) {</a:t>
+            </a:r>
+          </a:p>
+          <a:p>
+            <a:r>
+              <a:rPr lang="sv-SE" altLang="ja-JP" dirty="0">
+                <a:solidFill>
+                  <a:srgbClr val="000000"/>
+                </a:solidFill>
+                <a:ea typeface="ＭＳ ゴシック" panose="020B0609070205080204" pitchFamily="49" charset="-128"/>
+              </a:rPr>
+              <a:t>		</a:t>
+            </a:r>
+            <a:r>
+              <a:rPr lang="en-US" altLang="ja-JP" dirty="0">
+                <a:solidFill>
+                  <a:srgbClr val="2B91AF"/>
+                </a:solidFill>
+                <a:ea typeface="ＭＳ ゴシック" panose="020B0609070205080204" pitchFamily="49" charset="-128"/>
+              </a:rPr>
+              <a:t> std::</a:t>
+            </a:r>
+            <a:r>
+              <a:rPr lang="sv-SE" altLang="ja-JP" dirty="0">
+                <a:solidFill>
+                  <a:srgbClr val="000000"/>
+                </a:solidFill>
+                <a:ea typeface="ＭＳ ゴシック" panose="020B0609070205080204" pitchFamily="49" charset="-128"/>
+              </a:rPr>
+              <a:t>cout </a:t>
+            </a:r>
+            <a:r>
+              <a:rPr lang="sv-SE" altLang="ja-JP" dirty="0">
+                <a:solidFill>
+                  <a:srgbClr val="008080"/>
+                </a:solidFill>
+                <a:ea typeface="ＭＳ ゴシック" panose="020B0609070205080204" pitchFamily="49" charset="-128"/>
+              </a:rPr>
+              <a:t>&lt;&lt;</a:t>
+            </a:r>
+            <a:r>
+              <a:rPr lang="sv-SE" altLang="ja-JP" dirty="0">
+                <a:solidFill>
+                  <a:srgbClr val="000000"/>
+                </a:solidFill>
+                <a:ea typeface="ＭＳ ゴシック" panose="020B0609070205080204" pitchFamily="49" charset="-128"/>
+              </a:rPr>
+              <a:t> </a:t>
+            </a:r>
+            <a:r>
+              <a:rPr lang="sv-SE" altLang="ja-JP" dirty="0">
+                <a:solidFill>
+                  <a:srgbClr val="A31515"/>
+                </a:solidFill>
+                <a:ea typeface="ＭＳ ゴシック" panose="020B0609070205080204" pitchFamily="49" charset="-128"/>
+              </a:rPr>
+              <a:t>”v1["</a:t>
+            </a:r>
+            <a:r>
+              <a:rPr lang="sv-SE" altLang="ja-JP" dirty="0">
+                <a:solidFill>
+                  <a:srgbClr val="000000"/>
+                </a:solidFill>
+                <a:ea typeface="ＭＳ ゴシック" panose="020B0609070205080204" pitchFamily="49" charset="-128"/>
+              </a:rPr>
+              <a:t> </a:t>
+            </a:r>
+            <a:r>
+              <a:rPr lang="sv-SE" altLang="ja-JP" dirty="0">
+                <a:solidFill>
+                  <a:srgbClr val="008080"/>
+                </a:solidFill>
+                <a:ea typeface="ＭＳ ゴシック" panose="020B0609070205080204" pitchFamily="49" charset="-128"/>
+              </a:rPr>
+              <a:t>&lt;&lt;</a:t>
+            </a:r>
+            <a:r>
+              <a:rPr lang="sv-SE" altLang="ja-JP" dirty="0">
+                <a:solidFill>
+                  <a:srgbClr val="000000"/>
+                </a:solidFill>
+                <a:ea typeface="ＭＳ ゴシック" panose="020B0609070205080204" pitchFamily="49" charset="-128"/>
+              </a:rPr>
+              <a:t> i </a:t>
+            </a:r>
+            <a:r>
+              <a:rPr lang="sv-SE" altLang="ja-JP" dirty="0">
+                <a:solidFill>
+                  <a:srgbClr val="008080"/>
+                </a:solidFill>
+                <a:ea typeface="ＭＳ ゴシック" panose="020B0609070205080204" pitchFamily="49" charset="-128"/>
+              </a:rPr>
+              <a:t>&lt;&lt;</a:t>
+            </a:r>
+            <a:r>
+              <a:rPr lang="sv-SE" altLang="ja-JP" dirty="0">
+                <a:solidFill>
+                  <a:srgbClr val="000000"/>
+                </a:solidFill>
+                <a:ea typeface="ＭＳ ゴシック" panose="020B0609070205080204" pitchFamily="49" charset="-128"/>
+              </a:rPr>
+              <a:t> </a:t>
+            </a:r>
+            <a:r>
+              <a:rPr lang="sv-SE" altLang="ja-JP" dirty="0">
+                <a:solidFill>
+                  <a:srgbClr val="A31515"/>
+                </a:solidFill>
+                <a:ea typeface="ＭＳ ゴシック" panose="020B0609070205080204" pitchFamily="49" charset="-128"/>
+              </a:rPr>
+              <a:t>"]="</a:t>
+            </a:r>
+            <a:r>
+              <a:rPr lang="sv-SE" altLang="ja-JP" dirty="0">
+                <a:solidFill>
+                  <a:srgbClr val="000000"/>
+                </a:solidFill>
+                <a:ea typeface="ＭＳ ゴシック" panose="020B0609070205080204" pitchFamily="49" charset="-128"/>
+              </a:rPr>
+              <a:t> </a:t>
+            </a:r>
+            <a:r>
+              <a:rPr lang="sv-SE" altLang="ja-JP" dirty="0">
+                <a:solidFill>
+                  <a:srgbClr val="008080"/>
+                </a:solidFill>
+                <a:ea typeface="ＭＳ ゴシック" panose="020B0609070205080204" pitchFamily="49" charset="-128"/>
+              </a:rPr>
+              <a:t>&lt;&lt;</a:t>
+            </a:r>
+            <a:r>
+              <a:rPr lang="sv-SE" altLang="ja-JP" dirty="0">
+                <a:solidFill>
+                  <a:srgbClr val="000000"/>
+                </a:solidFill>
+                <a:ea typeface="ＭＳ ゴシック" panose="020B0609070205080204" pitchFamily="49" charset="-128"/>
+              </a:rPr>
+              <a:t> v1</a:t>
+            </a:r>
+            <a:r>
+              <a:rPr lang="sv-SE" altLang="ja-JP" dirty="0">
+                <a:solidFill>
+                  <a:srgbClr val="008080"/>
+                </a:solidFill>
+                <a:ea typeface="ＭＳ ゴシック" panose="020B0609070205080204" pitchFamily="49" charset="-128"/>
+              </a:rPr>
+              <a:t>[</a:t>
+            </a:r>
+            <a:r>
+              <a:rPr lang="sv-SE" altLang="ja-JP" dirty="0">
+                <a:solidFill>
+                  <a:srgbClr val="000000"/>
+                </a:solidFill>
+                <a:ea typeface="ＭＳ ゴシック" panose="020B0609070205080204" pitchFamily="49" charset="-128"/>
+              </a:rPr>
+              <a:t>i</a:t>
+            </a:r>
+            <a:r>
+              <a:rPr lang="sv-SE" altLang="ja-JP" dirty="0">
+                <a:solidFill>
+                  <a:srgbClr val="008080"/>
+                </a:solidFill>
+                <a:ea typeface="ＭＳ ゴシック" panose="020B0609070205080204" pitchFamily="49" charset="-128"/>
+              </a:rPr>
+              <a:t>]</a:t>
+            </a:r>
+            <a:r>
+              <a:rPr lang="sv-SE" altLang="ja-JP" dirty="0">
+                <a:solidFill>
+                  <a:srgbClr val="000000"/>
+                </a:solidFill>
+                <a:ea typeface="ＭＳ ゴシック" panose="020B0609070205080204" pitchFamily="49" charset="-128"/>
+              </a:rPr>
+              <a:t> </a:t>
+            </a:r>
+            <a:r>
+              <a:rPr lang="sv-SE" altLang="ja-JP" dirty="0">
+                <a:solidFill>
+                  <a:srgbClr val="008080"/>
+                </a:solidFill>
+                <a:ea typeface="ＭＳ ゴシック" panose="020B0609070205080204" pitchFamily="49" charset="-128"/>
+              </a:rPr>
+              <a:t>&lt;&lt;</a:t>
+            </a:r>
+            <a:r>
+              <a:rPr lang="sv-SE" altLang="ja-JP" dirty="0">
+                <a:solidFill>
+                  <a:srgbClr val="000000"/>
+                </a:solidFill>
+                <a:ea typeface="ＭＳ ゴシック" panose="020B0609070205080204" pitchFamily="49" charset="-128"/>
+              </a:rPr>
+              <a:t> endl;</a:t>
+            </a:r>
+          </a:p>
+          <a:p>
+            <a:r>
+              <a:rPr lang="en-US" altLang="ja-JP" dirty="0">
+                <a:solidFill>
+                  <a:srgbClr val="000000"/>
+                </a:solidFill>
+                <a:ea typeface="ＭＳ ゴシック" panose="020B0609070205080204" pitchFamily="49" charset="-128"/>
+              </a:rPr>
+              <a:t>	}</a:t>
+            </a:r>
+          </a:p>
+          <a:p>
+            <a:r>
               <a:rPr lang="en-US" altLang="ja-JP" dirty="0">
                 <a:solidFill>
                   <a:srgbClr val="000000"/>
@@ -7492,7 +7492,56 @@
           </a:p>
           <a:p>
             <a:r>
-              <a:rPr lang="nn-NO" altLang="ja-JP" sz="1800" dirty="0">
+              <a:rPr lang="en-US" altLang="ja-JP" dirty="0">
+                <a:solidFill>
+                  <a:srgbClr val="000000"/>
+                </a:solidFill>
+                <a:ea typeface="ＭＳ ゴシック" panose="020B0609070205080204" pitchFamily="49" charset="-128"/>
+              </a:rPr>
+              <a:t>	</a:t>
+            </a:r>
+            <a:r>
+              <a:rPr lang="en-US" altLang="ja-JP" sz="1800" dirty="0">
+                <a:solidFill>
+                  <a:srgbClr val="000000"/>
+                </a:solidFill>
+                <a:ea typeface="ＭＳ ゴシック" panose="020B0609070205080204" pitchFamily="49" charset="-128"/>
+              </a:rPr>
+              <a:t>v2.pop_back();</a:t>
+            </a:r>
+          </a:p>
+          <a:p>
+            <a:r>
+              <a:rPr lang="en-US" altLang="ja-JP" sz="1800" dirty="0">
+                <a:solidFill>
+                  <a:srgbClr val="000000"/>
+                </a:solidFill>
+                <a:ea typeface="ＭＳ ゴシック" panose="020B0609070205080204" pitchFamily="49" charset="-128"/>
+              </a:rPr>
+              <a:t>	v2.emplace_back(</a:t>
+            </a:r>
+            <a:r>
+              <a:rPr lang="en-US" altLang="ja-JP" sz="1800" dirty="0">
+                <a:solidFill>
+                  <a:srgbClr val="C00000"/>
+                </a:solidFill>
+                <a:ea typeface="ＭＳ ゴシック" panose="020B0609070205080204" pitchFamily="49" charset="-128"/>
+              </a:rPr>
+              <a:t>“G”</a:t>
+            </a:r>
+            <a:r>
+              <a:rPr lang="en-US" altLang="ja-JP" sz="1800" dirty="0">
+                <a:solidFill>
+                  <a:srgbClr val="000000"/>
+                </a:solidFill>
+                <a:ea typeface="ＭＳ ゴシック" panose="020B0609070205080204" pitchFamily="49" charset="-128"/>
+              </a:rPr>
+              <a:t>);</a:t>
+            </a:r>
+          </a:p>
+          <a:p>
+            <a:r>
+              <a:rPr lang="nn-NO" altLang="ja-JP" dirty="0">
                 <a:solidFill>
                   <a:srgbClr val="0000FF"/>
                 </a:solidFill>
@@ -7501,7 +7550,7 @@
               <a:t>	for</a:t>
             </a:r>
             <a:r>
-              <a:rPr lang="nn-NO" altLang="ja-JP" sz="1800" dirty="0">
+              <a:rPr lang="nn-NO" altLang="ja-JP" dirty="0">
                 <a:solidFill>
                   <a:srgbClr val="000000"/>
                 </a:solidFill>
@@ -7510,7 +7559,7 @@
               <a:t> (</a:t>
             </a:r>
             <a:r>
-              <a:rPr lang="nn-NO" altLang="ja-JP" sz="1800" dirty="0">
+              <a:rPr lang="nn-NO" altLang="ja-JP" dirty="0">
                 <a:solidFill>
                   <a:srgbClr val="0000FF"/>
                 </a:solidFill>
@@ -7519,7 +7568,7 @@
               <a:t>int</a:t>
             </a:r>
             <a:r>
-              <a:rPr lang="nn-NO" altLang="ja-JP" sz="1800" dirty="0">
+              <a:rPr lang="nn-NO" altLang="ja-JP" dirty="0">
                 <a:solidFill>
                   <a:srgbClr val="000000"/>
                 </a:solidFill>
@@ -7530,7 +7579,7 @@
           </a:p>
           <a:p>
             <a:r>
-              <a:rPr lang="en-US" altLang="ja-JP" sz="1800" dirty="0">
+              <a:rPr lang="en-US" altLang="ja-JP" dirty="0">
                 <a:solidFill>
                   <a:srgbClr val="000000"/>
                 </a:solidFill>
@@ -7539,7 +7588,7 @@
               <a:t>		</a:t>
             </a:r>
             <a:r>
-              <a:rPr lang="en-US" altLang="ja-JP" sz="1800" dirty="0">
+              <a:rPr lang="en-US" altLang="ja-JP" dirty="0">
                 <a:solidFill>
                   <a:srgbClr val="2B91AF"/>
                 </a:solidFill>
@@ -7548,7 +7597,7 @@
               <a:t> </a:t>
             </a:r>
             <a:r>
-              <a:rPr lang="en-US" altLang="ja-JP" sz="1800" dirty="0" err="1">
+              <a:rPr lang="en-US" altLang="ja-JP" dirty="0" err="1">
                 <a:solidFill>
                   <a:srgbClr val="000000"/>
                 </a:solidFill>
@@ -7557,7 +7606,7 @@
               <a:t>cout</a:t>
             </a:r>
             <a:r>
-              <a:rPr lang="en-US" altLang="ja-JP" sz="1800" dirty="0">
+              <a:rPr lang="en-US" altLang="ja-JP" dirty="0">
                 <a:solidFill>
                   <a:srgbClr val="000000"/>
                 </a:solidFill>
@@ -7566,7 +7615,7 @@
               <a:t> </a:t>
             </a:r>
             <a:r>
-              <a:rPr lang="en-US" altLang="ja-JP" sz="1800" dirty="0">
+              <a:rPr lang="en-US" altLang="ja-JP" dirty="0">
                 <a:solidFill>
                   <a:srgbClr val="008080"/>
                 </a:solidFill>
@@ -7575,7 +7624,7 @@
               <a:t>&lt;&lt;</a:t>
             </a:r>
             <a:r>
-              <a:rPr lang="en-US" altLang="ja-JP" sz="1800" dirty="0">
+              <a:rPr lang="en-US" altLang="ja-JP" dirty="0">
                 <a:solidFill>
                   <a:srgbClr val="000000"/>
                 </a:solidFill>
@@ -7584,7 +7633,7 @@
               <a:t> </a:t>
             </a:r>
             <a:r>
-              <a:rPr lang="en-US" altLang="ja-JP" sz="1800" dirty="0">
+              <a:rPr lang="en-US" altLang="ja-JP" dirty="0">
                 <a:solidFill>
                   <a:srgbClr val="A31515"/>
                 </a:solidFill>
@@ -7593,7 +7642,7 @@
               <a:t>“v2["</a:t>
             </a:r>
             <a:r>
-              <a:rPr lang="en-US" altLang="ja-JP" sz="1800" dirty="0">
+              <a:rPr lang="en-US" altLang="ja-JP" dirty="0">
                 <a:solidFill>
                   <a:srgbClr val="000000"/>
                 </a:solidFill>
@@ -7602,7 +7651,7 @@
               <a:t> </a:t>
             </a:r>
             <a:r>
-              <a:rPr lang="en-US" altLang="ja-JP" sz="1800" dirty="0">
+              <a:rPr lang="en-US" altLang="ja-JP" dirty="0">
                 <a:solidFill>
                   <a:srgbClr val="008080"/>
                 </a:solidFill>
@@ -7611,7 +7660,7 @@
               <a:t>&lt;&lt;</a:t>
             </a:r>
             <a:r>
-              <a:rPr lang="en-US" altLang="ja-JP" sz="1800" dirty="0">
+              <a:rPr lang="en-US" altLang="ja-JP" dirty="0">
                 <a:solidFill>
                   <a:srgbClr val="000000"/>
                 </a:solidFill>
@@ -7620,7 +7669,7 @@
               <a:t> </a:t>
             </a:r>
             <a:r>
-              <a:rPr lang="en-US" altLang="ja-JP" sz="1800" dirty="0" err="1">
+              <a:rPr lang="en-US" altLang="ja-JP" dirty="0" err="1">
                 <a:solidFill>
                   <a:srgbClr val="000000"/>
                 </a:solidFill>
@@ -7629,7 +7678,7 @@
               <a:t>i</a:t>
             </a:r>
             <a:r>
-              <a:rPr lang="en-US" altLang="ja-JP" sz="1800" dirty="0">
+              <a:rPr lang="en-US" altLang="ja-JP" dirty="0">
                 <a:solidFill>
                   <a:srgbClr val="000000"/>
                 </a:solidFill>
@@ -7638,7 +7687,7 @@
               <a:t> </a:t>
             </a:r>
             <a:r>
-              <a:rPr lang="en-US" altLang="ja-JP" sz="1800" dirty="0">
+              <a:rPr lang="en-US" altLang="ja-JP" dirty="0">
                 <a:solidFill>
                   <a:srgbClr val="008080"/>
                 </a:solidFill>
@@ -7647,7 +7696,7 @@
               <a:t>&lt;&lt;</a:t>
             </a:r>
             <a:r>
-              <a:rPr lang="en-US" altLang="ja-JP" sz="1800" dirty="0">
+              <a:rPr lang="en-US" altLang="ja-JP" dirty="0">
                 <a:solidFill>
                   <a:srgbClr val="000000"/>
                 </a:solidFill>
@@ -7656,7 +7705,7 @@
               <a:t> </a:t>
             </a:r>
             <a:r>
-              <a:rPr lang="en-US" altLang="ja-JP" sz="1800" dirty="0">
+              <a:rPr lang="en-US" altLang="ja-JP" dirty="0">
                 <a:solidFill>
                   <a:srgbClr val="A31515"/>
                 </a:solidFill>
@@ -7665,7 +7714,7 @@
               <a:t>"]="</a:t>
             </a:r>
             <a:r>
-              <a:rPr lang="en-US" altLang="ja-JP" sz="1800" dirty="0">
+              <a:rPr lang="en-US" altLang="ja-JP" dirty="0">
                 <a:solidFill>
                   <a:srgbClr val="000000"/>
                 </a:solidFill>
@@ -7674,7 +7723,7 @@
               <a:t> </a:t>
             </a:r>
             <a:r>
-              <a:rPr lang="en-US" altLang="ja-JP" sz="1800" dirty="0">
+              <a:rPr lang="en-US" altLang="ja-JP" dirty="0">
                 <a:solidFill>
                   <a:srgbClr val="008080"/>
                 </a:solidFill>
@@ -7683,7 +7732,7 @@
               <a:t>&lt;&lt;</a:t>
             </a:r>
             <a:r>
-              <a:rPr lang="en-US" altLang="ja-JP" sz="1800" dirty="0">
+              <a:rPr lang="en-US" altLang="ja-JP" dirty="0">
                 <a:solidFill>
                   <a:srgbClr val="000000"/>
                 </a:solidFill>
@@ -7692,7 +7741,7 @@
               <a:t> v2</a:t>
             </a:r>
             <a:r>
-              <a:rPr lang="en-US" altLang="ja-JP" sz="1800" dirty="0">
+              <a:rPr lang="en-US" altLang="ja-JP" dirty="0">
                 <a:solidFill>
                   <a:srgbClr val="008080"/>
                 </a:solidFill>
@@ -7701,7 +7750,7 @@
               <a:t>[</a:t>
             </a:r>
             <a:r>
-              <a:rPr lang="en-US" altLang="ja-JP" sz="1800" dirty="0" err="1">
+              <a:rPr lang="en-US" altLang="ja-JP" dirty="0" err="1">
                 <a:solidFill>
                   <a:srgbClr val="000000"/>
                 </a:solidFill>
@@ -7710,7 +7759,7 @@
               <a:t>i</a:t>
             </a:r>
             <a:r>
-              <a:rPr lang="en-US" altLang="ja-JP" sz="1800" dirty="0">
+              <a:rPr lang="en-US" altLang="ja-JP" dirty="0">
                 <a:solidFill>
                   <a:srgbClr val="008080"/>
                 </a:solidFill>
@@ -7719,7 +7768,7 @@
               <a:t>]</a:t>
             </a:r>
             <a:r>
-              <a:rPr lang="en-US" altLang="ja-JP" sz="1800" dirty="0">
+              <a:rPr lang="en-US" altLang="ja-JP" dirty="0">
                 <a:solidFill>
                   <a:srgbClr val="000000"/>
                 </a:solidFill>
@@ -7728,7 +7777,7 @@
               <a:t> </a:t>
             </a:r>
             <a:r>
-              <a:rPr lang="en-US" altLang="ja-JP" sz="1800" dirty="0">
+              <a:rPr lang="en-US" altLang="ja-JP" dirty="0">
                 <a:solidFill>
                   <a:srgbClr val="008080"/>
                 </a:solidFill>
@@ -7737,7 +7786,7 @@
               <a:t>&lt;&lt;</a:t>
             </a:r>
             <a:r>
-              <a:rPr lang="en-US" altLang="ja-JP" sz="1800" dirty="0">
+              <a:rPr lang="en-US" altLang="ja-JP" dirty="0">
                 <a:solidFill>
                   <a:srgbClr val="000000"/>
                 </a:solidFill>
@@ -7746,7 +7795,7 @@
               <a:t> </a:t>
             </a:r>
             <a:r>
-              <a:rPr lang="en-US" altLang="ja-JP" sz="1800" dirty="0" err="1">
+              <a:rPr lang="en-US" altLang="ja-JP" dirty="0" err="1">
                 <a:solidFill>
                   <a:srgbClr val="000000"/>
                 </a:solidFill>
@@ -7755,7 +7804,7 @@
               <a:t>endl</a:t>
             </a:r>
             <a:r>
-              <a:rPr lang="en-US" altLang="ja-JP" sz="1800" dirty="0">
+              <a:rPr lang="en-US" altLang="ja-JP" dirty="0">
                 <a:solidFill>
                   <a:srgbClr val="000000"/>
                 </a:solidFill>
@@ -7766,62 +7815,13 @@
           </a:p>
           <a:p>
             <a:r>
-              <a:rPr lang="en-US" altLang="ja-JP" sz="1800" dirty="0">
+              <a:rPr lang="en-US" altLang="ja-JP" dirty="0">
                 <a:solidFill>
                   <a:srgbClr val="000000"/>
                 </a:solidFill>
                 <a:ea typeface="ＭＳ ゴシック" panose="020B0609070205080204" pitchFamily="49" charset="-128"/>
               </a:rPr>
               <a:t>	}</a:t>
-            </a:r>
-          </a:p>
-          <a:p>
-            <a:r>
-              <a:rPr lang="en-US" altLang="ja-JP" dirty="0">
-                <a:solidFill>
-                  <a:srgbClr val="000000"/>
-                </a:solidFill>
-                <a:ea typeface="ＭＳ ゴシック" panose="020B0609070205080204" pitchFamily="49" charset="-128"/>
-              </a:rPr>
-              <a:t>	</a:t>
-            </a:r>
-            <a:r>
-              <a:rPr lang="en-US" altLang="ja-JP" sz="1800" dirty="0">
-                <a:solidFill>
-                  <a:srgbClr val="000000"/>
-                </a:solidFill>
-                <a:ea typeface="ＭＳ ゴシック" panose="020B0609070205080204" pitchFamily="49" charset="-128"/>
-              </a:rPr>
-              <a:t>v2.pop_back();</a:t>
-            </a:r>
-          </a:p>
-          <a:p>
-            <a:r>
-              <a:rPr lang="en-US" altLang="ja-JP" sz="1800" dirty="0">
-                <a:solidFill>
-                  <a:srgbClr val="000000"/>
-                </a:solidFill>
-                <a:ea typeface="ＭＳ ゴシック" panose="020B0609070205080204" pitchFamily="49" charset="-128"/>
-              </a:rPr>
-              <a:t>	v2.emplace_back(</a:t>
-            </a:r>
-            <a:r>
-              <a:rPr lang="en-US" altLang="ja-JP" sz="1800" dirty="0">
-                <a:solidFill>
-                  <a:srgbClr val="C00000"/>
-                </a:solidFill>
-                <a:ea typeface="ＭＳ ゴシック" panose="020B0609070205080204" pitchFamily="49" charset="-128"/>
-              </a:rPr>
-              <a:t>“G”</a:t>
-            </a:r>
-            <a:r>
-              <a:rPr lang="en-US" altLang="ja-JP" sz="1800" dirty="0">
-                <a:solidFill>
-                  <a:srgbClr val="000000"/>
-                </a:solidFill>
-                <a:ea typeface="ＭＳ ゴシック" panose="020B0609070205080204" pitchFamily="49" charset="-128"/>
-              </a:rPr>
-              <a:t>);</a:t>
             </a:r>
           </a:p>
           <a:p>
@@ -7970,7 +7970,7 @@
         </p:nvSpPr>
         <p:spPr>
           <a:xfrm>
-            <a:off x="751890" y="3107466"/>
+            <a:off x="751890" y="2255820"/>
             <a:ext cx="426396" cy="282102"/>
           </a:xfrm>
           <a:prstGeom prst="rightArrow">
@@ -8019,7 +8019,7 @@
         </p:nvSpPr>
         <p:spPr>
           <a:xfrm>
-            <a:off x="751890" y="5002552"/>
+            <a:off x="751890" y="4150906"/>
             <a:ext cx="426396" cy="282102"/>
           </a:xfrm>
           <a:prstGeom prst="rightArrow">
@@ -18316,21 +18316,21 @@
             </a:br>
             <a:r>
               <a:rPr lang="en-US" altLang="ja-JP" dirty="0"/>
-              <a:t>Enemy* pEnemy1 = new Enemy();</a:t>
+              <a:t>Enemy enemy1;</a:t>
             </a:r>
             <a:br>
               <a:rPr lang="en-US" altLang="ja-JP" dirty="0"/>
             </a:br>
             <a:r>
               <a:rPr lang="en-US" altLang="ja-JP" dirty="0"/>
-              <a:t>Enemy* pEnemy2 = new Enemy();</a:t>
+              <a:t>Enemy enemy2;</a:t>
             </a:r>
             <a:br>
               <a:rPr lang="en-US" altLang="ja-JP" dirty="0"/>
             </a:br>
             <a:r>
               <a:rPr lang="en-US" altLang="ja-JP" dirty="0"/>
-              <a:t>Enemy* pEnemy3 = new Enemy();</a:t>
+              <a:t>Enemy enemy3;</a:t>
             </a:r>
             <a:br>
               <a:rPr lang="en-US" altLang="ja-JP" dirty="0"/>
@@ -18350,15 +18350,7 @@
             </a:br>
             <a:r>
               <a:rPr lang="en-US" altLang="ja-JP" dirty="0"/>
-              <a:t>Enemy* </a:t>
-            </a:r>
-            <a:r>
-              <a:rPr lang="en-US" altLang="ja-JP" dirty="0" err="1"/>
-              <a:t>pEnemy</a:t>
-            </a:r>
-            <a:r>
-              <a:rPr lang="en-US" altLang="ja-JP" dirty="0"/>
-              <a:t> = new Enemy[100];</a:t>
+              <a:t>Enemy enemy[100];</a:t>
             </a:r>
             <a:br>
               <a:rPr lang="en-US" altLang="ja-JP" dirty="0"/>
@@ -18547,15 +18539,7 @@
             </a:br>
             <a:r>
               <a:rPr lang="en-US" altLang="ja-JP" dirty="0"/>
-              <a:t>Enemy* </a:t>
-            </a:r>
-            <a:r>
-              <a:rPr lang="en-US" altLang="ja-JP" dirty="0" err="1"/>
-              <a:t>pEnemy</a:t>
-            </a:r>
-            <a:r>
-              <a:rPr lang="en-US" altLang="ja-JP" dirty="0"/>
-              <a:t> = new Enemy[100];</a:t>
+              <a:t>Enemy enemy[100];</a:t>
             </a:r>
             <a:br>
               <a:rPr lang="en-US" altLang="ja-JP" dirty="0"/>
@@ -18569,15 +18553,7 @@
             </a:br>
             <a:r>
               <a:rPr lang="en-US" altLang="ja-JP" dirty="0"/>
-              <a:t>Enemy* </a:t>
-            </a:r>
-            <a:r>
-              <a:rPr lang="en-US" altLang="ja-JP" dirty="0" err="1"/>
-              <a:t>pEnemy</a:t>
-            </a:r>
-            <a:r>
-              <a:rPr lang="en-US" altLang="ja-JP" dirty="0"/>
-              <a:t> = new Enemy[10000];</a:t>
+              <a:t>Enemy enemy[10000];</a:t>
             </a:r>
             <a:br>
               <a:rPr lang="en-US" altLang="ja-JP" dirty="0"/>
@@ -18632,7 +18608,7 @@
         </p:nvSpPr>
         <p:spPr>
           <a:xfrm>
-            <a:off x="8482519" y="3341451"/>
+            <a:off x="4950425" y="3334154"/>
             <a:ext cx="330741" cy="384243"/>
           </a:xfrm>
           <a:prstGeom prst="downArrow">

--- a/授業資料/講義資料：Vectorクラス.pptx
+++ b/授業資料/講義資料：Vectorクラス.pptx
@@ -3973,7 +3973,7 @@
         <p:spPr>
           <a:xfrm>
             <a:off x="751890" y="1120695"/>
-            <a:ext cx="10688220" cy="5632311"/>
+            <a:ext cx="10688220" cy="5355312"/>
           </a:xfrm>
           <a:prstGeom prst="rect">
             <a:avLst/>
@@ -3992,7 +3992,7 @@
           <a:lstStyle/>
           <a:p>
             <a:r>
-              <a:rPr lang="en-US" altLang="ja-JP" sz="1800" dirty="0">
+              <a:rPr lang="en-US" altLang="ja-JP" dirty="0">
                 <a:solidFill>
                   <a:srgbClr val="808080"/>
                 </a:solidFill>
@@ -4001,7 +4001,7 @@
               <a:t>#include</a:t>
             </a:r>
             <a:r>
-              <a:rPr lang="en-US" altLang="ja-JP" sz="1800" dirty="0">
+              <a:rPr lang="en-US" altLang="ja-JP" dirty="0">
                 <a:solidFill>
                   <a:srgbClr val="000000"/>
                 </a:solidFill>
@@ -4010,7 +4010,7 @@
               <a:t> </a:t>
             </a:r>
             <a:r>
-              <a:rPr lang="en-US" altLang="ja-JP" sz="1800" dirty="0">
+              <a:rPr lang="en-US" altLang="ja-JP" dirty="0">
                 <a:solidFill>
                   <a:srgbClr val="A31515"/>
                 </a:solidFill>
@@ -4018,7 +4018,7 @@
               </a:rPr>
               <a:t>&lt;vector&gt;</a:t>
             </a:r>
-            <a:endParaRPr lang="en-US" altLang="ja-JP" sz="1800" dirty="0">
+            <a:endParaRPr lang="en-US" altLang="ja-JP" dirty="0">
               <a:solidFill>
                 <a:srgbClr val="000000"/>
               </a:solidFill>
@@ -4027,7 +4027,7 @@
           </a:p>
           <a:p>
             <a:r>
-              <a:rPr lang="en-US" altLang="ja-JP" sz="1800" dirty="0">
+              <a:rPr lang="en-US" altLang="ja-JP" dirty="0">
                 <a:solidFill>
                   <a:srgbClr val="808080"/>
                 </a:solidFill>
@@ -4036,7 +4036,7 @@
               <a:t>#include</a:t>
             </a:r>
             <a:r>
-              <a:rPr lang="en-US" altLang="ja-JP" sz="1800" dirty="0">
+              <a:rPr lang="en-US" altLang="ja-JP" dirty="0">
                 <a:solidFill>
                   <a:srgbClr val="000000"/>
                 </a:solidFill>
@@ -4045,7 +4045,7 @@
               <a:t> </a:t>
             </a:r>
             <a:r>
-              <a:rPr lang="en-US" altLang="ja-JP" sz="1800" dirty="0">
+              <a:rPr lang="en-US" altLang="ja-JP" dirty="0">
                 <a:solidFill>
                   <a:srgbClr val="A31515"/>
                 </a:solidFill>
@@ -4054,7 +4054,7 @@
               <a:t>&lt;string&gt;</a:t>
             </a:r>
             <a:br>
-              <a:rPr lang="en-US" altLang="ja-JP" sz="1800" dirty="0">
+              <a:rPr lang="en-US" altLang="ja-JP" dirty="0">
                 <a:solidFill>
                   <a:srgbClr val="A31515"/>
                 </a:solidFill>
@@ -4062,7 +4062,7 @@
               </a:rPr>
             </a:br>
             <a:r>
-              <a:rPr lang="en-US" altLang="ja-JP" sz="1800" dirty="0">
+              <a:rPr lang="en-US" altLang="ja-JP" dirty="0">
                 <a:solidFill>
                   <a:srgbClr val="FF0000"/>
                 </a:solidFill>
@@ -4073,7 +4073,7 @@
           </a:p>
           <a:p>
             <a:r>
-              <a:rPr lang="en-US" altLang="ja-JP" sz="1800" dirty="0">
+              <a:rPr lang="en-US" altLang="ja-JP" dirty="0">
                 <a:solidFill>
                   <a:srgbClr val="0000FF"/>
                 </a:solidFill>
@@ -4082,29 +4082,18 @@
               <a:t>int</a:t>
             </a:r>
             <a:r>
-              <a:rPr lang="en-US" altLang="ja-JP" sz="1800" dirty="0">
-                <a:solidFill>
-                  <a:srgbClr val="000000"/>
-                </a:solidFill>
-                <a:ea typeface="ＭＳ ゴシック" panose="020B0609070205080204" pitchFamily="49" charset="-128"/>
-              </a:rPr>
-              <a:t> main()</a:t>
-            </a:r>
-          </a:p>
-          <a:p>
-            <a:r>
-              <a:rPr lang="en-US" altLang="ja-JP" sz="1800" dirty="0">
-                <a:solidFill>
-                  <a:srgbClr val="000000"/>
-                </a:solidFill>
-                <a:ea typeface="ＭＳ ゴシック" panose="020B0609070205080204" pitchFamily="49" charset="-128"/>
-              </a:rPr>
-              <a:t>{</a:t>
-            </a:r>
-          </a:p>
-          <a:p>
-            <a:r>
-              <a:rPr lang="en-US" altLang="ja-JP" sz="1800" b="1" dirty="0">
+              <a:rPr lang="en-US" altLang="ja-JP" dirty="0">
+                <a:solidFill>
+                  <a:srgbClr val="000000"/>
+                </a:solidFill>
+                <a:ea typeface="ＭＳ ゴシック" panose="020B0609070205080204" pitchFamily="49" charset="-128"/>
+              </a:rPr>
+              <a:t> main(){</a:t>
+            </a:r>
+          </a:p>
+          <a:p>
+            <a:r>
+              <a:rPr lang="en-US" altLang="ja-JP" b="1" dirty="0">
                 <a:solidFill>
                   <a:srgbClr val="2B91AF"/>
                 </a:solidFill>
@@ -4113,7 +4102,7 @@
               <a:t>vector</a:t>
             </a:r>
             <a:r>
-              <a:rPr lang="en-US" altLang="ja-JP" sz="1800" dirty="0">
+              <a:rPr lang="en-US" altLang="ja-JP" dirty="0">
                 <a:solidFill>
                   <a:srgbClr val="000000"/>
                 </a:solidFill>
@@ -4122,7 +4111,7 @@
               <a:t>&lt;</a:t>
             </a:r>
             <a:r>
-              <a:rPr lang="en-US" altLang="ja-JP" sz="1800" dirty="0">
+              <a:rPr lang="en-US" altLang="ja-JP" dirty="0">
                 <a:solidFill>
                   <a:srgbClr val="0000FF"/>
                 </a:solidFill>
@@ -4131,7 +4120,7 @@
               <a:t>int</a:t>
             </a:r>
             <a:r>
-              <a:rPr lang="en-US" altLang="ja-JP" sz="1800" dirty="0">
+              <a:rPr lang="en-US" altLang="ja-JP" dirty="0">
                 <a:solidFill>
                   <a:srgbClr val="000000"/>
                 </a:solidFill>
@@ -4142,7 +4131,7 @@
           </a:p>
           <a:p>
             <a:r>
-              <a:rPr lang="en-US" altLang="ja-JP" sz="1800" b="1" dirty="0">
+              <a:rPr lang="en-US" altLang="ja-JP" b="1" dirty="0">
                 <a:solidFill>
                   <a:srgbClr val="2B91AF"/>
                 </a:solidFill>
@@ -4151,7 +4140,7 @@
               <a:t>vector</a:t>
             </a:r>
             <a:r>
-              <a:rPr lang="en-US" altLang="ja-JP" sz="1800" dirty="0">
+              <a:rPr lang="en-US" altLang="ja-JP" dirty="0">
                 <a:solidFill>
                   <a:srgbClr val="000000"/>
                 </a:solidFill>
@@ -4160,7 +4149,7 @@
               <a:t>&lt;</a:t>
             </a:r>
             <a:r>
-              <a:rPr lang="en-US" altLang="ja-JP" sz="1800" dirty="0">
+              <a:rPr lang="en-US" altLang="ja-JP" dirty="0">
                 <a:solidFill>
                   <a:srgbClr val="2B91AF"/>
                 </a:solidFill>
@@ -4169,7 +4158,7 @@
               <a:t>string</a:t>
             </a:r>
             <a:r>
-              <a:rPr lang="en-US" altLang="ja-JP" sz="1800" dirty="0">
+              <a:rPr lang="en-US" altLang="ja-JP" dirty="0">
                 <a:solidFill>
                   <a:srgbClr val="000000"/>
                 </a:solidFill>
@@ -4180,7 +4169,7 @@
           </a:p>
           <a:p>
             <a:r>
-              <a:rPr lang="en-US" altLang="ja-JP" sz="1800" dirty="0">
+              <a:rPr lang="en-US" altLang="ja-JP" dirty="0">
                 <a:solidFill>
                   <a:srgbClr val="000000"/>
                 </a:solidFill>
@@ -4191,7 +4180,7 @@
           </a:p>
           <a:p>
             <a:r>
-              <a:rPr lang="en-US" altLang="ja-JP" sz="1800" dirty="0">
+              <a:rPr lang="en-US" altLang="ja-JP" dirty="0">
                 <a:solidFill>
                   <a:srgbClr val="000000"/>
                 </a:solidFill>
@@ -4202,7 +4191,7 @@
           </a:p>
           <a:p>
             <a:r>
-              <a:rPr lang="en-US" altLang="ja-JP" sz="1800" dirty="0">
+              <a:rPr lang="en-US" altLang="ja-JP" dirty="0">
                 <a:solidFill>
                   <a:srgbClr val="000000"/>
                 </a:solidFill>
@@ -4213,7 +4202,7 @@
           </a:p>
           <a:p>
             <a:r>
-              <a:rPr lang="en-US" altLang="ja-JP" sz="1800" dirty="0">
+              <a:rPr lang="en-US" altLang="ja-JP" dirty="0">
                 <a:solidFill>
                   <a:srgbClr val="000000"/>
                 </a:solidFill>
@@ -4222,7 +4211,7 @@
               <a:t>	v2.push_back(</a:t>
             </a:r>
             <a:r>
-              <a:rPr lang="en-US" altLang="ja-JP" sz="1800" dirty="0">
+              <a:rPr lang="en-US" altLang="ja-JP" dirty="0">
                 <a:solidFill>
                   <a:srgbClr val="A31515"/>
                 </a:solidFill>
@@ -4231,7 +4220,7 @@
               <a:t>"ABC"</a:t>
             </a:r>
             <a:r>
-              <a:rPr lang="en-US" altLang="ja-JP" sz="1800" dirty="0">
+              <a:rPr lang="en-US" altLang="ja-JP" dirty="0">
                 <a:solidFill>
                   <a:srgbClr val="000000"/>
                 </a:solidFill>
@@ -4242,7 +4231,7 @@
           </a:p>
           <a:p>
             <a:r>
-              <a:rPr lang="en-US" altLang="ja-JP" sz="1800" dirty="0">
+              <a:rPr lang="en-US" altLang="ja-JP" dirty="0">
                 <a:solidFill>
                   <a:srgbClr val="000000"/>
                 </a:solidFill>
@@ -4251,7 +4240,7 @@
               <a:t>	v2.push_back(</a:t>
             </a:r>
             <a:r>
-              <a:rPr lang="en-US" altLang="ja-JP" sz="1800" dirty="0">
+              <a:rPr lang="en-US" altLang="ja-JP" dirty="0">
                 <a:solidFill>
                   <a:srgbClr val="A31515"/>
                 </a:solidFill>
@@ -4260,7 +4249,7 @@
               <a:t>"DEF"</a:t>
             </a:r>
             <a:r>
-              <a:rPr lang="en-US" altLang="ja-JP" sz="1800" dirty="0">
+              <a:rPr lang="en-US" altLang="ja-JP" dirty="0">
                 <a:solidFill>
                   <a:srgbClr val="000000"/>
                 </a:solidFill>
@@ -4271,7 +4260,7 @@
           </a:p>
           <a:p>
             <a:r>
-              <a:rPr lang="nn-NO" altLang="ja-JP" sz="1800" dirty="0">
+              <a:rPr lang="nn-NO" altLang="ja-JP" dirty="0">
                 <a:solidFill>
                   <a:srgbClr val="0000FF"/>
                 </a:solidFill>
@@ -4280,7 +4269,7 @@
               <a:t>	for</a:t>
             </a:r>
             <a:r>
-              <a:rPr lang="nn-NO" altLang="ja-JP" sz="1800" dirty="0">
+              <a:rPr lang="nn-NO" altLang="ja-JP" dirty="0">
                 <a:solidFill>
                   <a:srgbClr val="000000"/>
                 </a:solidFill>
@@ -4289,7 +4278,7 @@
               <a:t> (</a:t>
             </a:r>
             <a:r>
-              <a:rPr lang="nn-NO" altLang="ja-JP" sz="1800" dirty="0">
+              <a:rPr lang="nn-NO" altLang="ja-JP" dirty="0">
                 <a:solidFill>
                   <a:srgbClr val="0000FF"/>
                 </a:solidFill>
@@ -4298,7 +4287,7 @@
               <a:t>int</a:t>
             </a:r>
             <a:r>
-              <a:rPr lang="nn-NO" altLang="ja-JP" sz="1800" dirty="0">
+              <a:rPr lang="nn-NO" altLang="ja-JP" dirty="0">
                 <a:solidFill>
                   <a:srgbClr val="000000"/>
                 </a:solidFill>
@@ -4309,7 +4298,7 @@
           </a:p>
           <a:p>
             <a:r>
-              <a:rPr lang="sv-SE" altLang="ja-JP" sz="1800" dirty="0">
+              <a:rPr lang="sv-SE" altLang="ja-JP" dirty="0">
                 <a:solidFill>
                   <a:srgbClr val="000000"/>
                 </a:solidFill>
@@ -4318,7 +4307,7 @@
               <a:t>		</a:t>
             </a:r>
             <a:r>
-              <a:rPr lang="en-US" altLang="ja-JP" sz="1800" dirty="0">
+              <a:rPr lang="en-US" altLang="ja-JP" dirty="0">
                 <a:solidFill>
                   <a:srgbClr val="2B91AF"/>
                 </a:solidFill>
@@ -4327,7 +4316,7 @@
               <a:t> </a:t>
             </a:r>
             <a:r>
-              <a:rPr lang="sv-SE" altLang="ja-JP" sz="1800" dirty="0">
+              <a:rPr lang="sv-SE" altLang="ja-JP" dirty="0">
                 <a:solidFill>
                   <a:srgbClr val="000000"/>
                 </a:solidFill>
@@ -4336,7 +4325,7 @@
               <a:t>cout </a:t>
             </a:r>
             <a:r>
-              <a:rPr lang="sv-SE" altLang="ja-JP" sz="1800" dirty="0">
+              <a:rPr lang="sv-SE" altLang="ja-JP" dirty="0">
                 <a:solidFill>
                   <a:srgbClr val="008080"/>
                 </a:solidFill>
@@ -4345,7 +4334,7 @@
               <a:t>&lt;&lt;</a:t>
             </a:r>
             <a:r>
-              <a:rPr lang="sv-SE" altLang="ja-JP" sz="1800" dirty="0">
+              <a:rPr lang="sv-SE" altLang="ja-JP" dirty="0">
                 <a:solidFill>
                   <a:srgbClr val="000000"/>
                 </a:solidFill>
@@ -4354,7 +4343,7 @@
               <a:t> </a:t>
             </a:r>
             <a:r>
-              <a:rPr lang="sv-SE" altLang="ja-JP" sz="1800" dirty="0">
+              <a:rPr lang="sv-SE" altLang="ja-JP" dirty="0">
                 <a:solidFill>
                   <a:srgbClr val="A31515"/>
                 </a:solidFill>
@@ -4363,7 +4352,7 @@
               <a:t>”v1["</a:t>
             </a:r>
             <a:r>
-              <a:rPr lang="sv-SE" altLang="ja-JP" sz="1800" dirty="0">
+              <a:rPr lang="sv-SE" altLang="ja-JP" dirty="0">
                 <a:solidFill>
                   <a:srgbClr val="000000"/>
                 </a:solidFill>
@@ -4372,7 +4361,7 @@
               <a:t> </a:t>
             </a:r>
             <a:r>
-              <a:rPr lang="sv-SE" altLang="ja-JP" sz="1800" dirty="0">
+              <a:rPr lang="sv-SE" altLang="ja-JP" dirty="0">
                 <a:solidFill>
                   <a:srgbClr val="008080"/>
                 </a:solidFill>
@@ -4381,7 +4370,7 @@
               <a:t>&lt;&lt;</a:t>
             </a:r>
             <a:r>
-              <a:rPr lang="sv-SE" altLang="ja-JP" sz="1800" dirty="0">
+              <a:rPr lang="sv-SE" altLang="ja-JP" dirty="0">
                 <a:solidFill>
                   <a:srgbClr val="000000"/>
                 </a:solidFill>
@@ -4390,7 +4379,7 @@
               <a:t> i </a:t>
             </a:r>
             <a:r>
-              <a:rPr lang="sv-SE" altLang="ja-JP" sz="1800" dirty="0">
+              <a:rPr lang="sv-SE" altLang="ja-JP" dirty="0">
                 <a:solidFill>
                   <a:srgbClr val="008080"/>
                 </a:solidFill>
@@ -4399,7 +4388,7 @@
               <a:t>&lt;&lt;</a:t>
             </a:r>
             <a:r>
-              <a:rPr lang="sv-SE" altLang="ja-JP" sz="1800" dirty="0">
+              <a:rPr lang="sv-SE" altLang="ja-JP" dirty="0">
                 <a:solidFill>
                   <a:srgbClr val="000000"/>
                 </a:solidFill>
@@ -4408,7 +4397,7 @@
               <a:t> </a:t>
             </a:r>
             <a:r>
-              <a:rPr lang="sv-SE" altLang="ja-JP" sz="1800" dirty="0">
+              <a:rPr lang="sv-SE" altLang="ja-JP" dirty="0">
                 <a:solidFill>
                   <a:srgbClr val="A31515"/>
                 </a:solidFill>
@@ -4417,7 +4406,7 @@
               <a:t>"]="</a:t>
             </a:r>
             <a:r>
-              <a:rPr lang="sv-SE" altLang="ja-JP" sz="1800" dirty="0">
+              <a:rPr lang="sv-SE" altLang="ja-JP" dirty="0">
                 <a:solidFill>
                   <a:srgbClr val="000000"/>
                 </a:solidFill>
@@ -4426,7 +4415,7 @@
               <a:t> </a:t>
             </a:r>
             <a:r>
-              <a:rPr lang="sv-SE" altLang="ja-JP" sz="1800" dirty="0">
+              <a:rPr lang="sv-SE" altLang="ja-JP" dirty="0">
                 <a:solidFill>
                   <a:srgbClr val="008080"/>
                 </a:solidFill>
@@ -4435,7 +4424,7 @@
               <a:t>&lt;&lt;</a:t>
             </a:r>
             <a:r>
-              <a:rPr lang="sv-SE" altLang="ja-JP" sz="1800" dirty="0">
+              <a:rPr lang="sv-SE" altLang="ja-JP" dirty="0">
                 <a:solidFill>
                   <a:srgbClr val="000000"/>
                 </a:solidFill>
@@ -4444,7 +4433,7 @@
               <a:t> v1</a:t>
             </a:r>
             <a:r>
-              <a:rPr lang="sv-SE" altLang="ja-JP" sz="1800" dirty="0">
+              <a:rPr lang="sv-SE" altLang="ja-JP" dirty="0">
                 <a:solidFill>
                   <a:srgbClr val="008080"/>
                 </a:solidFill>
@@ -4453,7 +4442,7 @@
               <a:t>[</a:t>
             </a:r>
             <a:r>
-              <a:rPr lang="sv-SE" altLang="ja-JP" sz="1800" dirty="0">
+              <a:rPr lang="sv-SE" altLang="ja-JP" dirty="0">
                 <a:solidFill>
                   <a:srgbClr val="000000"/>
                 </a:solidFill>
@@ -4462,7 +4451,7 @@
               <a:t>i</a:t>
             </a:r>
             <a:r>
-              <a:rPr lang="sv-SE" altLang="ja-JP" sz="1800" dirty="0">
+              <a:rPr lang="sv-SE" altLang="ja-JP" dirty="0">
                 <a:solidFill>
                   <a:srgbClr val="008080"/>
                 </a:solidFill>
@@ -4471,7 +4460,7 @@
               <a:t>]</a:t>
             </a:r>
             <a:r>
-              <a:rPr lang="sv-SE" altLang="ja-JP" sz="1800" dirty="0">
+              <a:rPr lang="sv-SE" altLang="ja-JP" dirty="0">
                 <a:solidFill>
                   <a:srgbClr val="000000"/>
                 </a:solidFill>
@@ -4480,7 +4469,7 @@
               <a:t> </a:t>
             </a:r>
             <a:r>
-              <a:rPr lang="sv-SE" altLang="ja-JP" sz="1800" dirty="0">
+              <a:rPr lang="sv-SE" altLang="ja-JP" dirty="0">
                 <a:solidFill>
                   <a:srgbClr val="008080"/>
                 </a:solidFill>
@@ -4489,7 +4478,7 @@
               <a:t>&lt;&lt;</a:t>
             </a:r>
             <a:r>
-              <a:rPr lang="sv-SE" altLang="ja-JP" sz="1800" dirty="0">
+              <a:rPr lang="sv-SE" altLang="ja-JP" dirty="0">
                 <a:solidFill>
                   <a:srgbClr val="000000"/>
                 </a:solidFill>
@@ -4500,7 +4489,7 @@
           </a:p>
           <a:p>
             <a:r>
-              <a:rPr lang="en-US" altLang="ja-JP" sz="1800" dirty="0">
+              <a:rPr lang="en-US" altLang="ja-JP" dirty="0">
                 <a:solidFill>
                   <a:srgbClr val="000000"/>
                 </a:solidFill>
@@ -4511,7 +4500,7 @@
           </a:p>
           <a:p>
             <a:r>
-              <a:rPr lang="nn-NO" altLang="ja-JP" sz="1800" dirty="0">
+              <a:rPr lang="nn-NO" altLang="ja-JP" dirty="0">
                 <a:solidFill>
                   <a:srgbClr val="0000FF"/>
                 </a:solidFill>
@@ -4520,7 +4509,7 @@
               <a:t>	for</a:t>
             </a:r>
             <a:r>
-              <a:rPr lang="nn-NO" altLang="ja-JP" sz="1800" dirty="0">
+              <a:rPr lang="nn-NO" altLang="ja-JP" dirty="0">
                 <a:solidFill>
                   <a:srgbClr val="000000"/>
                 </a:solidFill>
@@ -4529,7 +4518,7 @@
               <a:t> (</a:t>
             </a:r>
             <a:r>
-              <a:rPr lang="nn-NO" altLang="ja-JP" sz="1800" dirty="0">
+              <a:rPr lang="nn-NO" altLang="ja-JP" dirty="0">
                 <a:solidFill>
                   <a:srgbClr val="0000FF"/>
                 </a:solidFill>
@@ -4538,7 +4527,7 @@
               <a:t>int</a:t>
             </a:r>
             <a:r>
-              <a:rPr lang="nn-NO" altLang="ja-JP" sz="1800" dirty="0">
+              <a:rPr lang="nn-NO" altLang="ja-JP" dirty="0">
                 <a:solidFill>
                   <a:srgbClr val="000000"/>
                 </a:solidFill>
@@ -4549,7 +4538,7 @@
           </a:p>
           <a:p>
             <a:r>
-              <a:rPr lang="en-US" altLang="ja-JP" sz="1800" dirty="0">
+              <a:rPr lang="en-US" altLang="ja-JP" dirty="0">
                 <a:solidFill>
                   <a:srgbClr val="000000"/>
                 </a:solidFill>
@@ -4558,7 +4547,7 @@
               <a:t>		</a:t>
             </a:r>
             <a:r>
-              <a:rPr lang="en-US" altLang="ja-JP" sz="1800" dirty="0">
+              <a:rPr lang="en-US" altLang="ja-JP" dirty="0">
                 <a:solidFill>
                   <a:srgbClr val="2B91AF"/>
                 </a:solidFill>
@@ -4567,7 +4556,7 @@
               <a:t> </a:t>
             </a:r>
             <a:r>
-              <a:rPr lang="en-US" altLang="ja-JP" sz="1800" dirty="0" err="1">
+              <a:rPr lang="en-US" altLang="ja-JP" dirty="0" err="1">
                 <a:solidFill>
                   <a:srgbClr val="000000"/>
                 </a:solidFill>
@@ -4576,7 +4565,7 @@
               <a:t>cout</a:t>
             </a:r>
             <a:r>
-              <a:rPr lang="en-US" altLang="ja-JP" sz="1800" dirty="0">
+              <a:rPr lang="en-US" altLang="ja-JP" dirty="0">
                 <a:solidFill>
                   <a:srgbClr val="000000"/>
                 </a:solidFill>
@@ -4585,7 +4574,7 @@
               <a:t> </a:t>
             </a:r>
             <a:r>
-              <a:rPr lang="en-US" altLang="ja-JP" sz="1800" dirty="0">
+              <a:rPr lang="en-US" altLang="ja-JP" dirty="0">
                 <a:solidFill>
                   <a:srgbClr val="008080"/>
                 </a:solidFill>
@@ -4594,7 +4583,7 @@
               <a:t>&lt;&lt;</a:t>
             </a:r>
             <a:r>
-              <a:rPr lang="en-US" altLang="ja-JP" sz="1800" dirty="0">
+              <a:rPr lang="en-US" altLang="ja-JP" dirty="0">
                 <a:solidFill>
                   <a:srgbClr val="000000"/>
                 </a:solidFill>
@@ -4603,7 +4592,7 @@
               <a:t> </a:t>
             </a:r>
             <a:r>
-              <a:rPr lang="en-US" altLang="ja-JP" sz="1800" dirty="0">
+              <a:rPr lang="en-US" altLang="ja-JP" dirty="0">
                 <a:solidFill>
                   <a:srgbClr val="A31515"/>
                 </a:solidFill>
@@ -4612,7 +4601,7 @@
               <a:t>“v2["</a:t>
             </a:r>
             <a:r>
-              <a:rPr lang="en-US" altLang="ja-JP" sz="1800" dirty="0">
+              <a:rPr lang="en-US" altLang="ja-JP" dirty="0">
                 <a:solidFill>
                   <a:srgbClr val="000000"/>
                 </a:solidFill>
@@ -4621,7 +4610,7 @@
               <a:t> </a:t>
             </a:r>
             <a:r>
-              <a:rPr lang="en-US" altLang="ja-JP" sz="1800" dirty="0">
+              <a:rPr lang="en-US" altLang="ja-JP" dirty="0">
                 <a:solidFill>
                   <a:srgbClr val="008080"/>
                 </a:solidFill>
@@ -4630,7 +4619,7 @@
               <a:t>&lt;&lt;</a:t>
             </a:r>
             <a:r>
-              <a:rPr lang="en-US" altLang="ja-JP" sz="1800" dirty="0">
+              <a:rPr lang="en-US" altLang="ja-JP" dirty="0">
                 <a:solidFill>
                   <a:srgbClr val="000000"/>
                 </a:solidFill>
@@ -4639,7 +4628,7 @@
               <a:t> </a:t>
             </a:r>
             <a:r>
-              <a:rPr lang="en-US" altLang="ja-JP" sz="1800" dirty="0" err="1">
+              <a:rPr lang="en-US" altLang="ja-JP" dirty="0" err="1">
                 <a:solidFill>
                   <a:srgbClr val="000000"/>
                 </a:solidFill>
@@ -4648,7 +4637,7 @@
               <a:t>i</a:t>
             </a:r>
             <a:r>
-              <a:rPr lang="en-US" altLang="ja-JP" sz="1800" dirty="0">
+              <a:rPr lang="en-US" altLang="ja-JP" dirty="0">
                 <a:solidFill>
                   <a:srgbClr val="000000"/>
                 </a:solidFill>
@@ -4657,7 +4646,7 @@
               <a:t> </a:t>
             </a:r>
             <a:r>
-              <a:rPr lang="en-US" altLang="ja-JP" sz="1800" dirty="0">
+              <a:rPr lang="en-US" altLang="ja-JP" dirty="0">
                 <a:solidFill>
                   <a:srgbClr val="008080"/>
                 </a:solidFill>
@@ -4666,7 +4655,7 @@
               <a:t>&lt;&lt;</a:t>
             </a:r>
             <a:r>
-              <a:rPr lang="en-US" altLang="ja-JP" sz="1800" dirty="0">
+              <a:rPr lang="en-US" altLang="ja-JP" dirty="0">
                 <a:solidFill>
                   <a:srgbClr val="000000"/>
                 </a:solidFill>
@@ -4675,7 +4664,7 @@
               <a:t> </a:t>
             </a:r>
             <a:r>
-              <a:rPr lang="en-US" altLang="ja-JP" sz="1800" dirty="0">
+              <a:rPr lang="en-US" altLang="ja-JP" dirty="0">
                 <a:solidFill>
                   <a:srgbClr val="A31515"/>
                 </a:solidFill>
@@ -4684,7 +4673,7 @@
               <a:t>"]="</a:t>
             </a:r>
             <a:r>
-              <a:rPr lang="en-US" altLang="ja-JP" sz="1800" dirty="0">
+              <a:rPr lang="en-US" altLang="ja-JP" dirty="0">
                 <a:solidFill>
                   <a:srgbClr val="000000"/>
                 </a:solidFill>
@@ -4693,7 +4682,7 @@
               <a:t> </a:t>
             </a:r>
             <a:r>
-              <a:rPr lang="en-US" altLang="ja-JP" sz="1800" dirty="0">
+              <a:rPr lang="en-US" altLang="ja-JP" dirty="0">
                 <a:solidFill>
                   <a:srgbClr val="008080"/>
                 </a:solidFill>
@@ -4702,7 +4691,7 @@
               <a:t>&lt;&lt;</a:t>
             </a:r>
             <a:r>
-              <a:rPr lang="en-US" altLang="ja-JP" sz="1800" dirty="0">
+              <a:rPr lang="en-US" altLang="ja-JP" dirty="0">
                 <a:solidFill>
                   <a:srgbClr val="000000"/>
                 </a:solidFill>
@@ -4711,7 +4700,7 @@
               <a:t> v2</a:t>
             </a:r>
             <a:r>
-              <a:rPr lang="en-US" altLang="ja-JP" sz="1800" dirty="0">
+              <a:rPr lang="en-US" altLang="ja-JP" dirty="0">
                 <a:solidFill>
                   <a:srgbClr val="008080"/>
                 </a:solidFill>
@@ -4720,7 +4709,7 @@
               <a:t>[</a:t>
             </a:r>
             <a:r>
-              <a:rPr lang="en-US" altLang="ja-JP" sz="1800" dirty="0" err="1">
+              <a:rPr lang="en-US" altLang="ja-JP" dirty="0" err="1">
                 <a:solidFill>
                   <a:srgbClr val="000000"/>
                 </a:solidFill>
@@ -4729,7 +4718,7 @@
               <a:t>i</a:t>
             </a:r>
             <a:r>
-              <a:rPr lang="en-US" altLang="ja-JP" sz="1800" dirty="0">
+              <a:rPr lang="en-US" altLang="ja-JP" dirty="0">
                 <a:solidFill>
                   <a:srgbClr val="008080"/>
                 </a:solidFill>
@@ -4738,7 +4727,7 @@
               <a:t>]</a:t>
             </a:r>
             <a:r>
-              <a:rPr lang="en-US" altLang="ja-JP" sz="1800" dirty="0">
+              <a:rPr lang="en-US" altLang="ja-JP" dirty="0">
                 <a:solidFill>
                   <a:srgbClr val="000000"/>
                 </a:solidFill>
@@ -4747,7 +4736,7 @@
               <a:t> </a:t>
             </a:r>
             <a:r>
-              <a:rPr lang="en-US" altLang="ja-JP" sz="1800" dirty="0">
+              <a:rPr lang="en-US" altLang="ja-JP" dirty="0">
                 <a:solidFill>
                   <a:srgbClr val="008080"/>
                 </a:solidFill>
@@ -4756,7 +4745,7 @@
               <a:t>&lt;&lt;</a:t>
             </a:r>
             <a:r>
-              <a:rPr lang="en-US" altLang="ja-JP" sz="1800" dirty="0">
+              <a:rPr lang="en-US" altLang="ja-JP" dirty="0">
                 <a:solidFill>
                   <a:srgbClr val="000000"/>
                 </a:solidFill>
@@ -4765,7 +4754,7 @@
               <a:t> </a:t>
             </a:r>
             <a:r>
-              <a:rPr lang="en-US" altLang="ja-JP" sz="1800" dirty="0" err="1">
+              <a:rPr lang="en-US" altLang="ja-JP" dirty="0" err="1">
                 <a:solidFill>
                   <a:srgbClr val="000000"/>
                 </a:solidFill>
@@ -4774,7 +4763,7 @@
               <a:t>endl</a:t>
             </a:r>
             <a:r>
-              <a:rPr lang="en-US" altLang="ja-JP" sz="1800" dirty="0">
+              <a:rPr lang="en-US" altLang="ja-JP" dirty="0">
                 <a:solidFill>
                   <a:srgbClr val="000000"/>
                 </a:solidFill>
@@ -4785,7 +4774,7 @@
           </a:p>
           <a:p>
             <a:r>
-              <a:rPr lang="en-US" altLang="ja-JP" sz="1800" dirty="0">
+              <a:rPr lang="en-US" altLang="ja-JP" dirty="0">
                 <a:solidFill>
                   <a:srgbClr val="000000"/>
                 </a:solidFill>
@@ -4796,7 +4785,7 @@
           </a:p>
           <a:p>
             <a:r>
-              <a:rPr lang="en-US" altLang="ja-JP" sz="1800" dirty="0">
+              <a:rPr lang="en-US" altLang="ja-JP" dirty="0">
                 <a:solidFill>
                   <a:srgbClr val="0000FF"/>
                 </a:solidFill>
@@ -4805,7 +4794,7 @@
               <a:t>	return</a:t>
             </a:r>
             <a:r>
-              <a:rPr lang="en-US" altLang="ja-JP" sz="1800" dirty="0">
+              <a:rPr lang="en-US" altLang="ja-JP" dirty="0">
                 <a:solidFill>
                   <a:srgbClr val="000000"/>
                 </a:solidFill>
@@ -4816,7 +4805,7 @@
           </a:p>
           <a:p>
             <a:r>
-              <a:rPr lang="en-US" altLang="ja-JP" sz="1800" dirty="0">
+              <a:rPr lang="en-US" altLang="ja-JP" dirty="0">
                 <a:solidFill>
                   <a:srgbClr val="000000"/>
                 </a:solidFill>
@@ -4952,12 +4941,12 @@
               <a:t>&gt; </a:t>
             </a:r>
             <a:r>
-              <a:rPr lang="en-US" altLang="ja-JP" dirty="0" err="1">
+              <a:rPr lang="en-US" altLang="ja-JP" dirty="0">
                 <a:solidFill>
                   <a:srgbClr val="FF00FF"/>
                 </a:solidFill>
               </a:rPr>
-              <a:t>intVec</a:t>
+              <a:t>v1</a:t>
             </a:r>
             <a:br>
               <a:rPr lang="en-US" altLang="ja-JP" dirty="0"/>
@@ -4966,11 +4955,19 @@
               <a:rPr lang="en-US" altLang="ja-JP" dirty="0"/>
             </a:br>
             <a:r>
-              <a:rPr lang="en-US" altLang="ja-JP" dirty="0" err="1"/>
-              <a:t>intVec.</a:t>
-            </a:r>
-            <a:r>
-              <a:rPr lang="en-US" altLang="ja-JP" dirty="0" err="1">
+              <a:rPr lang="en-US" altLang="ja-JP" dirty="0">
+                <a:solidFill>
+                  <a:srgbClr val="FF00FF"/>
+                </a:solidFill>
+              </a:rPr>
+              <a:t>v1</a:t>
+            </a:r>
+            <a:r>
+              <a:rPr lang="en-US" altLang="ja-JP" dirty="0"/>
+              <a:t>.</a:t>
+            </a:r>
+            <a:r>
+              <a:rPr lang="en-US" altLang="ja-JP" dirty="0">
                 <a:solidFill>
                   <a:srgbClr val="FF0000"/>
                 </a:solidFill>
@@ -5004,11 +5001,19 @@
               </a:rPr>
             </a:br>
             <a:r>
-              <a:rPr lang="en-US" altLang="ja-JP" dirty="0" err="1"/>
-              <a:t>intVec.</a:t>
-            </a:r>
-            <a:r>
-              <a:rPr lang="en-US" altLang="ja-JP" dirty="0" err="1">
+              <a:rPr lang="en-US" altLang="ja-JP" dirty="0">
+                <a:solidFill>
+                  <a:srgbClr val="FF00FF"/>
+                </a:solidFill>
+              </a:rPr>
+              <a:t>v1</a:t>
+            </a:r>
+            <a:r>
+              <a:rPr lang="en-US" altLang="ja-JP" dirty="0"/>
+              <a:t>.</a:t>
+            </a:r>
+            <a:r>
+              <a:rPr lang="en-US" altLang="ja-JP" dirty="0">
                 <a:solidFill>
                   <a:srgbClr val="00B050"/>
                 </a:solidFill>
@@ -5198,7 +5203,7 @@
         <p:spPr>
           <a:xfrm>
             <a:off x="751890" y="1120695"/>
-            <a:ext cx="10688220" cy="4801314"/>
+            <a:ext cx="10688220" cy="4247317"/>
           </a:xfrm>
           <a:prstGeom prst="rect">
             <a:avLst/>
@@ -5292,94 +5297,31 @@
               </a:rPr>
             </a:br>
             <a:r>
+              <a:rPr lang="en-US" altLang="ja-JP" sz="1800" dirty="0">
+                <a:solidFill>
+                  <a:srgbClr val="000000"/>
+                </a:solidFill>
+                <a:ea typeface="ＭＳ ゴシック" panose="020B0609070205080204" pitchFamily="49" charset="-128"/>
+              </a:rPr>
+              <a:t>	v1.emplace_back(4);</a:t>
+            </a:r>
+            <a:r>
               <a:rPr lang="en-US" altLang="ja-JP" dirty="0">
                 <a:solidFill>
-                  <a:srgbClr val="000000"/>
-                </a:solidFill>
-                <a:ea typeface="ＭＳ ゴシック" panose="020B0609070205080204" pitchFamily="49" charset="-128"/>
-              </a:rPr>
-              <a:t>	</a:t>
-            </a:r>
-            <a:r>
-              <a:rPr lang="sv-SE" altLang="ja-JP" sz="1800" dirty="0">
-                <a:solidFill>
-                  <a:srgbClr val="000000"/>
-                </a:solidFill>
-                <a:ea typeface="ＭＳ ゴシック" panose="020B0609070205080204" pitchFamily="49" charset="-128"/>
-              </a:rPr>
-              <a:t>cout </a:t>
-            </a:r>
-            <a:r>
-              <a:rPr lang="sv-SE" altLang="ja-JP" sz="1800" dirty="0">
-                <a:solidFill>
-                  <a:srgbClr val="008080"/>
-                </a:solidFill>
-                <a:ea typeface="ＭＳ ゴシック" panose="020B0609070205080204" pitchFamily="49" charset="-128"/>
-              </a:rPr>
-              <a:t>&lt;&lt; </a:t>
-            </a:r>
-            <a:r>
-              <a:rPr lang="sv-SE" altLang="ja-JP" sz="1800" dirty="0">
-                <a:solidFill>
-                  <a:srgbClr val="C00000"/>
-                </a:solidFill>
-                <a:ea typeface="ＭＳ ゴシック" panose="020B0609070205080204" pitchFamily="49" charset="-128"/>
-              </a:rPr>
-              <a:t>”v1</a:t>
-            </a:r>
-            <a:r>
-              <a:rPr lang="ja-JP" altLang="en-US" sz="1800" dirty="0">
-                <a:solidFill>
-                  <a:srgbClr val="C00000"/>
-                </a:solidFill>
-                <a:ea typeface="ＭＳ ゴシック" panose="020B0609070205080204" pitchFamily="49" charset="-128"/>
-              </a:rPr>
-              <a:t>の要素数</a:t>
-            </a:r>
-            <a:r>
-              <a:rPr lang="en-US" altLang="ja-JP" sz="1800" dirty="0">
-                <a:solidFill>
-                  <a:srgbClr val="C00000"/>
-                </a:solidFill>
-                <a:ea typeface="ＭＳ ゴシック" panose="020B0609070205080204" pitchFamily="49" charset="-128"/>
-              </a:rPr>
-              <a:t>:” </a:t>
-            </a:r>
-            <a:r>
-              <a:rPr lang="en-US" altLang="ja-JP" sz="1800" dirty="0">
-                <a:solidFill>
-                  <a:srgbClr val="008080"/>
-                </a:solidFill>
-                <a:ea typeface="ＭＳ ゴシック" panose="020B0609070205080204" pitchFamily="49" charset="-128"/>
-              </a:rPr>
-              <a:t>&lt;&lt; </a:t>
-            </a:r>
-            <a:r>
-              <a:rPr lang="nn-NO" altLang="ja-JP" sz="1800" dirty="0">
-                <a:solidFill>
-                  <a:srgbClr val="000000"/>
-                </a:solidFill>
-                <a:ea typeface="ＭＳ ゴシック" panose="020B0609070205080204" pitchFamily="49" charset="-128"/>
-              </a:rPr>
-              <a:t>v1.size() </a:t>
-            </a:r>
-            <a:r>
-              <a:rPr lang="sv-SE" altLang="ja-JP" sz="1800" dirty="0">
-                <a:solidFill>
-                  <a:srgbClr val="008080"/>
-                </a:solidFill>
-                <a:ea typeface="ＭＳ ゴシック" panose="020B0609070205080204" pitchFamily="49" charset="-128"/>
-              </a:rPr>
-              <a:t>&lt;&lt;</a:t>
-            </a:r>
-            <a:r>
-              <a:rPr lang="sv-SE" altLang="ja-JP" sz="1800" dirty="0">
-                <a:solidFill>
-                  <a:srgbClr val="000000"/>
-                </a:solidFill>
-                <a:ea typeface="ＭＳ ゴシック" panose="020B0609070205080204" pitchFamily="49" charset="-128"/>
-              </a:rPr>
-              <a:t> endl;</a:t>
+                  <a:srgbClr val="00B050"/>
+                </a:solidFill>
+                <a:ea typeface="ＭＳ ゴシック" panose="020B0609070205080204" pitchFamily="49" charset="-128"/>
+              </a:rPr>
+              <a:t> //</a:t>
+            </a:r>
+            <a:r>
+              <a:rPr lang="ja-JP" altLang="en-US" dirty="0">
+                <a:solidFill>
+                  <a:srgbClr val="00B050"/>
+                </a:solidFill>
+                <a:ea typeface="ＭＳ ゴシック" panose="020B0609070205080204" pitchFamily="49" charset="-128"/>
+              </a:rPr>
+              <a:t>末尾に要素追加</a:t>
             </a:r>
             <a:endParaRPr lang="en-US" altLang="ja-JP" sz="1800" dirty="0">
               <a:solidFill>
@@ -5390,60 +5332,85 @@
           </a:p>
           <a:p>
             <a:r>
+              <a:rPr lang="en-US" altLang="ja-JP" dirty="0">
+                <a:solidFill>
+                  <a:srgbClr val="000000"/>
+                </a:solidFill>
+                <a:ea typeface="ＭＳ ゴシック" panose="020B0609070205080204" pitchFamily="49" charset="-128"/>
+              </a:rPr>
+              <a:t>	</a:t>
+            </a:r>
+            <a:r>
+              <a:rPr lang="sv-SE" altLang="ja-JP" sz="1800" dirty="0">
+                <a:solidFill>
+                  <a:srgbClr val="000000"/>
+                </a:solidFill>
+                <a:ea typeface="ＭＳ ゴシック" panose="020B0609070205080204" pitchFamily="49" charset="-128"/>
+              </a:rPr>
+              <a:t>cout </a:t>
+            </a:r>
+            <a:r>
+              <a:rPr lang="sv-SE" altLang="ja-JP" sz="1800" dirty="0">
+                <a:solidFill>
+                  <a:srgbClr val="008080"/>
+                </a:solidFill>
+                <a:ea typeface="ＭＳ ゴシック" panose="020B0609070205080204" pitchFamily="49" charset="-128"/>
+              </a:rPr>
+              <a:t>&lt;&lt; </a:t>
+            </a:r>
+            <a:r>
+              <a:rPr lang="sv-SE" altLang="ja-JP" sz="1800" dirty="0">
+                <a:solidFill>
+                  <a:srgbClr val="C00000"/>
+                </a:solidFill>
+                <a:ea typeface="ＭＳ ゴシック" panose="020B0609070205080204" pitchFamily="49" charset="-128"/>
+              </a:rPr>
+              <a:t>”v1</a:t>
+            </a:r>
+            <a:r>
+              <a:rPr lang="ja-JP" altLang="en-US" sz="1800" dirty="0">
+                <a:solidFill>
+                  <a:srgbClr val="C00000"/>
+                </a:solidFill>
+                <a:ea typeface="ＭＳ ゴシック" panose="020B0609070205080204" pitchFamily="49" charset="-128"/>
+              </a:rPr>
+              <a:t>の要素数</a:t>
+            </a:r>
+            <a:r>
+              <a:rPr lang="en-US" altLang="ja-JP" sz="1800" dirty="0">
+                <a:solidFill>
+                  <a:srgbClr val="C00000"/>
+                </a:solidFill>
+                <a:ea typeface="ＭＳ ゴシック" panose="020B0609070205080204" pitchFamily="49" charset="-128"/>
+              </a:rPr>
+              <a:t>:” </a:t>
+            </a:r>
+            <a:r>
+              <a:rPr lang="en-US" altLang="ja-JP" sz="1800" dirty="0">
+                <a:solidFill>
+                  <a:srgbClr val="008080"/>
+                </a:solidFill>
+                <a:ea typeface="ＭＳ ゴシック" panose="020B0609070205080204" pitchFamily="49" charset="-128"/>
+              </a:rPr>
+              <a:t>&lt;&lt; </a:t>
+            </a:r>
+            <a:r>
               <a:rPr lang="nn-NO" altLang="ja-JP" sz="1800" dirty="0">
                 <a:solidFill>
-                  <a:srgbClr val="0000FF"/>
-                </a:solidFill>
-                <a:ea typeface="ＭＳ ゴシック" panose="020B0609070205080204" pitchFamily="49" charset="-128"/>
-              </a:rPr>
-              <a:t>	for</a:t>
-            </a:r>
-            <a:r>
-              <a:rPr lang="nn-NO" altLang="ja-JP" sz="1800" dirty="0">
-                <a:solidFill>
-                  <a:srgbClr val="000000"/>
-                </a:solidFill>
-                <a:ea typeface="ＭＳ ゴシック" panose="020B0609070205080204" pitchFamily="49" charset="-128"/>
-              </a:rPr>
-              <a:t> (</a:t>
-            </a:r>
-            <a:r>
-              <a:rPr lang="nn-NO" altLang="ja-JP" sz="1800" dirty="0">
-                <a:solidFill>
-                  <a:srgbClr val="0000FF"/>
-                </a:solidFill>
-                <a:ea typeface="ＭＳ ゴシック" panose="020B0609070205080204" pitchFamily="49" charset="-128"/>
-              </a:rPr>
-              <a:t>int</a:t>
-            </a:r>
-            <a:r>
-              <a:rPr lang="nn-NO" altLang="ja-JP" sz="1800" dirty="0">
-                <a:solidFill>
-                  <a:srgbClr val="000000"/>
-                </a:solidFill>
-                <a:ea typeface="ＭＳ ゴシック" panose="020B0609070205080204" pitchFamily="49" charset="-128"/>
-              </a:rPr>
-              <a:t> i = 0; i &lt; v1.size(); i++) {</a:t>
-            </a:r>
-          </a:p>
-          <a:p>
+                  <a:srgbClr val="000000"/>
+                </a:solidFill>
+                <a:ea typeface="ＭＳ ゴシック" panose="020B0609070205080204" pitchFamily="49" charset="-128"/>
+              </a:rPr>
+              <a:t>v1.size() </a:t>
+            </a:r>
             <a:r>
               <a:rPr lang="sv-SE" altLang="ja-JP" sz="1800" dirty="0">
                 <a:solidFill>
-                  <a:srgbClr val="000000"/>
-                </a:solidFill>
-                <a:ea typeface="ＭＳ ゴシック" panose="020B0609070205080204" pitchFamily="49" charset="-128"/>
-              </a:rPr>
-              <a:t>		</a:t>
-            </a:r>
-            <a:r>
-              <a:rPr lang="en-US" altLang="ja-JP" sz="1800" dirty="0">
-                <a:solidFill>
-                  <a:srgbClr val="2B91AF"/>
-                </a:solidFill>
-                <a:ea typeface="ＭＳ ゴシック" panose="020B0609070205080204" pitchFamily="49" charset="-128"/>
-              </a:rPr>
-              <a:t> </a:t>
+                  <a:srgbClr val="008080"/>
+                </a:solidFill>
+                <a:ea typeface="ＭＳ ゴシック" panose="020B0609070205080204" pitchFamily="49" charset="-128"/>
+              </a:rPr>
+              <a:t>&lt;&lt;</a:t>
             </a:r>
             <a:r>
               <a:rPr lang="sv-SE" altLang="ja-JP" sz="1800" dirty="0">
@@ -5452,215 +5419,7 @@
                 </a:solidFill>
                 <a:ea typeface="ＭＳ ゴシック" panose="020B0609070205080204" pitchFamily="49" charset="-128"/>
               </a:rPr>
-              <a:t>cout </a:t>
-            </a:r>
-            <a:r>
-              <a:rPr lang="sv-SE" altLang="ja-JP" sz="1800" dirty="0">
-                <a:solidFill>
-                  <a:srgbClr val="008080"/>
-                </a:solidFill>
-                <a:ea typeface="ＭＳ ゴシック" panose="020B0609070205080204" pitchFamily="49" charset="-128"/>
-              </a:rPr>
-              <a:t>&lt;&lt;</a:t>
-            </a:r>
-            <a:r>
-              <a:rPr lang="sv-SE" altLang="ja-JP" sz="1800" dirty="0">
-                <a:solidFill>
-                  <a:srgbClr val="000000"/>
-                </a:solidFill>
-                <a:ea typeface="ＭＳ ゴシック" panose="020B0609070205080204" pitchFamily="49" charset="-128"/>
-              </a:rPr>
-              <a:t> </a:t>
-            </a:r>
-            <a:r>
-              <a:rPr lang="sv-SE" altLang="ja-JP" sz="1800" dirty="0">
-                <a:solidFill>
-                  <a:srgbClr val="A31515"/>
-                </a:solidFill>
-                <a:ea typeface="ＭＳ ゴシック" panose="020B0609070205080204" pitchFamily="49" charset="-128"/>
-              </a:rPr>
-              <a:t>”v1["</a:t>
-            </a:r>
-            <a:r>
-              <a:rPr lang="sv-SE" altLang="ja-JP" sz="1800" dirty="0">
-                <a:solidFill>
-                  <a:srgbClr val="000000"/>
-                </a:solidFill>
-                <a:ea typeface="ＭＳ ゴシック" panose="020B0609070205080204" pitchFamily="49" charset="-128"/>
-              </a:rPr>
-              <a:t> </a:t>
-            </a:r>
-            <a:r>
-              <a:rPr lang="sv-SE" altLang="ja-JP" sz="1800" dirty="0">
-                <a:solidFill>
-                  <a:srgbClr val="008080"/>
-                </a:solidFill>
-                <a:ea typeface="ＭＳ ゴシック" panose="020B0609070205080204" pitchFamily="49" charset="-128"/>
-              </a:rPr>
-              <a:t>&lt;&lt;</a:t>
-            </a:r>
-            <a:r>
-              <a:rPr lang="sv-SE" altLang="ja-JP" sz="1800" dirty="0">
-                <a:solidFill>
-                  <a:srgbClr val="000000"/>
-                </a:solidFill>
-                <a:ea typeface="ＭＳ ゴシック" panose="020B0609070205080204" pitchFamily="49" charset="-128"/>
-              </a:rPr>
-              <a:t> i </a:t>
-            </a:r>
-            <a:r>
-              <a:rPr lang="sv-SE" altLang="ja-JP" sz="1800" dirty="0">
-                <a:solidFill>
-                  <a:srgbClr val="008080"/>
-                </a:solidFill>
-                <a:ea typeface="ＭＳ ゴシック" panose="020B0609070205080204" pitchFamily="49" charset="-128"/>
-              </a:rPr>
-              <a:t>&lt;&lt;</a:t>
-            </a:r>
-            <a:r>
-              <a:rPr lang="sv-SE" altLang="ja-JP" sz="1800" dirty="0">
-                <a:solidFill>
-                  <a:srgbClr val="000000"/>
-                </a:solidFill>
-                <a:ea typeface="ＭＳ ゴシック" panose="020B0609070205080204" pitchFamily="49" charset="-128"/>
-              </a:rPr>
-              <a:t> </a:t>
-            </a:r>
-            <a:r>
-              <a:rPr lang="sv-SE" altLang="ja-JP" sz="1800" dirty="0">
-                <a:solidFill>
-                  <a:srgbClr val="A31515"/>
-                </a:solidFill>
-                <a:ea typeface="ＭＳ ゴシック" panose="020B0609070205080204" pitchFamily="49" charset="-128"/>
-              </a:rPr>
-              <a:t>"]="</a:t>
-            </a:r>
-            <a:r>
-              <a:rPr lang="sv-SE" altLang="ja-JP" sz="1800" dirty="0">
-                <a:solidFill>
-                  <a:srgbClr val="000000"/>
-                </a:solidFill>
-                <a:ea typeface="ＭＳ ゴシック" panose="020B0609070205080204" pitchFamily="49" charset="-128"/>
-              </a:rPr>
-              <a:t> </a:t>
-            </a:r>
-            <a:r>
-              <a:rPr lang="sv-SE" altLang="ja-JP" sz="1800" dirty="0">
-                <a:solidFill>
-                  <a:srgbClr val="008080"/>
-                </a:solidFill>
-                <a:ea typeface="ＭＳ ゴシック" panose="020B0609070205080204" pitchFamily="49" charset="-128"/>
-              </a:rPr>
-              <a:t>&lt;&lt;</a:t>
-            </a:r>
-            <a:r>
-              <a:rPr lang="sv-SE" altLang="ja-JP" sz="1800" dirty="0">
-                <a:solidFill>
-                  <a:srgbClr val="000000"/>
-                </a:solidFill>
-                <a:ea typeface="ＭＳ ゴシック" panose="020B0609070205080204" pitchFamily="49" charset="-128"/>
-              </a:rPr>
-              <a:t> v1</a:t>
-            </a:r>
-            <a:r>
-              <a:rPr lang="sv-SE" altLang="ja-JP" sz="1800" dirty="0">
-                <a:solidFill>
-                  <a:srgbClr val="008080"/>
-                </a:solidFill>
-                <a:ea typeface="ＭＳ ゴシック" panose="020B0609070205080204" pitchFamily="49" charset="-128"/>
-              </a:rPr>
-              <a:t>[</a:t>
-            </a:r>
-            <a:r>
-              <a:rPr lang="sv-SE" altLang="ja-JP" sz="1800" dirty="0">
-                <a:solidFill>
-                  <a:srgbClr val="000000"/>
-                </a:solidFill>
-                <a:ea typeface="ＭＳ ゴシック" panose="020B0609070205080204" pitchFamily="49" charset="-128"/>
-              </a:rPr>
-              <a:t>i</a:t>
-            </a:r>
-            <a:r>
-              <a:rPr lang="sv-SE" altLang="ja-JP" sz="1800" dirty="0">
-                <a:solidFill>
-                  <a:srgbClr val="008080"/>
-                </a:solidFill>
-                <a:ea typeface="ＭＳ ゴシック" panose="020B0609070205080204" pitchFamily="49" charset="-128"/>
-              </a:rPr>
-              <a:t>]</a:t>
-            </a:r>
-            <a:r>
-              <a:rPr lang="sv-SE" altLang="ja-JP" sz="1800" dirty="0">
-                <a:solidFill>
-                  <a:srgbClr val="000000"/>
-                </a:solidFill>
-                <a:ea typeface="ＭＳ ゴシック" panose="020B0609070205080204" pitchFamily="49" charset="-128"/>
-              </a:rPr>
-              <a:t> </a:t>
-            </a:r>
-            <a:r>
-              <a:rPr lang="sv-SE" altLang="ja-JP" sz="1800" dirty="0">
-                <a:solidFill>
-                  <a:srgbClr val="008080"/>
-                </a:solidFill>
-                <a:ea typeface="ＭＳ ゴシック" panose="020B0609070205080204" pitchFamily="49" charset="-128"/>
-              </a:rPr>
-              <a:t>&lt;&lt;</a:t>
-            </a:r>
-            <a:r>
-              <a:rPr lang="sv-SE" altLang="ja-JP" sz="1800" dirty="0">
-                <a:solidFill>
-                  <a:srgbClr val="000000"/>
-                </a:solidFill>
-                <a:ea typeface="ＭＳ ゴシック" panose="020B0609070205080204" pitchFamily="49" charset="-128"/>
-              </a:rPr>
               <a:t> endl;</a:t>
-            </a:r>
-          </a:p>
-          <a:p>
-            <a:r>
-              <a:rPr lang="en-US" altLang="ja-JP" sz="1800" dirty="0">
-                <a:solidFill>
-                  <a:srgbClr val="000000"/>
-                </a:solidFill>
-                <a:ea typeface="ＭＳ ゴシック" panose="020B0609070205080204" pitchFamily="49" charset="-128"/>
-              </a:rPr>
-              <a:t>	}</a:t>
-            </a:r>
-            <a:br>
-              <a:rPr lang="en-US" altLang="ja-JP" sz="1800" dirty="0">
-                <a:solidFill>
-                  <a:srgbClr val="000000"/>
-                </a:solidFill>
-                <a:ea typeface="ＭＳ ゴシック" panose="020B0609070205080204" pitchFamily="49" charset="-128"/>
-              </a:rPr>
-            </a:br>
-            <a:r>
-              <a:rPr lang="en-US" altLang="ja-JP" sz="1800" dirty="0">
-                <a:solidFill>
-                  <a:srgbClr val="000000"/>
-                </a:solidFill>
-                <a:ea typeface="ＭＳ ゴシック" panose="020B0609070205080204" pitchFamily="49" charset="-128"/>
-              </a:rPr>
-              <a:t>	v1.emplace_back(4);</a:t>
-            </a:r>
-            <a:r>
-              <a:rPr lang="en-US" altLang="ja-JP" dirty="0">
-                <a:solidFill>
-                  <a:srgbClr val="00B050"/>
-                </a:solidFill>
-                <a:ea typeface="ＭＳ ゴシック" panose="020B0609070205080204" pitchFamily="49" charset="-128"/>
-              </a:rPr>
-              <a:t> //</a:t>
-            </a:r>
-            <a:r>
-              <a:rPr lang="ja-JP" altLang="en-US" dirty="0">
-                <a:solidFill>
-                  <a:srgbClr val="00B050"/>
-                </a:solidFill>
-                <a:ea typeface="ＭＳ ゴシック" panose="020B0609070205080204" pitchFamily="49" charset="-128"/>
-              </a:rPr>
-              <a:t>末尾に要素追加</a:t>
             </a:r>
             <a:endParaRPr lang="en-US" altLang="ja-JP" sz="1800" dirty="0">
               <a:solidFill>
@@ -5671,94 +5430,295 @@
           </a:p>
           <a:p>
             <a:r>
+              <a:rPr lang="nn-NO" altLang="ja-JP" sz="1800" dirty="0">
+                <a:solidFill>
+                  <a:srgbClr val="0000FF"/>
+                </a:solidFill>
+                <a:ea typeface="ＭＳ ゴシック" panose="020B0609070205080204" pitchFamily="49" charset="-128"/>
+              </a:rPr>
+              <a:t>	for</a:t>
+            </a:r>
+            <a:r>
+              <a:rPr lang="nn-NO" altLang="ja-JP" sz="1800" dirty="0">
+                <a:solidFill>
+                  <a:srgbClr val="000000"/>
+                </a:solidFill>
+                <a:ea typeface="ＭＳ ゴシック" panose="020B0609070205080204" pitchFamily="49" charset="-128"/>
+              </a:rPr>
+              <a:t> (</a:t>
+            </a:r>
+            <a:r>
+              <a:rPr lang="nn-NO" altLang="ja-JP" sz="1800" dirty="0">
+                <a:solidFill>
+                  <a:srgbClr val="0000FF"/>
+                </a:solidFill>
+                <a:ea typeface="ＭＳ ゴシック" panose="020B0609070205080204" pitchFamily="49" charset="-128"/>
+              </a:rPr>
+              <a:t>int</a:t>
+            </a:r>
+            <a:r>
+              <a:rPr lang="nn-NO" altLang="ja-JP" sz="1800" dirty="0">
+                <a:solidFill>
+                  <a:srgbClr val="000000"/>
+                </a:solidFill>
+                <a:ea typeface="ＭＳ ゴシック" panose="020B0609070205080204" pitchFamily="49" charset="-128"/>
+              </a:rPr>
+              <a:t> i = 0; i &lt; v1.size(); i++) {</a:t>
+            </a:r>
+          </a:p>
+          <a:p>
+            <a:r>
+              <a:rPr lang="sv-SE" altLang="ja-JP" sz="1800" dirty="0">
+                <a:solidFill>
+                  <a:srgbClr val="000000"/>
+                </a:solidFill>
+                <a:ea typeface="ＭＳ ゴシック" panose="020B0609070205080204" pitchFamily="49" charset="-128"/>
+              </a:rPr>
+              <a:t>		</a:t>
+            </a:r>
+            <a:r>
+              <a:rPr lang="en-US" altLang="ja-JP" sz="1800" dirty="0">
+                <a:solidFill>
+                  <a:srgbClr val="2B91AF"/>
+                </a:solidFill>
+                <a:ea typeface="ＭＳ ゴシック" panose="020B0609070205080204" pitchFamily="49" charset="-128"/>
+              </a:rPr>
+              <a:t> </a:t>
+            </a:r>
+            <a:r>
+              <a:rPr lang="sv-SE" altLang="ja-JP" sz="1800" dirty="0">
+                <a:solidFill>
+                  <a:srgbClr val="000000"/>
+                </a:solidFill>
+                <a:ea typeface="ＭＳ ゴシック" panose="020B0609070205080204" pitchFamily="49" charset="-128"/>
+              </a:rPr>
+              <a:t>cout </a:t>
+            </a:r>
+            <a:r>
+              <a:rPr lang="sv-SE" altLang="ja-JP" sz="1800" dirty="0">
+                <a:solidFill>
+                  <a:srgbClr val="008080"/>
+                </a:solidFill>
+                <a:ea typeface="ＭＳ ゴシック" panose="020B0609070205080204" pitchFamily="49" charset="-128"/>
+              </a:rPr>
+              <a:t>&lt;&lt;</a:t>
+            </a:r>
+            <a:r>
+              <a:rPr lang="sv-SE" altLang="ja-JP" sz="1800" dirty="0">
+                <a:solidFill>
+                  <a:srgbClr val="000000"/>
+                </a:solidFill>
+                <a:ea typeface="ＭＳ ゴシック" panose="020B0609070205080204" pitchFamily="49" charset="-128"/>
+              </a:rPr>
+              <a:t> </a:t>
+            </a:r>
+            <a:r>
+              <a:rPr lang="sv-SE" altLang="ja-JP" sz="1800" dirty="0">
+                <a:solidFill>
+                  <a:srgbClr val="A31515"/>
+                </a:solidFill>
+                <a:ea typeface="ＭＳ ゴシック" panose="020B0609070205080204" pitchFamily="49" charset="-128"/>
+              </a:rPr>
+              <a:t>”v1["</a:t>
+            </a:r>
+            <a:r>
+              <a:rPr lang="sv-SE" altLang="ja-JP" sz="1800" dirty="0">
+                <a:solidFill>
+                  <a:srgbClr val="000000"/>
+                </a:solidFill>
+                <a:ea typeface="ＭＳ ゴシック" panose="020B0609070205080204" pitchFamily="49" charset="-128"/>
+              </a:rPr>
+              <a:t> </a:t>
+            </a:r>
+            <a:r>
+              <a:rPr lang="sv-SE" altLang="ja-JP" sz="1800" dirty="0">
+                <a:solidFill>
+                  <a:srgbClr val="008080"/>
+                </a:solidFill>
+                <a:ea typeface="ＭＳ ゴシック" panose="020B0609070205080204" pitchFamily="49" charset="-128"/>
+              </a:rPr>
+              <a:t>&lt;&lt;</a:t>
+            </a:r>
+            <a:r>
+              <a:rPr lang="sv-SE" altLang="ja-JP" sz="1800" dirty="0">
+                <a:solidFill>
+                  <a:srgbClr val="000000"/>
+                </a:solidFill>
+                <a:ea typeface="ＭＳ ゴシック" panose="020B0609070205080204" pitchFamily="49" charset="-128"/>
+              </a:rPr>
+              <a:t> i </a:t>
+            </a:r>
+            <a:r>
+              <a:rPr lang="sv-SE" altLang="ja-JP" sz="1800" dirty="0">
+                <a:solidFill>
+                  <a:srgbClr val="008080"/>
+                </a:solidFill>
+                <a:ea typeface="ＭＳ ゴシック" panose="020B0609070205080204" pitchFamily="49" charset="-128"/>
+              </a:rPr>
+              <a:t>&lt;&lt;</a:t>
+            </a:r>
+            <a:r>
+              <a:rPr lang="sv-SE" altLang="ja-JP" sz="1800" dirty="0">
+                <a:solidFill>
+                  <a:srgbClr val="000000"/>
+                </a:solidFill>
+                <a:ea typeface="ＭＳ ゴシック" panose="020B0609070205080204" pitchFamily="49" charset="-128"/>
+              </a:rPr>
+              <a:t> </a:t>
+            </a:r>
+            <a:r>
+              <a:rPr lang="sv-SE" altLang="ja-JP" sz="1800" dirty="0">
+                <a:solidFill>
+                  <a:srgbClr val="A31515"/>
+                </a:solidFill>
+                <a:ea typeface="ＭＳ ゴシック" panose="020B0609070205080204" pitchFamily="49" charset="-128"/>
+              </a:rPr>
+              <a:t>"]="</a:t>
+            </a:r>
+            <a:r>
+              <a:rPr lang="sv-SE" altLang="ja-JP" sz="1800" dirty="0">
+                <a:solidFill>
+                  <a:srgbClr val="000000"/>
+                </a:solidFill>
+                <a:ea typeface="ＭＳ ゴシック" panose="020B0609070205080204" pitchFamily="49" charset="-128"/>
+              </a:rPr>
+              <a:t> </a:t>
+            </a:r>
+            <a:r>
+              <a:rPr lang="sv-SE" altLang="ja-JP" sz="1800" dirty="0">
+                <a:solidFill>
+                  <a:srgbClr val="008080"/>
+                </a:solidFill>
+                <a:ea typeface="ＭＳ ゴシック" panose="020B0609070205080204" pitchFamily="49" charset="-128"/>
+              </a:rPr>
+              <a:t>&lt;&lt;</a:t>
+            </a:r>
+            <a:r>
+              <a:rPr lang="sv-SE" altLang="ja-JP" sz="1800" dirty="0">
+                <a:solidFill>
+                  <a:srgbClr val="000000"/>
+                </a:solidFill>
+                <a:ea typeface="ＭＳ ゴシック" panose="020B0609070205080204" pitchFamily="49" charset="-128"/>
+              </a:rPr>
+              <a:t> v1</a:t>
+            </a:r>
+            <a:r>
+              <a:rPr lang="sv-SE" altLang="ja-JP" sz="1800" dirty="0">
+                <a:solidFill>
+                  <a:srgbClr val="008080"/>
+                </a:solidFill>
+                <a:ea typeface="ＭＳ ゴシック" panose="020B0609070205080204" pitchFamily="49" charset="-128"/>
+              </a:rPr>
+              <a:t>[</a:t>
+            </a:r>
+            <a:r>
+              <a:rPr lang="sv-SE" altLang="ja-JP" sz="1800" dirty="0">
+                <a:solidFill>
+                  <a:srgbClr val="000000"/>
+                </a:solidFill>
+                <a:ea typeface="ＭＳ ゴシック" panose="020B0609070205080204" pitchFamily="49" charset="-128"/>
+              </a:rPr>
+              <a:t>i</a:t>
+            </a:r>
+            <a:r>
+              <a:rPr lang="sv-SE" altLang="ja-JP" sz="1800" dirty="0">
+                <a:solidFill>
+                  <a:srgbClr val="008080"/>
+                </a:solidFill>
+                <a:ea typeface="ＭＳ ゴシック" panose="020B0609070205080204" pitchFamily="49" charset="-128"/>
+              </a:rPr>
+              <a:t>]</a:t>
+            </a:r>
+            <a:r>
+              <a:rPr lang="sv-SE" altLang="ja-JP" sz="1800" dirty="0">
+                <a:solidFill>
+                  <a:srgbClr val="000000"/>
+                </a:solidFill>
+                <a:ea typeface="ＭＳ ゴシック" panose="020B0609070205080204" pitchFamily="49" charset="-128"/>
+              </a:rPr>
+              <a:t> </a:t>
+            </a:r>
+            <a:r>
+              <a:rPr lang="sv-SE" altLang="ja-JP" sz="1800" dirty="0">
+                <a:solidFill>
+                  <a:srgbClr val="008080"/>
+                </a:solidFill>
+                <a:ea typeface="ＭＳ ゴシック" panose="020B0609070205080204" pitchFamily="49" charset="-128"/>
+              </a:rPr>
+              <a:t>&lt;&lt;</a:t>
+            </a:r>
+            <a:r>
+              <a:rPr lang="sv-SE" altLang="ja-JP" sz="1800" dirty="0">
+                <a:solidFill>
+                  <a:srgbClr val="000000"/>
+                </a:solidFill>
+                <a:ea typeface="ＭＳ ゴシック" panose="020B0609070205080204" pitchFamily="49" charset="-128"/>
+              </a:rPr>
+              <a:t> endl;</a:t>
+            </a:r>
+          </a:p>
+          <a:p>
+            <a:r>
+              <a:rPr lang="en-US" altLang="ja-JP" sz="1800" dirty="0">
+                <a:solidFill>
+                  <a:srgbClr val="000000"/>
+                </a:solidFill>
+                <a:ea typeface="ＭＳ ゴシック" panose="020B0609070205080204" pitchFamily="49" charset="-128"/>
+              </a:rPr>
+              <a:t>	}</a:t>
+            </a:r>
+            <a:br>
+              <a:rPr lang="en-US" altLang="ja-JP" sz="1800" dirty="0">
+                <a:solidFill>
+                  <a:srgbClr val="000000"/>
+                </a:solidFill>
+                <a:ea typeface="ＭＳ ゴシック" panose="020B0609070205080204" pitchFamily="49" charset="-128"/>
+              </a:rPr>
+            </a:br>
+            <a:r>
+              <a:rPr lang="en-US" altLang="ja-JP" sz="1800" dirty="0">
+                <a:solidFill>
+                  <a:srgbClr val="000000"/>
+                </a:solidFill>
+                <a:ea typeface="ＭＳ ゴシック" panose="020B0609070205080204" pitchFamily="49" charset="-128"/>
+              </a:rPr>
+              <a:t>	v2.emplace_back(</a:t>
+            </a:r>
+            <a:r>
+              <a:rPr lang="en-US" altLang="ja-JP" sz="1800" dirty="0">
+                <a:solidFill>
+                  <a:srgbClr val="C00000"/>
+                </a:solidFill>
+                <a:ea typeface="ＭＳ ゴシック" panose="020B0609070205080204" pitchFamily="49" charset="-128"/>
+              </a:rPr>
+              <a:t>“G”</a:t>
+            </a:r>
+            <a:r>
+              <a:rPr lang="en-US" altLang="ja-JP" sz="1800" dirty="0">
+                <a:solidFill>
+                  <a:srgbClr val="000000"/>
+                </a:solidFill>
+                <a:ea typeface="ＭＳ ゴシック" panose="020B0609070205080204" pitchFamily="49" charset="-128"/>
+              </a:rPr>
+              <a:t>);</a:t>
+            </a:r>
+            <a:r>
               <a:rPr lang="en-US" altLang="ja-JP" dirty="0">
                 <a:solidFill>
-                  <a:srgbClr val="000000"/>
-                </a:solidFill>
-                <a:ea typeface="ＭＳ ゴシック" panose="020B0609070205080204" pitchFamily="49" charset="-128"/>
-              </a:rPr>
-              <a:t>	</a:t>
-            </a:r>
-            <a:r>
-              <a:rPr lang="sv-SE" altLang="ja-JP" sz="1800" dirty="0">
-                <a:solidFill>
-                  <a:srgbClr val="000000"/>
-                </a:solidFill>
-                <a:ea typeface="ＭＳ ゴシック" panose="020B0609070205080204" pitchFamily="49" charset="-128"/>
-              </a:rPr>
-              <a:t>cout </a:t>
-            </a:r>
-            <a:r>
-              <a:rPr lang="sv-SE" altLang="ja-JP" sz="1800" dirty="0">
-                <a:solidFill>
-                  <a:srgbClr val="008080"/>
-                </a:solidFill>
-                <a:ea typeface="ＭＳ ゴシック" panose="020B0609070205080204" pitchFamily="49" charset="-128"/>
-              </a:rPr>
-              <a:t>&lt;&lt; </a:t>
-            </a:r>
-            <a:r>
-              <a:rPr lang="sv-SE" altLang="ja-JP" sz="1800" dirty="0">
-                <a:solidFill>
-                  <a:srgbClr val="C00000"/>
-                </a:solidFill>
-                <a:ea typeface="ＭＳ ゴシック" panose="020B0609070205080204" pitchFamily="49" charset="-128"/>
-              </a:rPr>
-              <a:t>”v1</a:t>
-            </a:r>
-            <a:r>
-              <a:rPr lang="ja-JP" altLang="en-US" sz="1800" dirty="0">
-                <a:solidFill>
-                  <a:srgbClr val="C00000"/>
-                </a:solidFill>
-                <a:ea typeface="ＭＳ ゴシック" panose="020B0609070205080204" pitchFamily="49" charset="-128"/>
-              </a:rPr>
-              <a:t>の要素数</a:t>
-            </a:r>
-            <a:r>
-              <a:rPr lang="en-US" altLang="ja-JP" sz="1800" dirty="0">
-                <a:solidFill>
-                  <a:srgbClr val="C00000"/>
-                </a:solidFill>
-                <a:ea typeface="ＭＳ ゴシック" panose="020B0609070205080204" pitchFamily="49" charset="-128"/>
-              </a:rPr>
-              <a:t>:” </a:t>
-            </a:r>
-            <a:r>
-              <a:rPr lang="en-US" altLang="ja-JP" sz="1800" dirty="0">
-                <a:solidFill>
-                  <a:srgbClr val="008080"/>
-                </a:solidFill>
-                <a:ea typeface="ＭＳ ゴシック" panose="020B0609070205080204" pitchFamily="49" charset="-128"/>
-              </a:rPr>
-              <a:t>&lt;&lt; </a:t>
-            </a:r>
-            <a:r>
-              <a:rPr lang="nn-NO" altLang="ja-JP" sz="1800" dirty="0">
-                <a:solidFill>
-                  <a:srgbClr val="000000"/>
-                </a:solidFill>
-                <a:ea typeface="ＭＳ ゴシック" panose="020B0609070205080204" pitchFamily="49" charset="-128"/>
-              </a:rPr>
-              <a:t>v1.size() </a:t>
-            </a:r>
-            <a:r>
-              <a:rPr lang="sv-SE" altLang="ja-JP" sz="1800" dirty="0">
-                <a:solidFill>
-                  <a:srgbClr val="008080"/>
-                </a:solidFill>
-                <a:ea typeface="ＭＳ ゴシック" panose="020B0609070205080204" pitchFamily="49" charset="-128"/>
-              </a:rPr>
-              <a:t>&lt;&lt;</a:t>
-            </a:r>
-            <a:r>
-              <a:rPr lang="sv-SE" altLang="ja-JP" sz="1800" dirty="0">
-                <a:solidFill>
-                  <a:srgbClr val="000000"/>
-                </a:solidFill>
-                <a:ea typeface="ＭＳ ゴシック" panose="020B0609070205080204" pitchFamily="49" charset="-128"/>
-              </a:rPr>
-              <a:t> endl;</a:t>
+                  <a:srgbClr val="00B050"/>
+                </a:solidFill>
+                <a:ea typeface="ＭＳ ゴシック" panose="020B0609070205080204" pitchFamily="49" charset="-128"/>
+              </a:rPr>
+              <a:t> //</a:t>
+            </a:r>
+            <a:r>
+              <a:rPr lang="ja-JP" altLang="en-US" dirty="0">
+                <a:solidFill>
+                  <a:srgbClr val="00B050"/>
+                </a:solidFill>
+                <a:ea typeface="ＭＳ ゴシック" panose="020B0609070205080204" pitchFamily="49" charset="-128"/>
+              </a:rPr>
+              <a:t>末尾に要素追加</a:t>
             </a:r>
             <a:endParaRPr lang="en-US" altLang="ja-JP" sz="1800" dirty="0">
               <a:solidFill>
@@ -6152,164 +6112,22 @@
           </a:p>
           <a:p>
             <a:r>
+              <a:rPr lang="en-US" altLang="ja-JP" dirty="0">
+                <a:solidFill>
+                  <a:srgbClr val="000000"/>
+                </a:solidFill>
+                <a:ea typeface="ＭＳ ゴシック" panose="020B0609070205080204" pitchFamily="49" charset="-128"/>
+              </a:rPr>
+              <a:t>	</a:t>
+            </a:r>
+            <a:r>
               <a:rPr lang="en-US" altLang="ja-JP" sz="1800" dirty="0">
                 <a:solidFill>
-                  <a:srgbClr val="000000"/>
-                </a:solidFill>
-                <a:ea typeface="ＭＳ ゴシック" panose="020B0609070205080204" pitchFamily="49" charset="-128"/>
-              </a:rPr>
-              <a:t>	v2.emplace_back(</a:t>
-            </a:r>
-            <a:r>
-              <a:rPr lang="en-US" altLang="ja-JP" sz="1800" dirty="0">
-                <a:solidFill>
-                  <a:srgbClr val="C00000"/>
-                </a:solidFill>
-                <a:ea typeface="ＭＳ ゴシック" panose="020B0609070205080204" pitchFamily="49" charset="-128"/>
-              </a:rPr>
-              <a:t>“G”</a:t>
-            </a:r>
-            <a:r>
-              <a:rPr lang="en-US" altLang="ja-JP" sz="1800" dirty="0">
-                <a:solidFill>
-                  <a:srgbClr val="000000"/>
-                </a:solidFill>
-                <a:ea typeface="ＭＳ ゴシック" panose="020B0609070205080204" pitchFamily="49" charset="-128"/>
-              </a:rPr>
-              <a:t>);</a:t>
-            </a:r>
-            <a:r>
-              <a:rPr lang="en-US" altLang="ja-JP" dirty="0">
-                <a:solidFill>
-                  <a:srgbClr val="00B050"/>
-                </a:solidFill>
-                <a:ea typeface="ＭＳ ゴシック" panose="020B0609070205080204" pitchFamily="49" charset="-128"/>
-              </a:rPr>
-              <a:t> //</a:t>
-            </a:r>
-            <a:r>
-              <a:rPr lang="ja-JP" altLang="en-US" dirty="0">
-                <a:solidFill>
-                  <a:srgbClr val="00B050"/>
-                </a:solidFill>
-                <a:ea typeface="ＭＳ ゴシック" panose="020B0609070205080204" pitchFamily="49" charset="-128"/>
-              </a:rPr>
-              <a:t>末尾に要素追加</a:t>
-            </a:r>
-            <a:endParaRPr lang="en-US" altLang="ja-JP" sz="1800" dirty="0">
-              <a:solidFill>
-                <a:srgbClr val="000000"/>
-              </a:solidFill>
-              <a:ea typeface="ＭＳ ゴシック" panose="020B0609070205080204" pitchFamily="49" charset="-128"/>
-            </a:endParaRPr>
-          </a:p>
-          <a:p>
-            <a:r>
-              <a:rPr lang="en-US" altLang="ja-JP" dirty="0">
-                <a:solidFill>
-                  <a:srgbClr val="000000"/>
-                </a:solidFill>
-                <a:ea typeface="ＭＳ ゴシック" panose="020B0609070205080204" pitchFamily="49" charset="-128"/>
-              </a:rPr>
-              <a:t>	</a:t>
-            </a:r>
-            <a:r>
-              <a:rPr lang="sv-SE" altLang="ja-JP" sz="1800" dirty="0">
-                <a:solidFill>
-                  <a:srgbClr val="000000"/>
-                </a:solidFill>
-                <a:ea typeface="ＭＳ ゴシック" panose="020B0609070205080204" pitchFamily="49" charset="-128"/>
-              </a:rPr>
-              <a:t>cout </a:t>
-            </a:r>
-            <a:r>
-              <a:rPr lang="sv-SE" altLang="ja-JP" sz="1800" dirty="0">
-                <a:solidFill>
-                  <a:srgbClr val="008080"/>
-                </a:solidFill>
-                <a:ea typeface="ＭＳ ゴシック" panose="020B0609070205080204" pitchFamily="49" charset="-128"/>
-              </a:rPr>
-              <a:t>&lt;&lt; </a:t>
-            </a:r>
-            <a:r>
-              <a:rPr lang="sv-SE" altLang="ja-JP" sz="1800" dirty="0">
-                <a:solidFill>
-                  <a:srgbClr val="C00000"/>
-                </a:solidFill>
-                <a:ea typeface="ＭＳ ゴシック" panose="020B0609070205080204" pitchFamily="49" charset="-128"/>
-              </a:rPr>
-              <a:t>”v2</a:t>
-            </a:r>
-            <a:r>
-              <a:rPr lang="ja-JP" altLang="en-US" sz="1800" dirty="0">
-                <a:solidFill>
-                  <a:srgbClr val="C00000"/>
-                </a:solidFill>
-                <a:ea typeface="ＭＳ ゴシック" panose="020B0609070205080204" pitchFamily="49" charset="-128"/>
-              </a:rPr>
-              <a:t>の要素数</a:t>
-            </a:r>
-            <a:r>
-              <a:rPr lang="en-US" altLang="ja-JP" sz="1800" dirty="0">
-                <a:solidFill>
-                  <a:srgbClr val="C00000"/>
-                </a:solidFill>
-                <a:ea typeface="ＭＳ ゴシック" panose="020B0609070205080204" pitchFamily="49" charset="-128"/>
-              </a:rPr>
-              <a:t>:” </a:t>
-            </a:r>
-            <a:r>
-              <a:rPr lang="en-US" altLang="ja-JP" sz="1800" dirty="0">
-                <a:solidFill>
-                  <a:srgbClr val="008080"/>
-                </a:solidFill>
-                <a:ea typeface="ＭＳ ゴシック" panose="020B0609070205080204" pitchFamily="49" charset="-128"/>
-              </a:rPr>
-              <a:t>&lt;&lt; </a:t>
-            </a:r>
-            <a:r>
-              <a:rPr lang="nn-NO" altLang="ja-JP" sz="1800" dirty="0">
-                <a:solidFill>
-                  <a:srgbClr val="000000"/>
-                </a:solidFill>
-                <a:ea typeface="ＭＳ ゴシック" panose="020B0609070205080204" pitchFamily="49" charset="-128"/>
-              </a:rPr>
-              <a:t>v2.size() </a:t>
-            </a:r>
-            <a:r>
-              <a:rPr lang="sv-SE" altLang="ja-JP" sz="1800" dirty="0">
-                <a:solidFill>
-                  <a:srgbClr val="008080"/>
-                </a:solidFill>
-                <a:ea typeface="ＭＳ ゴシック" panose="020B0609070205080204" pitchFamily="49" charset="-128"/>
-              </a:rPr>
-              <a:t>&lt;&lt;</a:t>
-            </a:r>
-            <a:r>
-              <a:rPr lang="sv-SE" altLang="ja-JP" sz="1800" dirty="0">
-                <a:solidFill>
-                  <a:srgbClr val="000000"/>
-                </a:solidFill>
-                <a:ea typeface="ＭＳ ゴシック" panose="020B0609070205080204" pitchFamily="49" charset="-128"/>
-              </a:rPr>
-              <a:t> endl;</a:t>
-            </a:r>
-            <a:endParaRPr lang="en-US" altLang="ja-JP" sz="1800" dirty="0">
-              <a:solidFill>
-                <a:srgbClr val="000000"/>
-              </a:solidFill>
-              <a:ea typeface="ＭＳ ゴシック" panose="020B0609070205080204" pitchFamily="49" charset="-128"/>
-            </a:endParaRPr>
-          </a:p>
-          <a:p>
-            <a:r>
-              <a:rPr lang="en-US" altLang="ja-JP" sz="1800" dirty="0">
-                <a:solidFill>
                   <a:srgbClr val="0000FF"/>
                 </a:solidFill>
                 <a:ea typeface="ＭＳ ゴシック" panose="020B0609070205080204" pitchFamily="49" charset="-128"/>
               </a:rPr>
-              <a:t>	return</a:t>
+              <a:t>return</a:t>
             </a:r>
             <a:r>
               <a:rPr lang="en-US" altLang="ja-JP" sz="1800" dirty="0">
@@ -6398,7 +6216,7 @@
         </p:nvSpPr>
         <p:spPr>
           <a:xfrm>
-            <a:off x="751890" y="3107466"/>
+            <a:off x="751890" y="2280611"/>
             <a:ext cx="426396" cy="282102"/>
           </a:xfrm>
           <a:prstGeom prst="rightArrow">
@@ -6497,104 +6315,6 @@
         <p:spPr>
           <a:xfrm>
             <a:off x="751890" y="3653136"/>
-            <a:ext cx="426396" cy="282102"/>
-          </a:xfrm>
-          <a:prstGeom prst="rightArrow">
-            <a:avLst/>
-          </a:prstGeom>
-          <a:solidFill>
-            <a:srgbClr val="FF0000"/>
-          </a:solidFill>
-        </p:spPr>
-        <p:style>
-          <a:lnRef idx="2">
-            <a:schemeClr val="accent1">
-              <a:shade val="15000"/>
-            </a:schemeClr>
-          </a:lnRef>
-          <a:fillRef idx="1">
-            <a:schemeClr val="accent1"/>
-          </a:fillRef>
-          <a:effectRef idx="0">
-            <a:schemeClr val="accent1"/>
-          </a:effectRef>
-          <a:fontRef idx="minor">
-            <a:schemeClr val="lt1"/>
-          </a:fontRef>
-        </p:style>
-        <p:txBody>
-          <a:bodyPr rtlCol="0" anchor="ctr"/>
-          <a:lstStyle/>
-          <a:p>
-            <a:pPr algn="ctr"/>
-            <a:endParaRPr kumimoji="1" lang="ja-JP" altLang="en-US"/>
-          </a:p>
-        </p:txBody>
-      </p:sp>
-      <p:sp>
-        <p:nvSpPr>
-          <p:cNvPr id="9" name="矢印: 右 8">
-            <a:extLst>
-              <a:ext uri="{FF2B5EF4-FFF2-40B4-BE49-F238E27FC236}">
-                <a16:creationId xmlns:a16="http://schemas.microsoft.com/office/drawing/2014/main" id="{89C517B5-077D-D7EF-E179-EEBFF1E09D29}"/>
-              </a:ext>
-            </a:extLst>
-          </p:cNvPr>
-          <p:cNvSpPr/>
-          <p:nvPr/>
-        </p:nvSpPr>
-        <p:spPr>
-          <a:xfrm>
-            <a:off x="751890" y="4720450"/>
-            <a:ext cx="426396" cy="282102"/>
-          </a:xfrm>
-          <a:prstGeom prst="rightArrow">
-            <a:avLst/>
-          </a:prstGeom>
-          <a:solidFill>
-            <a:srgbClr val="FF0000"/>
-          </a:solidFill>
-        </p:spPr>
-        <p:style>
-          <a:lnRef idx="2">
-            <a:schemeClr val="accent1">
-              <a:shade val="15000"/>
-            </a:schemeClr>
-          </a:lnRef>
-          <a:fillRef idx="1">
-            <a:schemeClr val="accent1"/>
-          </a:fillRef>
-          <a:effectRef idx="0">
-            <a:schemeClr val="accent1"/>
-          </a:effectRef>
-          <a:fontRef idx="minor">
-            <a:schemeClr val="lt1"/>
-          </a:fontRef>
-        </p:style>
-        <p:txBody>
-          <a:bodyPr rtlCol="0" anchor="ctr"/>
-          <a:lstStyle/>
-          <a:p>
-            <a:pPr algn="ctr"/>
-            <a:endParaRPr kumimoji="1" lang="ja-JP" altLang="en-US"/>
-          </a:p>
-        </p:txBody>
-      </p:sp>
-      <p:sp>
-        <p:nvSpPr>
-          <p:cNvPr id="10" name="矢印: 右 9">
-            <a:extLst>
-              <a:ext uri="{FF2B5EF4-FFF2-40B4-BE49-F238E27FC236}">
-                <a16:creationId xmlns:a16="http://schemas.microsoft.com/office/drawing/2014/main" id="{7E271DCC-40FA-E0DF-93B4-D7E471510986}"/>
-              </a:ext>
-            </a:extLst>
-          </p:cNvPr>
-          <p:cNvSpPr/>
-          <p:nvPr/>
-        </p:nvSpPr>
-        <p:spPr>
-          <a:xfrm>
-            <a:off x="751890" y="5002552"/>
             <a:ext cx="426396" cy="282102"/>
           </a:xfrm>
           <a:prstGeom prst="rightArrow">
@@ -6794,7 +6514,7 @@
         <p:spPr>
           <a:xfrm>
             <a:off x="751890" y="1120695"/>
-            <a:ext cx="10688220" cy="5355312"/>
+            <a:ext cx="10688220" cy="4801314"/>
           </a:xfrm>
           <a:prstGeom prst="rect">
             <a:avLst/>
@@ -6888,94 +6608,66 @@
               </a:rPr>
             </a:br>
             <a:r>
+              <a:rPr lang="en-US" altLang="ja-JP" sz="1800" dirty="0">
+                <a:solidFill>
+                  <a:srgbClr val="000000"/>
+                </a:solidFill>
+                <a:ea typeface="ＭＳ ゴシック" panose="020B0609070205080204" pitchFamily="49" charset="-128"/>
+              </a:rPr>
+              <a:t>	v1.pop_back();</a:t>
+            </a:r>
+            <a:r>
+              <a:rPr lang="ja-JP" altLang="en-US" sz="1800" dirty="0">
+                <a:solidFill>
+                  <a:srgbClr val="000000"/>
+                </a:solidFill>
+                <a:ea typeface="ＭＳ ゴシック" panose="020B0609070205080204" pitchFamily="49" charset="-128"/>
+              </a:rPr>
+              <a:t>  </a:t>
+            </a:r>
+            <a:r>
               <a:rPr lang="en-US" altLang="ja-JP" dirty="0">
                 <a:solidFill>
-                  <a:srgbClr val="000000"/>
-                </a:solidFill>
-                <a:ea typeface="ＭＳ ゴシック" panose="020B0609070205080204" pitchFamily="49" charset="-128"/>
-              </a:rPr>
-              <a:t>	</a:t>
-            </a:r>
-            <a:r>
-              <a:rPr lang="sv-SE" altLang="ja-JP" sz="1800" dirty="0">
-                <a:solidFill>
-                  <a:srgbClr val="000000"/>
-                </a:solidFill>
-                <a:ea typeface="ＭＳ ゴシック" panose="020B0609070205080204" pitchFamily="49" charset="-128"/>
-              </a:rPr>
-              <a:t>cout </a:t>
-            </a:r>
-            <a:r>
-              <a:rPr lang="sv-SE" altLang="ja-JP" sz="1800" dirty="0">
-                <a:solidFill>
-                  <a:srgbClr val="008080"/>
-                </a:solidFill>
-                <a:ea typeface="ＭＳ ゴシック" panose="020B0609070205080204" pitchFamily="49" charset="-128"/>
-              </a:rPr>
-              <a:t>&lt;&lt; </a:t>
-            </a:r>
-            <a:r>
-              <a:rPr lang="sv-SE" altLang="ja-JP" sz="1800" dirty="0">
-                <a:solidFill>
-                  <a:srgbClr val="C00000"/>
-                </a:solidFill>
-                <a:ea typeface="ＭＳ ゴシック" panose="020B0609070205080204" pitchFamily="49" charset="-128"/>
-              </a:rPr>
-              <a:t>”v1</a:t>
-            </a:r>
-            <a:r>
-              <a:rPr lang="ja-JP" altLang="en-US" sz="1800" dirty="0">
-                <a:solidFill>
-                  <a:srgbClr val="C00000"/>
-                </a:solidFill>
-                <a:ea typeface="ＭＳ ゴシック" panose="020B0609070205080204" pitchFamily="49" charset="-128"/>
-              </a:rPr>
-              <a:t>の要素数</a:t>
-            </a:r>
-            <a:r>
+                  <a:srgbClr val="00B050"/>
+                </a:solidFill>
+                <a:ea typeface="ＭＳ ゴシック" panose="020B0609070205080204" pitchFamily="49" charset="-128"/>
+              </a:rPr>
+              <a:t>//</a:t>
+            </a:r>
+            <a:r>
+              <a:rPr lang="ja-JP" altLang="en-US" dirty="0">
+                <a:solidFill>
+                  <a:srgbClr val="00B050"/>
+                </a:solidFill>
+                <a:ea typeface="ＭＳ ゴシック" panose="020B0609070205080204" pitchFamily="49" charset="-128"/>
+              </a:rPr>
+              <a:t>末尾要素の削除</a:t>
+            </a:r>
+            <a:br>
               <a:rPr lang="en-US" altLang="ja-JP" sz="1800" dirty="0">
                 <a:solidFill>
-                  <a:srgbClr val="C00000"/>
-                </a:solidFill>
-                <a:ea typeface="ＭＳ ゴシック" panose="020B0609070205080204" pitchFamily="49" charset="-128"/>
-              </a:rPr>
-              <a:t>:” </a:t>
-            </a:r>
+                  <a:srgbClr val="000000"/>
+                </a:solidFill>
+                <a:ea typeface="ＭＳ ゴシック" panose="020B0609070205080204" pitchFamily="49" charset="-128"/>
+              </a:rPr>
+            </a:br>
             <a:r>
               <a:rPr lang="en-US" altLang="ja-JP" sz="1800" dirty="0">
                 <a:solidFill>
-                  <a:srgbClr val="008080"/>
-                </a:solidFill>
-                <a:ea typeface="ＭＳ ゴシック" panose="020B0609070205080204" pitchFamily="49" charset="-128"/>
-              </a:rPr>
-              <a:t>&lt;&lt; </a:t>
-            </a:r>
-            <a:r>
-              <a:rPr lang="nn-NO" altLang="ja-JP" sz="1800" dirty="0">
-                <a:solidFill>
-                  <a:srgbClr val="000000"/>
-                </a:solidFill>
-                <a:ea typeface="ＭＳ ゴシック" panose="020B0609070205080204" pitchFamily="49" charset="-128"/>
-              </a:rPr>
-              <a:t>v1.size() </a:t>
-            </a:r>
-            <a:r>
-              <a:rPr lang="sv-SE" altLang="ja-JP" sz="1800" dirty="0">
-                <a:solidFill>
-                  <a:srgbClr val="008080"/>
-                </a:solidFill>
-                <a:ea typeface="ＭＳ ゴシック" panose="020B0609070205080204" pitchFamily="49" charset="-128"/>
-              </a:rPr>
-              <a:t>&lt;&lt;</a:t>
-            </a:r>
-            <a:r>
-              <a:rPr lang="sv-SE" altLang="ja-JP" sz="1800" dirty="0">
-                <a:solidFill>
-                  <a:srgbClr val="000000"/>
-                </a:solidFill>
-                <a:ea typeface="ＭＳ ゴシック" panose="020B0609070205080204" pitchFamily="49" charset="-128"/>
-              </a:rPr>
-              <a:t> endl;</a:t>
+                  <a:srgbClr val="000000"/>
+                </a:solidFill>
+                <a:ea typeface="ＭＳ ゴシック" panose="020B0609070205080204" pitchFamily="49" charset="-128"/>
+              </a:rPr>
+              <a:t>	v1.emplace_back(4);</a:t>
+            </a:r>
+            <a:r>
+              <a:rPr lang="en-US" altLang="ja-JP" dirty="0">
+                <a:solidFill>
+                  <a:srgbClr val="00B050"/>
+                </a:solidFill>
+                <a:ea typeface="ＭＳ ゴシック" panose="020B0609070205080204" pitchFamily="49" charset="-128"/>
+              </a:rPr>
+              <a:t> </a:t>
             </a:r>
             <a:endParaRPr lang="en-US" altLang="ja-JP" sz="1800" dirty="0">
               <a:solidFill>
@@ -6986,66 +6678,94 @@
           </a:p>
           <a:p>
             <a:r>
+              <a:rPr lang="en-US" altLang="ja-JP" dirty="0">
+                <a:solidFill>
+                  <a:srgbClr val="000000"/>
+                </a:solidFill>
+                <a:ea typeface="ＭＳ ゴシック" panose="020B0609070205080204" pitchFamily="49" charset="-128"/>
+              </a:rPr>
+              <a:t>	</a:t>
+            </a:r>
+            <a:r>
+              <a:rPr lang="sv-SE" altLang="ja-JP" sz="1800" dirty="0">
+                <a:solidFill>
+                  <a:srgbClr val="000000"/>
+                </a:solidFill>
+                <a:ea typeface="ＭＳ ゴシック" panose="020B0609070205080204" pitchFamily="49" charset="-128"/>
+              </a:rPr>
+              <a:t>cout </a:t>
+            </a:r>
+            <a:r>
+              <a:rPr lang="sv-SE" altLang="ja-JP" sz="1800" dirty="0">
+                <a:solidFill>
+                  <a:srgbClr val="008080"/>
+                </a:solidFill>
+                <a:ea typeface="ＭＳ ゴシック" panose="020B0609070205080204" pitchFamily="49" charset="-128"/>
+              </a:rPr>
+              <a:t>&lt;&lt; </a:t>
+            </a:r>
+            <a:r>
+              <a:rPr lang="sv-SE" altLang="ja-JP" sz="1800" dirty="0">
+                <a:solidFill>
+                  <a:srgbClr val="C00000"/>
+                </a:solidFill>
+                <a:ea typeface="ＭＳ ゴシック" panose="020B0609070205080204" pitchFamily="49" charset="-128"/>
+              </a:rPr>
+              <a:t>”v1</a:t>
+            </a:r>
+            <a:r>
+              <a:rPr lang="ja-JP" altLang="en-US" sz="1800" dirty="0">
+                <a:solidFill>
+                  <a:srgbClr val="C00000"/>
+                </a:solidFill>
+                <a:ea typeface="ＭＳ ゴシック" panose="020B0609070205080204" pitchFamily="49" charset="-128"/>
+              </a:rPr>
+              <a:t>の要素数</a:t>
+            </a:r>
+            <a:r>
               <a:rPr lang="en-US" altLang="ja-JP" sz="1800" dirty="0">
                 <a:solidFill>
-                  <a:srgbClr val="000000"/>
-                </a:solidFill>
-                <a:ea typeface="ＭＳ ゴシック" panose="020B0609070205080204" pitchFamily="49" charset="-128"/>
-              </a:rPr>
-              <a:t>	v1.pop_back();</a:t>
-            </a:r>
-            <a:r>
-              <a:rPr lang="ja-JP" altLang="en-US" sz="1800" dirty="0">
-                <a:solidFill>
-                  <a:srgbClr val="000000"/>
-                </a:solidFill>
-                <a:ea typeface="ＭＳ ゴシック" panose="020B0609070205080204" pitchFamily="49" charset="-128"/>
-              </a:rPr>
-              <a:t>  </a:t>
-            </a:r>
-            <a:r>
-              <a:rPr lang="en-US" altLang="ja-JP" dirty="0">
-                <a:solidFill>
-                  <a:srgbClr val="00B050"/>
-                </a:solidFill>
-                <a:ea typeface="ＭＳ ゴシック" panose="020B0609070205080204" pitchFamily="49" charset="-128"/>
-              </a:rPr>
-              <a:t>//</a:t>
-            </a:r>
-            <a:r>
-              <a:rPr lang="ja-JP" altLang="en-US" dirty="0">
-                <a:solidFill>
-                  <a:srgbClr val="00B050"/>
-                </a:solidFill>
-                <a:ea typeface="ＭＳ ゴシック" panose="020B0609070205080204" pitchFamily="49" charset="-128"/>
-              </a:rPr>
-              <a:t>末尾要素の削除</a:t>
-            </a:r>
-            <a:br>
+                  <a:srgbClr val="C00000"/>
+                </a:solidFill>
+                <a:ea typeface="ＭＳ ゴシック" panose="020B0609070205080204" pitchFamily="49" charset="-128"/>
+              </a:rPr>
+              <a:t>:” </a:t>
+            </a:r>
+            <a:r>
               <a:rPr lang="en-US" altLang="ja-JP" sz="1800" dirty="0">
                 <a:solidFill>
-                  <a:srgbClr val="000000"/>
-                </a:solidFill>
-                <a:ea typeface="ＭＳ ゴシック" panose="020B0609070205080204" pitchFamily="49" charset="-128"/>
-              </a:rPr>
-            </a:br>
-            <a:r>
-              <a:rPr lang="en-US" altLang="ja-JP" sz="1800" dirty="0">
-                <a:solidFill>
-                  <a:srgbClr val="000000"/>
-                </a:solidFill>
-                <a:ea typeface="ＭＳ ゴシック" panose="020B0609070205080204" pitchFamily="49" charset="-128"/>
-              </a:rPr>
-              <a:t>	v1.emplace_back(4);</a:t>
-            </a:r>
-            <a:r>
-              <a:rPr lang="en-US" altLang="ja-JP" dirty="0">
-                <a:solidFill>
-                  <a:srgbClr val="00B050"/>
-                </a:solidFill>
-                <a:ea typeface="ＭＳ ゴシック" panose="020B0609070205080204" pitchFamily="49" charset="-128"/>
-              </a:rPr>
-              <a:t> </a:t>
+                  <a:srgbClr val="008080"/>
+                </a:solidFill>
+                <a:ea typeface="ＭＳ ゴシック" panose="020B0609070205080204" pitchFamily="49" charset="-128"/>
+              </a:rPr>
+              <a:t>&lt;&lt; </a:t>
+            </a:r>
+            <a:r>
+              <a:rPr lang="nn-NO" altLang="ja-JP" sz="1800" dirty="0">
+                <a:solidFill>
+                  <a:srgbClr val="000000"/>
+                </a:solidFill>
+                <a:ea typeface="ＭＳ ゴシック" panose="020B0609070205080204" pitchFamily="49" charset="-128"/>
+              </a:rPr>
+              <a:t>v1.size() </a:t>
+            </a:r>
+            <a:r>
+              <a:rPr lang="sv-SE" altLang="ja-JP" sz="1800" dirty="0">
+                <a:solidFill>
+                  <a:srgbClr val="008080"/>
+                </a:solidFill>
+                <a:ea typeface="ＭＳ ゴシック" panose="020B0609070205080204" pitchFamily="49" charset="-128"/>
+              </a:rPr>
+              <a:t>&lt;&lt;</a:t>
+            </a:r>
+            <a:r>
+              <a:rPr lang="sv-SE" altLang="ja-JP" sz="1800" dirty="0">
+                <a:solidFill>
+                  <a:srgbClr val="000000"/>
+                </a:solidFill>
+                <a:ea typeface="ＭＳ ゴシック" panose="020B0609070205080204" pitchFamily="49" charset="-128"/>
+              </a:rPr>
+              <a:t> endl;</a:t>
             </a:r>
             <a:endParaRPr lang="en-US" altLang="ja-JP" sz="1800" dirty="0">
               <a:solidFill>
@@ -7305,6 +7025,55 @@
               <a:t>	</a:t>
             </a:r>
             <a:r>
+              <a:rPr lang="en-US" altLang="ja-JP" sz="1800" dirty="0">
+                <a:solidFill>
+                  <a:srgbClr val="000000"/>
+                </a:solidFill>
+                <a:ea typeface="ＭＳ ゴシック" panose="020B0609070205080204" pitchFamily="49" charset="-128"/>
+              </a:rPr>
+              <a:t>v2.pop_back();</a:t>
+            </a:r>
+          </a:p>
+          <a:p>
+            <a:r>
+              <a:rPr lang="en-US" altLang="ja-JP" sz="1800" dirty="0">
+                <a:solidFill>
+                  <a:srgbClr val="000000"/>
+                </a:solidFill>
+                <a:ea typeface="ＭＳ ゴシック" panose="020B0609070205080204" pitchFamily="49" charset="-128"/>
+              </a:rPr>
+              <a:t>	v2.emplace_back(</a:t>
+            </a:r>
+            <a:r>
+              <a:rPr lang="en-US" altLang="ja-JP" sz="1800" dirty="0">
+                <a:solidFill>
+                  <a:srgbClr val="C00000"/>
+                </a:solidFill>
+                <a:ea typeface="ＭＳ ゴシック" panose="020B0609070205080204" pitchFamily="49" charset="-128"/>
+              </a:rPr>
+              <a:t>“G”</a:t>
+            </a:r>
+            <a:r>
+              <a:rPr lang="en-US" altLang="ja-JP" sz="1800" dirty="0">
+                <a:solidFill>
+                  <a:srgbClr val="000000"/>
+                </a:solidFill>
+                <a:ea typeface="ＭＳ ゴシック" panose="020B0609070205080204" pitchFamily="49" charset="-128"/>
+              </a:rPr>
+              <a:t>);</a:t>
+            </a:r>
+          </a:p>
+          <a:p>
+            <a:r>
+              <a:rPr lang="en-US" altLang="ja-JP" dirty="0">
+                <a:solidFill>
+                  <a:srgbClr val="000000"/>
+                </a:solidFill>
+                <a:ea typeface="ＭＳ ゴシック" panose="020B0609070205080204" pitchFamily="49" charset="-128"/>
+              </a:rPr>
+              <a:t>	</a:t>
+            </a:r>
+            <a:r>
               <a:rPr lang="sv-SE" altLang="ja-JP" sz="1800" dirty="0">
                 <a:solidFill>
                   <a:srgbClr val="000000"/>
@@ -7329,7 +7098,7 @@
                 </a:solidFill>
                 <a:ea typeface="ＭＳ ゴシック" panose="020B0609070205080204" pitchFamily="49" charset="-128"/>
               </a:rPr>
-              <a:t>”v1</a:t>
+              <a:t>”v2</a:t>
             </a:r>
             <a:r>
               <a:rPr lang="ja-JP" altLang="en-US" sz="1800" dirty="0">
@@ -7365,7 +7134,7 @@
                 </a:solidFill>
                 <a:ea typeface="ＭＳ ゴシック" panose="020B0609070205080204" pitchFamily="49" charset="-128"/>
               </a:rPr>
-              <a:t>v1.size() </a:t>
+              <a:t>v2.size() </a:t>
             </a:r>
             <a:r>
               <a:rPr lang="sv-SE" altLang="ja-JP" sz="1800" dirty="0">
@@ -7394,79 +7163,153 @@
           </a:p>
           <a:p>
             <a:r>
+              <a:rPr lang="nn-NO" altLang="ja-JP" dirty="0">
+                <a:solidFill>
+                  <a:srgbClr val="0000FF"/>
+                </a:solidFill>
+                <a:ea typeface="ＭＳ ゴシック" panose="020B0609070205080204" pitchFamily="49" charset="-128"/>
+              </a:rPr>
+              <a:t>	for</a:t>
+            </a:r>
+            <a:r>
+              <a:rPr lang="nn-NO" altLang="ja-JP" dirty="0">
+                <a:solidFill>
+                  <a:srgbClr val="000000"/>
+                </a:solidFill>
+                <a:ea typeface="ＭＳ ゴシック" panose="020B0609070205080204" pitchFamily="49" charset="-128"/>
+              </a:rPr>
+              <a:t> (</a:t>
+            </a:r>
+            <a:r>
+              <a:rPr lang="nn-NO" altLang="ja-JP" dirty="0">
+                <a:solidFill>
+                  <a:srgbClr val="0000FF"/>
+                </a:solidFill>
+                <a:ea typeface="ＭＳ ゴシック" panose="020B0609070205080204" pitchFamily="49" charset="-128"/>
+              </a:rPr>
+              <a:t>int</a:t>
+            </a:r>
+            <a:r>
+              <a:rPr lang="nn-NO" altLang="ja-JP" dirty="0">
+                <a:solidFill>
+                  <a:srgbClr val="000000"/>
+                </a:solidFill>
+                <a:ea typeface="ＭＳ ゴシック" panose="020B0609070205080204" pitchFamily="49" charset="-128"/>
+              </a:rPr>
+              <a:t> i = 0; i &lt;  2.size(); i++) {</a:t>
+            </a:r>
+          </a:p>
+          <a:p>
+            <a:r>
               <a:rPr lang="en-US" altLang="ja-JP" dirty="0">
                 <a:solidFill>
                   <a:srgbClr val="000000"/>
                 </a:solidFill>
                 <a:ea typeface="ＭＳ ゴシック" panose="020B0609070205080204" pitchFamily="49" charset="-128"/>
               </a:rPr>
-              <a:t>	</a:t>
-            </a:r>
-            <a:r>
-              <a:rPr lang="sv-SE" altLang="ja-JP" sz="1800" dirty="0">
-                <a:solidFill>
-                  <a:srgbClr val="000000"/>
-                </a:solidFill>
-                <a:ea typeface="ＭＳ ゴシック" panose="020B0609070205080204" pitchFamily="49" charset="-128"/>
-              </a:rPr>
-              <a:t>cout </a:t>
-            </a:r>
-            <a:r>
-              <a:rPr lang="sv-SE" altLang="ja-JP" sz="1800" dirty="0">
+              <a:t>		</a:t>
+            </a:r>
+            <a:r>
+              <a:rPr lang="en-US" altLang="ja-JP" dirty="0">
+                <a:solidFill>
+                  <a:srgbClr val="2B91AF"/>
+                </a:solidFill>
+                <a:ea typeface="ＭＳ ゴシック" panose="020B0609070205080204" pitchFamily="49" charset="-128"/>
+              </a:rPr>
+              <a:t> </a:t>
+            </a:r>
+            <a:r>
+              <a:rPr lang="en-US" altLang="ja-JP" dirty="0" err="1">
+                <a:solidFill>
+                  <a:srgbClr val="000000"/>
+                </a:solidFill>
+                <a:ea typeface="ＭＳ ゴシック" panose="020B0609070205080204" pitchFamily="49" charset="-128"/>
+              </a:rPr>
+              <a:t>cout</a:t>
+            </a:r>
+            <a:r>
+              <a:rPr lang="en-US" altLang="ja-JP" dirty="0">
+                <a:solidFill>
+                  <a:srgbClr val="000000"/>
+                </a:solidFill>
+                <a:ea typeface="ＭＳ ゴシック" panose="020B0609070205080204" pitchFamily="49" charset="-128"/>
+              </a:rPr>
+              <a:t> </a:t>
+            </a:r>
+            <a:r>
+              <a:rPr lang="en-US" altLang="ja-JP" dirty="0">
                 <a:solidFill>
                   <a:srgbClr val="008080"/>
                 </a:solidFill>
                 <a:ea typeface="ＭＳ ゴシック" panose="020B0609070205080204" pitchFamily="49" charset="-128"/>
               </a:rPr>
-              <a:t>&lt;&lt; </a:t>
-            </a:r>
-            <a:r>
-              <a:rPr lang="sv-SE" altLang="ja-JP" sz="1800" dirty="0">
-                <a:solidFill>
-                  <a:srgbClr val="C00000"/>
-                </a:solidFill>
-                <a:ea typeface="ＭＳ ゴシック" panose="020B0609070205080204" pitchFamily="49" charset="-128"/>
-              </a:rPr>
-              <a:t>”v2</a:t>
-            </a:r>
-            <a:r>
-              <a:rPr lang="ja-JP" altLang="en-US" sz="1800" dirty="0">
-                <a:solidFill>
-                  <a:srgbClr val="C00000"/>
-                </a:solidFill>
-                <a:ea typeface="ＭＳ ゴシック" panose="020B0609070205080204" pitchFamily="49" charset="-128"/>
-              </a:rPr>
-              <a:t>の要素数</a:t>
-            </a:r>
-            <a:r>
-              <a:rPr lang="en-US" altLang="ja-JP" sz="1800" dirty="0">
-                <a:solidFill>
-                  <a:srgbClr val="C00000"/>
-                </a:solidFill>
-                <a:ea typeface="ＭＳ ゴシック" panose="020B0609070205080204" pitchFamily="49" charset="-128"/>
-              </a:rPr>
-              <a:t>:” </a:t>
-            </a:r>
-            <a:r>
-              <a:rPr lang="en-US" altLang="ja-JP" sz="1800" dirty="0">
+              <a:t>&lt;&lt;</a:t>
+            </a:r>
+            <a:r>
+              <a:rPr lang="en-US" altLang="ja-JP" dirty="0">
+                <a:solidFill>
+                  <a:srgbClr val="000000"/>
+                </a:solidFill>
+                <a:ea typeface="ＭＳ ゴシック" panose="020B0609070205080204" pitchFamily="49" charset="-128"/>
+              </a:rPr>
+              <a:t> </a:t>
+            </a:r>
+            <a:r>
+              <a:rPr lang="en-US" altLang="ja-JP" dirty="0">
+                <a:solidFill>
+                  <a:srgbClr val="A31515"/>
+                </a:solidFill>
+                <a:ea typeface="ＭＳ ゴシック" panose="020B0609070205080204" pitchFamily="49" charset="-128"/>
+              </a:rPr>
+              <a:t>“v2["</a:t>
+            </a:r>
+            <a:r>
+              <a:rPr lang="en-US" altLang="ja-JP" dirty="0">
+                <a:solidFill>
+                  <a:srgbClr val="000000"/>
+                </a:solidFill>
+                <a:ea typeface="ＭＳ ゴシック" panose="020B0609070205080204" pitchFamily="49" charset="-128"/>
+              </a:rPr>
+              <a:t> </a:t>
+            </a:r>
+            <a:r>
+              <a:rPr lang="en-US" altLang="ja-JP" dirty="0">
                 <a:solidFill>
                   <a:srgbClr val="008080"/>
                 </a:solidFill>
                 <a:ea typeface="ＭＳ ゴシック" panose="020B0609070205080204" pitchFamily="49" charset="-128"/>
               </a:rPr>
-              <a:t>&lt;&lt; </a:t>
-            </a:r>
-            <a:r>
-              <a:rPr lang="nn-NO" altLang="ja-JP" sz="1800" dirty="0">
-                <a:solidFill>
-                  <a:srgbClr val="000000"/>
-                </a:solidFill>
-                <a:ea typeface="ＭＳ ゴシック" panose="020B0609070205080204" pitchFamily="49" charset="-128"/>
-              </a:rPr>
-              <a:t>v2.size() </a:t>
-            </a:r>
-            <a:r>
-              <a:rPr lang="sv-SE" altLang="ja-JP" sz="1800" dirty="0">
+              <a:t>&lt;&lt;</a:t>
+            </a:r>
+            <a:r>
+              <a:rPr lang="en-US" altLang="ja-JP" dirty="0">
+                <a:solidFill>
+                  <a:srgbClr val="000000"/>
+                </a:solidFill>
+                <a:ea typeface="ＭＳ ゴシック" panose="020B0609070205080204" pitchFamily="49" charset="-128"/>
+              </a:rPr>
+              <a:t> </a:t>
+            </a:r>
+            <a:r>
+              <a:rPr lang="en-US" altLang="ja-JP" dirty="0" err="1">
+                <a:solidFill>
+                  <a:srgbClr val="000000"/>
+                </a:solidFill>
+                <a:ea typeface="ＭＳ ゴシック" panose="020B0609070205080204" pitchFamily="49" charset="-128"/>
+              </a:rPr>
+              <a:t>i</a:t>
+            </a:r>
+            <a:r>
+              <a:rPr lang="en-US" altLang="ja-JP" dirty="0">
+                <a:solidFill>
+                  <a:srgbClr val="000000"/>
+                </a:solidFill>
+                <a:ea typeface="ＭＳ ゴシック" panose="020B0609070205080204" pitchFamily="49" charset="-128"/>
+              </a:rPr>
+              <a:t> </a:t>
+            </a:r>
+            <a:r>
+              <a:rPr lang="en-US" altLang="ja-JP" dirty="0">
                 <a:solidFill>
                   <a:srgbClr val="008080"/>
                 </a:solidFill>
@@ -7475,139 +7318,80 @@
               <a:t>&lt;&lt;</a:t>
             </a:r>
             <a:r>
-              <a:rPr lang="sv-SE" altLang="ja-JP" sz="1800" dirty="0">
-                <a:solidFill>
-                  <a:srgbClr val="000000"/>
-                </a:solidFill>
-                <a:ea typeface="ＭＳ ゴシック" panose="020B0609070205080204" pitchFamily="49" charset="-128"/>
-              </a:rPr>
-              <a:t> endl;</a:t>
-            </a:r>
-            <a:endParaRPr lang="en-US" altLang="ja-JP" sz="1800" dirty="0">
-              <a:solidFill>
-                <a:srgbClr val="000000"/>
-              </a:solidFill>
-              <a:ea typeface="ＭＳ ゴシック" panose="020B0609070205080204" pitchFamily="49" charset="-128"/>
-            </a:endParaRPr>
-          </a:p>
-          <a:p>
-            <a:r>
               <a:rPr lang="en-US" altLang="ja-JP" dirty="0">
                 <a:solidFill>
                   <a:srgbClr val="000000"/>
                 </a:solidFill>
                 <a:ea typeface="ＭＳ ゴシック" panose="020B0609070205080204" pitchFamily="49" charset="-128"/>
               </a:rPr>
-              <a:t>	</a:t>
-            </a:r>
-            <a:r>
-              <a:rPr lang="en-US" altLang="ja-JP" sz="1800" dirty="0">
-                <a:solidFill>
-                  <a:srgbClr val="000000"/>
-                </a:solidFill>
-                <a:ea typeface="ＭＳ ゴシック" panose="020B0609070205080204" pitchFamily="49" charset="-128"/>
-              </a:rPr>
-              <a:t>v2.pop_back();</a:t>
-            </a:r>
-          </a:p>
-          <a:p>
-            <a:r>
-              <a:rPr lang="en-US" altLang="ja-JP" sz="1800" dirty="0">
-                <a:solidFill>
-                  <a:srgbClr val="000000"/>
-                </a:solidFill>
-                <a:ea typeface="ＭＳ ゴシック" panose="020B0609070205080204" pitchFamily="49" charset="-128"/>
-              </a:rPr>
-              <a:t>	v2.emplace_back(</a:t>
-            </a:r>
-            <a:r>
-              <a:rPr lang="en-US" altLang="ja-JP" sz="1800" dirty="0">
-                <a:solidFill>
-                  <a:srgbClr val="C00000"/>
-                </a:solidFill>
-                <a:ea typeface="ＭＳ ゴシック" panose="020B0609070205080204" pitchFamily="49" charset="-128"/>
-              </a:rPr>
-              <a:t>“G”</a:t>
-            </a:r>
-            <a:r>
-              <a:rPr lang="en-US" altLang="ja-JP" sz="1800" dirty="0">
-                <a:solidFill>
-                  <a:srgbClr val="000000"/>
-                </a:solidFill>
-                <a:ea typeface="ＭＳ ゴシック" panose="020B0609070205080204" pitchFamily="49" charset="-128"/>
-              </a:rPr>
-              <a:t>);</a:t>
-            </a:r>
-          </a:p>
-          <a:p>
-            <a:r>
-              <a:rPr lang="nn-NO" altLang="ja-JP" dirty="0">
-                <a:solidFill>
-                  <a:srgbClr val="0000FF"/>
-                </a:solidFill>
-                <a:ea typeface="ＭＳ ゴシック" panose="020B0609070205080204" pitchFamily="49" charset="-128"/>
-              </a:rPr>
-              <a:t>	for</a:t>
-            </a:r>
-            <a:r>
-              <a:rPr lang="nn-NO" altLang="ja-JP" dirty="0">
-                <a:solidFill>
-                  <a:srgbClr val="000000"/>
-                </a:solidFill>
-                <a:ea typeface="ＭＳ ゴシック" panose="020B0609070205080204" pitchFamily="49" charset="-128"/>
-              </a:rPr>
-              <a:t> (</a:t>
-            </a:r>
-            <a:r>
-              <a:rPr lang="nn-NO" altLang="ja-JP" dirty="0">
-                <a:solidFill>
-                  <a:srgbClr val="0000FF"/>
-                </a:solidFill>
-                <a:ea typeface="ＭＳ ゴシック" panose="020B0609070205080204" pitchFamily="49" charset="-128"/>
-              </a:rPr>
-              <a:t>int</a:t>
-            </a:r>
-            <a:r>
-              <a:rPr lang="nn-NO" altLang="ja-JP" dirty="0">
-                <a:solidFill>
-                  <a:srgbClr val="000000"/>
-                </a:solidFill>
-                <a:ea typeface="ＭＳ ゴシック" panose="020B0609070205080204" pitchFamily="49" charset="-128"/>
-              </a:rPr>
-              <a:t> i = 0; i &lt;  2.size(); i++) {</a:t>
-            </a:r>
-          </a:p>
-          <a:p>
+              <a:t> </a:t>
+            </a:r>
             <a:r>
               <a:rPr lang="en-US" altLang="ja-JP" dirty="0">
                 <a:solidFill>
-                  <a:srgbClr val="000000"/>
-                </a:solidFill>
-                <a:ea typeface="ＭＳ ゴシック" panose="020B0609070205080204" pitchFamily="49" charset="-128"/>
-              </a:rPr>
-              <a:t>		</a:t>
+                  <a:srgbClr val="A31515"/>
+                </a:solidFill>
+                <a:ea typeface="ＭＳ ゴシック" panose="020B0609070205080204" pitchFamily="49" charset="-128"/>
+              </a:rPr>
+              <a:t>"]="</a:t>
             </a:r>
             <a:r>
               <a:rPr lang="en-US" altLang="ja-JP" dirty="0">
                 <a:solidFill>
-                  <a:srgbClr val="2B91AF"/>
+                  <a:srgbClr val="000000"/>
                 </a:solidFill>
                 <a:ea typeface="ＭＳ ゴシック" panose="020B0609070205080204" pitchFamily="49" charset="-128"/>
               </a:rPr>
               <a:t> </a:t>
             </a:r>
             <a:r>
+              <a:rPr lang="en-US" altLang="ja-JP" dirty="0">
+                <a:solidFill>
+                  <a:srgbClr val="008080"/>
+                </a:solidFill>
+                <a:ea typeface="ＭＳ ゴシック" panose="020B0609070205080204" pitchFamily="49" charset="-128"/>
+              </a:rPr>
+              <a:t>&lt;&lt;</a:t>
+            </a:r>
+            <a:r>
+              <a:rPr lang="en-US" altLang="ja-JP" dirty="0">
+                <a:solidFill>
+                  <a:srgbClr val="000000"/>
+                </a:solidFill>
+                <a:ea typeface="ＭＳ ゴシック" panose="020B0609070205080204" pitchFamily="49" charset="-128"/>
+              </a:rPr>
+              <a:t> v2</a:t>
+            </a:r>
+            <a:r>
+              <a:rPr lang="en-US" altLang="ja-JP" dirty="0">
+                <a:solidFill>
+                  <a:srgbClr val="008080"/>
+                </a:solidFill>
+                <a:ea typeface="ＭＳ ゴシック" panose="020B0609070205080204" pitchFamily="49" charset="-128"/>
+              </a:rPr>
+              <a:t>[</a:t>
+            </a:r>
+            <a:r>
               <a:rPr lang="en-US" altLang="ja-JP" dirty="0" err="1">
                 <a:solidFill>
                   <a:srgbClr val="000000"/>
                 </a:solidFill>
                 <a:ea typeface="ＭＳ ゴシック" panose="020B0609070205080204" pitchFamily="49" charset="-128"/>
               </a:rPr>
-              <a:t>cout</a:t>
+              <a:t>i</a:t>
             </a:r>
             <a:r>
               <a:rPr lang="en-US" altLang="ja-JP" dirty="0">
                 <a:solidFill>
+                  <a:srgbClr val="008080"/>
+                </a:solidFill>
+                <a:ea typeface="ＭＳ ゴシック" panose="020B0609070205080204" pitchFamily="49" charset="-128"/>
+              </a:rPr>
+              <a:t>]</a:t>
+            </a:r>
+            <a:r>
+              <a:rPr lang="en-US" altLang="ja-JP" dirty="0">
+                <a:solidFill>
                   <a:srgbClr val="000000"/>
                 </a:solidFill>
                 <a:ea typeface="ＭＳ ゴシック" panose="020B0609070205080204" pitchFamily="49" charset="-128"/>
@@ -7633,14 +7417,25 @@
               <a:t> </a:t>
             </a:r>
             <a:r>
+              <a:rPr lang="en-US" altLang="ja-JP" dirty="0" err="1">
+                <a:solidFill>
+                  <a:srgbClr val="000000"/>
+                </a:solidFill>
+                <a:ea typeface="ＭＳ ゴシック" panose="020B0609070205080204" pitchFamily="49" charset="-128"/>
+              </a:rPr>
+              <a:t>endl</a:t>
+            </a:r>
+            <a:r>
               <a:rPr lang="en-US" altLang="ja-JP" dirty="0">
                 <a:solidFill>
-                  <a:srgbClr val="A31515"/>
-                </a:solidFill>
-                <a:ea typeface="ＭＳ ゴシック" panose="020B0609070205080204" pitchFamily="49" charset="-128"/>
-              </a:rPr>
-              <a:t>“v2["</a:t>
-            </a:r>
+                  <a:srgbClr val="000000"/>
+                </a:solidFill>
+                <a:ea typeface="ＭＳ ゴシック" panose="020B0609070205080204" pitchFamily="49" charset="-128"/>
+              </a:rPr>
+              <a:t>;</a:t>
+            </a:r>
+          </a:p>
+          <a:p>
             <a:r>
               <a:rPr lang="en-US" altLang="ja-JP" dirty="0">
                 <a:solidFill>
@@ -7648,279 +7443,8 @@
                 </a:solidFill>
                 <a:ea typeface="ＭＳ ゴシック" panose="020B0609070205080204" pitchFamily="49" charset="-128"/>
               </a:rPr>
-              <a:t> </a:t>
-            </a:r>
-            <a:r>
-              <a:rPr lang="en-US" altLang="ja-JP" dirty="0">
-                <a:solidFill>
-                  <a:srgbClr val="008080"/>
-                </a:solidFill>
-                <a:ea typeface="ＭＳ ゴシック" panose="020B0609070205080204" pitchFamily="49" charset="-128"/>
-              </a:rPr>
-              <a:t>&lt;&lt;</a:t>
-            </a:r>
-            <a:r>
-              <a:rPr lang="en-US" altLang="ja-JP" dirty="0">
-                <a:solidFill>
-                  <a:srgbClr val="000000"/>
-                </a:solidFill>
-                <a:ea typeface="ＭＳ ゴシック" panose="020B0609070205080204" pitchFamily="49" charset="-128"/>
-              </a:rPr>
-              <a:t> </a:t>
-            </a:r>
-            <a:r>
-              <a:rPr lang="en-US" altLang="ja-JP" dirty="0" err="1">
-                <a:solidFill>
-                  <a:srgbClr val="000000"/>
-                </a:solidFill>
-                <a:ea typeface="ＭＳ ゴシック" panose="020B0609070205080204" pitchFamily="49" charset="-128"/>
-              </a:rPr>
-              <a:t>i</a:t>
-            </a:r>
-            <a:r>
-              <a:rPr lang="en-US" altLang="ja-JP" dirty="0">
-                <a:solidFill>
-                  <a:srgbClr val="000000"/>
-                </a:solidFill>
-                <a:ea typeface="ＭＳ ゴシック" panose="020B0609070205080204" pitchFamily="49" charset="-128"/>
-              </a:rPr>
-              <a:t> </a:t>
-            </a:r>
-            <a:r>
-              <a:rPr lang="en-US" altLang="ja-JP" dirty="0">
-                <a:solidFill>
-                  <a:srgbClr val="008080"/>
-                </a:solidFill>
-                <a:ea typeface="ＭＳ ゴシック" panose="020B0609070205080204" pitchFamily="49" charset="-128"/>
-              </a:rPr>
-              <a:t>&lt;&lt;</a:t>
-            </a:r>
-            <a:r>
-              <a:rPr lang="en-US" altLang="ja-JP" dirty="0">
-                <a:solidFill>
-                  <a:srgbClr val="000000"/>
-                </a:solidFill>
-                <a:ea typeface="ＭＳ ゴシック" panose="020B0609070205080204" pitchFamily="49" charset="-128"/>
-              </a:rPr>
-              <a:t> </a:t>
-            </a:r>
-            <a:r>
-              <a:rPr lang="en-US" altLang="ja-JP" dirty="0">
-                <a:solidFill>
-                  <a:srgbClr val="A31515"/>
-                </a:solidFill>
-                <a:ea typeface="ＭＳ ゴシック" panose="020B0609070205080204" pitchFamily="49" charset="-128"/>
-              </a:rPr>
-              <a:t>"]="</a:t>
-            </a:r>
-            <a:r>
-              <a:rPr lang="en-US" altLang="ja-JP" dirty="0">
-                <a:solidFill>
-                  <a:srgbClr val="000000"/>
-                </a:solidFill>
-                <a:ea typeface="ＭＳ ゴシック" panose="020B0609070205080204" pitchFamily="49" charset="-128"/>
-              </a:rPr>
-              <a:t> </a:t>
-            </a:r>
-            <a:r>
-              <a:rPr lang="en-US" altLang="ja-JP" dirty="0">
-                <a:solidFill>
-                  <a:srgbClr val="008080"/>
-                </a:solidFill>
-                <a:ea typeface="ＭＳ ゴシック" panose="020B0609070205080204" pitchFamily="49" charset="-128"/>
-              </a:rPr>
-              <a:t>&lt;&lt;</a:t>
-            </a:r>
-            <a:r>
-              <a:rPr lang="en-US" altLang="ja-JP" dirty="0">
-                <a:solidFill>
-                  <a:srgbClr val="000000"/>
-                </a:solidFill>
-                <a:ea typeface="ＭＳ ゴシック" panose="020B0609070205080204" pitchFamily="49" charset="-128"/>
-              </a:rPr>
-              <a:t> v2</a:t>
-            </a:r>
-            <a:r>
-              <a:rPr lang="en-US" altLang="ja-JP" dirty="0">
-                <a:solidFill>
-                  <a:srgbClr val="008080"/>
-                </a:solidFill>
-                <a:ea typeface="ＭＳ ゴシック" panose="020B0609070205080204" pitchFamily="49" charset="-128"/>
-              </a:rPr>
-              <a:t>[</a:t>
-            </a:r>
-            <a:r>
-              <a:rPr lang="en-US" altLang="ja-JP" dirty="0" err="1">
-                <a:solidFill>
-                  <a:srgbClr val="000000"/>
-                </a:solidFill>
-                <a:ea typeface="ＭＳ ゴシック" panose="020B0609070205080204" pitchFamily="49" charset="-128"/>
-              </a:rPr>
-              <a:t>i</a:t>
-            </a:r>
-            <a:r>
-              <a:rPr lang="en-US" altLang="ja-JP" dirty="0">
-                <a:solidFill>
-                  <a:srgbClr val="008080"/>
-                </a:solidFill>
-                <a:ea typeface="ＭＳ ゴシック" panose="020B0609070205080204" pitchFamily="49" charset="-128"/>
-              </a:rPr>
-              <a:t>]</a:t>
-            </a:r>
-            <a:r>
-              <a:rPr lang="en-US" altLang="ja-JP" dirty="0">
-                <a:solidFill>
-                  <a:srgbClr val="000000"/>
-                </a:solidFill>
-                <a:ea typeface="ＭＳ ゴシック" panose="020B0609070205080204" pitchFamily="49" charset="-128"/>
-              </a:rPr>
-              <a:t> </a:t>
-            </a:r>
-            <a:r>
-              <a:rPr lang="en-US" altLang="ja-JP" dirty="0">
-                <a:solidFill>
-                  <a:srgbClr val="008080"/>
-                </a:solidFill>
-                <a:ea typeface="ＭＳ ゴシック" panose="020B0609070205080204" pitchFamily="49" charset="-128"/>
-              </a:rPr>
-              <a:t>&lt;&lt;</a:t>
-            </a:r>
-            <a:r>
-              <a:rPr lang="en-US" altLang="ja-JP" dirty="0">
-                <a:solidFill>
-                  <a:srgbClr val="000000"/>
-                </a:solidFill>
-                <a:ea typeface="ＭＳ ゴシック" panose="020B0609070205080204" pitchFamily="49" charset="-128"/>
-              </a:rPr>
-              <a:t> </a:t>
-            </a:r>
-            <a:r>
-              <a:rPr lang="en-US" altLang="ja-JP" dirty="0" err="1">
-                <a:solidFill>
-                  <a:srgbClr val="000000"/>
-                </a:solidFill>
-                <a:ea typeface="ＭＳ ゴシック" panose="020B0609070205080204" pitchFamily="49" charset="-128"/>
-              </a:rPr>
-              <a:t>endl</a:t>
-            </a:r>
-            <a:r>
-              <a:rPr lang="en-US" altLang="ja-JP" dirty="0">
-                <a:solidFill>
-                  <a:srgbClr val="000000"/>
-                </a:solidFill>
-                <a:ea typeface="ＭＳ ゴシック" panose="020B0609070205080204" pitchFamily="49" charset="-128"/>
-              </a:rPr>
-              <a:t>;</a:t>
-            </a:r>
-          </a:p>
-          <a:p>
-            <a:r>
-              <a:rPr lang="en-US" altLang="ja-JP" dirty="0">
-                <a:solidFill>
-                  <a:srgbClr val="000000"/>
-                </a:solidFill>
-                <a:ea typeface="ＭＳ ゴシック" panose="020B0609070205080204" pitchFamily="49" charset="-128"/>
-              </a:rPr>
               <a:t>	}</a:t>
             </a:r>
-          </a:p>
-          <a:p>
-            <a:r>
-              <a:rPr lang="en-US" altLang="ja-JP" dirty="0">
-                <a:solidFill>
-                  <a:srgbClr val="000000"/>
-                </a:solidFill>
-                <a:ea typeface="ＭＳ ゴシック" panose="020B0609070205080204" pitchFamily="49" charset="-128"/>
-              </a:rPr>
-              <a:t>	</a:t>
-            </a:r>
-            <a:r>
-              <a:rPr lang="sv-SE" altLang="ja-JP" sz="1800" dirty="0">
-                <a:solidFill>
-                  <a:srgbClr val="000000"/>
-                </a:solidFill>
-                <a:ea typeface="ＭＳ ゴシック" panose="020B0609070205080204" pitchFamily="49" charset="-128"/>
-              </a:rPr>
-              <a:t>cout </a:t>
-            </a:r>
-            <a:r>
-              <a:rPr lang="sv-SE" altLang="ja-JP" sz="1800" dirty="0">
-                <a:solidFill>
-                  <a:srgbClr val="008080"/>
-                </a:solidFill>
-                <a:ea typeface="ＭＳ ゴシック" panose="020B0609070205080204" pitchFamily="49" charset="-128"/>
-              </a:rPr>
-              <a:t>&lt;&lt; </a:t>
-            </a:r>
-            <a:r>
-              <a:rPr lang="sv-SE" altLang="ja-JP" sz="1800" dirty="0">
-                <a:solidFill>
-                  <a:srgbClr val="C00000"/>
-                </a:solidFill>
-                <a:ea typeface="ＭＳ ゴシック" panose="020B0609070205080204" pitchFamily="49" charset="-128"/>
-              </a:rPr>
-              <a:t>”v2</a:t>
-            </a:r>
-            <a:r>
-              <a:rPr lang="ja-JP" altLang="en-US" sz="1800" dirty="0">
-                <a:solidFill>
-                  <a:srgbClr val="C00000"/>
-                </a:solidFill>
-                <a:ea typeface="ＭＳ ゴシック" panose="020B0609070205080204" pitchFamily="49" charset="-128"/>
-              </a:rPr>
-              <a:t>の要素数</a:t>
-            </a:r>
-            <a:r>
-              <a:rPr lang="en-US" altLang="ja-JP" sz="1800" dirty="0">
-                <a:solidFill>
-                  <a:srgbClr val="C00000"/>
-                </a:solidFill>
-                <a:ea typeface="ＭＳ ゴシック" panose="020B0609070205080204" pitchFamily="49" charset="-128"/>
-              </a:rPr>
-              <a:t>:” </a:t>
-            </a:r>
-            <a:r>
-              <a:rPr lang="en-US" altLang="ja-JP" sz="1800" dirty="0">
-                <a:solidFill>
-                  <a:srgbClr val="008080"/>
-                </a:solidFill>
-                <a:ea typeface="ＭＳ ゴシック" panose="020B0609070205080204" pitchFamily="49" charset="-128"/>
-              </a:rPr>
-              <a:t>&lt;&lt; </a:t>
-            </a:r>
-            <a:r>
-              <a:rPr lang="nn-NO" altLang="ja-JP" sz="1800" dirty="0">
-                <a:solidFill>
-                  <a:srgbClr val="000000"/>
-                </a:solidFill>
-                <a:ea typeface="ＭＳ ゴシック" panose="020B0609070205080204" pitchFamily="49" charset="-128"/>
-              </a:rPr>
-              <a:t>v2.size() </a:t>
-            </a:r>
-            <a:r>
-              <a:rPr lang="sv-SE" altLang="ja-JP" sz="1800" dirty="0">
-                <a:solidFill>
-                  <a:srgbClr val="008080"/>
-                </a:solidFill>
-                <a:ea typeface="ＭＳ ゴシック" panose="020B0609070205080204" pitchFamily="49" charset="-128"/>
-              </a:rPr>
-              <a:t>&lt;&lt;</a:t>
-            </a:r>
-            <a:r>
-              <a:rPr lang="sv-SE" altLang="ja-JP" sz="1800" dirty="0">
-                <a:solidFill>
-                  <a:srgbClr val="000000"/>
-                </a:solidFill>
-                <a:ea typeface="ＭＳ ゴシック" panose="020B0609070205080204" pitchFamily="49" charset="-128"/>
-              </a:rPr>
-              <a:t> endl;</a:t>
-            </a:r>
-            <a:endParaRPr lang="en-US" altLang="ja-JP" sz="1800" dirty="0">
-              <a:solidFill>
-                <a:srgbClr val="000000"/>
-              </a:solidFill>
-              <a:ea typeface="ＭＳ ゴシック" panose="020B0609070205080204" pitchFamily="49" charset="-128"/>
-            </a:endParaRPr>
           </a:p>
           <a:p>
             <a:r>
@@ -7970,7 +7494,7 @@
         </p:nvSpPr>
         <p:spPr>
           <a:xfrm>
-            <a:off x="751890" y="2255820"/>
+            <a:off x="751890" y="2002898"/>
             <a:ext cx="426396" cy="282102"/>
           </a:xfrm>
           <a:prstGeom prst="rightArrow">
@@ -8019,7 +7543,7 @@
         </p:nvSpPr>
         <p:spPr>
           <a:xfrm>
-            <a:off x="751890" y="4150906"/>
+            <a:off x="751890" y="3635335"/>
             <a:ext cx="426396" cy="282102"/>
           </a:xfrm>
           <a:prstGeom prst="rightArrow">
@@ -8526,11 +8050,11 @@
               </a:rPr>
               <a:t>イテレータ</a:t>
             </a:r>
-            <a:endParaRPr lang="en-US" altLang="ja-JP" dirty="0">
-              <a:solidFill>
-                <a:srgbClr val="FF0000"/>
-              </a:solidFill>
-            </a:endParaRPr>
+            <a:r>
+              <a:rPr lang="ja-JP" altLang="en-US" dirty="0"/>
+              <a:t>となる</a:t>
+            </a:r>
+            <a:endParaRPr lang="en-US" altLang="ja-JP" dirty="0"/>
           </a:p>
         </p:txBody>
       </p:sp>
@@ -9224,8 +8748,8 @@
         </p:nvSpPr>
         <p:spPr>
           <a:xfrm>
-            <a:off x="946423" y="3425169"/>
-            <a:ext cx="1521570" cy="523220"/>
+            <a:off x="976793" y="3201822"/>
+            <a:ext cx="1521570" cy="954107"/>
           </a:xfrm>
           <a:prstGeom prst="rect">
             <a:avLst/>
@@ -9239,10 +8763,16 @@
           <a:lstStyle/>
           <a:p>
             <a:r>
-              <a:rPr kumimoji="1" lang="en-US" altLang="ja-JP" sz="2800" dirty="0" err="1"/>
-              <a:t>intVec</a:t>
-            </a:r>
-            <a:endParaRPr kumimoji="1" lang="ja-JP" altLang="en-US" sz="2800" dirty="0"/>
+              <a:rPr kumimoji="1" lang="en-US" altLang="ja-JP" sz="2800" dirty="0"/>
+              <a:t>vector</a:t>
+            </a:r>
+          </a:p>
+          <a:p>
+            <a:pPr algn="ctr"/>
+            <a:r>
+              <a:rPr kumimoji="1" lang="ja-JP" altLang="en-US" sz="2800" dirty="0"/>
+              <a:t>配列</a:t>
+            </a:r>
           </a:p>
         </p:txBody>
       </p:sp>
@@ -9902,7 +9432,11 @@
           <a:p>
             <a:pPr lvl="1"/>
             <a:r>
-              <a:rPr lang="en-US" altLang="ja-JP" dirty="0"/>
+              <a:rPr lang="en-US" altLang="ja-JP" dirty="0">
+                <a:solidFill>
+                  <a:srgbClr val="00B050"/>
+                </a:solidFill>
+              </a:rPr>
               <a:t>vector</a:t>
             </a:r>
             <a:r>
@@ -9934,8 +9468,16 @@
           <a:p>
             <a:pPr lvl="1"/>
             <a:r>
-              <a:rPr lang="en-US" altLang="ja-JP" dirty="0"/>
-              <a:t>list  :</a:t>
+              <a:rPr lang="en-US" altLang="ja-JP" dirty="0">
+                <a:solidFill>
+                  <a:srgbClr val="00B050"/>
+                </a:solidFill>
+              </a:rPr>
+              <a:t>list</a:t>
+            </a:r>
+            <a:r>
+              <a:rPr lang="en-US" altLang="ja-JP" dirty="0"/>
+              <a:t>  :</a:t>
             </a:r>
             <a:r>
               <a:rPr lang="ja-JP" altLang="en-US" dirty="0"/>
@@ -9946,8 +9488,16 @@
           <a:p>
             <a:pPr lvl="1"/>
             <a:r>
-              <a:rPr lang="en-US" altLang="ja-JP" dirty="0"/>
-              <a:t>map   :</a:t>
+              <a:rPr lang="en-US" altLang="ja-JP" dirty="0">
+                <a:solidFill>
+                  <a:srgbClr val="00B050"/>
+                </a:solidFill>
+              </a:rPr>
+              <a:t>map </a:t>
+            </a:r>
+            <a:r>
+              <a:rPr lang="en-US" altLang="ja-JP" dirty="0"/>
+              <a:t>  :</a:t>
             </a:r>
             <a:r>
               <a:rPr lang="ja-JP" altLang="en-US" dirty="0"/>
@@ -10163,7 +9713,7 @@
         <p:spPr>
           <a:xfrm>
             <a:off x="751890" y="1120695"/>
-            <a:ext cx="10688220" cy="4801314"/>
+            <a:ext cx="10688220" cy="4524315"/>
           </a:xfrm>
           <a:prstGeom prst="rect">
             <a:avLst/>
@@ -10257,6 +9807,49 @@
               </a:rPr>
             </a:br>
             <a:r>
+              <a:rPr lang="en-US" altLang="ja-JP" sz="1800" dirty="0">
+                <a:solidFill>
+                  <a:srgbClr val="000000"/>
+                </a:solidFill>
+                <a:ea typeface="ＭＳ ゴシック" panose="020B0609070205080204" pitchFamily="49" charset="-128"/>
+              </a:rPr>
+              <a:t>	v1.pop_back();</a:t>
+            </a:r>
+            <a:br>
+              <a:rPr lang="en-US" altLang="ja-JP" sz="1800" dirty="0">
+                <a:solidFill>
+                  <a:srgbClr val="000000"/>
+                </a:solidFill>
+                <a:ea typeface="ＭＳ ゴシック" panose="020B0609070205080204" pitchFamily="49" charset="-128"/>
+              </a:rPr>
+            </a:br>
+            <a:r>
+              <a:rPr lang="en-US" altLang="ja-JP" sz="1800" dirty="0">
+                <a:solidFill>
+                  <a:srgbClr val="000000"/>
+                </a:solidFill>
+                <a:ea typeface="ＭＳ ゴシック" panose="020B0609070205080204" pitchFamily="49" charset="-128"/>
+              </a:rPr>
+              <a:t>	v1.emplace_back(4);</a:t>
+            </a:r>
+            <a:r>
+              <a:rPr lang="en-US" altLang="ja-JP" dirty="0">
+                <a:solidFill>
+                  <a:srgbClr val="00B050"/>
+                </a:solidFill>
+                <a:ea typeface="ＭＳ ゴシック" panose="020B0609070205080204" pitchFamily="49" charset="-128"/>
+              </a:rPr>
+              <a:t> </a:t>
+            </a:r>
+            <a:endParaRPr lang="en-US" altLang="ja-JP" sz="1800" dirty="0">
+              <a:solidFill>
+                <a:srgbClr val="000000"/>
+              </a:solidFill>
+              <a:ea typeface="ＭＳ ゴシック" panose="020B0609070205080204" pitchFamily="49" charset="-128"/>
+            </a:endParaRPr>
+          </a:p>
+          <a:p>
+            <a:r>
               <a:rPr lang="en-US" altLang="ja-JP" dirty="0">
                 <a:solidFill>
                   <a:srgbClr val="000000"/>
@@ -10381,7 +9974,7 @@
               <a:rPr lang="en-US" altLang="ja-JP" dirty="0">
                 <a:ea typeface="ＭＳ ゴシック" panose="020B0609070205080204" pitchFamily="49" charset="-128"/>
               </a:rPr>
-              <a:t>itrV1 = itrV1.begin();</a:t>
+              <a:t>itrV1 = v1.begin();</a:t>
             </a:r>
           </a:p>
           <a:p>
@@ -10502,7 +10095,7 @@
               <a:rPr lang="en-US" altLang="ja-JP" dirty="0">
                 <a:ea typeface="ＭＳ ゴシック" panose="020B0609070205080204" pitchFamily="49" charset="-128"/>
               </a:rPr>
-              <a:t>	v1.insert(itrV1 + 1,11);</a:t>
+              <a:t>	v1.insert(itrV1 + 1, 11);</a:t>
             </a:r>
             <a:r>
               <a:rPr lang="en-US" altLang="ja-JP" dirty="0">
@@ -10579,7 +10172,7 @@
               <a:rPr lang="en-US" altLang="ja-JP" dirty="0">
                 <a:ea typeface="ＭＳ ゴシック" panose="020B0609070205080204" pitchFamily="49" charset="-128"/>
               </a:rPr>
-              <a:t>v1.erase(itrV1 + 2);     </a:t>
+              <a:t>v1.erase(itrV1 + 2);      </a:t>
             </a:r>
             <a:r>
               <a:rPr lang="en-US" altLang="ja-JP" dirty="0">
@@ -10868,156 +10461,6 @@
               </a:rPr>
               <a:t>	}</a:t>
             </a:r>
-          </a:p>
-          <a:p>
-            <a:r>
-              <a:rPr lang="en-US" altLang="ja-JP" sz="1800" dirty="0">
-                <a:solidFill>
-                  <a:srgbClr val="000000"/>
-                </a:solidFill>
-                <a:ea typeface="ＭＳ ゴシック" panose="020B0609070205080204" pitchFamily="49" charset="-128"/>
-              </a:rPr>
-              <a:t>	v1.pop_back();</a:t>
-            </a:r>
-            <a:r>
-              <a:rPr lang="ja-JP" altLang="en-US" sz="1800" dirty="0">
-                <a:solidFill>
-                  <a:srgbClr val="000000"/>
-                </a:solidFill>
-                <a:ea typeface="ＭＳ ゴシック" panose="020B0609070205080204" pitchFamily="49" charset="-128"/>
-              </a:rPr>
-              <a:t>  </a:t>
-            </a:r>
-            <a:br>
-              <a:rPr lang="en-US" altLang="ja-JP" sz="1800" dirty="0">
-                <a:solidFill>
-                  <a:srgbClr val="000000"/>
-                </a:solidFill>
-                <a:ea typeface="ＭＳ ゴシック" panose="020B0609070205080204" pitchFamily="49" charset="-128"/>
-              </a:rPr>
-            </a:br>
-            <a:r>
-              <a:rPr lang="en-US" altLang="ja-JP" sz="1800" dirty="0">
-                <a:solidFill>
-                  <a:srgbClr val="000000"/>
-                </a:solidFill>
-                <a:ea typeface="ＭＳ ゴシック" panose="020B0609070205080204" pitchFamily="49" charset="-128"/>
-              </a:rPr>
-              <a:t>	v1.emplace_back(4);</a:t>
-            </a:r>
-            <a:r>
-              <a:rPr lang="en-US" altLang="ja-JP" dirty="0">
-                <a:solidFill>
-                  <a:srgbClr val="00B050"/>
-                </a:solidFill>
-                <a:ea typeface="ＭＳ ゴシック" panose="020B0609070205080204" pitchFamily="49" charset="-128"/>
-              </a:rPr>
-              <a:t> </a:t>
-            </a:r>
-            <a:endParaRPr lang="en-US" altLang="ja-JP" sz="1800" dirty="0">
-              <a:solidFill>
-                <a:srgbClr val="000000"/>
-              </a:solidFill>
-              <a:ea typeface="ＭＳ ゴシック" panose="020B0609070205080204" pitchFamily="49" charset="-128"/>
-            </a:endParaRPr>
-          </a:p>
-          <a:p>
-            <a:r>
-              <a:rPr lang="en-US" altLang="ja-JP" dirty="0">
-                <a:solidFill>
-                  <a:srgbClr val="000000"/>
-                </a:solidFill>
-                <a:ea typeface="ＭＳ ゴシック" panose="020B0609070205080204" pitchFamily="49" charset="-128"/>
-              </a:rPr>
-              <a:t>	</a:t>
-            </a:r>
-            <a:r>
-              <a:rPr lang="sv-SE" altLang="ja-JP" sz="1800" dirty="0">
-                <a:solidFill>
-                  <a:srgbClr val="000000"/>
-                </a:solidFill>
-                <a:ea typeface="ＭＳ ゴシック" panose="020B0609070205080204" pitchFamily="49" charset="-128"/>
-              </a:rPr>
-              <a:t>cout </a:t>
-            </a:r>
-            <a:r>
-              <a:rPr lang="sv-SE" altLang="ja-JP" sz="1800" dirty="0">
-                <a:solidFill>
-                  <a:srgbClr val="008080"/>
-                </a:solidFill>
-                <a:ea typeface="ＭＳ ゴシック" panose="020B0609070205080204" pitchFamily="49" charset="-128"/>
-              </a:rPr>
-              <a:t>&lt;&lt; </a:t>
-            </a:r>
-            <a:r>
-              <a:rPr lang="sv-SE" altLang="ja-JP" sz="1800" dirty="0">
-                <a:solidFill>
-                  <a:srgbClr val="C00000"/>
-                </a:solidFill>
-                <a:ea typeface="ＭＳ ゴシック" panose="020B0609070205080204" pitchFamily="49" charset="-128"/>
-              </a:rPr>
-              <a:t>”v1</a:t>
-            </a:r>
-            <a:r>
-              <a:rPr lang="ja-JP" altLang="en-US" sz="1800" dirty="0">
-                <a:solidFill>
-                  <a:srgbClr val="C00000"/>
-                </a:solidFill>
-                <a:ea typeface="ＭＳ ゴシック" panose="020B0609070205080204" pitchFamily="49" charset="-128"/>
-              </a:rPr>
-              <a:t>の要素数</a:t>
-            </a:r>
-            <a:r>
-              <a:rPr lang="en-US" altLang="ja-JP" sz="1800" dirty="0">
-                <a:solidFill>
-                  <a:srgbClr val="C00000"/>
-                </a:solidFill>
-                <a:ea typeface="ＭＳ ゴシック" panose="020B0609070205080204" pitchFamily="49" charset="-128"/>
-              </a:rPr>
-              <a:t>:” </a:t>
-            </a:r>
-            <a:r>
-              <a:rPr lang="en-US" altLang="ja-JP" sz="1800" dirty="0">
-                <a:solidFill>
-                  <a:srgbClr val="008080"/>
-                </a:solidFill>
-                <a:ea typeface="ＭＳ ゴシック" panose="020B0609070205080204" pitchFamily="49" charset="-128"/>
-              </a:rPr>
-              <a:t>&lt;&lt; </a:t>
-            </a:r>
-            <a:r>
-              <a:rPr lang="nn-NO" altLang="ja-JP" sz="1800" dirty="0">
-                <a:solidFill>
-                  <a:srgbClr val="000000"/>
-                </a:solidFill>
-                <a:ea typeface="ＭＳ ゴシック" panose="020B0609070205080204" pitchFamily="49" charset="-128"/>
-              </a:rPr>
-              <a:t>v1.size() </a:t>
-            </a:r>
-            <a:r>
-              <a:rPr lang="sv-SE" altLang="ja-JP" sz="1800" dirty="0">
-                <a:solidFill>
-                  <a:srgbClr val="008080"/>
-                </a:solidFill>
-                <a:ea typeface="ＭＳ ゴシック" panose="020B0609070205080204" pitchFamily="49" charset="-128"/>
-              </a:rPr>
-              <a:t>&lt;&lt;</a:t>
-            </a:r>
-            <a:r>
-              <a:rPr lang="sv-SE" altLang="ja-JP" sz="1800" dirty="0">
-                <a:solidFill>
-                  <a:srgbClr val="000000"/>
-                </a:solidFill>
-                <a:ea typeface="ＭＳ ゴシック" panose="020B0609070205080204" pitchFamily="49" charset="-128"/>
-              </a:rPr>
-              <a:t> endl;</a:t>
-            </a:r>
-            <a:endParaRPr lang="en-US" altLang="ja-JP" sz="1800" dirty="0">
-              <a:solidFill>
-                <a:srgbClr val="000000"/>
-              </a:solidFill>
-              <a:ea typeface="ＭＳ ゴシック" panose="020B0609070205080204" pitchFamily="49" charset="-128"/>
-            </a:endParaRPr>
           </a:p>
           <a:p>
             <a:r>
@@ -11047,7 +10490,7 @@
         </p:nvSpPr>
         <p:spPr>
           <a:xfrm>
-            <a:off x="751890" y="2523809"/>
+            <a:off x="751890" y="3117196"/>
             <a:ext cx="426396" cy="282102"/>
           </a:xfrm>
           <a:prstGeom prst="rightArrow">
@@ -11096,7 +10539,7 @@
         </p:nvSpPr>
         <p:spPr>
           <a:xfrm>
-            <a:off x="751890" y="2793273"/>
+            <a:off x="751890" y="3386660"/>
             <a:ext cx="426396" cy="282102"/>
           </a:xfrm>
           <a:prstGeom prst="rightArrow">
@@ -11145,7 +10588,7 @@
         </p:nvSpPr>
         <p:spPr>
           <a:xfrm>
-            <a:off x="751890" y="3077267"/>
+            <a:off x="751890" y="3670654"/>
             <a:ext cx="426396" cy="282102"/>
           </a:xfrm>
           <a:prstGeom prst="rightArrow">
@@ -11194,7 +10637,7 @@
         </p:nvSpPr>
         <p:spPr>
           <a:xfrm>
-            <a:off x="751890" y="3356224"/>
+            <a:off x="751890" y="3949611"/>
             <a:ext cx="426396" cy="282102"/>
           </a:xfrm>
           <a:prstGeom prst="rightArrow">
@@ -11386,924 +10829,6 @@
       </p:sp>
       <p:sp>
         <p:nvSpPr>
-          <p:cNvPr id="5" name="テキスト ボックス 4">
-            <a:extLst>
-              <a:ext uri="{FF2B5EF4-FFF2-40B4-BE49-F238E27FC236}">
-                <a16:creationId xmlns:a16="http://schemas.microsoft.com/office/drawing/2014/main" id="{9E32883C-0E37-4F07-9861-27609819CE8C}"/>
-              </a:ext>
-            </a:extLst>
-          </p:cNvPr>
-          <p:cNvSpPr txBox="1"/>
-          <p:nvPr/>
-        </p:nvSpPr>
-        <p:spPr>
-          <a:xfrm>
-            <a:off x="751890" y="1120695"/>
-            <a:ext cx="10688220" cy="4801314"/>
-          </a:xfrm>
-          <a:prstGeom prst="rect">
-            <a:avLst/>
-          </a:prstGeom>
-          <a:noFill/>
-          <a:ln>
-            <a:solidFill>
-              <a:schemeClr val="tx1"/>
-            </a:solidFill>
-          </a:ln>
-        </p:spPr>
-        <p:txBody>
-          <a:bodyPr wrap="square" rtlCol="0">
-            <a:spAutoFit/>
-          </a:bodyPr>
-          <a:lstStyle/>
-          <a:p>
-            <a:r>
-              <a:rPr lang="en-US" altLang="ja-JP" sz="1800" dirty="0">
-                <a:solidFill>
-                  <a:srgbClr val="000000"/>
-                </a:solidFill>
-                <a:ea typeface="ＭＳ ゴシック" panose="020B0609070205080204" pitchFamily="49" charset="-128"/>
-              </a:rPr>
-              <a:t>	v1.push_back(3);</a:t>
-            </a:r>
-          </a:p>
-          <a:p>
-            <a:r>
-              <a:rPr lang="en-US" altLang="ja-JP" sz="1800" dirty="0">
-                <a:solidFill>
-                  <a:srgbClr val="000000"/>
-                </a:solidFill>
-                <a:ea typeface="ＭＳ ゴシック" panose="020B0609070205080204" pitchFamily="49" charset="-128"/>
-              </a:rPr>
-              <a:t>	v2.push_back(</a:t>
-            </a:r>
-            <a:r>
-              <a:rPr lang="en-US" altLang="ja-JP" sz="1800" dirty="0">
-                <a:solidFill>
-                  <a:srgbClr val="A31515"/>
-                </a:solidFill>
-                <a:ea typeface="ＭＳ ゴシック" panose="020B0609070205080204" pitchFamily="49" charset="-128"/>
-              </a:rPr>
-              <a:t>"ABC"</a:t>
-            </a:r>
-            <a:r>
-              <a:rPr lang="en-US" altLang="ja-JP" sz="1800" dirty="0">
-                <a:solidFill>
-                  <a:srgbClr val="000000"/>
-                </a:solidFill>
-                <a:ea typeface="ＭＳ ゴシック" panose="020B0609070205080204" pitchFamily="49" charset="-128"/>
-              </a:rPr>
-              <a:t>);</a:t>
-            </a:r>
-          </a:p>
-          <a:p>
-            <a:r>
-              <a:rPr lang="en-US" altLang="ja-JP" sz="1800" dirty="0">
-                <a:solidFill>
-                  <a:srgbClr val="000000"/>
-                </a:solidFill>
-                <a:ea typeface="ＭＳ ゴシック" panose="020B0609070205080204" pitchFamily="49" charset="-128"/>
-              </a:rPr>
-              <a:t>	v2.push_back(</a:t>
-            </a:r>
-            <a:r>
-              <a:rPr lang="en-US" altLang="ja-JP" sz="1800" dirty="0">
-                <a:solidFill>
-                  <a:srgbClr val="A31515"/>
-                </a:solidFill>
-                <a:ea typeface="ＭＳ ゴシック" panose="020B0609070205080204" pitchFamily="49" charset="-128"/>
-              </a:rPr>
-              <a:t>“DEF”</a:t>
-            </a:r>
-            <a:r>
-              <a:rPr lang="en-US" altLang="ja-JP" sz="1800" dirty="0">
-                <a:solidFill>
-                  <a:srgbClr val="000000"/>
-                </a:solidFill>
-                <a:ea typeface="ＭＳ ゴシック" panose="020B0609070205080204" pitchFamily="49" charset="-128"/>
-              </a:rPr>
-              <a:t>);</a:t>
-            </a:r>
-            <a:br>
-              <a:rPr lang="en-US" altLang="ja-JP" sz="1800" dirty="0">
-                <a:solidFill>
-                  <a:srgbClr val="000000"/>
-                </a:solidFill>
-                <a:ea typeface="ＭＳ ゴシック" panose="020B0609070205080204" pitchFamily="49" charset="-128"/>
-              </a:rPr>
-            </a:br>
-            <a:r>
-              <a:rPr lang="en-US" altLang="ja-JP" dirty="0">
-                <a:solidFill>
-                  <a:srgbClr val="000000"/>
-                </a:solidFill>
-                <a:ea typeface="ＭＳ ゴシック" panose="020B0609070205080204" pitchFamily="49" charset="-128"/>
-              </a:rPr>
-              <a:t>	</a:t>
-            </a:r>
-            <a:r>
-              <a:rPr lang="sv-SE" altLang="ja-JP" sz="1800" dirty="0">
-                <a:solidFill>
-                  <a:srgbClr val="000000"/>
-                </a:solidFill>
-                <a:ea typeface="ＭＳ ゴシック" panose="020B0609070205080204" pitchFamily="49" charset="-128"/>
-              </a:rPr>
-              <a:t>cout </a:t>
-            </a:r>
-            <a:r>
-              <a:rPr lang="sv-SE" altLang="ja-JP" sz="1800" dirty="0">
-                <a:solidFill>
-                  <a:srgbClr val="008080"/>
-                </a:solidFill>
-                <a:ea typeface="ＭＳ ゴシック" panose="020B0609070205080204" pitchFamily="49" charset="-128"/>
-              </a:rPr>
-              <a:t>&lt;&lt; </a:t>
-            </a:r>
-            <a:r>
-              <a:rPr lang="sv-SE" altLang="ja-JP" sz="1800" dirty="0">
-                <a:solidFill>
-                  <a:srgbClr val="C00000"/>
-                </a:solidFill>
-                <a:ea typeface="ＭＳ ゴシック" panose="020B0609070205080204" pitchFamily="49" charset="-128"/>
-              </a:rPr>
-              <a:t>”v1</a:t>
-            </a:r>
-            <a:r>
-              <a:rPr lang="ja-JP" altLang="en-US" sz="1800" dirty="0">
-                <a:solidFill>
-                  <a:srgbClr val="C00000"/>
-                </a:solidFill>
-                <a:ea typeface="ＭＳ ゴシック" panose="020B0609070205080204" pitchFamily="49" charset="-128"/>
-              </a:rPr>
-              <a:t>の要素数</a:t>
-            </a:r>
-            <a:r>
-              <a:rPr lang="en-US" altLang="ja-JP" sz="1800" dirty="0">
-                <a:solidFill>
-                  <a:srgbClr val="C00000"/>
-                </a:solidFill>
-                <a:ea typeface="ＭＳ ゴシック" panose="020B0609070205080204" pitchFamily="49" charset="-128"/>
-              </a:rPr>
-              <a:t>:” </a:t>
-            </a:r>
-            <a:r>
-              <a:rPr lang="en-US" altLang="ja-JP" sz="1800" dirty="0">
-                <a:solidFill>
-                  <a:srgbClr val="008080"/>
-                </a:solidFill>
-                <a:ea typeface="ＭＳ ゴシック" panose="020B0609070205080204" pitchFamily="49" charset="-128"/>
-              </a:rPr>
-              <a:t>&lt;&lt; </a:t>
-            </a:r>
-            <a:r>
-              <a:rPr lang="nn-NO" altLang="ja-JP" sz="1800" dirty="0">
-                <a:solidFill>
-                  <a:srgbClr val="000000"/>
-                </a:solidFill>
-                <a:ea typeface="ＭＳ ゴシック" panose="020B0609070205080204" pitchFamily="49" charset="-128"/>
-              </a:rPr>
-              <a:t>v1.size() </a:t>
-            </a:r>
-            <a:r>
-              <a:rPr lang="sv-SE" altLang="ja-JP" sz="1800" dirty="0">
-                <a:solidFill>
-                  <a:srgbClr val="008080"/>
-                </a:solidFill>
-                <a:ea typeface="ＭＳ ゴシック" panose="020B0609070205080204" pitchFamily="49" charset="-128"/>
-              </a:rPr>
-              <a:t>&lt;&lt;</a:t>
-            </a:r>
-            <a:r>
-              <a:rPr lang="sv-SE" altLang="ja-JP" sz="1800" dirty="0">
-                <a:solidFill>
-                  <a:srgbClr val="000000"/>
-                </a:solidFill>
-                <a:ea typeface="ＭＳ ゴシック" panose="020B0609070205080204" pitchFamily="49" charset="-128"/>
-              </a:rPr>
-              <a:t> endl;</a:t>
-            </a:r>
-            <a:br>
-              <a:rPr lang="sv-SE" altLang="ja-JP" sz="1800" dirty="0">
-                <a:solidFill>
-                  <a:srgbClr val="000000"/>
-                </a:solidFill>
-                <a:ea typeface="ＭＳ ゴシック" panose="020B0609070205080204" pitchFamily="49" charset="-128"/>
-              </a:rPr>
-            </a:br>
-            <a:endParaRPr lang="sv-SE" altLang="ja-JP" sz="1800" dirty="0">
-              <a:solidFill>
-                <a:srgbClr val="000000"/>
-              </a:solidFill>
-              <a:ea typeface="ＭＳ ゴシック" panose="020B0609070205080204" pitchFamily="49" charset="-128"/>
-            </a:endParaRPr>
-          </a:p>
-          <a:p>
-            <a:r>
-              <a:rPr lang="en-US" altLang="ja-JP" sz="1800" dirty="0">
-                <a:solidFill>
-                  <a:srgbClr val="000000"/>
-                </a:solidFill>
-                <a:ea typeface="ＭＳ ゴシック" panose="020B0609070205080204" pitchFamily="49" charset="-128"/>
-              </a:rPr>
-              <a:t>	</a:t>
-            </a:r>
-            <a:r>
-              <a:rPr lang="en-US" altLang="ja-JP" sz="1800" dirty="0">
-                <a:solidFill>
-                  <a:srgbClr val="FF0000"/>
-                </a:solidFill>
-                <a:ea typeface="ＭＳ ゴシック" panose="020B0609070205080204" pitchFamily="49" charset="-128"/>
-              </a:rPr>
-              <a:t>auto</a:t>
-            </a:r>
-            <a:r>
-              <a:rPr lang="en-US" altLang="ja-JP" sz="1800" dirty="0">
-                <a:ea typeface="ＭＳ ゴシック" panose="020B0609070205080204" pitchFamily="49" charset="-128"/>
-              </a:rPr>
-              <a:t> </a:t>
-            </a:r>
-            <a:r>
-              <a:rPr lang="en-US" altLang="ja-JP" dirty="0">
-                <a:ea typeface="ＭＳ ゴシック" panose="020B0609070205080204" pitchFamily="49" charset="-128"/>
-              </a:rPr>
-              <a:t>itrV1 = itrV1.begin();  </a:t>
-            </a:r>
-            <a:r>
-              <a:rPr lang="en-US" altLang="ja-JP" dirty="0">
-                <a:solidFill>
-                  <a:srgbClr val="00B050"/>
-                </a:solidFill>
-                <a:ea typeface="ＭＳ ゴシック" panose="020B0609070205080204" pitchFamily="49" charset="-128"/>
-              </a:rPr>
-              <a:t>//</a:t>
-            </a:r>
-            <a:r>
-              <a:rPr lang="ja-JP" altLang="en-US" dirty="0">
-                <a:solidFill>
-                  <a:srgbClr val="00B050"/>
-                </a:solidFill>
-                <a:ea typeface="ＭＳ ゴシック" panose="020B0609070205080204" pitchFamily="49" charset="-128"/>
-              </a:rPr>
-              <a:t>型推論を使ったイテレータの宣言</a:t>
-            </a:r>
-            <a:endParaRPr lang="en-US" altLang="ja-JP" dirty="0">
-              <a:solidFill>
-                <a:srgbClr val="00B050"/>
-              </a:solidFill>
-              <a:ea typeface="ＭＳ ゴシック" panose="020B0609070205080204" pitchFamily="49" charset="-128"/>
-            </a:endParaRPr>
-          </a:p>
-          <a:p>
-            <a:r>
-              <a:rPr lang="en-US" altLang="ja-JP" sz="1800" dirty="0">
-                <a:solidFill>
-                  <a:srgbClr val="2B91AF"/>
-                </a:solidFill>
-                <a:ea typeface="ＭＳ ゴシック" panose="020B0609070205080204" pitchFamily="49" charset="-128"/>
-              </a:rPr>
-              <a:t>	</a:t>
-            </a:r>
-            <a:r>
-              <a:rPr lang="sv-SE" altLang="ja-JP" sz="1800" dirty="0">
-                <a:solidFill>
-                  <a:srgbClr val="000000"/>
-                </a:solidFill>
-                <a:ea typeface="ＭＳ ゴシック" panose="020B0609070205080204" pitchFamily="49" charset="-128"/>
-              </a:rPr>
-              <a:t>cout </a:t>
-            </a:r>
-            <a:r>
-              <a:rPr lang="sv-SE" altLang="ja-JP" sz="1800" dirty="0">
-                <a:solidFill>
-                  <a:srgbClr val="008080"/>
-                </a:solidFill>
-                <a:ea typeface="ＭＳ ゴシック" panose="020B0609070205080204" pitchFamily="49" charset="-128"/>
-              </a:rPr>
-              <a:t>&lt;&lt; </a:t>
-            </a:r>
-            <a:r>
-              <a:rPr lang="sv-SE" altLang="ja-JP" sz="1800" dirty="0">
-                <a:solidFill>
-                  <a:srgbClr val="C00000"/>
-                </a:solidFill>
-                <a:ea typeface="ＭＳ ゴシック" panose="020B0609070205080204" pitchFamily="49" charset="-128"/>
-              </a:rPr>
-              <a:t>”</a:t>
-            </a:r>
-            <a:r>
-              <a:rPr lang="ja-JP" altLang="en-US" sz="1800" dirty="0">
-                <a:solidFill>
-                  <a:srgbClr val="C00000"/>
-                </a:solidFill>
-                <a:ea typeface="ＭＳ ゴシック" panose="020B0609070205080204" pitchFamily="49" charset="-128"/>
-              </a:rPr>
-              <a:t>イテレータが指す要素の値</a:t>
-            </a:r>
-            <a:r>
-              <a:rPr lang="en-US" altLang="ja-JP" sz="1800" dirty="0">
-                <a:solidFill>
-                  <a:srgbClr val="C00000"/>
-                </a:solidFill>
-                <a:ea typeface="ＭＳ ゴシック" panose="020B0609070205080204" pitchFamily="49" charset="-128"/>
-              </a:rPr>
-              <a:t>:” </a:t>
-            </a:r>
-            <a:r>
-              <a:rPr lang="sv-SE" altLang="ja-JP" sz="1800" dirty="0">
-                <a:solidFill>
-                  <a:srgbClr val="008080"/>
-                </a:solidFill>
-                <a:ea typeface="ＭＳ ゴシック" panose="020B0609070205080204" pitchFamily="49" charset="-128"/>
-              </a:rPr>
-              <a:t>&lt;&lt; </a:t>
-            </a:r>
-            <a:r>
-              <a:rPr lang="nn-NO" altLang="ja-JP" dirty="0">
-                <a:solidFill>
-                  <a:srgbClr val="000000"/>
-                </a:solidFill>
-                <a:ea typeface="ＭＳ ゴシック" panose="020B0609070205080204" pitchFamily="49" charset="-128"/>
-              </a:rPr>
-              <a:t>*</a:t>
-            </a:r>
-            <a:r>
-              <a:rPr lang="nn-NO" altLang="ja-JP" sz="1800" dirty="0">
-                <a:solidFill>
-                  <a:srgbClr val="000000"/>
-                </a:solidFill>
-                <a:ea typeface="ＭＳ ゴシック" panose="020B0609070205080204" pitchFamily="49" charset="-128"/>
-              </a:rPr>
-              <a:t>itrV1</a:t>
-            </a:r>
-            <a:r>
-              <a:rPr lang="sv-SE" altLang="ja-JP" sz="1800" dirty="0">
-                <a:solidFill>
-                  <a:srgbClr val="000000"/>
-                </a:solidFill>
-                <a:ea typeface="ＭＳ ゴシック" panose="020B0609070205080204" pitchFamily="49" charset="-128"/>
-              </a:rPr>
-              <a:t> </a:t>
-            </a:r>
-            <a:r>
-              <a:rPr lang="sv-SE" altLang="ja-JP" sz="1800" dirty="0">
-                <a:solidFill>
-                  <a:srgbClr val="008080"/>
-                </a:solidFill>
-                <a:ea typeface="ＭＳ ゴシック" panose="020B0609070205080204" pitchFamily="49" charset="-128"/>
-              </a:rPr>
-              <a:t>&lt;&lt; </a:t>
-            </a:r>
-            <a:r>
-              <a:rPr lang="sv-SE" altLang="ja-JP" sz="1800" dirty="0">
-                <a:solidFill>
-                  <a:srgbClr val="000000"/>
-                </a:solidFill>
-                <a:ea typeface="ＭＳ ゴシック" panose="020B0609070205080204" pitchFamily="49" charset="-128"/>
-              </a:rPr>
-              <a:t>endl;</a:t>
-            </a:r>
-            <a:br>
-              <a:rPr lang="en-US" altLang="ja-JP" dirty="0">
-                <a:ea typeface="ＭＳ ゴシック" panose="020B0609070205080204" pitchFamily="49" charset="-128"/>
-              </a:rPr>
-            </a:br>
-            <a:r>
-              <a:rPr lang="en-US" altLang="ja-JP" dirty="0">
-                <a:ea typeface="ＭＳ ゴシック" panose="020B0609070205080204" pitchFamily="49" charset="-128"/>
-              </a:rPr>
-              <a:t>	v1.insert(itrV1 + 1,11);</a:t>
-            </a:r>
-            <a:r>
-              <a:rPr lang="en-US" altLang="ja-JP" dirty="0">
-                <a:solidFill>
-                  <a:srgbClr val="00B050"/>
-                </a:solidFill>
-                <a:ea typeface="ＭＳ ゴシック" panose="020B0609070205080204" pitchFamily="49" charset="-128"/>
-              </a:rPr>
-              <a:t> //</a:t>
-            </a:r>
-            <a:r>
-              <a:rPr lang="ja-JP" altLang="en-US" dirty="0">
-                <a:solidFill>
-                  <a:srgbClr val="00B050"/>
-                </a:solidFill>
-                <a:ea typeface="ＭＳ ゴシック" panose="020B0609070205080204" pitchFamily="49" charset="-128"/>
-              </a:rPr>
-              <a:t>指定した場所（先頭から</a:t>
-            </a:r>
-            <a:r>
-              <a:rPr lang="en-US" altLang="ja-JP" dirty="0">
-                <a:solidFill>
-                  <a:srgbClr val="00B050"/>
-                </a:solidFill>
-                <a:ea typeface="ＭＳ ゴシック" panose="020B0609070205080204" pitchFamily="49" charset="-128"/>
-              </a:rPr>
-              <a:t>+1</a:t>
-            </a:r>
-            <a:r>
-              <a:rPr lang="ja-JP" altLang="en-US" dirty="0">
-                <a:solidFill>
-                  <a:srgbClr val="00B050"/>
-                </a:solidFill>
-                <a:ea typeface="ＭＳ ゴシック" panose="020B0609070205080204" pitchFamily="49" charset="-128"/>
-              </a:rPr>
-              <a:t>番目）へ要素（</a:t>
-            </a:r>
-            <a:r>
-              <a:rPr lang="en-US" altLang="ja-JP" dirty="0">
-                <a:solidFill>
-                  <a:srgbClr val="00B050"/>
-                </a:solidFill>
-                <a:ea typeface="ＭＳ ゴシック" panose="020B0609070205080204" pitchFamily="49" charset="-128"/>
-              </a:rPr>
-              <a:t>11</a:t>
-            </a:r>
-            <a:r>
-              <a:rPr lang="ja-JP" altLang="en-US" dirty="0">
-                <a:solidFill>
-                  <a:srgbClr val="00B050"/>
-                </a:solidFill>
-                <a:ea typeface="ＭＳ ゴシック" panose="020B0609070205080204" pitchFamily="49" charset="-128"/>
-              </a:rPr>
-              <a:t>）を追加</a:t>
-            </a:r>
-            <a:br>
-              <a:rPr lang="en-US" altLang="ja-JP" dirty="0">
-                <a:solidFill>
-                  <a:srgbClr val="00B050"/>
-                </a:solidFill>
-                <a:ea typeface="ＭＳ ゴシック" panose="020B0609070205080204" pitchFamily="49" charset="-128"/>
-              </a:rPr>
-            </a:br>
-            <a:r>
-              <a:rPr lang="en-US" altLang="ja-JP" dirty="0">
-                <a:solidFill>
-                  <a:srgbClr val="00B050"/>
-                </a:solidFill>
-                <a:ea typeface="ＭＳ ゴシック" panose="020B0609070205080204" pitchFamily="49" charset="-128"/>
-              </a:rPr>
-              <a:t>	</a:t>
-            </a:r>
-            <a:r>
-              <a:rPr lang="en-US" altLang="ja-JP" dirty="0">
-                <a:ea typeface="ＭＳ ゴシック" panose="020B0609070205080204" pitchFamily="49" charset="-128"/>
-              </a:rPr>
-              <a:t>v1.erase(itrV1 + 2);     </a:t>
-            </a:r>
-            <a:r>
-              <a:rPr lang="en-US" altLang="ja-JP" dirty="0">
-                <a:solidFill>
-                  <a:srgbClr val="00B050"/>
-                </a:solidFill>
-                <a:ea typeface="ＭＳ ゴシック" panose="020B0609070205080204" pitchFamily="49" charset="-128"/>
-              </a:rPr>
-              <a:t>//</a:t>
-            </a:r>
-            <a:r>
-              <a:rPr lang="ja-JP" altLang="en-US" dirty="0">
-                <a:solidFill>
-                  <a:srgbClr val="00B050"/>
-                </a:solidFill>
-                <a:ea typeface="ＭＳ ゴシック" panose="020B0609070205080204" pitchFamily="49" charset="-128"/>
-              </a:rPr>
-              <a:t>指定した場所（先頭から</a:t>
-            </a:r>
-            <a:r>
-              <a:rPr lang="en-US" altLang="ja-JP" dirty="0">
-                <a:solidFill>
-                  <a:srgbClr val="00B050"/>
-                </a:solidFill>
-                <a:ea typeface="ＭＳ ゴシック" panose="020B0609070205080204" pitchFamily="49" charset="-128"/>
-              </a:rPr>
-              <a:t>+2</a:t>
-            </a:r>
-            <a:r>
-              <a:rPr lang="ja-JP" altLang="en-US" dirty="0">
-                <a:solidFill>
-                  <a:srgbClr val="00B050"/>
-                </a:solidFill>
-                <a:ea typeface="ＭＳ ゴシック" panose="020B0609070205080204" pitchFamily="49" charset="-128"/>
-              </a:rPr>
-              <a:t>番目）の要素を削除</a:t>
-            </a:r>
-            <a:br>
-              <a:rPr lang="en-US" altLang="ja-JP" dirty="0">
-                <a:solidFill>
-                  <a:srgbClr val="00B050"/>
-                </a:solidFill>
-                <a:ea typeface="ＭＳ ゴシック" panose="020B0609070205080204" pitchFamily="49" charset="-128"/>
-              </a:rPr>
-            </a:br>
-            <a:endParaRPr lang="en-US" altLang="ja-JP" sz="1800" dirty="0">
-              <a:ea typeface="ＭＳ ゴシック" panose="020B0609070205080204" pitchFamily="49" charset="-128"/>
-            </a:endParaRPr>
-          </a:p>
-          <a:p>
-            <a:r>
-              <a:rPr lang="nn-NO" altLang="ja-JP" sz="1800" dirty="0">
-                <a:solidFill>
-                  <a:srgbClr val="0000FF"/>
-                </a:solidFill>
-                <a:ea typeface="ＭＳ ゴシック" panose="020B0609070205080204" pitchFamily="49" charset="-128"/>
-              </a:rPr>
-              <a:t>	for</a:t>
-            </a:r>
-            <a:r>
-              <a:rPr lang="nn-NO" altLang="ja-JP" sz="1800" dirty="0">
-                <a:solidFill>
-                  <a:srgbClr val="000000"/>
-                </a:solidFill>
-                <a:ea typeface="ＭＳ ゴシック" panose="020B0609070205080204" pitchFamily="49" charset="-128"/>
-              </a:rPr>
-              <a:t> (</a:t>
-            </a:r>
-            <a:r>
-              <a:rPr lang="nn-NO" altLang="ja-JP" sz="1800" dirty="0">
-                <a:solidFill>
-                  <a:srgbClr val="0000FF"/>
-                </a:solidFill>
-                <a:ea typeface="ＭＳ ゴシック" panose="020B0609070205080204" pitchFamily="49" charset="-128"/>
-              </a:rPr>
-              <a:t>int</a:t>
-            </a:r>
-            <a:r>
-              <a:rPr lang="nn-NO" altLang="ja-JP" sz="1800" dirty="0">
-                <a:solidFill>
-                  <a:srgbClr val="000000"/>
-                </a:solidFill>
-                <a:ea typeface="ＭＳ ゴシック" panose="020B0609070205080204" pitchFamily="49" charset="-128"/>
-              </a:rPr>
-              <a:t> i = 0; i &lt; v1.size(); i++) {</a:t>
-            </a:r>
-          </a:p>
-          <a:p>
-            <a:r>
-              <a:rPr lang="sv-SE" altLang="ja-JP" sz="1800" dirty="0">
-                <a:solidFill>
-                  <a:srgbClr val="000000"/>
-                </a:solidFill>
-                <a:ea typeface="ＭＳ ゴシック" panose="020B0609070205080204" pitchFamily="49" charset="-128"/>
-              </a:rPr>
-              <a:t>		</a:t>
-            </a:r>
-            <a:r>
-              <a:rPr lang="en-US" altLang="ja-JP" sz="1800" dirty="0">
-                <a:solidFill>
-                  <a:srgbClr val="2B91AF"/>
-                </a:solidFill>
-                <a:ea typeface="ＭＳ ゴシック" panose="020B0609070205080204" pitchFamily="49" charset="-128"/>
-              </a:rPr>
-              <a:t> </a:t>
-            </a:r>
-            <a:r>
-              <a:rPr lang="sv-SE" altLang="ja-JP" sz="1800" dirty="0">
-                <a:solidFill>
-                  <a:srgbClr val="000000"/>
-                </a:solidFill>
-                <a:ea typeface="ＭＳ ゴシック" panose="020B0609070205080204" pitchFamily="49" charset="-128"/>
-              </a:rPr>
-              <a:t>cout </a:t>
-            </a:r>
-            <a:r>
-              <a:rPr lang="sv-SE" altLang="ja-JP" sz="1800" dirty="0">
-                <a:solidFill>
-                  <a:srgbClr val="008080"/>
-                </a:solidFill>
-                <a:ea typeface="ＭＳ ゴシック" panose="020B0609070205080204" pitchFamily="49" charset="-128"/>
-              </a:rPr>
-              <a:t>&lt;&lt;</a:t>
-            </a:r>
-            <a:r>
-              <a:rPr lang="sv-SE" altLang="ja-JP" sz="1800" dirty="0">
-                <a:solidFill>
-                  <a:srgbClr val="000000"/>
-                </a:solidFill>
-                <a:ea typeface="ＭＳ ゴシック" panose="020B0609070205080204" pitchFamily="49" charset="-128"/>
-              </a:rPr>
-              <a:t> </a:t>
-            </a:r>
-            <a:r>
-              <a:rPr lang="sv-SE" altLang="ja-JP" sz="1800" dirty="0">
-                <a:solidFill>
-                  <a:srgbClr val="A31515"/>
-                </a:solidFill>
-                <a:ea typeface="ＭＳ ゴシック" panose="020B0609070205080204" pitchFamily="49" charset="-128"/>
-              </a:rPr>
-              <a:t>”v1["</a:t>
-            </a:r>
-            <a:r>
-              <a:rPr lang="sv-SE" altLang="ja-JP" sz="1800" dirty="0">
-                <a:solidFill>
-                  <a:srgbClr val="000000"/>
-                </a:solidFill>
-                <a:ea typeface="ＭＳ ゴシック" panose="020B0609070205080204" pitchFamily="49" charset="-128"/>
-              </a:rPr>
-              <a:t> </a:t>
-            </a:r>
-            <a:r>
-              <a:rPr lang="sv-SE" altLang="ja-JP" sz="1800" dirty="0">
-                <a:solidFill>
-                  <a:srgbClr val="008080"/>
-                </a:solidFill>
-                <a:ea typeface="ＭＳ ゴシック" panose="020B0609070205080204" pitchFamily="49" charset="-128"/>
-              </a:rPr>
-              <a:t>&lt;&lt;</a:t>
-            </a:r>
-            <a:r>
-              <a:rPr lang="sv-SE" altLang="ja-JP" sz="1800" dirty="0">
-                <a:solidFill>
-                  <a:srgbClr val="000000"/>
-                </a:solidFill>
-                <a:ea typeface="ＭＳ ゴシック" panose="020B0609070205080204" pitchFamily="49" charset="-128"/>
-              </a:rPr>
-              <a:t> i </a:t>
-            </a:r>
-            <a:r>
-              <a:rPr lang="sv-SE" altLang="ja-JP" sz="1800" dirty="0">
-                <a:solidFill>
-                  <a:srgbClr val="008080"/>
-                </a:solidFill>
-                <a:ea typeface="ＭＳ ゴシック" panose="020B0609070205080204" pitchFamily="49" charset="-128"/>
-              </a:rPr>
-              <a:t>&lt;&lt;</a:t>
-            </a:r>
-            <a:r>
-              <a:rPr lang="sv-SE" altLang="ja-JP" sz="1800" dirty="0">
-                <a:solidFill>
-                  <a:srgbClr val="000000"/>
-                </a:solidFill>
-                <a:ea typeface="ＭＳ ゴシック" panose="020B0609070205080204" pitchFamily="49" charset="-128"/>
-              </a:rPr>
-              <a:t> </a:t>
-            </a:r>
-            <a:r>
-              <a:rPr lang="sv-SE" altLang="ja-JP" sz="1800" dirty="0">
-                <a:solidFill>
-                  <a:srgbClr val="A31515"/>
-                </a:solidFill>
-                <a:ea typeface="ＭＳ ゴシック" panose="020B0609070205080204" pitchFamily="49" charset="-128"/>
-              </a:rPr>
-              <a:t>"]="</a:t>
-            </a:r>
-            <a:r>
-              <a:rPr lang="sv-SE" altLang="ja-JP" sz="1800" dirty="0">
-                <a:solidFill>
-                  <a:srgbClr val="000000"/>
-                </a:solidFill>
-                <a:ea typeface="ＭＳ ゴシック" panose="020B0609070205080204" pitchFamily="49" charset="-128"/>
-              </a:rPr>
-              <a:t> </a:t>
-            </a:r>
-            <a:r>
-              <a:rPr lang="sv-SE" altLang="ja-JP" sz="1800" dirty="0">
-                <a:solidFill>
-                  <a:srgbClr val="008080"/>
-                </a:solidFill>
-                <a:ea typeface="ＭＳ ゴシック" panose="020B0609070205080204" pitchFamily="49" charset="-128"/>
-              </a:rPr>
-              <a:t>&lt;&lt;</a:t>
-            </a:r>
-            <a:r>
-              <a:rPr lang="sv-SE" altLang="ja-JP" sz="1800" dirty="0">
-                <a:solidFill>
-                  <a:srgbClr val="000000"/>
-                </a:solidFill>
-                <a:ea typeface="ＭＳ ゴシック" panose="020B0609070205080204" pitchFamily="49" charset="-128"/>
-              </a:rPr>
-              <a:t> v1</a:t>
-            </a:r>
-            <a:r>
-              <a:rPr lang="sv-SE" altLang="ja-JP" sz="1800" dirty="0">
-                <a:solidFill>
-                  <a:srgbClr val="008080"/>
-                </a:solidFill>
-                <a:ea typeface="ＭＳ ゴシック" panose="020B0609070205080204" pitchFamily="49" charset="-128"/>
-              </a:rPr>
-              <a:t>[</a:t>
-            </a:r>
-            <a:r>
-              <a:rPr lang="sv-SE" altLang="ja-JP" sz="1800" dirty="0">
-                <a:solidFill>
-                  <a:srgbClr val="000000"/>
-                </a:solidFill>
-                <a:ea typeface="ＭＳ ゴシック" panose="020B0609070205080204" pitchFamily="49" charset="-128"/>
-              </a:rPr>
-              <a:t>i</a:t>
-            </a:r>
-            <a:r>
-              <a:rPr lang="sv-SE" altLang="ja-JP" sz="1800" dirty="0">
-                <a:solidFill>
-                  <a:srgbClr val="008080"/>
-                </a:solidFill>
-                <a:ea typeface="ＭＳ ゴシック" panose="020B0609070205080204" pitchFamily="49" charset="-128"/>
-              </a:rPr>
-              <a:t>]</a:t>
-            </a:r>
-            <a:r>
-              <a:rPr lang="sv-SE" altLang="ja-JP" sz="1800" dirty="0">
-                <a:solidFill>
-                  <a:srgbClr val="000000"/>
-                </a:solidFill>
-                <a:ea typeface="ＭＳ ゴシック" panose="020B0609070205080204" pitchFamily="49" charset="-128"/>
-              </a:rPr>
-              <a:t> </a:t>
-            </a:r>
-            <a:r>
-              <a:rPr lang="sv-SE" altLang="ja-JP" sz="1800" dirty="0">
-                <a:solidFill>
-                  <a:srgbClr val="008080"/>
-                </a:solidFill>
-                <a:ea typeface="ＭＳ ゴシック" panose="020B0609070205080204" pitchFamily="49" charset="-128"/>
-              </a:rPr>
-              <a:t>&lt;&lt;</a:t>
-            </a:r>
-            <a:r>
-              <a:rPr lang="sv-SE" altLang="ja-JP" sz="1800" dirty="0">
-                <a:solidFill>
-                  <a:srgbClr val="000000"/>
-                </a:solidFill>
-                <a:ea typeface="ＭＳ ゴシック" panose="020B0609070205080204" pitchFamily="49" charset="-128"/>
-              </a:rPr>
-              <a:t> endl;</a:t>
-            </a:r>
-          </a:p>
-          <a:p>
-            <a:r>
-              <a:rPr lang="en-US" altLang="ja-JP" sz="1800" dirty="0">
-                <a:solidFill>
-                  <a:srgbClr val="000000"/>
-                </a:solidFill>
-                <a:ea typeface="ＭＳ ゴシック" panose="020B0609070205080204" pitchFamily="49" charset="-128"/>
-              </a:rPr>
-              <a:t>	}</a:t>
-            </a:r>
-          </a:p>
-          <a:p>
-            <a:r>
-              <a:rPr lang="en-US" altLang="ja-JP" sz="1800" dirty="0">
-                <a:solidFill>
-                  <a:srgbClr val="000000"/>
-                </a:solidFill>
-                <a:ea typeface="ＭＳ ゴシック" panose="020B0609070205080204" pitchFamily="49" charset="-128"/>
-              </a:rPr>
-              <a:t>	v1.pop_back();</a:t>
-            </a:r>
-            <a:r>
-              <a:rPr lang="ja-JP" altLang="en-US" sz="1800" dirty="0">
-                <a:solidFill>
-                  <a:srgbClr val="000000"/>
-                </a:solidFill>
-                <a:ea typeface="ＭＳ ゴシック" panose="020B0609070205080204" pitchFamily="49" charset="-128"/>
-              </a:rPr>
-              <a:t>  </a:t>
-            </a:r>
-            <a:br>
-              <a:rPr lang="en-US" altLang="ja-JP" sz="1800" dirty="0">
-                <a:solidFill>
-                  <a:srgbClr val="000000"/>
-                </a:solidFill>
-                <a:ea typeface="ＭＳ ゴシック" panose="020B0609070205080204" pitchFamily="49" charset="-128"/>
-              </a:rPr>
-            </a:br>
-            <a:r>
-              <a:rPr lang="en-US" altLang="ja-JP" sz="1800" dirty="0">
-                <a:solidFill>
-                  <a:srgbClr val="000000"/>
-                </a:solidFill>
-                <a:ea typeface="ＭＳ ゴシック" panose="020B0609070205080204" pitchFamily="49" charset="-128"/>
-              </a:rPr>
-              <a:t>	v1.emplace_back(4);</a:t>
-            </a:r>
-            <a:r>
-              <a:rPr lang="en-US" altLang="ja-JP" dirty="0">
-                <a:solidFill>
-                  <a:srgbClr val="00B050"/>
-                </a:solidFill>
-                <a:ea typeface="ＭＳ ゴシック" panose="020B0609070205080204" pitchFamily="49" charset="-128"/>
-              </a:rPr>
-              <a:t> </a:t>
-            </a:r>
-            <a:endParaRPr lang="en-US" altLang="ja-JP" sz="1800" dirty="0">
-              <a:solidFill>
-                <a:srgbClr val="000000"/>
-              </a:solidFill>
-              <a:ea typeface="ＭＳ ゴシック" panose="020B0609070205080204" pitchFamily="49" charset="-128"/>
-            </a:endParaRPr>
-          </a:p>
-          <a:p>
-            <a:r>
-              <a:rPr lang="en-US" altLang="ja-JP" dirty="0">
-                <a:solidFill>
-                  <a:srgbClr val="000000"/>
-                </a:solidFill>
-                <a:ea typeface="ＭＳ ゴシック" panose="020B0609070205080204" pitchFamily="49" charset="-128"/>
-              </a:rPr>
-              <a:t>	</a:t>
-            </a:r>
-            <a:r>
-              <a:rPr lang="sv-SE" altLang="ja-JP" sz="1800" dirty="0">
-                <a:solidFill>
-                  <a:srgbClr val="000000"/>
-                </a:solidFill>
-                <a:ea typeface="ＭＳ ゴシック" panose="020B0609070205080204" pitchFamily="49" charset="-128"/>
-              </a:rPr>
-              <a:t>cout </a:t>
-            </a:r>
-            <a:r>
-              <a:rPr lang="sv-SE" altLang="ja-JP" sz="1800" dirty="0">
-                <a:solidFill>
-                  <a:srgbClr val="008080"/>
-                </a:solidFill>
-                <a:ea typeface="ＭＳ ゴシック" panose="020B0609070205080204" pitchFamily="49" charset="-128"/>
-              </a:rPr>
-              <a:t>&lt;&lt; </a:t>
-            </a:r>
-            <a:r>
-              <a:rPr lang="sv-SE" altLang="ja-JP" sz="1800" dirty="0">
-                <a:solidFill>
-                  <a:srgbClr val="C00000"/>
-                </a:solidFill>
-                <a:ea typeface="ＭＳ ゴシック" panose="020B0609070205080204" pitchFamily="49" charset="-128"/>
-              </a:rPr>
-              <a:t>”v1</a:t>
-            </a:r>
-            <a:r>
-              <a:rPr lang="ja-JP" altLang="en-US" sz="1800" dirty="0">
-                <a:solidFill>
-                  <a:srgbClr val="C00000"/>
-                </a:solidFill>
-                <a:ea typeface="ＭＳ ゴシック" panose="020B0609070205080204" pitchFamily="49" charset="-128"/>
-              </a:rPr>
-              <a:t>の要素数</a:t>
-            </a:r>
-            <a:r>
-              <a:rPr lang="en-US" altLang="ja-JP" sz="1800" dirty="0">
-                <a:solidFill>
-                  <a:srgbClr val="C00000"/>
-                </a:solidFill>
-                <a:ea typeface="ＭＳ ゴシック" panose="020B0609070205080204" pitchFamily="49" charset="-128"/>
-              </a:rPr>
-              <a:t>:” </a:t>
-            </a:r>
-            <a:r>
-              <a:rPr lang="en-US" altLang="ja-JP" sz="1800" dirty="0">
-                <a:solidFill>
-                  <a:srgbClr val="008080"/>
-                </a:solidFill>
-                <a:ea typeface="ＭＳ ゴシック" panose="020B0609070205080204" pitchFamily="49" charset="-128"/>
-              </a:rPr>
-              <a:t>&lt;&lt; </a:t>
-            </a:r>
-            <a:r>
-              <a:rPr lang="nn-NO" altLang="ja-JP" sz="1800" dirty="0">
-                <a:solidFill>
-                  <a:srgbClr val="000000"/>
-                </a:solidFill>
-                <a:ea typeface="ＭＳ ゴシック" panose="020B0609070205080204" pitchFamily="49" charset="-128"/>
-              </a:rPr>
-              <a:t>v1.size() </a:t>
-            </a:r>
-            <a:r>
-              <a:rPr lang="sv-SE" altLang="ja-JP" sz="1800" dirty="0">
-                <a:solidFill>
-                  <a:srgbClr val="008080"/>
-                </a:solidFill>
-                <a:ea typeface="ＭＳ ゴシック" panose="020B0609070205080204" pitchFamily="49" charset="-128"/>
-              </a:rPr>
-              <a:t>&lt;&lt;</a:t>
-            </a:r>
-            <a:r>
-              <a:rPr lang="sv-SE" altLang="ja-JP" sz="1800" dirty="0">
-                <a:solidFill>
-                  <a:srgbClr val="000000"/>
-                </a:solidFill>
-                <a:ea typeface="ＭＳ ゴシック" panose="020B0609070205080204" pitchFamily="49" charset="-128"/>
-              </a:rPr>
-              <a:t> endl;</a:t>
-            </a:r>
-            <a:endParaRPr lang="en-US" altLang="ja-JP" sz="1800" dirty="0">
-              <a:solidFill>
-                <a:srgbClr val="000000"/>
-              </a:solidFill>
-              <a:ea typeface="ＭＳ ゴシック" panose="020B0609070205080204" pitchFamily="49" charset="-128"/>
-            </a:endParaRPr>
-          </a:p>
-          <a:p>
-            <a:r>
-              <a:rPr lang="en-US" altLang="ja-JP" dirty="0">
-                <a:solidFill>
-                  <a:srgbClr val="000000"/>
-                </a:solidFill>
-                <a:ea typeface="ＭＳ ゴシック" panose="020B0609070205080204" pitchFamily="49" charset="-128"/>
-              </a:rPr>
-              <a:t>	</a:t>
-            </a:r>
-            <a:endParaRPr kumimoji="1" lang="ja-JP" altLang="en-US" sz="7200" dirty="0"/>
-          </a:p>
-        </p:txBody>
-      </p:sp>
-      <p:sp>
-        <p:nvSpPr>
           <p:cNvPr id="6" name="矢印: 右 5">
             <a:extLst>
               <a:ext uri="{FF2B5EF4-FFF2-40B4-BE49-F238E27FC236}">
@@ -12316,7 +10841,7 @@
         </p:nvSpPr>
         <p:spPr>
           <a:xfrm>
-            <a:off x="751890" y="2523809"/>
+            <a:off x="751890" y="3097744"/>
             <a:ext cx="426396" cy="282102"/>
           </a:xfrm>
           <a:prstGeom prst="rightArrow">
@@ -12365,7 +10890,7 @@
         </p:nvSpPr>
         <p:spPr>
           <a:xfrm>
-            <a:off x="751890" y="2793273"/>
+            <a:off x="751890" y="3367208"/>
             <a:ext cx="426396" cy="282102"/>
           </a:xfrm>
           <a:prstGeom prst="rightArrow">
@@ -12414,7 +10939,7 @@
         </p:nvSpPr>
         <p:spPr>
           <a:xfrm>
-            <a:off x="751890" y="3077267"/>
+            <a:off x="751890" y="3651202"/>
             <a:ext cx="426396" cy="282102"/>
           </a:xfrm>
           <a:prstGeom prst="rightArrow">
@@ -12463,7 +10988,7 @@
         </p:nvSpPr>
         <p:spPr>
           <a:xfrm>
-            <a:off x="751890" y="3356224"/>
+            <a:off x="751890" y="3930159"/>
             <a:ext cx="426396" cy="282102"/>
           </a:xfrm>
           <a:prstGeom prst="rightArrow">
@@ -12500,6 +11025,793 @@
       </p:sp>
       <p:sp>
         <p:nvSpPr>
+          <p:cNvPr id="9" name="テキスト ボックス 8">
+            <a:extLst>
+              <a:ext uri="{FF2B5EF4-FFF2-40B4-BE49-F238E27FC236}">
+                <a16:creationId xmlns:a16="http://schemas.microsoft.com/office/drawing/2014/main" id="{0CAB547E-819E-B80D-2FF5-C768B59DD596}"/>
+              </a:ext>
+            </a:extLst>
+          </p:cNvPr>
+          <p:cNvSpPr txBox="1"/>
+          <p:nvPr/>
+        </p:nvSpPr>
+        <p:spPr>
+          <a:xfrm>
+            <a:off x="751890" y="1120695"/>
+            <a:ext cx="10688220" cy="4524315"/>
+          </a:xfrm>
+          <a:prstGeom prst="rect">
+            <a:avLst/>
+          </a:prstGeom>
+          <a:noFill/>
+          <a:ln>
+            <a:solidFill>
+              <a:schemeClr val="tx1"/>
+            </a:solidFill>
+          </a:ln>
+        </p:spPr>
+        <p:txBody>
+          <a:bodyPr wrap="square" rtlCol="0">
+            <a:spAutoFit/>
+          </a:bodyPr>
+          <a:lstStyle/>
+          <a:p>
+            <a:r>
+              <a:rPr lang="en-US" altLang="ja-JP" sz="1800" dirty="0">
+                <a:solidFill>
+                  <a:srgbClr val="000000"/>
+                </a:solidFill>
+                <a:ea typeface="ＭＳ ゴシック" panose="020B0609070205080204" pitchFamily="49" charset="-128"/>
+              </a:rPr>
+              <a:t>	v1.push_back(3);</a:t>
+            </a:r>
+          </a:p>
+          <a:p>
+            <a:r>
+              <a:rPr lang="en-US" altLang="ja-JP" sz="1800" dirty="0">
+                <a:solidFill>
+                  <a:srgbClr val="000000"/>
+                </a:solidFill>
+                <a:ea typeface="ＭＳ ゴシック" panose="020B0609070205080204" pitchFamily="49" charset="-128"/>
+              </a:rPr>
+              <a:t>	v2.push_back(</a:t>
+            </a:r>
+            <a:r>
+              <a:rPr lang="en-US" altLang="ja-JP" sz="1800" dirty="0">
+                <a:solidFill>
+                  <a:srgbClr val="A31515"/>
+                </a:solidFill>
+                <a:ea typeface="ＭＳ ゴシック" panose="020B0609070205080204" pitchFamily="49" charset="-128"/>
+              </a:rPr>
+              <a:t>"ABC"</a:t>
+            </a:r>
+            <a:r>
+              <a:rPr lang="en-US" altLang="ja-JP" sz="1800" dirty="0">
+                <a:solidFill>
+                  <a:srgbClr val="000000"/>
+                </a:solidFill>
+                <a:ea typeface="ＭＳ ゴシック" panose="020B0609070205080204" pitchFamily="49" charset="-128"/>
+              </a:rPr>
+              <a:t>);</a:t>
+            </a:r>
+          </a:p>
+          <a:p>
+            <a:r>
+              <a:rPr lang="en-US" altLang="ja-JP" sz="1800" dirty="0">
+                <a:solidFill>
+                  <a:srgbClr val="000000"/>
+                </a:solidFill>
+                <a:ea typeface="ＭＳ ゴシック" panose="020B0609070205080204" pitchFamily="49" charset="-128"/>
+              </a:rPr>
+              <a:t>	v2.push_back(</a:t>
+            </a:r>
+            <a:r>
+              <a:rPr lang="en-US" altLang="ja-JP" sz="1800" dirty="0">
+                <a:solidFill>
+                  <a:srgbClr val="A31515"/>
+                </a:solidFill>
+                <a:ea typeface="ＭＳ ゴシック" panose="020B0609070205080204" pitchFamily="49" charset="-128"/>
+              </a:rPr>
+              <a:t>“DEF”</a:t>
+            </a:r>
+            <a:r>
+              <a:rPr lang="en-US" altLang="ja-JP" sz="1800" dirty="0">
+                <a:solidFill>
+                  <a:srgbClr val="000000"/>
+                </a:solidFill>
+                <a:ea typeface="ＭＳ ゴシック" panose="020B0609070205080204" pitchFamily="49" charset="-128"/>
+              </a:rPr>
+              <a:t>);</a:t>
+            </a:r>
+            <a:br>
+              <a:rPr lang="en-US" altLang="ja-JP" sz="1800" dirty="0">
+                <a:solidFill>
+                  <a:srgbClr val="000000"/>
+                </a:solidFill>
+                <a:ea typeface="ＭＳ ゴシック" panose="020B0609070205080204" pitchFamily="49" charset="-128"/>
+              </a:rPr>
+            </a:br>
+            <a:r>
+              <a:rPr lang="en-US" altLang="ja-JP" sz="1800" dirty="0">
+                <a:solidFill>
+                  <a:srgbClr val="000000"/>
+                </a:solidFill>
+                <a:ea typeface="ＭＳ ゴシック" panose="020B0609070205080204" pitchFamily="49" charset="-128"/>
+              </a:rPr>
+              <a:t>	v1.pop_back();</a:t>
+            </a:r>
+            <a:br>
+              <a:rPr lang="en-US" altLang="ja-JP" sz="1800" dirty="0">
+                <a:solidFill>
+                  <a:srgbClr val="000000"/>
+                </a:solidFill>
+                <a:ea typeface="ＭＳ ゴシック" panose="020B0609070205080204" pitchFamily="49" charset="-128"/>
+              </a:rPr>
+            </a:br>
+            <a:r>
+              <a:rPr lang="en-US" altLang="ja-JP" sz="1800" dirty="0">
+                <a:solidFill>
+                  <a:srgbClr val="000000"/>
+                </a:solidFill>
+                <a:ea typeface="ＭＳ ゴシック" panose="020B0609070205080204" pitchFamily="49" charset="-128"/>
+              </a:rPr>
+              <a:t>	v1.emplace_back(4);</a:t>
+            </a:r>
+            <a:r>
+              <a:rPr lang="en-US" altLang="ja-JP" dirty="0">
+                <a:solidFill>
+                  <a:srgbClr val="00B050"/>
+                </a:solidFill>
+                <a:ea typeface="ＭＳ ゴシック" panose="020B0609070205080204" pitchFamily="49" charset="-128"/>
+              </a:rPr>
+              <a:t> </a:t>
+            </a:r>
+            <a:endParaRPr lang="en-US" altLang="ja-JP" sz="1800" dirty="0">
+              <a:solidFill>
+                <a:srgbClr val="000000"/>
+              </a:solidFill>
+              <a:ea typeface="ＭＳ ゴシック" panose="020B0609070205080204" pitchFamily="49" charset="-128"/>
+            </a:endParaRPr>
+          </a:p>
+          <a:p>
+            <a:r>
+              <a:rPr lang="en-US" altLang="ja-JP" dirty="0">
+                <a:solidFill>
+                  <a:srgbClr val="000000"/>
+                </a:solidFill>
+                <a:ea typeface="ＭＳ ゴシック" panose="020B0609070205080204" pitchFamily="49" charset="-128"/>
+              </a:rPr>
+              <a:t>	</a:t>
+            </a:r>
+            <a:r>
+              <a:rPr lang="sv-SE" altLang="ja-JP" sz="1800" dirty="0">
+                <a:solidFill>
+                  <a:srgbClr val="000000"/>
+                </a:solidFill>
+                <a:ea typeface="ＭＳ ゴシック" panose="020B0609070205080204" pitchFamily="49" charset="-128"/>
+              </a:rPr>
+              <a:t>cout </a:t>
+            </a:r>
+            <a:r>
+              <a:rPr lang="sv-SE" altLang="ja-JP" sz="1800" dirty="0">
+                <a:solidFill>
+                  <a:srgbClr val="008080"/>
+                </a:solidFill>
+                <a:ea typeface="ＭＳ ゴシック" panose="020B0609070205080204" pitchFamily="49" charset="-128"/>
+              </a:rPr>
+              <a:t>&lt;&lt; </a:t>
+            </a:r>
+            <a:r>
+              <a:rPr lang="sv-SE" altLang="ja-JP" sz="1800" dirty="0">
+                <a:solidFill>
+                  <a:srgbClr val="C00000"/>
+                </a:solidFill>
+                <a:ea typeface="ＭＳ ゴシック" panose="020B0609070205080204" pitchFamily="49" charset="-128"/>
+              </a:rPr>
+              <a:t>”v1</a:t>
+            </a:r>
+            <a:r>
+              <a:rPr lang="ja-JP" altLang="en-US" sz="1800" dirty="0">
+                <a:solidFill>
+                  <a:srgbClr val="C00000"/>
+                </a:solidFill>
+                <a:ea typeface="ＭＳ ゴシック" panose="020B0609070205080204" pitchFamily="49" charset="-128"/>
+              </a:rPr>
+              <a:t>の要素数</a:t>
+            </a:r>
+            <a:r>
+              <a:rPr lang="en-US" altLang="ja-JP" sz="1800" dirty="0">
+                <a:solidFill>
+                  <a:srgbClr val="C00000"/>
+                </a:solidFill>
+                <a:ea typeface="ＭＳ ゴシック" panose="020B0609070205080204" pitchFamily="49" charset="-128"/>
+              </a:rPr>
+              <a:t>:” </a:t>
+            </a:r>
+            <a:r>
+              <a:rPr lang="en-US" altLang="ja-JP" sz="1800" dirty="0">
+                <a:solidFill>
+                  <a:srgbClr val="008080"/>
+                </a:solidFill>
+                <a:ea typeface="ＭＳ ゴシック" panose="020B0609070205080204" pitchFamily="49" charset="-128"/>
+              </a:rPr>
+              <a:t>&lt;&lt; </a:t>
+            </a:r>
+            <a:r>
+              <a:rPr lang="nn-NO" altLang="ja-JP" sz="1800" dirty="0">
+                <a:solidFill>
+                  <a:srgbClr val="000000"/>
+                </a:solidFill>
+                <a:ea typeface="ＭＳ ゴシック" panose="020B0609070205080204" pitchFamily="49" charset="-128"/>
+              </a:rPr>
+              <a:t>v1.size() </a:t>
+            </a:r>
+            <a:r>
+              <a:rPr lang="sv-SE" altLang="ja-JP" sz="1800" dirty="0">
+                <a:solidFill>
+                  <a:srgbClr val="008080"/>
+                </a:solidFill>
+                <a:ea typeface="ＭＳ ゴシック" panose="020B0609070205080204" pitchFamily="49" charset="-128"/>
+              </a:rPr>
+              <a:t>&lt;&lt;</a:t>
+            </a:r>
+            <a:r>
+              <a:rPr lang="sv-SE" altLang="ja-JP" sz="1800" dirty="0">
+                <a:solidFill>
+                  <a:srgbClr val="000000"/>
+                </a:solidFill>
+                <a:ea typeface="ＭＳ ゴシック" panose="020B0609070205080204" pitchFamily="49" charset="-128"/>
+              </a:rPr>
+              <a:t> endl;</a:t>
+            </a:r>
+            <a:br>
+              <a:rPr lang="sv-SE" altLang="ja-JP" sz="1800" dirty="0">
+                <a:solidFill>
+                  <a:srgbClr val="000000"/>
+                </a:solidFill>
+                <a:ea typeface="ＭＳ ゴシック" panose="020B0609070205080204" pitchFamily="49" charset="-128"/>
+              </a:rPr>
+            </a:br>
+            <a:endParaRPr lang="sv-SE" altLang="ja-JP" sz="1800" dirty="0">
+              <a:solidFill>
+                <a:srgbClr val="000000"/>
+              </a:solidFill>
+              <a:ea typeface="ＭＳ ゴシック" panose="020B0609070205080204" pitchFamily="49" charset="-128"/>
+            </a:endParaRPr>
+          </a:p>
+          <a:p>
+            <a:r>
+              <a:rPr lang="en-US" altLang="ja-JP" sz="1800" dirty="0">
+                <a:solidFill>
+                  <a:srgbClr val="000000"/>
+                </a:solidFill>
+                <a:ea typeface="ＭＳ ゴシック" panose="020B0609070205080204" pitchFamily="49" charset="-128"/>
+              </a:rPr>
+              <a:t>	</a:t>
+            </a:r>
+            <a:r>
+              <a:rPr lang="en-US" altLang="ja-JP" sz="1800" dirty="0">
+                <a:solidFill>
+                  <a:srgbClr val="FF0000"/>
+                </a:solidFill>
+                <a:ea typeface="ＭＳ ゴシック" panose="020B0609070205080204" pitchFamily="49" charset="-128"/>
+              </a:rPr>
+              <a:t>auto</a:t>
+            </a:r>
+            <a:r>
+              <a:rPr lang="en-US" altLang="ja-JP" sz="1800" dirty="0">
+                <a:ea typeface="ＭＳ ゴシック" panose="020B0609070205080204" pitchFamily="49" charset="-128"/>
+              </a:rPr>
+              <a:t> </a:t>
+            </a:r>
+            <a:r>
+              <a:rPr lang="en-US" altLang="ja-JP" dirty="0">
+                <a:ea typeface="ＭＳ ゴシック" panose="020B0609070205080204" pitchFamily="49" charset="-128"/>
+              </a:rPr>
+              <a:t>itrV1 = v1.begin();</a:t>
+            </a:r>
+          </a:p>
+          <a:p>
+            <a:r>
+              <a:rPr lang="en-US" altLang="ja-JP" sz="1800" dirty="0">
+                <a:solidFill>
+                  <a:srgbClr val="2B91AF"/>
+                </a:solidFill>
+                <a:ea typeface="ＭＳ ゴシック" panose="020B0609070205080204" pitchFamily="49" charset="-128"/>
+              </a:rPr>
+              <a:t>	</a:t>
+            </a:r>
+            <a:r>
+              <a:rPr lang="sv-SE" altLang="ja-JP" sz="1800" dirty="0">
+                <a:solidFill>
+                  <a:srgbClr val="000000"/>
+                </a:solidFill>
+                <a:ea typeface="ＭＳ ゴシック" panose="020B0609070205080204" pitchFamily="49" charset="-128"/>
+              </a:rPr>
+              <a:t>cout </a:t>
+            </a:r>
+            <a:r>
+              <a:rPr lang="sv-SE" altLang="ja-JP" sz="1800" dirty="0">
+                <a:solidFill>
+                  <a:srgbClr val="008080"/>
+                </a:solidFill>
+                <a:ea typeface="ＭＳ ゴシック" panose="020B0609070205080204" pitchFamily="49" charset="-128"/>
+              </a:rPr>
+              <a:t>&lt;&lt; </a:t>
+            </a:r>
+            <a:r>
+              <a:rPr lang="sv-SE" altLang="ja-JP" sz="1800" dirty="0">
+                <a:solidFill>
+                  <a:srgbClr val="C00000"/>
+                </a:solidFill>
+                <a:ea typeface="ＭＳ ゴシック" panose="020B0609070205080204" pitchFamily="49" charset="-128"/>
+              </a:rPr>
+              <a:t>”</a:t>
+            </a:r>
+            <a:r>
+              <a:rPr lang="ja-JP" altLang="en-US" sz="1800" dirty="0">
+                <a:solidFill>
+                  <a:srgbClr val="C00000"/>
+                </a:solidFill>
+                <a:ea typeface="ＭＳ ゴシック" panose="020B0609070205080204" pitchFamily="49" charset="-128"/>
+              </a:rPr>
+              <a:t>イテレータが指す要素の値</a:t>
+            </a:r>
+            <a:r>
+              <a:rPr lang="en-US" altLang="ja-JP" sz="1800" dirty="0">
+                <a:solidFill>
+                  <a:srgbClr val="C00000"/>
+                </a:solidFill>
+                <a:ea typeface="ＭＳ ゴシック" panose="020B0609070205080204" pitchFamily="49" charset="-128"/>
+              </a:rPr>
+              <a:t>:” </a:t>
+            </a:r>
+            <a:r>
+              <a:rPr lang="sv-SE" altLang="ja-JP" sz="1800" dirty="0">
+                <a:solidFill>
+                  <a:srgbClr val="008080"/>
+                </a:solidFill>
+                <a:ea typeface="ＭＳ ゴシック" panose="020B0609070205080204" pitchFamily="49" charset="-128"/>
+              </a:rPr>
+              <a:t>&lt;&lt; </a:t>
+            </a:r>
+            <a:r>
+              <a:rPr lang="nn-NO" altLang="ja-JP" dirty="0">
+                <a:solidFill>
+                  <a:srgbClr val="000000"/>
+                </a:solidFill>
+                <a:ea typeface="ＭＳ ゴシック" panose="020B0609070205080204" pitchFamily="49" charset="-128"/>
+              </a:rPr>
+              <a:t>*</a:t>
+            </a:r>
+            <a:r>
+              <a:rPr lang="nn-NO" altLang="ja-JP" sz="1800" dirty="0">
+                <a:solidFill>
+                  <a:srgbClr val="000000"/>
+                </a:solidFill>
+                <a:ea typeface="ＭＳ ゴシック" panose="020B0609070205080204" pitchFamily="49" charset="-128"/>
+              </a:rPr>
+              <a:t>itrV1</a:t>
+            </a:r>
+            <a:r>
+              <a:rPr lang="sv-SE" altLang="ja-JP" sz="1800" dirty="0">
+                <a:solidFill>
+                  <a:srgbClr val="000000"/>
+                </a:solidFill>
+                <a:ea typeface="ＭＳ ゴシック" panose="020B0609070205080204" pitchFamily="49" charset="-128"/>
+              </a:rPr>
+              <a:t> </a:t>
+            </a:r>
+            <a:r>
+              <a:rPr lang="sv-SE" altLang="ja-JP" sz="1800" dirty="0">
+                <a:solidFill>
+                  <a:srgbClr val="008080"/>
+                </a:solidFill>
+                <a:ea typeface="ＭＳ ゴシック" panose="020B0609070205080204" pitchFamily="49" charset="-128"/>
+              </a:rPr>
+              <a:t>&lt;&lt; </a:t>
+            </a:r>
+            <a:r>
+              <a:rPr lang="sv-SE" altLang="ja-JP" sz="1800" dirty="0">
+                <a:solidFill>
+                  <a:srgbClr val="000000"/>
+                </a:solidFill>
+                <a:ea typeface="ＭＳ ゴシック" panose="020B0609070205080204" pitchFamily="49" charset="-128"/>
+              </a:rPr>
+              <a:t>endl;</a:t>
+            </a:r>
+            <a:br>
+              <a:rPr lang="en-US" altLang="ja-JP" dirty="0">
+                <a:ea typeface="ＭＳ ゴシック" panose="020B0609070205080204" pitchFamily="49" charset="-128"/>
+              </a:rPr>
+            </a:br>
+            <a:r>
+              <a:rPr lang="en-US" altLang="ja-JP" dirty="0">
+                <a:ea typeface="ＭＳ ゴシック" panose="020B0609070205080204" pitchFamily="49" charset="-128"/>
+              </a:rPr>
+              <a:t>	v1.insert(itrV1 + 1, 11);</a:t>
+            </a:r>
+            <a:r>
+              <a:rPr lang="en-US" altLang="ja-JP" dirty="0">
+                <a:solidFill>
+                  <a:srgbClr val="00B050"/>
+                </a:solidFill>
+                <a:ea typeface="ＭＳ ゴシック" panose="020B0609070205080204" pitchFamily="49" charset="-128"/>
+              </a:rPr>
+              <a:t> //</a:t>
+            </a:r>
+            <a:r>
+              <a:rPr lang="ja-JP" altLang="en-US" dirty="0">
+                <a:solidFill>
+                  <a:srgbClr val="00B050"/>
+                </a:solidFill>
+                <a:ea typeface="ＭＳ ゴシック" panose="020B0609070205080204" pitchFamily="49" charset="-128"/>
+              </a:rPr>
+              <a:t>指定した場所（先頭から</a:t>
+            </a:r>
+            <a:r>
+              <a:rPr lang="en-US" altLang="ja-JP" dirty="0">
+                <a:solidFill>
+                  <a:srgbClr val="00B050"/>
+                </a:solidFill>
+                <a:ea typeface="ＭＳ ゴシック" panose="020B0609070205080204" pitchFamily="49" charset="-128"/>
+              </a:rPr>
+              <a:t>+1</a:t>
+            </a:r>
+            <a:r>
+              <a:rPr lang="ja-JP" altLang="en-US" dirty="0">
+                <a:solidFill>
+                  <a:srgbClr val="00B050"/>
+                </a:solidFill>
+                <a:ea typeface="ＭＳ ゴシック" panose="020B0609070205080204" pitchFamily="49" charset="-128"/>
+              </a:rPr>
+              <a:t>番目）へ要素（</a:t>
+            </a:r>
+            <a:r>
+              <a:rPr lang="en-US" altLang="ja-JP" dirty="0">
+                <a:solidFill>
+                  <a:srgbClr val="00B050"/>
+                </a:solidFill>
+                <a:ea typeface="ＭＳ ゴシック" panose="020B0609070205080204" pitchFamily="49" charset="-128"/>
+              </a:rPr>
+              <a:t>11</a:t>
+            </a:r>
+            <a:r>
+              <a:rPr lang="ja-JP" altLang="en-US" dirty="0">
+                <a:solidFill>
+                  <a:srgbClr val="00B050"/>
+                </a:solidFill>
+                <a:ea typeface="ＭＳ ゴシック" panose="020B0609070205080204" pitchFamily="49" charset="-128"/>
+              </a:rPr>
+              <a:t>）を追加</a:t>
+            </a:r>
+            <a:br>
+              <a:rPr lang="en-US" altLang="ja-JP" dirty="0">
+                <a:solidFill>
+                  <a:srgbClr val="00B050"/>
+                </a:solidFill>
+                <a:ea typeface="ＭＳ ゴシック" panose="020B0609070205080204" pitchFamily="49" charset="-128"/>
+              </a:rPr>
+            </a:br>
+            <a:r>
+              <a:rPr lang="en-US" altLang="ja-JP" dirty="0">
+                <a:solidFill>
+                  <a:srgbClr val="00B050"/>
+                </a:solidFill>
+                <a:ea typeface="ＭＳ ゴシック" panose="020B0609070205080204" pitchFamily="49" charset="-128"/>
+              </a:rPr>
+              <a:t>	</a:t>
+            </a:r>
+            <a:r>
+              <a:rPr lang="en-US" altLang="ja-JP" dirty="0">
+                <a:ea typeface="ＭＳ ゴシック" panose="020B0609070205080204" pitchFamily="49" charset="-128"/>
+              </a:rPr>
+              <a:t>v1.erase(itrV1 + 2);      </a:t>
+            </a:r>
+            <a:r>
+              <a:rPr lang="en-US" altLang="ja-JP" dirty="0">
+                <a:solidFill>
+                  <a:srgbClr val="00B050"/>
+                </a:solidFill>
+                <a:ea typeface="ＭＳ ゴシック" panose="020B0609070205080204" pitchFamily="49" charset="-128"/>
+              </a:rPr>
+              <a:t>//</a:t>
+            </a:r>
+            <a:r>
+              <a:rPr lang="ja-JP" altLang="en-US" dirty="0">
+                <a:solidFill>
+                  <a:srgbClr val="00B050"/>
+                </a:solidFill>
+                <a:ea typeface="ＭＳ ゴシック" panose="020B0609070205080204" pitchFamily="49" charset="-128"/>
+              </a:rPr>
+              <a:t>指定した場所（先頭から</a:t>
+            </a:r>
+            <a:r>
+              <a:rPr lang="en-US" altLang="ja-JP" dirty="0">
+                <a:solidFill>
+                  <a:srgbClr val="00B050"/>
+                </a:solidFill>
+                <a:ea typeface="ＭＳ ゴシック" panose="020B0609070205080204" pitchFamily="49" charset="-128"/>
+              </a:rPr>
+              <a:t>+2</a:t>
+            </a:r>
+            <a:r>
+              <a:rPr lang="ja-JP" altLang="en-US" dirty="0">
+                <a:solidFill>
+                  <a:srgbClr val="00B050"/>
+                </a:solidFill>
+                <a:ea typeface="ＭＳ ゴシック" panose="020B0609070205080204" pitchFamily="49" charset="-128"/>
+              </a:rPr>
+              <a:t>番目）の要素を削除</a:t>
+            </a:r>
+            <a:br>
+              <a:rPr lang="en-US" altLang="ja-JP" dirty="0">
+                <a:solidFill>
+                  <a:srgbClr val="00B050"/>
+                </a:solidFill>
+                <a:ea typeface="ＭＳ ゴシック" panose="020B0609070205080204" pitchFamily="49" charset="-128"/>
+              </a:rPr>
+            </a:br>
+            <a:endParaRPr lang="en-US" altLang="ja-JP" sz="1800" dirty="0">
+              <a:ea typeface="ＭＳ ゴシック" panose="020B0609070205080204" pitchFamily="49" charset="-128"/>
+            </a:endParaRPr>
+          </a:p>
+          <a:p>
+            <a:r>
+              <a:rPr lang="nn-NO" altLang="ja-JP" sz="1800" dirty="0">
+                <a:solidFill>
+                  <a:srgbClr val="0000FF"/>
+                </a:solidFill>
+                <a:ea typeface="ＭＳ ゴシック" panose="020B0609070205080204" pitchFamily="49" charset="-128"/>
+              </a:rPr>
+              <a:t>	for</a:t>
+            </a:r>
+            <a:r>
+              <a:rPr lang="nn-NO" altLang="ja-JP" sz="1800" dirty="0">
+                <a:solidFill>
+                  <a:srgbClr val="000000"/>
+                </a:solidFill>
+                <a:ea typeface="ＭＳ ゴシック" panose="020B0609070205080204" pitchFamily="49" charset="-128"/>
+              </a:rPr>
+              <a:t> (</a:t>
+            </a:r>
+            <a:r>
+              <a:rPr lang="nn-NO" altLang="ja-JP" sz="1800" dirty="0">
+                <a:solidFill>
+                  <a:srgbClr val="0000FF"/>
+                </a:solidFill>
+                <a:ea typeface="ＭＳ ゴシック" panose="020B0609070205080204" pitchFamily="49" charset="-128"/>
+              </a:rPr>
+              <a:t>int</a:t>
+            </a:r>
+            <a:r>
+              <a:rPr lang="nn-NO" altLang="ja-JP" sz="1800" dirty="0">
+                <a:solidFill>
+                  <a:srgbClr val="000000"/>
+                </a:solidFill>
+                <a:ea typeface="ＭＳ ゴシック" panose="020B0609070205080204" pitchFamily="49" charset="-128"/>
+              </a:rPr>
+              <a:t> i = 0; i &lt; v1.size(); i++) {</a:t>
+            </a:r>
+          </a:p>
+          <a:p>
+            <a:r>
+              <a:rPr lang="sv-SE" altLang="ja-JP" sz="1800" dirty="0">
+                <a:solidFill>
+                  <a:srgbClr val="000000"/>
+                </a:solidFill>
+                <a:ea typeface="ＭＳ ゴシック" panose="020B0609070205080204" pitchFamily="49" charset="-128"/>
+              </a:rPr>
+              <a:t>		</a:t>
+            </a:r>
+            <a:r>
+              <a:rPr lang="en-US" altLang="ja-JP" sz="1800" dirty="0">
+                <a:solidFill>
+                  <a:srgbClr val="2B91AF"/>
+                </a:solidFill>
+                <a:ea typeface="ＭＳ ゴシック" panose="020B0609070205080204" pitchFamily="49" charset="-128"/>
+              </a:rPr>
+              <a:t> </a:t>
+            </a:r>
+            <a:r>
+              <a:rPr lang="sv-SE" altLang="ja-JP" sz="1800" dirty="0">
+                <a:solidFill>
+                  <a:srgbClr val="000000"/>
+                </a:solidFill>
+                <a:ea typeface="ＭＳ ゴシック" panose="020B0609070205080204" pitchFamily="49" charset="-128"/>
+              </a:rPr>
+              <a:t>cout </a:t>
+            </a:r>
+            <a:r>
+              <a:rPr lang="sv-SE" altLang="ja-JP" sz="1800" dirty="0">
+                <a:solidFill>
+                  <a:srgbClr val="008080"/>
+                </a:solidFill>
+                <a:ea typeface="ＭＳ ゴシック" panose="020B0609070205080204" pitchFamily="49" charset="-128"/>
+              </a:rPr>
+              <a:t>&lt;&lt;</a:t>
+            </a:r>
+            <a:r>
+              <a:rPr lang="sv-SE" altLang="ja-JP" sz="1800" dirty="0">
+                <a:solidFill>
+                  <a:srgbClr val="000000"/>
+                </a:solidFill>
+                <a:ea typeface="ＭＳ ゴシック" panose="020B0609070205080204" pitchFamily="49" charset="-128"/>
+              </a:rPr>
+              <a:t> </a:t>
+            </a:r>
+            <a:r>
+              <a:rPr lang="sv-SE" altLang="ja-JP" sz="1800" dirty="0">
+                <a:solidFill>
+                  <a:srgbClr val="A31515"/>
+                </a:solidFill>
+                <a:ea typeface="ＭＳ ゴシック" panose="020B0609070205080204" pitchFamily="49" charset="-128"/>
+              </a:rPr>
+              <a:t>”v1["</a:t>
+            </a:r>
+            <a:r>
+              <a:rPr lang="sv-SE" altLang="ja-JP" sz="1800" dirty="0">
+                <a:solidFill>
+                  <a:srgbClr val="000000"/>
+                </a:solidFill>
+                <a:ea typeface="ＭＳ ゴシック" panose="020B0609070205080204" pitchFamily="49" charset="-128"/>
+              </a:rPr>
+              <a:t> </a:t>
+            </a:r>
+            <a:r>
+              <a:rPr lang="sv-SE" altLang="ja-JP" sz="1800" dirty="0">
+                <a:solidFill>
+                  <a:srgbClr val="008080"/>
+                </a:solidFill>
+                <a:ea typeface="ＭＳ ゴシック" panose="020B0609070205080204" pitchFamily="49" charset="-128"/>
+              </a:rPr>
+              <a:t>&lt;&lt;</a:t>
+            </a:r>
+            <a:r>
+              <a:rPr lang="sv-SE" altLang="ja-JP" sz="1800" dirty="0">
+                <a:solidFill>
+                  <a:srgbClr val="000000"/>
+                </a:solidFill>
+                <a:ea typeface="ＭＳ ゴシック" panose="020B0609070205080204" pitchFamily="49" charset="-128"/>
+              </a:rPr>
+              <a:t> i </a:t>
+            </a:r>
+            <a:r>
+              <a:rPr lang="sv-SE" altLang="ja-JP" sz="1800" dirty="0">
+                <a:solidFill>
+                  <a:srgbClr val="008080"/>
+                </a:solidFill>
+                <a:ea typeface="ＭＳ ゴシック" panose="020B0609070205080204" pitchFamily="49" charset="-128"/>
+              </a:rPr>
+              <a:t>&lt;&lt;</a:t>
+            </a:r>
+            <a:r>
+              <a:rPr lang="sv-SE" altLang="ja-JP" sz="1800" dirty="0">
+                <a:solidFill>
+                  <a:srgbClr val="000000"/>
+                </a:solidFill>
+                <a:ea typeface="ＭＳ ゴシック" panose="020B0609070205080204" pitchFamily="49" charset="-128"/>
+              </a:rPr>
+              <a:t> </a:t>
+            </a:r>
+            <a:r>
+              <a:rPr lang="sv-SE" altLang="ja-JP" sz="1800" dirty="0">
+                <a:solidFill>
+                  <a:srgbClr val="A31515"/>
+                </a:solidFill>
+                <a:ea typeface="ＭＳ ゴシック" panose="020B0609070205080204" pitchFamily="49" charset="-128"/>
+              </a:rPr>
+              <a:t>"]="</a:t>
+            </a:r>
+            <a:r>
+              <a:rPr lang="sv-SE" altLang="ja-JP" sz="1800" dirty="0">
+                <a:solidFill>
+                  <a:srgbClr val="000000"/>
+                </a:solidFill>
+                <a:ea typeface="ＭＳ ゴシック" panose="020B0609070205080204" pitchFamily="49" charset="-128"/>
+              </a:rPr>
+              <a:t> </a:t>
+            </a:r>
+            <a:r>
+              <a:rPr lang="sv-SE" altLang="ja-JP" sz="1800" dirty="0">
+                <a:solidFill>
+                  <a:srgbClr val="008080"/>
+                </a:solidFill>
+                <a:ea typeface="ＭＳ ゴシック" panose="020B0609070205080204" pitchFamily="49" charset="-128"/>
+              </a:rPr>
+              <a:t>&lt;&lt;</a:t>
+            </a:r>
+            <a:r>
+              <a:rPr lang="sv-SE" altLang="ja-JP" sz="1800" dirty="0">
+                <a:solidFill>
+                  <a:srgbClr val="000000"/>
+                </a:solidFill>
+                <a:ea typeface="ＭＳ ゴシック" panose="020B0609070205080204" pitchFamily="49" charset="-128"/>
+              </a:rPr>
+              <a:t> v1</a:t>
+            </a:r>
+            <a:r>
+              <a:rPr lang="sv-SE" altLang="ja-JP" sz="1800" dirty="0">
+                <a:solidFill>
+                  <a:srgbClr val="008080"/>
+                </a:solidFill>
+                <a:ea typeface="ＭＳ ゴシック" panose="020B0609070205080204" pitchFamily="49" charset="-128"/>
+              </a:rPr>
+              <a:t>[</a:t>
+            </a:r>
+            <a:r>
+              <a:rPr lang="sv-SE" altLang="ja-JP" sz="1800" dirty="0">
+                <a:solidFill>
+                  <a:srgbClr val="000000"/>
+                </a:solidFill>
+                <a:ea typeface="ＭＳ ゴシック" panose="020B0609070205080204" pitchFamily="49" charset="-128"/>
+              </a:rPr>
+              <a:t>i</a:t>
+            </a:r>
+            <a:r>
+              <a:rPr lang="sv-SE" altLang="ja-JP" sz="1800" dirty="0">
+                <a:solidFill>
+                  <a:srgbClr val="008080"/>
+                </a:solidFill>
+                <a:ea typeface="ＭＳ ゴシック" panose="020B0609070205080204" pitchFamily="49" charset="-128"/>
+              </a:rPr>
+              <a:t>]</a:t>
+            </a:r>
+            <a:r>
+              <a:rPr lang="sv-SE" altLang="ja-JP" sz="1800" dirty="0">
+                <a:solidFill>
+                  <a:srgbClr val="000000"/>
+                </a:solidFill>
+                <a:ea typeface="ＭＳ ゴシック" panose="020B0609070205080204" pitchFamily="49" charset="-128"/>
+              </a:rPr>
+              <a:t> </a:t>
+            </a:r>
+            <a:r>
+              <a:rPr lang="sv-SE" altLang="ja-JP" sz="1800" dirty="0">
+                <a:solidFill>
+                  <a:srgbClr val="008080"/>
+                </a:solidFill>
+                <a:ea typeface="ＭＳ ゴシック" panose="020B0609070205080204" pitchFamily="49" charset="-128"/>
+              </a:rPr>
+              <a:t>&lt;&lt;</a:t>
+            </a:r>
+            <a:r>
+              <a:rPr lang="sv-SE" altLang="ja-JP" sz="1800" dirty="0">
+                <a:solidFill>
+                  <a:srgbClr val="000000"/>
+                </a:solidFill>
+                <a:ea typeface="ＭＳ ゴシック" panose="020B0609070205080204" pitchFamily="49" charset="-128"/>
+              </a:rPr>
+              <a:t> endl;</a:t>
+            </a:r>
+          </a:p>
+          <a:p>
+            <a:r>
+              <a:rPr lang="en-US" altLang="ja-JP" sz="1800" dirty="0">
+                <a:solidFill>
+                  <a:srgbClr val="000000"/>
+                </a:solidFill>
+                <a:ea typeface="ＭＳ ゴシック" panose="020B0609070205080204" pitchFamily="49" charset="-128"/>
+              </a:rPr>
+              <a:t>	}</a:t>
+            </a:r>
+          </a:p>
+          <a:p>
+            <a:r>
+              <a:rPr lang="en-US" altLang="ja-JP" dirty="0">
+                <a:solidFill>
+                  <a:srgbClr val="000000"/>
+                </a:solidFill>
+                <a:ea typeface="ＭＳ ゴシック" panose="020B0609070205080204" pitchFamily="49" charset="-128"/>
+              </a:rPr>
+              <a:t>	</a:t>
+            </a:r>
+            <a:endParaRPr kumimoji="1" lang="ja-JP" altLang="en-US" sz="7200" dirty="0"/>
+          </a:p>
+        </p:txBody>
+      </p:sp>
+      <p:sp>
+        <p:nvSpPr>
           <p:cNvPr id="8" name="吹き出し: 四角形 7">
             <a:extLst>
               <a:ext uri="{FF2B5EF4-FFF2-40B4-BE49-F238E27FC236}">
@@ -12512,7 +11824,7 @@
         </p:nvSpPr>
         <p:spPr>
           <a:xfrm>
-            <a:off x="594626" y="1598516"/>
+            <a:off x="751890" y="2099094"/>
             <a:ext cx="4473484" cy="447473"/>
           </a:xfrm>
           <a:prstGeom prst="wedgeRectCallout">
@@ -16268,7 +15580,7 @@
         <p:spPr>
           <a:xfrm>
             <a:off x="751890" y="1120695"/>
-            <a:ext cx="10688220" cy="5355312"/>
+            <a:ext cx="10688220" cy="4555093"/>
           </a:xfrm>
           <a:prstGeom prst="rect">
             <a:avLst/>
@@ -16293,46 +15605,6 @@
                 </a:solidFill>
                 <a:ea typeface="ＭＳ ゴシック" panose="020B0609070205080204" pitchFamily="49" charset="-128"/>
               </a:rPr>
-              <a:t>	v1.push_back(3);</a:t>
-            </a:r>
-          </a:p>
-          <a:p>
-            <a:r>
-              <a:rPr lang="en-US" altLang="ja-JP" sz="1800" dirty="0">
-                <a:solidFill>
-                  <a:srgbClr val="000000"/>
-                </a:solidFill>
-                <a:ea typeface="ＭＳ ゴシック" panose="020B0609070205080204" pitchFamily="49" charset="-128"/>
-              </a:rPr>
-              <a:t>	v2.push_back(</a:t>
-            </a:r>
-            <a:r>
-              <a:rPr lang="en-US" altLang="ja-JP" sz="1800" dirty="0">
-                <a:solidFill>
-                  <a:srgbClr val="A31515"/>
-                </a:solidFill>
-                <a:ea typeface="ＭＳ ゴシック" panose="020B0609070205080204" pitchFamily="49" charset="-128"/>
-              </a:rPr>
-              <a:t>"ABC"</a:t>
-            </a:r>
-            <a:r>
-              <a:rPr lang="en-US" altLang="ja-JP" sz="1800" dirty="0">
-                <a:solidFill>
-                  <a:srgbClr val="000000"/>
-                </a:solidFill>
-                <a:ea typeface="ＭＳ ゴシック" panose="020B0609070205080204" pitchFamily="49" charset="-128"/>
-              </a:rPr>
-              <a:t>);</a:t>
-            </a:r>
-          </a:p>
-          <a:p>
-            <a:r>
-              <a:rPr lang="en-US" altLang="ja-JP" sz="1800" dirty="0">
-                <a:solidFill>
-                  <a:srgbClr val="000000"/>
-                </a:solidFill>
-                <a:ea typeface="ＭＳ ゴシック" panose="020B0609070205080204" pitchFamily="49" charset="-128"/>
-              </a:rPr>
               <a:t>	v2.push_back(</a:t>
             </a:r>
             <a:r>
@@ -16371,6 +15643,67 @@
               <a:t>	</a:t>
             </a:r>
             <a:r>
+              <a:rPr lang="en-US" altLang="ja-JP" sz="1800" dirty="0">
+                <a:solidFill>
+                  <a:srgbClr val="000000"/>
+                </a:solidFill>
+                <a:ea typeface="ＭＳ ゴシック" panose="020B0609070205080204" pitchFamily="49" charset="-128"/>
+              </a:rPr>
+              <a:t>v1.pop_back();</a:t>
+            </a:r>
+            <a:r>
+              <a:rPr lang="ja-JP" altLang="en-US" sz="1800" dirty="0">
+                <a:solidFill>
+                  <a:srgbClr val="000000"/>
+                </a:solidFill>
+                <a:ea typeface="ＭＳ ゴシック" panose="020B0609070205080204" pitchFamily="49" charset="-128"/>
+              </a:rPr>
+              <a:t>  </a:t>
+            </a:r>
+            <a:br>
+              <a:rPr lang="en-US" altLang="ja-JP" sz="1800" dirty="0">
+                <a:solidFill>
+                  <a:srgbClr val="000000"/>
+                </a:solidFill>
+                <a:ea typeface="ＭＳ ゴシック" panose="020B0609070205080204" pitchFamily="49" charset="-128"/>
+              </a:rPr>
+            </a:br>
+            <a:r>
+              <a:rPr lang="en-US" altLang="ja-JP" sz="1800" dirty="0">
+                <a:solidFill>
+                  <a:srgbClr val="000000"/>
+                </a:solidFill>
+                <a:ea typeface="ＭＳ ゴシック" panose="020B0609070205080204" pitchFamily="49" charset="-128"/>
+              </a:rPr>
+              <a:t>	v1.emplace_back(4);</a:t>
+            </a:r>
+            <a:r>
+              <a:rPr lang="en-US" altLang="ja-JP" dirty="0">
+                <a:solidFill>
+                  <a:srgbClr val="00B050"/>
+                </a:solidFill>
+                <a:ea typeface="ＭＳ ゴシック" panose="020B0609070205080204" pitchFamily="49" charset="-128"/>
+              </a:rPr>
+              <a:t> </a:t>
+            </a:r>
+            <a:endParaRPr lang="en-US" altLang="ja-JP" sz="1800" dirty="0">
+              <a:solidFill>
+                <a:srgbClr val="000000"/>
+              </a:solidFill>
+              <a:ea typeface="ＭＳ ゴシック" panose="020B0609070205080204" pitchFamily="49" charset="-128"/>
+            </a:endParaRPr>
+          </a:p>
+          <a:p>
+            <a:r>
+              <a:rPr lang="en-US" altLang="ja-JP" dirty="0">
+                <a:solidFill>
+                  <a:srgbClr val="000000"/>
+                </a:solidFill>
+                <a:ea typeface="ＭＳ ゴシック" panose="020B0609070205080204" pitchFamily="49" charset="-128"/>
+              </a:rPr>
+              <a:t>	</a:t>
+            </a:r>
+            <a:r>
               <a:rPr lang="sv-SE" altLang="ja-JP" sz="1800" dirty="0">
                 <a:solidFill>
                   <a:srgbClr val="000000"/>
@@ -16451,14 +15784,14 @@
               </a:rPr>
               <a:t> endl;</a:t>
             </a:r>
-            <a:br>
-              <a:rPr lang="sv-SE" altLang="ja-JP" sz="1800" dirty="0">
-                <a:solidFill>
-                  <a:srgbClr val="000000"/>
-                </a:solidFill>
-                <a:ea typeface="ＭＳ ゴシック" panose="020B0609070205080204" pitchFamily="49" charset="-128"/>
-              </a:rPr>
-            </a:br>
+            <a:endParaRPr lang="en-US" altLang="ja-JP" sz="1800" dirty="0">
+              <a:solidFill>
+                <a:srgbClr val="000000"/>
+              </a:solidFill>
+              <a:ea typeface="ＭＳ ゴシック" panose="020B0609070205080204" pitchFamily="49" charset="-128"/>
+            </a:endParaRPr>
+          </a:p>
+          <a:p>
             <a:endParaRPr lang="sv-SE" altLang="ja-JP" sz="1800" dirty="0">
               <a:solidFill>
                 <a:srgbClr val="000000"/>
@@ -17085,149 +16418,8 @@
                 </a:solidFill>
                 <a:ea typeface="ＭＳ ゴシック" panose="020B0609070205080204" pitchFamily="49" charset="-128"/>
               </a:rPr>
-              <a:t>	v1.pop_back();</a:t>
-            </a:r>
-            <a:r>
-              <a:rPr lang="ja-JP" altLang="en-US" sz="1800" dirty="0">
-                <a:solidFill>
-                  <a:srgbClr val="000000"/>
-                </a:solidFill>
-                <a:ea typeface="ＭＳ ゴシック" panose="020B0609070205080204" pitchFamily="49" charset="-128"/>
-              </a:rPr>
-              <a:t>  </a:t>
-            </a:r>
-            <a:br>
-              <a:rPr lang="en-US" altLang="ja-JP" sz="1800" dirty="0">
-                <a:solidFill>
-                  <a:srgbClr val="000000"/>
-                </a:solidFill>
-                <a:ea typeface="ＭＳ ゴシック" panose="020B0609070205080204" pitchFamily="49" charset="-128"/>
-              </a:rPr>
-            </a:br>
-            <a:r>
-              <a:rPr lang="en-US" altLang="ja-JP" sz="1800" dirty="0">
-                <a:solidFill>
-                  <a:srgbClr val="000000"/>
-                </a:solidFill>
-                <a:ea typeface="ＭＳ ゴシック" panose="020B0609070205080204" pitchFamily="49" charset="-128"/>
-              </a:rPr>
-              <a:t>	v1.emplace_back(4);</a:t>
-            </a:r>
-            <a:r>
-              <a:rPr lang="en-US" altLang="ja-JP" dirty="0">
-                <a:solidFill>
-                  <a:srgbClr val="00B050"/>
-                </a:solidFill>
-                <a:ea typeface="ＭＳ ゴシック" panose="020B0609070205080204" pitchFamily="49" charset="-128"/>
-              </a:rPr>
-              <a:t> </a:t>
-            </a:r>
-            <a:endParaRPr lang="en-US" altLang="ja-JP" sz="1800" dirty="0">
-              <a:solidFill>
-                <a:srgbClr val="000000"/>
-              </a:solidFill>
-              <a:ea typeface="ＭＳ ゴシック" panose="020B0609070205080204" pitchFamily="49" charset="-128"/>
-            </a:endParaRPr>
-          </a:p>
-          <a:p>
-            <a:r>
-              <a:rPr lang="en-US" altLang="ja-JP" dirty="0">
-                <a:solidFill>
-                  <a:srgbClr val="000000"/>
-                </a:solidFill>
-                <a:ea typeface="ＭＳ ゴシック" panose="020B0609070205080204" pitchFamily="49" charset="-128"/>
-              </a:rPr>
               <a:t>	</a:t>
             </a:r>
-            <a:r>
-              <a:rPr lang="sv-SE" altLang="ja-JP" sz="1800" dirty="0">
-                <a:solidFill>
-                  <a:srgbClr val="000000"/>
-                </a:solidFill>
-                <a:ea typeface="ＭＳ ゴシック" panose="020B0609070205080204" pitchFamily="49" charset="-128"/>
-              </a:rPr>
-              <a:t>cout </a:t>
-            </a:r>
-            <a:r>
-              <a:rPr lang="sv-SE" altLang="ja-JP" sz="1800" dirty="0">
-                <a:solidFill>
-                  <a:srgbClr val="008080"/>
-                </a:solidFill>
-                <a:ea typeface="ＭＳ ゴシック" panose="020B0609070205080204" pitchFamily="49" charset="-128"/>
-              </a:rPr>
-              <a:t>&lt;&lt; </a:t>
-            </a:r>
-            <a:r>
-              <a:rPr lang="sv-SE" altLang="ja-JP" sz="1800" dirty="0">
-                <a:solidFill>
-                  <a:srgbClr val="C00000"/>
-                </a:solidFill>
-                <a:ea typeface="ＭＳ ゴシック" panose="020B0609070205080204" pitchFamily="49" charset="-128"/>
-              </a:rPr>
-              <a:t>”v1</a:t>
-            </a:r>
-            <a:r>
-              <a:rPr lang="ja-JP" altLang="en-US" sz="1800" dirty="0">
-                <a:solidFill>
-                  <a:srgbClr val="C00000"/>
-                </a:solidFill>
-                <a:ea typeface="ＭＳ ゴシック" panose="020B0609070205080204" pitchFamily="49" charset="-128"/>
-              </a:rPr>
-              <a:t>の要素数</a:t>
-            </a:r>
-            <a:r>
-              <a:rPr lang="en-US" altLang="ja-JP" sz="1800" dirty="0">
-                <a:solidFill>
-                  <a:srgbClr val="C00000"/>
-                </a:solidFill>
-                <a:ea typeface="ＭＳ ゴシック" panose="020B0609070205080204" pitchFamily="49" charset="-128"/>
-              </a:rPr>
-              <a:t>:” </a:t>
-            </a:r>
-            <a:r>
-              <a:rPr lang="en-US" altLang="ja-JP" sz="1800" dirty="0">
-                <a:solidFill>
-                  <a:srgbClr val="008080"/>
-                </a:solidFill>
-                <a:ea typeface="ＭＳ ゴシック" panose="020B0609070205080204" pitchFamily="49" charset="-128"/>
-              </a:rPr>
-              <a:t>&lt;&lt; </a:t>
-            </a:r>
-            <a:r>
-              <a:rPr lang="nn-NO" altLang="ja-JP" sz="1800" dirty="0">
-                <a:solidFill>
-                  <a:srgbClr val="000000"/>
-                </a:solidFill>
-                <a:ea typeface="ＭＳ ゴシック" panose="020B0609070205080204" pitchFamily="49" charset="-128"/>
-              </a:rPr>
-              <a:t>v1.size() </a:t>
-            </a:r>
-            <a:r>
-              <a:rPr lang="sv-SE" altLang="ja-JP" sz="1800" dirty="0">
-                <a:solidFill>
-                  <a:srgbClr val="008080"/>
-                </a:solidFill>
-                <a:ea typeface="ＭＳ ゴシック" panose="020B0609070205080204" pitchFamily="49" charset="-128"/>
-              </a:rPr>
-              <a:t>&lt;&lt;</a:t>
-            </a:r>
-            <a:r>
-              <a:rPr lang="sv-SE" altLang="ja-JP" sz="1800" dirty="0">
-                <a:solidFill>
-                  <a:srgbClr val="000000"/>
-                </a:solidFill>
-                <a:ea typeface="ＭＳ ゴシック" panose="020B0609070205080204" pitchFamily="49" charset="-128"/>
-              </a:rPr>
-              <a:t> endl;</a:t>
-            </a:r>
-            <a:endParaRPr lang="en-US" altLang="ja-JP" sz="1800" dirty="0">
-              <a:solidFill>
-                <a:srgbClr val="000000"/>
-              </a:solidFill>
-              <a:ea typeface="ＭＳ ゴシック" panose="020B0609070205080204" pitchFamily="49" charset="-128"/>
-            </a:endParaRPr>
-          </a:p>
-          <a:p>
             <a:r>
               <a:rPr lang="en-US" altLang="ja-JP" dirty="0">
                 <a:solidFill>
@@ -18150,7 +17342,7 @@
         <p:spPr>
           <a:xfrm>
             <a:off x="1506166" y="4844374"/>
-            <a:ext cx="8046396" cy="719848"/>
+            <a:ext cx="5040549" cy="719848"/>
           </a:xfrm>
           <a:prstGeom prst="rect">
             <a:avLst/>
@@ -18199,7 +17391,7 @@
         <p:spPr>
           <a:xfrm>
             <a:off x="1429966" y="2568102"/>
-            <a:ext cx="7597302" cy="1498060"/>
+            <a:ext cx="4406630" cy="1498060"/>
           </a:xfrm>
           <a:prstGeom prst="rect">
             <a:avLst/>
@@ -18422,7 +17614,7 @@
         <p:spPr>
           <a:xfrm>
             <a:off x="1420238" y="2743200"/>
-            <a:ext cx="8793805" cy="1566153"/>
+            <a:ext cx="5758775" cy="1566153"/>
           </a:xfrm>
           <a:prstGeom prst="rect">
             <a:avLst/>
@@ -18609,7 +17801,7 @@
         <p:spPr>
           <a:xfrm>
             <a:off x="4950425" y="3334154"/>
-            <a:ext cx="330741" cy="384243"/>
+            <a:ext cx="216591" cy="384243"/>
           </a:xfrm>
           <a:prstGeom prst="downArrow">
             <a:avLst/>
@@ -19552,7 +18744,7 @@
         <p:spPr>
           <a:xfrm>
             <a:off x="751890" y="1120695"/>
-            <a:ext cx="10688220" cy="5355312"/>
+            <a:ext cx="10688220" cy="5632311"/>
           </a:xfrm>
           <a:prstGeom prst="rect">
             <a:avLst/>
@@ -19571,7 +18763,7 @@
           <a:lstStyle/>
           <a:p>
             <a:r>
-              <a:rPr lang="en-US" altLang="ja-JP" sz="1800" dirty="0">
+              <a:rPr lang="en-US" altLang="ja-JP" sz="2000" dirty="0">
                 <a:solidFill>
                   <a:srgbClr val="808080"/>
                 </a:solidFill>
@@ -19580,7 +18772,7 @@
               <a:t>#include</a:t>
             </a:r>
             <a:r>
-              <a:rPr lang="en-US" altLang="ja-JP" sz="1800" dirty="0">
+              <a:rPr lang="en-US" altLang="ja-JP" sz="2000" dirty="0">
                 <a:solidFill>
                   <a:srgbClr val="000000"/>
                 </a:solidFill>
@@ -19589,7 +18781,7 @@
               <a:t> </a:t>
             </a:r>
             <a:r>
-              <a:rPr lang="en-US" altLang="ja-JP" sz="1800" dirty="0">
+              <a:rPr lang="en-US" altLang="ja-JP" sz="2000" dirty="0">
                 <a:solidFill>
                   <a:srgbClr val="A31515"/>
                 </a:solidFill>
@@ -19597,7 +18789,7 @@
               </a:rPr>
               <a:t>&lt;vector&gt;</a:t>
             </a:r>
-            <a:endParaRPr lang="en-US" altLang="ja-JP" sz="1800" dirty="0">
+            <a:endParaRPr lang="en-US" altLang="ja-JP" sz="2000" dirty="0">
               <a:solidFill>
                 <a:srgbClr val="000000"/>
               </a:solidFill>
@@ -19606,7 +18798,7 @@
           </a:p>
           <a:p>
             <a:r>
-              <a:rPr lang="en-US" altLang="ja-JP" sz="1800" dirty="0">
+              <a:rPr lang="en-US" altLang="ja-JP" sz="2000" dirty="0">
                 <a:solidFill>
                   <a:srgbClr val="808080"/>
                 </a:solidFill>
@@ -19615,7 +18807,7 @@
               <a:t>#include</a:t>
             </a:r>
             <a:r>
-              <a:rPr lang="en-US" altLang="ja-JP" sz="1800" dirty="0">
+              <a:rPr lang="en-US" altLang="ja-JP" sz="2000" dirty="0">
                 <a:solidFill>
                   <a:srgbClr val="000000"/>
                 </a:solidFill>
@@ -19624,7 +18816,7 @@
               <a:t> </a:t>
             </a:r>
             <a:r>
-              <a:rPr lang="en-US" altLang="ja-JP" sz="1800" dirty="0">
+              <a:rPr lang="en-US" altLang="ja-JP" sz="2000" dirty="0">
                 <a:solidFill>
                   <a:srgbClr val="A31515"/>
                 </a:solidFill>
@@ -19632,7 +18824,7 @@
               </a:rPr>
               <a:t>&lt;string&gt;</a:t>
             </a:r>
-            <a:endParaRPr lang="en-US" altLang="ja-JP" sz="1800" dirty="0">
+            <a:endParaRPr lang="en-US" altLang="ja-JP" sz="2000" dirty="0">
               <a:solidFill>
                 <a:srgbClr val="000000"/>
               </a:solidFill>
@@ -19641,7 +18833,7 @@
           </a:p>
           <a:p>
             <a:r>
-              <a:rPr lang="en-US" altLang="ja-JP" sz="1800" dirty="0">
+              <a:rPr lang="en-US" altLang="ja-JP" sz="2000" dirty="0">
                 <a:solidFill>
                   <a:srgbClr val="0000FF"/>
                 </a:solidFill>
@@ -19650,29 +18842,18 @@
               <a:t>int</a:t>
             </a:r>
             <a:r>
-              <a:rPr lang="en-US" altLang="ja-JP" sz="1800" dirty="0">
-                <a:solidFill>
-                  <a:srgbClr val="000000"/>
-                </a:solidFill>
-                <a:ea typeface="ＭＳ ゴシック" panose="020B0609070205080204" pitchFamily="49" charset="-128"/>
-              </a:rPr>
-              <a:t> main()</a:t>
-            </a:r>
-          </a:p>
-          <a:p>
-            <a:r>
-              <a:rPr lang="en-US" altLang="ja-JP" sz="1800" dirty="0">
-                <a:solidFill>
-                  <a:srgbClr val="000000"/>
-                </a:solidFill>
-                <a:ea typeface="ＭＳ ゴシック" panose="020B0609070205080204" pitchFamily="49" charset="-128"/>
-              </a:rPr>
-              <a:t>{</a:t>
-            </a:r>
-          </a:p>
-          <a:p>
-            <a:r>
-              <a:rPr lang="en-US" altLang="ja-JP" sz="1800" dirty="0">
+              <a:rPr lang="en-US" altLang="ja-JP" sz="2000" dirty="0">
+                <a:solidFill>
+                  <a:srgbClr val="000000"/>
+                </a:solidFill>
+                <a:ea typeface="ＭＳ ゴシック" panose="020B0609070205080204" pitchFamily="49" charset="-128"/>
+              </a:rPr>
+              <a:t> main(){</a:t>
+            </a:r>
+          </a:p>
+          <a:p>
+            <a:r>
+              <a:rPr lang="en-US" altLang="ja-JP" sz="2000" dirty="0">
                 <a:solidFill>
                   <a:srgbClr val="2B91AF"/>
                 </a:solidFill>
@@ -19681,7 +18862,7 @@
               <a:t>std::</a:t>
             </a:r>
             <a:r>
-              <a:rPr lang="en-US" altLang="ja-JP" sz="1800" b="1" dirty="0">
+              <a:rPr lang="en-US" altLang="ja-JP" sz="2000" b="1" dirty="0">
                 <a:solidFill>
                   <a:srgbClr val="2B91AF"/>
                 </a:solidFill>
@@ -19690,7 +18871,7 @@
               <a:t>vector</a:t>
             </a:r>
             <a:r>
-              <a:rPr lang="en-US" altLang="ja-JP" sz="1800" dirty="0">
+              <a:rPr lang="en-US" altLang="ja-JP" sz="2000" dirty="0">
                 <a:solidFill>
                   <a:srgbClr val="000000"/>
                 </a:solidFill>
@@ -19699,7 +18880,7 @@
               <a:t>&lt;</a:t>
             </a:r>
             <a:r>
-              <a:rPr lang="en-US" altLang="ja-JP" sz="1800" dirty="0">
+              <a:rPr lang="en-US" altLang="ja-JP" sz="2000" dirty="0">
                 <a:solidFill>
                   <a:srgbClr val="0000FF"/>
                 </a:solidFill>
@@ -19708,7 +18889,7 @@
               <a:t>int</a:t>
             </a:r>
             <a:r>
-              <a:rPr lang="en-US" altLang="ja-JP" sz="1800" dirty="0">
+              <a:rPr lang="en-US" altLang="ja-JP" sz="2000" dirty="0">
                 <a:solidFill>
                   <a:srgbClr val="000000"/>
                 </a:solidFill>
@@ -19719,7 +18900,7 @@
           </a:p>
           <a:p>
             <a:r>
-              <a:rPr lang="en-US" altLang="ja-JP" sz="1800" dirty="0">
+              <a:rPr lang="en-US" altLang="ja-JP" sz="2000" dirty="0">
                 <a:solidFill>
                   <a:srgbClr val="2B91AF"/>
                 </a:solidFill>
@@ -19728,7 +18909,7 @@
               <a:t>std::</a:t>
             </a:r>
             <a:r>
-              <a:rPr lang="en-US" altLang="ja-JP" sz="1800" b="1" dirty="0">
+              <a:rPr lang="en-US" altLang="ja-JP" sz="2000" b="1" dirty="0">
                 <a:solidFill>
                   <a:srgbClr val="2B91AF"/>
                 </a:solidFill>
@@ -19737,7 +18918,7 @@
               <a:t>vector</a:t>
             </a:r>
             <a:r>
-              <a:rPr lang="en-US" altLang="ja-JP" sz="1800" dirty="0">
+              <a:rPr lang="en-US" altLang="ja-JP" sz="2000" dirty="0">
                 <a:solidFill>
                   <a:srgbClr val="000000"/>
                 </a:solidFill>
@@ -19746,7 +18927,7 @@
               <a:t>&lt;</a:t>
             </a:r>
             <a:r>
-              <a:rPr lang="en-US" altLang="ja-JP" sz="1800" dirty="0">
+              <a:rPr lang="en-US" altLang="ja-JP" sz="2000" dirty="0">
                 <a:solidFill>
                   <a:srgbClr val="2B91AF"/>
                 </a:solidFill>
@@ -19755,7 +18936,7 @@
               <a:t>string</a:t>
             </a:r>
             <a:r>
-              <a:rPr lang="en-US" altLang="ja-JP" sz="1800" dirty="0">
+              <a:rPr lang="en-US" altLang="ja-JP" sz="2000" dirty="0">
                 <a:solidFill>
                   <a:srgbClr val="000000"/>
                 </a:solidFill>
@@ -19766,7 +18947,7 @@
           </a:p>
           <a:p>
             <a:r>
-              <a:rPr lang="en-US" altLang="ja-JP" sz="1800" dirty="0">
+              <a:rPr lang="en-US" altLang="ja-JP" sz="2000" dirty="0">
                 <a:solidFill>
                   <a:srgbClr val="000000"/>
                 </a:solidFill>
@@ -19777,7 +18958,7 @@
           </a:p>
           <a:p>
             <a:r>
-              <a:rPr lang="en-US" altLang="ja-JP" sz="1800" dirty="0">
+              <a:rPr lang="en-US" altLang="ja-JP" sz="2000" dirty="0">
                 <a:solidFill>
                   <a:srgbClr val="000000"/>
                 </a:solidFill>
@@ -19788,7 +18969,7 @@
           </a:p>
           <a:p>
             <a:r>
-              <a:rPr lang="en-US" altLang="ja-JP" sz="1800" dirty="0">
+              <a:rPr lang="en-US" altLang="ja-JP" sz="2000" dirty="0">
                 <a:solidFill>
                   <a:srgbClr val="000000"/>
                 </a:solidFill>
@@ -19799,7 +18980,7 @@
           </a:p>
           <a:p>
             <a:r>
-              <a:rPr lang="en-US" altLang="ja-JP" sz="1800" dirty="0">
+              <a:rPr lang="en-US" altLang="ja-JP" sz="2000" dirty="0">
                 <a:solidFill>
                   <a:srgbClr val="000000"/>
                 </a:solidFill>
@@ -19808,7 +18989,7 @@
               <a:t>	v2.push_back(</a:t>
             </a:r>
             <a:r>
-              <a:rPr lang="en-US" altLang="ja-JP" sz="1800" dirty="0">
+              <a:rPr lang="en-US" altLang="ja-JP" sz="2000" dirty="0">
                 <a:solidFill>
                   <a:srgbClr val="A31515"/>
                 </a:solidFill>
@@ -19817,7 +18998,7 @@
               <a:t>"ABC"</a:t>
             </a:r>
             <a:r>
-              <a:rPr lang="en-US" altLang="ja-JP" sz="1800" dirty="0">
+              <a:rPr lang="en-US" altLang="ja-JP" sz="2000" dirty="0">
                 <a:solidFill>
                   <a:srgbClr val="000000"/>
                 </a:solidFill>
@@ -19828,7 +19009,7 @@
           </a:p>
           <a:p>
             <a:r>
-              <a:rPr lang="en-US" altLang="ja-JP" sz="1800" dirty="0">
+              <a:rPr lang="en-US" altLang="ja-JP" sz="2000" dirty="0">
                 <a:solidFill>
                   <a:srgbClr val="000000"/>
                 </a:solidFill>
@@ -19837,7 +19018,7 @@
               <a:t>	v2.push_back(</a:t>
             </a:r>
             <a:r>
-              <a:rPr lang="en-US" altLang="ja-JP" sz="1800" dirty="0">
+              <a:rPr lang="en-US" altLang="ja-JP" sz="2000" dirty="0">
                 <a:solidFill>
                   <a:srgbClr val="A31515"/>
                 </a:solidFill>
@@ -19846,7 +19027,7 @@
               <a:t>"DEF"</a:t>
             </a:r>
             <a:r>
-              <a:rPr lang="en-US" altLang="ja-JP" sz="1800" dirty="0">
+              <a:rPr lang="en-US" altLang="ja-JP" sz="2000" dirty="0">
                 <a:solidFill>
                   <a:srgbClr val="000000"/>
                 </a:solidFill>
@@ -19857,7 +19038,7 @@
           </a:p>
           <a:p>
             <a:r>
-              <a:rPr lang="nn-NO" altLang="ja-JP" sz="1800" dirty="0">
+              <a:rPr lang="nn-NO" altLang="ja-JP" sz="2000" dirty="0">
                 <a:solidFill>
                   <a:srgbClr val="0000FF"/>
                 </a:solidFill>
@@ -19866,7 +19047,7 @@
               <a:t>	for</a:t>
             </a:r>
             <a:r>
-              <a:rPr lang="nn-NO" altLang="ja-JP" sz="1800" dirty="0">
+              <a:rPr lang="nn-NO" altLang="ja-JP" sz="2000" dirty="0">
                 <a:solidFill>
                   <a:srgbClr val="000000"/>
                 </a:solidFill>
@@ -19875,7 +19056,7 @@
               <a:t> (</a:t>
             </a:r>
             <a:r>
-              <a:rPr lang="nn-NO" altLang="ja-JP" sz="1800" dirty="0">
+              <a:rPr lang="nn-NO" altLang="ja-JP" sz="2000" dirty="0">
                 <a:solidFill>
                   <a:srgbClr val="0000FF"/>
                 </a:solidFill>
@@ -19884,7 +19065,7 @@
               <a:t>int</a:t>
             </a:r>
             <a:r>
-              <a:rPr lang="nn-NO" altLang="ja-JP" sz="1800" dirty="0">
+              <a:rPr lang="nn-NO" altLang="ja-JP" sz="2000" dirty="0">
                 <a:solidFill>
                   <a:srgbClr val="000000"/>
                 </a:solidFill>
@@ -19895,7 +19076,7 @@
           </a:p>
           <a:p>
             <a:r>
-              <a:rPr lang="sv-SE" altLang="ja-JP" sz="1800" dirty="0">
+              <a:rPr lang="sv-SE" altLang="ja-JP" sz="2000" dirty="0">
                 <a:solidFill>
                   <a:srgbClr val="000000"/>
                 </a:solidFill>
@@ -19904,7 +19085,7 @@
               <a:t>		</a:t>
             </a:r>
             <a:r>
-              <a:rPr lang="en-US" altLang="ja-JP" sz="1800" dirty="0">
+              <a:rPr lang="en-US" altLang="ja-JP" sz="2000" dirty="0">
                 <a:solidFill>
                   <a:srgbClr val="2B91AF"/>
                 </a:solidFill>
@@ -19913,7 +19094,7 @@
               <a:t> std::</a:t>
             </a:r>
             <a:r>
-              <a:rPr lang="sv-SE" altLang="ja-JP" sz="1800" dirty="0">
+              <a:rPr lang="sv-SE" altLang="ja-JP" sz="2000" dirty="0">
                 <a:solidFill>
                   <a:srgbClr val="000000"/>
                 </a:solidFill>
@@ -19922,7 +19103,7 @@
               <a:t>cout </a:t>
             </a:r>
             <a:r>
-              <a:rPr lang="sv-SE" altLang="ja-JP" sz="1800" dirty="0">
+              <a:rPr lang="sv-SE" altLang="ja-JP" sz="2000" dirty="0">
                 <a:solidFill>
                   <a:srgbClr val="008080"/>
                 </a:solidFill>
@@ -19931,7 +19112,7 @@
               <a:t>&lt;&lt;</a:t>
             </a:r>
             <a:r>
-              <a:rPr lang="sv-SE" altLang="ja-JP" sz="1800" dirty="0">
+              <a:rPr lang="sv-SE" altLang="ja-JP" sz="2000" dirty="0">
                 <a:solidFill>
                   <a:srgbClr val="000000"/>
                 </a:solidFill>
@@ -19940,7 +19121,7 @@
               <a:t> </a:t>
             </a:r>
             <a:r>
-              <a:rPr lang="sv-SE" altLang="ja-JP" sz="1800" dirty="0">
+              <a:rPr lang="sv-SE" altLang="ja-JP" sz="2000" dirty="0">
                 <a:solidFill>
                   <a:srgbClr val="A31515"/>
                 </a:solidFill>
@@ -19949,7 +19130,7 @@
               <a:t>”v1["</a:t>
             </a:r>
             <a:r>
-              <a:rPr lang="sv-SE" altLang="ja-JP" sz="1800" dirty="0">
+              <a:rPr lang="sv-SE" altLang="ja-JP" sz="2000" dirty="0">
                 <a:solidFill>
                   <a:srgbClr val="000000"/>
                 </a:solidFill>
@@ -19958,7 +19139,7 @@
               <a:t> </a:t>
             </a:r>
             <a:r>
-              <a:rPr lang="sv-SE" altLang="ja-JP" sz="1800" dirty="0">
+              <a:rPr lang="sv-SE" altLang="ja-JP" sz="2000" dirty="0">
                 <a:solidFill>
                   <a:srgbClr val="008080"/>
                 </a:solidFill>
@@ -19967,7 +19148,7 @@
               <a:t>&lt;&lt;</a:t>
             </a:r>
             <a:r>
-              <a:rPr lang="sv-SE" altLang="ja-JP" sz="1800" dirty="0">
+              <a:rPr lang="sv-SE" altLang="ja-JP" sz="2000" dirty="0">
                 <a:solidFill>
                   <a:srgbClr val="000000"/>
                 </a:solidFill>
@@ -19976,7 +19157,7 @@
               <a:t> i </a:t>
             </a:r>
             <a:r>
-              <a:rPr lang="sv-SE" altLang="ja-JP" sz="1800" dirty="0">
+              <a:rPr lang="sv-SE" altLang="ja-JP" sz="2000" dirty="0">
                 <a:solidFill>
                   <a:srgbClr val="008080"/>
                 </a:solidFill>
@@ -19985,7 +19166,7 @@
               <a:t>&lt;&lt;</a:t>
             </a:r>
             <a:r>
-              <a:rPr lang="sv-SE" altLang="ja-JP" sz="1800" dirty="0">
+              <a:rPr lang="sv-SE" altLang="ja-JP" sz="2000" dirty="0">
                 <a:solidFill>
                   <a:srgbClr val="000000"/>
                 </a:solidFill>
@@ -19994,7 +19175,7 @@
               <a:t> </a:t>
             </a:r>
             <a:r>
-              <a:rPr lang="sv-SE" altLang="ja-JP" sz="1800" dirty="0">
+              <a:rPr lang="sv-SE" altLang="ja-JP" sz="2000" dirty="0">
                 <a:solidFill>
                   <a:srgbClr val="A31515"/>
                 </a:solidFill>
@@ -20003,7 +19184,7 @@
               <a:t>"]="</a:t>
             </a:r>
             <a:r>
-              <a:rPr lang="sv-SE" altLang="ja-JP" sz="1800" dirty="0">
+              <a:rPr lang="sv-SE" altLang="ja-JP" sz="2000" dirty="0">
                 <a:solidFill>
                   <a:srgbClr val="000000"/>
                 </a:solidFill>
@@ -20012,7 +19193,7 @@
               <a:t> </a:t>
             </a:r>
             <a:r>
-              <a:rPr lang="sv-SE" altLang="ja-JP" sz="1800" dirty="0">
+              <a:rPr lang="sv-SE" altLang="ja-JP" sz="2000" dirty="0">
                 <a:solidFill>
                   <a:srgbClr val="008080"/>
                 </a:solidFill>
@@ -20021,7 +19202,7 @@
               <a:t>&lt;&lt;</a:t>
             </a:r>
             <a:r>
-              <a:rPr lang="sv-SE" altLang="ja-JP" sz="1800" dirty="0">
+              <a:rPr lang="sv-SE" altLang="ja-JP" sz="2000" dirty="0">
                 <a:solidFill>
                   <a:srgbClr val="000000"/>
                 </a:solidFill>
@@ -20030,7 +19211,7 @@
               <a:t> v1</a:t>
             </a:r>
             <a:r>
-              <a:rPr lang="sv-SE" altLang="ja-JP" sz="1800" dirty="0">
+              <a:rPr lang="sv-SE" altLang="ja-JP" sz="2000" dirty="0">
                 <a:solidFill>
                   <a:srgbClr val="008080"/>
                 </a:solidFill>
@@ -20039,7 +19220,7 @@
               <a:t>[</a:t>
             </a:r>
             <a:r>
-              <a:rPr lang="sv-SE" altLang="ja-JP" sz="1800" dirty="0">
+              <a:rPr lang="sv-SE" altLang="ja-JP" sz="2000" dirty="0">
                 <a:solidFill>
                   <a:srgbClr val="000000"/>
                 </a:solidFill>
@@ -20048,7 +19229,7 @@
               <a:t>i</a:t>
             </a:r>
             <a:r>
-              <a:rPr lang="sv-SE" altLang="ja-JP" sz="1800" dirty="0">
+              <a:rPr lang="sv-SE" altLang="ja-JP" sz="2000" dirty="0">
                 <a:solidFill>
                   <a:srgbClr val="008080"/>
                 </a:solidFill>
@@ -20057,7 +19238,7 @@
               <a:t>]</a:t>
             </a:r>
             <a:r>
-              <a:rPr lang="sv-SE" altLang="ja-JP" sz="1800" dirty="0">
+              <a:rPr lang="sv-SE" altLang="ja-JP" sz="2000" dirty="0">
                 <a:solidFill>
                   <a:srgbClr val="000000"/>
                 </a:solidFill>
@@ -20066,7 +19247,7 @@
               <a:t> </a:t>
             </a:r>
             <a:r>
-              <a:rPr lang="sv-SE" altLang="ja-JP" sz="1800" dirty="0">
+              <a:rPr lang="sv-SE" altLang="ja-JP" sz="2000" dirty="0">
                 <a:solidFill>
                   <a:srgbClr val="008080"/>
                 </a:solidFill>
@@ -20075,7 +19256,7 @@
               <a:t>&lt;&lt;</a:t>
             </a:r>
             <a:r>
-              <a:rPr lang="sv-SE" altLang="ja-JP" sz="1800" dirty="0">
+              <a:rPr lang="sv-SE" altLang="ja-JP" sz="2000" dirty="0">
                 <a:solidFill>
                   <a:srgbClr val="000000"/>
                 </a:solidFill>
@@ -20084,7 +19265,7 @@
               <a:t> </a:t>
             </a:r>
             <a:r>
-              <a:rPr lang="en-US" altLang="ja-JP" sz="1800" dirty="0">
+              <a:rPr lang="en-US" altLang="ja-JP" sz="2000" dirty="0">
                 <a:solidFill>
                   <a:srgbClr val="2B91AF"/>
                 </a:solidFill>
@@ -20093,7 +19274,7 @@
               <a:t>std::</a:t>
             </a:r>
             <a:r>
-              <a:rPr lang="sv-SE" altLang="ja-JP" sz="1800" dirty="0">
+              <a:rPr lang="sv-SE" altLang="ja-JP" sz="2000" dirty="0">
                 <a:solidFill>
                   <a:srgbClr val="000000"/>
                 </a:solidFill>
@@ -20104,7 +19285,7 @@
           </a:p>
           <a:p>
             <a:r>
-              <a:rPr lang="en-US" altLang="ja-JP" sz="1800" dirty="0">
+              <a:rPr lang="en-US" altLang="ja-JP" sz="2000" dirty="0">
                 <a:solidFill>
                   <a:srgbClr val="000000"/>
                 </a:solidFill>
@@ -20115,7 +19296,7 @@
           </a:p>
           <a:p>
             <a:r>
-              <a:rPr lang="nn-NO" altLang="ja-JP" sz="1800" dirty="0">
+              <a:rPr lang="nn-NO" altLang="ja-JP" sz="2000" dirty="0">
                 <a:solidFill>
                   <a:srgbClr val="0000FF"/>
                 </a:solidFill>
@@ -20124,7 +19305,7 @@
               <a:t>	for</a:t>
             </a:r>
             <a:r>
-              <a:rPr lang="nn-NO" altLang="ja-JP" sz="1800" dirty="0">
+              <a:rPr lang="nn-NO" altLang="ja-JP" sz="2000" dirty="0">
                 <a:solidFill>
                   <a:srgbClr val="000000"/>
                 </a:solidFill>
@@ -20133,7 +19314,7 @@
               <a:t> (</a:t>
             </a:r>
             <a:r>
-              <a:rPr lang="nn-NO" altLang="ja-JP" sz="1800" dirty="0">
+              <a:rPr lang="nn-NO" altLang="ja-JP" sz="2000" dirty="0">
                 <a:solidFill>
                   <a:srgbClr val="0000FF"/>
                 </a:solidFill>
@@ -20142,7 +19323,7 @@
               <a:t>int</a:t>
             </a:r>
             <a:r>
-              <a:rPr lang="nn-NO" altLang="ja-JP" sz="1800" dirty="0">
+              <a:rPr lang="nn-NO" altLang="ja-JP" sz="2000" dirty="0">
                 <a:solidFill>
                   <a:srgbClr val="000000"/>
                 </a:solidFill>
@@ -20153,7 +19334,7 @@
           </a:p>
           <a:p>
             <a:r>
-              <a:rPr lang="en-US" altLang="ja-JP" sz="1800" dirty="0">
+              <a:rPr lang="en-US" altLang="ja-JP" sz="2000" dirty="0">
                 <a:solidFill>
                   <a:srgbClr val="000000"/>
                 </a:solidFill>
@@ -20162,7 +19343,7 @@
               <a:t>		</a:t>
             </a:r>
             <a:r>
-              <a:rPr lang="en-US" altLang="ja-JP" sz="1800" dirty="0">
+              <a:rPr lang="en-US" altLang="ja-JP" sz="2000" dirty="0">
                 <a:solidFill>
                   <a:srgbClr val="2B91AF"/>
                 </a:solidFill>
@@ -20171,7 +19352,7 @@
               <a:t> std::</a:t>
             </a:r>
             <a:r>
-              <a:rPr lang="en-US" altLang="ja-JP" sz="1800" dirty="0" err="1">
+              <a:rPr lang="en-US" altLang="ja-JP" sz="2000" dirty="0" err="1">
                 <a:solidFill>
                   <a:srgbClr val="000000"/>
                 </a:solidFill>
@@ -20180,7 +19361,7 @@
               <a:t>cout</a:t>
             </a:r>
             <a:r>
-              <a:rPr lang="en-US" altLang="ja-JP" sz="1800" dirty="0">
+              <a:rPr lang="en-US" altLang="ja-JP" sz="2000" dirty="0">
                 <a:solidFill>
                   <a:srgbClr val="000000"/>
                 </a:solidFill>
@@ -20189,7 +19370,7 @@
               <a:t> </a:t>
             </a:r>
             <a:r>
-              <a:rPr lang="en-US" altLang="ja-JP" sz="1800" dirty="0">
+              <a:rPr lang="en-US" altLang="ja-JP" sz="2000" dirty="0">
                 <a:solidFill>
                   <a:srgbClr val="008080"/>
                 </a:solidFill>
@@ -20198,7 +19379,7 @@
               <a:t>&lt;&lt;</a:t>
             </a:r>
             <a:r>
-              <a:rPr lang="en-US" altLang="ja-JP" sz="1800" dirty="0">
+              <a:rPr lang="en-US" altLang="ja-JP" sz="2000" dirty="0">
                 <a:solidFill>
                   <a:srgbClr val="000000"/>
                 </a:solidFill>
@@ -20207,7 +19388,7 @@
               <a:t> </a:t>
             </a:r>
             <a:r>
-              <a:rPr lang="en-US" altLang="ja-JP" sz="1800" dirty="0">
+              <a:rPr lang="en-US" altLang="ja-JP" sz="2000" dirty="0">
                 <a:solidFill>
                   <a:srgbClr val="A31515"/>
                 </a:solidFill>
@@ -20216,7 +19397,7 @@
               <a:t>“v2["</a:t>
             </a:r>
             <a:r>
-              <a:rPr lang="en-US" altLang="ja-JP" sz="1800" dirty="0">
+              <a:rPr lang="en-US" altLang="ja-JP" sz="2000" dirty="0">
                 <a:solidFill>
                   <a:srgbClr val="000000"/>
                 </a:solidFill>
@@ -20225,7 +19406,7 @@
               <a:t> </a:t>
             </a:r>
             <a:r>
-              <a:rPr lang="en-US" altLang="ja-JP" sz="1800" dirty="0">
+              <a:rPr lang="en-US" altLang="ja-JP" sz="2000" dirty="0">
                 <a:solidFill>
                   <a:srgbClr val="008080"/>
                 </a:solidFill>
@@ -20234,7 +19415,7 @@
               <a:t>&lt;&lt;</a:t>
             </a:r>
             <a:r>
-              <a:rPr lang="en-US" altLang="ja-JP" sz="1800" dirty="0">
+              <a:rPr lang="en-US" altLang="ja-JP" sz="2000" dirty="0">
                 <a:solidFill>
                   <a:srgbClr val="000000"/>
                 </a:solidFill>
@@ -20243,7 +19424,7 @@
               <a:t> </a:t>
             </a:r>
             <a:r>
-              <a:rPr lang="en-US" altLang="ja-JP" sz="1800" dirty="0" err="1">
+              <a:rPr lang="en-US" altLang="ja-JP" sz="2000" dirty="0" err="1">
                 <a:solidFill>
                   <a:srgbClr val="000000"/>
                 </a:solidFill>
@@ -20252,7 +19433,7 @@
               <a:t>i</a:t>
             </a:r>
             <a:r>
-              <a:rPr lang="en-US" altLang="ja-JP" sz="1800" dirty="0">
+              <a:rPr lang="en-US" altLang="ja-JP" sz="2000" dirty="0">
                 <a:solidFill>
                   <a:srgbClr val="000000"/>
                 </a:solidFill>
@@ -20261,7 +19442,7 @@
               <a:t> </a:t>
             </a:r>
             <a:r>
-              <a:rPr lang="en-US" altLang="ja-JP" sz="1800" dirty="0">
+              <a:rPr lang="en-US" altLang="ja-JP" sz="2000" dirty="0">
                 <a:solidFill>
                   <a:srgbClr val="008080"/>
                 </a:solidFill>
@@ -20270,7 +19451,7 @@
               <a:t>&lt;&lt;</a:t>
             </a:r>
             <a:r>
-              <a:rPr lang="en-US" altLang="ja-JP" sz="1800" dirty="0">
+              <a:rPr lang="en-US" altLang="ja-JP" sz="2000" dirty="0">
                 <a:solidFill>
                   <a:srgbClr val="000000"/>
                 </a:solidFill>
@@ -20279,7 +19460,7 @@
               <a:t> </a:t>
             </a:r>
             <a:r>
-              <a:rPr lang="en-US" altLang="ja-JP" sz="1800" dirty="0">
+              <a:rPr lang="en-US" altLang="ja-JP" sz="2000" dirty="0">
                 <a:solidFill>
                   <a:srgbClr val="A31515"/>
                 </a:solidFill>
@@ -20288,7 +19469,7 @@
               <a:t>"]="</a:t>
             </a:r>
             <a:r>
-              <a:rPr lang="en-US" altLang="ja-JP" sz="1800" dirty="0">
+              <a:rPr lang="en-US" altLang="ja-JP" sz="2000" dirty="0">
                 <a:solidFill>
                   <a:srgbClr val="000000"/>
                 </a:solidFill>
@@ -20297,7 +19478,7 @@
               <a:t> </a:t>
             </a:r>
             <a:r>
-              <a:rPr lang="en-US" altLang="ja-JP" sz="1800" dirty="0">
+              <a:rPr lang="en-US" altLang="ja-JP" sz="2000" dirty="0">
                 <a:solidFill>
                   <a:srgbClr val="008080"/>
                 </a:solidFill>
@@ -20306,7 +19487,7 @@
               <a:t>&lt;&lt;</a:t>
             </a:r>
             <a:r>
-              <a:rPr lang="en-US" altLang="ja-JP" sz="1800" dirty="0">
+              <a:rPr lang="en-US" altLang="ja-JP" sz="2000" dirty="0">
                 <a:solidFill>
                   <a:srgbClr val="000000"/>
                 </a:solidFill>
@@ -20315,7 +19496,7 @@
               <a:t> v2</a:t>
             </a:r>
             <a:r>
-              <a:rPr lang="en-US" altLang="ja-JP" sz="1800" dirty="0">
+              <a:rPr lang="en-US" altLang="ja-JP" sz="2000" dirty="0">
                 <a:solidFill>
                   <a:srgbClr val="008080"/>
                 </a:solidFill>
@@ -20324,7 +19505,7 @@
               <a:t>[</a:t>
             </a:r>
             <a:r>
-              <a:rPr lang="en-US" altLang="ja-JP" sz="1800" dirty="0" err="1">
+              <a:rPr lang="en-US" altLang="ja-JP" sz="2000" dirty="0" err="1">
                 <a:solidFill>
                   <a:srgbClr val="000000"/>
                 </a:solidFill>
@@ -20333,7 +19514,7 @@
               <a:t>i</a:t>
             </a:r>
             <a:r>
-              <a:rPr lang="en-US" altLang="ja-JP" sz="1800" dirty="0">
+              <a:rPr lang="en-US" altLang="ja-JP" sz="2000" dirty="0">
                 <a:solidFill>
                   <a:srgbClr val="008080"/>
                 </a:solidFill>
@@ -20342,7 +19523,7 @@
               <a:t>]</a:t>
             </a:r>
             <a:r>
-              <a:rPr lang="en-US" altLang="ja-JP" sz="1800" dirty="0">
+              <a:rPr lang="en-US" altLang="ja-JP" sz="2000" dirty="0">
                 <a:solidFill>
                   <a:srgbClr val="000000"/>
                 </a:solidFill>
@@ -20351,7 +19532,7 @@
               <a:t> </a:t>
             </a:r>
             <a:r>
-              <a:rPr lang="en-US" altLang="ja-JP" sz="1800" dirty="0">
+              <a:rPr lang="en-US" altLang="ja-JP" sz="2000" dirty="0">
                 <a:solidFill>
                   <a:srgbClr val="008080"/>
                 </a:solidFill>
@@ -20360,7 +19541,7 @@
               <a:t>&lt;&lt;</a:t>
             </a:r>
             <a:r>
-              <a:rPr lang="en-US" altLang="ja-JP" sz="1800" dirty="0">
+              <a:rPr lang="en-US" altLang="ja-JP" sz="2000" dirty="0">
                 <a:solidFill>
                   <a:srgbClr val="000000"/>
                 </a:solidFill>
@@ -20369,7 +19550,7 @@
               <a:t> </a:t>
             </a:r>
             <a:r>
-              <a:rPr lang="en-US" altLang="ja-JP" sz="1800" dirty="0">
+              <a:rPr lang="en-US" altLang="ja-JP" sz="2000" dirty="0">
                 <a:solidFill>
                   <a:srgbClr val="2B91AF"/>
                 </a:solidFill>
@@ -20378,7 +19559,7 @@
               <a:t>std::</a:t>
             </a:r>
             <a:r>
-              <a:rPr lang="en-US" altLang="ja-JP" sz="1800" dirty="0" err="1">
+              <a:rPr lang="en-US" altLang="ja-JP" sz="2000" dirty="0" err="1">
                 <a:solidFill>
                   <a:srgbClr val="000000"/>
                 </a:solidFill>
@@ -20387,7 +19568,7 @@
               <a:t>endl</a:t>
             </a:r>
             <a:r>
-              <a:rPr lang="en-US" altLang="ja-JP" sz="1800" dirty="0">
+              <a:rPr lang="en-US" altLang="ja-JP" sz="2000" dirty="0">
                 <a:solidFill>
                   <a:srgbClr val="000000"/>
                 </a:solidFill>
@@ -20398,7 +19579,7 @@
           </a:p>
           <a:p>
             <a:r>
-              <a:rPr lang="en-US" altLang="ja-JP" sz="1800" dirty="0">
+              <a:rPr lang="en-US" altLang="ja-JP" sz="2000" dirty="0">
                 <a:solidFill>
                   <a:srgbClr val="000000"/>
                 </a:solidFill>
@@ -20409,7 +19590,7 @@
           </a:p>
           <a:p>
             <a:r>
-              <a:rPr lang="en-US" altLang="ja-JP" sz="1800" dirty="0">
+              <a:rPr lang="en-US" altLang="ja-JP" sz="2000" dirty="0">
                 <a:solidFill>
                   <a:srgbClr val="0000FF"/>
                 </a:solidFill>
@@ -20418,7 +19599,7 @@
               <a:t>	return</a:t>
             </a:r>
             <a:r>
-              <a:rPr lang="en-US" altLang="ja-JP" sz="1800" dirty="0">
+              <a:rPr lang="en-US" altLang="ja-JP" sz="2000" dirty="0">
                 <a:solidFill>
                   <a:srgbClr val="000000"/>
                 </a:solidFill>
@@ -20429,7 +19610,7 @@
           </a:p>
           <a:p>
             <a:r>
-              <a:rPr lang="en-US" altLang="ja-JP" sz="1800" dirty="0">
+              <a:rPr lang="en-US" altLang="ja-JP" sz="2000" dirty="0">
                 <a:solidFill>
                   <a:srgbClr val="000000"/>
                 </a:solidFill>
@@ -20437,7 +19618,7 @@
               </a:rPr>
               <a:t>}</a:t>
             </a:r>
-            <a:endParaRPr kumimoji="1" lang="ja-JP" altLang="en-US" sz="7200" dirty="0"/>
+            <a:endParaRPr kumimoji="1" lang="ja-JP" altLang="en-US" sz="8000" dirty="0"/>
           </a:p>
         </p:txBody>
       </p:sp>

--- a/授業資料/講義資料：Vectorクラス.pptx
+++ b/授業資料/講義資料：Vectorクラス.pptx
@@ -31,6 +31,8 @@
     <p:sldId id="364" r:id="rId25"/>
     <p:sldId id="366" r:id="rId26"/>
     <p:sldId id="367" r:id="rId27"/>
+    <p:sldId id="373" r:id="rId28"/>
+    <p:sldId id="374" r:id="rId29"/>
   </p:sldIdLst>
   <p:sldSz cx="12192000" cy="6858000"/>
   <p:notesSz cx="6858000" cy="9144000"/>
@@ -268,7 +270,7 @@
           <a:p>
             <a:fld id="{5B96D3F8-CD2E-4A0D-AC38-517181EABB18}" type="datetimeFigureOut">
               <a:rPr kumimoji="1" lang="ja-JP" altLang="en-US" smtClean="0"/>
-              <a:t>2024/10/4</a:t>
+              <a:t>2024/10/7</a:t>
             </a:fld>
             <a:endParaRPr kumimoji="1" lang="ja-JP" altLang="en-US"/>
           </a:p>
@@ -470,7 +472,7 @@
           <a:p>
             <a:fld id="{5B96D3F8-CD2E-4A0D-AC38-517181EABB18}" type="datetimeFigureOut">
               <a:rPr kumimoji="1" lang="ja-JP" altLang="en-US" smtClean="0"/>
-              <a:t>2024/10/4</a:t>
+              <a:t>2024/10/7</a:t>
             </a:fld>
             <a:endParaRPr kumimoji="1" lang="ja-JP" altLang="en-US"/>
           </a:p>
@@ -682,7 +684,7 @@
           <a:p>
             <a:fld id="{5B96D3F8-CD2E-4A0D-AC38-517181EABB18}" type="datetimeFigureOut">
               <a:rPr kumimoji="1" lang="ja-JP" altLang="en-US" smtClean="0"/>
-              <a:t>2024/10/4</a:t>
+              <a:t>2024/10/7</a:t>
             </a:fld>
             <a:endParaRPr kumimoji="1" lang="ja-JP" altLang="en-US"/>
           </a:p>
@@ -884,7 +886,7 @@
           <a:p>
             <a:fld id="{5B96D3F8-CD2E-4A0D-AC38-517181EABB18}" type="datetimeFigureOut">
               <a:rPr kumimoji="1" lang="ja-JP" altLang="en-US" smtClean="0"/>
-              <a:t>2024/10/4</a:t>
+              <a:t>2024/10/7</a:t>
             </a:fld>
             <a:endParaRPr kumimoji="1" lang="ja-JP" altLang="en-US"/>
           </a:p>
@@ -1130,7 +1132,7 @@
           <a:p>
             <a:fld id="{5B96D3F8-CD2E-4A0D-AC38-517181EABB18}" type="datetimeFigureOut">
               <a:rPr kumimoji="1" lang="ja-JP" altLang="en-US" smtClean="0"/>
-              <a:t>2024/10/4</a:t>
+              <a:t>2024/10/7</a:t>
             </a:fld>
             <a:endParaRPr kumimoji="1" lang="ja-JP" altLang="en-US"/>
           </a:p>
@@ -1426,7 +1428,7 @@
           <a:p>
             <a:fld id="{5B96D3F8-CD2E-4A0D-AC38-517181EABB18}" type="datetimeFigureOut">
               <a:rPr kumimoji="1" lang="ja-JP" altLang="en-US" smtClean="0"/>
-              <a:t>2024/10/4</a:t>
+              <a:t>2024/10/7</a:t>
             </a:fld>
             <a:endParaRPr kumimoji="1" lang="ja-JP" altLang="en-US"/>
           </a:p>
@@ -1857,7 +1859,7 @@
           <a:p>
             <a:fld id="{5B96D3F8-CD2E-4A0D-AC38-517181EABB18}" type="datetimeFigureOut">
               <a:rPr kumimoji="1" lang="ja-JP" altLang="en-US" smtClean="0"/>
-              <a:t>2024/10/4</a:t>
+              <a:t>2024/10/7</a:t>
             </a:fld>
             <a:endParaRPr kumimoji="1" lang="ja-JP" altLang="en-US"/>
           </a:p>
@@ -1975,7 +1977,7 @@
           <a:p>
             <a:fld id="{5B96D3F8-CD2E-4A0D-AC38-517181EABB18}" type="datetimeFigureOut">
               <a:rPr kumimoji="1" lang="ja-JP" altLang="en-US" smtClean="0"/>
-              <a:t>2024/10/4</a:t>
+              <a:t>2024/10/7</a:t>
             </a:fld>
             <a:endParaRPr kumimoji="1" lang="ja-JP" altLang="en-US"/>
           </a:p>
@@ -2070,7 +2072,7 @@
           <a:p>
             <a:fld id="{5B96D3F8-CD2E-4A0D-AC38-517181EABB18}" type="datetimeFigureOut">
               <a:rPr kumimoji="1" lang="ja-JP" altLang="en-US" smtClean="0"/>
-              <a:t>2024/10/4</a:t>
+              <a:t>2024/10/7</a:t>
             </a:fld>
             <a:endParaRPr kumimoji="1" lang="ja-JP" altLang="en-US"/>
           </a:p>
@@ -2379,7 +2381,7 @@
           <a:p>
             <a:fld id="{5B96D3F8-CD2E-4A0D-AC38-517181EABB18}" type="datetimeFigureOut">
               <a:rPr kumimoji="1" lang="ja-JP" altLang="en-US" smtClean="0"/>
-              <a:t>2024/10/4</a:t>
+              <a:t>2024/10/7</a:t>
             </a:fld>
             <a:endParaRPr kumimoji="1" lang="ja-JP" altLang="en-US"/>
           </a:p>
@@ -2636,7 +2638,7 @@
           <a:p>
             <a:fld id="{5B96D3F8-CD2E-4A0D-AC38-517181EABB18}" type="datetimeFigureOut">
               <a:rPr kumimoji="1" lang="ja-JP" altLang="en-US" smtClean="0"/>
-              <a:t>2024/10/4</a:t>
+              <a:t>2024/10/7</a:t>
             </a:fld>
             <a:endParaRPr kumimoji="1" lang="ja-JP" altLang="en-US"/>
           </a:p>
@@ -2881,7 +2883,7 @@
           <a:p>
             <a:fld id="{5B96D3F8-CD2E-4A0D-AC38-517181EABB18}" type="datetimeFigureOut">
               <a:rPr kumimoji="1" lang="ja-JP" altLang="en-US" smtClean="0"/>
-              <a:t>2024/10/4</a:t>
+              <a:t>2024/10/7</a:t>
             </a:fld>
             <a:endParaRPr kumimoji="1" lang="ja-JP" altLang="en-US"/>
           </a:p>
@@ -17310,6 +17312,1591 @@
 </p:sld>
 </file>
 
+<file path=ppt/slides/slide27.xml><?xml version="1.0" encoding="utf-8"?>
+<p:sld xmlns:a="http://schemas.openxmlformats.org/drawingml/2006/main" xmlns:r="http://schemas.openxmlformats.org/officeDocument/2006/relationships" xmlns:p="http://schemas.openxmlformats.org/presentationml/2006/main">
+  <p:cSld>
+    <p:spTree>
+      <p:nvGrpSpPr>
+        <p:cNvPr id="1" name=""/>
+        <p:cNvGrpSpPr/>
+        <p:nvPr/>
+      </p:nvGrpSpPr>
+      <p:grpSpPr>
+        <a:xfrm>
+          <a:off x="0" y="0"/>
+          <a:ext cx="0" cy="0"/>
+          <a:chOff x="0" y="0"/>
+          <a:chExt cx="0" cy="0"/>
+        </a:xfrm>
+      </p:grpSpPr>
+      <p:sp>
+        <p:nvSpPr>
+          <p:cNvPr id="2" name="タイトル 1">
+            <a:extLst>
+              <a:ext uri="{FF2B5EF4-FFF2-40B4-BE49-F238E27FC236}">
+                <a16:creationId xmlns:a16="http://schemas.microsoft.com/office/drawing/2014/main" id="{F11F3668-F205-48C5-AC01-19611EFE561B}"/>
+              </a:ext>
+            </a:extLst>
+          </p:cNvPr>
+          <p:cNvSpPr>
+            <a:spLocks noGrp="1"/>
+          </p:cNvSpPr>
+          <p:nvPr>
+            <p:ph type="title"/>
+          </p:nvPr>
+        </p:nvSpPr>
+        <p:spPr/>
+        <p:txBody>
+          <a:bodyPr/>
+          <a:lstStyle/>
+          <a:p>
+            <a:r>
+              <a:rPr lang="ja-JP" altLang="en-US" dirty="0"/>
+              <a:t>イテレータ（</a:t>
+            </a:r>
+            <a:r>
+              <a:rPr lang="en-US" altLang="ja-JP" dirty="0"/>
+              <a:t>iterator</a:t>
+            </a:r>
+            <a:r>
+              <a:rPr kumimoji="1" lang="ja-JP" altLang="en-US" dirty="0"/>
+              <a:t>：反復子</a:t>
+            </a:r>
+            <a:r>
+              <a:rPr lang="ja-JP" altLang="en-US" dirty="0"/>
+              <a:t>）</a:t>
+            </a:r>
+            <a:endParaRPr kumimoji="1" lang="ja-JP" altLang="en-US" dirty="0"/>
+          </a:p>
+        </p:txBody>
+      </p:sp>
+      <p:sp>
+        <p:nvSpPr>
+          <p:cNvPr id="3" name="コンテンツ プレースホルダー 2">
+            <a:extLst>
+              <a:ext uri="{FF2B5EF4-FFF2-40B4-BE49-F238E27FC236}">
+                <a16:creationId xmlns:a16="http://schemas.microsoft.com/office/drawing/2014/main" id="{64DBE417-57E9-44A6-BB52-B2F9986BB7B2}"/>
+              </a:ext>
+            </a:extLst>
+          </p:cNvPr>
+          <p:cNvSpPr>
+            <a:spLocks noGrp="1"/>
+          </p:cNvSpPr>
+          <p:nvPr>
+            <p:ph idx="1"/>
+          </p:nvPr>
+        </p:nvSpPr>
+        <p:spPr>
+          <a:xfrm>
+            <a:off x="838200" y="1162976"/>
+            <a:ext cx="10515600" cy="5193373"/>
+          </a:xfrm>
+        </p:spPr>
+        <p:txBody>
+          <a:bodyPr>
+            <a:normAutofit/>
+          </a:bodyPr>
+          <a:lstStyle/>
+          <a:p>
+            <a:pPr marL="0" indent="0">
+              <a:buNone/>
+            </a:pPr>
+            <a:r>
+              <a:rPr kumimoji="1" lang="en-US" altLang="ja-JP" dirty="0"/>
+              <a:t>                main.cpp</a:t>
+            </a:r>
+            <a:r>
+              <a:rPr kumimoji="1" lang="ja-JP" altLang="en-US" dirty="0"/>
+              <a:t>　</a:t>
+            </a:r>
+            <a:r>
+              <a:rPr kumimoji="1" lang="en-US" altLang="ja-JP" dirty="0"/>
+              <a:t>(Sample604)</a:t>
+            </a:r>
+            <a:br>
+              <a:rPr lang="en-US" altLang="ja-JP" dirty="0"/>
+            </a:br>
+            <a:endParaRPr lang="en-US" altLang="ja-JP" dirty="0"/>
+          </a:p>
+          <a:p>
+            <a:pPr marL="0" indent="0">
+              <a:buNone/>
+            </a:pPr>
+            <a:br>
+              <a:rPr lang="en-US" altLang="ja-JP" dirty="0"/>
+            </a:br>
+            <a:br>
+              <a:rPr lang="en-US" altLang="ja-JP" dirty="0"/>
+            </a:br>
+            <a:br>
+              <a:rPr lang="en-US" altLang="ja-JP" dirty="0"/>
+            </a:br>
+            <a:br>
+              <a:rPr lang="en-US" altLang="ja-JP" sz="2400" dirty="0"/>
+            </a:br>
+            <a:br>
+              <a:rPr lang="en-US" altLang="ja-JP" sz="2400" dirty="0"/>
+            </a:br>
+            <a:endParaRPr lang="en-US" altLang="ja-JP" sz="2400" dirty="0"/>
+          </a:p>
+          <a:p>
+            <a:pPr marL="0" indent="0">
+              <a:buNone/>
+            </a:pPr>
+            <a:br>
+              <a:rPr lang="en-US" altLang="ja-JP" sz="2400" dirty="0"/>
+            </a:br>
+            <a:endParaRPr lang="en-US" altLang="ja-JP" dirty="0">
+              <a:solidFill>
+                <a:srgbClr val="FF0000"/>
+              </a:solidFill>
+            </a:endParaRPr>
+          </a:p>
+        </p:txBody>
+      </p:sp>
+      <p:sp>
+        <p:nvSpPr>
+          <p:cNvPr id="5" name="テキスト ボックス 4">
+            <a:extLst>
+              <a:ext uri="{FF2B5EF4-FFF2-40B4-BE49-F238E27FC236}">
+                <a16:creationId xmlns:a16="http://schemas.microsoft.com/office/drawing/2014/main" id="{9E32883C-0E37-4F07-9861-27609819CE8C}"/>
+              </a:ext>
+            </a:extLst>
+          </p:cNvPr>
+          <p:cNvSpPr txBox="1"/>
+          <p:nvPr/>
+        </p:nvSpPr>
+        <p:spPr>
+          <a:xfrm>
+            <a:off x="751890" y="1120695"/>
+            <a:ext cx="10688220" cy="5416868"/>
+          </a:xfrm>
+          <a:prstGeom prst="rect">
+            <a:avLst/>
+          </a:prstGeom>
+          <a:noFill/>
+          <a:ln>
+            <a:solidFill>
+              <a:schemeClr val="tx1"/>
+            </a:solidFill>
+          </a:ln>
+        </p:spPr>
+        <p:txBody>
+          <a:bodyPr wrap="square" rtlCol="0">
+            <a:spAutoFit/>
+          </a:bodyPr>
+          <a:lstStyle/>
+          <a:p>
+            <a:r>
+              <a:rPr lang="en-US" altLang="ja-JP" sz="1800" dirty="0">
+                <a:solidFill>
+                  <a:srgbClr val="000000"/>
+                </a:solidFill>
+                <a:ea typeface="ＭＳ ゴシック" panose="020B0609070205080204" pitchFamily="49" charset="-128"/>
+              </a:rPr>
+              <a:t>	v2.push_back(</a:t>
+            </a:r>
+            <a:r>
+              <a:rPr lang="en-US" altLang="ja-JP" sz="1800" dirty="0">
+                <a:solidFill>
+                  <a:srgbClr val="A31515"/>
+                </a:solidFill>
+                <a:ea typeface="ＭＳ ゴシック" panose="020B0609070205080204" pitchFamily="49" charset="-128"/>
+              </a:rPr>
+              <a:t>“DEF”</a:t>
+            </a:r>
+            <a:r>
+              <a:rPr lang="en-US" altLang="ja-JP" sz="1800" dirty="0">
+                <a:solidFill>
+                  <a:srgbClr val="000000"/>
+                </a:solidFill>
+                <a:ea typeface="ＭＳ ゴシック" panose="020B0609070205080204" pitchFamily="49" charset="-128"/>
+              </a:rPr>
+              <a:t>);</a:t>
+            </a:r>
+            <a:br>
+              <a:rPr lang="en-US" altLang="ja-JP" sz="1800" dirty="0">
+                <a:solidFill>
+                  <a:srgbClr val="000000"/>
+                </a:solidFill>
+                <a:ea typeface="ＭＳ ゴシック" panose="020B0609070205080204" pitchFamily="49" charset="-128"/>
+              </a:rPr>
+            </a:br>
+            <a:r>
+              <a:rPr lang="en-US" altLang="ja-JP" dirty="0">
+                <a:solidFill>
+                  <a:srgbClr val="000000"/>
+                </a:solidFill>
+                <a:ea typeface="ＭＳ ゴシック" panose="020B0609070205080204" pitchFamily="49" charset="-128"/>
+              </a:rPr>
+              <a:t>	</a:t>
+            </a:r>
+            <a:r>
+              <a:rPr lang="en-US" altLang="ja-JP" sz="1800" dirty="0">
+                <a:solidFill>
+                  <a:srgbClr val="000000"/>
+                </a:solidFill>
+                <a:ea typeface="ＭＳ ゴシック" panose="020B0609070205080204" pitchFamily="49" charset="-128"/>
+              </a:rPr>
+              <a:t>v1.pop_back();</a:t>
+            </a:r>
+            <a:r>
+              <a:rPr lang="ja-JP" altLang="en-US" sz="1800" dirty="0">
+                <a:solidFill>
+                  <a:srgbClr val="000000"/>
+                </a:solidFill>
+                <a:ea typeface="ＭＳ ゴシック" panose="020B0609070205080204" pitchFamily="49" charset="-128"/>
+              </a:rPr>
+              <a:t>  </a:t>
+            </a:r>
+            <a:br>
+              <a:rPr lang="en-US" altLang="ja-JP" sz="1800" dirty="0">
+                <a:solidFill>
+                  <a:srgbClr val="000000"/>
+                </a:solidFill>
+                <a:ea typeface="ＭＳ ゴシック" panose="020B0609070205080204" pitchFamily="49" charset="-128"/>
+              </a:rPr>
+            </a:br>
+            <a:r>
+              <a:rPr lang="en-US" altLang="ja-JP" sz="1800" dirty="0">
+                <a:solidFill>
+                  <a:srgbClr val="000000"/>
+                </a:solidFill>
+                <a:ea typeface="ＭＳ ゴシック" panose="020B0609070205080204" pitchFamily="49" charset="-128"/>
+              </a:rPr>
+              <a:t>	v1.emplace_back(4);</a:t>
+            </a:r>
+            <a:r>
+              <a:rPr lang="en-US" altLang="ja-JP" dirty="0">
+                <a:solidFill>
+                  <a:srgbClr val="00B050"/>
+                </a:solidFill>
+                <a:ea typeface="ＭＳ ゴシック" panose="020B0609070205080204" pitchFamily="49" charset="-128"/>
+              </a:rPr>
+              <a:t> </a:t>
+            </a:r>
+            <a:endParaRPr lang="en-US" altLang="ja-JP" sz="1800" dirty="0">
+              <a:solidFill>
+                <a:srgbClr val="000000"/>
+              </a:solidFill>
+              <a:ea typeface="ＭＳ ゴシック" panose="020B0609070205080204" pitchFamily="49" charset="-128"/>
+            </a:endParaRPr>
+          </a:p>
+          <a:p>
+            <a:r>
+              <a:rPr lang="en-US" altLang="ja-JP" dirty="0">
+                <a:solidFill>
+                  <a:srgbClr val="000000"/>
+                </a:solidFill>
+                <a:ea typeface="ＭＳ ゴシック" panose="020B0609070205080204" pitchFamily="49" charset="-128"/>
+              </a:rPr>
+              <a:t>	</a:t>
+            </a:r>
+            <a:r>
+              <a:rPr lang="sv-SE" altLang="ja-JP" sz="1800" dirty="0">
+                <a:solidFill>
+                  <a:srgbClr val="000000"/>
+                </a:solidFill>
+                <a:ea typeface="ＭＳ ゴシック" panose="020B0609070205080204" pitchFamily="49" charset="-128"/>
+              </a:rPr>
+              <a:t>cout </a:t>
+            </a:r>
+            <a:r>
+              <a:rPr lang="sv-SE" altLang="ja-JP" sz="1800" dirty="0">
+                <a:solidFill>
+                  <a:srgbClr val="008080"/>
+                </a:solidFill>
+                <a:ea typeface="ＭＳ ゴシック" panose="020B0609070205080204" pitchFamily="49" charset="-128"/>
+              </a:rPr>
+              <a:t>&lt;&lt; </a:t>
+            </a:r>
+            <a:r>
+              <a:rPr lang="sv-SE" altLang="ja-JP" sz="1800" dirty="0">
+                <a:solidFill>
+                  <a:srgbClr val="C00000"/>
+                </a:solidFill>
+                <a:ea typeface="ＭＳ ゴシック" panose="020B0609070205080204" pitchFamily="49" charset="-128"/>
+              </a:rPr>
+              <a:t>”v1</a:t>
+            </a:r>
+            <a:r>
+              <a:rPr lang="ja-JP" altLang="en-US" sz="1800" dirty="0">
+                <a:solidFill>
+                  <a:srgbClr val="C00000"/>
+                </a:solidFill>
+                <a:ea typeface="ＭＳ ゴシック" panose="020B0609070205080204" pitchFamily="49" charset="-128"/>
+              </a:rPr>
+              <a:t>の要素数</a:t>
+            </a:r>
+            <a:r>
+              <a:rPr lang="en-US" altLang="ja-JP" sz="1800" dirty="0">
+                <a:solidFill>
+                  <a:srgbClr val="C00000"/>
+                </a:solidFill>
+                <a:ea typeface="ＭＳ ゴシック" panose="020B0609070205080204" pitchFamily="49" charset="-128"/>
+              </a:rPr>
+              <a:t>:” </a:t>
+            </a:r>
+            <a:r>
+              <a:rPr lang="en-US" altLang="ja-JP" sz="1800" dirty="0">
+                <a:solidFill>
+                  <a:srgbClr val="008080"/>
+                </a:solidFill>
+                <a:ea typeface="ＭＳ ゴシック" panose="020B0609070205080204" pitchFamily="49" charset="-128"/>
+              </a:rPr>
+              <a:t>&lt;&lt; </a:t>
+            </a:r>
+            <a:r>
+              <a:rPr lang="nn-NO" altLang="ja-JP" sz="1800" dirty="0">
+                <a:solidFill>
+                  <a:srgbClr val="000000"/>
+                </a:solidFill>
+                <a:ea typeface="ＭＳ ゴシック" panose="020B0609070205080204" pitchFamily="49" charset="-128"/>
+              </a:rPr>
+              <a:t>v1.size() </a:t>
+            </a:r>
+            <a:r>
+              <a:rPr lang="sv-SE" altLang="ja-JP" sz="1800" dirty="0">
+                <a:solidFill>
+                  <a:srgbClr val="008080"/>
+                </a:solidFill>
+                <a:ea typeface="ＭＳ ゴシック" panose="020B0609070205080204" pitchFamily="49" charset="-128"/>
+              </a:rPr>
+              <a:t>&lt;&lt;</a:t>
+            </a:r>
+            <a:r>
+              <a:rPr lang="sv-SE" altLang="ja-JP" sz="1800" dirty="0">
+                <a:solidFill>
+                  <a:srgbClr val="000000"/>
+                </a:solidFill>
+                <a:ea typeface="ＭＳ ゴシック" panose="020B0609070205080204" pitchFamily="49" charset="-128"/>
+              </a:rPr>
+              <a:t> endl;</a:t>
+            </a:r>
+            <a:endParaRPr lang="en-US" altLang="ja-JP" sz="1800" dirty="0">
+              <a:solidFill>
+                <a:srgbClr val="000000"/>
+              </a:solidFill>
+              <a:ea typeface="ＭＳ ゴシック" panose="020B0609070205080204" pitchFamily="49" charset="-128"/>
+            </a:endParaRPr>
+          </a:p>
+          <a:p>
+            <a:endParaRPr lang="sv-SE" altLang="ja-JP" sz="1800" dirty="0">
+              <a:solidFill>
+                <a:srgbClr val="000000"/>
+              </a:solidFill>
+              <a:ea typeface="ＭＳ ゴシック" panose="020B0609070205080204" pitchFamily="49" charset="-128"/>
+            </a:endParaRPr>
+          </a:p>
+          <a:p>
+            <a:r>
+              <a:rPr lang="en-US" altLang="ja-JP" sz="1800" dirty="0">
+                <a:solidFill>
+                  <a:srgbClr val="000000"/>
+                </a:solidFill>
+                <a:ea typeface="ＭＳ ゴシック" panose="020B0609070205080204" pitchFamily="49" charset="-128"/>
+              </a:rPr>
+              <a:t>	</a:t>
+            </a:r>
+            <a:r>
+              <a:rPr lang="en-US" altLang="ja-JP" sz="1800" dirty="0">
+                <a:solidFill>
+                  <a:srgbClr val="FF0000"/>
+                </a:solidFill>
+                <a:ea typeface="ＭＳ ゴシック" panose="020B0609070205080204" pitchFamily="49" charset="-128"/>
+              </a:rPr>
+              <a:t>auto</a:t>
+            </a:r>
+            <a:r>
+              <a:rPr lang="en-US" altLang="ja-JP" sz="1800" dirty="0">
+                <a:ea typeface="ＭＳ ゴシック" panose="020B0609070205080204" pitchFamily="49" charset="-128"/>
+              </a:rPr>
+              <a:t> </a:t>
+            </a:r>
+            <a:r>
+              <a:rPr lang="en-US" altLang="ja-JP" dirty="0">
+                <a:ea typeface="ＭＳ ゴシック" panose="020B0609070205080204" pitchFamily="49" charset="-128"/>
+              </a:rPr>
+              <a:t>itrV1 = itrV1.begin();  </a:t>
+            </a:r>
+            <a:endParaRPr lang="en-US" altLang="ja-JP" dirty="0">
+              <a:solidFill>
+                <a:srgbClr val="00B050"/>
+              </a:solidFill>
+              <a:ea typeface="ＭＳ ゴシック" panose="020B0609070205080204" pitchFamily="49" charset="-128"/>
+            </a:endParaRPr>
+          </a:p>
+          <a:p>
+            <a:r>
+              <a:rPr lang="en-US" altLang="ja-JP" sz="1800" dirty="0">
+                <a:solidFill>
+                  <a:srgbClr val="2B91AF"/>
+                </a:solidFill>
+                <a:ea typeface="ＭＳ ゴシック" panose="020B0609070205080204" pitchFamily="49" charset="-128"/>
+              </a:rPr>
+              <a:t>	</a:t>
+            </a:r>
+            <a:r>
+              <a:rPr lang="sv-SE" altLang="ja-JP" sz="1800" dirty="0">
+                <a:solidFill>
+                  <a:srgbClr val="000000"/>
+                </a:solidFill>
+                <a:ea typeface="ＭＳ ゴシック" panose="020B0609070205080204" pitchFamily="49" charset="-128"/>
+              </a:rPr>
+              <a:t>cout </a:t>
+            </a:r>
+            <a:r>
+              <a:rPr lang="sv-SE" altLang="ja-JP" sz="1800" dirty="0">
+                <a:solidFill>
+                  <a:srgbClr val="008080"/>
+                </a:solidFill>
+                <a:ea typeface="ＭＳ ゴシック" panose="020B0609070205080204" pitchFamily="49" charset="-128"/>
+              </a:rPr>
+              <a:t>&lt;&lt; </a:t>
+            </a:r>
+            <a:r>
+              <a:rPr lang="sv-SE" altLang="ja-JP" sz="1800" dirty="0">
+                <a:solidFill>
+                  <a:srgbClr val="C00000"/>
+                </a:solidFill>
+                <a:ea typeface="ＭＳ ゴシック" panose="020B0609070205080204" pitchFamily="49" charset="-128"/>
+              </a:rPr>
+              <a:t>”</a:t>
+            </a:r>
+            <a:r>
+              <a:rPr lang="ja-JP" altLang="en-US" sz="1800" dirty="0">
+                <a:solidFill>
+                  <a:srgbClr val="C00000"/>
+                </a:solidFill>
+                <a:ea typeface="ＭＳ ゴシック" panose="020B0609070205080204" pitchFamily="49" charset="-128"/>
+              </a:rPr>
+              <a:t>イテレータが指す要素の値</a:t>
+            </a:r>
+            <a:r>
+              <a:rPr lang="en-US" altLang="ja-JP" sz="1800" dirty="0">
+                <a:solidFill>
+                  <a:srgbClr val="C00000"/>
+                </a:solidFill>
+                <a:ea typeface="ＭＳ ゴシック" panose="020B0609070205080204" pitchFamily="49" charset="-128"/>
+              </a:rPr>
+              <a:t>:” </a:t>
+            </a:r>
+            <a:r>
+              <a:rPr lang="sv-SE" altLang="ja-JP" sz="1800" dirty="0">
+                <a:solidFill>
+                  <a:srgbClr val="008080"/>
+                </a:solidFill>
+                <a:ea typeface="ＭＳ ゴシック" panose="020B0609070205080204" pitchFamily="49" charset="-128"/>
+              </a:rPr>
+              <a:t>&lt;&lt; </a:t>
+            </a:r>
+            <a:r>
+              <a:rPr lang="nn-NO" altLang="ja-JP" dirty="0">
+                <a:solidFill>
+                  <a:srgbClr val="000000"/>
+                </a:solidFill>
+                <a:ea typeface="ＭＳ ゴシック" panose="020B0609070205080204" pitchFamily="49" charset="-128"/>
+              </a:rPr>
+              <a:t>*</a:t>
+            </a:r>
+            <a:r>
+              <a:rPr lang="nn-NO" altLang="ja-JP" sz="1800" dirty="0">
+                <a:solidFill>
+                  <a:srgbClr val="000000"/>
+                </a:solidFill>
+                <a:ea typeface="ＭＳ ゴシック" panose="020B0609070205080204" pitchFamily="49" charset="-128"/>
+              </a:rPr>
+              <a:t>itrV1</a:t>
+            </a:r>
+            <a:r>
+              <a:rPr lang="sv-SE" altLang="ja-JP" sz="1800" dirty="0">
+                <a:solidFill>
+                  <a:srgbClr val="000000"/>
+                </a:solidFill>
+                <a:ea typeface="ＭＳ ゴシック" panose="020B0609070205080204" pitchFamily="49" charset="-128"/>
+              </a:rPr>
+              <a:t> </a:t>
+            </a:r>
+            <a:r>
+              <a:rPr lang="sv-SE" altLang="ja-JP" sz="1800" dirty="0">
+                <a:solidFill>
+                  <a:srgbClr val="008080"/>
+                </a:solidFill>
+                <a:ea typeface="ＭＳ ゴシック" panose="020B0609070205080204" pitchFamily="49" charset="-128"/>
+              </a:rPr>
+              <a:t>&lt;&lt; </a:t>
+            </a:r>
+            <a:r>
+              <a:rPr lang="sv-SE" altLang="ja-JP" sz="1800" dirty="0">
+                <a:solidFill>
+                  <a:srgbClr val="000000"/>
+                </a:solidFill>
+                <a:ea typeface="ＭＳ ゴシック" panose="020B0609070205080204" pitchFamily="49" charset="-128"/>
+              </a:rPr>
+              <a:t>endl;</a:t>
+            </a:r>
+            <a:br>
+              <a:rPr lang="en-US" altLang="ja-JP" dirty="0">
+                <a:ea typeface="ＭＳ ゴシック" panose="020B0609070205080204" pitchFamily="49" charset="-128"/>
+              </a:rPr>
+            </a:br>
+            <a:r>
+              <a:rPr lang="en-US" altLang="ja-JP" dirty="0">
+                <a:ea typeface="ＭＳ ゴシック" panose="020B0609070205080204" pitchFamily="49" charset="-128"/>
+              </a:rPr>
+              <a:t>	v1.insert(itrV1 + 1,11);</a:t>
+            </a:r>
+            <a:r>
+              <a:rPr lang="en-US" altLang="ja-JP" dirty="0">
+                <a:solidFill>
+                  <a:srgbClr val="00B050"/>
+                </a:solidFill>
+                <a:ea typeface="ＭＳ ゴシック" panose="020B0609070205080204" pitchFamily="49" charset="-128"/>
+              </a:rPr>
+              <a:t> </a:t>
+            </a:r>
+            <a:br>
+              <a:rPr lang="en-US" altLang="ja-JP" dirty="0">
+                <a:solidFill>
+                  <a:srgbClr val="00B050"/>
+                </a:solidFill>
+                <a:ea typeface="ＭＳ ゴシック" panose="020B0609070205080204" pitchFamily="49" charset="-128"/>
+              </a:rPr>
+            </a:br>
+            <a:r>
+              <a:rPr lang="en-US" altLang="ja-JP" dirty="0">
+                <a:solidFill>
+                  <a:srgbClr val="00B050"/>
+                </a:solidFill>
+                <a:ea typeface="ＭＳ ゴシック" panose="020B0609070205080204" pitchFamily="49" charset="-128"/>
+              </a:rPr>
+              <a:t>	</a:t>
+            </a:r>
+            <a:r>
+              <a:rPr lang="en-US" altLang="ja-JP" dirty="0">
+                <a:ea typeface="ＭＳ ゴシック" panose="020B0609070205080204" pitchFamily="49" charset="-128"/>
+              </a:rPr>
+              <a:t>v1.erase(itrV1 + 2);     </a:t>
+            </a:r>
+            <a:endParaRPr lang="en-US" altLang="ja-JP" sz="1800" dirty="0">
+              <a:ea typeface="ＭＳ ゴシック" panose="020B0609070205080204" pitchFamily="49" charset="-128"/>
+            </a:endParaRPr>
+          </a:p>
+          <a:p>
+            <a:r>
+              <a:rPr lang="nn-NO" altLang="ja-JP" sz="1800" strike="dblStrike" dirty="0">
+                <a:solidFill>
+                  <a:srgbClr val="0000FF"/>
+                </a:solidFill>
+                <a:ea typeface="ＭＳ ゴシック" panose="020B0609070205080204" pitchFamily="49" charset="-128"/>
+              </a:rPr>
+              <a:t>	for</a:t>
+            </a:r>
+            <a:r>
+              <a:rPr lang="nn-NO" altLang="ja-JP" sz="1800" strike="dblStrike" dirty="0">
+                <a:solidFill>
+                  <a:srgbClr val="000000"/>
+                </a:solidFill>
+                <a:ea typeface="ＭＳ ゴシック" panose="020B0609070205080204" pitchFamily="49" charset="-128"/>
+              </a:rPr>
+              <a:t> (</a:t>
+            </a:r>
+            <a:r>
+              <a:rPr lang="nn-NO" altLang="ja-JP" sz="1800" strike="dblStrike" dirty="0">
+                <a:solidFill>
+                  <a:srgbClr val="0000FF"/>
+                </a:solidFill>
+                <a:ea typeface="ＭＳ ゴシック" panose="020B0609070205080204" pitchFamily="49" charset="-128"/>
+              </a:rPr>
+              <a:t>int</a:t>
+            </a:r>
+            <a:r>
+              <a:rPr lang="nn-NO" altLang="ja-JP" sz="1800" strike="dblStrike" dirty="0">
+                <a:solidFill>
+                  <a:srgbClr val="000000"/>
+                </a:solidFill>
+                <a:ea typeface="ＭＳ ゴシック" panose="020B0609070205080204" pitchFamily="49" charset="-128"/>
+              </a:rPr>
+              <a:t> i = 0; i &lt; v1.size(); i++) {</a:t>
+            </a:r>
+          </a:p>
+          <a:p>
+            <a:r>
+              <a:rPr lang="sv-SE" altLang="ja-JP" sz="1800" strike="dblStrike" dirty="0">
+                <a:solidFill>
+                  <a:srgbClr val="000000"/>
+                </a:solidFill>
+                <a:ea typeface="ＭＳ ゴシック" panose="020B0609070205080204" pitchFamily="49" charset="-128"/>
+              </a:rPr>
+              <a:t>		</a:t>
+            </a:r>
+            <a:r>
+              <a:rPr lang="en-US" altLang="ja-JP" sz="1800" strike="dblStrike" dirty="0">
+                <a:solidFill>
+                  <a:srgbClr val="2B91AF"/>
+                </a:solidFill>
+                <a:ea typeface="ＭＳ ゴシック" panose="020B0609070205080204" pitchFamily="49" charset="-128"/>
+              </a:rPr>
+              <a:t> </a:t>
+            </a:r>
+            <a:r>
+              <a:rPr lang="sv-SE" altLang="ja-JP" sz="1800" strike="dblStrike" dirty="0">
+                <a:solidFill>
+                  <a:srgbClr val="000000"/>
+                </a:solidFill>
+                <a:ea typeface="ＭＳ ゴシック" panose="020B0609070205080204" pitchFamily="49" charset="-128"/>
+              </a:rPr>
+              <a:t>cout </a:t>
+            </a:r>
+            <a:r>
+              <a:rPr lang="sv-SE" altLang="ja-JP" sz="1800" strike="dblStrike" dirty="0">
+                <a:solidFill>
+                  <a:srgbClr val="008080"/>
+                </a:solidFill>
+                <a:ea typeface="ＭＳ ゴシック" panose="020B0609070205080204" pitchFamily="49" charset="-128"/>
+              </a:rPr>
+              <a:t>&lt;&lt;</a:t>
+            </a:r>
+            <a:r>
+              <a:rPr lang="sv-SE" altLang="ja-JP" sz="1800" strike="dblStrike" dirty="0">
+                <a:solidFill>
+                  <a:srgbClr val="000000"/>
+                </a:solidFill>
+                <a:ea typeface="ＭＳ ゴシック" panose="020B0609070205080204" pitchFamily="49" charset="-128"/>
+              </a:rPr>
+              <a:t> </a:t>
+            </a:r>
+            <a:r>
+              <a:rPr lang="sv-SE" altLang="ja-JP" sz="1800" strike="dblStrike" dirty="0">
+                <a:solidFill>
+                  <a:srgbClr val="A31515"/>
+                </a:solidFill>
+                <a:ea typeface="ＭＳ ゴシック" panose="020B0609070205080204" pitchFamily="49" charset="-128"/>
+              </a:rPr>
+              <a:t>”v1["</a:t>
+            </a:r>
+            <a:r>
+              <a:rPr lang="sv-SE" altLang="ja-JP" sz="1800" strike="dblStrike" dirty="0">
+                <a:solidFill>
+                  <a:srgbClr val="000000"/>
+                </a:solidFill>
+                <a:ea typeface="ＭＳ ゴシック" panose="020B0609070205080204" pitchFamily="49" charset="-128"/>
+              </a:rPr>
+              <a:t> </a:t>
+            </a:r>
+            <a:r>
+              <a:rPr lang="sv-SE" altLang="ja-JP" sz="1800" strike="dblStrike" dirty="0">
+                <a:solidFill>
+                  <a:srgbClr val="008080"/>
+                </a:solidFill>
+                <a:ea typeface="ＭＳ ゴシック" panose="020B0609070205080204" pitchFamily="49" charset="-128"/>
+              </a:rPr>
+              <a:t>&lt;&lt;</a:t>
+            </a:r>
+            <a:r>
+              <a:rPr lang="sv-SE" altLang="ja-JP" sz="1800" strike="dblStrike" dirty="0">
+                <a:solidFill>
+                  <a:srgbClr val="000000"/>
+                </a:solidFill>
+                <a:ea typeface="ＭＳ ゴシック" panose="020B0609070205080204" pitchFamily="49" charset="-128"/>
+              </a:rPr>
+              <a:t> i </a:t>
+            </a:r>
+            <a:r>
+              <a:rPr lang="sv-SE" altLang="ja-JP" sz="1800" strike="dblStrike" dirty="0">
+                <a:solidFill>
+                  <a:srgbClr val="008080"/>
+                </a:solidFill>
+                <a:ea typeface="ＭＳ ゴシック" panose="020B0609070205080204" pitchFamily="49" charset="-128"/>
+              </a:rPr>
+              <a:t>&lt;&lt;</a:t>
+            </a:r>
+            <a:r>
+              <a:rPr lang="sv-SE" altLang="ja-JP" sz="1800" strike="dblStrike" dirty="0">
+                <a:solidFill>
+                  <a:srgbClr val="000000"/>
+                </a:solidFill>
+                <a:ea typeface="ＭＳ ゴシック" panose="020B0609070205080204" pitchFamily="49" charset="-128"/>
+              </a:rPr>
+              <a:t> </a:t>
+            </a:r>
+            <a:r>
+              <a:rPr lang="sv-SE" altLang="ja-JP" sz="1800" strike="dblStrike" dirty="0">
+                <a:solidFill>
+                  <a:srgbClr val="A31515"/>
+                </a:solidFill>
+                <a:ea typeface="ＭＳ ゴシック" panose="020B0609070205080204" pitchFamily="49" charset="-128"/>
+              </a:rPr>
+              <a:t>"]="</a:t>
+            </a:r>
+            <a:r>
+              <a:rPr lang="sv-SE" altLang="ja-JP" sz="1800" strike="dblStrike" dirty="0">
+                <a:solidFill>
+                  <a:srgbClr val="000000"/>
+                </a:solidFill>
+                <a:ea typeface="ＭＳ ゴシック" panose="020B0609070205080204" pitchFamily="49" charset="-128"/>
+              </a:rPr>
+              <a:t> </a:t>
+            </a:r>
+            <a:r>
+              <a:rPr lang="sv-SE" altLang="ja-JP" sz="1800" strike="dblStrike" dirty="0">
+                <a:solidFill>
+                  <a:srgbClr val="008080"/>
+                </a:solidFill>
+                <a:ea typeface="ＭＳ ゴシック" panose="020B0609070205080204" pitchFamily="49" charset="-128"/>
+              </a:rPr>
+              <a:t>&lt;&lt;</a:t>
+            </a:r>
+            <a:r>
+              <a:rPr lang="sv-SE" altLang="ja-JP" sz="1800" strike="dblStrike" dirty="0">
+                <a:solidFill>
+                  <a:srgbClr val="000000"/>
+                </a:solidFill>
+                <a:ea typeface="ＭＳ ゴシック" panose="020B0609070205080204" pitchFamily="49" charset="-128"/>
+              </a:rPr>
+              <a:t> v1</a:t>
+            </a:r>
+            <a:r>
+              <a:rPr lang="sv-SE" altLang="ja-JP" sz="1800" strike="dblStrike" dirty="0">
+                <a:solidFill>
+                  <a:srgbClr val="008080"/>
+                </a:solidFill>
+                <a:ea typeface="ＭＳ ゴシック" panose="020B0609070205080204" pitchFamily="49" charset="-128"/>
+              </a:rPr>
+              <a:t>[</a:t>
+            </a:r>
+            <a:r>
+              <a:rPr lang="sv-SE" altLang="ja-JP" sz="1800" strike="dblStrike" dirty="0">
+                <a:solidFill>
+                  <a:srgbClr val="000000"/>
+                </a:solidFill>
+                <a:ea typeface="ＭＳ ゴシック" panose="020B0609070205080204" pitchFamily="49" charset="-128"/>
+              </a:rPr>
+              <a:t>i</a:t>
+            </a:r>
+            <a:r>
+              <a:rPr lang="sv-SE" altLang="ja-JP" sz="1800" strike="dblStrike" dirty="0">
+                <a:solidFill>
+                  <a:srgbClr val="008080"/>
+                </a:solidFill>
+                <a:ea typeface="ＭＳ ゴシック" panose="020B0609070205080204" pitchFamily="49" charset="-128"/>
+              </a:rPr>
+              <a:t>]</a:t>
+            </a:r>
+            <a:r>
+              <a:rPr lang="sv-SE" altLang="ja-JP" sz="1800" strike="dblStrike" dirty="0">
+                <a:solidFill>
+                  <a:srgbClr val="000000"/>
+                </a:solidFill>
+                <a:ea typeface="ＭＳ ゴシック" panose="020B0609070205080204" pitchFamily="49" charset="-128"/>
+              </a:rPr>
+              <a:t> </a:t>
+            </a:r>
+            <a:r>
+              <a:rPr lang="sv-SE" altLang="ja-JP" sz="1800" strike="dblStrike" dirty="0">
+                <a:solidFill>
+                  <a:srgbClr val="008080"/>
+                </a:solidFill>
+                <a:ea typeface="ＭＳ ゴシック" panose="020B0609070205080204" pitchFamily="49" charset="-128"/>
+              </a:rPr>
+              <a:t>&lt;&lt;</a:t>
+            </a:r>
+            <a:r>
+              <a:rPr lang="sv-SE" altLang="ja-JP" sz="1800" strike="dblStrike" dirty="0">
+                <a:solidFill>
+                  <a:srgbClr val="000000"/>
+                </a:solidFill>
+                <a:ea typeface="ＭＳ ゴシック" panose="020B0609070205080204" pitchFamily="49" charset="-128"/>
+              </a:rPr>
+              <a:t> endl;</a:t>
+            </a:r>
+          </a:p>
+          <a:p>
+            <a:r>
+              <a:rPr lang="en-US" altLang="ja-JP" sz="1800" strike="dblStrike" dirty="0">
+                <a:solidFill>
+                  <a:srgbClr val="000000"/>
+                </a:solidFill>
+                <a:ea typeface="ＭＳ ゴシック" panose="020B0609070205080204" pitchFamily="49" charset="-128"/>
+              </a:rPr>
+              <a:t>	}</a:t>
+            </a:r>
+          </a:p>
+          <a:p>
+            <a:r>
+              <a:rPr lang="nn-NO" altLang="ja-JP" sz="1800" strike="dblStrike" dirty="0">
+                <a:solidFill>
+                  <a:srgbClr val="0000FF"/>
+                </a:solidFill>
+                <a:ea typeface="ＭＳ ゴシック" panose="020B0609070205080204" pitchFamily="49" charset="-128"/>
+              </a:rPr>
+              <a:t>	for</a:t>
+            </a:r>
+            <a:r>
+              <a:rPr lang="nn-NO" altLang="ja-JP" sz="1800" strike="dblStrike" dirty="0">
+                <a:solidFill>
+                  <a:srgbClr val="000000"/>
+                </a:solidFill>
+                <a:ea typeface="ＭＳ ゴシック" panose="020B0609070205080204" pitchFamily="49" charset="-128"/>
+              </a:rPr>
+              <a:t> (</a:t>
+            </a:r>
+            <a:r>
+              <a:rPr lang="nn-NO" altLang="ja-JP" sz="1800" strike="dblStrike" dirty="0">
+                <a:solidFill>
+                  <a:srgbClr val="FF0000"/>
+                </a:solidFill>
+                <a:ea typeface="ＭＳ ゴシック" panose="020B0609070205080204" pitchFamily="49" charset="-128"/>
+              </a:rPr>
+              <a:t>auto</a:t>
+            </a:r>
+            <a:r>
+              <a:rPr lang="nn-NO" altLang="ja-JP" sz="1800" strike="dblStrike" dirty="0">
+                <a:solidFill>
+                  <a:srgbClr val="000000"/>
+                </a:solidFill>
+                <a:ea typeface="ＭＳ ゴシック" panose="020B0609070205080204" pitchFamily="49" charset="-128"/>
+              </a:rPr>
+              <a:t> </a:t>
+            </a:r>
+            <a:r>
+              <a:rPr lang="en-US" altLang="ja-JP" strike="dblStrike" dirty="0">
+                <a:ea typeface="ＭＳ ゴシック" panose="020B0609070205080204" pitchFamily="49" charset="-128"/>
+              </a:rPr>
+              <a:t>itrV1 = v1.begin()</a:t>
+            </a:r>
+            <a:r>
+              <a:rPr lang="nn-NO" altLang="ja-JP" sz="1800" strike="dblStrike" dirty="0">
+                <a:solidFill>
+                  <a:srgbClr val="000000"/>
+                </a:solidFill>
+                <a:ea typeface="ＭＳ ゴシック" panose="020B0609070205080204" pitchFamily="49" charset="-128"/>
+              </a:rPr>
+              <a:t>; itrV1 != </a:t>
+            </a:r>
+            <a:r>
+              <a:rPr lang="en-US" altLang="ja-JP" strike="dblStrike" dirty="0">
+                <a:ea typeface="ＭＳ ゴシック" panose="020B0609070205080204" pitchFamily="49" charset="-128"/>
+              </a:rPr>
+              <a:t>v1.end()</a:t>
+            </a:r>
+            <a:r>
+              <a:rPr lang="nn-NO" altLang="ja-JP" sz="1800" strike="dblStrike" dirty="0">
+                <a:solidFill>
+                  <a:srgbClr val="000000"/>
+                </a:solidFill>
+                <a:ea typeface="ＭＳ ゴシック" panose="020B0609070205080204" pitchFamily="49" charset="-128"/>
+              </a:rPr>
+              <a:t>; ++itrV1) {</a:t>
+            </a:r>
+          </a:p>
+          <a:p>
+            <a:r>
+              <a:rPr lang="sv-SE" altLang="ja-JP" sz="1800" strike="dblStrike" dirty="0">
+                <a:solidFill>
+                  <a:srgbClr val="000000"/>
+                </a:solidFill>
+                <a:ea typeface="ＭＳ ゴシック" panose="020B0609070205080204" pitchFamily="49" charset="-128"/>
+              </a:rPr>
+              <a:t>		</a:t>
+            </a:r>
+            <a:r>
+              <a:rPr lang="en-US" altLang="ja-JP" sz="1800" strike="dblStrike" dirty="0">
+                <a:solidFill>
+                  <a:srgbClr val="2B91AF"/>
+                </a:solidFill>
+                <a:ea typeface="ＭＳ ゴシック" panose="020B0609070205080204" pitchFamily="49" charset="-128"/>
+              </a:rPr>
+              <a:t> </a:t>
+            </a:r>
+            <a:r>
+              <a:rPr lang="sv-SE" altLang="ja-JP" sz="1800" strike="dblStrike" dirty="0">
+                <a:solidFill>
+                  <a:srgbClr val="000000"/>
+                </a:solidFill>
+                <a:ea typeface="ＭＳ ゴシック" panose="020B0609070205080204" pitchFamily="49" charset="-128"/>
+              </a:rPr>
+              <a:t>cout </a:t>
+            </a:r>
+            <a:r>
+              <a:rPr lang="sv-SE" altLang="ja-JP" sz="1800" strike="dblStrike" dirty="0">
+                <a:solidFill>
+                  <a:srgbClr val="008080"/>
+                </a:solidFill>
+                <a:ea typeface="ＭＳ ゴシック" panose="020B0609070205080204" pitchFamily="49" charset="-128"/>
+              </a:rPr>
+              <a:t>&lt;&lt;</a:t>
+            </a:r>
+            <a:r>
+              <a:rPr lang="sv-SE" altLang="ja-JP" sz="1800" strike="dblStrike" dirty="0">
+                <a:solidFill>
+                  <a:srgbClr val="000000"/>
+                </a:solidFill>
+                <a:ea typeface="ＭＳ ゴシック" panose="020B0609070205080204" pitchFamily="49" charset="-128"/>
+              </a:rPr>
+              <a:t> </a:t>
+            </a:r>
+            <a:r>
+              <a:rPr lang="sv-SE" altLang="ja-JP" sz="2000" b="1" strike="dblStrike" dirty="0">
+                <a:solidFill>
+                  <a:srgbClr val="FF0000"/>
+                </a:solidFill>
+                <a:ea typeface="ＭＳ ゴシック" panose="020B0609070205080204" pitchFamily="49" charset="-128"/>
+              </a:rPr>
+              <a:t>*itrV1 </a:t>
+            </a:r>
+            <a:r>
+              <a:rPr lang="sv-SE" altLang="ja-JP" sz="1800" strike="dblStrike" dirty="0">
+                <a:solidFill>
+                  <a:srgbClr val="008080"/>
+                </a:solidFill>
+                <a:ea typeface="ＭＳ ゴシック" panose="020B0609070205080204" pitchFamily="49" charset="-128"/>
+              </a:rPr>
+              <a:t>&lt;&lt;</a:t>
+            </a:r>
+            <a:r>
+              <a:rPr lang="sv-SE" altLang="ja-JP" sz="1800" strike="dblStrike" dirty="0">
+                <a:solidFill>
+                  <a:srgbClr val="000000"/>
+                </a:solidFill>
+                <a:ea typeface="ＭＳ ゴシック" panose="020B0609070205080204" pitchFamily="49" charset="-128"/>
+              </a:rPr>
+              <a:t> endl; </a:t>
+            </a:r>
+          </a:p>
+          <a:p>
+            <a:r>
+              <a:rPr lang="en-US" altLang="ja-JP" sz="1800" strike="dblStrike" dirty="0">
+                <a:solidFill>
+                  <a:srgbClr val="000000"/>
+                </a:solidFill>
+                <a:ea typeface="ＭＳ ゴシック" panose="020B0609070205080204" pitchFamily="49" charset="-128"/>
+              </a:rPr>
+              <a:t>	}</a:t>
+            </a:r>
+          </a:p>
+          <a:p>
+            <a:r>
+              <a:rPr lang="nn-NO" altLang="ja-JP" sz="1800" dirty="0">
+                <a:solidFill>
+                  <a:srgbClr val="0000FF"/>
+                </a:solidFill>
+                <a:ea typeface="ＭＳ ゴシック" panose="020B0609070205080204" pitchFamily="49" charset="-128"/>
+              </a:rPr>
+              <a:t>	for</a:t>
+            </a:r>
+            <a:r>
+              <a:rPr lang="nn-NO" altLang="ja-JP" sz="1800" dirty="0">
+                <a:solidFill>
+                  <a:srgbClr val="000000"/>
+                </a:solidFill>
+                <a:ea typeface="ＭＳ ゴシック" panose="020B0609070205080204" pitchFamily="49" charset="-128"/>
+              </a:rPr>
+              <a:t> (</a:t>
+            </a:r>
+            <a:r>
+              <a:rPr lang="nn-NO" altLang="ja-JP" sz="1800" dirty="0">
+                <a:solidFill>
+                  <a:srgbClr val="FF0000"/>
+                </a:solidFill>
+                <a:ea typeface="ＭＳ ゴシック" panose="020B0609070205080204" pitchFamily="49" charset="-128"/>
+              </a:rPr>
+              <a:t>auto</a:t>
+            </a:r>
+            <a:r>
+              <a:rPr lang="nn-NO" altLang="ja-JP" sz="1800" dirty="0">
+                <a:solidFill>
+                  <a:srgbClr val="000000"/>
+                </a:solidFill>
+                <a:ea typeface="ＭＳ ゴシック" panose="020B0609070205080204" pitchFamily="49" charset="-128"/>
+              </a:rPr>
+              <a:t> </a:t>
+            </a:r>
+            <a:r>
+              <a:rPr lang="en-US" altLang="ja-JP" dirty="0" err="1">
+                <a:ea typeface="ＭＳ ゴシック" panose="020B0609070205080204" pitchFamily="49" charset="-128"/>
+              </a:rPr>
+              <a:t>itr</a:t>
+            </a:r>
+            <a:r>
+              <a:rPr lang="en-US" altLang="ja-JP" dirty="0">
+                <a:ea typeface="ＭＳ ゴシック" panose="020B0609070205080204" pitchFamily="49" charset="-128"/>
+              </a:rPr>
+              <a:t> :v1</a:t>
+            </a:r>
+            <a:r>
+              <a:rPr lang="nn-NO" altLang="ja-JP" sz="1800" dirty="0">
+                <a:solidFill>
+                  <a:srgbClr val="000000"/>
+                </a:solidFill>
+                <a:ea typeface="ＭＳ ゴシック" panose="020B0609070205080204" pitchFamily="49" charset="-128"/>
+              </a:rPr>
+              <a:t>) {  		</a:t>
+            </a:r>
+            <a:r>
+              <a:rPr lang="sv-SE" altLang="ja-JP" sz="1800" dirty="0">
+                <a:solidFill>
+                  <a:srgbClr val="00B050"/>
+                </a:solidFill>
+                <a:ea typeface="ＭＳ ゴシック" panose="020B0609070205080204" pitchFamily="49" charset="-128"/>
+              </a:rPr>
+              <a:t>//</a:t>
+            </a:r>
+            <a:r>
+              <a:rPr lang="ja-JP" altLang="en-US" sz="1800" dirty="0">
+                <a:solidFill>
+                  <a:srgbClr val="00B050"/>
+                </a:solidFill>
+                <a:ea typeface="ＭＳ ゴシック" panose="020B0609070205080204" pitchFamily="49" charset="-128"/>
+              </a:rPr>
+              <a:t>範囲</a:t>
+            </a:r>
+            <a:r>
+              <a:rPr lang="en-US" altLang="ja-JP" sz="1800" dirty="0">
+                <a:solidFill>
+                  <a:srgbClr val="00B050"/>
+                </a:solidFill>
+                <a:ea typeface="ＭＳ ゴシック" panose="020B0609070205080204" pitchFamily="49" charset="-128"/>
+              </a:rPr>
+              <a:t>for</a:t>
+            </a:r>
+            <a:r>
+              <a:rPr lang="ja-JP" altLang="en-US" sz="1800" dirty="0">
+                <a:solidFill>
+                  <a:srgbClr val="00B050"/>
+                </a:solidFill>
+                <a:ea typeface="ＭＳ ゴシック" panose="020B0609070205080204" pitchFamily="49" charset="-128"/>
+              </a:rPr>
+              <a:t>文にするとすべての要素を順次取り出す形となる</a:t>
+            </a:r>
+            <a:endParaRPr lang="en-US" altLang="ja-JP" sz="1800" dirty="0">
+              <a:solidFill>
+                <a:srgbClr val="00B050"/>
+              </a:solidFill>
+              <a:ea typeface="ＭＳ ゴシック" panose="020B0609070205080204" pitchFamily="49" charset="-128"/>
+            </a:endParaRPr>
+          </a:p>
+          <a:p>
+            <a:r>
+              <a:rPr lang="sv-SE" altLang="ja-JP" sz="1800" dirty="0">
+                <a:solidFill>
+                  <a:srgbClr val="000000"/>
+                </a:solidFill>
+                <a:ea typeface="ＭＳ ゴシック" panose="020B0609070205080204" pitchFamily="49" charset="-128"/>
+              </a:rPr>
+              <a:t>		</a:t>
+            </a:r>
+            <a:r>
+              <a:rPr lang="en-US" altLang="ja-JP" sz="1800" dirty="0">
+                <a:solidFill>
+                  <a:srgbClr val="2B91AF"/>
+                </a:solidFill>
+                <a:ea typeface="ＭＳ ゴシック" panose="020B0609070205080204" pitchFamily="49" charset="-128"/>
+              </a:rPr>
+              <a:t> </a:t>
+            </a:r>
+            <a:r>
+              <a:rPr lang="sv-SE" altLang="ja-JP" sz="1800" dirty="0">
+                <a:solidFill>
+                  <a:srgbClr val="000000"/>
+                </a:solidFill>
+                <a:ea typeface="ＭＳ ゴシック" panose="020B0609070205080204" pitchFamily="49" charset="-128"/>
+              </a:rPr>
+              <a:t>cout </a:t>
+            </a:r>
+            <a:r>
+              <a:rPr lang="sv-SE" altLang="ja-JP" sz="1800" dirty="0">
+                <a:solidFill>
+                  <a:srgbClr val="008080"/>
+                </a:solidFill>
+                <a:ea typeface="ＭＳ ゴシック" panose="020B0609070205080204" pitchFamily="49" charset="-128"/>
+              </a:rPr>
+              <a:t>&lt;&lt;</a:t>
+            </a:r>
+            <a:r>
+              <a:rPr lang="sv-SE" altLang="ja-JP" sz="1800" dirty="0">
+                <a:solidFill>
+                  <a:srgbClr val="000000"/>
+                </a:solidFill>
+                <a:ea typeface="ＭＳ ゴシック" panose="020B0609070205080204" pitchFamily="49" charset="-128"/>
+              </a:rPr>
+              <a:t> </a:t>
+            </a:r>
+            <a:r>
+              <a:rPr lang="sv-SE" altLang="ja-JP" sz="2000" b="1" dirty="0">
+                <a:solidFill>
+                  <a:srgbClr val="FF0000"/>
+                </a:solidFill>
+                <a:ea typeface="ＭＳ ゴシック" panose="020B0609070205080204" pitchFamily="49" charset="-128"/>
+              </a:rPr>
+              <a:t>itr </a:t>
+            </a:r>
+            <a:r>
+              <a:rPr lang="sv-SE" altLang="ja-JP" sz="1800" dirty="0">
+                <a:solidFill>
+                  <a:srgbClr val="008080"/>
+                </a:solidFill>
+                <a:ea typeface="ＭＳ ゴシック" panose="020B0609070205080204" pitchFamily="49" charset="-128"/>
+              </a:rPr>
+              <a:t>&lt;&lt;</a:t>
+            </a:r>
+            <a:r>
+              <a:rPr lang="sv-SE" altLang="ja-JP" sz="1800" dirty="0">
+                <a:solidFill>
+                  <a:srgbClr val="000000"/>
+                </a:solidFill>
+                <a:ea typeface="ＭＳ ゴシック" panose="020B0609070205080204" pitchFamily="49" charset="-128"/>
+              </a:rPr>
+              <a:t> endl; </a:t>
+            </a:r>
+            <a:endParaRPr lang="sv-SE" altLang="ja-JP" sz="1800" dirty="0">
+              <a:solidFill>
+                <a:srgbClr val="00B050"/>
+              </a:solidFill>
+              <a:ea typeface="ＭＳ ゴシック" panose="020B0609070205080204" pitchFamily="49" charset="-128"/>
+            </a:endParaRPr>
+          </a:p>
+          <a:p>
+            <a:r>
+              <a:rPr lang="en-US" altLang="ja-JP" sz="1800" dirty="0">
+                <a:solidFill>
+                  <a:srgbClr val="000000"/>
+                </a:solidFill>
+                <a:ea typeface="ＭＳ ゴシック" panose="020B0609070205080204" pitchFamily="49" charset="-128"/>
+              </a:rPr>
+              <a:t>	}</a:t>
+            </a:r>
+          </a:p>
+          <a:p>
+            <a:r>
+              <a:rPr lang="en-US" altLang="ja-JP" sz="1800" dirty="0">
+                <a:solidFill>
+                  <a:srgbClr val="000000"/>
+                </a:solidFill>
+                <a:ea typeface="ＭＳ ゴシック" panose="020B0609070205080204" pitchFamily="49" charset="-128"/>
+              </a:rPr>
+              <a:t>	</a:t>
+            </a:r>
+            <a:r>
+              <a:rPr lang="en-US" altLang="ja-JP" dirty="0">
+                <a:solidFill>
+                  <a:srgbClr val="000000"/>
+                </a:solidFill>
+                <a:ea typeface="ＭＳ ゴシック" panose="020B0609070205080204" pitchFamily="49" charset="-128"/>
+              </a:rPr>
+              <a:t>	</a:t>
+            </a:r>
+            <a:endParaRPr kumimoji="1" lang="ja-JP" altLang="en-US" sz="7200" dirty="0"/>
+          </a:p>
+        </p:txBody>
+      </p:sp>
+      <p:sp>
+        <p:nvSpPr>
+          <p:cNvPr id="8" name="吹き出し: 四角形 7">
+            <a:extLst>
+              <a:ext uri="{FF2B5EF4-FFF2-40B4-BE49-F238E27FC236}">
+                <a16:creationId xmlns:a16="http://schemas.microsoft.com/office/drawing/2014/main" id="{93AED42D-C957-1A5C-F278-8CB9A339B09B}"/>
+              </a:ext>
+            </a:extLst>
+          </p:cNvPr>
+          <p:cNvSpPr/>
+          <p:nvPr/>
+        </p:nvSpPr>
+        <p:spPr>
+          <a:xfrm>
+            <a:off x="6450677" y="3312189"/>
+            <a:ext cx="4473484" cy="447473"/>
+          </a:xfrm>
+          <a:prstGeom prst="wedgeRectCallout">
+            <a:avLst>
+              <a:gd name="adj1" fmla="val -42474"/>
+              <a:gd name="adj2" fmla="val -150544"/>
+            </a:avLst>
+          </a:prstGeom>
+          <a:solidFill>
+            <a:srgbClr val="00B050"/>
+          </a:solidFill>
+        </p:spPr>
+        <p:style>
+          <a:lnRef idx="2">
+            <a:schemeClr val="accent1">
+              <a:shade val="15000"/>
+            </a:schemeClr>
+          </a:lnRef>
+          <a:fillRef idx="1">
+            <a:schemeClr val="accent1"/>
+          </a:fillRef>
+          <a:effectRef idx="0">
+            <a:schemeClr val="accent1"/>
+          </a:effectRef>
+          <a:fontRef idx="minor">
+            <a:schemeClr val="lt1"/>
+          </a:fontRef>
+        </p:style>
+        <p:txBody>
+          <a:bodyPr rtlCol="0" anchor="ctr"/>
+          <a:lstStyle/>
+          <a:p>
+            <a:pPr algn="ctr"/>
+            <a:r>
+              <a:rPr kumimoji="1" lang="ja-JP" altLang="en-US" sz="2000" dirty="0">
+                <a:solidFill>
+                  <a:schemeClr val="bg1"/>
+                </a:solidFill>
+              </a:rPr>
+              <a:t>イテレータを用いた要素の表示</a:t>
+            </a:r>
+          </a:p>
+        </p:txBody>
+      </p:sp>
+      <p:sp>
+        <p:nvSpPr>
+          <p:cNvPr id="9" name="矢印: 右 8">
+            <a:extLst>
+              <a:ext uri="{FF2B5EF4-FFF2-40B4-BE49-F238E27FC236}">
+                <a16:creationId xmlns:a16="http://schemas.microsoft.com/office/drawing/2014/main" id="{03D5EDFA-B62E-1A7D-6F0F-3459E14ADF01}"/>
+              </a:ext>
+            </a:extLst>
+          </p:cNvPr>
+          <p:cNvSpPr/>
+          <p:nvPr/>
+        </p:nvSpPr>
+        <p:spPr>
+          <a:xfrm>
+            <a:off x="763239" y="5354369"/>
+            <a:ext cx="426396" cy="282102"/>
+          </a:xfrm>
+          <a:prstGeom prst="rightArrow">
+            <a:avLst/>
+          </a:prstGeom>
+          <a:solidFill>
+            <a:srgbClr val="FF0000"/>
+          </a:solidFill>
+        </p:spPr>
+        <p:style>
+          <a:lnRef idx="2">
+            <a:schemeClr val="accent1">
+              <a:shade val="15000"/>
+            </a:schemeClr>
+          </a:lnRef>
+          <a:fillRef idx="1">
+            <a:schemeClr val="accent1"/>
+          </a:fillRef>
+          <a:effectRef idx="0">
+            <a:schemeClr val="accent1"/>
+          </a:effectRef>
+          <a:fontRef idx="minor">
+            <a:schemeClr val="lt1"/>
+          </a:fontRef>
+        </p:style>
+        <p:txBody>
+          <a:bodyPr rtlCol="0" anchor="ctr"/>
+          <a:lstStyle/>
+          <a:p>
+            <a:pPr algn="ctr"/>
+            <a:endParaRPr kumimoji="1" lang="ja-JP" altLang="en-US"/>
+          </a:p>
+        </p:txBody>
+      </p:sp>
+      <p:sp>
+        <p:nvSpPr>
+          <p:cNvPr id="11" name="矢印: 右 10">
+            <a:extLst>
+              <a:ext uri="{FF2B5EF4-FFF2-40B4-BE49-F238E27FC236}">
+                <a16:creationId xmlns:a16="http://schemas.microsoft.com/office/drawing/2014/main" id="{7E271DCC-40FA-E0DF-93B4-D7E471510986}"/>
+              </a:ext>
+            </a:extLst>
+          </p:cNvPr>
+          <p:cNvSpPr/>
+          <p:nvPr/>
+        </p:nvSpPr>
+        <p:spPr>
+          <a:xfrm>
+            <a:off x="763239" y="5623833"/>
+            <a:ext cx="426396" cy="282102"/>
+          </a:xfrm>
+          <a:prstGeom prst="rightArrow">
+            <a:avLst/>
+          </a:prstGeom>
+          <a:solidFill>
+            <a:srgbClr val="FF0000"/>
+          </a:solidFill>
+        </p:spPr>
+        <p:style>
+          <a:lnRef idx="2">
+            <a:schemeClr val="accent1">
+              <a:shade val="15000"/>
+            </a:schemeClr>
+          </a:lnRef>
+          <a:fillRef idx="1">
+            <a:schemeClr val="accent1"/>
+          </a:fillRef>
+          <a:effectRef idx="0">
+            <a:schemeClr val="accent1"/>
+          </a:effectRef>
+          <a:fontRef idx="minor">
+            <a:schemeClr val="lt1"/>
+          </a:fontRef>
+        </p:style>
+        <p:txBody>
+          <a:bodyPr rtlCol="0" anchor="ctr"/>
+          <a:lstStyle/>
+          <a:p>
+            <a:pPr algn="ctr"/>
+            <a:endParaRPr kumimoji="1" lang="ja-JP" altLang="en-US"/>
+          </a:p>
+        </p:txBody>
+      </p:sp>
+      <p:sp>
+        <p:nvSpPr>
+          <p:cNvPr id="12" name="矢印: 右 11">
+            <a:extLst>
+              <a:ext uri="{FF2B5EF4-FFF2-40B4-BE49-F238E27FC236}">
+                <a16:creationId xmlns:a16="http://schemas.microsoft.com/office/drawing/2014/main" id="{86B9B186-1BB5-F16E-3670-8A2086A70C18}"/>
+              </a:ext>
+            </a:extLst>
+          </p:cNvPr>
+          <p:cNvSpPr/>
+          <p:nvPr/>
+        </p:nvSpPr>
+        <p:spPr>
+          <a:xfrm>
+            <a:off x="763239" y="5907827"/>
+            <a:ext cx="426396" cy="282102"/>
+          </a:xfrm>
+          <a:prstGeom prst="rightArrow">
+            <a:avLst/>
+          </a:prstGeom>
+          <a:solidFill>
+            <a:srgbClr val="FF0000"/>
+          </a:solidFill>
+        </p:spPr>
+        <p:style>
+          <a:lnRef idx="2">
+            <a:schemeClr val="accent1">
+              <a:shade val="15000"/>
+            </a:schemeClr>
+          </a:lnRef>
+          <a:fillRef idx="1">
+            <a:schemeClr val="accent1"/>
+          </a:fillRef>
+          <a:effectRef idx="0">
+            <a:schemeClr val="accent1"/>
+          </a:effectRef>
+          <a:fontRef idx="minor">
+            <a:schemeClr val="lt1"/>
+          </a:fontRef>
+        </p:style>
+        <p:txBody>
+          <a:bodyPr rtlCol="0" anchor="ctr"/>
+          <a:lstStyle/>
+          <a:p>
+            <a:pPr algn="ctr"/>
+            <a:endParaRPr kumimoji="1" lang="ja-JP" altLang="en-US"/>
+          </a:p>
+        </p:txBody>
+      </p:sp>
+    </p:spTree>
+    <p:extLst>
+      <p:ext uri="{BB962C8B-B14F-4D97-AF65-F5344CB8AC3E}">
+        <p14:creationId xmlns:p14="http://schemas.microsoft.com/office/powerpoint/2010/main" val="852887228"/>
+      </p:ext>
+    </p:extLst>
+  </p:cSld>
+  <p:clrMapOvr>
+    <a:masterClrMapping/>
+  </p:clrMapOvr>
+</p:sld>
+</file>
+
+<file path=ppt/slides/slide28.xml><?xml version="1.0" encoding="utf-8"?>
+<p:sld xmlns:a="http://schemas.openxmlformats.org/drawingml/2006/main" xmlns:r="http://schemas.openxmlformats.org/officeDocument/2006/relationships" xmlns:p="http://schemas.openxmlformats.org/presentationml/2006/main">
+  <p:cSld>
+    <p:spTree>
+      <p:nvGrpSpPr>
+        <p:cNvPr id="1" name=""/>
+        <p:cNvGrpSpPr/>
+        <p:nvPr/>
+      </p:nvGrpSpPr>
+      <p:grpSpPr>
+        <a:xfrm>
+          <a:off x="0" y="0"/>
+          <a:ext cx="0" cy="0"/>
+          <a:chOff x="0" y="0"/>
+          <a:chExt cx="0" cy="0"/>
+        </a:xfrm>
+      </p:grpSpPr>
+      <p:sp>
+        <p:nvSpPr>
+          <p:cNvPr id="2" name="タイトル 1">
+            <a:extLst>
+              <a:ext uri="{FF2B5EF4-FFF2-40B4-BE49-F238E27FC236}">
+                <a16:creationId xmlns:a16="http://schemas.microsoft.com/office/drawing/2014/main" id="{9F789731-37C4-49DD-AEE8-78E5514E279E}"/>
+              </a:ext>
+            </a:extLst>
+          </p:cNvPr>
+          <p:cNvSpPr>
+            <a:spLocks noGrp="1"/>
+          </p:cNvSpPr>
+          <p:nvPr>
+            <p:ph type="title"/>
+          </p:nvPr>
+        </p:nvSpPr>
+        <p:spPr/>
+        <p:txBody>
+          <a:bodyPr/>
+          <a:lstStyle/>
+          <a:p>
+            <a:r>
+              <a:rPr lang="en-US" altLang="ja-JP" dirty="0"/>
+              <a:t>vector</a:t>
+            </a:r>
+            <a:r>
+              <a:rPr kumimoji="1" lang="ja-JP" altLang="en-US" dirty="0"/>
+              <a:t>クラス</a:t>
+            </a:r>
+          </a:p>
+        </p:txBody>
+      </p:sp>
+      <p:sp>
+        <p:nvSpPr>
+          <p:cNvPr id="3" name="コンテンツ プレースホルダー 2">
+            <a:extLst>
+              <a:ext uri="{FF2B5EF4-FFF2-40B4-BE49-F238E27FC236}">
+                <a16:creationId xmlns:a16="http://schemas.microsoft.com/office/drawing/2014/main" id="{39562F0E-6033-40BD-BCB8-F015661306FD}"/>
+              </a:ext>
+            </a:extLst>
+          </p:cNvPr>
+          <p:cNvSpPr>
+            <a:spLocks noGrp="1"/>
+          </p:cNvSpPr>
+          <p:nvPr>
+            <p:ph idx="1"/>
+          </p:nvPr>
+        </p:nvSpPr>
+        <p:spPr/>
+        <p:txBody>
+          <a:bodyPr>
+            <a:normAutofit/>
+          </a:bodyPr>
+          <a:lstStyle/>
+          <a:p>
+            <a:r>
+              <a:rPr lang="en-US" altLang="ja-JP" dirty="0"/>
+              <a:t>vector</a:t>
+            </a:r>
+            <a:r>
+              <a:rPr lang="ja-JP" altLang="en-US" dirty="0"/>
+              <a:t>まとめ</a:t>
+            </a:r>
+            <a:br>
+              <a:rPr lang="en-US" altLang="ja-JP" dirty="0"/>
+            </a:br>
+            <a:endParaRPr lang="en-US" altLang="ja-JP" dirty="0"/>
+          </a:p>
+          <a:p>
+            <a:pPr lvl="1"/>
+            <a:r>
+              <a:rPr lang="ja-JP" altLang="en-US" b="1" dirty="0">
+                <a:solidFill>
+                  <a:srgbClr val="0070C0"/>
+                </a:solidFill>
+              </a:rPr>
+              <a:t>動的配列</a:t>
+            </a:r>
+            <a:r>
+              <a:rPr lang="ja-JP" altLang="en-US" dirty="0"/>
+              <a:t>を実現するコンテナクラス</a:t>
+            </a:r>
+            <a:endParaRPr lang="en-US" altLang="ja-JP" dirty="0"/>
+          </a:p>
+          <a:p>
+            <a:pPr lvl="1"/>
+            <a:r>
+              <a:rPr lang="ja-JP" altLang="en-US" dirty="0"/>
+              <a:t>最初に要素数を指定する必要がなく、適宜増減可能</a:t>
+            </a:r>
+            <a:endParaRPr lang="en-US" altLang="ja-JP" dirty="0"/>
+          </a:p>
+          <a:p>
+            <a:pPr lvl="1"/>
+            <a:r>
+              <a:rPr lang="en-US" altLang="ja-JP" dirty="0"/>
+              <a:t>C</a:t>
+            </a:r>
+            <a:r>
+              <a:rPr lang="ja-JP" altLang="en-US" dirty="0"/>
+              <a:t>言語の配列と同様に</a:t>
+            </a:r>
+            <a:r>
+              <a:rPr lang="ja-JP" altLang="en-US" b="1" dirty="0">
+                <a:solidFill>
+                  <a:srgbClr val="00B050"/>
+                </a:solidFill>
+              </a:rPr>
+              <a:t>添え字番号</a:t>
+            </a:r>
+            <a:r>
+              <a:rPr lang="ja-JP" altLang="en-US" dirty="0"/>
+              <a:t>で要素にアクセス</a:t>
+            </a:r>
+            <a:endParaRPr lang="en-US" altLang="ja-JP" dirty="0">
+              <a:solidFill>
+                <a:srgbClr val="00B050"/>
+              </a:solidFill>
+            </a:endParaRPr>
+          </a:p>
+          <a:p>
+            <a:pPr lvl="1"/>
+            <a:r>
+              <a:rPr lang="ja-JP" altLang="en-US" dirty="0"/>
+              <a:t>末尾に要素を追加、末尾の要素を削除可能</a:t>
+            </a:r>
+            <a:endParaRPr lang="en-US" altLang="ja-JP" dirty="0"/>
+          </a:p>
+          <a:p>
+            <a:pPr lvl="1"/>
+            <a:r>
+              <a:rPr lang="ja-JP" altLang="en-US" dirty="0"/>
+              <a:t>末尾以外の場所にも追加・削除可能だが</a:t>
+            </a:r>
+            <a:r>
+              <a:rPr lang="ja-JP" altLang="en-US" b="1" dirty="0">
+                <a:solidFill>
+                  <a:srgbClr val="FF0000"/>
+                </a:solidFill>
+              </a:rPr>
+              <a:t>イテレータ</a:t>
+            </a:r>
+            <a:r>
+              <a:rPr lang="ja-JP" altLang="en-US" dirty="0"/>
+              <a:t>による場所の指定が必要</a:t>
+            </a:r>
+            <a:endParaRPr lang="en-US" altLang="ja-JP" dirty="0"/>
+          </a:p>
+          <a:p>
+            <a:pPr lvl="1"/>
+            <a:r>
+              <a:rPr lang="ja-JP" altLang="en-US" dirty="0"/>
+              <a:t>基本データ型以外のクラスインスタンスも格納可能</a:t>
+            </a:r>
+            <a:endParaRPr lang="en-US" altLang="ja-JP" dirty="0"/>
+          </a:p>
+        </p:txBody>
+      </p:sp>
+    </p:spTree>
+    <p:extLst>
+      <p:ext uri="{BB962C8B-B14F-4D97-AF65-F5344CB8AC3E}">
+        <p14:creationId xmlns:p14="http://schemas.microsoft.com/office/powerpoint/2010/main" val="2492760924"/>
+      </p:ext>
+    </p:extLst>
+  </p:cSld>
+  <p:clrMapOvr>
+    <a:masterClrMapping/>
+  </p:clrMapOvr>
+</p:sld>
+</file>
+
 <file path=ppt/slides/slide3.xml><?xml version="1.0" encoding="utf-8"?>
 <p:sld xmlns:a="http://schemas.openxmlformats.org/drawingml/2006/main" xmlns:r="http://schemas.openxmlformats.org/officeDocument/2006/relationships" xmlns:p="http://schemas.openxmlformats.org/presentationml/2006/main">
   <p:cSld>

--- a/授業資料/講義資料：Vectorクラス.pptx
+++ b/授業資料/講義資料：Vectorクラス.pptx
@@ -270,7 +270,7 @@
           <a:p>
             <a:fld id="{5B96D3F8-CD2E-4A0D-AC38-517181EABB18}" type="datetimeFigureOut">
               <a:rPr kumimoji="1" lang="ja-JP" altLang="en-US" smtClean="0"/>
-              <a:t>2024/10/7</a:t>
+              <a:t>2024/10/8</a:t>
             </a:fld>
             <a:endParaRPr kumimoji="1" lang="ja-JP" altLang="en-US"/>
           </a:p>
@@ -472,7 +472,7 @@
           <a:p>
             <a:fld id="{5B96D3F8-CD2E-4A0D-AC38-517181EABB18}" type="datetimeFigureOut">
               <a:rPr kumimoji="1" lang="ja-JP" altLang="en-US" smtClean="0"/>
-              <a:t>2024/10/7</a:t>
+              <a:t>2024/10/8</a:t>
             </a:fld>
             <a:endParaRPr kumimoji="1" lang="ja-JP" altLang="en-US"/>
           </a:p>
@@ -684,7 +684,7 @@
           <a:p>
             <a:fld id="{5B96D3F8-CD2E-4A0D-AC38-517181EABB18}" type="datetimeFigureOut">
               <a:rPr kumimoji="1" lang="ja-JP" altLang="en-US" smtClean="0"/>
-              <a:t>2024/10/7</a:t>
+              <a:t>2024/10/8</a:t>
             </a:fld>
             <a:endParaRPr kumimoji="1" lang="ja-JP" altLang="en-US"/>
           </a:p>
@@ -886,7 +886,7 @@
           <a:p>
             <a:fld id="{5B96D3F8-CD2E-4A0D-AC38-517181EABB18}" type="datetimeFigureOut">
               <a:rPr kumimoji="1" lang="ja-JP" altLang="en-US" smtClean="0"/>
-              <a:t>2024/10/7</a:t>
+              <a:t>2024/10/8</a:t>
             </a:fld>
             <a:endParaRPr kumimoji="1" lang="ja-JP" altLang="en-US"/>
           </a:p>
@@ -1132,7 +1132,7 @@
           <a:p>
             <a:fld id="{5B96D3F8-CD2E-4A0D-AC38-517181EABB18}" type="datetimeFigureOut">
               <a:rPr kumimoji="1" lang="ja-JP" altLang="en-US" smtClean="0"/>
-              <a:t>2024/10/7</a:t>
+              <a:t>2024/10/8</a:t>
             </a:fld>
             <a:endParaRPr kumimoji="1" lang="ja-JP" altLang="en-US"/>
           </a:p>
@@ -1428,7 +1428,7 @@
           <a:p>
             <a:fld id="{5B96D3F8-CD2E-4A0D-AC38-517181EABB18}" type="datetimeFigureOut">
               <a:rPr kumimoji="1" lang="ja-JP" altLang="en-US" smtClean="0"/>
-              <a:t>2024/10/7</a:t>
+              <a:t>2024/10/8</a:t>
             </a:fld>
             <a:endParaRPr kumimoji="1" lang="ja-JP" altLang="en-US"/>
           </a:p>
@@ -1859,7 +1859,7 @@
           <a:p>
             <a:fld id="{5B96D3F8-CD2E-4A0D-AC38-517181EABB18}" type="datetimeFigureOut">
               <a:rPr kumimoji="1" lang="ja-JP" altLang="en-US" smtClean="0"/>
-              <a:t>2024/10/7</a:t>
+              <a:t>2024/10/8</a:t>
             </a:fld>
             <a:endParaRPr kumimoji="1" lang="ja-JP" altLang="en-US"/>
           </a:p>
@@ -1977,7 +1977,7 @@
           <a:p>
             <a:fld id="{5B96D3F8-CD2E-4A0D-AC38-517181EABB18}" type="datetimeFigureOut">
               <a:rPr kumimoji="1" lang="ja-JP" altLang="en-US" smtClean="0"/>
-              <a:t>2024/10/7</a:t>
+              <a:t>2024/10/8</a:t>
             </a:fld>
             <a:endParaRPr kumimoji="1" lang="ja-JP" altLang="en-US"/>
           </a:p>
@@ -2072,7 +2072,7 @@
           <a:p>
             <a:fld id="{5B96D3F8-CD2E-4A0D-AC38-517181EABB18}" type="datetimeFigureOut">
               <a:rPr kumimoji="1" lang="ja-JP" altLang="en-US" smtClean="0"/>
-              <a:t>2024/10/7</a:t>
+              <a:t>2024/10/8</a:t>
             </a:fld>
             <a:endParaRPr kumimoji="1" lang="ja-JP" altLang="en-US"/>
           </a:p>
@@ -2381,7 +2381,7 @@
           <a:p>
             <a:fld id="{5B96D3F8-CD2E-4A0D-AC38-517181EABB18}" type="datetimeFigureOut">
               <a:rPr kumimoji="1" lang="ja-JP" altLang="en-US" smtClean="0"/>
-              <a:t>2024/10/7</a:t>
+              <a:t>2024/10/8</a:t>
             </a:fld>
             <a:endParaRPr kumimoji="1" lang="ja-JP" altLang="en-US"/>
           </a:p>
@@ -2638,7 +2638,7 @@
           <a:p>
             <a:fld id="{5B96D3F8-CD2E-4A0D-AC38-517181EABB18}" type="datetimeFigureOut">
               <a:rPr kumimoji="1" lang="ja-JP" altLang="en-US" smtClean="0"/>
-              <a:t>2024/10/7</a:t>
+              <a:t>2024/10/8</a:t>
             </a:fld>
             <a:endParaRPr kumimoji="1" lang="ja-JP" altLang="en-US"/>
           </a:p>
@@ -2883,7 +2883,7 @@
           <a:p>
             <a:fld id="{5B96D3F8-CD2E-4A0D-AC38-517181EABB18}" type="datetimeFigureOut">
               <a:rPr kumimoji="1" lang="ja-JP" altLang="en-US" smtClean="0"/>
-              <a:t>2024/10/7</a:t>
+              <a:t>2024/10/8</a:t>
             </a:fld>
             <a:endParaRPr kumimoji="1" lang="ja-JP" altLang="en-US"/>
           </a:p>
@@ -7720,7 +7720,7 @@
             </a:r>
             <a:r>
               <a:rPr lang="ja-JP" altLang="en-US" dirty="0"/>
-              <a:t>値</a:t>
+              <a:t>挿入値</a:t>
             </a:r>
             <a:r>
               <a:rPr lang="en-US" altLang="ja-JP" dirty="0"/>
@@ -8159,7 +8159,7 @@
             </a:r>
             <a:r>
               <a:rPr lang="ja-JP" altLang="en-US" dirty="0"/>
-              <a:t>コンテナ</a:t>
+              <a:t>インスタンス</a:t>
             </a:r>
             <a:r>
               <a:rPr lang="en-US" altLang="ja-JP" dirty="0"/>
@@ -8176,23 +8176,10 @@
             <a:br>
               <a:rPr lang="en-US" altLang="ja-JP" dirty="0"/>
             </a:br>
-            <a:br>
-              <a:rPr lang="en-US" altLang="ja-JP" dirty="0"/>
-            </a:br>
-            <a:r>
-              <a:rPr lang="ja-JP" altLang="en-US" dirty="0"/>
-              <a:t>コンテナクラスの先頭要素の場所がイテレータに</a:t>
-            </a:r>
-            <a:br>
-              <a:rPr lang="en-US" altLang="ja-JP" dirty="0"/>
-            </a:br>
-            <a:r>
-              <a:rPr lang="ja-JP" altLang="en-US" dirty="0"/>
-              <a:t>代入</a:t>
-            </a:r>
-            <a:br>
-              <a:rPr lang="en-US" altLang="ja-JP" dirty="0"/>
-            </a:br>
+            <a:r>
+              <a:rPr lang="ja-JP" altLang="en-US" sz="2800" dirty="0"/>
+              <a:t>コンテナクラスの先頭要素の場所をイテレータに代入</a:t>
+            </a:r>
             <a:endParaRPr lang="en-US" altLang="ja-JP" dirty="0"/>
           </a:p>
           <a:p>
@@ -8206,7 +8193,7 @@
             </a:r>
             <a:r>
               <a:rPr lang="ja-JP" altLang="en-US" dirty="0"/>
-              <a:t>コンテナ</a:t>
+              <a:t>インスタンス</a:t>
             </a:r>
             <a:r>
               <a:rPr lang="en-US" altLang="ja-JP" dirty="0"/>
@@ -8215,7 +8202,7 @@
             <a:r>
               <a:rPr lang="en-US" altLang="ja-JP" dirty="0">
                 <a:solidFill>
-                  <a:srgbClr val="00B050"/>
+                  <a:srgbClr val="00B0F0"/>
                 </a:solidFill>
               </a:rPr>
               <a:t>end()</a:t>
@@ -8227,41 +8214,830 @@
                 </a:solidFill>
               </a:rPr>
             </a:br>
-            <a:br>
-              <a:rPr lang="en-US" altLang="ja-JP" dirty="0">
+            <a:r>
+              <a:rPr lang="ja-JP" altLang="en-US" sz="2800" dirty="0"/>
+              <a:t>コンテナクラスの</a:t>
+            </a:r>
+            <a:r>
+              <a:rPr lang="ja-JP" altLang="en-US" sz="2800" dirty="0">
                 <a:solidFill>
                   <a:srgbClr val="FF0000"/>
                 </a:solidFill>
               </a:rPr>
-            </a:br>
-            <a:r>
-              <a:rPr lang="ja-JP" altLang="en-US" dirty="0"/>
-              <a:t>コンテナクラスの</a:t>
-            </a:r>
-            <a:r>
-              <a:rPr lang="ja-JP" altLang="en-US" dirty="0">
-                <a:solidFill>
-                  <a:srgbClr val="FF0000"/>
-                </a:solidFill>
-              </a:rPr>
               <a:t>最終要素のひとつ先の場所</a:t>
             </a:r>
             <a:r>
-              <a:rPr lang="ja-JP" altLang="en-US" dirty="0"/>
-              <a:t>が</a:t>
-            </a:r>
-            <a:br>
-              <a:rPr lang="en-US" altLang="ja-JP" dirty="0">
-                <a:solidFill>
-                  <a:srgbClr val="FF0000"/>
-                </a:solidFill>
-              </a:rPr>
-            </a:br>
-            <a:r>
-              <a:rPr lang="ja-JP" altLang="en-US" dirty="0"/>
-              <a:t>イテレータに代入</a:t>
+              <a:rPr lang="ja-JP" altLang="en-US" sz="2800" dirty="0"/>
+              <a:t>をイテレータに代入</a:t>
             </a:r>
             <a:endParaRPr lang="en-US" altLang="ja-JP" dirty="0"/>
+          </a:p>
+        </p:txBody>
+      </p:sp>
+      <p:sp>
+        <p:nvSpPr>
+          <p:cNvPr id="4" name="正方形/長方形 3">
+            <a:extLst>
+              <a:ext uri="{FF2B5EF4-FFF2-40B4-BE49-F238E27FC236}">
+                <a16:creationId xmlns:a16="http://schemas.microsoft.com/office/drawing/2014/main" id="{63DB8FFB-FC46-4FCD-8190-A6A11A120F67}"/>
+              </a:ext>
+            </a:extLst>
+          </p:cNvPr>
+          <p:cNvSpPr/>
+          <p:nvPr/>
+        </p:nvSpPr>
+        <p:spPr>
+          <a:xfrm>
+            <a:off x="2701046" y="4058793"/>
+            <a:ext cx="1206229" cy="1206229"/>
+          </a:xfrm>
+          <a:prstGeom prst="rect">
+            <a:avLst/>
+          </a:prstGeom>
+          <a:solidFill>
+            <a:srgbClr val="00B050"/>
+          </a:solidFill>
+          <a:ln w="28575">
+            <a:solidFill>
+              <a:schemeClr val="tx1"/>
+            </a:solidFill>
+          </a:ln>
+        </p:spPr>
+        <p:style>
+          <a:lnRef idx="2">
+            <a:schemeClr val="accent1">
+              <a:shade val="15000"/>
+            </a:schemeClr>
+          </a:lnRef>
+          <a:fillRef idx="1">
+            <a:schemeClr val="accent1"/>
+          </a:fillRef>
+          <a:effectRef idx="0">
+            <a:schemeClr val="accent1"/>
+          </a:effectRef>
+          <a:fontRef idx="minor">
+            <a:schemeClr val="lt1"/>
+          </a:fontRef>
+        </p:style>
+        <p:txBody>
+          <a:bodyPr rtlCol="0" anchor="ctr"/>
+          <a:lstStyle/>
+          <a:p>
+            <a:pPr algn="ctr"/>
+            <a:endParaRPr kumimoji="1" lang="ja-JP" altLang="en-US"/>
+          </a:p>
+        </p:txBody>
+      </p:sp>
+      <p:sp>
+        <p:nvSpPr>
+          <p:cNvPr id="5" name="正方形/長方形 4">
+            <a:extLst>
+              <a:ext uri="{FF2B5EF4-FFF2-40B4-BE49-F238E27FC236}">
+                <a16:creationId xmlns:a16="http://schemas.microsoft.com/office/drawing/2014/main" id="{1C5EF085-E497-423E-8381-228B2355275E}"/>
+              </a:ext>
+            </a:extLst>
+          </p:cNvPr>
+          <p:cNvSpPr/>
+          <p:nvPr/>
+        </p:nvSpPr>
+        <p:spPr>
+          <a:xfrm>
+            <a:off x="3907275" y="4058793"/>
+            <a:ext cx="1206229" cy="1206229"/>
+          </a:xfrm>
+          <a:prstGeom prst="rect">
+            <a:avLst/>
+          </a:prstGeom>
+          <a:solidFill>
+            <a:srgbClr val="00B050"/>
+          </a:solidFill>
+          <a:ln w="28575">
+            <a:solidFill>
+              <a:schemeClr val="tx1"/>
+            </a:solidFill>
+          </a:ln>
+        </p:spPr>
+        <p:style>
+          <a:lnRef idx="2">
+            <a:schemeClr val="accent1">
+              <a:shade val="15000"/>
+            </a:schemeClr>
+          </a:lnRef>
+          <a:fillRef idx="1">
+            <a:schemeClr val="accent1"/>
+          </a:fillRef>
+          <a:effectRef idx="0">
+            <a:schemeClr val="accent1"/>
+          </a:effectRef>
+          <a:fontRef idx="minor">
+            <a:schemeClr val="lt1"/>
+          </a:fontRef>
+        </p:style>
+        <p:txBody>
+          <a:bodyPr rtlCol="0" anchor="ctr"/>
+          <a:lstStyle/>
+          <a:p>
+            <a:pPr algn="ctr"/>
+            <a:endParaRPr kumimoji="1" lang="ja-JP" altLang="en-US"/>
+          </a:p>
+        </p:txBody>
+      </p:sp>
+      <p:sp>
+        <p:nvSpPr>
+          <p:cNvPr id="6" name="正方形/長方形 5">
+            <a:extLst>
+              <a:ext uri="{FF2B5EF4-FFF2-40B4-BE49-F238E27FC236}">
+                <a16:creationId xmlns:a16="http://schemas.microsoft.com/office/drawing/2014/main" id="{49891B8F-CE8E-4BDE-B6DF-149D19FF8460}"/>
+              </a:ext>
+            </a:extLst>
+          </p:cNvPr>
+          <p:cNvSpPr/>
+          <p:nvPr/>
+        </p:nvSpPr>
+        <p:spPr>
+          <a:xfrm>
+            <a:off x="5113504" y="4058793"/>
+            <a:ext cx="1206229" cy="1206229"/>
+          </a:xfrm>
+          <a:prstGeom prst="rect">
+            <a:avLst/>
+          </a:prstGeom>
+          <a:solidFill>
+            <a:srgbClr val="00B050"/>
+          </a:solidFill>
+          <a:ln w="28575">
+            <a:solidFill>
+              <a:schemeClr val="tx1"/>
+            </a:solidFill>
+          </a:ln>
+        </p:spPr>
+        <p:style>
+          <a:lnRef idx="2">
+            <a:schemeClr val="accent1">
+              <a:shade val="15000"/>
+            </a:schemeClr>
+          </a:lnRef>
+          <a:fillRef idx="1">
+            <a:schemeClr val="accent1"/>
+          </a:fillRef>
+          <a:effectRef idx="0">
+            <a:schemeClr val="accent1"/>
+          </a:effectRef>
+          <a:fontRef idx="minor">
+            <a:schemeClr val="lt1"/>
+          </a:fontRef>
+        </p:style>
+        <p:txBody>
+          <a:bodyPr rtlCol="0" anchor="ctr"/>
+          <a:lstStyle/>
+          <a:p>
+            <a:pPr algn="ctr"/>
+            <a:endParaRPr kumimoji="1" lang="ja-JP" altLang="en-US"/>
+          </a:p>
+        </p:txBody>
+      </p:sp>
+      <p:sp>
+        <p:nvSpPr>
+          <p:cNvPr id="7" name="正方形/長方形 6">
+            <a:extLst>
+              <a:ext uri="{FF2B5EF4-FFF2-40B4-BE49-F238E27FC236}">
+                <a16:creationId xmlns:a16="http://schemas.microsoft.com/office/drawing/2014/main" id="{E9D37D9C-7132-4271-807F-154535F44F5B}"/>
+              </a:ext>
+            </a:extLst>
+          </p:cNvPr>
+          <p:cNvSpPr/>
+          <p:nvPr/>
+        </p:nvSpPr>
+        <p:spPr>
+          <a:xfrm>
+            <a:off x="6319733" y="4058793"/>
+            <a:ext cx="1206229" cy="1206229"/>
+          </a:xfrm>
+          <a:prstGeom prst="rect">
+            <a:avLst/>
+          </a:prstGeom>
+          <a:solidFill>
+            <a:srgbClr val="00B050"/>
+          </a:solidFill>
+          <a:ln w="28575">
+            <a:solidFill>
+              <a:schemeClr val="tx1"/>
+            </a:solidFill>
+          </a:ln>
+        </p:spPr>
+        <p:style>
+          <a:lnRef idx="2">
+            <a:schemeClr val="accent1">
+              <a:shade val="15000"/>
+            </a:schemeClr>
+          </a:lnRef>
+          <a:fillRef idx="1">
+            <a:schemeClr val="accent1"/>
+          </a:fillRef>
+          <a:effectRef idx="0">
+            <a:schemeClr val="accent1"/>
+          </a:effectRef>
+          <a:fontRef idx="minor">
+            <a:schemeClr val="lt1"/>
+          </a:fontRef>
+        </p:style>
+        <p:txBody>
+          <a:bodyPr rtlCol="0" anchor="ctr"/>
+          <a:lstStyle/>
+          <a:p>
+            <a:pPr algn="ctr"/>
+            <a:endParaRPr kumimoji="1" lang="ja-JP" altLang="en-US"/>
+          </a:p>
+        </p:txBody>
+      </p:sp>
+      <p:sp>
+        <p:nvSpPr>
+          <p:cNvPr id="8" name="正方形/長方形 7">
+            <a:extLst>
+              <a:ext uri="{FF2B5EF4-FFF2-40B4-BE49-F238E27FC236}">
+                <a16:creationId xmlns:a16="http://schemas.microsoft.com/office/drawing/2014/main" id="{446A0E77-12DA-418F-A8F1-9BF9C08DB254}"/>
+              </a:ext>
+            </a:extLst>
+          </p:cNvPr>
+          <p:cNvSpPr/>
+          <p:nvPr/>
+        </p:nvSpPr>
+        <p:spPr>
+          <a:xfrm>
+            <a:off x="7525962" y="4058792"/>
+            <a:ext cx="1206229" cy="1206229"/>
+          </a:xfrm>
+          <a:prstGeom prst="rect">
+            <a:avLst/>
+          </a:prstGeom>
+          <a:solidFill>
+            <a:schemeClr val="bg1"/>
+          </a:solidFill>
+          <a:ln w="28575">
+            <a:solidFill>
+              <a:schemeClr val="tx1"/>
+            </a:solidFill>
+          </a:ln>
+        </p:spPr>
+        <p:style>
+          <a:lnRef idx="2">
+            <a:schemeClr val="accent1">
+              <a:shade val="15000"/>
+            </a:schemeClr>
+          </a:lnRef>
+          <a:fillRef idx="1">
+            <a:schemeClr val="accent1"/>
+          </a:fillRef>
+          <a:effectRef idx="0">
+            <a:schemeClr val="accent1"/>
+          </a:effectRef>
+          <a:fontRef idx="minor">
+            <a:schemeClr val="lt1"/>
+          </a:fontRef>
+        </p:style>
+        <p:txBody>
+          <a:bodyPr rtlCol="0" anchor="ctr"/>
+          <a:lstStyle/>
+          <a:p>
+            <a:pPr algn="ctr"/>
+            <a:endParaRPr kumimoji="1" lang="ja-JP" altLang="en-US"/>
+          </a:p>
+        </p:txBody>
+      </p:sp>
+      <p:sp>
+        <p:nvSpPr>
+          <p:cNvPr id="9" name="正方形/長方形 8">
+            <a:extLst>
+              <a:ext uri="{FF2B5EF4-FFF2-40B4-BE49-F238E27FC236}">
+                <a16:creationId xmlns:a16="http://schemas.microsoft.com/office/drawing/2014/main" id="{FBFC37B3-3964-40A5-B575-626343D0AB82}"/>
+              </a:ext>
+            </a:extLst>
+          </p:cNvPr>
+          <p:cNvSpPr/>
+          <p:nvPr/>
+        </p:nvSpPr>
+        <p:spPr>
+          <a:xfrm>
+            <a:off x="8732191" y="4058791"/>
+            <a:ext cx="1206229" cy="1206229"/>
+          </a:xfrm>
+          <a:prstGeom prst="rect">
+            <a:avLst/>
+          </a:prstGeom>
+          <a:solidFill>
+            <a:schemeClr val="bg1"/>
+          </a:solidFill>
+          <a:ln w="28575">
+            <a:solidFill>
+              <a:schemeClr val="tx1"/>
+            </a:solidFill>
+          </a:ln>
+        </p:spPr>
+        <p:style>
+          <a:lnRef idx="2">
+            <a:schemeClr val="accent1">
+              <a:shade val="15000"/>
+            </a:schemeClr>
+          </a:lnRef>
+          <a:fillRef idx="1">
+            <a:schemeClr val="accent1"/>
+          </a:fillRef>
+          <a:effectRef idx="0">
+            <a:schemeClr val="accent1"/>
+          </a:effectRef>
+          <a:fontRef idx="minor">
+            <a:schemeClr val="lt1"/>
+          </a:fontRef>
+        </p:style>
+        <p:txBody>
+          <a:bodyPr rtlCol="0" anchor="ctr"/>
+          <a:lstStyle/>
+          <a:p>
+            <a:pPr algn="ctr"/>
+            <a:endParaRPr kumimoji="1" lang="ja-JP" altLang="en-US"/>
+          </a:p>
+        </p:txBody>
+      </p:sp>
+      <p:sp>
+        <p:nvSpPr>
+          <p:cNvPr id="10" name="正方形/長方形 9">
+            <a:extLst>
+              <a:ext uri="{FF2B5EF4-FFF2-40B4-BE49-F238E27FC236}">
+                <a16:creationId xmlns:a16="http://schemas.microsoft.com/office/drawing/2014/main" id="{E77FAA7A-3F3D-4191-B2D8-6BDF41131901}"/>
+              </a:ext>
+            </a:extLst>
+          </p:cNvPr>
+          <p:cNvSpPr/>
+          <p:nvPr/>
+        </p:nvSpPr>
+        <p:spPr>
+          <a:xfrm>
+            <a:off x="9938420" y="4058790"/>
+            <a:ext cx="1206229" cy="1206229"/>
+          </a:xfrm>
+          <a:prstGeom prst="rect">
+            <a:avLst/>
+          </a:prstGeom>
+          <a:solidFill>
+            <a:schemeClr val="bg1"/>
+          </a:solidFill>
+          <a:ln w="28575">
+            <a:solidFill>
+              <a:schemeClr val="tx1"/>
+            </a:solidFill>
+          </a:ln>
+        </p:spPr>
+        <p:style>
+          <a:lnRef idx="2">
+            <a:schemeClr val="accent1">
+              <a:shade val="15000"/>
+            </a:schemeClr>
+          </a:lnRef>
+          <a:fillRef idx="1">
+            <a:schemeClr val="accent1"/>
+          </a:fillRef>
+          <a:effectRef idx="0">
+            <a:schemeClr val="accent1"/>
+          </a:effectRef>
+          <a:fontRef idx="minor">
+            <a:schemeClr val="lt1"/>
+          </a:fontRef>
+        </p:style>
+        <p:txBody>
+          <a:bodyPr rtlCol="0" anchor="ctr"/>
+          <a:lstStyle/>
+          <a:p>
+            <a:pPr algn="ctr"/>
+            <a:endParaRPr kumimoji="1" lang="ja-JP" altLang="en-US"/>
+          </a:p>
+        </p:txBody>
+      </p:sp>
+      <p:sp>
+        <p:nvSpPr>
+          <p:cNvPr id="11" name="テキスト ボックス 10">
+            <a:extLst>
+              <a:ext uri="{FF2B5EF4-FFF2-40B4-BE49-F238E27FC236}">
+                <a16:creationId xmlns:a16="http://schemas.microsoft.com/office/drawing/2014/main" id="{14FEC293-3F49-4B20-86BB-8FA3824BF66E}"/>
+              </a:ext>
+            </a:extLst>
+          </p:cNvPr>
+          <p:cNvSpPr txBox="1"/>
+          <p:nvPr/>
+        </p:nvSpPr>
+        <p:spPr>
+          <a:xfrm>
+            <a:off x="1129193" y="4176947"/>
+            <a:ext cx="1521570" cy="954107"/>
+          </a:xfrm>
+          <a:prstGeom prst="rect">
+            <a:avLst/>
+          </a:prstGeom>
+          <a:noFill/>
+        </p:spPr>
+        <p:txBody>
+          <a:bodyPr wrap="none" rtlCol="0">
+            <a:spAutoFit/>
+          </a:bodyPr>
+          <a:lstStyle/>
+          <a:p>
+            <a:r>
+              <a:rPr kumimoji="1" lang="en-US" altLang="ja-JP" sz="2800" dirty="0"/>
+              <a:t>vector</a:t>
+            </a:r>
+          </a:p>
+          <a:p>
+            <a:pPr algn="ctr"/>
+            <a:r>
+              <a:rPr kumimoji="1" lang="ja-JP" altLang="en-US" sz="2800" dirty="0"/>
+              <a:t>配列</a:t>
+            </a:r>
+          </a:p>
+        </p:txBody>
+      </p:sp>
+      <p:sp>
+        <p:nvSpPr>
+          <p:cNvPr id="12" name="テキスト ボックス 11">
+            <a:extLst>
+              <a:ext uri="{FF2B5EF4-FFF2-40B4-BE49-F238E27FC236}">
+                <a16:creationId xmlns:a16="http://schemas.microsoft.com/office/drawing/2014/main" id="{D1EE215A-AE2B-4008-8DAB-C4AA5E14788A}"/>
+              </a:ext>
+            </a:extLst>
+          </p:cNvPr>
+          <p:cNvSpPr txBox="1"/>
+          <p:nvPr/>
+        </p:nvSpPr>
+        <p:spPr>
+          <a:xfrm>
+            <a:off x="3099881" y="3640504"/>
+            <a:ext cx="7888698" cy="369332"/>
+          </a:xfrm>
+          <a:prstGeom prst="rect">
+            <a:avLst/>
+          </a:prstGeom>
+          <a:noFill/>
+        </p:spPr>
+        <p:txBody>
+          <a:bodyPr wrap="none" rtlCol="0">
+            <a:spAutoFit/>
+          </a:bodyPr>
+          <a:lstStyle/>
+          <a:p>
+            <a:r>
+              <a:rPr kumimoji="1" lang="en-US" altLang="ja-JP" dirty="0"/>
+              <a:t>0       1        2        3       4        5       6  </a:t>
+            </a:r>
+            <a:endParaRPr kumimoji="1" lang="ja-JP" altLang="en-US" dirty="0"/>
+          </a:p>
+        </p:txBody>
+      </p:sp>
+      <p:sp>
+        <p:nvSpPr>
+          <p:cNvPr id="13" name="矢印: 下 12">
+            <a:extLst>
+              <a:ext uri="{FF2B5EF4-FFF2-40B4-BE49-F238E27FC236}">
+                <a16:creationId xmlns:a16="http://schemas.microsoft.com/office/drawing/2014/main" id="{141F917D-FC1A-4FA3-B859-2BC55042D5EF}"/>
+              </a:ext>
+            </a:extLst>
+          </p:cNvPr>
+          <p:cNvSpPr/>
+          <p:nvPr/>
+        </p:nvSpPr>
+        <p:spPr>
+          <a:xfrm flipV="1">
+            <a:off x="3099881" y="5299177"/>
+            <a:ext cx="428017" cy="622570"/>
+          </a:xfrm>
+          <a:prstGeom prst="downArrow">
+            <a:avLst/>
+          </a:prstGeom>
+          <a:solidFill>
+            <a:srgbClr val="FF0000"/>
+          </a:solidFill>
+        </p:spPr>
+        <p:style>
+          <a:lnRef idx="2">
+            <a:schemeClr val="accent1">
+              <a:shade val="15000"/>
+            </a:schemeClr>
+          </a:lnRef>
+          <a:fillRef idx="1">
+            <a:schemeClr val="accent1"/>
+          </a:fillRef>
+          <a:effectRef idx="0">
+            <a:schemeClr val="accent1"/>
+          </a:effectRef>
+          <a:fontRef idx="minor">
+            <a:schemeClr val="lt1"/>
+          </a:fontRef>
+        </p:style>
+        <p:txBody>
+          <a:bodyPr rtlCol="0" anchor="ctr"/>
+          <a:lstStyle/>
+          <a:p>
+            <a:pPr algn="ctr"/>
+            <a:endParaRPr kumimoji="1" lang="ja-JP" altLang="en-US"/>
+          </a:p>
+        </p:txBody>
+      </p:sp>
+      <p:sp>
+        <p:nvSpPr>
+          <p:cNvPr id="14" name="矢印: 下 13">
+            <a:extLst>
+              <a:ext uri="{FF2B5EF4-FFF2-40B4-BE49-F238E27FC236}">
+                <a16:creationId xmlns:a16="http://schemas.microsoft.com/office/drawing/2014/main" id="{3BBF0856-5E0C-40A5-B151-7CAB850D8419}"/>
+              </a:ext>
+            </a:extLst>
+          </p:cNvPr>
+          <p:cNvSpPr/>
+          <p:nvPr/>
+        </p:nvSpPr>
+        <p:spPr>
+          <a:xfrm flipV="1">
+            <a:off x="7915067" y="5313977"/>
+            <a:ext cx="428017" cy="622570"/>
+          </a:xfrm>
+          <a:prstGeom prst="downArrow">
+            <a:avLst/>
+          </a:prstGeom>
+          <a:solidFill>
+            <a:srgbClr val="FF0000"/>
+          </a:solidFill>
+        </p:spPr>
+        <p:style>
+          <a:lnRef idx="2">
+            <a:schemeClr val="accent1">
+              <a:shade val="15000"/>
+            </a:schemeClr>
+          </a:lnRef>
+          <a:fillRef idx="1">
+            <a:schemeClr val="accent1"/>
+          </a:fillRef>
+          <a:effectRef idx="0">
+            <a:schemeClr val="accent1"/>
+          </a:effectRef>
+          <a:fontRef idx="minor">
+            <a:schemeClr val="lt1"/>
+          </a:fontRef>
+        </p:style>
+        <p:txBody>
+          <a:bodyPr rtlCol="0" anchor="ctr"/>
+          <a:lstStyle/>
+          <a:p>
+            <a:pPr algn="ctr"/>
+            <a:endParaRPr kumimoji="1" lang="ja-JP" altLang="en-US"/>
+          </a:p>
+        </p:txBody>
+      </p:sp>
+      <p:sp>
+        <p:nvSpPr>
+          <p:cNvPr id="15" name="テキスト ボックス 14">
+            <a:extLst>
+              <a:ext uri="{FF2B5EF4-FFF2-40B4-BE49-F238E27FC236}">
+                <a16:creationId xmlns:a16="http://schemas.microsoft.com/office/drawing/2014/main" id="{218A6E75-D9FD-4C4A-B5ED-5D94B4DEB085}"/>
+              </a:ext>
+            </a:extLst>
+          </p:cNvPr>
+          <p:cNvSpPr txBox="1"/>
+          <p:nvPr/>
+        </p:nvSpPr>
+        <p:spPr>
+          <a:xfrm>
+            <a:off x="2431966" y="5969654"/>
+            <a:ext cx="1744388" cy="523220"/>
+          </a:xfrm>
+          <a:prstGeom prst="rect">
+            <a:avLst/>
+          </a:prstGeom>
+          <a:noFill/>
+        </p:spPr>
+        <p:txBody>
+          <a:bodyPr wrap="none" rtlCol="0">
+            <a:spAutoFit/>
+          </a:bodyPr>
+          <a:lstStyle/>
+          <a:p>
+            <a:r>
+              <a:rPr kumimoji="1" lang="en-US" altLang="ja-JP" sz="2800" dirty="0">
+                <a:solidFill>
+                  <a:srgbClr val="00B050"/>
+                </a:solidFill>
+              </a:rPr>
+              <a:t>begin()</a:t>
+            </a:r>
+            <a:endParaRPr kumimoji="1" lang="ja-JP" altLang="en-US" sz="2800" dirty="0">
+              <a:solidFill>
+                <a:srgbClr val="00B050"/>
+              </a:solidFill>
+            </a:endParaRPr>
+          </a:p>
+        </p:txBody>
+      </p:sp>
+      <p:sp>
+        <p:nvSpPr>
+          <p:cNvPr id="16" name="テキスト ボックス 15">
+            <a:extLst>
+              <a:ext uri="{FF2B5EF4-FFF2-40B4-BE49-F238E27FC236}">
+                <a16:creationId xmlns:a16="http://schemas.microsoft.com/office/drawing/2014/main" id="{F23910CA-8BEE-4C6A-A37C-328563D4FC75}"/>
+              </a:ext>
+            </a:extLst>
+          </p:cNvPr>
+          <p:cNvSpPr txBox="1"/>
+          <p:nvPr/>
+        </p:nvSpPr>
+        <p:spPr>
+          <a:xfrm>
+            <a:off x="7477318" y="5921747"/>
+            <a:ext cx="1298753" cy="523220"/>
+          </a:xfrm>
+          <a:prstGeom prst="rect">
+            <a:avLst/>
+          </a:prstGeom>
+          <a:noFill/>
+        </p:spPr>
+        <p:txBody>
+          <a:bodyPr wrap="none" rtlCol="0">
+            <a:spAutoFit/>
+          </a:bodyPr>
+          <a:lstStyle/>
+          <a:p>
+            <a:r>
+              <a:rPr kumimoji="1" lang="en-US" altLang="ja-JP" sz="2800" dirty="0">
+                <a:solidFill>
+                  <a:srgbClr val="00B0F0"/>
+                </a:solidFill>
+              </a:rPr>
+              <a:t>end()</a:t>
+            </a:r>
+            <a:endParaRPr kumimoji="1" lang="ja-JP" altLang="en-US" sz="2800" dirty="0">
+              <a:solidFill>
+                <a:srgbClr val="00B0F0"/>
+              </a:solidFill>
+            </a:endParaRPr>
+          </a:p>
+        </p:txBody>
+      </p:sp>
+      <p:sp>
+        <p:nvSpPr>
+          <p:cNvPr id="17" name="テキスト ボックス 16">
+            <a:extLst>
+              <a:ext uri="{FF2B5EF4-FFF2-40B4-BE49-F238E27FC236}">
+                <a16:creationId xmlns:a16="http://schemas.microsoft.com/office/drawing/2014/main" id="{39BA9CD0-B6F7-43F0-A8A2-88755DC492D8}"/>
+              </a:ext>
+            </a:extLst>
+          </p:cNvPr>
+          <p:cNvSpPr txBox="1"/>
+          <p:nvPr/>
+        </p:nvSpPr>
+        <p:spPr>
+          <a:xfrm>
+            <a:off x="7725420" y="4477238"/>
+            <a:ext cx="837089" cy="369332"/>
+          </a:xfrm>
+          <a:prstGeom prst="rect">
+            <a:avLst/>
+          </a:prstGeom>
+          <a:noFill/>
+        </p:spPr>
+        <p:txBody>
+          <a:bodyPr wrap="none" rtlCol="0">
+            <a:spAutoFit/>
+          </a:bodyPr>
+          <a:lstStyle/>
+          <a:p>
+            <a:r>
+              <a:rPr kumimoji="1" lang="ja-JP" altLang="en-US" dirty="0"/>
+              <a:t>値なし</a:t>
+            </a:r>
+          </a:p>
+        </p:txBody>
+      </p:sp>
+      <p:sp>
+        <p:nvSpPr>
+          <p:cNvPr id="18" name="テキスト ボックス 17">
+            <a:extLst>
+              <a:ext uri="{FF2B5EF4-FFF2-40B4-BE49-F238E27FC236}">
+                <a16:creationId xmlns:a16="http://schemas.microsoft.com/office/drawing/2014/main" id="{E602744F-7AE8-414F-B5CB-D85EAFA090C0}"/>
+              </a:ext>
+            </a:extLst>
+          </p:cNvPr>
+          <p:cNvSpPr txBox="1"/>
+          <p:nvPr/>
+        </p:nvSpPr>
+        <p:spPr>
+          <a:xfrm>
+            <a:off x="8973810" y="4489061"/>
+            <a:ext cx="837089" cy="369332"/>
+          </a:xfrm>
+          <a:prstGeom prst="rect">
+            <a:avLst/>
+          </a:prstGeom>
+          <a:noFill/>
+        </p:spPr>
+        <p:txBody>
+          <a:bodyPr wrap="none" rtlCol="0">
+            <a:spAutoFit/>
+          </a:bodyPr>
+          <a:lstStyle/>
+          <a:p>
+            <a:r>
+              <a:rPr kumimoji="1" lang="ja-JP" altLang="en-US" dirty="0"/>
+              <a:t>値なし</a:t>
+            </a:r>
+          </a:p>
+        </p:txBody>
+      </p:sp>
+      <p:sp>
+        <p:nvSpPr>
+          <p:cNvPr id="19" name="テキスト ボックス 18">
+            <a:extLst>
+              <a:ext uri="{FF2B5EF4-FFF2-40B4-BE49-F238E27FC236}">
+                <a16:creationId xmlns:a16="http://schemas.microsoft.com/office/drawing/2014/main" id="{C2C505D4-8EC9-4037-B343-144D02E60981}"/>
+              </a:ext>
+            </a:extLst>
+          </p:cNvPr>
+          <p:cNvSpPr txBox="1"/>
+          <p:nvPr/>
+        </p:nvSpPr>
+        <p:spPr>
+          <a:xfrm>
+            <a:off x="10180039" y="4489061"/>
+            <a:ext cx="837089" cy="369332"/>
+          </a:xfrm>
+          <a:prstGeom prst="rect">
+            <a:avLst/>
+          </a:prstGeom>
+          <a:noFill/>
+        </p:spPr>
+        <p:txBody>
+          <a:bodyPr wrap="none" rtlCol="0">
+            <a:spAutoFit/>
+          </a:bodyPr>
+          <a:lstStyle/>
+          <a:p>
+            <a:r>
+              <a:rPr kumimoji="1" lang="ja-JP" altLang="en-US" dirty="0"/>
+              <a:t>値なし</a:t>
+            </a:r>
+          </a:p>
+        </p:txBody>
+      </p:sp>
+      <p:sp>
+        <p:nvSpPr>
+          <p:cNvPr id="20" name="テキスト ボックス 19">
+            <a:extLst>
+              <a:ext uri="{FF2B5EF4-FFF2-40B4-BE49-F238E27FC236}">
+                <a16:creationId xmlns:a16="http://schemas.microsoft.com/office/drawing/2014/main" id="{2088661A-D406-47D9-BAD4-9A1EC054701E}"/>
+              </a:ext>
+            </a:extLst>
+          </p:cNvPr>
+          <p:cNvSpPr txBox="1"/>
+          <p:nvPr/>
+        </p:nvSpPr>
+        <p:spPr>
+          <a:xfrm>
+            <a:off x="2915820" y="4442894"/>
+            <a:ext cx="4424609" cy="461665"/>
+          </a:xfrm>
+          <a:prstGeom prst="rect">
+            <a:avLst/>
+          </a:prstGeom>
+          <a:noFill/>
+        </p:spPr>
+        <p:txBody>
+          <a:bodyPr wrap="none" rtlCol="0">
+            <a:spAutoFit/>
+          </a:bodyPr>
+          <a:lstStyle/>
+          <a:p>
+            <a:r>
+              <a:rPr kumimoji="1" lang="en-US" altLang="ja-JP" sz="2400" dirty="0">
+                <a:solidFill>
+                  <a:schemeClr val="bg1"/>
+                </a:solidFill>
+              </a:rPr>
+              <a:t>100</a:t>
+            </a:r>
+            <a:r>
+              <a:rPr kumimoji="1" lang="ja-JP" altLang="en-US" sz="2400" dirty="0">
+                <a:solidFill>
+                  <a:schemeClr val="bg1"/>
+                </a:solidFill>
+              </a:rPr>
+              <a:t>　　　</a:t>
+            </a:r>
+            <a:r>
+              <a:rPr kumimoji="1" lang="en-US" altLang="ja-JP" sz="2400" dirty="0">
+                <a:solidFill>
+                  <a:schemeClr val="bg1"/>
+                </a:solidFill>
+              </a:rPr>
+              <a:t>101    102   103</a:t>
+            </a:r>
+            <a:endParaRPr kumimoji="1" lang="ja-JP" altLang="en-US" sz="2400" dirty="0">
+              <a:solidFill>
+                <a:schemeClr val="bg1"/>
+              </a:solidFill>
+            </a:endParaRPr>
           </a:p>
         </p:txBody>
       </p:sp>
@@ -8279,7 +9055,7 @@
 </file>
 
 <file path=ppt/slides/slide18.xml><?xml version="1.0" encoding="utf-8"?>
-<p:sld xmlns:a="http://schemas.openxmlformats.org/drawingml/2006/main" xmlns:r="http://schemas.openxmlformats.org/officeDocument/2006/relationships" xmlns:p="http://schemas.openxmlformats.org/presentationml/2006/main">
+<p:sld xmlns:a="http://schemas.openxmlformats.org/drawingml/2006/main" xmlns:r="http://schemas.openxmlformats.org/officeDocument/2006/relationships" xmlns:p="http://schemas.openxmlformats.org/presentationml/2006/main" show="0">
   <p:cSld>
     <p:spTree>
       <p:nvGrpSpPr>
@@ -9249,8 +10025,12 @@
               <a:rPr lang="en-US" altLang="ja-JP" dirty="0"/>
             </a:br>
             <a:r>
+              <a:rPr lang="ja-JP" altLang="en-US" dirty="0"/>
+              <a:t>インスタンス</a:t>
+            </a:r>
+            <a:r>
               <a:rPr lang="en-US" altLang="ja-JP" dirty="0"/>
-              <a:t>v1.</a:t>
+              <a:t>.</a:t>
             </a:r>
             <a:r>
               <a:rPr lang="en-US" altLang="ja-JP" dirty="0">
@@ -9278,7 +10058,7 @@
             </a:r>
             <a:r>
               <a:rPr lang="ja-JP" altLang="en-US" dirty="0"/>
-              <a:t>挿入する値</a:t>
+              <a:t>挿入値</a:t>
             </a:r>
             <a:r>
               <a:rPr lang="en-US" altLang="ja-JP" dirty="0"/>
@@ -9289,7 +10069,11 @@
             </a:br>
             <a:r>
               <a:rPr lang="ja-JP" altLang="en-US" dirty="0"/>
-              <a:t>とすると、イテレータが指し示す場所に値を挿入することが可能</a:t>
+              <a:t>　</a:t>
+            </a:r>
+            <a:r>
+              <a:rPr lang="ja-JP" altLang="en-US" sz="3200" dirty="0"/>
+              <a:t>イテレータが指し示す場所に値を挿入する</a:t>
             </a:r>
             <a:br>
               <a:rPr lang="en-US" altLang="ja-JP" dirty="0"/>
@@ -9298,8 +10082,12 @@
               <a:rPr lang="en-US" altLang="ja-JP" dirty="0"/>
             </a:br>
             <a:r>
+              <a:rPr lang="ja-JP" altLang="en-US" dirty="0"/>
+              <a:t>インスタンス</a:t>
+            </a:r>
+            <a:r>
               <a:rPr lang="en-US" altLang="ja-JP" dirty="0"/>
-              <a:t>v1.</a:t>
+              <a:t>.</a:t>
             </a:r>
             <a:r>
               <a:rPr lang="en-US" altLang="ja-JP" dirty="0">
@@ -9330,9 +10118,13 @@
             </a:br>
             <a:r>
               <a:rPr lang="ja-JP" altLang="en-US" dirty="0"/>
-              <a:t>とすると、イテレータの示す場所の要素を削除</a:t>
-            </a:r>
-            <a:endParaRPr lang="en-US" altLang="ja-JP" dirty="0"/>
+              <a:t>　</a:t>
+            </a:r>
+            <a:r>
+              <a:rPr lang="ja-JP" altLang="en-US" sz="3200" dirty="0"/>
+              <a:t>イテレータの示す場所の要素を削除する</a:t>
+            </a:r>
+            <a:endParaRPr lang="en-US" altLang="ja-JP" sz="3200" dirty="0"/>
           </a:p>
         </p:txBody>
       </p:sp>
@@ -9522,8 +10314,16 @@
           <a:p>
             <a:pPr lvl="1"/>
             <a:r>
+              <a:rPr lang="en-US" altLang="ja-JP" dirty="0">
+                <a:solidFill>
+                  <a:srgbClr val="00B050"/>
+                </a:solidFill>
+              </a:rPr>
+              <a:t>stack</a:t>
+            </a:r>
+            <a:r>
               <a:rPr lang="en-US" altLang="ja-JP" dirty="0"/>
-              <a:t>stack :</a:t>
+              <a:t> :</a:t>
             </a:r>
             <a:r>
               <a:rPr lang="ja-JP" altLang="en-US" dirty="0"/>
@@ -9534,8 +10334,16 @@
           <a:p>
             <a:pPr lvl="1"/>
             <a:r>
+              <a:rPr lang="en-US" altLang="ja-JP" dirty="0">
+                <a:solidFill>
+                  <a:srgbClr val="00B050"/>
+                </a:solidFill>
+              </a:rPr>
+              <a:t>queue</a:t>
+            </a:r>
+            <a:r>
               <a:rPr lang="en-US" altLang="ja-JP" dirty="0"/>
-              <a:t>queue :</a:t>
+              <a:t> :</a:t>
             </a:r>
             <a:r>
               <a:rPr lang="ja-JP" altLang="en-US" dirty="0"/>
@@ -11312,6 +12120,33 @@
               </a:rPr>
               <a:t>itrV1 = v1.begin();</a:t>
             </a:r>
+            <a:r>
+              <a:rPr lang="ja-JP" altLang="en-US" dirty="0">
+                <a:ea typeface="ＭＳ ゴシック" panose="020B0609070205080204" pitchFamily="49" charset="-128"/>
+              </a:rPr>
+              <a:t>  </a:t>
+            </a:r>
+            <a:r>
+              <a:rPr lang="en-US" altLang="ja-JP" dirty="0">
+                <a:solidFill>
+                  <a:srgbClr val="00B050"/>
+                </a:solidFill>
+                <a:ea typeface="ＭＳ ゴシック" panose="020B0609070205080204" pitchFamily="49" charset="-128"/>
+              </a:rPr>
+              <a:t>//auto</a:t>
+            </a:r>
+            <a:r>
+              <a:rPr lang="ja-JP" altLang="en-US" dirty="0">
+                <a:solidFill>
+                  <a:srgbClr val="00B050"/>
+                </a:solidFill>
+                <a:ea typeface="ＭＳ ゴシック" panose="020B0609070205080204" pitchFamily="49" charset="-128"/>
+              </a:rPr>
+              <a:t>による型推論で宣言を省略</a:t>
+            </a:r>
+            <a:endParaRPr lang="en-US" altLang="ja-JP" dirty="0">
+              <a:ea typeface="ＭＳ ゴシック" panose="020B0609070205080204" pitchFamily="49" charset="-128"/>
+            </a:endParaRPr>
           </a:p>
           <a:p>
             <a:r>
@@ -15997,242 +16832,53 @@
           </a:p>
           <a:p>
             <a:r>
-              <a:rPr lang="nn-NO" altLang="ja-JP" sz="1800" strike="dblStrike" dirty="0">
-                <a:solidFill>
-                  <a:srgbClr val="0000FF"/>
-                </a:solidFill>
-                <a:ea typeface="ＭＳ ゴシック" panose="020B0609070205080204" pitchFamily="49" charset="-128"/>
-              </a:rPr>
-              <a:t>	for</a:t>
-            </a:r>
-            <a:r>
-              <a:rPr lang="nn-NO" altLang="ja-JP" sz="1800" strike="dblStrike" dirty="0">
-                <a:solidFill>
-                  <a:srgbClr val="000000"/>
-                </a:solidFill>
-                <a:ea typeface="ＭＳ ゴシック" panose="020B0609070205080204" pitchFamily="49" charset="-128"/>
-              </a:rPr>
-              <a:t> (</a:t>
-            </a:r>
-            <a:r>
-              <a:rPr lang="nn-NO" altLang="ja-JP" sz="1800" strike="dblStrike" dirty="0">
-                <a:solidFill>
-                  <a:srgbClr val="0000FF"/>
-                </a:solidFill>
-                <a:ea typeface="ＭＳ ゴシック" panose="020B0609070205080204" pitchFamily="49" charset="-128"/>
-              </a:rPr>
-              <a:t>int</a:t>
-            </a:r>
-            <a:r>
-              <a:rPr lang="nn-NO" altLang="ja-JP" sz="1800" strike="dblStrike" dirty="0">
-                <a:solidFill>
-                  <a:srgbClr val="000000"/>
-                </a:solidFill>
-                <a:ea typeface="ＭＳ ゴシック" panose="020B0609070205080204" pitchFamily="49" charset="-128"/>
-              </a:rPr>
-              <a:t> i = 0; i &lt; v1.size(); i++) {</a:t>
-            </a:r>
-          </a:p>
-          <a:p>
-            <a:r>
-              <a:rPr lang="sv-SE" altLang="ja-JP" sz="1800" strike="dblStrike" dirty="0">
-                <a:solidFill>
-                  <a:srgbClr val="000000"/>
-                </a:solidFill>
-                <a:ea typeface="ＭＳ ゴシック" panose="020B0609070205080204" pitchFamily="49" charset="-128"/>
-              </a:rPr>
-              <a:t>		</a:t>
-            </a:r>
-            <a:r>
-              <a:rPr lang="en-US" altLang="ja-JP" sz="1800" strike="dblStrike" dirty="0">
-                <a:solidFill>
-                  <a:srgbClr val="2B91AF"/>
+              <a:rPr lang="nn-NO" altLang="ja-JP" sz="1800" dirty="0">
+                <a:solidFill>
+                  <a:srgbClr val="00B050"/>
+                </a:solidFill>
+                <a:ea typeface="ＭＳ ゴシック" panose="020B0609070205080204" pitchFamily="49" charset="-128"/>
+              </a:rPr>
+              <a:t>	// for (int i = 0; i &lt; v1.size(); i++) {</a:t>
+            </a:r>
+          </a:p>
+          <a:p>
+            <a:r>
+              <a:rPr lang="sv-SE" altLang="ja-JP" sz="1800" dirty="0">
+                <a:solidFill>
+                  <a:srgbClr val="00B050"/>
+                </a:solidFill>
+                <a:ea typeface="ＭＳ ゴシック" panose="020B0609070205080204" pitchFamily="49" charset="-128"/>
+              </a:rPr>
+              <a:t>	//  	</a:t>
+            </a:r>
+            <a:r>
+              <a:rPr lang="en-US" altLang="ja-JP" sz="1800" dirty="0">
+                <a:solidFill>
+                  <a:srgbClr val="00B050"/>
                 </a:solidFill>
                 <a:ea typeface="ＭＳ ゴシック" panose="020B0609070205080204" pitchFamily="49" charset="-128"/>
               </a:rPr>
               <a:t> </a:t>
             </a:r>
             <a:r>
-              <a:rPr lang="sv-SE" altLang="ja-JP" sz="1800" strike="dblStrike" dirty="0">
-                <a:solidFill>
-                  <a:srgbClr val="000000"/>
-                </a:solidFill>
-                <a:ea typeface="ＭＳ ゴシック" panose="020B0609070205080204" pitchFamily="49" charset="-128"/>
-              </a:rPr>
-              <a:t>cout </a:t>
-            </a:r>
-            <a:r>
-              <a:rPr lang="sv-SE" altLang="ja-JP" sz="1800" strike="dblStrike" dirty="0">
-                <a:solidFill>
-                  <a:srgbClr val="008080"/>
-                </a:solidFill>
-                <a:ea typeface="ＭＳ ゴシック" panose="020B0609070205080204" pitchFamily="49" charset="-128"/>
-              </a:rPr>
-              <a:t>&lt;&lt;</a:t>
-            </a:r>
-            <a:r>
-              <a:rPr lang="sv-SE" altLang="ja-JP" sz="1800" strike="dblStrike" dirty="0">
-                <a:solidFill>
-                  <a:srgbClr val="000000"/>
-                </a:solidFill>
-                <a:ea typeface="ＭＳ ゴシック" panose="020B0609070205080204" pitchFamily="49" charset="-128"/>
-              </a:rPr>
-              <a:t> </a:t>
-            </a:r>
-            <a:r>
-              <a:rPr lang="sv-SE" altLang="ja-JP" sz="1800" strike="dblStrike" dirty="0">
-                <a:solidFill>
-                  <a:srgbClr val="A31515"/>
-                </a:solidFill>
-                <a:ea typeface="ＭＳ ゴシック" panose="020B0609070205080204" pitchFamily="49" charset="-128"/>
-              </a:rPr>
-              <a:t>”v1["</a:t>
-            </a:r>
-            <a:r>
-              <a:rPr lang="sv-SE" altLang="ja-JP" sz="1800" strike="dblStrike" dirty="0">
-                <a:solidFill>
-                  <a:srgbClr val="000000"/>
-                </a:solidFill>
-                <a:ea typeface="ＭＳ ゴシック" panose="020B0609070205080204" pitchFamily="49" charset="-128"/>
-              </a:rPr>
-              <a:t> </a:t>
-            </a:r>
-            <a:r>
-              <a:rPr lang="sv-SE" altLang="ja-JP" sz="1800" strike="dblStrike" dirty="0">
-                <a:solidFill>
-                  <a:srgbClr val="008080"/>
-                </a:solidFill>
-                <a:ea typeface="ＭＳ ゴシック" panose="020B0609070205080204" pitchFamily="49" charset="-128"/>
-              </a:rPr>
-              <a:t>&lt;&lt;</a:t>
-            </a:r>
-            <a:r>
-              <a:rPr lang="sv-SE" altLang="ja-JP" sz="1800" strike="dblStrike" dirty="0">
-                <a:solidFill>
-                  <a:srgbClr val="000000"/>
-                </a:solidFill>
-                <a:ea typeface="ＭＳ ゴシック" panose="020B0609070205080204" pitchFamily="49" charset="-128"/>
-              </a:rPr>
-              <a:t> i </a:t>
-            </a:r>
-            <a:r>
-              <a:rPr lang="sv-SE" altLang="ja-JP" sz="1800" strike="dblStrike" dirty="0">
-                <a:solidFill>
-                  <a:srgbClr val="008080"/>
-                </a:solidFill>
-                <a:ea typeface="ＭＳ ゴシック" panose="020B0609070205080204" pitchFamily="49" charset="-128"/>
-              </a:rPr>
-              <a:t>&lt;&lt;</a:t>
-            </a:r>
-            <a:r>
-              <a:rPr lang="sv-SE" altLang="ja-JP" sz="1800" strike="dblStrike" dirty="0">
-                <a:solidFill>
-                  <a:srgbClr val="000000"/>
-                </a:solidFill>
-                <a:ea typeface="ＭＳ ゴシック" panose="020B0609070205080204" pitchFamily="49" charset="-128"/>
-              </a:rPr>
-              <a:t> </a:t>
-            </a:r>
-            <a:r>
-              <a:rPr lang="sv-SE" altLang="ja-JP" sz="1800" strike="dblStrike" dirty="0">
-                <a:solidFill>
-                  <a:srgbClr val="A31515"/>
-                </a:solidFill>
-                <a:ea typeface="ＭＳ ゴシック" panose="020B0609070205080204" pitchFamily="49" charset="-128"/>
-              </a:rPr>
-              <a:t>"]="</a:t>
-            </a:r>
-            <a:r>
-              <a:rPr lang="sv-SE" altLang="ja-JP" sz="1800" strike="dblStrike" dirty="0">
-                <a:solidFill>
-                  <a:srgbClr val="000000"/>
-                </a:solidFill>
-                <a:ea typeface="ＭＳ ゴシック" panose="020B0609070205080204" pitchFamily="49" charset="-128"/>
-              </a:rPr>
-              <a:t> </a:t>
-            </a:r>
-            <a:r>
-              <a:rPr lang="sv-SE" altLang="ja-JP" sz="1800" strike="dblStrike" dirty="0">
-                <a:solidFill>
-                  <a:srgbClr val="008080"/>
-                </a:solidFill>
-                <a:ea typeface="ＭＳ ゴシック" panose="020B0609070205080204" pitchFamily="49" charset="-128"/>
-              </a:rPr>
-              <a:t>&lt;&lt;</a:t>
-            </a:r>
-            <a:r>
-              <a:rPr lang="sv-SE" altLang="ja-JP" sz="1800" strike="dblStrike" dirty="0">
-                <a:solidFill>
-                  <a:srgbClr val="000000"/>
-                </a:solidFill>
-                <a:ea typeface="ＭＳ ゴシック" panose="020B0609070205080204" pitchFamily="49" charset="-128"/>
-              </a:rPr>
-              <a:t> v1</a:t>
-            </a:r>
-            <a:r>
-              <a:rPr lang="sv-SE" altLang="ja-JP" sz="1800" strike="dblStrike" dirty="0">
-                <a:solidFill>
-                  <a:srgbClr val="008080"/>
-                </a:solidFill>
-                <a:ea typeface="ＭＳ ゴシック" panose="020B0609070205080204" pitchFamily="49" charset="-128"/>
-              </a:rPr>
-              <a:t>[</a:t>
-            </a:r>
-            <a:r>
-              <a:rPr lang="sv-SE" altLang="ja-JP" sz="1800" strike="dblStrike" dirty="0">
-                <a:solidFill>
-                  <a:srgbClr val="000000"/>
-                </a:solidFill>
-                <a:ea typeface="ＭＳ ゴシック" panose="020B0609070205080204" pitchFamily="49" charset="-128"/>
-              </a:rPr>
-              <a:t>i</a:t>
-            </a:r>
-            <a:r>
-              <a:rPr lang="sv-SE" altLang="ja-JP" sz="1800" strike="dblStrike" dirty="0">
-                <a:solidFill>
-                  <a:srgbClr val="008080"/>
-                </a:solidFill>
-                <a:ea typeface="ＭＳ ゴシック" panose="020B0609070205080204" pitchFamily="49" charset="-128"/>
-              </a:rPr>
-              <a:t>]</a:t>
-            </a:r>
-            <a:r>
-              <a:rPr lang="sv-SE" altLang="ja-JP" sz="1800" strike="dblStrike" dirty="0">
-                <a:solidFill>
-                  <a:srgbClr val="000000"/>
-                </a:solidFill>
-                <a:ea typeface="ＭＳ ゴシック" panose="020B0609070205080204" pitchFamily="49" charset="-128"/>
-              </a:rPr>
-              <a:t> </a:t>
-            </a:r>
-            <a:r>
-              <a:rPr lang="sv-SE" altLang="ja-JP" sz="1800" strike="dblStrike" dirty="0">
-                <a:solidFill>
-                  <a:srgbClr val="008080"/>
-                </a:solidFill>
-                <a:ea typeface="ＭＳ ゴシック" panose="020B0609070205080204" pitchFamily="49" charset="-128"/>
-              </a:rPr>
-              <a:t>&lt;&lt;</a:t>
-            </a:r>
-            <a:r>
-              <a:rPr lang="sv-SE" altLang="ja-JP" sz="1800" strike="dblStrike" dirty="0">
-                <a:solidFill>
-                  <a:srgbClr val="000000"/>
-                </a:solidFill>
-                <a:ea typeface="ＭＳ ゴシック" panose="020B0609070205080204" pitchFamily="49" charset="-128"/>
-              </a:rPr>
-              <a:t> endl;</a:t>
-            </a:r>
-          </a:p>
-          <a:p>
-            <a:r>
-              <a:rPr lang="en-US" altLang="ja-JP" sz="1800" strike="dblStrike" dirty="0">
-                <a:solidFill>
-                  <a:srgbClr val="000000"/>
-                </a:solidFill>
-                <a:ea typeface="ＭＳ ゴシック" panose="020B0609070205080204" pitchFamily="49" charset="-128"/>
-              </a:rPr>
-              <a:t>	}</a:t>
+              <a:rPr lang="sv-SE" altLang="ja-JP" sz="1800" dirty="0">
+                <a:solidFill>
+                  <a:srgbClr val="00B050"/>
+                </a:solidFill>
+                <a:ea typeface="ＭＳ ゴシック" panose="020B0609070205080204" pitchFamily="49" charset="-128"/>
+              </a:rPr>
+              <a:t>cout &lt;&lt; ”v1[" &lt;&lt; i &lt;&lt; "]=" &lt;&lt; v1[i] &lt;&lt; endl;</a:t>
+            </a:r>
+          </a:p>
+          <a:p>
+            <a:r>
+              <a:rPr lang="en-US" altLang="ja-JP" sz="1800" dirty="0">
+                <a:solidFill>
+                  <a:srgbClr val="00B050"/>
+                </a:solidFill>
+                <a:ea typeface="ＭＳ ゴシック" panose="020B0609070205080204" pitchFamily="49" charset="-128"/>
+              </a:rPr>
+              <a:t>	// }</a:t>
             </a:r>
           </a:p>
           <a:p>
@@ -17109,7 +17755,19 @@
             </a:r>
             <a:r>
               <a:rPr lang="ja-JP" altLang="en-US" dirty="0"/>
-              <a:t>要素まで、すべての要素</a:t>
+              <a:t>要素まで、</a:t>
+            </a:r>
+            <a:r>
+              <a:rPr lang="ja-JP" altLang="en-US" dirty="0">
+                <a:solidFill>
+                  <a:srgbClr val="00B0F0"/>
+                </a:solidFill>
+              </a:rPr>
+              <a:t>すべての</a:t>
+            </a:r>
+            <a:r>
+              <a:rPr lang="ja-JP" altLang="en-US" dirty="0"/>
+              <a:t>要素</a:t>
             </a:r>
             <a:br>
               <a:rPr lang="en-US" altLang="ja-JP" dirty="0"/>
@@ -17151,7 +17809,7 @@
                   <a:srgbClr val="00B050"/>
                 </a:solidFill>
               </a:rPr>
-              <a:t>つまり指定場所からの開始・終了は</a:t>
+              <a:t>ただし指定場所からの開始・終了は</a:t>
             </a:r>
             <a:r>
               <a:rPr lang="ja-JP" altLang="en-US" b="1" dirty="0">
@@ -17192,7 +17850,7 @@
         <p:spPr>
           <a:xfrm>
             <a:off x="1476576" y="2644170"/>
-            <a:ext cx="9238847" cy="1569660"/>
+            <a:ext cx="10276153" cy="1569660"/>
           </a:xfrm>
           <a:prstGeom prst="rect">
             <a:avLst/>
@@ -17248,6 +17906,9 @@
             </a:r>
             <a:r>
               <a:rPr lang="en-US" altLang="ja-JP" sz="3200" dirty="0" err="1">
+                <a:solidFill>
+                  <a:srgbClr val="00B050"/>
+                </a:solidFill>
                 <a:ea typeface="ＭＳ ゴシック" panose="020B0609070205080204" pitchFamily="49" charset="-128"/>
               </a:rPr>
               <a:t>itr</a:t>
@@ -17265,18 +17926,141 @@
                 </a:solidFill>
                 <a:ea typeface="ＭＳ ゴシック" panose="020B0609070205080204" pitchFamily="49" charset="-128"/>
               </a:rPr>
-              <a:t>){</a:t>
-            </a:r>
-          </a:p>
-          <a:p>
+              <a:t>){   </a:t>
+            </a:r>
             <a:r>
               <a:rPr lang="nn-NO" altLang="ja-JP" sz="3200" dirty="0">
                 <a:solidFill>
-                  <a:srgbClr val="000000"/>
-                </a:solidFill>
-                <a:ea typeface="ＭＳ ゴシック" panose="020B0609070205080204" pitchFamily="49" charset="-128"/>
-              </a:rPr>
-              <a:t>  cout &lt;&lt; itr &lt;&lt; endl; </a:t>
+                  <a:srgbClr val="00B050"/>
+                </a:solidFill>
+                <a:ea typeface="ＭＳ ゴシック" panose="020B0609070205080204" pitchFamily="49" charset="-128"/>
+              </a:rPr>
+              <a:t>//</a:t>
+            </a:r>
+            <a:r>
+              <a:rPr lang="ja-JP" altLang="en-US" sz="3200" dirty="0">
+                <a:solidFill>
+                  <a:srgbClr val="00B050"/>
+                </a:solidFill>
+                <a:ea typeface="ＭＳ ゴシック" panose="020B0609070205080204" pitchFamily="49" charset="-128"/>
+              </a:rPr>
+              <a:t>範囲</a:t>
+            </a:r>
+            <a:r>
+              <a:rPr lang="en-US" altLang="ja-JP" sz="3200" dirty="0">
+                <a:solidFill>
+                  <a:srgbClr val="00B050"/>
+                </a:solidFill>
+                <a:ea typeface="ＭＳ ゴシック" panose="020B0609070205080204" pitchFamily="49" charset="-128"/>
+              </a:rPr>
+              <a:t>for</a:t>
+            </a:r>
+            <a:r>
+              <a:rPr lang="ja-JP" altLang="en-US" sz="3200" dirty="0">
+                <a:solidFill>
+                  <a:srgbClr val="00B050"/>
+                </a:solidFill>
+                <a:ea typeface="ＭＳ ゴシック" panose="020B0609070205080204" pitchFamily="49" charset="-128"/>
+              </a:rPr>
+              <a:t>の場合</a:t>
+            </a:r>
+            <a:endParaRPr lang="nn-NO" altLang="ja-JP" sz="3200" dirty="0">
+              <a:solidFill>
+                <a:srgbClr val="00B050"/>
+              </a:solidFill>
+              <a:ea typeface="ＭＳ ゴシック" panose="020B0609070205080204" pitchFamily="49" charset="-128"/>
+            </a:endParaRPr>
+          </a:p>
+          <a:p>
+            <a:r>
+              <a:rPr lang="nn-NO" altLang="ja-JP" sz="3200" dirty="0">
+                <a:solidFill>
+                  <a:srgbClr val="000000"/>
+                </a:solidFill>
+                <a:ea typeface="ＭＳ ゴシック" panose="020B0609070205080204" pitchFamily="49" charset="-128"/>
+              </a:rPr>
+              <a:t>  cout &lt;&lt; </a:t>
+            </a:r>
+            <a:r>
+              <a:rPr lang="nn-NO" altLang="ja-JP" sz="3200" dirty="0">
+                <a:solidFill>
+                  <a:srgbClr val="00B050"/>
+                </a:solidFill>
+                <a:ea typeface="ＭＳ ゴシック" panose="020B0609070205080204" pitchFamily="49" charset="-128"/>
+              </a:rPr>
+              <a:t>itr</a:t>
+            </a:r>
+            <a:r>
+              <a:rPr lang="nn-NO" altLang="ja-JP" sz="3200" dirty="0">
+                <a:solidFill>
+                  <a:srgbClr val="000000"/>
+                </a:solidFill>
+                <a:ea typeface="ＭＳ ゴシック" panose="020B0609070205080204" pitchFamily="49" charset="-128"/>
+              </a:rPr>
+              <a:t> &lt;&lt; endl;</a:t>
+            </a:r>
+            <a:r>
+              <a:rPr lang="ja-JP" altLang="en-US" sz="3200" dirty="0">
+                <a:solidFill>
+                  <a:srgbClr val="000000"/>
+                </a:solidFill>
+                <a:ea typeface="ＭＳ ゴシック" panose="020B0609070205080204" pitchFamily="49" charset="-128"/>
+              </a:rPr>
+              <a:t> </a:t>
+            </a:r>
+            <a:r>
+              <a:rPr lang="en-US" altLang="ja-JP" sz="3200" dirty="0">
+                <a:solidFill>
+                  <a:srgbClr val="00B050"/>
+                </a:solidFill>
+                <a:ea typeface="ＭＳ ゴシック" panose="020B0609070205080204" pitchFamily="49" charset="-128"/>
+              </a:rPr>
+              <a:t>//</a:t>
+            </a:r>
+            <a:r>
+              <a:rPr lang="en-US" altLang="ja-JP" sz="3200" dirty="0" err="1">
+                <a:solidFill>
+                  <a:srgbClr val="00B050"/>
+                </a:solidFill>
+                <a:ea typeface="ＭＳ ゴシック" panose="020B0609070205080204" pitchFamily="49" charset="-128"/>
+              </a:rPr>
+              <a:t>itr</a:t>
+            </a:r>
+            <a:r>
+              <a:rPr lang="ja-JP" altLang="en-US" sz="3200" dirty="0">
+                <a:solidFill>
+                  <a:srgbClr val="00B050"/>
+                </a:solidFill>
+                <a:ea typeface="ＭＳ ゴシック" panose="020B0609070205080204" pitchFamily="49" charset="-128"/>
+              </a:rPr>
+              <a:t>に</a:t>
+            </a:r>
+            <a:r>
+              <a:rPr lang="en-US" altLang="ja-JP" sz="3200" dirty="0">
+                <a:solidFill>
+                  <a:srgbClr val="00B050"/>
+                </a:solidFill>
+                <a:ea typeface="ＭＳ ゴシック" panose="020B0609070205080204" pitchFamily="49" charset="-128"/>
+              </a:rPr>
+              <a:t>”*”</a:t>
+            </a:r>
+            <a:r>
+              <a:rPr lang="ja-JP" altLang="en-US" sz="3200" dirty="0">
+                <a:solidFill>
+                  <a:srgbClr val="00B050"/>
+                </a:solidFill>
+                <a:ea typeface="ＭＳ ゴシック" panose="020B0609070205080204" pitchFamily="49" charset="-128"/>
+              </a:rPr>
+              <a:t>は不要</a:t>
+            </a:r>
+            <a:r>
+              <a:rPr lang="nn-NO" altLang="ja-JP" sz="3200" dirty="0">
+                <a:solidFill>
+                  <a:srgbClr val="00B050"/>
+                </a:solidFill>
+                <a:ea typeface="ＭＳ ゴシック" panose="020B0609070205080204" pitchFamily="49" charset="-128"/>
+              </a:rPr>
+              <a:t> </a:t>
             </a:r>
             <a:br>
               <a:rPr lang="nn-NO" altLang="ja-JP" sz="3200" dirty="0">
@@ -17884,306 +18668,96 @@
           </a:p>
           <a:p>
             <a:r>
-              <a:rPr lang="nn-NO" altLang="ja-JP" sz="1800" strike="dblStrike" dirty="0">
-                <a:solidFill>
-                  <a:srgbClr val="0000FF"/>
-                </a:solidFill>
-                <a:ea typeface="ＭＳ ゴシック" panose="020B0609070205080204" pitchFamily="49" charset="-128"/>
-              </a:rPr>
-              <a:t>	for</a:t>
-            </a:r>
-            <a:r>
-              <a:rPr lang="nn-NO" altLang="ja-JP" sz="1800" strike="dblStrike" dirty="0">
-                <a:solidFill>
-                  <a:srgbClr val="000000"/>
-                </a:solidFill>
-                <a:ea typeface="ＭＳ ゴシック" panose="020B0609070205080204" pitchFamily="49" charset="-128"/>
-              </a:rPr>
-              <a:t> (</a:t>
-            </a:r>
-            <a:r>
-              <a:rPr lang="nn-NO" altLang="ja-JP" sz="1800" strike="dblStrike" dirty="0">
-                <a:solidFill>
-                  <a:srgbClr val="0000FF"/>
-                </a:solidFill>
-                <a:ea typeface="ＭＳ ゴシック" panose="020B0609070205080204" pitchFamily="49" charset="-128"/>
-              </a:rPr>
-              <a:t>int</a:t>
-            </a:r>
-            <a:r>
-              <a:rPr lang="nn-NO" altLang="ja-JP" sz="1800" strike="dblStrike" dirty="0">
-                <a:solidFill>
-                  <a:srgbClr val="000000"/>
-                </a:solidFill>
-                <a:ea typeface="ＭＳ ゴシック" panose="020B0609070205080204" pitchFamily="49" charset="-128"/>
-              </a:rPr>
-              <a:t> i = 0; i &lt; v1.size(); i++) {</a:t>
-            </a:r>
-          </a:p>
-          <a:p>
-            <a:r>
-              <a:rPr lang="sv-SE" altLang="ja-JP" sz="1800" strike="dblStrike" dirty="0">
-                <a:solidFill>
-                  <a:srgbClr val="000000"/>
-                </a:solidFill>
-                <a:ea typeface="ＭＳ ゴシック" panose="020B0609070205080204" pitchFamily="49" charset="-128"/>
-              </a:rPr>
-              <a:t>		</a:t>
-            </a:r>
-            <a:r>
-              <a:rPr lang="en-US" altLang="ja-JP" sz="1800" strike="dblStrike" dirty="0">
-                <a:solidFill>
-                  <a:srgbClr val="2B91AF"/>
+              <a:rPr lang="nn-NO" altLang="ja-JP" sz="1800" dirty="0">
+                <a:solidFill>
+                  <a:srgbClr val="00B050"/>
+                </a:solidFill>
+                <a:ea typeface="ＭＳ ゴシック" panose="020B0609070205080204" pitchFamily="49" charset="-128"/>
+              </a:rPr>
+              <a:t>	// for (int i = 0; i &lt; v1.size(); i++) {</a:t>
+            </a:r>
+          </a:p>
+          <a:p>
+            <a:r>
+              <a:rPr lang="sv-SE" altLang="ja-JP" sz="1800" dirty="0">
+                <a:solidFill>
+                  <a:srgbClr val="00B050"/>
+                </a:solidFill>
+                <a:ea typeface="ＭＳ ゴシック" panose="020B0609070205080204" pitchFamily="49" charset="-128"/>
+              </a:rPr>
+              <a:t>	//	 </a:t>
+            </a:r>
+            <a:r>
+              <a:rPr lang="en-US" altLang="ja-JP" sz="1800" dirty="0">
+                <a:solidFill>
+                  <a:srgbClr val="00B050"/>
                 </a:solidFill>
                 <a:ea typeface="ＭＳ ゴシック" panose="020B0609070205080204" pitchFamily="49" charset="-128"/>
               </a:rPr>
               <a:t> </a:t>
             </a:r>
             <a:r>
-              <a:rPr lang="sv-SE" altLang="ja-JP" sz="1800" strike="dblStrike" dirty="0">
-                <a:solidFill>
-                  <a:srgbClr val="000000"/>
-                </a:solidFill>
-                <a:ea typeface="ＭＳ ゴシック" panose="020B0609070205080204" pitchFamily="49" charset="-128"/>
-              </a:rPr>
-              <a:t>cout </a:t>
-            </a:r>
-            <a:r>
-              <a:rPr lang="sv-SE" altLang="ja-JP" sz="1800" strike="dblStrike" dirty="0">
-                <a:solidFill>
-                  <a:srgbClr val="008080"/>
-                </a:solidFill>
-                <a:ea typeface="ＭＳ ゴシック" panose="020B0609070205080204" pitchFamily="49" charset="-128"/>
-              </a:rPr>
-              <a:t>&lt;&lt;</a:t>
-            </a:r>
-            <a:r>
-              <a:rPr lang="sv-SE" altLang="ja-JP" sz="1800" strike="dblStrike" dirty="0">
-                <a:solidFill>
-                  <a:srgbClr val="000000"/>
-                </a:solidFill>
-                <a:ea typeface="ＭＳ ゴシック" panose="020B0609070205080204" pitchFamily="49" charset="-128"/>
-              </a:rPr>
-              <a:t> </a:t>
-            </a:r>
-            <a:r>
-              <a:rPr lang="sv-SE" altLang="ja-JP" sz="1800" strike="dblStrike" dirty="0">
-                <a:solidFill>
-                  <a:srgbClr val="A31515"/>
-                </a:solidFill>
-                <a:ea typeface="ＭＳ ゴシック" panose="020B0609070205080204" pitchFamily="49" charset="-128"/>
-              </a:rPr>
-              <a:t>”v1["</a:t>
-            </a:r>
-            <a:r>
-              <a:rPr lang="sv-SE" altLang="ja-JP" sz="1800" strike="dblStrike" dirty="0">
-                <a:solidFill>
-                  <a:srgbClr val="000000"/>
-                </a:solidFill>
-                <a:ea typeface="ＭＳ ゴシック" panose="020B0609070205080204" pitchFamily="49" charset="-128"/>
-              </a:rPr>
-              <a:t> </a:t>
-            </a:r>
-            <a:r>
-              <a:rPr lang="sv-SE" altLang="ja-JP" sz="1800" strike="dblStrike" dirty="0">
-                <a:solidFill>
-                  <a:srgbClr val="008080"/>
-                </a:solidFill>
-                <a:ea typeface="ＭＳ ゴシック" panose="020B0609070205080204" pitchFamily="49" charset="-128"/>
-              </a:rPr>
-              <a:t>&lt;&lt;</a:t>
-            </a:r>
-            <a:r>
-              <a:rPr lang="sv-SE" altLang="ja-JP" sz="1800" strike="dblStrike" dirty="0">
-                <a:solidFill>
-                  <a:srgbClr val="000000"/>
-                </a:solidFill>
-                <a:ea typeface="ＭＳ ゴシック" panose="020B0609070205080204" pitchFamily="49" charset="-128"/>
-              </a:rPr>
-              <a:t> i </a:t>
-            </a:r>
-            <a:r>
-              <a:rPr lang="sv-SE" altLang="ja-JP" sz="1800" strike="dblStrike" dirty="0">
-                <a:solidFill>
-                  <a:srgbClr val="008080"/>
-                </a:solidFill>
-                <a:ea typeface="ＭＳ ゴシック" panose="020B0609070205080204" pitchFamily="49" charset="-128"/>
-              </a:rPr>
-              <a:t>&lt;&lt;</a:t>
-            </a:r>
-            <a:r>
-              <a:rPr lang="sv-SE" altLang="ja-JP" sz="1800" strike="dblStrike" dirty="0">
-                <a:solidFill>
-                  <a:srgbClr val="000000"/>
-                </a:solidFill>
-                <a:ea typeface="ＭＳ ゴシック" panose="020B0609070205080204" pitchFamily="49" charset="-128"/>
-              </a:rPr>
-              <a:t> </a:t>
-            </a:r>
-            <a:r>
-              <a:rPr lang="sv-SE" altLang="ja-JP" sz="1800" strike="dblStrike" dirty="0">
-                <a:solidFill>
-                  <a:srgbClr val="A31515"/>
-                </a:solidFill>
-                <a:ea typeface="ＭＳ ゴシック" panose="020B0609070205080204" pitchFamily="49" charset="-128"/>
-              </a:rPr>
-              <a:t>"]="</a:t>
-            </a:r>
-            <a:r>
-              <a:rPr lang="sv-SE" altLang="ja-JP" sz="1800" strike="dblStrike" dirty="0">
-                <a:solidFill>
-                  <a:srgbClr val="000000"/>
-                </a:solidFill>
-                <a:ea typeface="ＭＳ ゴシック" panose="020B0609070205080204" pitchFamily="49" charset="-128"/>
-              </a:rPr>
-              <a:t> </a:t>
-            </a:r>
-            <a:r>
-              <a:rPr lang="sv-SE" altLang="ja-JP" sz="1800" strike="dblStrike" dirty="0">
-                <a:solidFill>
-                  <a:srgbClr val="008080"/>
-                </a:solidFill>
-                <a:ea typeface="ＭＳ ゴシック" panose="020B0609070205080204" pitchFamily="49" charset="-128"/>
-              </a:rPr>
-              <a:t>&lt;&lt;</a:t>
-            </a:r>
-            <a:r>
-              <a:rPr lang="sv-SE" altLang="ja-JP" sz="1800" strike="dblStrike" dirty="0">
-                <a:solidFill>
-                  <a:srgbClr val="000000"/>
-                </a:solidFill>
-                <a:ea typeface="ＭＳ ゴシック" panose="020B0609070205080204" pitchFamily="49" charset="-128"/>
-              </a:rPr>
-              <a:t> v1</a:t>
-            </a:r>
-            <a:r>
-              <a:rPr lang="sv-SE" altLang="ja-JP" sz="1800" strike="dblStrike" dirty="0">
-                <a:solidFill>
-                  <a:srgbClr val="008080"/>
-                </a:solidFill>
-                <a:ea typeface="ＭＳ ゴシック" panose="020B0609070205080204" pitchFamily="49" charset="-128"/>
-              </a:rPr>
-              <a:t>[</a:t>
-            </a:r>
-            <a:r>
-              <a:rPr lang="sv-SE" altLang="ja-JP" sz="1800" strike="dblStrike" dirty="0">
-                <a:solidFill>
-                  <a:srgbClr val="000000"/>
-                </a:solidFill>
-                <a:ea typeface="ＭＳ ゴシック" panose="020B0609070205080204" pitchFamily="49" charset="-128"/>
-              </a:rPr>
-              <a:t>i</a:t>
-            </a:r>
-            <a:r>
-              <a:rPr lang="sv-SE" altLang="ja-JP" sz="1800" strike="dblStrike" dirty="0">
-                <a:solidFill>
-                  <a:srgbClr val="008080"/>
-                </a:solidFill>
-                <a:ea typeface="ＭＳ ゴシック" panose="020B0609070205080204" pitchFamily="49" charset="-128"/>
-              </a:rPr>
-              <a:t>]</a:t>
-            </a:r>
-            <a:r>
-              <a:rPr lang="sv-SE" altLang="ja-JP" sz="1800" strike="dblStrike" dirty="0">
-                <a:solidFill>
-                  <a:srgbClr val="000000"/>
-                </a:solidFill>
-                <a:ea typeface="ＭＳ ゴシック" panose="020B0609070205080204" pitchFamily="49" charset="-128"/>
-              </a:rPr>
-              <a:t> </a:t>
-            </a:r>
-            <a:r>
-              <a:rPr lang="sv-SE" altLang="ja-JP" sz="1800" strike="dblStrike" dirty="0">
-                <a:solidFill>
-                  <a:srgbClr val="008080"/>
-                </a:solidFill>
-                <a:ea typeface="ＭＳ ゴシック" panose="020B0609070205080204" pitchFamily="49" charset="-128"/>
-              </a:rPr>
-              <a:t>&lt;&lt;</a:t>
-            </a:r>
-            <a:r>
-              <a:rPr lang="sv-SE" altLang="ja-JP" sz="1800" strike="dblStrike" dirty="0">
-                <a:solidFill>
-                  <a:srgbClr val="000000"/>
-                </a:solidFill>
-                <a:ea typeface="ＭＳ ゴシック" panose="020B0609070205080204" pitchFamily="49" charset="-128"/>
-              </a:rPr>
-              <a:t> endl;</a:t>
-            </a:r>
-          </a:p>
-          <a:p>
-            <a:r>
-              <a:rPr lang="en-US" altLang="ja-JP" sz="1800" strike="dblStrike" dirty="0">
-                <a:solidFill>
-                  <a:srgbClr val="000000"/>
-                </a:solidFill>
-                <a:ea typeface="ＭＳ ゴシック" panose="020B0609070205080204" pitchFamily="49" charset="-128"/>
-              </a:rPr>
-              <a:t>	}</a:t>
-            </a:r>
-          </a:p>
-          <a:p>
-            <a:r>
-              <a:rPr lang="nn-NO" altLang="ja-JP" sz="1800" strike="dblStrike" dirty="0">
-                <a:solidFill>
-                  <a:srgbClr val="0000FF"/>
-                </a:solidFill>
-                <a:ea typeface="ＭＳ ゴシック" panose="020B0609070205080204" pitchFamily="49" charset="-128"/>
-              </a:rPr>
-              <a:t>	for</a:t>
-            </a:r>
-            <a:r>
-              <a:rPr lang="nn-NO" altLang="ja-JP" sz="1800" strike="dblStrike" dirty="0">
-                <a:solidFill>
-                  <a:srgbClr val="000000"/>
-                </a:solidFill>
-                <a:ea typeface="ＭＳ ゴシック" panose="020B0609070205080204" pitchFamily="49" charset="-128"/>
-              </a:rPr>
-              <a:t> (</a:t>
-            </a:r>
-            <a:r>
-              <a:rPr lang="nn-NO" altLang="ja-JP" sz="1800" strike="dblStrike" dirty="0">
-                <a:solidFill>
-                  <a:srgbClr val="FF0000"/>
-                </a:solidFill>
-                <a:ea typeface="ＭＳ ゴシック" panose="020B0609070205080204" pitchFamily="49" charset="-128"/>
-              </a:rPr>
-              <a:t>auto</a:t>
-            </a:r>
-            <a:r>
-              <a:rPr lang="nn-NO" altLang="ja-JP" sz="1800" strike="dblStrike" dirty="0">
-                <a:solidFill>
-                  <a:srgbClr val="000000"/>
-                </a:solidFill>
-                <a:ea typeface="ＭＳ ゴシック" panose="020B0609070205080204" pitchFamily="49" charset="-128"/>
-              </a:rPr>
-              <a:t> </a:t>
-            </a:r>
-            <a:r>
-              <a:rPr lang="en-US" altLang="ja-JP" strike="dblStrike" dirty="0">
+              <a:rPr lang="sv-SE" altLang="ja-JP" sz="1800" dirty="0">
+                <a:solidFill>
+                  <a:srgbClr val="00B050"/>
+                </a:solidFill>
+                <a:ea typeface="ＭＳ ゴシック" panose="020B0609070205080204" pitchFamily="49" charset="-128"/>
+              </a:rPr>
+              <a:t>cout &lt;&lt; ”v1[" &lt;&lt; i &lt;&lt; "]=" &lt;&lt; v1[i] &lt;&lt; endl;</a:t>
+            </a:r>
+          </a:p>
+          <a:p>
+            <a:r>
+              <a:rPr lang="en-US" altLang="ja-JP" sz="1800" dirty="0">
+                <a:solidFill>
+                  <a:srgbClr val="00B050"/>
+                </a:solidFill>
+                <a:ea typeface="ＭＳ ゴシック" panose="020B0609070205080204" pitchFamily="49" charset="-128"/>
+              </a:rPr>
+              <a:t>	// }</a:t>
+            </a:r>
+          </a:p>
+          <a:p>
+            <a:r>
+              <a:rPr lang="nn-NO" altLang="ja-JP" sz="1800" dirty="0">
+                <a:solidFill>
+                  <a:srgbClr val="00B050"/>
+                </a:solidFill>
+                <a:ea typeface="ＭＳ ゴシック" panose="020B0609070205080204" pitchFamily="49" charset="-128"/>
+              </a:rPr>
+              <a:t>	// for (auto </a:t>
+            </a:r>
+            <a:r>
+              <a:rPr lang="en-US" altLang="ja-JP" dirty="0">
+                <a:solidFill>
+                  <a:srgbClr val="00B050"/>
+                </a:solidFill>
                 <a:ea typeface="ＭＳ ゴシック" panose="020B0609070205080204" pitchFamily="49" charset="-128"/>
               </a:rPr>
               <a:t>itrV1 = v1.begin()</a:t>
             </a:r>
             <a:r>
-              <a:rPr lang="nn-NO" altLang="ja-JP" sz="1800" strike="dblStrike" dirty="0">
-                <a:solidFill>
-                  <a:srgbClr val="000000"/>
+              <a:rPr lang="nn-NO" altLang="ja-JP" sz="1800" dirty="0">
+                <a:solidFill>
+                  <a:srgbClr val="00B050"/>
                 </a:solidFill>
                 <a:ea typeface="ＭＳ ゴシック" panose="020B0609070205080204" pitchFamily="49" charset="-128"/>
               </a:rPr>
               <a:t>; itrV1 != </a:t>
             </a:r>
             <a:r>
-              <a:rPr lang="en-US" altLang="ja-JP" strike="dblStrike" dirty="0">
+              <a:rPr lang="en-US" altLang="ja-JP" dirty="0">
+                <a:solidFill>
+                  <a:srgbClr val="00B050"/>
+                </a:solidFill>
                 <a:ea typeface="ＭＳ ゴシック" panose="020B0609070205080204" pitchFamily="49" charset="-128"/>
               </a:rPr>
               <a:t>v1.end()</a:t>
             </a:r>
             <a:r>
-              <a:rPr lang="nn-NO" altLang="ja-JP" sz="1800" strike="dblStrike" dirty="0">
-                <a:solidFill>
-                  <a:srgbClr val="000000"/>
+              <a:rPr lang="nn-NO" altLang="ja-JP" sz="1800" dirty="0">
+                <a:solidFill>
+                  <a:srgbClr val="00B050"/>
                 </a:solidFill>
                 <a:ea typeface="ＭＳ ゴシック" panose="020B0609070205080204" pitchFamily="49" charset="-128"/>
               </a:rPr>
@@ -18192,87 +18766,60 @@
           </a:p>
           <a:p>
             <a:r>
-              <a:rPr lang="sv-SE" altLang="ja-JP" sz="1800" strike="dblStrike" dirty="0">
-                <a:solidFill>
-                  <a:srgbClr val="000000"/>
-                </a:solidFill>
-                <a:ea typeface="ＭＳ ゴシック" panose="020B0609070205080204" pitchFamily="49" charset="-128"/>
-              </a:rPr>
-              <a:t>		</a:t>
-            </a:r>
-            <a:r>
-              <a:rPr lang="en-US" altLang="ja-JP" sz="1800" strike="dblStrike" dirty="0">
-                <a:solidFill>
-                  <a:srgbClr val="2B91AF"/>
-                </a:solidFill>
-                <a:ea typeface="ＭＳ ゴシック" panose="020B0609070205080204" pitchFamily="49" charset="-128"/>
-              </a:rPr>
-              <a:t> </a:t>
-            </a:r>
-            <a:r>
-              <a:rPr lang="sv-SE" altLang="ja-JP" sz="1800" strike="dblStrike" dirty="0">
-                <a:solidFill>
-                  <a:srgbClr val="000000"/>
-                </a:solidFill>
-                <a:ea typeface="ＭＳ ゴシック" panose="020B0609070205080204" pitchFamily="49" charset="-128"/>
-              </a:rPr>
-              <a:t>cout </a:t>
-            </a:r>
-            <a:r>
-              <a:rPr lang="sv-SE" altLang="ja-JP" sz="1800" strike="dblStrike" dirty="0">
-                <a:solidFill>
-                  <a:srgbClr val="008080"/>
-                </a:solidFill>
-                <a:ea typeface="ＭＳ ゴシック" panose="020B0609070205080204" pitchFamily="49" charset="-128"/>
-              </a:rPr>
-              <a:t>&lt;&lt;</a:t>
-            </a:r>
-            <a:r>
-              <a:rPr lang="sv-SE" altLang="ja-JP" sz="1800" strike="dblStrike" dirty="0">
-                <a:solidFill>
-                  <a:srgbClr val="000000"/>
-                </a:solidFill>
-                <a:ea typeface="ＭＳ ゴシック" panose="020B0609070205080204" pitchFamily="49" charset="-128"/>
-              </a:rPr>
-              <a:t> </a:t>
-            </a:r>
-            <a:r>
-              <a:rPr lang="sv-SE" altLang="ja-JP" sz="2000" b="1" strike="dblStrike" dirty="0">
-                <a:solidFill>
-                  <a:srgbClr val="FF0000"/>
+              <a:rPr lang="sv-SE" altLang="ja-JP" sz="1800" dirty="0">
+                <a:solidFill>
+                  <a:srgbClr val="00B050"/>
+                </a:solidFill>
+                <a:ea typeface="ＭＳ ゴシック" panose="020B0609070205080204" pitchFamily="49" charset="-128"/>
+              </a:rPr>
+              <a:t>	//	</a:t>
+            </a:r>
+            <a:r>
+              <a:rPr lang="en-US" altLang="ja-JP" sz="1800" dirty="0">
+                <a:solidFill>
+                  <a:srgbClr val="00B050"/>
+                </a:solidFill>
+                <a:ea typeface="ＭＳ ゴシック" panose="020B0609070205080204" pitchFamily="49" charset="-128"/>
+              </a:rPr>
+              <a:t>  </a:t>
+            </a:r>
+            <a:r>
+              <a:rPr lang="sv-SE" altLang="ja-JP" sz="1800" dirty="0">
+                <a:solidFill>
+                  <a:srgbClr val="00B050"/>
+                </a:solidFill>
+                <a:ea typeface="ＭＳ ゴシック" panose="020B0609070205080204" pitchFamily="49" charset="-128"/>
+              </a:rPr>
+              <a:t>cout &lt;&lt; </a:t>
+            </a:r>
+            <a:r>
+              <a:rPr lang="sv-SE" altLang="ja-JP" sz="2000" b="1" dirty="0">
+                <a:solidFill>
+                  <a:srgbClr val="00B050"/>
                 </a:solidFill>
                 <a:ea typeface="ＭＳ ゴシック" panose="020B0609070205080204" pitchFamily="49" charset="-128"/>
               </a:rPr>
               <a:t>*itrV1 </a:t>
             </a:r>
             <a:r>
-              <a:rPr lang="sv-SE" altLang="ja-JP" sz="1800" strike="dblStrike" dirty="0">
-                <a:solidFill>
-                  <a:srgbClr val="008080"/>
-                </a:solidFill>
-                <a:ea typeface="ＭＳ ゴシック" panose="020B0609070205080204" pitchFamily="49" charset="-128"/>
-              </a:rPr>
-              <a:t>&lt;&lt;</a:t>
-            </a:r>
-            <a:r>
-              <a:rPr lang="sv-SE" altLang="ja-JP" sz="1800" strike="dblStrike" dirty="0">
-                <a:solidFill>
-                  <a:srgbClr val="000000"/>
-                </a:solidFill>
-                <a:ea typeface="ＭＳ ゴシック" panose="020B0609070205080204" pitchFamily="49" charset="-128"/>
-              </a:rPr>
-              <a:t> endl; </a:t>
-            </a:r>
-          </a:p>
-          <a:p>
-            <a:r>
-              <a:rPr lang="en-US" altLang="ja-JP" sz="1800" strike="dblStrike" dirty="0">
-                <a:solidFill>
-                  <a:srgbClr val="000000"/>
-                </a:solidFill>
-                <a:ea typeface="ＭＳ ゴシック" panose="020B0609070205080204" pitchFamily="49" charset="-128"/>
-              </a:rPr>
-              <a:t>	}</a:t>
+              <a:rPr lang="sv-SE" altLang="ja-JP" sz="1800" dirty="0">
+                <a:solidFill>
+                  <a:srgbClr val="00B050"/>
+                </a:solidFill>
+                <a:ea typeface="ＭＳ ゴシック" panose="020B0609070205080204" pitchFamily="49" charset="-128"/>
+              </a:rPr>
+              <a:t>&lt;&lt; endl; </a:t>
+            </a:r>
+          </a:p>
+          <a:p>
+            <a:r>
+              <a:rPr lang="en-US" altLang="ja-JP" sz="1800" dirty="0">
+                <a:solidFill>
+                  <a:srgbClr val="00B050"/>
+                </a:solidFill>
+                <a:ea typeface="ＭＳ ゴシック" panose="020B0609070205080204" pitchFamily="49" charset="-128"/>
+              </a:rPr>
+              <a:t>	// }</a:t>
             </a:r>
           </a:p>
           <a:p>
@@ -18504,13 +19051,13 @@
         </p:nvSpPr>
         <p:spPr>
           <a:xfrm>
-            <a:off x="6450677" y="3312189"/>
+            <a:off x="2766184" y="6223220"/>
             <a:ext cx="4473484" cy="447473"/>
           </a:xfrm>
           <a:prstGeom prst="wedgeRectCallout">
             <a:avLst>
-              <a:gd name="adj1" fmla="val -42474"/>
-              <a:gd name="adj2" fmla="val -150544"/>
+              <a:gd name="adj1" fmla="val -36662"/>
+              <a:gd name="adj2" fmla="val -100459"/>
             </a:avLst>
           </a:prstGeom>
           <a:solidFill>
@@ -18544,7 +19091,23 @@
                   <a:schemeClr val="bg1"/>
                 </a:solidFill>
               </a:rPr>
-              <a:t>イテレータを用いた要素の表示</a:t>
+              <a:t>範囲</a:t>
+            </a:r>
+            <a:r>
+              <a:rPr kumimoji="1" lang="en-US" altLang="ja-JP" sz="2000" dirty="0">
+                <a:solidFill>
+                  <a:schemeClr val="bg1"/>
+                </a:solidFill>
+              </a:rPr>
+              <a:t>for</a:t>
+            </a:r>
+            <a:r>
+              <a:rPr kumimoji="1" lang="ja-JP" altLang="en-US" sz="2000" dirty="0">
+                <a:solidFill>
+                  <a:schemeClr val="bg1"/>
+                </a:solidFill>
+              </a:rPr>
+              <a:t>を用いた要素の表示</a:t>
             </a:r>
           </a:p>
         </p:txBody>
@@ -19848,27 +20411,12 @@
             </a:r>
             <a:r>
               <a:rPr lang="ja-JP" altLang="en-US" dirty="0"/>
-              <a:t>を使う利点</a:t>
-            </a:r>
-            <a:br>
-              <a:rPr lang="en-US" altLang="ja-JP" dirty="0"/>
-            </a:br>
+              <a:t>クラスのメンバ関数</a:t>
+            </a:r>
             <a:endParaRPr lang="en-US" altLang="ja-JP" dirty="0"/>
           </a:p>
           <a:p>
             <a:pPr lvl="1"/>
-            <a:r>
-              <a:rPr lang="en-US" altLang="ja-JP" dirty="0"/>
-              <a:t>vector</a:t>
-            </a:r>
-            <a:r>
-              <a:rPr lang="ja-JP" altLang="en-US" dirty="0"/>
-              <a:t>クラスのメンバ関数</a:t>
-            </a:r>
-            <a:endParaRPr lang="en-US" altLang="ja-JP" dirty="0"/>
-          </a:p>
-          <a:p>
-            <a:pPr lvl="2"/>
             <a:r>
               <a:rPr lang="en-US" altLang="ja-JP" dirty="0"/>
               <a:t>size()		:</a:t>
@@ -19880,7 +20428,7 @@
             <a:endParaRPr lang="en-US" altLang="ja-JP" dirty="0"/>
           </a:p>
           <a:p>
-            <a:pPr lvl="2"/>
+            <a:pPr lvl="1"/>
             <a:r>
               <a:rPr lang="en-US" altLang="ja-JP" dirty="0" err="1"/>
               <a:t>push_back</a:t>
@@ -19896,7 +20444,23 @@
             <a:endParaRPr lang="en-US" altLang="ja-JP" dirty="0"/>
           </a:p>
           <a:p>
-            <a:pPr lvl="2"/>
+            <a:pPr lvl="1"/>
+            <a:r>
+              <a:rPr lang="en-US" altLang="ja-JP" dirty="0" err="1"/>
+              <a:t>emplace_back</a:t>
+            </a:r>
+            <a:r>
+              <a:rPr lang="en-US" altLang="ja-JP" dirty="0"/>
+              <a:t>():</a:t>
+            </a:r>
+            <a:r>
+              <a:rPr lang="ja-JP" altLang="en-US" dirty="0"/>
+              <a:t>配列末尾に要素を付け加える</a:t>
+            </a:r>
+            <a:endParaRPr lang="en-US" altLang="ja-JP" dirty="0"/>
+          </a:p>
+          <a:p>
+            <a:pPr lvl="1"/>
             <a:r>
               <a:rPr lang="en-US" altLang="ja-JP" dirty="0" err="1"/>
               <a:t>pop_back</a:t>
@@ -19912,7 +20476,7 @@
             <a:endParaRPr lang="en-US" altLang="ja-JP" dirty="0"/>
           </a:p>
           <a:p>
-            <a:pPr lvl="2"/>
+            <a:pPr lvl="1"/>
             <a:r>
               <a:rPr lang="en-US" altLang="ja-JP" dirty="0"/>
               <a:t>erase()		:</a:t>
@@ -19924,10 +20488,10 @@
             <a:endParaRPr lang="en-US" altLang="ja-JP" dirty="0"/>
           </a:p>
           <a:p>
-            <a:pPr lvl="2"/>
+            <a:pPr lvl="1"/>
             <a:r>
               <a:rPr lang="en-US" altLang="ja-JP" dirty="0"/>
-              <a:t>insert()	:</a:t>
+              <a:t>insert()		:</a:t>
             </a:r>
             <a:r>
               <a:rPr lang="ja-JP" altLang="en-US" dirty="0"/>
@@ -19936,7 +20500,7 @@
             <a:endParaRPr lang="en-US" altLang="ja-JP" dirty="0"/>
           </a:p>
           <a:p>
-            <a:pPr lvl="2"/>
+            <a:pPr lvl="1"/>
             <a:r>
               <a:rPr lang="en-US" altLang="ja-JP" dirty="0"/>
               <a:t>empty()		:</a:t>
@@ -19956,7 +20520,7 @@
             <a:endParaRPr lang="en-US" altLang="ja-JP" dirty="0"/>
           </a:p>
           <a:p>
-            <a:pPr lvl="2"/>
+            <a:pPr lvl="1"/>
             <a:r>
               <a:rPr lang="en-US" altLang="ja-JP" dirty="0"/>
               <a:t>clear()		:</a:t>

--- a/授業資料/講義資料：Vectorクラス.pptx
+++ b/授業資料/講義資料：Vectorクラス.pptx
@@ -23,12 +23,12 @@
     <p:sldId id="368" r:id="rId17"/>
     <p:sldId id="360" r:id="rId18"/>
     <p:sldId id="365" r:id="rId19"/>
-    <p:sldId id="369" r:id="rId20"/>
-    <p:sldId id="371" r:id="rId21"/>
-    <p:sldId id="372" r:id="rId22"/>
-    <p:sldId id="361" r:id="rId23"/>
-    <p:sldId id="359" r:id="rId24"/>
-    <p:sldId id="375" r:id="rId25"/>
+    <p:sldId id="371" r:id="rId20"/>
+    <p:sldId id="372" r:id="rId21"/>
+    <p:sldId id="359" r:id="rId22"/>
+    <p:sldId id="375" r:id="rId23"/>
+    <p:sldId id="361" r:id="rId24"/>
+    <p:sldId id="377" r:id="rId25"/>
     <p:sldId id="364" r:id="rId26"/>
     <p:sldId id="366" r:id="rId27"/>
     <p:sldId id="367" r:id="rId28"/>
@@ -271,7 +271,7 @@
           <a:p>
             <a:fld id="{5B96D3F8-CD2E-4A0D-AC38-517181EABB18}" type="datetimeFigureOut">
               <a:rPr kumimoji="1" lang="ja-JP" altLang="en-US" smtClean="0"/>
-              <a:t>2024/10/8</a:t>
+              <a:t>2024/10/9</a:t>
             </a:fld>
             <a:endParaRPr kumimoji="1" lang="ja-JP" altLang="en-US"/>
           </a:p>
@@ -473,7 +473,7 @@
           <a:p>
             <a:fld id="{5B96D3F8-CD2E-4A0D-AC38-517181EABB18}" type="datetimeFigureOut">
               <a:rPr kumimoji="1" lang="ja-JP" altLang="en-US" smtClean="0"/>
-              <a:t>2024/10/8</a:t>
+              <a:t>2024/10/9</a:t>
             </a:fld>
             <a:endParaRPr kumimoji="1" lang="ja-JP" altLang="en-US"/>
           </a:p>
@@ -685,7 +685,7 @@
           <a:p>
             <a:fld id="{5B96D3F8-CD2E-4A0D-AC38-517181EABB18}" type="datetimeFigureOut">
               <a:rPr kumimoji="1" lang="ja-JP" altLang="en-US" smtClean="0"/>
-              <a:t>2024/10/8</a:t>
+              <a:t>2024/10/9</a:t>
             </a:fld>
             <a:endParaRPr kumimoji="1" lang="ja-JP" altLang="en-US"/>
           </a:p>
@@ -887,7 +887,7 @@
           <a:p>
             <a:fld id="{5B96D3F8-CD2E-4A0D-AC38-517181EABB18}" type="datetimeFigureOut">
               <a:rPr kumimoji="1" lang="ja-JP" altLang="en-US" smtClean="0"/>
-              <a:t>2024/10/8</a:t>
+              <a:t>2024/10/9</a:t>
             </a:fld>
             <a:endParaRPr kumimoji="1" lang="ja-JP" altLang="en-US"/>
           </a:p>
@@ -1133,7 +1133,7 @@
           <a:p>
             <a:fld id="{5B96D3F8-CD2E-4A0D-AC38-517181EABB18}" type="datetimeFigureOut">
               <a:rPr kumimoji="1" lang="ja-JP" altLang="en-US" smtClean="0"/>
-              <a:t>2024/10/8</a:t>
+              <a:t>2024/10/9</a:t>
             </a:fld>
             <a:endParaRPr kumimoji="1" lang="ja-JP" altLang="en-US"/>
           </a:p>
@@ -1429,7 +1429,7 @@
           <a:p>
             <a:fld id="{5B96D3F8-CD2E-4A0D-AC38-517181EABB18}" type="datetimeFigureOut">
               <a:rPr kumimoji="1" lang="ja-JP" altLang="en-US" smtClean="0"/>
-              <a:t>2024/10/8</a:t>
+              <a:t>2024/10/9</a:t>
             </a:fld>
             <a:endParaRPr kumimoji="1" lang="ja-JP" altLang="en-US"/>
           </a:p>
@@ -1860,7 +1860,7 @@
           <a:p>
             <a:fld id="{5B96D3F8-CD2E-4A0D-AC38-517181EABB18}" type="datetimeFigureOut">
               <a:rPr kumimoji="1" lang="ja-JP" altLang="en-US" smtClean="0"/>
-              <a:t>2024/10/8</a:t>
+              <a:t>2024/10/9</a:t>
             </a:fld>
             <a:endParaRPr kumimoji="1" lang="ja-JP" altLang="en-US"/>
           </a:p>
@@ -1978,7 +1978,7 @@
           <a:p>
             <a:fld id="{5B96D3F8-CD2E-4A0D-AC38-517181EABB18}" type="datetimeFigureOut">
               <a:rPr kumimoji="1" lang="ja-JP" altLang="en-US" smtClean="0"/>
-              <a:t>2024/10/8</a:t>
+              <a:t>2024/10/9</a:t>
             </a:fld>
             <a:endParaRPr kumimoji="1" lang="ja-JP" altLang="en-US"/>
           </a:p>
@@ -2073,7 +2073,7 @@
           <a:p>
             <a:fld id="{5B96D3F8-CD2E-4A0D-AC38-517181EABB18}" type="datetimeFigureOut">
               <a:rPr kumimoji="1" lang="ja-JP" altLang="en-US" smtClean="0"/>
-              <a:t>2024/10/8</a:t>
+              <a:t>2024/10/9</a:t>
             </a:fld>
             <a:endParaRPr kumimoji="1" lang="ja-JP" altLang="en-US"/>
           </a:p>
@@ -2382,7 +2382,7 @@
           <a:p>
             <a:fld id="{5B96D3F8-CD2E-4A0D-AC38-517181EABB18}" type="datetimeFigureOut">
               <a:rPr kumimoji="1" lang="ja-JP" altLang="en-US" smtClean="0"/>
-              <a:t>2024/10/8</a:t>
+              <a:t>2024/10/9</a:t>
             </a:fld>
             <a:endParaRPr kumimoji="1" lang="ja-JP" altLang="en-US"/>
           </a:p>
@@ -2639,7 +2639,7 @@
           <a:p>
             <a:fld id="{5B96D3F8-CD2E-4A0D-AC38-517181EABB18}" type="datetimeFigureOut">
               <a:rPr kumimoji="1" lang="ja-JP" altLang="en-US" smtClean="0"/>
-              <a:t>2024/10/8</a:t>
+              <a:t>2024/10/9</a:t>
             </a:fld>
             <a:endParaRPr kumimoji="1" lang="ja-JP" altLang="en-US"/>
           </a:p>
@@ -2884,7 +2884,7 @@
           <a:p>
             <a:fld id="{5B96D3F8-CD2E-4A0D-AC38-517181EABB18}" type="datetimeFigureOut">
               <a:rPr kumimoji="1" lang="ja-JP" altLang="en-US" smtClean="0"/>
-              <a:t>2024/10/8</a:t>
+              <a:t>2024/10/9</a:t>
             </a:fld>
             <a:endParaRPr kumimoji="1" lang="ja-JP" altLang="en-US"/>
           </a:p>
@@ -8476,1115 +8476,6 @@
 </file>
 
 <file path=ppt/slides/slide19.xml><?xml version="1.0" encoding="utf-8"?>
-<p:sld xmlns:a="http://schemas.openxmlformats.org/drawingml/2006/main" xmlns:r="http://schemas.openxmlformats.org/officeDocument/2006/relationships" xmlns:p="http://schemas.openxmlformats.org/presentationml/2006/main" show="0">
-  <p:cSld>
-    <p:spTree>
-      <p:nvGrpSpPr>
-        <p:cNvPr id="1" name=""/>
-        <p:cNvGrpSpPr/>
-        <p:nvPr/>
-      </p:nvGrpSpPr>
-      <p:grpSpPr>
-        <a:xfrm>
-          <a:off x="0" y="0"/>
-          <a:ext cx="0" cy="0"/>
-          <a:chOff x="0" y="0"/>
-          <a:chExt cx="0" cy="0"/>
-        </a:xfrm>
-      </p:grpSpPr>
-      <p:sp>
-        <p:nvSpPr>
-          <p:cNvPr id="2" name="タイトル 1">
-            <a:extLst>
-              <a:ext uri="{FF2B5EF4-FFF2-40B4-BE49-F238E27FC236}">
-                <a16:creationId xmlns:a16="http://schemas.microsoft.com/office/drawing/2014/main" id="{9F789731-37C4-49DD-AEE8-78E5514E279E}"/>
-              </a:ext>
-            </a:extLst>
-          </p:cNvPr>
-          <p:cNvSpPr>
-            <a:spLocks noGrp="1"/>
-          </p:cNvSpPr>
-          <p:nvPr>
-            <p:ph type="title"/>
-          </p:nvPr>
-        </p:nvSpPr>
-        <p:spPr/>
-        <p:txBody>
-          <a:bodyPr/>
-          <a:lstStyle/>
-          <a:p>
-            <a:r>
-              <a:rPr kumimoji="1" lang="ja-JP" altLang="en-US" dirty="0"/>
-              <a:t>イテレータ（</a:t>
-            </a:r>
-            <a:r>
-              <a:rPr kumimoji="1" lang="en-US" altLang="ja-JP" dirty="0"/>
-              <a:t>iterator</a:t>
-            </a:r>
-            <a:r>
-              <a:rPr kumimoji="1" lang="ja-JP" altLang="en-US" dirty="0"/>
-              <a:t>：反復子）</a:t>
-            </a:r>
-          </a:p>
-        </p:txBody>
-      </p:sp>
-      <p:sp>
-        <p:nvSpPr>
-          <p:cNvPr id="3" name="コンテンツ プレースホルダー 2">
-            <a:extLst>
-              <a:ext uri="{FF2B5EF4-FFF2-40B4-BE49-F238E27FC236}">
-                <a16:creationId xmlns:a16="http://schemas.microsoft.com/office/drawing/2014/main" id="{39562F0E-6033-40BD-BCB8-F015661306FD}"/>
-              </a:ext>
-            </a:extLst>
-          </p:cNvPr>
-          <p:cNvSpPr>
-            <a:spLocks noGrp="1"/>
-          </p:cNvSpPr>
-          <p:nvPr>
-            <p:ph idx="1"/>
-          </p:nvPr>
-        </p:nvSpPr>
-        <p:spPr/>
-        <p:txBody>
-          <a:bodyPr>
-            <a:normAutofit/>
-          </a:bodyPr>
-          <a:lstStyle/>
-          <a:p>
-            <a:endParaRPr lang="en-US" altLang="ja-JP" dirty="0"/>
-          </a:p>
-        </p:txBody>
-      </p:sp>
-      <p:sp>
-        <p:nvSpPr>
-          <p:cNvPr id="4" name="正方形/長方形 3">
-            <a:extLst>
-              <a:ext uri="{FF2B5EF4-FFF2-40B4-BE49-F238E27FC236}">
-                <a16:creationId xmlns:a16="http://schemas.microsoft.com/office/drawing/2014/main" id="{8C92A0CA-C692-84F3-EDE3-3924A2951327}"/>
-              </a:ext>
-            </a:extLst>
-          </p:cNvPr>
-          <p:cNvSpPr/>
-          <p:nvPr/>
-        </p:nvSpPr>
-        <p:spPr>
-          <a:xfrm>
-            <a:off x="2548646" y="3083668"/>
-            <a:ext cx="1206229" cy="1206229"/>
-          </a:xfrm>
-          <a:prstGeom prst="rect">
-            <a:avLst/>
-          </a:prstGeom>
-          <a:solidFill>
-            <a:srgbClr val="00B050"/>
-          </a:solidFill>
-          <a:ln w="28575">
-            <a:solidFill>
-              <a:schemeClr val="tx1"/>
-            </a:solidFill>
-          </a:ln>
-        </p:spPr>
-        <p:style>
-          <a:lnRef idx="2">
-            <a:schemeClr val="accent1">
-              <a:shade val="15000"/>
-            </a:schemeClr>
-          </a:lnRef>
-          <a:fillRef idx="1">
-            <a:schemeClr val="accent1"/>
-          </a:fillRef>
-          <a:effectRef idx="0">
-            <a:schemeClr val="accent1"/>
-          </a:effectRef>
-          <a:fontRef idx="minor">
-            <a:schemeClr val="lt1"/>
-          </a:fontRef>
-        </p:style>
-        <p:txBody>
-          <a:bodyPr rtlCol="0" anchor="ctr"/>
-          <a:lstStyle/>
-          <a:p>
-            <a:pPr algn="ctr"/>
-            <a:endParaRPr kumimoji="1" lang="ja-JP" altLang="en-US"/>
-          </a:p>
-        </p:txBody>
-      </p:sp>
-      <p:sp>
-        <p:nvSpPr>
-          <p:cNvPr id="5" name="正方形/長方形 4">
-            <a:extLst>
-              <a:ext uri="{FF2B5EF4-FFF2-40B4-BE49-F238E27FC236}">
-                <a16:creationId xmlns:a16="http://schemas.microsoft.com/office/drawing/2014/main" id="{3249FE8C-08EA-7AE9-542F-0327CD755D0D}"/>
-              </a:ext>
-            </a:extLst>
-          </p:cNvPr>
-          <p:cNvSpPr/>
-          <p:nvPr/>
-        </p:nvSpPr>
-        <p:spPr>
-          <a:xfrm>
-            <a:off x="3754875" y="3083668"/>
-            <a:ext cx="1206229" cy="1206229"/>
-          </a:xfrm>
-          <a:prstGeom prst="rect">
-            <a:avLst/>
-          </a:prstGeom>
-          <a:solidFill>
-            <a:srgbClr val="00B050"/>
-          </a:solidFill>
-          <a:ln w="28575">
-            <a:solidFill>
-              <a:schemeClr val="tx1"/>
-            </a:solidFill>
-          </a:ln>
-        </p:spPr>
-        <p:style>
-          <a:lnRef idx="2">
-            <a:schemeClr val="accent1">
-              <a:shade val="15000"/>
-            </a:schemeClr>
-          </a:lnRef>
-          <a:fillRef idx="1">
-            <a:schemeClr val="accent1"/>
-          </a:fillRef>
-          <a:effectRef idx="0">
-            <a:schemeClr val="accent1"/>
-          </a:effectRef>
-          <a:fontRef idx="minor">
-            <a:schemeClr val="lt1"/>
-          </a:fontRef>
-        </p:style>
-        <p:txBody>
-          <a:bodyPr rtlCol="0" anchor="ctr"/>
-          <a:lstStyle/>
-          <a:p>
-            <a:pPr algn="ctr"/>
-            <a:endParaRPr kumimoji="1" lang="ja-JP" altLang="en-US"/>
-          </a:p>
-        </p:txBody>
-      </p:sp>
-      <p:sp>
-        <p:nvSpPr>
-          <p:cNvPr id="6" name="正方形/長方形 5">
-            <a:extLst>
-              <a:ext uri="{FF2B5EF4-FFF2-40B4-BE49-F238E27FC236}">
-                <a16:creationId xmlns:a16="http://schemas.microsoft.com/office/drawing/2014/main" id="{4B4D39F2-EB1E-1824-7142-9446B9787468}"/>
-              </a:ext>
-            </a:extLst>
-          </p:cNvPr>
-          <p:cNvSpPr/>
-          <p:nvPr/>
-        </p:nvSpPr>
-        <p:spPr>
-          <a:xfrm>
-            <a:off x="4961104" y="3083668"/>
-            <a:ext cx="1206229" cy="1206229"/>
-          </a:xfrm>
-          <a:prstGeom prst="rect">
-            <a:avLst/>
-          </a:prstGeom>
-          <a:solidFill>
-            <a:srgbClr val="00B050"/>
-          </a:solidFill>
-          <a:ln w="28575">
-            <a:solidFill>
-              <a:schemeClr val="tx1"/>
-            </a:solidFill>
-          </a:ln>
-        </p:spPr>
-        <p:style>
-          <a:lnRef idx="2">
-            <a:schemeClr val="accent1">
-              <a:shade val="15000"/>
-            </a:schemeClr>
-          </a:lnRef>
-          <a:fillRef idx="1">
-            <a:schemeClr val="accent1"/>
-          </a:fillRef>
-          <a:effectRef idx="0">
-            <a:schemeClr val="accent1"/>
-          </a:effectRef>
-          <a:fontRef idx="minor">
-            <a:schemeClr val="lt1"/>
-          </a:fontRef>
-        </p:style>
-        <p:txBody>
-          <a:bodyPr rtlCol="0" anchor="ctr"/>
-          <a:lstStyle/>
-          <a:p>
-            <a:pPr algn="ctr"/>
-            <a:endParaRPr kumimoji="1" lang="ja-JP" altLang="en-US"/>
-          </a:p>
-        </p:txBody>
-      </p:sp>
-      <p:sp>
-        <p:nvSpPr>
-          <p:cNvPr id="7" name="正方形/長方形 6">
-            <a:extLst>
-              <a:ext uri="{FF2B5EF4-FFF2-40B4-BE49-F238E27FC236}">
-                <a16:creationId xmlns:a16="http://schemas.microsoft.com/office/drawing/2014/main" id="{EE8D2B83-4289-DED2-C8BB-3DE4EFF4A40A}"/>
-              </a:ext>
-            </a:extLst>
-          </p:cNvPr>
-          <p:cNvSpPr/>
-          <p:nvPr/>
-        </p:nvSpPr>
-        <p:spPr>
-          <a:xfrm>
-            <a:off x="6167333" y="3083668"/>
-            <a:ext cx="1206229" cy="1206229"/>
-          </a:xfrm>
-          <a:prstGeom prst="rect">
-            <a:avLst/>
-          </a:prstGeom>
-          <a:solidFill>
-            <a:srgbClr val="00B050"/>
-          </a:solidFill>
-          <a:ln w="28575">
-            <a:solidFill>
-              <a:schemeClr val="tx1"/>
-            </a:solidFill>
-          </a:ln>
-        </p:spPr>
-        <p:style>
-          <a:lnRef idx="2">
-            <a:schemeClr val="accent1">
-              <a:shade val="15000"/>
-            </a:schemeClr>
-          </a:lnRef>
-          <a:fillRef idx="1">
-            <a:schemeClr val="accent1"/>
-          </a:fillRef>
-          <a:effectRef idx="0">
-            <a:schemeClr val="accent1"/>
-          </a:effectRef>
-          <a:fontRef idx="minor">
-            <a:schemeClr val="lt1"/>
-          </a:fontRef>
-        </p:style>
-        <p:txBody>
-          <a:bodyPr rtlCol="0" anchor="ctr"/>
-          <a:lstStyle/>
-          <a:p>
-            <a:pPr algn="ctr"/>
-            <a:endParaRPr kumimoji="1" lang="ja-JP" altLang="en-US"/>
-          </a:p>
-        </p:txBody>
-      </p:sp>
-      <p:sp>
-        <p:nvSpPr>
-          <p:cNvPr id="8" name="正方形/長方形 7">
-            <a:extLst>
-              <a:ext uri="{FF2B5EF4-FFF2-40B4-BE49-F238E27FC236}">
-                <a16:creationId xmlns:a16="http://schemas.microsoft.com/office/drawing/2014/main" id="{A26EEC1F-0C89-ABDB-0AB2-31CB0729918A}"/>
-              </a:ext>
-            </a:extLst>
-          </p:cNvPr>
-          <p:cNvSpPr/>
-          <p:nvPr/>
-        </p:nvSpPr>
-        <p:spPr>
-          <a:xfrm>
-            <a:off x="7373562" y="3083667"/>
-            <a:ext cx="1206229" cy="1206229"/>
-          </a:xfrm>
-          <a:prstGeom prst="rect">
-            <a:avLst/>
-          </a:prstGeom>
-          <a:solidFill>
-            <a:schemeClr val="bg1"/>
-          </a:solidFill>
-          <a:ln w="28575">
-            <a:solidFill>
-              <a:schemeClr val="tx1"/>
-            </a:solidFill>
-          </a:ln>
-        </p:spPr>
-        <p:style>
-          <a:lnRef idx="2">
-            <a:schemeClr val="accent1">
-              <a:shade val="15000"/>
-            </a:schemeClr>
-          </a:lnRef>
-          <a:fillRef idx="1">
-            <a:schemeClr val="accent1"/>
-          </a:fillRef>
-          <a:effectRef idx="0">
-            <a:schemeClr val="accent1"/>
-          </a:effectRef>
-          <a:fontRef idx="minor">
-            <a:schemeClr val="lt1"/>
-          </a:fontRef>
-        </p:style>
-        <p:txBody>
-          <a:bodyPr rtlCol="0" anchor="ctr"/>
-          <a:lstStyle/>
-          <a:p>
-            <a:pPr algn="ctr"/>
-            <a:endParaRPr kumimoji="1" lang="ja-JP" altLang="en-US"/>
-          </a:p>
-        </p:txBody>
-      </p:sp>
-      <p:sp>
-        <p:nvSpPr>
-          <p:cNvPr id="9" name="正方形/長方形 8">
-            <a:extLst>
-              <a:ext uri="{FF2B5EF4-FFF2-40B4-BE49-F238E27FC236}">
-                <a16:creationId xmlns:a16="http://schemas.microsoft.com/office/drawing/2014/main" id="{40A9A4A6-F2B6-3548-BE80-265530594254}"/>
-              </a:ext>
-            </a:extLst>
-          </p:cNvPr>
-          <p:cNvSpPr/>
-          <p:nvPr/>
-        </p:nvSpPr>
-        <p:spPr>
-          <a:xfrm>
-            <a:off x="8579791" y="3083666"/>
-            <a:ext cx="1206229" cy="1206229"/>
-          </a:xfrm>
-          <a:prstGeom prst="rect">
-            <a:avLst/>
-          </a:prstGeom>
-          <a:solidFill>
-            <a:schemeClr val="bg1"/>
-          </a:solidFill>
-          <a:ln w="28575">
-            <a:solidFill>
-              <a:schemeClr val="tx1"/>
-            </a:solidFill>
-          </a:ln>
-        </p:spPr>
-        <p:style>
-          <a:lnRef idx="2">
-            <a:schemeClr val="accent1">
-              <a:shade val="15000"/>
-            </a:schemeClr>
-          </a:lnRef>
-          <a:fillRef idx="1">
-            <a:schemeClr val="accent1"/>
-          </a:fillRef>
-          <a:effectRef idx="0">
-            <a:schemeClr val="accent1"/>
-          </a:effectRef>
-          <a:fontRef idx="minor">
-            <a:schemeClr val="lt1"/>
-          </a:fontRef>
-        </p:style>
-        <p:txBody>
-          <a:bodyPr rtlCol="0" anchor="ctr"/>
-          <a:lstStyle/>
-          <a:p>
-            <a:pPr algn="ctr"/>
-            <a:endParaRPr kumimoji="1" lang="ja-JP" altLang="en-US"/>
-          </a:p>
-        </p:txBody>
-      </p:sp>
-      <p:sp>
-        <p:nvSpPr>
-          <p:cNvPr id="10" name="正方形/長方形 9">
-            <a:extLst>
-              <a:ext uri="{FF2B5EF4-FFF2-40B4-BE49-F238E27FC236}">
-                <a16:creationId xmlns:a16="http://schemas.microsoft.com/office/drawing/2014/main" id="{008C2BF6-9DDF-FDA0-118F-E9F9C3701836}"/>
-              </a:ext>
-            </a:extLst>
-          </p:cNvPr>
-          <p:cNvSpPr/>
-          <p:nvPr/>
-        </p:nvSpPr>
-        <p:spPr>
-          <a:xfrm>
-            <a:off x="9786020" y="3083665"/>
-            <a:ext cx="1206229" cy="1206229"/>
-          </a:xfrm>
-          <a:prstGeom prst="rect">
-            <a:avLst/>
-          </a:prstGeom>
-          <a:solidFill>
-            <a:schemeClr val="bg1"/>
-          </a:solidFill>
-          <a:ln w="28575">
-            <a:solidFill>
-              <a:schemeClr val="tx1"/>
-            </a:solidFill>
-          </a:ln>
-        </p:spPr>
-        <p:style>
-          <a:lnRef idx="2">
-            <a:schemeClr val="accent1">
-              <a:shade val="15000"/>
-            </a:schemeClr>
-          </a:lnRef>
-          <a:fillRef idx="1">
-            <a:schemeClr val="accent1"/>
-          </a:fillRef>
-          <a:effectRef idx="0">
-            <a:schemeClr val="accent1"/>
-          </a:effectRef>
-          <a:fontRef idx="minor">
-            <a:schemeClr val="lt1"/>
-          </a:fontRef>
-        </p:style>
-        <p:txBody>
-          <a:bodyPr rtlCol="0" anchor="ctr"/>
-          <a:lstStyle/>
-          <a:p>
-            <a:pPr algn="ctr"/>
-            <a:endParaRPr kumimoji="1" lang="ja-JP" altLang="en-US"/>
-          </a:p>
-        </p:txBody>
-      </p:sp>
-      <p:sp>
-        <p:nvSpPr>
-          <p:cNvPr id="11" name="テキスト ボックス 10">
-            <a:extLst>
-              <a:ext uri="{FF2B5EF4-FFF2-40B4-BE49-F238E27FC236}">
-                <a16:creationId xmlns:a16="http://schemas.microsoft.com/office/drawing/2014/main" id="{B968CC95-1182-ABBA-A10E-E4145369BDF1}"/>
-              </a:ext>
-            </a:extLst>
-          </p:cNvPr>
-          <p:cNvSpPr txBox="1"/>
-          <p:nvPr/>
-        </p:nvSpPr>
-        <p:spPr>
-          <a:xfrm>
-            <a:off x="976793" y="3201822"/>
-            <a:ext cx="1521570" cy="954107"/>
-          </a:xfrm>
-          <a:prstGeom prst="rect">
-            <a:avLst/>
-          </a:prstGeom>
-          <a:noFill/>
-        </p:spPr>
-        <p:txBody>
-          <a:bodyPr wrap="none" rtlCol="0">
-            <a:spAutoFit/>
-          </a:bodyPr>
-          <a:lstStyle/>
-          <a:p>
-            <a:r>
-              <a:rPr kumimoji="1" lang="en-US" altLang="ja-JP" sz="2800" dirty="0"/>
-              <a:t>vector</a:t>
-            </a:r>
-          </a:p>
-          <a:p>
-            <a:pPr algn="ctr"/>
-            <a:r>
-              <a:rPr kumimoji="1" lang="ja-JP" altLang="en-US" sz="2800" dirty="0"/>
-              <a:t>配列</a:t>
-            </a:r>
-          </a:p>
-        </p:txBody>
-      </p:sp>
-      <p:sp>
-        <p:nvSpPr>
-          <p:cNvPr id="12" name="テキスト ボックス 11">
-            <a:extLst>
-              <a:ext uri="{FF2B5EF4-FFF2-40B4-BE49-F238E27FC236}">
-                <a16:creationId xmlns:a16="http://schemas.microsoft.com/office/drawing/2014/main" id="{02CA0A52-A2F8-E906-CE4C-EAA1E9AC4D65}"/>
-              </a:ext>
-            </a:extLst>
-          </p:cNvPr>
-          <p:cNvSpPr txBox="1"/>
-          <p:nvPr/>
-        </p:nvSpPr>
-        <p:spPr>
-          <a:xfrm>
-            <a:off x="2947481" y="2665379"/>
-            <a:ext cx="7888698" cy="369332"/>
-          </a:xfrm>
-          <a:prstGeom prst="rect">
-            <a:avLst/>
-          </a:prstGeom>
-          <a:noFill/>
-        </p:spPr>
-        <p:txBody>
-          <a:bodyPr wrap="none" rtlCol="0">
-            <a:spAutoFit/>
-          </a:bodyPr>
-          <a:lstStyle/>
-          <a:p>
-            <a:r>
-              <a:rPr kumimoji="1" lang="en-US" altLang="ja-JP" dirty="0"/>
-              <a:t>0       1        2        3       4        5       6  </a:t>
-            </a:r>
-            <a:endParaRPr kumimoji="1" lang="ja-JP" altLang="en-US" dirty="0"/>
-          </a:p>
-        </p:txBody>
-      </p:sp>
-      <p:sp>
-        <p:nvSpPr>
-          <p:cNvPr id="13" name="矢印: 下 12">
-            <a:extLst>
-              <a:ext uri="{FF2B5EF4-FFF2-40B4-BE49-F238E27FC236}">
-                <a16:creationId xmlns:a16="http://schemas.microsoft.com/office/drawing/2014/main" id="{1C70427C-FA44-744F-5CF0-F760BFD0DB1A}"/>
-              </a:ext>
-            </a:extLst>
-          </p:cNvPr>
-          <p:cNvSpPr/>
-          <p:nvPr/>
-        </p:nvSpPr>
-        <p:spPr>
-          <a:xfrm flipV="1">
-            <a:off x="2947481" y="4324052"/>
-            <a:ext cx="428017" cy="622570"/>
-          </a:xfrm>
-          <a:prstGeom prst="downArrow">
-            <a:avLst/>
-          </a:prstGeom>
-          <a:solidFill>
-            <a:srgbClr val="FF0000"/>
-          </a:solidFill>
-        </p:spPr>
-        <p:style>
-          <a:lnRef idx="2">
-            <a:schemeClr val="accent1">
-              <a:shade val="15000"/>
-            </a:schemeClr>
-          </a:lnRef>
-          <a:fillRef idx="1">
-            <a:schemeClr val="accent1"/>
-          </a:fillRef>
-          <a:effectRef idx="0">
-            <a:schemeClr val="accent1"/>
-          </a:effectRef>
-          <a:fontRef idx="minor">
-            <a:schemeClr val="lt1"/>
-          </a:fontRef>
-        </p:style>
-        <p:txBody>
-          <a:bodyPr rtlCol="0" anchor="ctr"/>
-          <a:lstStyle/>
-          <a:p>
-            <a:pPr algn="ctr"/>
-            <a:endParaRPr kumimoji="1" lang="ja-JP" altLang="en-US"/>
-          </a:p>
-        </p:txBody>
-      </p:sp>
-      <p:sp>
-        <p:nvSpPr>
-          <p:cNvPr id="14" name="矢印: 下 13">
-            <a:extLst>
-              <a:ext uri="{FF2B5EF4-FFF2-40B4-BE49-F238E27FC236}">
-                <a16:creationId xmlns:a16="http://schemas.microsoft.com/office/drawing/2014/main" id="{024950DC-1EB0-CBBB-7F54-23BFFFF8F2EE}"/>
-              </a:ext>
-            </a:extLst>
-          </p:cNvPr>
-          <p:cNvSpPr/>
-          <p:nvPr/>
-        </p:nvSpPr>
-        <p:spPr>
-          <a:xfrm flipV="1">
-            <a:off x="7762667" y="4338852"/>
-            <a:ext cx="428017" cy="622570"/>
-          </a:xfrm>
-          <a:prstGeom prst="downArrow">
-            <a:avLst/>
-          </a:prstGeom>
-          <a:solidFill>
-            <a:srgbClr val="FF0000"/>
-          </a:solidFill>
-        </p:spPr>
-        <p:style>
-          <a:lnRef idx="2">
-            <a:schemeClr val="accent1">
-              <a:shade val="15000"/>
-            </a:schemeClr>
-          </a:lnRef>
-          <a:fillRef idx="1">
-            <a:schemeClr val="accent1"/>
-          </a:fillRef>
-          <a:effectRef idx="0">
-            <a:schemeClr val="accent1"/>
-          </a:effectRef>
-          <a:fontRef idx="minor">
-            <a:schemeClr val="lt1"/>
-          </a:fontRef>
-        </p:style>
-        <p:txBody>
-          <a:bodyPr rtlCol="0" anchor="ctr"/>
-          <a:lstStyle/>
-          <a:p>
-            <a:pPr algn="ctr"/>
-            <a:endParaRPr kumimoji="1" lang="ja-JP" altLang="en-US"/>
-          </a:p>
-        </p:txBody>
-      </p:sp>
-      <p:sp>
-        <p:nvSpPr>
-          <p:cNvPr id="15" name="テキスト ボックス 14">
-            <a:extLst>
-              <a:ext uri="{FF2B5EF4-FFF2-40B4-BE49-F238E27FC236}">
-                <a16:creationId xmlns:a16="http://schemas.microsoft.com/office/drawing/2014/main" id="{25A64CC7-B77A-63FB-88E5-A5D2C4C60148}"/>
-              </a:ext>
-            </a:extLst>
-          </p:cNvPr>
-          <p:cNvSpPr txBox="1"/>
-          <p:nvPr/>
-        </p:nvSpPr>
-        <p:spPr>
-          <a:xfrm>
-            <a:off x="2279566" y="4994529"/>
-            <a:ext cx="1744388" cy="523220"/>
-          </a:xfrm>
-          <a:prstGeom prst="rect">
-            <a:avLst/>
-          </a:prstGeom>
-          <a:noFill/>
-        </p:spPr>
-        <p:txBody>
-          <a:bodyPr wrap="none" rtlCol="0">
-            <a:spAutoFit/>
-          </a:bodyPr>
-          <a:lstStyle/>
-          <a:p>
-            <a:r>
-              <a:rPr kumimoji="1" lang="en-US" altLang="ja-JP" sz="2800" dirty="0"/>
-              <a:t>begin()</a:t>
-            </a:r>
-            <a:endParaRPr kumimoji="1" lang="ja-JP" altLang="en-US" sz="2800" dirty="0"/>
-          </a:p>
-        </p:txBody>
-      </p:sp>
-      <p:sp>
-        <p:nvSpPr>
-          <p:cNvPr id="16" name="テキスト ボックス 15">
-            <a:extLst>
-              <a:ext uri="{FF2B5EF4-FFF2-40B4-BE49-F238E27FC236}">
-                <a16:creationId xmlns:a16="http://schemas.microsoft.com/office/drawing/2014/main" id="{E3AF7324-9633-8FC2-F7C1-DDB8BA082EF8}"/>
-              </a:ext>
-            </a:extLst>
-          </p:cNvPr>
-          <p:cNvSpPr txBox="1"/>
-          <p:nvPr/>
-        </p:nvSpPr>
-        <p:spPr>
-          <a:xfrm>
-            <a:off x="7324918" y="4946622"/>
-            <a:ext cx="1298753" cy="523220"/>
-          </a:xfrm>
-          <a:prstGeom prst="rect">
-            <a:avLst/>
-          </a:prstGeom>
-          <a:noFill/>
-        </p:spPr>
-        <p:txBody>
-          <a:bodyPr wrap="none" rtlCol="0">
-            <a:spAutoFit/>
-          </a:bodyPr>
-          <a:lstStyle/>
-          <a:p>
-            <a:r>
-              <a:rPr kumimoji="1" lang="en-US" altLang="ja-JP" sz="2800" dirty="0"/>
-              <a:t>end()</a:t>
-            </a:r>
-            <a:endParaRPr kumimoji="1" lang="ja-JP" altLang="en-US" sz="2800" dirty="0"/>
-          </a:p>
-        </p:txBody>
-      </p:sp>
-      <p:sp>
-        <p:nvSpPr>
-          <p:cNvPr id="17" name="テキスト ボックス 16">
-            <a:extLst>
-              <a:ext uri="{FF2B5EF4-FFF2-40B4-BE49-F238E27FC236}">
-                <a16:creationId xmlns:a16="http://schemas.microsoft.com/office/drawing/2014/main" id="{8F20C32E-466A-F0EE-C721-688F34159373}"/>
-              </a:ext>
-            </a:extLst>
-          </p:cNvPr>
-          <p:cNvSpPr txBox="1"/>
-          <p:nvPr/>
-        </p:nvSpPr>
-        <p:spPr>
-          <a:xfrm>
-            <a:off x="7573020" y="3502113"/>
-            <a:ext cx="837089" cy="369332"/>
-          </a:xfrm>
-          <a:prstGeom prst="rect">
-            <a:avLst/>
-          </a:prstGeom>
-          <a:noFill/>
-        </p:spPr>
-        <p:txBody>
-          <a:bodyPr wrap="none" rtlCol="0">
-            <a:spAutoFit/>
-          </a:bodyPr>
-          <a:lstStyle/>
-          <a:p>
-            <a:r>
-              <a:rPr kumimoji="1" lang="ja-JP" altLang="en-US" dirty="0"/>
-              <a:t>値なし</a:t>
-            </a:r>
-          </a:p>
-        </p:txBody>
-      </p:sp>
-      <p:sp>
-        <p:nvSpPr>
-          <p:cNvPr id="18" name="テキスト ボックス 17">
-            <a:extLst>
-              <a:ext uri="{FF2B5EF4-FFF2-40B4-BE49-F238E27FC236}">
-                <a16:creationId xmlns:a16="http://schemas.microsoft.com/office/drawing/2014/main" id="{80F38037-88BA-7C8C-68BE-5D37FDB5833D}"/>
-              </a:ext>
-            </a:extLst>
-          </p:cNvPr>
-          <p:cNvSpPr txBox="1"/>
-          <p:nvPr/>
-        </p:nvSpPr>
-        <p:spPr>
-          <a:xfrm>
-            <a:off x="8821410" y="3513936"/>
-            <a:ext cx="837089" cy="369332"/>
-          </a:xfrm>
-          <a:prstGeom prst="rect">
-            <a:avLst/>
-          </a:prstGeom>
-          <a:noFill/>
-        </p:spPr>
-        <p:txBody>
-          <a:bodyPr wrap="none" rtlCol="0">
-            <a:spAutoFit/>
-          </a:bodyPr>
-          <a:lstStyle/>
-          <a:p>
-            <a:r>
-              <a:rPr kumimoji="1" lang="ja-JP" altLang="en-US" dirty="0"/>
-              <a:t>値なし</a:t>
-            </a:r>
-          </a:p>
-        </p:txBody>
-      </p:sp>
-      <p:sp>
-        <p:nvSpPr>
-          <p:cNvPr id="19" name="テキスト ボックス 18">
-            <a:extLst>
-              <a:ext uri="{FF2B5EF4-FFF2-40B4-BE49-F238E27FC236}">
-                <a16:creationId xmlns:a16="http://schemas.microsoft.com/office/drawing/2014/main" id="{69158CCC-3B10-9264-A37F-30B945291A6D}"/>
-              </a:ext>
-            </a:extLst>
-          </p:cNvPr>
-          <p:cNvSpPr txBox="1"/>
-          <p:nvPr/>
-        </p:nvSpPr>
-        <p:spPr>
-          <a:xfrm>
-            <a:off x="10027639" y="3513936"/>
-            <a:ext cx="837089" cy="369332"/>
-          </a:xfrm>
-          <a:prstGeom prst="rect">
-            <a:avLst/>
-          </a:prstGeom>
-          <a:noFill/>
-        </p:spPr>
-        <p:txBody>
-          <a:bodyPr wrap="none" rtlCol="0">
-            <a:spAutoFit/>
-          </a:bodyPr>
-          <a:lstStyle/>
-          <a:p>
-            <a:r>
-              <a:rPr kumimoji="1" lang="ja-JP" altLang="en-US" dirty="0"/>
-              <a:t>値なし</a:t>
-            </a:r>
-          </a:p>
-        </p:txBody>
-      </p:sp>
-      <p:sp>
-        <p:nvSpPr>
-          <p:cNvPr id="20" name="テキスト ボックス 19">
-            <a:extLst>
-              <a:ext uri="{FF2B5EF4-FFF2-40B4-BE49-F238E27FC236}">
-                <a16:creationId xmlns:a16="http://schemas.microsoft.com/office/drawing/2014/main" id="{01055DCE-5EA7-C0AB-C41B-FC1B2973DA0D}"/>
-              </a:ext>
-            </a:extLst>
-          </p:cNvPr>
-          <p:cNvSpPr txBox="1"/>
-          <p:nvPr/>
-        </p:nvSpPr>
-        <p:spPr>
-          <a:xfrm>
-            <a:off x="2763420" y="3467769"/>
-            <a:ext cx="4424609" cy="461665"/>
-          </a:xfrm>
-          <a:prstGeom prst="rect">
-            <a:avLst/>
-          </a:prstGeom>
-          <a:noFill/>
-        </p:spPr>
-        <p:txBody>
-          <a:bodyPr wrap="none" rtlCol="0">
-            <a:spAutoFit/>
-          </a:bodyPr>
-          <a:lstStyle/>
-          <a:p>
-            <a:r>
-              <a:rPr kumimoji="1" lang="en-US" altLang="ja-JP" sz="2400" dirty="0">
-                <a:solidFill>
-                  <a:schemeClr val="bg1"/>
-                </a:solidFill>
-              </a:rPr>
-              <a:t>100</a:t>
-            </a:r>
-            <a:r>
-              <a:rPr kumimoji="1" lang="ja-JP" altLang="en-US" sz="2400" dirty="0">
-                <a:solidFill>
-                  <a:schemeClr val="bg1"/>
-                </a:solidFill>
-              </a:rPr>
-              <a:t>　　　</a:t>
-            </a:r>
-            <a:r>
-              <a:rPr kumimoji="1" lang="en-US" altLang="ja-JP" sz="2400" dirty="0">
-                <a:solidFill>
-                  <a:schemeClr val="bg1"/>
-                </a:solidFill>
-              </a:rPr>
-              <a:t>101    102   103</a:t>
-            </a:r>
-            <a:endParaRPr kumimoji="1" lang="ja-JP" altLang="en-US" sz="2400" dirty="0">
-              <a:solidFill>
-                <a:schemeClr val="bg1"/>
-              </a:solidFill>
-            </a:endParaRPr>
-          </a:p>
-        </p:txBody>
-      </p:sp>
-    </p:spTree>
-    <p:extLst>
-      <p:ext uri="{BB962C8B-B14F-4D97-AF65-F5344CB8AC3E}">
-        <p14:creationId xmlns:p14="http://schemas.microsoft.com/office/powerpoint/2010/main" val="3045694241"/>
-      </p:ext>
-    </p:extLst>
-  </p:cSld>
-  <p:clrMapOvr>
-    <a:masterClrMapping/>
-  </p:clrMapOvr>
-</p:sld>
-</file>
-
-<file path=ppt/slides/slide2.xml><?xml version="1.0" encoding="utf-8"?>
-<p:sld xmlns:a="http://schemas.openxmlformats.org/drawingml/2006/main" xmlns:r="http://schemas.openxmlformats.org/officeDocument/2006/relationships" xmlns:p="http://schemas.openxmlformats.org/presentationml/2006/main">
-  <p:cSld>
-    <p:spTree>
-      <p:nvGrpSpPr>
-        <p:cNvPr id="1" name=""/>
-        <p:cNvGrpSpPr/>
-        <p:nvPr/>
-      </p:nvGrpSpPr>
-      <p:grpSpPr>
-        <a:xfrm>
-          <a:off x="0" y="0"/>
-          <a:ext cx="0" cy="0"/>
-          <a:chOff x="0" y="0"/>
-          <a:chExt cx="0" cy="0"/>
-        </a:xfrm>
-      </p:grpSpPr>
-      <p:sp>
-        <p:nvSpPr>
-          <p:cNvPr id="2" name="タイトル 1">
-            <a:extLst>
-              <a:ext uri="{FF2B5EF4-FFF2-40B4-BE49-F238E27FC236}">
-                <a16:creationId xmlns:a16="http://schemas.microsoft.com/office/drawing/2014/main" id="{9F789731-37C4-49DD-AEE8-78E5514E279E}"/>
-              </a:ext>
-            </a:extLst>
-          </p:cNvPr>
-          <p:cNvSpPr>
-            <a:spLocks noGrp="1"/>
-          </p:cNvSpPr>
-          <p:nvPr>
-            <p:ph type="title"/>
-          </p:nvPr>
-        </p:nvSpPr>
-        <p:spPr/>
-        <p:txBody>
-          <a:bodyPr/>
-          <a:lstStyle/>
-          <a:p>
-            <a:r>
-              <a:rPr lang="en-US" altLang="ja-JP" dirty="0"/>
-              <a:t>v</a:t>
-            </a:r>
-            <a:r>
-              <a:rPr kumimoji="1" lang="en-US" altLang="ja-JP" dirty="0"/>
-              <a:t>ector</a:t>
-            </a:r>
-            <a:r>
-              <a:rPr kumimoji="1" lang="ja-JP" altLang="en-US" dirty="0"/>
-              <a:t>クラス</a:t>
-            </a:r>
-          </a:p>
-        </p:txBody>
-      </p:sp>
-      <p:sp>
-        <p:nvSpPr>
-          <p:cNvPr id="3" name="コンテンツ プレースホルダー 2">
-            <a:extLst>
-              <a:ext uri="{FF2B5EF4-FFF2-40B4-BE49-F238E27FC236}">
-                <a16:creationId xmlns:a16="http://schemas.microsoft.com/office/drawing/2014/main" id="{39562F0E-6033-40BD-BCB8-F015661306FD}"/>
-              </a:ext>
-            </a:extLst>
-          </p:cNvPr>
-          <p:cNvSpPr>
-            <a:spLocks noGrp="1"/>
-          </p:cNvSpPr>
-          <p:nvPr>
-            <p:ph idx="1"/>
-          </p:nvPr>
-        </p:nvSpPr>
-        <p:spPr/>
-        <p:txBody>
-          <a:bodyPr>
-            <a:normAutofit/>
-          </a:bodyPr>
-          <a:lstStyle/>
-          <a:p>
-            <a:r>
-              <a:rPr lang="ja-JP" altLang="en-US" dirty="0"/>
-              <a:t>コンテナクラス</a:t>
-            </a:r>
-            <a:endParaRPr lang="en-US" altLang="ja-JP" dirty="0"/>
-          </a:p>
-          <a:p>
-            <a:pPr lvl="1"/>
-            <a:r>
-              <a:rPr lang="en-US" altLang="ja-JP" dirty="0">
-                <a:solidFill>
-                  <a:srgbClr val="00B050"/>
-                </a:solidFill>
-              </a:rPr>
-              <a:t>vector</a:t>
-            </a:r>
-            <a:r>
-              <a:rPr lang="ja-JP" altLang="en-US" dirty="0"/>
-              <a:t>：動的配列（自由にサイズを変更可能な配列）</a:t>
-            </a:r>
-            <a:endParaRPr lang="en-US" altLang="ja-JP" dirty="0"/>
-          </a:p>
-          <a:p>
-            <a:pPr lvl="1"/>
-            <a:r>
-              <a:rPr lang="en-US" altLang="ja-JP" dirty="0"/>
-              <a:t>array</a:t>
-            </a:r>
-            <a:r>
-              <a:rPr lang="ja-JP" altLang="en-US" dirty="0"/>
-              <a:t> </a:t>
-            </a:r>
-            <a:r>
-              <a:rPr lang="en-US" altLang="ja-JP" dirty="0"/>
-              <a:t>:</a:t>
-            </a:r>
-            <a:r>
-              <a:rPr lang="ja-JP" altLang="en-US" dirty="0"/>
-              <a:t>静的配列（一旦決めたサイズは変更不可）</a:t>
-            </a:r>
-            <a:endParaRPr lang="en-US" altLang="ja-JP" dirty="0"/>
-          </a:p>
-          <a:p>
-            <a:pPr lvl="1"/>
-            <a:r>
-              <a:rPr lang="en-US" altLang="ja-JP" dirty="0">
-                <a:solidFill>
-                  <a:srgbClr val="00B050"/>
-                </a:solidFill>
-              </a:rPr>
-              <a:t>list</a:t>
-            </a:r>
-            <a:r>
-              <a:rPr lang="en-US" altLang="ja-JP" dirty="0"/>
-              <a:t>  :</a:t>
-            </a:r>
-            <a:r>
-              <a:rPr lang="ja-JP" altLang="en-US" dirty="0"/>
-              <a:t>リスト構造を実現するクラス</a:t>
-            </a:r>
-            <a:endParaRPr lang="en-US" altLang="ja-JP" dirty="0"/>
-          </a:p>
-          <a:p>
-            <a:pPr lvl="1"/>
-            <a:r>
-              <a:rPr lang="en-US" altLang="ja-JP" dirty="0">
-                <a:solidFill>
-                  <a:srgbClr val="00B050"/>
-                </a:solidFill>
-              </a:rPr>
-              <a:t>map </a:t>
-            </a:r>
-            <a:r>
-              <a:rPr lang="en-US" altLang="ja-JP" dirty="0"/>
-              <a:t>  :</a:t>
-            </a:r>
-            <a:r>
-              <a:rPr lang="ja-JP" altLang="en-US" dirty="0"/>
-              <a:t>連想配列という特殊な配列クラス</a:t>
-            </a:r>
-            <a:endParaRPr lang="en-US" altLang="ja-JP" dirty="0"/>
-          </a:p>
-          <a:p>
-            <a:pPr lvl="1"/>
-            <a:r>
-              <a:rPr lang="en-US" altLang="ja-JP" dirty="0"/>
-              <a:t>bitset:2</a:t>
-            </a:r>
-            <a:r>
-              <a:rPr lang="ja-JP" altLang="en-US" dirty="0"/>
-              <a:t>進数値を容易に扱うためのクラス</a:t>
-            </a:r>
-            <a:endParaRPr lang="en-US" altLang="ja-JP" dirty="0"/>
-          </a:p>
-          <a:p>
-            <a:pPr lvl="1"/>
-            <a:r>
-              <a:rPr lang="en-US" altLang="ja-JP" dirty="0">
-                <a:solidFill>
-                  <a:srgbClr val="00B050"/>
-                </a:solidFill>
-              </a:rPr>
-              <a:t>stack</a:t>
-            </a:r>
-            <a:r>
-              <a:rPr lang="en-US" altLang="ja-JP" dirty="0"/>
-              <a:t> :</a:t>
-            </a:r>
-            <a:r>
-              <a:rPr lang="ja-JP" altLang="en-US" dirty="0"/>
-              <a:t>スタック（後入れ先出し）を実現するクラス</a:t>
-            </a:r>
-            <a:endParaRPr lang="en-US" altLang="ja-JP" dirty="0"/>
-          </a:p>
-          <a:p>
-            <a:pPr lvl="1"/>
-            <a:r>
-              <a:rPr lang="en-US" altLang="ja-JP" dirty="0">
-                <a:solidFill>
-                  <a:srgbClr val="00B050"/>
-                </a:solidFill>
-              </a:rPr>
-              <a:t>queue</a:t>
-            </a:r>
-            <a:r>
-              <a:rPr lang="en-US" altLang="ja-JP" dirty="0"/>
-              <a:t> :</a:t>
-            </a:r>
-            <a:r>
-              <a:rPr lang="ja-JP" altLang="en-US" dirty="0"/>
-              <a:t>キュー（先入れ先出し）を実現するクラス</a:t>
-            </a:r>
-            <a:endParaRPr lang="en-US" altLang="ja-JP" dirty="0"/>
-          </a:p>
-        </p:txBody>
-      </p:sp>
-    </p:spTree>
-    <p:extLst>
-      <p:ext uri="{BB962C8B-B14F-4D97-AF65-F5344CB8AC3E}">
-        <p14:creationId xmlns:p14="http://schemas.microsoft.com/office/powerpoint/2010/main" val="3091025976"/>
-      </p:ext>
-    </p:extLst>
-  </p:cSld>
-  <p:clrMapOvr>
-    <a:masterClrMapping/>
-  </p:clrMapOvr>
-</p:sld>
-</file>
-
-<file path=ppt/slides/slide20.xml><?xml version="1.0" encoding="utf-8"?>
 <p:sld xmlns:a="http://schemas.openxmlformats.org/drawingml/2006/main" xmlns:r="http://schemas.openxmlformats.org/officeDocument/2006/relationships" xmlns:p="http://schemas.openxmlformats.org/presentationml/2006/main">
   <p:cSld>
     <p:spTree>
@@ -11313,7 +10204,232 @@
 </p:sld>
 </file>
 
-<file path=ppt/slides/slide21.xml><?xml version="1.0" encoding="utf-8"?>
+<file path=ppt/slides/slide2.xml><?xml version="1.0" encoding="utf-8"?>
+<p:sld xmlns:a="http://schemas.openxmlformats.org/drawingml/2006/main" xmlns:r="http://schemas.openxmlformats.org/officeDocument/2006/relationships" xmlns:p="http://schemas.openxmlformats.org/presentationml/2006/main">
+  <p:cSld>
+    <p:spTree>
+      <p:nvGrpSpPr>
+        <p:cNvPr id="1" name=""/>
+        <p:cNvGrpSpPr/>
+        <p:nvPr/>
+      </p:nvGrpSpPr>
+      <p:grpSpPr>
+        <a:xfrm>
+          <a:off x="0" y="0"/>
+          <a:ext cx="0" cy="0"/>
+          <a:chOff x="0" y="0"/>
+          <a:chExt cx="0" cy="0"/>
+        </a:xfrm>
+      </p:grpSpPr>
+      <p:sp>
+        <p:nvSpPr>
+          <p:cNvPr id="2" name="タイトル 1">
+            <a:extLst>
+              <a:ext uri="{FF2B5EF4-FFF2-40B4-BE49-F238E27FC236}">
+                <a16:creationId xmlns:a16="http://schemas.microsoft.com/office/drawing/2014/main" id="{9F789731-37C4-49DD-AEE8-78E5514E279E}"/>
+              </a:ext>
+            </a:extLst>
+          </p:cNvPr>
+          <p:cNvSpPr>
+            <a:spLocks noGrp="1"/>
+          </p:cNvSpPr>
+          <p:nvPr>
+            <p:ph type="title"/>
+          </p:nvPr>
+        </p:nvSpPr>
+        <p:spPr/>
+        <p:txBody>
+          <a:bodyPr/>
+          <a:lstStyle/>
+          <a:p>
+            <a:r>
+              <a:rPr lang="en-US" altLang="ja-JP" dirty="0"/>
+              <a:t>v</a:t>
+            </a:r>
+            <a:r>
+              <a:rPr kumimoji="1" lang="en-US" altLang="ja-JP" dirty="0"/>
+              <a:t>ector</a:t>
+            </a:r>
+            <a:r>
+              <a:rPr kumimoji="1" lang="ja-JP" altLang="en-US" dirty="0"/>
+              <a:t>クラス</a:t>
+            </a:r>
+          </a:p>
+        </p:txBody>
+      </p:sp>
+      <p:sp>
+        <p:nvSpPr>
+          <p:cNvPr id="3" name="コンテンツ プレースホルダー 2">
+            <a:extLst>
+              <a:ext uri="{FF2B5EF4-FFF2-40B4-BE49-F238E27FC236}">
+                <a16:creationId xmlns:a16="http://schemas.microsoft.com/office/drawing/2014/main" id="{39562F0E-6033-40BD-BCB8-F015661306FD}"/>
+              </a:ext>
+            </a:extLst>
+          </p:cNvPr>
+          <p:cNvSpPr>
+            <a:spLocks noGrp="1"/>
+          </p:cNvSpPr>
+          <p:nvPr>
+            <p:ph idx="1"/>
+          </p:nvPr>
+        </p:nvSpPr>
+        <p:spPr/>
+        <p:txBody>
+          <a:bodyPr>
+            <a:normAutofit/>
+          </a:bodyPr>
+          <a:lstStyle/>
+          <a:p>
+            <a:r>
+              <a:rPr lang="ja-JP" altLang="en-US" dirty="0"/>
+              <a:t>コンテナクラス</a:t>
+            </a:r>
+            <a:endParaRPr lang="en-US" altLang="ja-JP" dirty="0"/>
+          </a:p>
+          <a:p>
+            <a:pPr lvl="1"/>
+            <a:r>
+              <a:rPr lang="en-US" altLang="ja-JP" dirty="0">
+                <a:solidFill>
+                  <a:srgbClr val="00B050"/>
+                </a:solidFill>
+              </a:rPr>
+              <a:t>vector</a:t>
+            </a:r>
+            <a:r>
+              <a:rPr lang="ja-JP" altLang="en-US" dirty="0"/>
+              <a:t>：動的配列（自由にサイズを変更可能な配列）</a:t>
+            </a:r>
+            <a:endParaRPr lang="en-US" altLang="ja-JP" dirty="0"/>
+          </a:p>
+          <a:p>
+            <a:pPr lvl="1"/>
+            <a:r>
+              <a:rPr lang="en-US" altLang="ja-JP" dirty="0"/>
+              <a:t>array</a:t>
+            </a:r>
+            <a:r>
+              <a:rPr lang="ja-JP" altLang="en-US" dirty="0"/>
+              <a:t> </a:t>
+            </a:r>
+            <a:r>
+              <a:rPr lang="en-US" altLang="ja-JP" dirty="0"/>
+              <a:t>:</a:t>
+            </a:r>
+            <a:r>
+              <a:rPr lang="ja-JP" altLang="en-US" dirty="0"/>
+              <a:t>静的配列（一旦決めたサイズは変更不可）</a:t>
+            </a:r>
+            <a:endParaRPr lang="en-US" altLang="ja-JP" dirty="0"/>
+          </a:p>
+          <a:p>
+            <a:pPr lvl="1"/>
+            <a:r>
+              <a:rPr lang="en-US" altLang="ja-JP" dirty="0">
+                <a:solidFill>
+                  <a:srgbClr val="00B050"/>
+                </a:solidFill>
+              </a:rPr>
+              <a:t>list</a:t>
+            </a:r>
+            <a:r>
+              <a:rPr lang="en-US" altLang="ja-JP" dirty="0"/>
+              <a:t>  :</a:t>
+            </a:r>
+            <a:r>
+              <a:rPr lang="ja-JP" altLang="en-US" dirty="0"/>
+              <a:t>リスト構造を実現するクラス</a:t>
+            </a:r>
+            <a:endParaRPr lang="en-US" altLang="ja-JP" dirty="0"/>
+          </a:p>
+          <a:p>
+            <a:pPr lvl="1"/>
+            <a:r>
+              <a:rPr lang="en-US" altLang="ja-JP" dirty="0">
+                <a:solidFill>
+                  <a:srgbClr val="00B050"/>
+                </a:solidFill>
+              </a:rPr>
+              <a:t>map </a:t>
+            </a:r>
+            <a:r>
+              <a:rPr lang="en-US" altLang="ja-JP" dirty="0"/>
+              <a:t>  :</a:t>
+            </a:r>
+            <a:r>
+              <a:rPr lang="ja-JP" altLang="en-US" dirty="0"/>
+              <a:t>連想配列という特殊な配列クラス</a:t>
+            </a:r>
+            <a:endParaRPr lang="en-US" altLang="ja-JP" dirty="0"/>
+          </a:p>
+          <a:p>
+            <a:pPr lvl="1"/>
+            <a:r>
+              <a:rPr lang="en-US" altLang="ja-JP" dirty="0"/>
+              <a:t>bitset:2</a:t>
+            </a:r>
+            <a:r>
+              <a:rPr lang="ja-JP" altLang="en-US" dirty="0"/>
+              <a:t>進数値を容易に扱うためのクラス</a:t>
+            </a:r>
+            <a:endParaRPr lang="en-US" altLang="ja-JP" dirty="0"/>
+          </a:p>
+          <a:p>
+            <a:pPr lvl="1"/>
+            <a:r>
+              <a:rPr lang="en-US" altLang="ja-JP" dirty="0">
+                <a:solidFill>
+                  <a:srgbClr val="00B050"/>
+                </a:solidFill>
+              </a:rPr>
+              <a:t>stack</a:t>
+            </a:r>
+            <a:r>
+              <a:rPr lang="en-US" altLang="ja-JP" dirty="0"/>
+              <a:t> :</a:t>
+            </a:r>
+            <a:r>
+              <a:rPr lang="ja-JP" altLang="en-US" dirty="0"/>
+              <a:t>スタック（後入れ先出し）を実現するクラス</a:t>
+            </a:r>
+            <a:endParaRPr lang="en-US" altLang="ja-JP" dirty="0"/>
+          </a:p>
+          <a:p>
+            <a:pPr lvl="1"/>
+            <a:r>
+              <a:rPr lang="en-US" altLang="ja-JP" dirty="0">
+                <a:solidFill>
+                  <a:srgbClr val="00B050"/>
+                </a:solidFill>
+              </a:rPr>
+              <a:t>queue</a:t>
+            </a:r>
+            <a:r>
+              <a:rPr lang="en-US" altLang="ja-JP" dirty="0"/>
+              <a:t> :</a:t>
+            </a:r>
+            <a:r>
+              <a:rPr lang="ja-JP" altLang="en-US" dirty="0"/>
+              <a:t>キュー（先入れ先出し）を実現するクラス</a:t>
+            </a:r>
+            <a:endParaRPr lang="en-US" altLang="ja-JP" dirty="0"/>
+          </a:p>
+        </p:txBody>
+      </p:sp>
+    </p:spTree>
+    <p:extLst>
+      <p:ext uri="{BB962C8B-B14F-4D97-AF65-F5344CB8AC3E}">
+        <p14:creationId xmlns:p14="http://schemas.microsoft.com/office/powerpoint/2010/main" val="3091025976"/>
+      </p:ext>
+    </p:extLst>
+  </p:cSld>
+  <p:clrMapOvr>
+    <a:masterClrMapping/>
+  </p:clrMapOvr>
+</p:sld>
+</file>
+
+<file path=ppt/slides/slide20.xml><?xml version="1.0" encoding="utf-8"?>
 <p:sld xmlns:a="http://schemas.openxmlformats.org/drawingml/2006/main" xmlns:r="http://schemas.openxmlformats.org/officeDocument/2006/relationships" xmlns:p="http://schemas.openxmlformats.org/presentationml/2006/main">
   <p:cSld>
     <p:spTree>
@@ -13119,7 +12235,7 @@
 </p:sld>
 </file>
 
-<file path=ppt/slides/slide22.xml><?xml version="1.0" encoding="utf-8"?>
+<file path=ppt/slides/slide21.xml><?xml version="1.0" encoding="utf-8"?>
 <p:sld xmlns:a="http://schemas.openxmlformats.org/drawingml/2006/main" xmlns:r="http://schemas.openxmlformats.org/officeDocument/2006/relationships" xmlns:p="http://schemas.openxmlformats.org/presentationml/2006/main">
   <p:cSld>
     <p:spTree>
@@ -13141,209 +12257,6 @@
           <p:cNvPr id="2" name="タイトル 1">
             <a:extLst>
               <a:ext uri="{FF2B5EF4-FFF2-40B4-BE49-F238E27FC236}">
-                <a16:creationId xmlns:a16="http://schemas.microsoft.com/office/drawing/2014/main" id="{9F789731-37C4-49DD-AEE8-78E5514E279E}"/>
-              </a:ext>
-            </a:extLst>
-          </p:cNvPr>
-          <p:cNvSpPr>
-            <a:spLocks noGrp="1"/>
-          </p:cNvSpPr>
-          <p:nvPr>
-            <p:ph type="title"/>
-          </p:nvPr>
-        </p:nvSpPr>
-        <p:spPr/>
-        <p:txBody>
-          <a:bodyPr/>
-          <a:lstStyle/>
-          <a:p>
-            <a:r>
-              <a:rPr kumimoji="1" lang="ja-JP" altLang="en-US" dirty="0"/>
-              <a:t>イテレータ（</a:t>
-            </a:r>
-            <a:r>
-              <a:rPr kumimoji="1" lang="en-US" altLang="ja-JP" dirty="0"/>
-              <a:t>iterator</a:t>
-            </a:r>
-            <a:r>
-              <a:rPr kumimoji="1" lang="ja-JP" altLang="en-US" dirty="0"/>
-              <a:t>：反復子）</a:t>
-            </a:r>
-          </a:p>
-        </p:txBody>
-      </p:sp>
-      <p:sp>
-        <p:nvSpPr>
-          <p:cNvPr id="3" name="コンテンツ プレースホルダー 2">
-            <a:extLst>
-              <a:ext uri="{FF2B5EF4-FFF2-40B4-BE49-F238E27FC236}">
-                <a16:creationId xmlns:a16="http://schemas.microsoft.com/office/drawing/2014/main" id="{39562F0E-6033-40BD-BCB8-F015661306FD}"/>
-              </a:ext>
-            </a:extLst>
-          </p:cNvPr>
-          <p:cNvSpPr>
-            <a:spLocks noGrp="1"/>
-          </p:cNvSpPr>
-          <p:nvPr>
-            <p:ph idx="1"/>
-          </p:nvPr>
-        </p:nvSpPr>
-        <p:spPr/>
-        <p:txBody>
-          <a:bodyPr>
-            <a:normAutofit/>
-          </a:bodyPr>
-          <a:lstStyle/>
-          <a:p>
-            <a:r>
-              <a:rPr lang="ja-JP" altLang="en-US" dirty="0"/>
-              <a:t>イテレータを使うと、コンテナクラス内の指定場所への要素の追加や削除を行うことが可能</a:t>
-            </a:r>
-            <a:br>
-              <a:rPr lang="en-US" altLang="ja-JP" dirty="0"/>
-            </a:br>
-            <a:br>
-              <a:rPr lang="en-US" altLang="ja-JP" dirty="0"/>
-            </a:br>
-            <a:r>
-              <a:rPr lang="ja-JP" altLang="en-US" dirty="0"/>
-              <a:t>インスタンス</a:t>
-            </a:r>
-            <a:r>
-              <a:rPr lang="en-US" altLang="ja-JP" dirty="0"/>
-              <a:t>.</a:t>
-            </a:r>
-            <a:r>
-              <a:rPr lang="en-US" altLang="ja-JP" dirty="0">
-                <a:solidFill>
-                  <a:srgbClr val="FF0000"/>
-                </a:solidFill>
-              </a:rPr>
-              <a:t>insert</a:t>
-            </a:r>
-            <a:r>
-              <a:rPr lang="en-US" altLang="ja-JP" dirty="0"/>
-              <a:t>(</a:t>
-            </a:r>
-            <a:r>
-              <a:rPr lang="ja-JP" altLang="en-US" dirty="0">
-                <a:solidFill>
-                  <a:srgbClr val="00B050"/>
-                </a:solidFill>
-              </a:rPr>
-              <a:t>イテレータ</a:t>
-            </a:r>
-            <a:r>
-              <a:rPr lang="en-US" altLang="ja-JP" dirty="0"/>
-              <a:t>, </a:t>
-            </a:r>
-            <a:r>
-              <a:rPr lang="ja-JP" altLang="en-US" dirty="0"/>
-              <a:t>挿入値</a:t>
-            </a:r>
-            <a:r>
-              <a:rPr lang="en-US" altLang="ja-JP" dirty="0"/>
-              <a:t>)</a:t>
-            </a:r>
-            <a:br>
-              <a:rPr lang="en-US" altLang="ja-JP" dirty="0"/>
-            </a:br>
-            <a:r>
-              <a:rPr lang="ja-JP" altLang="en-US" dirty="0"/>
-              <a:t>　</a:t>
-            </a:r>
-            <a:r>
-              <a:rPr lang="ja-JP" altLang="en-US" sz="3200" dirty="0"/>
-              <a:t>イテレータが指し示す場所に値を挿入する</a:t>
-            </a:r>
-            <a:br>
-              <a:rPr lang="en-US" altLang="ja-JP" dirty="0"/>
-            </a:br>
-            <a:br>
-              <a:rPr lang="en-US" altLang="ja-JP" dirty="0"/>
-            </a:br>
-            <a:r>
-              <a:rPr lang="ja-JP" altLang="en-US" dirty="0"/>
-              <a:t>インスタンス</a:t>
-            </a:r>
-            <a:r>
-              <a:rPr lang="en-US" altLang="ja-JP" dirty="0"/>
-              <a:t>.</a:t>
-            </a:r>
-            <a:r>
-              <a:rPr lang="en-US" altLang="ja-JP" dirty="0">
-                <a:solidFill>
-                  <a:srgbClr val="FF0000"/>
-                </a:solidFill>
-              </a:rPr>
-              <a:t>erase</a:t>
-            </a:r>
-            <a:r>
-              <a:rPr lang="en-US" altLang="ja-JP" dirty="0"/>
-              <a:t>(</a:t>
-            </a:r>
-            <a:r>
-              <a:rPr lang="ja-JP" altLang="en-US" dirty="0">
-                <a:solidFill>
-                  <a:srgbClr val="00B050"/>
-                </a:solidFill>
-              </a:rPr>
-              <a:t>イテレータ</a:t>
-            </a:r>
-            <a:r>
-              <a:rPr lang="en-US" altLang="ja-JP" dirty="0"/>
-              <a:t>)</a:t>
-            </a:r>
-            <a:br>
-              <a:rPr lang="en-US" altLang="ja-JP" dirty="0"/>
-            </a:br>
-            <a:r>
-              <a:rPr lang="ja-JP" altLang="en-US" dirty="0"/>
-              <a:t>　</a:t>
-            </a:r>
-            <a:r>
-              <a:rPr lang="ja-JP" altLang="en-US" sz="3200" dirty="0"/>
-              <a:t>イテレータの示す場所の要素を削除する</a:t>
-            </a:r>
-            <a:endParaRPr lang="en-US" altLang="ja-JP" sz="3200" dirty="0"/>
-          </a:p>
-        </p:txBody>
-      </p:sp>
-    </p:spTree>
-    <p:extLst>
-      <p:ext uri="{BB962C8B-B14F-4D97-AF65-F5344CB8AC3E}">
-        <p14:creationId xmlns:p14="http://schemas.microsoft.com/office/powerpoint/2010/main" val="3479718818"/>
-      </p:ext>
-    </p:extLst>
-  </p:cSld>
-  <p:clrMapOvr>
-    <a:masterClrMapping/>
-  </p:clrMapOvr>
-</p:sld>
-</file>
-
-<file path=ppt/slides/slide23.xml><?xml version="1.0" encoding="utf-8"?>
-<p:sld xmlns:a="http://schemas.openxmlformats.org/drawingml/2006/main" xmlns:r="http://schemas.openxmlformats.org/officeDocument/2006/relationships" xmlns:p="http://schemas.openxmlformats.org/presentationml/2006/main">
-  <p:cSld>
-    <p:spTree>
-      <p:nvGrpSpPr>
-        <p:cNvPr id="1" name=""/>
-        <p:cNvGrpSpPr/>
-        <p:nvPr/>
-      </p:nvGrpSpPr>
-      <p:grpSpPr>
-        <a:xfrm>
-          <a:off x="0" y="0"/>
-          <a:ext cx="0" cy="0"/>
-          <a:chOff x="0" y="0"/>
-          <a:chExt cx="0" cy="0"/>
-        </a:xfrm>
-      </p:grpSpPr>
-      <p:sp>
-        <p:nvSpPr>
-          <p:cNvPr id="2" name="タイトル 1">
-            <a:extLst>
-              <a:ext uri="{FF2B5EF4-FFF2-40B4-BE49-F238E27FC236}">
                 <a16:creationId xmlns:a16="http://schemas.microsoft.com/office/drawing/2014/main" id="{F11F3668-F205-48C5-AC01-19611EFE561B}"/>
               </a:ext>
             </a:extLst>
@@ -13479,7 +12392,7 @@
         <p:spPr>
           <a:xfrm>
             <a:off x="751890" y="1120695"/>
-            <a:ext cx="10688220" cy="4524315"/>
+            <a:ext cx="10688220" cy="3970318"/>
           </a:xfrm>
           <a:prstGeom prst="rect">
             <a:avLst/>
@@ -13623,13 +12536,22 @@
               <a:t>vector&lt;int&gt;::iterator </a:t>
             </a:r>
             <a:r>
+              <a:rPr lang="en-US" altLang="ja-JP" dirty="0" err="1">
+                <a:solidFill>
+                  <a:srgbClr val="FF0000"/>
+                </a:solidFill>
+                <a:ea typeface="ＭＳ ゴシック" panose="020B0609070205080204" pitchFamily="49" charset="-128"/>
+              </a:rPr>
+              <a:t>itr</a:t>
+            </a:r>
+            <a:r>
               <a:rPr lang="en-US" altLang="ja-JP" dirty="0">
                 <a:solidFill>
                   <a:srgbClr val="FF0000"/>
                 </a:solidFill>
                 <a:ea typeface="ＭＳ ゴシック" panose="020B0609070205080204" pitchFamily="49" charset="-128"/>
               </a:rPr>
-              <a:t>itrV1 = v1.begin();</a:t>
+              <a:t> = v1.begin();</a:t>
             </a:r>
           </a:p>
           <a:p>
@@ -13694,7 +12616,7 @@
                 </a:solidFill>
                 <a:ea typeface="ＭＳ ゴシック" panose="020B0609070205080204" pitchFamily="49" charset="-128"/>
               </a:rPr>
-              <a:t>itrV1</a:t>
+              <a:t>itr</a:t>
             </a:r>
             <a:r>
               <a:rPr lang="sv-SE" altLang="ja-JP" sz="1800" dirty="0">
@@ -13705,6 +12627,8 @@
               </a:rPr>
               <a:t> &lt;&lt; endl;</a:t>
             </a:r>
+          </a:p>
+          <a:p>
             <a:br>
               <a:rPr lang="en-US" altLang="ja-JP" dirty="0">
                 <a:solidFill>
@@ -13715,153 +12639,6 @@
             </a:br>
             <a:r>
               <a:rPr lang="en-US" altLang="ja-JP" dirty="0">
-                <a:ea typeface="ＭＳ ゴシック" panose="020B0609070205080204" pitchFamily="49" charset="-128"/>
-              </a:rPr>
-              <a:t>	</a:t>
-            </a:r>
-            <a:r>
-              <a:rPr lang="en-US" altLang="ja-JP" dirty="0">
-                <a:solidFill>
-                  <a:srgbClr val="FF0000"/>
-                </a:solidFill>
-                <a:ea typeface="ＭＳ ゴシック" panose="020B0609070205080204" pitchFamily="49" charset="-128"/>
-              </a:rPr>
-              <a:t>v1.insert(itrV1 + 1, 11); </a:t>
-            </a:r>
-            <a:r>
-              <a:rPr lang="en-US" altLang="ja-JP" dirty="0">
-                <a:solidFill>
-                  <a:srgbClr val="00B050"/>
-                </a:solidFill>
-                <a:latin typeface="+mn-ea"/>
-              </a:rPr>
-              <a:t>//</a:t>
-            </a:r>
-            <a:r>
-              <a:rPr lang="ja-JP" altLang="en-US" dirty="0">
-                <a:solidFill>
-                  <a:srgbClr val="00B050"/>
-                </a:solidFill>
-                <a:latin typeface="+mn-ea"/>
-              </a:rPr>
-              <a:t>指定した場所（先頭から</a:t>
-            </a:r>
-            <a:r>
-              <a:rPr lang="en-US" altLang="ja-JP" dirty="0">
-                <a:solidFill>
-                  <a:srgbClr val="00B050"/>
-                </a:solidFill>
-                <a:latin typeface="+mn-ea"/>
-              </a:rPr>
-              <a:t>+1</a:t>
-            </a:r>
-            <a:r>
-              <a:rPr lang="ja-JP" altLang="en-US" dirty="0">
-                <a:solidFill>
-                  <a:srgbClr val="00B050"/>
-                </a:solidFill>
-                <a:latin typeface="+mn-ea"/>
-              </a:rPr>
-              <a:t>番目）へ要素（</a:t>
-            </a:r>
-            <a:r>
-              <a:rPr lang="en-US" altLang="ja-JP" dirty="0">
-                <a:solidFill>
-                  <a:srgbClr val="00B050"/>
-                </a:solidFill>
-                <a:latin typeface="+mn-ea"/>
-              </a:rPr>
-              <a:t>11</a:t>
-            </a:r>
-            <a:r>
-              <a:rPr lang="ja-JP" altLang="en-US" dirty="0">
-                <a:solidFill>
-                  <a:srgbClr val="00B050"/>
-                </a:solidFill>
-                <a:latin typeface="+mn-ea"/>
-              </a:rPr>
-              <a:t>）を追加</a:t>
-            </a:r>
-            <a:br>
-              <a:rPr lang="en-US" altLang="ja-JP" dirty="0">
-                <a:solidFill>
-                  <a:srgbClr val="00B050"/>
-                </a:solidFill>
-                <a:ea typeface="ＭＳ ゴシック" panose="020B0609070205080204" pitchFamily="49" charset="-128"/>
-              </a:rPr>
-            </a:br>
-            <a:r>
-              <a:rPr lang="en-US" altLang="ja-JP" dirty="0">
-                <a:solidFill>
-                  <a:srgbClr val="00B050"/>
-                </a:solidFill>
-                <a:ea typeface="ＭＳ ゴシック" panose="020B0609070205080204" pitchFamily="49" charset="-128"/>
-              </a:rPr>
-              <a:t>	</a:t>
-            </a:r>
-            <a:r>
-              <a:rPr lang="en-US" altLang="ja-JP" dirty="0">
-                <a:solidFill>
-                  <a:srgbClr val="FF0000"/>
-                </a:solidFill>
-                <a:ea typeface="ＭＳ ゴシック" panose="020B0609070205080204" pitchFamily="49" charset="-128"/>
-              </a:rPr>
-              <a:t>v1.erase(itrV1 + 2);      </a:t>
-            </a:r>
-            <a:r>
-              <a:rPr lang="en-US" altLang="ja-JP" dirty="0">
-                <a:solidFill>
-                  <a:srgbClr val="00B050"/>
-                </a:solidFill>
-                <a:latin typeface="+mn-ea"/>
-              </a:rPr>
-              <a:t>//</a:t>
-            </a:r>
-            <a:r>
-              <a:rPr lang="ja-JP" altLang="en-US" dirty="0">
-                <a:solidFill>
-                  <a:srgbClr val="00B050"/>
-                </a:solidFill>
-                <a:latin typeface="+mn-ea"/>
-              </a:rPr>
-              <a:t>指定した場所（先頭から</a:t>
-            </a:r>
-            <a:r>
-              <a:rPr lang="en-US" altLang="ja-JP" dirty="0">
-                <a:solidFill>
-                  <a:srgbClr val="00B050"/>
-                </a:solidFill>
-                <a:latin typeface="+mn-ea"/>
-              </a:rPr>
-              <a:t>+2</a:t>
-            </a:r>
-            <a:r>
-              <a:rPr lang="ja-JP" altLang="en-US" dirty="0">
-                <a:solidFill>
-                  <a:srgbClr val="00B050"/>
-                </a:solidFill>
-                <a:latin typeface="+mn-ea"/>
-              </a:rPr>
-              <a:t>番目）の要素を削除</a:t>
-            </a:r>
-            <a:br>
-              <a:rPr lang="en-US" altLang="ja-JP" dirty="0">
-                <a:solidFill>
-                  <a:srgbClr val="00B050"/>
-                </a:solidFill>
-                <a:latin typeface="+mn-ea"/>
-              </a:rPr>
-            </a:br>
-            <a:endParaRPr lang="en-US" altLang="ja-JP" sz="1800" dirty="0">
-              <a:latin typeface="+mn-ea"/>
-            </a:endParaRPr>
-          </a:p>
-          <a:p>
-            <a:r>
-              <a:rPr lang="nn-NO" altLang="ja-JP" sz="1800" dirty="0">
-                <a:solidFill>
-                  <a:srgbClr val="0000FF"/>
-                </a:solidFill>
                 <a:ea typeface="ＭＳ ゴシック" panose="020B0609070205080204" pitchFamily="49" charset="-128"/>
               </a:rPr>
               <a:t>	</a:t>
@@ -14010,6 +12787,1495 @@
           </a:p>
         </p:txBody>
       </p:sp>
+    </p:spTree>
+    <p:extLst>
+      <p:ext uri="{BB962C8B-B14F-4D97-AF65-F5344CB8AC3E}">
+        <p14:creationId xmlns:p14="http://schemas.microsoft.com/office/powerpoint/2010/main" val="831016223"/>
+      </p:ext>
+    </p:extLst>
+  </p:cSld>
+  <p:clrMapOvr>
+    <a:masterClrMapping/>
+  </p:clrMapOvr>
+</p:sld>
+</file>
+
+<file path=ppt/slides/slide22.xml><?xml version="1.0" encoding="utf-8"?>
+<p:sld xmlns:a="http://schemas.openxmlformats.org/drawingml/2006/main" xmlns:r="http://schemas.openxmlformats.org/officeDocument/2006/relationships" xmlns:p="http://schemas.openxmlformats.org/presentationml/2006/main">
+  <p:cSld>
+    <p:spTree>
+      <p:nvGrpSpPr>
+        <p:cNvPr id="1" name="">
+          <a:extLst>
+            <a:ext uri="{FF2B5EF4-FFF2-40B4-BE49-F238E27FC236}">
+              <a16:creationId xmlns:a16="http://schemas.microsoft.com/office/drawing/2014/main" id="{6B8B8973-DCE8-E71F-EDED-B42A9C9CDAA5}"/>
+            </a:ext>
+          </a:extLst>
+        </p:cNvPr>
+        <p:cNvGrpSpPr/>
+        <p:nvPr/>
+      </p:nvGrpSpPr>
+      <p:grpSpPr>
+        <a:xfrm>
+          <a:off x="0" y="0"/>
+          <a:ext cx="0" cy="0"/>
+          <a:chOff x="0" y="0"/>
+          <a:chExt cx="0" cy="0"/>
+        </a:xfrm>
+      </p:grpSpPr>
+      <p:sp>
+        <p:nvSpPr>
+          <p:cNvPr id="2" name="タイトル 1">
+            <a:extLst>
+              <a:ext uri="{FF2B5EF4-FFF2-40B4-BE49-F238E27FC236}">
+                <a16:creationId xmlns:a16="http://schemas.microsoft.com/office/drawing/2014/main" id="{8633A77E-83E4-5087-4C22-5C112E19BC68}"/>
+              </a:ext>
+            </a:extLst>
+          </p:cNvPr>
+          <p:cNvSpPr>
+            <a:spLocks noGrp="1"/>
+          </p:cNvSpPr>
+          <p:nvPr>
+            <p:ph type="title"/>
+          </p:nvPr>
+        </p:nvSpPr>
+        <p:spPr/>
+        <p:txBody>
+          <a:bodyPr/>
+          <a:lstStyle/>
+          <a:p>
+            <a:r>
+              <a:rPr lang="ja-JP" altLang="en-US" dirty="0"/>
+              <a:t>イテレータ（</a:t>
+            </a:r>
+            <a:r>
+              <a:rPr lang="en-US" altLang="ja-JP" dirty="0"/>
+              <a:t>iterator</a:t>
+            </a:r>
+            <a:r>
+              <a:rPr kumimoji="1" lang="ja-JP" altLang="en-US" dirty="0"/>
+              <a:t>：反復子</a:t>
+            </a:r>
+            <a:r>
+              <a:rPr lang="ja-JP" altLang="en-US" dirty="0"/>
+              <a:t>）</a:t>
+            </a:r>
+            <a:endParaRPr kumimoji="1" lang="ja-JP" altLang="en-US" dirty="0"/>
+          </a:p>
+        </p:txBody>
+      </p:sp>
+      <p:sp>
+        <p:nvSpPr>
+          <p:cNvPr id="3" name="コンテンツ プレースホルダー 2">
+            <a:extLst>
+              <a:ext uri="{FF2B5EF4-FFF2-40B4-BE49-F238E27FC236}">
+                <a16:creationId xmlns:a16="http://schemas.microsoft.com/office/drawing/2014/main" id="{2D1D261D-17DF-B2C4-790D-3CA3EAB48668}"/>
+              </a:ext>
+            </a:extLst>
+          </p:cNvPr>
+          <p:cNvSpPr>
+            <a:spLocks noGrp="1"/>
+          </p:cNvSpPr>
+          <p:nvPr>
+            <p:ph idx="1"/>
+          </p:nvPr>
+        </p:nvSpPr>
+        <p:spPr>
+          <a:xfrm>
+            <a:off x="838200" y="1162976"/>
+            <a:ext cx="10515600" cy="5193373"/>
+          </a:xfrm>
+        </p:spPr>
+        <p:txBody>
+          <a:bodyPr>
+            <a:normAutofit/>
+          </a:bodyPr>
+          <a:lstStyle/>
+          <a:p>
+            <a:pPr marL="0" indent="0">
+              <a:buNone/>
+            </a:pPr>
+            <a:r>
+              <a:rPr kumimoji="1" lang="en-US" altLang="ja-JP" dirty="0"/>
+              <a:t>                main.cpp</a:t>
+            </a:r>
+            <a:r>
+              <a:rPr kumimoji="1" lang="ja-JP" altLang="en-US" dirty="0"/>
+              <a:t>　</a:t>
+            </a:r>
+            <a:r>
+              <a:rPr kumimoji="1" lang="en-US" altLang="ja-JP" dirty="0"/>
+              <a:t>(Sample604)</a:t>
+            </a:r>
+            <a:br>
+              <a:rPr lang="en-US" altLang="ja-JP" dirty="0"/>
+            </a:br>
+            <a:endParaRPr lang="en-US" altLang="ja-JP" dirty="0"/>
+          </a:p>
+          <a:p>
+            <a:pPr marL="0" indent="0">
+              <a:buNone/>
+            </a:pPr>
+            <a:br>
+              <a:rPr lang="en-US" altLang="ja-JP" dirty="0"/>
+            </a:br>
+            <a:br>
+              <a:rPr lang="en-US" altLang="ja-JP" dirty="0"/>
+            </a:br>
+            <a:br>
+              <a:rPr lang="en-US" altLang="ja-JP" dirty="0"/>
+            </a:br>
+            <a:br>
+              <a:rPr lang="en-US" altLang="ja-JP" sz="2400" dirty="0"/>
+            </a:br>
+            <a:br>
+              <a:rPr lang="en-US" altLang="ja-JP" sz="2400" dirty="0"/>
+            </a:br>
+            <a:endParaRPr lang="en-US" altLang="ja-JP" sz="2400" dirty="0"/>
+          </a:p>
+          <a:p>
+            <a:pPr marL="0" indent="0">
+              <a:buNone/>
+            </a:pPr>
+            <a:br>
+              <a:rPr lang="en-US" altLang="ja-JP" sz="2400" dirty="0"/>
+            </a:br>
+            <a:endParaRPr lang="en-US" altLang="ja-JP" dirty="0">
+              <a:solidFill>
+                <a:srgbClr val="FF0000"/>
+              </a:solidFill>
+            </a:endParaRPr>
+          </a:p>
+        </p:txBody>
+      </p:sp>
+      <p:sp>
+        <p:nvSpPr>
+          <p:cNvPr id="5" name="テキスト ボックス 4">
+            <a:extLst>
+              <a:ext uri="{FF2B5EF4-FFF2-40B4-BE49-F238E27FC236}">
+                <a16:creationId xmlns:a16="http://schemas.microsoft.com/office/drawing/2014/main" id="{C76871F0-1963-B290-9F6C-71EDCACC6CBE}"/>
+              </a:ext>
+            </a:extLst>
+          </p:cNvPr>
+          <p:cNvSpPr txBox="1"/>
+          <p:nvPr/>
+        </p:nvSpPr>
+        <p:spPr>
+          <a:xfrm>
+            <a:off x="751890" y="1120695"/>
+            <a:ext cx="10688220" cy="3970318"/>
+          </a:xfrm>
+          <a:prstGeom prst="rect">
+            <a:avLst/>
+          </a:prstGeom>
+          <a:noFill/>
+          <a:ln>
+            <a:solidFill>
+              <a:schemeClr val="tx1"/>
+            </a:solidFill>
+          </a:ln>
+        </p:spPr>
+        <p:txBody>
+          <a:bodyPr wrap="square" rtlCol="0">
+            <a:spAutoFit/>
+          </a:bodyPr>
+          <a:lstStyle/>
+          <a:p>
+            <a:r>
+              <a:rPr lang="en-US" altLang="ja-JP" sz="1800" dirty="0">
+                <a:ea typeface="ＭＳ ゴシック" panose="020B0609070205080204" pitchFamily="49" charset="-128"/>
+              </a:rPr>
+              <a:t>	v1.push_back(3);</a:t>
+            </a:r>
+          </a:p>
+          <a:p>
+            <a:r>
+              <a:rPr lang="en-US" altLang="ja-JP" sz="1800" dirty="0">
+                <a:ea typeface="ＭＳ ゴシック" panose="020B0609070205080204" pitchFamily="49" charset="-128"/>
+              </a:rPr>
+              <a:t>	v2.push_back("ABC");</a:t>
+            </a:r>
+          </a:p>
+          <a:p>
+            <a:r>
+              <a:rPr lang="en-US" altLang="ja-JP" sz="1800" dirty="0">
+                <a:ea typeface="ＭＳ ゴシック" panose="020B0609070205080204" pitchFamily="49" charset="-128"/>
+              </a:rPr>
+              <a:t>	v2.push_back(“DEF”);</a:t>
+            </a:r>
+            <a:br>
+              <a:rPr lang="en-US" altLang="ja-JP" sz="1800" dirty="0">
+                <a:ea typeface="ＭＳ ゴシック" panose="020B0609070205080204" pitchFamily="49" charset="-128"/>
+              </a:rPr>
+            </a:br>
+            <a:r>
+              <a:rPr lang="en-US" altLang="ja-JP" sz="1800" dirty="0">
+                <a:ea typeface="ＭＳ ゴシック" panose="020B0609070205080204" pitchFamily="49" charset="-128"/>
+              </a:rPr>
+              <a:t>	v1.pop_back();</a:t>
+            </a:r>
+            <a:br>
+              <a:rPr lang="en-US" altLang="ja-JP" sz="1800" dirty="0">
+                <a:ea typeface="ＭＳ ゴシック" panose="020B0609070205080204" pitchFamily="49" charset="-128"/>
+              </a:rPr>
+            </a:br>
+            <a:r>
+              <a:rPr lang="en-US" altLang="ja-JP" sz="1800" dirty="0">
+                <a:ea typeface="ＭＳ ゴシック" panose="020B0609070205080204" pitchFamily="49" charset="-128"/>
+              </a:rPr>
+              <a:t>	v1.emplace_back(4);</a:t>
+            </a:r>
+            <a:r>
+              <a:rPr lang="en-US" altLang="ja-JP" dirty="0">
+                <a:ea typeface="ＭＳ ゴシック" panose="020B0609070205080204" pitchFamily="49" charset="-128"/>
+              </a:rPr>
+              <a:t> </a:t>
+            </a:r>
+            <a:endParaRPr lang="en-US" altLang="ja-JP" sz="1800" dirty="0">
+              <a:ea typeface="ＭＳ ゴシック" panose="020B0609070205080204" pitchFamily="49" charset="-128"/>
+            </a:endParaRPr>
+          </a:p>
+          <a:p>
+            <a:r>
+              <a:rPr lang="en-US" altLang="ja-JP" dirty="0">
+                <a:ea typeface="ＭＳ ゴシック" panose="020B0609070205080204" pitchFamily="49" charset="-128"/>
+              </a:rPr>
+              <a:t>	</a:t>
+            </a:r>
+            <a:r>
+              <a:rPr lang="sv-SE" altLang="ja-JP" sz="1800" dirty="0">
+                <a:ea typeface="ＭＳ ゴシック" panose="020B0609070205080204" pitchFamily="49" charset="-128"/>
+              </a:rPr>
+              <a:t>cout &lt;&lt; ”v1</a:t>
+            </a:r>
+            <a:r>
+              <a:rPr lang="ja-JP" altLang="en-US" sz="1800" dirty="0">
+                <a:ea typeface="ＭＳ ゴシック" panose="020B0609070205080204" pitchFamily="49" charset="-128"/>
+              </a:rPr>
+              <a:t>の要素数</a:t>
+            </a:r>
+            <a:r>
+              <a:rPr lang="en-US" altLang="ja-JP" sz="1800" dirty="0">
+                <a:ea typeface="ＭＳ ゴシック" panose="020B0609070205080204" pitchFamily="49" charset="-128"/>
+              </a:rPr>
+              <a:t>:” &lt;&lt; </a:t>
+            </a:r>
+            <a:r>
+              <a:rPr lang="nn-NO" altLang="ja-JP" sz="1800" dirty="0">
+                <a:ea typeface="ＭＳ ゴシック" panose="020B0609070205080204" pitchFamily="49" charset="-128"/>
+              </a:rPr>
+              <a:t>v1.size() </a:t>
+            </a:r>
+            <a:r>
+              <a:rPr lang="sv-SE" altLang="ja-JP" sz="1800" dirty="0">
+                <a:ea typeface="ＭＳ ゴシック" panose="020B0609070205080204" pitchFamily="49" charset="-128"/>
+              </a:rPr>
+              <a:t>&lt;&lt; endl;</a:t>
+            </a:r>
+            <a:br>
+              <a:rPr lang="sv-SE" altLang="ja-JP" sz="1800" dirty="0">
+                <a:solidFill>
+                  <a:srgbClr val="000000"/>
+                </a:solidFill>
+                <a:ea typeface="ＭＳ ゴシック" panose="020B0609070205080204" pitchFamily="49" charset="-128"/>
+              </a:rPr>
+            </a:br>
+            <a:endParaRPr lang="sv-SE" altLang="ja-JP" sz="1800" dirty="0">
+              <a:solidFill>
+                <a:srgbClr val="000000"/>
+              </a:solidFill>
+              <a:ea typeface="ＭＳ ゴシック" panose="020B0609070205080204" pitchFamily="49" charset="-128"/>
+            </a:endParaRPr>
+          </a:p>
+          <a:p>
+            <a:r>
+              <a:rPr lang="en-US" altLang="ja-JP" sz="1800" dirty="0">
+                <a:solidFill>
+                  <a:srgbClr val="000000"/>
+                </a:solidFill>
+                <a:ea typeface="ＭＳ ゴシック" panose="020B0609070205080204" pitchFamily="49" charset="-128"/>
+              </a:rPr>
+              <a:t>	</a:t>
+            </a:r>
+            <a:r>
+              <a:rPr lang="en-US" altLang="ja-JP" sz="1800" dirty="0">
+                <a:solidFill>
+                  <a:srgbClr val="FF0000"/>
+                </a:solidFill>
+                <a:ea typeface="ＭＳ ゴシック" panose="020B0609070205080204" pitchFamily="49" charset="-128"/>
+              </a:rPr>
+              <a:t>auto </a:t>
+            </a:r>
+            <a:r>
+              <a:rPr lang="en-US" altLang="ja-JP" dirty="0" err="1">
+                <a:ea typeface="ＭＳ ゴシック" panose="020B0609070205080204" pitchFamily="49" charset="-128"/>
+              </a:rPr>
+              <a:t>itr</a:t>
+            </a:r>
+            <a:r>
+              <a:rPr lang="en-US" altLang="ja-JP" dirty="0">
+                <a:ea typeface="ＭＳ ゴシック" panose="020B0609070205080204" pitchFamily="49" charset="-128"/>
+              </a:rPr>
+              <a:t> = v1.begin();</a:t>
+            </a:r>
+          </a:p>
+          <a:p>
+            <a:r>
+              <a:rPr lang="en-US" altLang="ja-JP" sz="1800" dirty="0">
+                <a:solidFill>
+                  <a:srgbClr val="FF0000"/>
+                </a:solidFill>
+                <a:ea typeface="ＭＳ ゴシック" panose="020B0609070205080204" pitchFamily="49" charset="-128"/>
+              </a:rPr>
+              <a:t>	</a:t>
+            </a:r>
+            <a:r>
+              <a:rPr lang="sv-SE" altLang="ja-JP" sz="1800" dirty="0">
+                <a:ea typeface="ＭＳ ゴシック" panose="020B0609070205080204" pitchFamily="49" charset="-128"/>
+              </a:rPr>
+              <a:t>cout &lt;&lt; ”</a:t>
+            </a:r>
+            <a:r>
+              <a:rPr lang="ja-JP" altLang="en-US" sz="1800" dirty="0">
+                <a:ea typeface="ＭＳ ゴシック" panose="020B0609070205080204" pitchFamily="49" charset="-128"/>
+              </a:rPr>
+              <a:t>イテレータが指す要素の値</a:t>
+            </a:r>
+            <a:r>
+              <a:rPr lang="en-US" altLang="ja-JP" sz="1800" dirty="0">
+                <a:ea typeface="ＭＳ ゴシック" panose="020B0609070205080204" pitchFamily="49" charset="-128"/>
+              </a:rPr>
+              <a:t>:” </a:t>
+            </a:r>
+            <a:r>
+              <a:rPr lang="sv-SE" altLang="ja-JP" sz="1800" dirty="0">
+                <a:ea typeface="ＭＳ ゴシック" panose="020B0609070205080204" pitchFamily="49" charset="-128"/>
+              </a:rPr>
+              <a:t>&lt;&lt; </a:t>
+            </a:r>
+            <a:r>
+              <a:rPr lang="nn-NO" altLang="ja-JP" dirty="0">
+                <a:ea typeface="ＭＳ ゴシック" panose="020B0609070205080204" pitchFamily="49" charset="-128"/>
+              </a:rPr>
+              <a:t>*</a:t>
+            </a:r>
+            <a:r>
+              <a:rPr lang="nn-NO" altLang="ja-JP" sz="1800" dirty="0">
+                <a:ea typeface="ＭＳ ゴシック" panose="020B0609070205080204" pitchFamily="49" charset="-128"/>
+              </a:rPr>
+              <a:t>itr</a:t>
+            </a:r>
+            <a:r>
+              <a:rPr lang="sv-SE" altLang="ja-JP" sz="1800" dirty="0">
+                <a:ea typeface="ＭＳ ゴシック" panose="020B0609070205080204" pitchFamily="49" charset="-128"/>
+              </a:rPr>
+              <a:t> &lt;&lt; endl;</a:t>
+            </a:r>
+            <a:br>
+              <a:rPr lang="en-US" altLang="ja-JP" dirty="0">
+                <a:solidFill>
+                  <a:srgbClr val="00B050"/>
+                </a:solidFill>
+                <a:latin typeface="+mn-ea"/>
+              </a:rPr>
+            </a:br>
+            <a:endParaRPr lang="en-US" altLang="ja-JP" sz="1800" dirty="0">
+              <a:latin typeface="+mn-ea"/>
+            </a:endParaRPr>
+          </a:p>
+          <a:p>
+            <a:r>
+              <a:rPr lang="nn-NO" altLang="ja-JP" sz="1800" dirty="0">
+                <a:solidFill>
+                  <a:srgbClr val="0000FF"/>
+                </a:solidFill>
+                <a:ea typeface="ＭＳ ゴシック" panose="020B0609070205080204" pitchFamily="49" charset="-128"/>
+              </a:rPr>
+              <a:t>	</a:t>
+            </a:r>
+            <a:r>
+              <a:rPr lang="nn-NO" altLang="ja-JP" sz="1800" dirty="0">
+                <a:ea typeface="ＭＳ ゴシック" panose="020B0609070205080204" pitchFamily="49" charset="-128"/>
+              </a:rPr>
+              <a:t>for (int i = 0; i &lt; v1.size(); i++) {</a:t>
+            </a:r>
+          </a:p>
+          <a:p>
+            <a:r>
+              <a:rPr lang="sv-SE" altLang="ja-JP" sz="1800" dirty="0">
+                <a:ea typeface="ＭＳ ゴシック" panose="020B0609070205080204" pitchFamily="49" charset="-128"/>
+              </a:rPr>
+              <a:t>		</a:t>
+            </a:r>
+            <a:r>
+              <a:rPr lang="en-US" altLang="ja-JP" sz="1800" dirty="0">
+                <a:ea typeface="ＭＳ ゴシック" panose="020B0609070205080204" pitchFamily="49" charset="-128"/>
+              </a:rPr>
+              <a:t> </a:t>
+            </a:r>
+            <a:r>
+              <a:rPr lang="sv-SE" altLang="ja-JP" sz="1800" dirty="0">
+                <a:ea typeface="ＭＳ ゴシック" panose="020B0609070205080204" pitchFamily="49" charset="-128"/>
+              </a:rPr>
+              <a:t>cout &lt;&lt; ”v1[" &lt;&lt; i &lt;&lt; "]=" &lt;&lt; v1[i] &lt;&lt; endl;</a:t>
+            </a:r>
+          </a:p>
+          <a:p>
+            <a:r>
+              <a:rPr lang="en-US" altLang="ja-JP" sz="1800" dirty="0">
+                <a:ea typeface="ＭＳ ゴシック" panose="020B0609070205080204" pitchFamily="49" charset="-128"/>
+              </a:rPr>
+              <a:t>	}</a:t>
+            </a:r>
+          </a:p>
+          <a:p>
+            <a:r>
+              <a:rPr lang="en-US" altLang="ja-JP" dirty="0">
+                <a:ea typeface="ＭＳ ゴシック" panose="020B0609070205080204" pitchFamily="49" charset="-128"/>
+              </a:rPr>
+              <a:t>	</a:t>
+            </a:r>
+            <a:endParaRPr kumimoji="1" lang="ja-JP" altLang="en-US" sz="7200" dirty="0"/>
+          </a:p>
+        </p:txBody>
+      </p:sp>
+      <p:sp>
+        <p:nvSpPr>
+          <p:cNvPr id="6" name="矢印: 右 5">
+            <a:extLst>
+              <a:ext uri="{FF2B5EF4-FFF2-40B4-BE49-F238E27FC236}">
+                <a16:creationId xmlns:a16="http://schemas.microsoft.com/office/drawing/2014/main" id="{33CB0913-5E48-3950-A5E2-A7820094ED51}"/>
+              </a:ext>
+            </a:extLst>
+          </p:cNvPr>
+          <p:cNvSpPr/>
+          <p:nvPr/>
+        </p:nvSpPr>
+        <p:spPr>
+          <a:xfrm>
+            <a:off x="751890" y="3117196"/>
+            <a:ext cx="426396" cy="282102"/>
+          </a:xfrm>
+          <a:prstGeom prst="rightArrow">
+            <a:avLst/>
+          </a:prstGeom>
+          <a:solidFill>
+            <a:srgbClr val="FF0000"/>
+          </a:solidFill>
+        </p:spPr>
+        <p:style>
+          <a:lnRef idx="2">
+            <a:schemeClr val="accent1">
+              <a:shade val="15000"/>
+            </a:schemeClr>
+          </a:lnRef>
+          <a:fillRef idx="1">
+            <a:schemeClr val="accent1"/>
+          </a:fillRef>
+          <a:effectRef idx="0">
+            <a:schemeClr val="accent1"/>
+          </a:effectRef>
+          <a:fontRef idx="minor">
+            <a:schemeClr val="lt1"/>
+          </a:fontRef>
+        </p:style>
+        <p:txBody>
+          <a:bodyPr rtlCol="0" anchor="ctr"/>
+          <a:lstStyle/>
+          <a:p>
+            <a:pPr algn="ctr"/>
+            <a:endParaRPr kumimoji="1" lang="ja-JP" altLang="en-US"/>
+          </a:p>
+        </p:txBody>
+      </p:sp>
+      <p:sp>
+        <p:nvSpPr>
+          <p:cNvPr id="8" name="吹き出し: 四角形 7">
+            <a:extLst>
+              <a:ext uri="{FF2B5EF4-FFF2-40B4-BE49-F238E27FC236}">
+                <a16:creationId xmlns:a16="http://schemas.microsoft.com/office/drawing/2014/main" id="{ABBCF760-5D18-7BDA-C2F1-7AF77EEE7696}"/>
+              </a:ext>
+            </a:extLst>
+          </p:cNvPr>
+          <p:cNvSpPr/>
+          <p:nvPr/>
+        </p:nvSpPr>
+        <p:spPr>
+          <a:xfrm>
+            <a:off x="751889" y="1353672"/>
+            <a:ext cx="7818370" cy="1192896"/>
+          </a:xfrm>
+          <a:prstGeom prst="wedgeRectCallout">
+            <a:avLst>
+              <a:gd name="adj1" fmla="val -38627"/>
+              <a:gd name="adj2" fmla="val 97708"/>
+            </a:avLst>
+          </a:prstGeom>
+          <a:solidFill>
+            <a:srgbClr val="00B050"/>
+          </a:solidFill>
+        </p:spPr>
+        <p:style>
+          <a:lnRef idx="2">
+            <a:schemeClr val="accent1">
+              <a:shade val="15000"/>
+            </a:schemeClr>
+          </a:lnRef>
+          <a:fillRef idx="1">
+            <a:schemeClr val="accent1"/>
+          </a:fillRef>
+          <a:effectRef idx="0">
+            <a:schemeClr val="accent1"/>
+          </a:effectRef>
+          <a:fontRef idx="minor">
+            <a:schemeClr val="lt1"/>
+          </a:fontRef>
+        </p:style>
+        <p:txBody>
+          <a:bodyPr rtlCol="0" anchor="ctr"/>
+          <a:lstStyle/>
+          <a:p>
+            <a:pPr algn="ctr"/>
+            <a:r>
+              <a:rPr lang="en-US" altLang="ja-JP" sz="2000" b="1" dirty="0">
+                <a:solidFill>
+                  <a:srgbClr val="FFFF00"/>
+                </a:solidFill>
+                <a:ea typeface="ＭＳ ゴシック" panose="020B0609070205080204" pitchFamily="49" charset="-128"/>
+              </a:rPr>
+              <a:t>auto</a:t>
+            </a:r>
+            <a:r>
+              <a:rPr lang="ja-JP" altLang="en-US" sz="2000" dirty="0">
+                <a:solidFill>
+                  <a:schemeClr val="bg1"/>
+                </a:solidFill>
+                <a:latin typeface="+mn-ea"/>
+              </a:rPr>
+              <a:t>による</a:t>
+            </a:r>
+            <a:r>
+              <a:rPr lang="ja-JP" altLang="en-US" sz="2000" dirty="0">
+                <a:solidFill>
+                  <a:srgbClr val="FFFF00"/>
+                </a:solidFill>
+                <a:latin typeface="+mn-ea"/>
+              </a:rPr>
+              <a:t>型推論</a:t>
+            </a:r>
+            <a:r>
+              <a:rPr lang="ja-JP" altLang="en-US" sz="2000" dirty="0">
+                <a:solidFill>
+                  <a:schemeClr val="bg1"/>
+                </a:solidFill>
+                <a:latin typeface="+mn-ea"/>
+              </a:rPr>
+              <a:t>を使って、右辺値から型名を自動的に割り当て</a:t>
+            </a:r>
+            <a:endParaRPr lang="en-US" altLang="ja-JP" sz="2000" dirty="0">
+              <a:solidFill>
+                <a:schemeClr val="bg1"/>
+              </a:solidFill>
+              <a:latin typeface="+mn-ea"/>
+            </a:endParaRPr>
+          </a:p>
+          <a:p>
+            <a:pPr algn="ctr"/>
+            <a:r>
+              <a:rPr lang="en-US" altLang="ja-JP" sz="2000" dirty="0">
+                <a:solidFill>
+                  <a:schemeClr val="bg1"/>
+                </a:solidFill>
+                <a:ea typeface="ＭＳ ゴシック" panose="020B0609070205080204" pitchFamily="49" charset="-128"/>
+              </a:rPr>
+              <a:t>auto  </a:t>
+            </a:r>
+            <a:r>
+              <a:rPr lang="ja-JP" altLang="en-US" sz="2000" dirty="0">
+                <a:solidFill>
+                  <a:schemeClr val="bg1"/>
+                </a:solidFill>
+                <a:ea typeface="ＭＳ ゴシック" panose="020B0609070205080204" pitchFamily="49" charset="-128"/>
+              </a:rPr>
+              <a:t>→　</a:t>
+            </a:r>
+            <a:r>
+              <a:rPr lang="en-US" altLang="ja-JP" sz="2000" dirty="0">
+                <a:solidFill>
+                  <a:schemeClr val="bg1"/>
+                </a:solidFill>
+                <a:ea typeface="ＭＳ ゴシック" panose="020B0609070205080204" pitchFamily="49" charset="-128"/>
+              </a:rPr>
+              <a:t>std::vector&lt;int&gt;::iterator</a:t>
+            </a:r>
+            <a:endParaRPr kumimoji="1" lang="ja-JP" altLang="en-US" sz="2000" dirty="0">
+              <a:solidFill>
+                <a:schemeClr val="bg1"/>
+              </a:solidFill>
+            </a:endParaRPr>
+          </a:p>
+        </p:txBody>
+      </p:sp>
+    </p:spTree>
+    <p:extLst>
+      <p:ext uri="{BB962C8B-B14F-4D97-AF65-F5344CB8AC3E}">
+        <p14:creationId xmlns:p14="http://schemas.microsoft.com/office/powerpoint/2010/main" val="1711916283"/>
+      </p:ext>
+    </p:extLst>
+  </p:cSld>
+  <p:clrMapOvr>
+    <a:masterClrMapping/>
+  </p:clrMapOvr>
+</p:sld>
+</file>
+
+<file path=ppt/slides/slide23.xml><?xml version="1.0" encoding="utf-8"?>
+<p:sld xmlns:a="http://schemas.openxmlformats.org/drawingml/2006/main" xmlns:r="http://schemas.openxmlformats.org/officeDocument/2006/relationships" xmlns:p="http://schemas.openxmlformats.org/presentationml/2006/main">
+  <p:cSld>
+    <p:spTree>
+      <p:nvGrpSpPr>
+        <p:cNvPr id="1" name=""/>
+        <p:cNvGrpSpPr/>
+        <p:nvPr/>
+      </p:nvGrpSpPr>
+      <p:grpSpPr>
+        <a:xfrm>
+          <a:off x="0" y="0"/>
+          <a:ext cx="0" cy="0"/>
+          <a:chOff x="0" y="0"/>
+          <a:chExt cx="0" cy="0"/>
+        </a:xfrm>
+      </p:grpSpPr>
+      <p:sp>
+        <p:nvSpPr>
+          <p:cNvPr id="2" name="タイトル 1">
+            <a:extLst>
+              <a:ext uri="{FF2B5EF4-FFF2-40B4-BE49-F238E27FC236}">
+                <a16:creationId xmlns:a16="http://schemas.microsoft.com/office/drawing/2014/main" id="{9F789731-37C4-49DD-AEE8-78E5514E279E}"/>
+              </a:ext>
+            </a:extLst>
+          </p:cNvPr>
+          <p:cNvSpPr>
+            <a:spLocks noGrp="1"/>
+          </p:cNvSpPr>
+          <p:nvPr>
+            <p:ph type="title"/>
+          </p:nvPr>
+        </p:nvSpPr>
+        <p:spPr/>
+        <p:txBody>
+          <a:bodyPr/>
+          <a:lstStyle/>
+          <a:p>
+            <a:r>
+              <a:rPr kumimoji="1" lang="ja-JP" altLang="en-US" dirty="0"/>
+              <a:t>イテレータ（</a:t>
+            </a:r>
+            <a:r>
+              <a:rPr kumimoji="1" lang="en-US" altLang="ja-JP" dirty="0"/>
+              <a:t>iterator</a:t>
+            </a:r>
+            <a:r>
+              <a:rPr kumimoji="1" lang="ja-JP" altLang="en-US" dirty="0"/>
+              <a:t>：反復子）</a:t>
+            </a:r>
+          </a:p>
+        </p:txBody>
+      </p:sp>
+      <p:sp>
+        <p:nvSpPr>
+          <p:cNvPr id="3" name="コンテンツ プレースホルダー 2">
+            <a:extLst>
+              <a:ext uri="{FF2B5EF4-FFF2-40B4-BE49-F238E27FC236}">
+                <a16:creationId xmlns:a16="http://schemas.microsoft.com/office/drawing/2014/main" id="{39562F0E-6033-40BD-BCB8-F015661306FD}"/>
+              </a:ext>
+            </a:extLst>
+          </p:cNvPr>
+          <p:cNvSpPr>
+            <a:spLocks noGrp="1"/>
+          </p:cNvSpPr>
+          <p:nvPr>
+            <p:ph idx="1"/>
+          </p:nvPr>
+        </p:nvSpPr>
+        <p:spPr/>
+        <p:txBody>
+          <a:bodyPr>
+            <a:normAutofit/>
+          </a:bodyPr>
+          <a:lstStyle/>
+          <a:p>
+            <a:r>
+              <a:rPr lang="ja-JP" altLang="en-US" dirty="0"/>
+              <a:t>イテレータを使うと、コンテナクラス内の指定場所への要素の追加や削除を行うことが可能</a:t>
+            </a:r>
+            <a:br>
+              <a:rPr lang="en-US" altLang="ja-JP" dirty="0"/>
+            </a:br>
+            <a:br>
+              <a:rPr lang="en-US" altLang="ja-JP" dirty="0"/>
+            </a:br>
+            <a:r>
+              <a:rPr lang="ja-JP" altLang="en-US" dirty="0"/>
+              <a:t>インスタンス</a:t>
+            </a:r>
+            <a:r>
+              <a:rPr lang="en-US" altLang="ja-JP" dirty="0"/>
+              <a:t>.</a:t>
+            </a:r>
+            <a:r>
+              <a:rPr lang="en-US" altLang="ja-JP" dirty="0">
+                <a:solidFill>
+                  <a:srgbClr val="FF0000"/>
+                </a:solidFill>
+              </a:rPr>
+              <a:t>insert</a:t>
+            </a:r>
+            <a:r>
+              <a:rPr lang="en-US" altLang="ja-JP" dirty="0"/>
+              <a:t>(</a:t>
+            </a:r>
+            <a:r>
+              <a:rPr lang="ja-JP" altLang="en-US" dirty="0">
+                <a:solidFill>
+                  <a:srgbClr val="00B050"/>
+                </a:solidFill>
+              </a:rPr>
+              <a:t>イテレータ</a:t>
+            </a:r>
+            <a:r>
+              <a:rPr lang="en-US" altLang="ja-JP" dirty="0"/>
+              <a:t>, </a:t>
+            </a:r>
+            <a:r>
+              <a:rPr lang="ja-JP" altLang="en-US" dirty="0"/>
+              <a:t>挿入値</a:t>
+            </a:r>
+            <a:r>
+              <a:rPr lang="en-US" altLang="ja-JP" dirty="0"/>
+              <a:t>)</a:t>
+            </a:r>
+            <a:br>
+              <a:rPr lang="en-US" altLang="ja-JP" dirty="0"/>
+            </a:br>
+            <a:r>
+              <a:rPr lang="ja-JP" altLang="en-US" dirty="0"/>
+              <a:t>　</a:t>
+            </a:r>
+            <a:r>
+              <a:rPr lang="ja-JP" altLang="en-US" sz="3200" dirty="0"/>
+              <a:t>イテレータが指し示す場所に値を挿入する</a:t>
+            </a:r>
+            <a:br>
+              <a:rPr lang="en-US" altLang="ja-JP" dirty="0"/>
+            </a:br>
+            <a:br>
+              <a:rPr lang="en-US" altLang="ja-JP" dirty="0"/>
+            </a:br>
+            <a:r>
+              <a:rPr lang="ja-JP" altLang="en-US" dirty="0"/>
+              <a:t>インスタンス</a:t>
+            </a:r>
+            <a:r>
+              <a:rPr lang="en-US" altLang="ja-JP" dirty="0"/>
+              <a:t>.</a:t>
+            </a:r>
+            <a:r>
+              <a:rPr lang="en-US" altLang="ja-JP" dirty="0">
+                <a:solidFill>
+                  <a:srgbClr val="FF0000"/>
+                </a:solidFill>
+              </a:rPr>
+              <a:t>erase</a:t>
+            </a:r>
+            <a:r>
+              <a:rPr lang="en-US" altLang="ja-JP" dirty="0"/>
+              <a:t>(</a:t>
+            </a:r>
+            <a:r>
+              <a:rPr lang="ja-JP" altLang="en-US" dirty="0">
+                <a:solidFill>
+                  <a:srgbClr val="00B050"/>
+                </a:solidFill>
+              </a:rPr>
+              <a:t>イテレータ</a:t>
+            </a:r>
+            <a:r>
+              <a:rPr lang="en-US" altLang="ja-JP" dirty="0"/>
+              <a:t>)</a:t>
+            </a:r>
+            <a:br>
+              <a:rPr lang="en-US" altLang="ja-JP" dirty="0"/>
+            </a:br>
+            <a:r>
+              <a:rPr lang="ja-JP" altLang="en-US" dirty="0"/>
+              <a:t>　</a:t>
+            </a:r>
+            <a:r>
+              <a:rPr lang="ja-JP" altLang="en-US" sz="3200" dirty="0"/>
+              <a:t>イテレータの示す場所の要素を削除する</a:t>
+            </a:r>
+            <a:endParaRPr lang="en-US" altLang="ja-JP" sz="3200" dirty="0"/>
+          </a:p>
+        </p:txBody>
+      </p:sp>
+    </p:spTree>
+    <p:extLst>
+      <p:ext uri="{BB962C8B-B14F-4D97-AF65-F5344CB8AC3E}">
+        <p14:creationId xmlns:p14="http://schemas.microsoft.com/office/powerpoint/2010/main" val="3479718818"/>
+      </p:ext>
+    </p:extLst>
+  </p:cSld>
+  <p:clrMapOvr>
+    <a:masterClrMapping/>
+  </p:clrMapOvr>
+</p:sld>
+</file>
+
+<file path=ppt/slides/slide24.xml><?xml version="1.0" encoding="utf-8"?>
+<p:sld xmlns:a="http://schemas.openxmlformats.org/drawingml/2006/main" xmlns:r="http://schemas.openxmlformats.org/officeDocument/2006/relationships" xmlns:p="http://schemas.openxmlformats.org/presentationml/2006/main">
+  <p:cSld>
+    <p:spTree>
+      <p:nvGrpSpPr>
+        <p:cNvPr id="1" name=""/>
+        <p:cNvGrpSpPr/>
+        <p:nvPr/>
+      </p:nvGrpSpPr>
+      <p:grpSpPr>
+        <a:xfrm>
+          <a:off x="0" y="0"/>
+          <a:ext cx="0" cy="0"/>
+          <a:chOff x="0" y="0"/>
+          <a:chExt cx="0" cy="0"/>
+        </a:xfrm>
+      </p:grpSpPr>
+      <p:sp>
+        <p:nvSpPr>
+          <p:cNvPr id="2" name="タイトル 1">
+            <a:extLst>
+              <a:ext uri="{FF2B5EF4-FFF2-40B4-BE49-F238E27FC236}">
+                <a16:creationId xmlns:a16="http://schemas.microsoft.com/office/drawing/2014/main" id="{F11F3668-F205-48C5-AC01-19611EFE561B}"/>
+              </a:ext>
+            </a:extLst>
+          </p:cNvPr>
+          <p:cNvSpPr>
+            <a:spLocks noGrp="1"/>
+          </p:cNvSpPr>
+          <p:nvPr>
+            <p:ph type="title"/>
+          </p:nvPr>
+        </p:nvSpPr>
+        <p:spPr/>
+        <p:txBody>
+          <a:bodyPr/>
+          <a:lstStyle/>
+          <a:p>
+            <a:r>
+              <a:rPr lang="ja-JP" altLang="en-US" dirty="0"/>
+              <a:t>イテレータ（</a:t>
+            </a:r>
+            <a:r>
+              <a:rPr lang="en-US" altLang="ja-JP" dirty="0"/>
+              <a:t>iterator</a:t>
+            </a:r>
+            <a:r>
+              <a:rPr kumimoji="1" lang="ja-JP" altLang="en-US" dirty="0"/>
+              <a:t>：反復子</a:t>
+            </a:r>
+            <a:r>
+              <a:rPr lang="ja-JP" altLang="en-US" dirty="0"/>
+              <a:t>）</a:t>
+            </a:r>
+            <a:endParaRPr kumimoji="1" lang="ja-JP" altLang="en-US" dirty="0"/>
+          </a:p>
+        </p:txBody>
+      </p:sp>
+      <p:sp>
+        <p:nvSpPr>
+          <p:cNvPr id="3" name="コンテンツ プレースホルダー 2">
+            <a:extLst>
+              <a:ext uri="{FF2B5EF4-FFF2-40B4-BE49-F238E27FC236}">
+                <a16:creationId xmlns:a16="http://schemas.microsoft.com/office/drawing/2014/main" id="{64DBE417-57E9-44A6-BB52-B2F9986BB7B2}"/>
+              </a:ext>
+            </a:extLst>
+          </p:cNvPr>
+          <p:cNvSpPr>
+            <a:spLocks noGrp="1"/>
+          </p:cNvSpPr>
+          <p:nvPr>
+            <p:ph idx="1"/>
+          </p:nvPr>
+        </p:nvSpPr>
+        <p:spPr>
+          <a:xfrm>
+            <a:off x="838200" y="1162976"/>
+            <a:ext cx="10515600" cy="5193373"/>
+          </a:xfrm>
+        </p:spPr>
+        <p:txBody>
+          <a:bodyPr>
+            <a:normAutofit/>
+          </a:bodyPr>
+          <a:lstStyle/>
+          <a:p>
+            <a:pPr marL="0" indent="0">
+              <a:buNone/>
+            </a:pPr>
+            <a:r>
+              <a:rPr kumimoji="1" lang="en-US" altLang="ja-JP" dirty="0"/>
+              <a:t>                main.cpp</a:t>
+            </a:r>
+            <a:r>
+              <a:rPr kumimoji="1" lang="ja-JP" altLang="en-US" dirty="0"/>
+              <a:t>　</a:t>
+            </a:r>
+            <a:r>
+              <a:rPr kumimoji="1" lang="en-US" altLang="ja-JP" dirty="0"/>
+              <a:t>(Sample604)</a:t>
+            </a:r>
+            <a:br>
+              <a:rPr lang="en-US" altLang="ja-JP" dirty="0"/>
+            </a:br>
+            <a:endParaRPr lang="en-US" altLang="ja-JP" dirty="0"/>
+          </a:p>
+          <a:p>
+            <a:pPr marL="0" indent="0">
+              <a:buNone/>
+            </a:pPr>
+            <a:br>
+              <a:rPr lang="en-US" altLang="ja-JP" dirty="0"/>
+            </a:br>
+            <a:br>
+              <a:rPr lang="en-US" altLang="ja-JP" dirty="0"/>
+            </a:br>
+            <a:br>
+              <a:rPr lang="en-US" altLang="ja-JP" dirty="0"/>
+            </a:br>
+            <a:br>
+              <a:rPr lang="en-US" altLang="ja-JP" sz="2400" dirty="0"/>
+            </a:br>
+            <a:br>
+              <a:rPr lang="en-US" altLang="ja-JP" sz="2400" dirty="0"/>
+            </a:br>
+            <a:endParaRPr lang="en-US" altLang="ja-JP" sz="2400" dirty="0"/>
+          </a:p>
+          <a:p>
+            <a:pPr marL="0" indent="0">
+              <a:buNone/>
+            </a:pPr>
+            <a:br>
+              <a:rPr lang="en-US" altLang="ja-JP" sz="2400" dirty="0"/>
+            </a:br>
+            <a:endParaRPr lang="en-US" altLang="ja-JP" dirty="0">
+              <a:solidFill>
+                <a:srgbClr val="FF0000"/>
+              </a:solidFill>
+            </a:endParaRPr>
+          </a:p>
+        </p:txBody>
+      </p:sp>
+      <p:sp>
+        <p:nvSpPr>
+          <p:cNvPr id="5" name="テキスト ボックス 4">
+            <a:extLst>
+              <a:ext uri="{FF2B5EF4-FFF2-40B4-BE49-F238E27FC236}">
+                <a16:creationId xmlns:a16="http://schemas.microsoft.com/office/drawing/2014/main" id="{9E32883C-0E37-4F07-9861-27609819CE8C}"/>
+              </a:ext>
+            </a:extLst>
+          </p:cNvPr>
+          <p:cNvSpPr txBox="1"/>
+          <p:nvPr/>
+        </p:nvSpPr>
+        <p:spPr>
+          <a:xfrm>
+            <a:off x="751890" y="1120695"/>
+            <a:ext cx="10688220" cy="4801314"/>
+          </a:xfrm>
+          <a:prstGeom prst="rect">
+            <a:avLst/>
+          </a:prstGeom>
+          <a:noFill/>
+          <a:ln>
+            <a:solidFill>
+              <a:schemeClr val="tx1"/>
+            </a:solidFill>
+          </a:ln>
+        </p:spPr>
+        <p:txBody>
+          <a:bodyPr wrap="square" rtlCol="0">
+            <a:spAutoFit/>
+          </a:bodyPr>
+          <a:lstStyle/>
+          <a:p>
+            <a:r>
+              <a:rPr lang="en-US" altLang="ja-JP" sz="1800" dirty="0">
+                <a:ea typeface="ＭＳ ゴシック" panose="020B0609070205080204" pitchFamily="49" charset="-128"/>
+              </a:rPr>
+              <a:t>	v1.push_back(3);</a:t>
+            </a:r>
+          </a:p>
+          <a:p>
+            <a:r>
+              <a:rPr lang="en-US" altLang="ja-JP" sz="1800" dirty="0">
+                <a:ea typeface="ＭＳ ゴシック" panose="020B0609070205080204" pitchFamily="49" charset="-128"/>
+              </a:rPr>
+              <a:t>	v2.push_back("ABC");</a:t>
+            </a:r>
+          </a:p>
+          <a:p>
+            <a:r>
+              <a:rPr lang="en-US" altLang="ja-JP" sz="1800" dirty="0">
+                <a:ea typeface="ＭＳ ゴシック" panose="020B0609070205080204" pitchFamily="49" charset="-128"/>
+              </a:rPr>
+              <a:t>	v2.push_back(“DEF”);</a:t>
+            </a:r>
+            <a:br>
+              <a:rPr lang="en-US" altLang="ja-JP" sz="1800" dirty="0">
+                <a:ea typeface="ＭＳ ゴシック" panose="020B0609070205080204" pitchFamily="49" charset="-128"/>
+              </a:rPr>
+            </a:br>
+            <a:r>
+              <a:rPr lang="en-US" altLang="ja-JP" sz="1800" dirty="0">
+                <a:ea typeface="ＭＳ ゴシック" panose="020B0609070205080204" pitchFamily="49" charset="-128"/>
+              </a:rPr>
+              <a:t>	v1.pop_back();</a:t>
+            </a:r>
+            <a:br>
+              <a:rPr lang="en-US" altLang="ja-JP" sz="1800" dirty="0">
+                <a:ea typeface="ＭＳ ゴシック" panose="020B0609070205080204" pitchFamily="49" charset="-128"/>
+              </a:rPr>
+            </a:br>
+            <a:r>
+              <a:rPr lang="en-US" altLang="ja-JP" sz="1800" dirty="0">
+                <a:ea typeface="ＭＳ ゴシック" panose="020B0609070205080204" pitchFamily="49" charset="-128"/>
+              </a:rPr>
+              <a:t>	v1.emplace_back(4);</a:t>
+            </a:r>
+            <a:r>
+              <a:rPr lang="en-US" altLang="ja-JP" dirty="0">
+                <a:ea typeface="ＭＳ ゴシック" panose="020B0609070205080204" pitchFamily="49" charset="-128"/>
+              </a:rPr>
+              <a:t> </a:t>
+            </a:r>
+            <a:endParaRPr lang="en-US" altLang="ja-JP" sz="1800" dirty="0">
+              <a:ea typeface="ＭＳ ゴシック" panose="020B0609070205080204" pitchFamily="49" charset="-128"/>
+            </a:endParaRPr>
+          </a:p>
+          <a:p>
+            <a:r>
+              <a:rPr lang="en-US" altLang="ja-JP" dirty="0">
+                <a:ea typeface="ＭＳ ゴシック" panose="020B0609070205080204" pitchFamily="49" charset="-128"/>
+              </a:rPr>
+              <a:t>	</a:t>
+            </a:r>
+            <a:r>
+              <a:rPr lang="sv-SE" altLang="ja-JP" sz="1800" dirty="0">
+                <a:ea typeface="ＭＳ ゴシック" panose="020B0609070205080204" pitchFamily="49" charset="-128"/>
+              </a:rPr>
+              <a:t>cout &lt;&lt; ”v1</a:t>
+            </a:r>
+            <a:r>
+              <a:rPr lang="ja-JP" altLang="en-US" sz="1800" dirty="0">
+                <a:ea typeface="ＭＳ ゴシック" panose="020B0609070205080204" pitchFamily="49" charset="-128"/>
+              </a:rPr>
+              <a:t>の要素数</a:t>
+            </a:r>
+            <a:r>
+              <a:rPr lang="en-US" altLang="ja-JP" sz="1800" dirty="0">
+                <a:ea typeface="ＭＳ ゴシック" panose="020B0609070205080204" pitchFamily="49" charset="-128"/>
+              </a:rPr>
+              <a:t>:” &lt;&lt; </a:t>
+            </a:r>
+            <a:r>
+              <a:rPr lang="nn-NO" altLang="ja-JP" sz="1800" dirty="0">
+                <a:ea typeface="ＭＳ ゴシック" panose="020B0609070205080204" pitchFamily="49" charset="-128"/>
+              </a:rPr>
+              <a:t>v1.size() </a:t>
+            </a:r>
+            <a:r>
+              <a:rPr lang="sv-SE" altLang="ja-JP" sz="1800" dirty="0">
+                <a:ea typeface="ＭＳ ゴシック" panose="020B0609070205080204" pitchFamily="49" charset="-128"/>
+              </a:rPr>
+              <a:t>&lt;&lt; endl;</a:t>
+            </a:r>
+            <a:br>
+              <a:rPr lang="sv-SE" altLang="ja-JP" sz="1800" dirty="0">
+                <a:solidFill>
+                  <a:srgbClr val="000000"/>
+                </a:solidFill>
+                <a:ea typeface="ＭＳ ゴシック" panose="020B0609070205080204" pitchFamily="49" charset="-128"/>
+              </a:rPr>
+            </a:br>
+            <a:endParaRPr lang="sv-SE" altLang="ja-JP" sz="1800" dirty="0">
+              <a:solidFill>
+                <a:srgbClr val="000000"/>
+              </a:solidFill>
+              <a:ea typeface="ＭＳ ゴシック" panose="020B0609070205080204" pitchFamily="49" charset="-128"/>
+            </a:endParaRPr>
+          </a:p>
+          <a:p>
+            <a:r>
+              <a:rPr lang="en-US" altLang="ja-JP" sz="1800" dirty="0">
+                <a:ea typeface="ＭＳ ゴシック" panose="020B0609070205080204" pitchFamily="49" charset="-128"/>
+              </a:rPr>
+              <a:t>	vector&lt;int&gt;::iterator </a:t>
+            </a:r>
+            <a:r>
+              <a:rPr lang="en-US" altLang="ja-JP" dirty="0" err="1">
+                <a:ea typeface="ＭＳ ゴシック" panose="020B0609070205080204" pitchFamily="49" charset="-128"/>
+              </a:rPr>
+              <a:t>itr</a:t>
+            </a:r>
+            <a:r>
+              <a:rPr lang="en-US" altLang="ja-JP" dirty="0">
+                <a:ea typeface="ＭＳ ゴシック" panose="020B0609070205080204" pitchFamily="49" charset="-128"/>
+              </a:rPr>
+              <a:t> = v1.begin();</a:t>
+            </a:r>
+          </a:p>
+          <a:p>
+            <a:r>
+              <a:rPr lang="en-US" altLang="ja-JP" sz="1800" dirty="0">
+                <a:ea typeface="ＭＳ ゴシック" panose="020B0609070205080204" pitchFamily="49" charset="-128"/>
+              </a:rPr>
+              <a:t>	</a:t>
+            </a:r>
+            <a:r>
+              <a:rPr lang="sv-SE" altLang="ja-JP" sz="1800" dirty="0">
+                <a:ea typeface="ＭＳ ゴシック" panose="020B0609070205080204" pitchFamily="49" charset="-128"/>
+              </a:rPr>
+              <a:t>cout &lt;&lt; ”</a:t>
+            </a:r>
+            <a:r>
+              <a:rPr lang="ja-JP" altLang="en-US" sz="1800" dirty="0">
+                <a:ea typeface="ＭＳ ゴシック" panose="020B0609070205080204" pitchFamily="49" charset="-128"/>
+              </a:rPr>
+              <a:t>イテレータが指す要素の値</a:t>
+            </a:r>
+            <a:r>
+              <a:rPr lang="en-US" altLang="ja-JP" sz="1800" dirty="0">
+                <a:ea typeface="ＭＳ ゴシック" panose="020B0609070205080204" pitchFamily="49" charset="-128"/>
+              </a:rPr>
+              <a:t>:” </a:t>
+            </a:r>
+            <a:r>
+              <a:rPr lang="sv-SE" altLang="ja-JP" sz="1800" dirty="0">
+                <a:ea typeface="ＭＳ ゴシック" panose="020B0609070205080204" pitchFamily="49" charset="-128"/>
+              </a:rPr>
+              <a:t>&lt;&lt; </a:t>
+            </a:r>
+            <a:r>
+              <a:rPr lang="nn-NO" altLang="ja-JP" dirty="0">
+                <a:ea typeface="ＭＳ ゴシック" panose="020B0609070205080204" pitchFamily="49" charset="-128"/>
+              </a:rPr>
+              <a:t>*</a:t>
+            </a:r>
+            <a:r>
+              <a:rPr lang="nn-NO" altLang="ja-JP" sz="1800" dirty="0">
+                <a:ea typeface="ＭＳ ゴシック" panose="020B0609070205080204" pitchFamily="49" charset="-128"/>
+              </a:rPr>
+              <a:t>itr</a:t>
+            </a:r>
+            <a:r>
+              <a:rPr lang="sv-SE" altLang="ja-JP" sz="1800" dirty="0">
+                <a:ea typeface="ＭＳ ゴシック" panose="020B0609070205080204" pitchFamily="49" charset="-128"/>
+              </a:rPr>
+              <a:t> &lt;&lt; endl;</a:t>
+            </a:r>
+            <a:br>
+              <a:rPr lang="en-US" altLang="ja-JP" dirty="0">
+                <a:solidFill>
+                  <a:srgbClr val="FF0000"/>
+                </a:solidFill>
+                <a:ea typeface="ＭＳ ゴシック" panose="020B0609070205080204" pitchFamily="49" charset="-128"/>
+              </a:rPr>
+            </a:br>
+            <a:r>
+              <a:rPr lang="en-US" altLang="ja-JP" dirty="0">
+                <a:ea typeface="ＭＳ ゴシック" panose="020B0609070205080204" pitchFamily="49" charset="-128"/>
+              </a:rPr>
+              <a:t>	</a:t>
+            </a:r>
+            <a:r>
+              <a:rPr lang="en-US" altLang="ja-JP" dirty="0">
+                <a:solidFill>
+                  <a:srgbClr val="FF0000"/>
+                </a:solidFill>
+                <a:ea typeface="ＭＳ ゴシック" panose="020B0609070205080204" pitchFamily="49" charset="-128"/>
+              </a:rPr>
+              <a:t>v1.insert(</a:t>
+            </a:r>
+            <a:r>
+              <a:rPr lang="en-US" altLang="ja-JP" dirty="0" err="1">
+                <a:solidFill>
+                  <a:srgbClr val="FF0000"/>
+                </a:solidFill>
+                <a:ea typeface="ＭＳ ゴシック" panose="020B0609070205080204" pitchFamily="49" charset="-128"/>
+              </a:rPr>
+              <a:t>itr</a:t>
+            </a:r>
+            <a:r>
+              <a:rPr lang="en-US" altLang="ja-JP" dirty="0">
+                <a:solidFill>
+                  <a:srgbClr val="FF0000"/>
+                </a:solidFill>
+                <a:ea typeface="ＭＳ ゴシック" panose="020B0609070205080204" pitchFamily="49" charset="-128"/>
+              </a:rPr>
+              <a:t> + 2, 20); </a:t>
+            </a:r>
+            <a:r>
+              <a:rPr lang="en-US" altLang="ja-JP" dirty="0">
+                <a:solidFill>
+                  <a:srgbClr val="00B050"/>
+                </a:solidFill>
+                <a:latin typeface="+mn-ea"/>
+              </a:rPr>
+              <a:t>//</a:t>
+            </a:r>
+            <a:r>
+              <a:rPr lang="ja-JP" altLang="en-US" dirty="0">
+                <a:solidFill>
+                  <a:srgbClr val="00B050"/>
+                </a:solidFill>
+                <a:latin typeface="+mn-ea"/>
+              </a:rPr>
+              <a:t>指定した場所（先頭から</a:t>
+            </a:r>
+            <a:r>
+              <a:rPr lang="en-US" altLang="ja-JP" dirty="0">
+                <a:solidFill>
+                  <a:srgbClr val="00B050"/>
+                </a:solidFill>
+                <a:latin typeface="+mn-ea"/>
+              </a:rPr>
+              <a:t>+1</a:t>
+            </a:r>
+            <a:r>
+              <a:rPr lang="ja-JP" altLang="en-US" dirty="0">
+                <a:solidFill>
+                  <a:srgbClr val="00B050"/>
+                </a:solidFill>
+                <a:latin typeface="+mn-ea"/>
+              </a:rPr>
+              <a:t>番目）へ要素（</a:t>
+            </a:r>
+            <a:r>
+              <a:rPr lang="en-US" altLang="ja-JP" dirty="0">
+                <a:solidFill>
+                  <a:srgbClr val="00B050"/>
+                </a:solidFill>
+                <a:latin typeface="+mn-ea"/>
+              </a:rPr>
+              <a:t>11</a:t>
+            </a:r>
+            <a:r>
+              <a:rPr lang="ja-JP" altLang="en-US" dirty="0">
+                <a:solidFill>
+                  <a:srgbClr val="00B050"/>
+                </a:solidFill>
+                <a:latin typeface="+mn-ea"/>
+              </a:rPr>
+              <a:t>）を追加</a:t>
+            </a:r>
+            <a:br>
+              <a:rPr lang="en-US" altLang="ja-JP" dirty="0">
+                <a:solidFill>
+                  <a:srgbClr val="00B050"/>
+                </a:solidFill>
+                <a:latin typeface="+mn-ea"/>
+              </a:rPr>
+            </a:br>
+            <a:r>
+              <a:rPr lang="en-US" altLang="ja-JP" dirty="0">
+                <a:solidFill>
+                  <a:srgbClr val="00B050"/>
+                </a:solidFill>
+                <a:latin typeface="+mn-ea"/>
+              </a:rPr>
+              <a:t>	</a:t>
+            </a:r>
+            <a:r>
+              <a:rPr lang="en-US" altLang="ja-JP" dirty="0" err="1">
+                <a:solidFill>
+                  <a:srgbClr val="FF0000"/>
+                </a:solidFill>
+              </a:rPr>
+              <a:t>itr</a:t>
+            </a:r>
+            <a:r>
+              <a:rPr lang="en-US" altLang="ja-JP" dirty="0">
+                <a:solidFill>
+                  <a:srgbClr val="FF0000"/>
+                </a:solidFill>
+              </a:rPr>
+              <a:t> = v1.begin();		 </a:t>
+            </a:r>
+            <a:r>
+              <a:rPr lang="en-US" altLang="ja-JP" dirty="0">
+                <a:solidFill>
+                  <a:srgbClr val="00B050"/>
+                </a:solidFill>
+                <a:latin typeface="+mn-ea"/>
+              </a:rPr>
+              <a:t>// </a:t>
+            </a:r>
+            <a:r>
+              <a:rPr lang="ja-JP" altLang="en-US" dirty="0">
+                <a:solidFill>
+                  <a:srgbClr val="00B050"/>
+                </a:solidFill>
+                <a:latin typeface="+mn-ea"/>
+              </a:rPr>
+              <a:t>挿入操作で配列のイテレータが変更になったので再取得する</a:t>
+            </a:r>
+            <a:br>
+              <a:rPr lang="en-US" altLang="ja-JP" dirty="0">
+                <a:solidFill>
+                  <a:srgbClr val="00B050"/>
+                </a:solidFill>
+                <a:ea typeface="ＭＳ ゴシック" panose="020B0609070205080204" pitchFamily="49" charset="-128"/>
+              </a:rPr>
+            </a:br>
+            <a:r>
+              <a:rPr lang="en-US" altLang="ja-JP" dirty="0">
+                <a:solidFill>
+                  <a:srgbClr val="00B050"/>
+                </a:solidFill>
+                <a:ea typeface="ＭＳ ゴシック" panose="020B0609070205080204" pitchFamily="49" charset="-128"/>
+              </a:rPr>
+              <a:t>	</a:t>
+            </a:r>
+            <a:r>
+              <a:rPr lang="en-US" altLang="ja-JP" dirty="0">
+                <a:solidFill>
+                  <a:srgbClr val="FF0000"/>
+                </a:solidFill>
+                <a:ea typeface="ＭＳ ゴシック" panose="020B0609070205080204" pitchFamily="49" charset="-128"/>
+              </a:rPr>
+              <a:t>v1.erase(</a:t>
+            </a:r>
+            <a:r>
+              <a:rPr lang="en-US" altLang="ja-JP" dirty="0" err="1">
+                <a:solidFill>
+                  <a:srgbClr val="FF0000"/>
+                </a:solidFill>
+                <a:ea typeface="ＭＳ ゴシック" panose="020B0609070205080204" pitchFamily="49" charset="-128"/>
+              </a:rPr>
+              <a:t>itr</a:t>
+            </a:r>
+            <a:r>
+              <a:rPr lang="en-US" altLang="ja-JP" dirty="0">
+                <a:solidFill>
+                  <a:srgbClr val="FF0000"/>
+                </a:solidFill>
+                <a:ea typeface="ＭＳ ゴシック" panose="020B0609070205080204" pitchFamily="49" charset="-128"/>
+              </a:rPr>
+              <a:t> + 4);      </a:t>
+            </a:r>
+            <a:r>
+              <a:rPr lang="en-US" altLang="ja-JP" dirty="0">
+                <a:solidFill>
+                  <a:srgbClr val="00B050"/>
+                </a:solidFill>
+                <a:latin typeface="+mn-ea"/>
+              </a:rPr>
+              <a:t>//</a:t>
+            </a:r>
+            <a:r>
+              <a:rPr lang="ja-JP" altLang="en-US" dirty="0">
+                <a:solidFill>
+                  <a:srgbClr val="00B050"/>
+                </a:solidFill>
+                <a:latin typeface="+mn-ea"/>
+              </a:rPr>
+              <a:t>指定した場所（先頭から</a:t>
+            </a:r>
+            <a:r>
+              <a:rPr lang="en-US" altLang="ja-JP" dirty="0">
+                <a:solidFill>
+                  <a:srgbClr val="00B050"/>
+                </a:solidFill>
+                <a:latin typeface="+mn-ea"/>
+              </a:rPr>
+              <a:t>+2</a:t>
+            </a:r>
+            <a:r>
+              <a:rPr lang="ja-JP" altLang="en-US" dirty="0">
+                <a:solidFill>
+                  <a:srgbClr val="00B050"/>
+                </a:solidFill>
+                <a:latin typeface="+mn-ea"/>
+              </a:rPr>
+              <a:t>番目）の要素を削除</a:t>
+            </a:r>
+            <a:br>
+              <a:rPr lang="en-US" altLang="ja-JP" dirty="0">
+                <a:solidFill>
+                  <a:srgbClr val="00B050"/>
+                </a:solidFill>
+                <a:latin typeface="+mn-ea"/>
+              </a:rPr>
+            </a:br>
+            <a:endParaRPr lang="en-US" altLang="ja-JP" sz="1800" dirty="0">
+              <a:latin typeface="+mn-ea"/>
+            </a:endParaRPr>
+          </a:p>
+          <a:p>
+            <a:r>
+              <a:rPr lang="nn-NO" altLang="ja-JP" sz="1800" dirty="0">
+                <a:solidFill>
+                  <a:srgbClr val="0000FF"/>
+                </a:solidFill>
+                <a:ea typeface="ＭＳ ゴシック" panose="020B0609070205080204" pitchFamily="49" charset="-128"/>
+              </a:rPr>
+              <a:t>	</a:t>
+            </a:r>
+            <a:r>
+              <a:rPr lang="nn-NO" altLang="ja-JP" sz="1800" dirty="0">
+                <a:ea typeface="ＭＳ ゴシック" panose="020B0609070205080204" pitchFamily="49" charset="-128"/>
+              </a:rPr>
+              <a:t>for (int i = 0; i &lt; v1.size(); i++) {</a:t>
+            </a:r>
+          </a:p>
+          <a:p>
+            <a:r>
+              <a:rPr lang="sv-SE" altLang="ja-JP" sz="1800" dirty="0">
+                <a:ea typeface="ＭＳ ゴシック" panose="020B0609070205080204" pitchFamily="49" charset="-128"/>
+              </a:rPr>
+              <a:t>		</a:t>
+            </a:r>
+            <a:r>
+              <a:rPr lang="en-US" altLang="ja-JP" sz="1800" dirty="0">
+                <a:ea typeface="ＭＳ ゴシック" panose="020B0609070205080204" pitchFamily="49" charset="-128"/>
+              </a:rPr>
+              <a:t> </a:t>
+            </a:r>
+            <a:r>
+              <a:rPr lang="sv-SE" altLang="ja-JP" sz="1800" dirty="0">
+                <a:ea typeface="ＭＳ ゴシック" panose="020B0609070205080204" pitchFamily="49" charset="-128"/>
+              </a:rPr>
+              <a:t>cout &lt;&lt; ”v1[" &lt;&lt; i &lt;&lt; "]=" &lt;&lt; v1[i] &lt;&lt; endl;</a:t>
+            </a:r>
+          </a:p>
+          <a:p>
+            <a:r>
+              <a:rPr lang="en-US" altLang="ja-JP" sz="1800" dirty="0">
+                <a:ea typeface="ＭＳ ゴシック" panose="020B0609070205080204" pitchFamily="49" charset="-128"/>
+              </a:rPr>
+              <a:t>	}</a:t>
+            </a:r>
+          </a:p>
+          <a:p>
+            <a:r>
+              <a:rPr lang="en-US" altLang="ja-JP" dirty="0">
+                <a:ea typeface="ＭＳ ゴシック" panose="020B0609070205080204" pitchFamily="49" charset="-128"/>
+              </a:rPr>
+              <a:t>	</a:t>
+            </a:r>
+            <a:endParaRPr kumimoji="1" lang="ja-JP" altLang="en-US" sz="7200" dirty="0"/>
+          </a:p>
+        </p:txBody>
+      </p:sp>
       <p:sp>
         <p:nvSpPr>
           <p:cNvPr id="4" name="矢印: 右 3">
@@ -14108,582 +14374,12 @@
           </a:p>
         </p:txBody>
       </p:sp>
-    </p:spTree>
-    <p:extLst>
-      <p:ext uri="{BB962C8B-B14F-4D97-AF65-F5344CB8AC3E}">
-        <p14:creationId xmlns:p14="http://schemas.microsoft.com/office/powerpoint/2010/main" val="831016223"/>
-      </p:ext>
-    </p:extLst>
-  </p:cSld>
-  <p:clrMapOvr>
-    <a:masterClrMapping/>
-  </p:clrMapOvr>
-</p:sld>
-</file>
-
-<file path=ppt/slides/slide24.xml><?xml version="1.0" encoding="utf-8"?>
-<p:sld xmlns:a="http://schemas.openxmlformats.org/drawingml/2006/main" xmlns:r="http://schemas.openxmlformats.org/officeDocument/2006/relationships" xmlns:p="http://schemas.openxmlformats.org/presentationml/2006/main">
-  <p:cSld>
-    <p:spTree>
-      <p:nvGrpSpPr>
-        <p:cNvPr id="1" name="">
-          <a:extLst>
-            <a:ext uri="{FF2B5EF4-FFF2-40B4-BE49-F238E27FC236}">
-              <a16:creationId xmlns:a16="http://schemas.microsoft.com/office/drawing/2014/main" id="{6B8B8973-DCE8-E71F-EDED-B42A9C9CDAA5}"/>
-            </a:ext>
-          </a:extLst>
-        </p:cNvPr>
-        <p:cNvGrpSpPr/>
-        <p:nvPr/>
-      </p:nvGrpSpPr>
-      <p:grpSpPr>
-        <a:xfrm>
-          <a:off x="0" y="0"/>
-          <a:ext cx="0" cy="0"/>
-          <a:chOff x="0" y="0"/>
-          <a:chExt cx="0" cy="0"/>
-        </a:xfrm>
-      </p:grpSpPr>
-      <p:sp>
-        <p:nvSpPr>
-          <p:cNvPr id="2" name="タイトル 1">
+      <p:sp>
+        <p:nvSpPr>
+          <p:cNvPr id="9" name="矢印: 右 8">
             <a:extLst>
               <a:ext uri="{FF2B5EF4-FFF2-40B4-BE49-F238E27FC236}">
-                <a16:creationId xmlns:a16="http://schemas.microsoft.com/office/drawing/2014/main" id="{8633A77E-83E4-5087-4C22-5C112E19BC68}"/>
-              </a:ext>
-            </a:extLst>
-          </p:cNvPr>
-          <p:cNvSpPr>
-            <a:spLocks noGrp="1"/>
-          </p:cNvSpPr>
-          <p:nvPr>
-            <p:ph type="title"/>
-          </p:nvPr>
-        </p:nvSpPr>
-        <p:spPr/>
-        <p:txBody>
-          <a:bodyPr/>
-          <a:lstStyle/>
-          <a:p>
-            <a:r>
-              <a:rPr lang="ja-JP" altLang="en-US" dirty="0"/>
-              <a:t>イテレータ（</a:t>
-            </a:r>
-            <a:r>
-              <a:rPr lang="en-US" altLang="ja-JP" dirty="0"/>
-              <a:t>iterator</a:t>
-            </a:r>
-            <a:r>
-              <a:rPr kumimoji="1" lang="ja-JP" altLang="en-US" dirty="0"/>
-              <a:t>：反復子</a:t>
-            </a:r>
-            <a:r>
-              <a:rPr lang="ja-JP" altLang="en-US" dirty="0"/>
-              <a:t>）</a:t>
-            </a:r>
-            <a:endParaRPr kumimoji="1" lang="ja-JP" altLang="en-US" dirty="0"/>
-          </a:p>
-        </p:txBody>
-      </p:sp>
-      <p:sp>
-        <p:nvSpPr>
-          <p:cNvPr id="3" name="コンテンツ プレースホルダー 2">
-            <a:extLst>
-              <a:ext uri="{FF2B5EF4-FFF2-40B4-BE49-F238E27FC236}">
-                <a16:creationId xmlns:a16="http://schemas.microsoft.com/office/drawing/2014/main" id="{2D1D261D-17DF-B2C4-790D-3CA3EAB48668}"/>
-              </a:ext>
-            </a:extLst>
-          </p:cNvPr>
-          <p:cNvSpPr>
-            <a:spLocks noGrp="1"/>
-          </p:cNvSpPr>
-          <p:nvPr>
-            <p:ph idx="1"/>
-          </p:nvPr>
-        </p:nvSpPr>
-        <p:spPr>
-          <a:xfrm>
-            <a:off x="838200" y="1162976"/>
-            <a:ext cx="10515600" cy="5193373"/>
-          </a:xfrm>
-        </p:spPr>
-        <p:txBody>
-          <a:bodyPr>
-            <a:normAutofit/>
-          </a:bodyPr>
-          <a:lstStyle/>
-          <a:p>
-            <a:pPr marL="0" indent="0">
-              <a:buNone/>
-            </a:pPr>
-            <a:r>
-              <a:rPr kumimoji="1" lang="en-US" altLang="ja-JP" dirty="0"/>
-              <a:t>                main.cpp</a:t>
-            </a:r>
-            <a:r>
-              <a:rPr kumimoji="1" lang="ja-JP" altLang="en-US" dirty="0"/>
-              <a:t>　</a:t>
-            </a:r>
-            <a:r>
-              <a:rPr kumimoji="1" lang="en-US" altLang="ja-JP" dirty="0"/>
-              <a:t>(Sample604)</a:t>
-            </a:r>
-            <a:br>
-              <a:rPr lang="en-US" altLang="ja-JP" dirty="0"/>
-            </a:br>
-            <a:endParaRPr lang="en-US" altLang="ja-JP" dirty="0"/>
-          </a:p>
-          <a:p>
-            <a:pPr marL="0" indent="0">
-              <a:buNone/>
-            </a:pPr>
-            <a:br>
-              <a:rPr lang="en-US" altLang="ja-JP" dirty="0"/>
-            </a:br>
-            <a:br>
-              <a:rPr lang="en-US" altLang="ja-JP" dirty="0"/>
-            </a:br>
-            <a:br>
-              <a:rPr lang="en-US" altLang="ja-JP" dirty="0"/>
-            </a:br>
-            <a:br>
-              <a:rPr lang="en-US" altLang="ja-JP" sz="2400" dirty="0"/>
-            </a:br>
-            <a:br>
-              <a:rPr lang="en-US" altLang="ja-JP" sz="2400" dirty="0"/>
-            </a:br>
-            <a:endParaRPr lang="en-US" altLang="ja-JP" sz="2400" dirty="0"/>
-          </a:p>
-          <a:p>
-            <a:pPr marL="0" indent="0">
-              <a:buNone/>
-            </a:pPr>
-            <a:br>
-              <a:rPr lang="en-US" altLang="ja-JP" sz="2400" dirty="0"/>
-            </a:br>
-            <a:endParaRPr lang="en-US" altLang="ja-JP" dirty="0">
-              <a:solidFill>
-                <a:srgbClr val="FF0000"/>
-              </a:solidFill>
-            </a:endParaRPr>
-          </a:p>
-        </p:txBody>
-      </p:sp>
-      <p:sp>
-        <p:nvSpPr>
-          <p:cNvPr id="5" name="テキスト ボックス 4">
-            <a:extLst>
-              <a:ext uri="{FF2B5EF4-FFF2-40B4-BE49-F238E27FC236}">
-                <a16:creationId xmlns:a16="http://schemas.microsoft.com/office/drawing/2014/main" id="{C76871F0-1963-B290-9F6C-71EDCACC6CBE}"/>
-              </a:ext>
-            </a:extLst>
-          </p:cNvPr>
-          <p:cNvSpPr txBox="1"/>
-          <p:nvPr/>
-        </p:nvSpPr>
-        <p:spPr>
-          <a:xfrm>
-            <a:off x="751890" y="1120695"/>
-            <a:ext cx="10688220" cy="4524315"/>
-          </a:xfrm>
-          <a:prstGeom prst="rect">
-            <a:avLst/>
-          </a:prstGeom>
-          <a:noFill/>
-          <a:ln>
-            <a:solidFill>
-              <a:schemeClr val="tx1"/>
-            </a:solidFill>
-          </a:ln>
-        </p:spPr>
-        <p:txBody>
-          <a:bodyPr wrap="square" rtlCol="0">
-            <a:spAutoFit/>
-          </a:bodyPr>
-          <a:lstStyle/>
-          <a:p>
-            <a:r>
-              <a:rPr lang="en-US" altLang="ja-JP" sz="1800" dirty="0">
-                <a:ea typeface="ＭＳ ゴシック" panose="020B0609070205080204" pitchFamily="49" charset="-128"/>
-              </a:rPr>
-              <a:t>	v1.push_back(3);</a:t>
-            </a:r>
-          </a:p>
-          <a:p>
-            <a:r>
-              <a:rPr lang="en-US" altLang="ja-JP" sz="1800" dirty="0">
-                <a:ea typeface="ＭＳ ゴシック" panose="020B0609070205080204" pitchFamily="49" charset="-128"/>
-              </a:rPr>
-              <a:t>	v2.push_back("ABC");</a:t>
-            </a:r>
-          </a:p>
-          <a:p>
-            <a:r>
-              <a:rPr lang="en-US" altLang="ja-JP" sz="1800" dirty="0">
-                <a:ea typeface="ＭＳ ゴシック" panose="020B0609070205080204" pitchFamily="49" charset="-128"/>
-              </a:rPr>
-              <a:t>	v2.push_back(“DEF”);</a:t>
-            </a:r>
-            <a:br>
-              <a:rPr lang="en-US" altLang="ja-JP" sz="1800" dirty="0">
-                <a:ea typeface="ＭＳ ゴシック" panose="020B0609070205080204" pitchFamily="49" charset="-128"/>
-              </a:rPr>
-            </a:br>
-            <a:r>
-              <a:rPr lang="en-US" altLang="ja-JP" sz="1800" dirty="0">
-                <a:ea typeface="ＭＳ ゴシック" panose="020B0609070205080204" pitchFamily="49" charset="-128"/>
-              </a:rPr>
-              <a:t>	v1.pop_back();</a:t>
-            </a:r>
-            <a:br>
-              <a:rPr lang="en-US" altLang="ja-JP" sz="1800" dirty="0">
-                <a:ea typeface="ＭＳ ゴシック" panose="020B0609070205080204" pitchFamily="49" charset="-128"/>
-              </a:rPr>
-            </a:br>
-            <a:r>
-              <a:rPr lang="en-US" altLang="ja-JP" sz="1800" dirty="0">
-                <a:ea typeface="ＭＳ ゴシック" panose="020B0609070205080204" pitchFamily="49" charset="-128"/>
-              </a:rPr>
-              <a:t>	v1.emplace_back(4);</a:t>
-            </a:r>
-            <a:r>
-              <a:rPr lang="en-US" altLang="ja-JP" dirty="0">
-                <a:ea typeface="ＭＳ ゴシック" panose="020B0609070205080204" pitchFamily="49" charset="-128"/>
-              </a:rPr>
-              <a:t> </a:t>
-            </a:r>
-            <a:endParaRPr lang="en-US" altLang="ja-JP" sz="1800" dirty="0">
-              <a:ea typeface="ＭＳ ゴシック" panose="020B0609070205080204" pitchFamily="49" charset="-128"/>
-            </a:endParaRPr>
-          </a:p>
-          <a:p>
-            <a:r>
-              <a:rPr lang="en-US" altLang="ja-JP" dirty="0">
-                <a:ea typeface="ＭＳ ゴシック" panose="020B0609070205080204" pitchFamily="49" charset="-128"/>
-              </a:rPr>
-              <a:t>	</a:t>
-            </a:r>
-            <a:r>
-              <a:rPr lang="sv-SE" altLang="ja-JP" sz="1800" dirty="0">
-                <a:ea typeface="ＭＳ ゴシック" panose="020B0609070205080204" pitchFamily="49" charset="-128"/>
-              </a:rPr>
-              <a:t>cout &lt;&lt; ”v1</a:t>
-            </a:r>
-            <a:r>
-              <a:rPr lang="ja-JP" altLang="en-US" sz="1800" dirty="0">
-                <a:ea typeface="ＭＳ ゴシック" panose="020B0609070205080204" pitchFamily="49" charset="-128"/>
-              </a:rPr>
-              <a:t>の要素数</a:t>
-            </a:r>
-            <a:r>
-              <a:rPr lang="en-US" altLang="ja-JP" sz="1800" dirty="0">
-                <a:ea typeface="ＭＳ ゴシック" panose="020B0609070205080204" pitchFamily="49" charset="-128"/>
-              </a:rPr>
-              <a:t>:” &lt;&lt; </a:t>
-            </a:r>
-            <a:r>
-              <a:rPr lang="nn-NO" altLang="ja-JP" sz="1800" dirty="0">
-                <a:ea typeface="ＭＳ ゴシック" panose="020B0609070205080204" pitchFamily="49" charset="-128"/>
-              </a:rPr>
-              <a:t>v1.size() </a:t>
-            </a:r>
-            <a:r>
-              <a:rPr lang="sv-SE" altLang="ja-JP" sz="1800" dirty="0">
-                <a:ea typeface="ＭＳ ゴシック" panose="020B0609070205080204" pitchFamily="49" charset="-128"/>
-              </a:rPr>
-              <a:t>&lt;&lt; endl;</a:t>
-            </a:r>
-            <a:br>
-              <a:rPr lang="sv-SE" altLang="ja-JP" sz="1800" dirty="0">
-                <a:solidFill>
-                  <a:srgbClr val="000000"/>
-                </a:solidFill>
-                <a:ea typeface="ＭＳ ゴシック" panose="020B0609070205080204" pitchFamily="49" charset="-128"/>
-              </a:rPr>
-            </a:br>
-            <a:endParaRPr lang="sv-SE" altLang="ja-JP" sz="1800" dirty="0">
-              <a:solidFill>
-                <a:srgbClr val="000000"/>
-              </a:solidFill>
-              <a:ea typeface="ＭＳ ゴシック" panose="020B0609070205080204" pitchFamily="49" charset="-128"/>
-            </a:endParaRPr>
-          </a:p>
-          <a:p>
-            <a:r>
-              <a:rPr lang="en-US" altLang="ja-JP" sz="1800" dirty="0">
-                <a:solidFill>
-                  <a:srgbClr val="000000"/>
-                </a:solidFill>
-                <a:ea typeface="ＭＳ ゴシック" panose="020B0609070205080204" pitchFamily="49" charset="-128"/>
-              </a:rPr>
-              <a:t>	</a:t>
-            </a:r>
-            <a:r>
-              <a:rPr lang="en-US" altLang="ja-JP" sz="1800" dirty="0">
-                <a:solidFill>
-                  <a:srgbClr val="FF0000"/>
-                </a:solidFill>
-                <a:ea typeface="ＭＳ ゴシック" panose="020B0609070205080204" pitchFamily="49" charset="-128"/>
-              </a:rPr>
-              <a:t>auto </a:t>
-            </a:r>
-            <a:r>
-              <a:rPr lang="en-US" altLang="ja-JP" dirty="0">
-                <a:ea typeface="ＭＳ ゴシック" panose="020B0609070205080204" pitchFamily="49" charset="-128"/>
-              </a:rPr>
-              <a:t>itrV1 = v1.begin();</a:t>
-            </a:r>
-          </a:p>
-          <a:p>
-            <a:r>
-              <a:rPr lang="en-US" altLang="ja-JP" sz="1800" dirty="0">
-                <a:solidFill>
-                  <a:srgbClr val="FF0000"/>
-                </a:solidFill>
-                <a:ea typeface="ＭＳ ゴシック" panose="020B0609070205080204" pitchFamily="49" charset="-128"/>
-              </a:rPr>
-              <a:t>	</a:t>
-            </a:r>
-            <a:r>
-              <a:rPr lang="sv-SE" altLang="ja-JP" sz="1800" dirty="0">
-                <a:ea typeface="ＭＳ ゴシック" panose="020B0609070205080204" pitchFamily="49" charset="-128"/>
-              </a:rPr>
-              <a:t>cout &lt;&lt; ”</a:t>
-            </a:r>
-            <a:r>
-              <a:rPr lang="ja-JP" altLang="en-US" sz="1800" dirty="0">
-                <a:ea typeface="ＭＳ ゴシック" panose="020B0609070205080204" pitchFamily="49" charset="-128"/>
-              </a:rPr>
-              <a:t>イテレータが指す要素の値</a:t>
-            </a:r>
-            <a:r>
-              <a:rPr lang="en-US" altLang="ja-JP" sz="1800" dirty="0">
-                <a:ea typeface="ＭＳ ゴシック" panose="020B0609070205080204" pitchFamily="49" charset="-128"/>
-              </a:rPr>
-              <a:t>:” </a:t>
-            </a:r>
-            <a:r>
-              <a:rPr lang="sv-SE" altLang="ja-JP" sz="1800" dirty="0">
-                <a:ea typeface="ＭＳ ゴシック" panose="020B0609070205080204" pitchFamily="49" charset="-128"/>
-              </a:rPr>
-              <a:t>&lt;&lt; </a:t>
-            </a:r>
-            <a:r>
-              <a:rPr lang="nn-NO" altLang="ja-JP" dirty="0">
-                <a:ea typeface="ＭＳ ゴシック" panose="020B0609070205080204" pitchFamily="49" charset="-128"/>
-              </a:rPr>
-              <a:t>*</a:t>
-            </a:r>
-            <a:r>
-              <a:rPr lang="nn-NO" altLang="ja-JP" sz="1800" dirty="0">
-                <a:ea typeface="ＭＳ ゴシック" panose="020B0609070205080204" pitchFamily="49" charset="-128"/>
-              </a:rPr>
-              <a:t>itrV1</a:t>
-            </a:r>
-            <a:r>
-              <a:rPr lang="sv-SE" altLang="ja-JP" sz="1800" dirty="0">
-                <a:ea typeface="ＭＳ ゴシック" panose="020B0609070205080204" pitchFamily="49" charset="-128"/>
-              </a:rPr>
-              <a:t> &lt;&lt; endl;</a:t>
-            </a:r>
-            <a:br>
-              <a:rPr lang="en-US" altLang="ja-JP" dirty="0">
-                <a:ea typeface="ＭＳ ゴシック" panose="020B0609070205080204" pitchFamily="49" charset="-128"/>
-              </a:rPr>
-            </a:br>
-            <a:r>
-              <a:rPr lang="en-US" altLang="ja-JP" dirty="0">
-                <a:ea typeface="ＭＳ ゴシック" panose="020B0609070205080204" pitchFamily="49" charset="-128"/>
-              </a:rPr>
-              <a:t>	v1.insert(itrV1 + 1, 11); </a:t>
-            </a:r>
-            <a:r>
-              <a:rPr lang="en-US" altLang="ja-JP" dirty="0">
-                <a:solidFill>
-                  <a:srgbClr val="00B050"/>
-                </a:solidFill>
-                <a:latin typeface="+mn-ea"/>
-              </a:rPr>
-              <a:t>//</a:t>
-            </a:r>
-            <a:r>
-              <a:rPr lang="ja-JP" altLang="en-US" dirty="0">
-                <a:solidFill>
-                  <a:srgbClr val="00B050"/>
-                </a:solidFill>
-                <a:latin typeface="+mn-ea"/>
-              </a:rPr>
-              <a:t>指定した場所（先頭から</a:t>
-            </a:r>
-            <a:r>
-              <a:rPr lang="en-US" altLang="ja-JP" dirty="0">
-                <a:solidFill>
-                  <a:srgbClr val="00B050"/>
-                </a:solidFill>
-                <a:latin typeface="+mn-ea"/>
-              </a:rPr>
-              <a:t>+1</a:t>
-            </a:r>
-            <a:r>
-              <a:rPr lang="ja-JP" altLang="en-US" dirty="0">
-                <a:solidFill>
-                  <a:srgbClr val="00B050"/>
-                </a:solidFill>
-                <a:latin typeface="+mn-ea"/>
-              </a:rPr>
-              <a:t>番目）へ要素（</a:t>
-            </a:r>
-            <a:r>
-              <a:rPr lang="en-US" altLang="ja-JP" dirty="0">
-                <a:solidFill>
-                  <a:srgbClr val="00B050"/>
-                </a:solidFill>
-                <a:latin typeface="+mn-ea"/>
-              </a:rPr>
-              <a:t>11</a:t>
-            </a:r>
-            <a:r>
-              <a:rPr lang="ja-JP" altLang="en-US" dirty="0">
-                <a:solidFill>
-                  <a:srgbClr val="00B050"/>
-                </a:solidFill>
-                <a:latin typeface="+mn-ea"/>
-              </a:rPr>
-              <a:t>）を追加</a:t>
-            </a:r>
-            <a:br>
-              <a:rPr lang="en-US" altLang="ja-JP" dirty="0">
-                <a:solidFill>
-                  <a:srgbClr val="00B050"/>
-                </a:solidFill>
-                <a:ea typeface="ＭＳ ゴシック" panose="020B0609070205080204" pitchFamily="49" charset="-128"/>
-              </a:rPr>
-            </a:br>
-            <a:r>
-              <a:rPr lang="en-US" altLang="ja-JP" dirty="0">
-                <a:solidFill>
-                  <a:srgbClr val="00B050"/>
-                </a:solidFill>
-                <a:ea typeface="ＭＳ ゴシック" panose="020B0609070205080204" pitchFamily="49" charset="-128"/>
-              </a:rPr>
-              <a:t>	</a:t>
-            </a:r>
-            <a:r>
-              <a:rPr lang="en-US" altLang="ja-JP" dirty="0">
-                <a:ea typeface="ＭＳ ゴシック" panose="020B0609070205080204" pitchFamily="49" charset="-128"/>
-              </a:rPr>
-              <a:t>v1.erase(itrV1 + 2);      </a:t>
-            </a:r>
-            <a:r>
-              <a:rPr lang="en-US" altLang="ja-JP" dirty="0">
-                <a:solidFill>
-                  <a:srgbClr val="00B050"/>
-                </a:solidFill>
-                <a:latin typeface="+mn-ea"/>
-              </a:rPr>
-              <a:t>//</a:t>
-            </a:r>
-            <a:r>
-              <a:rPr lang="ja-JP" altLang="en-US" dirty="0">
-                <a:solidFill>
-                  <a:srgbClr val="00B050"/>
-                </a:solidFill>
-                <a:latin typeface="+mn-ea"/>
-              </a:rPr>
-              <a:t>指定した場所（先頭から</a:t>
-            </a:r>
-            <a:r>
-              <a:rPr lang="en-US" altLang="ja-JP" dirty="0">
-                <a:solidFill>
-                  <a:srgbClr val="00B050"/>
-                </a:solidFill>
-                <a:latin typeface="+mn-ea"/>
-              </a:rPr>
-              <a:t>+2</a:t>
-            </a:r>
-            <a:r>
-              <a:rPr lang="ja-JP" altLang="en-US" dirty="0">
-                <a:solidFill>
-                  <a:srgbClr val="00B050"/>
-                </a:solidFill>
-                <a:latin typeface="+mn-ea"/>
-              </a:rPr>
-              <a:t>番目）の要素を削除</a:t>
-            </a:r>
-            <a:br>
-              <a:rPr lang="en-US" altLang="ja-JP" dirty="0">
-                <a:solidFill>
-                  <a:srgbClr val="00B050"/>
-                </a:solidFill>
-                <a:latin typeface="+mn-ea"/>
-              </a:rPr>
-            </a:br>
-            <a:endParaRPr lang="en-US" altLang="ja-JP" sz="1800" dirty="0">
-              <a:latin typeface="+mn-ea"/>
-            </a:endParaRPr>
-          </a:p>
-          <a:p>
-            <a:r>
-              <a:rPr lang="nn-NO" altLang="ja-JP" sz="1800" dirty="0">
-                <a:solidFill>
-                  <a:srgbClr val="0000FF"/>
-                </a:solidFill>
-                <a:ea typeface="ＭＳ ゴシック" panose="020B0609070205080204" pitchFamily="49" charset="-128"/>
-              </a:rPr>
-              <a:t>	</a:t>
-            </a:r>
-            <a:r>
-              <a:rPr lang="nn-NO" altLang="ja-JP" sz="1800" dirty="0">
-                <a:ea typeface="ＭＳ ゴシック" panose="020B0609070205080204" pitchFamily="49" charset="-128"/>
-              </a:rPr>
-              <a:t>for (int i = 0; i &lt; v1.size(); i++) {</a:t>
-            </a:r>
-          </a:p>
-          <a:p>
-            <a:r>
-              <a:rPr lang="sv-SE" altLang="ja-JP" sz="1800" dirty="0">
-                <a:ea typeface="ＭＳ ゴシック" panose="020B0609070205080204" pitchFamily="49" charset="-128"/>
-              </a:rPr>
-              <a:t>		</a:t>
-            </a:r>
-            <a:r>
-              <a:rPr lang="en-US" altLang="ja-JP" sz="1800" dirty="0">
-                <a:ea typeface="ＭＳ ゴシック" panose="020B0609070205080204" pitchFamily="49" charset="-128"/>
-              </a:rPr>
-              <a:t> </a:t>
-            </a:r>
-            <a:r>
-              <a:rPr lang="sv-SE" altLang="ja-JP" sz="1800" dirty="0">
-                <a:ea typeface="ＭＳ ゴシック" panose="020B0609070205080204" pitchFamily="49" charset="-128"/>
-              </a:rPr>
-              <a:t>cout &lt;&lt; ”v1[" &lt;&lt; i &lt;&lt; "]=" &lt;&lt; v1[i] &lt;&lt; endl;</a:t>
-            </a:r>
-          </a:p>
-          <a:p>
-            <a:r>
-              <a:rPr lang="en-US" altLang="ja-JP" sz="1800" dirty="0">
-                <a:ea typeface="ＭＳ ゴシック" panose="020B0609070205080204" pitchFamily="49" charset="-128"/>
-              </a:rPr>
-              <a:t>	}</a:t>
-            </a:r>
-          </a:p>
-          <a:p>
-            <a:r>
-              <a:rPr lang="en-US" altLang="ja-JP" dirty="0">
-                <a:ea typeface="ＭＳ ゴシック" panose="020B0609070205080204" pitchFamily="49" charset="-128"/>
-              </a:rPr>
-              <a:t>	</a:t>
-            </a:r>
-            <a:endParaRPr kumimoji="1" lang="ja-JP" altLang="en-US" sz="7200" dirty="0"/>
-          </a:p>
-        </p:txBody>
-      </p:sp>
-      <p:sp>
-        <p:nvSpPr>
-          <p:cNvPr id="6" name="矢印: 右 5">
-            <a:extLst>
-              <a:ext uri="{FF2B5EF4-FFF2-40B4-BE49-F238E27FC236}">
-                <a16:creationId xmlns:a16="http://schemas.microsoft.com/office/drawing/2014/main" id="{33CB0913-5E48-3950-A5E2-A7820094ED51}"/>
+                <a16:creationId xmlns:a16="http://schemas.microsoft.com/office/drawing/2014/main" id="{C97A0C54-DA68-42B5-B495-C5CD72D2FB8D}"/>
               </a:ext>
             </a:extLst>
           </p:cNvPr>
@@ -14692,7 +14388,7 @@
         </p:nvSpPr>
         <p:spPr>
           <a:xfrm>
-            <a:off x="751890" y="3117196"/>
+            <a:off x="751890" y="4228568"/>
             <a:ext cx="426396" cy="282102"/>
           </a:xfrm>
           <a:prstGeom prst="rightArrow">
@@ -14727,222 +14423,10 @@
           </a:p>
         </p:txBody>
       </p:sp>
-      <p:sp>
-        <p:nvSpPr>
-          <p:cNvPr id="10" name="矢印: 右 9">
-            <a:extLst>
-              <a:ext uri="{FF2B5EF4-FFF2-40B4-BE49-F238E27FC236}">
-                <a16:creationId xmlns:a16="http://schemas.microsoft.com/office/drawing/2014/main" id="{44BB5652-F34E-2805-6EE0-B9C2DFBF00B0}"/>
-              </a:ext>
-            </a:extLst>
-          </p:cNvPr>
-          <p:cNvSpPr/>
-          <p:nvPr/>
-        </p:nvSpPr>
-        <p:spPr>
-          <a:xfrm>
-            <a:off x="751890" y="3386660"/>
-            <a:ext cx="426396" cy="282102"/>
-          </a:xfrm>
-          <a:prstGeom prst="rightArrow">
-            <a:avLst/>
-          </a:prstGeom>
-          <a:solidFill>
-            <a:srgbClr val="FF0000"/>
-          </a:solidFill>
-        </p:spPr>
-        <p:style>
-          <a:lnRef idx="2">
-            <a:schemeClr val="accent1">
-              <a:shade val="15000"/>
-            </a:schemeClr>
-          </a:lnRef>
-          <a:fillRef idx="1">
-            <a:schemeClr val="accent1"/>
-          </a:fillRef>
-          <a:effectRef idx="0">
-            <a:schemeClr val="accent1"/>
-          </a:effectRef>
-          <a:fontRef idx="minor">
-            <a:schemeClr val="lt1"/>
-          </a:fontRef>
-        </p:style>
-        <p:txBody>
-          <a:bodyPr rtlCol="0" anchor="ctr"/>
-          <a:lstStyle/>
-          <a:p>
-            <a:pPr algn="ctr"/>
-            <a:endParaRPr kumimoji="1" lang="ja-JP" altLang="en-US"/>
-          </a:p>
-        </p:txBody>
-      </p:sp>
-      <p:sp>
-        <p:nvSpPr>
-          <p:cNvPr id="4" name="矢印: 右 3">
-            <a:extLst>
-              <a:ext uri="{FF2B5EF4-FFF2-40B4-BE49-F238E27FC236}">
-                <a16:creationId xmlns:a16="http://schemas.microsoft.com/office/drawing/2014/main" id="{B7E57DDF-F53B-DE32-D2D3-A6A66FC868A4}"/>
-              </a:ext>
-            </a:extLst>
-          </p:cNvPr>
-          <p:cNvSpPr/>
-          <p:nvPr/>
-        </p:nvSpPr>
-        <p:spPr>
-          <a:xfrm>
-            <a:off x="751890" y="3670654"/>
-            <a:ext cx="426396" cy="282102"/>
-          </a:xfrm>
-          <a:prstGeom prst="rightArrow">
-            <a:avLst/>
-          </a:prstGeom>
-          <a:solidFill>
-            <a:srgbClr val="FF0000"/>
-          </a:solidFill>
-        </p:spPr>
-        <p:style>
-          <a:lnRef idx="2">
-            <a:schemeClr val="accent1">
-              <a:shade val="15000"/>
-            </a:schemeClr>
-          </a:lnRef>
-          <a:fillRef idx="1">
-            <a:schemeClr val="accent1"/>
-          </a:fillRef>
-          <a:effectRef idx="0">
-            <a:schemeClr val="accent1"/>
-          </a:effectRef>
-          <a:fontRef idx="minor">
-            <a:schemeClr val="lt1"/>
-          </a:fontRef>
-        </p:style>
-        <p:txBody>
-          <a:bodyPr rtlCol="0" anchor="ctr"/>
-          <a:lstStyle/>
-          <a:p>
-            <a:pPr algn="ctr"/>
-            <a:endParaRPr kumimoji="1" lang="ja-JP" altLang="en-US"/>
-          </a:p>
-        </p:txBody>
-      </p:sp>
-      <p:sp>
-        <p:nvSpPr>
-          <p:cNvPr id="7" name="矢印: 右 6">
-            <a:extLst>
-              <a:ext uri="{FF2B5EF4-FFF2-40B4-BE49-F238E27FC236}">
-                <a16:creationId xmlns:a16="http://schemas.microsoft.com/office/drawing/2014/main" id="{5C3516FB-E823-5373-8643-754F94F227C0}"/>
-              </a:ext>
-            </a:extLst>
-          </p:cNvPr>
-          <p:cNvSpPr/>
-          <p:nvPr/>
-        </p:nvSpPr>
-        <p:spPr>
-          <a:xfrm>
-            <a:off x="751890" y="3949611"/>
-            <a:ext cx="426396" cy="282102"/>
-          </a:xfrm>
-          <a:prstGeom prst="rightArrow">
-            <a:avLst/>
-          </a:prstGeom>
-          <a:solidFill>
-            <a:srgbClr val="FF0000"/>
-          </a:solidFill>
-        </p:spPr>
-        <p:style>
-          <a:lnRef idx="2">
-            <a:schemeClr val="accent1">
-              <a:shade val="15000"/>
-            </a:schemeClr>
-          </a:lnRef>
-          <a:fillRef idx="1">
-            <a:schemeClr val="accent1"/>
-          </a:fillRef>
-          <a:effectRef idx="0">
-            <a:schemeClr val="accent1"/>
-          </a:effectRef>
-          <a:fontRef idx="minor">
-            <a:schemeClr val="lt1"/>
-          </a:fontRef>
-        </p:style>
-        <p:txBody>
-          <a:bodyPr rtlCol="0" anchor="ctr"/>
-          <a:lstStyle/>
-          <a:p>
-            <a:pPr algn="ctr"/>
-            <a:endParaRPr kumimoji="1" lang="ja-JP" altLang="en-US"/>
-          </a:p>
-        </p:txBody>
-      </p:sp>
-      <p:sp>
-        <p:nvSpPr>
-          <p:cNvPr id="8" name="吹き出し: 四角形 7">
-            <a:extLst>
-              <a:ext uri="{FF2B5EF4-FFF2-40B4-BE49-F238E27FC236}">
-                <a16:creationId xmlns:a16="http://schemas.microsoft.com/office/drawing/2014/main" id="{ABBCF760-5D18-7BDA-C2F1-7AF77EEE7696}"/>
-              </a:ext>
-            </a:extLst>
-          </p:cNvPr>
-          <p:cNvSpPr/>
-          <p:nvPr/>
-        </p:nvSpPr>
-        <p:spPr>
-          <a:xfrm>
-            <a:off x="751890" y="2099094"/>
-            <a:ext cx="4473484" cy="447473"/>
-          </a:xfrm>
-          <a:prstGeom prst="wedgeRectCallout">
-            <a:avLst>
-              <a:gd name="adj1" fmla="val -28340"/>
-              <a:gd name="adj2" fmla="val 166847"/>
-            </a:avLst>
-          </a:prstGeom>
-          <a:solidFill>
-            <a:srgbClr val="00B050"/>
-          </a:solidFill>
-        </p:spPr>
-        <p:style>
-          <a:lnRef idx="2">
-            <a:schemeClr val="accent1">
-              <a:shade val="15000"/>
-            </a:schemeClr>
-          </a:lnRef>
-          <a:fillRef idx="1">
-            <a:schemeClr val="accent1"/>
-          </a:fillRef>
-          <a:effectRef idx="0">
-            <a:schemeClr val="accent1"/>
-          </a:effectRef>
-          <a:fontRef idx="minor">
-            <a:schemeClr val="lt1"/>
-          </a:fontRef>
-        </p:style>
-        <p:txBody>
-          <a:bodyPr rtlCol="0" anchor="ctr"/>
-          <a:lstStyle/>
-          <a:p>
-            <a:pPr algn="ctr"/>
-            <a:r>
-              <a:rPr lang="en-US" altLang="ja-JP" sz="2000" dirty="0">
-                <a:solidFill>
-                  <a:schemeClr val="bg1"/>
-                </a:solidFill>
-                <a:ea typeface="ＭＳ ゴシック" panose="020B0609070205080204" pitchFamily="49" charset="-128"/>
-              </a:rPr>
-              <a:t>std::vector&lt;int&gt;::iterator</a:t>
-            </a:r>
-            <a:endParaRPr kumimoji="1" lang="ja-JP" altLang="en-US" sz="2000" dirty="0">
-              <a:solidFill>
-                <a:schemeClr val="bg1"/>
-              </a:solidFill>
-            </a:endParaRPr>
-          </a:p>
-        </p:txBody>
-      </p:sp>
     </p:spTree>
     <p:extLst>
       <p:ext uri="{BB962C8B-B14F-4D97-AF65-F5344CB8AC3E}">
-        <p14:creationId xmlns:p14="http://schemas.microsoft.com/office/powerpoint/2010/main" val="1711916283"/>
+        <p14:creationId xmlns:p14="http://schemas.microsoft.com/office/powerpoint/2010/main" val="2506747997"/>
       </p:ext>
     </p:extLst>
   </p:cSld>
@@ -15383,13 +14867,22 @@
               <a:t>for (auto </a:t>
             </a:r>
             <a:r>
+              <a:rPr lang="en-US" altLang="ja-JP" dirty="0" err="1">
+                <a:solidFill>
+                  <a:srgbClr val="FF0000"/>
+                </a:solidFill>
+                <a:ea typeface="ＭＳ ゴシック" panose="020B0609070205080204" pitchFamily="49" charset="-128"/>
+              </a:rPr>
+              <a:t>itr</a:t>
+            </a:r>
+            <a:r>
               <a:rPr lang="en-US" altLang="ja-JP" dirty="0">
                 <a:solidFill>
                   <a:srgbClr val="FF0000"/>
                 </a:solidFill>
                 <a:ea typeface="ＭＳ ゴシック" panose="020B0609070205080204" pitchFamily="49" charset="-128"/>
               </a:rPr>
-              <a:t>itrV1 = v1.begin()</a:t>
+              <a:t> = v1.begin()</a:t>
             </a:r>
             <a:r>
               <a:rPr lang="nn-NO" altLang="ja-JP" sz="1800" dirty="0">
@@ -15398,7 +14891,7 @@
                 </a:solidFill>
                 <a:ea typeface="ＭＳ ゴシック" panose="020B0609070205080204" pitchFamily="49" charset="-128"/>
               </a:rPr>
-              <a:t>; itrV1 != </a:t>
+              <a:t>; itr != </a:t>
             </a:r>
             <a:r>
               <a:rPr lang="en-US" altLang="ja-JP" dirty="0">
@@ -15416,7 +14909,7 @@
                 </a:solidFill>
                 <a:ea typeface="ＭＳ ゴシック" panose="020B0609070205080204" pitchFamily="49" charset="-128"/>
               </a:rPr>
-              <a:t>; ++itrV1) {</a:t>
+              <a:t>; ++itr) {</a:t>
             </a:r>
           </a:p>
           <a:p>
@@ -15454,7 +14947,7 @@
                 </a:solidFill>
                 <a:ea typeface="ＭＳ ゴシック" panose="020B0609070205080204" pitchFamily="49" charset="-128"/>
               </a:rPr>
-              <a:t>*itrV1 </a:t>
+              <a:t>*itr </a:t>
             </a:r>
             <a:r>
               <a:rPr lang="sv-SE" altLang="ja-JP" sz="1800" dirty="0">
@@ -15564,7 +15057,7 @@
         </p:nvSpPr>
         <p:spPr>
           <a:xfrm>
-            <a:off x="4009034" y="5513568"/>
+            <a:off x="3345646" y="5513568"/>
             <a:ext cx="4473484" cy="447473"/>
           </a:xfrm>
           <a:prstGeom prst="wedgeRectCallout">
@@ -15892,8 +15385,8 @@
               <a:t>イテレータ</a:t>
             </a:r>
             <a:r>
-              <a:rPr lang="en-US" altLang="ja-JP" dirty="0"/>
-              <a:t>itrV1</a:t>
+              <a:rPr lang="en-US" altLang="ja-JP" dirty="0" err="1"/>
+              <a:t>itr</a:t>
             </a:r>
             <a:r>
               <a:rPr lang="ja-JP" altLang="en-US" dirty="0"/>
@@ -15975,10 +15468,16 @@
               <a:t> </a:t>
             </a:r>
             <a:r>
+              <a:rPr lang="en-US" altLang="ja-JP" sz="3200" dirty="0" err="1">
+                <a:ea typeface="ＭＳ ゴシック" panose="020B0609070205080204" pitchFamily="49" charset="-128"/>
+              </a:rPr>
+              <a:t>itr</a:t>
+            </a:r>
+            <a:r>
               <a:rPr lang="en-US" altLang="ja-JP" sz="3200" dirty="0">
                 <a:ea typeface="ＭＳ ゴシック" panose="020B0609070205080204" pitchFamily="49" charset="-128"/>
               </a:rPr>
-              <a:t>itrV1 = v1.</a:t>
+              <a:t> = v1.</a:t>
             </a:r>
             <a:r>
               <a:rPr lang="en-US" altLang="ja-JP" sz="3200" dirty="0">
@@ -16007,7 +15506,7 @@
                 </a:solidFill>
                 <a:ea typeface="ＭＳ ゴシック" panose="020B0609070205080204" pitchFamily="49" charset="-128"/>
               </a:rPr>
-              <a:t>; itrV1 </a:t>
+              <a:t>; itr </a:t>
             </a:r>
             <a:r>
               <a:rPr lang="nn-NO" altLang="ja-JP" sz="3200" dirty="0">
@@ -16057,7 +15556,7 @@
                 </a:solidFill>
                 <a:ea typeface="ＭＳ ゴシック" panose="020B0609070205080204" pitchFamily="49" charset="-128"/>
               </a:rPr>
-              <a:t>; ++itrV1) </a:t>
+              <a:t>; ++itr) </a:t>
             </a:r>
             <a:endParaRPr lang="ja-JP" altLang="en-US" sz="3200" dirty="0"/>
           </a:p>

--- a/授業資料/講義資料：Vectorクラス.pptx
+++ b/授業資料/講義資料：Vectorクラス.pptx
@@ -33,7 +33,8 @@
     <p:sldId id="366" r:id="rId27"/>
     <p:sldId id="367" r:id="rId28"/>
     <p:sldId id="373" r:id="rId29"/>
-    <p:sldId id="374" r:id="rId30"/>
+    <p:sldId id="378" r:id="rId30"/>
+    <p:sldId id="374" r:id="rId31"/>
   </p:sldIdLst>
   <p:sldSz cx="12192000" cy="6858000"/>
   <p:notesSz cx="6858000" cy="9144000"/>
@@ -271,7 +272,7 @@
           <a:p>
             <a:fld id="{5B96D3F8-CD2E-4A0D-AC38-517181EABB18}" type="datetimeFigureOut">
               <a:rPr kumimoji="1" lang="ja-JP" altLang="en-US" smtClean="0"/>
-              <a:t>2024/10/9</a:t>
+              <a:t>2024/10/10</a:t>
             </a:fld>
             <a:endParaRPr kumimoji="1" lang="ja-JP" altLang="en-US"/>
           </a:p>
@@ -473,7 +474,7 @@
           <a:p>
             <a:fld id="{5B96D3F8-CD2E-4A0D-AC38-517181EABB18}" type="datetimeFigureOut">
               <a:rPr kumimoji="1" lang="ja-JP" altLang="en-US" smtClean="0"/>
-              <a:t>2024/10/9</a:t>
+              <a:t>2024/10/10</a:t>
             </a:fld>
             <a:endParaRPr kumimoji="1" lang="ja-JP" altLang="en-US"/>
           </a:p>
@@ -685,7 +686,7 @@
           <a:p>
             <a:fld id="{5B96D3F8-CD2E-4A0D-AC38-517181EABB18}" type="datetimeFigureOut">
               <a:rPr kumimoji="1" lang="ja-JP" altLang="en-US" smtClean="0"/>
-              <a:t>2024/10/9</a:t>
+              <a:t>2024/10/10</a:t>
             </a:fld>
             <a:endParaRPr kumimoji="1" lang="ja-JP" altLang="en-US"/>
           </a:p>
@@ -887,7 +888,7 @@
           <a:p>
             <a:fld id="{5B96D3F8-CD2E-4A0D-AC38-517181EABB18}" type="datetimeFigureOut">
               <a:rPr kumimoji="1" lang="ja-JP" altLang="en-US" smtClean="0"/>
-              <a:t>2024/10/9</a:t>
+              <a:t>2024/10/10</a:t>
             </a:fld>
             <a:endParaRPr kumimoji="1" lang="ja-JP" altLang="en-US"/>
           </a:p>
@@ -1133,7 +1134,7 @@
           <a:p>
             <a:fld id="{5B96D3F8-CD2E-4A0D-AC38-517181EABB18}" type="datetimeFigureOut">
               <a:rPr kumimoji="1" lang="ja-JP" altLang="en-US" smtClean="0"/>
-              <a:t>2024/10/9</a:t>
+              <a:t>2024/10/10</a:t>
             </a:fld>
             <a:endParaRPr kumimoji="1" lang="ja-JP" altLang="en-US"/>
           </a:p>
@@ -1429,7 +1430,7 @@
           <a:p>
             <a:fld id="{5B96D3F8-CD2E-4A0D-AC38-517181EABB18}" type="datetimeFigureOut">
               <a:rPr kumimoji="1" lang="ja-JP" altLang="en-US" smtClean="0"/>
-              <a:t>2024/10/9</a:t>
+              <a:t>2024/10/10</a:t>
             </a:fld>
             <a:endParaRPr kumimoji="1" lang="ja-JP" altLang="en-US"/>
           </a:p>
@@ -1860,7 +1861,7 @@
           <a:p>
             <a:fld id="{5B96D3F8-CD2E-4A0D-AC38-517181EABB18}" type="datetimeFigureOut">
               <a:rPr kumimoji="1" lang="ja-JP" altLang="en-US" smtClean="0"/>
-              <a:t>2024/10/9</a:t>
+              <a:t>2024/10/10</a:t>
             </a:fld>
             <a:endParaRPr kumimoji="1" lang="ja-JP" altLang="en-US"/>
           </a:p>
@@ -1978,7 +1979,7 @@
           <a:p>
             <a:fld id="{5B96D3F8-CD2E-4A0D-AC38-517181EABB18}" type="datetimeFigureOut">
               <a:rPr kumimoji="1" lang="ja-JP" altLang="en-US" smtClean="0"/>
-              <a:t>2024/10/9</a:t>
+              <a:t>2024/10/10</a:t>
             </a:fld>
             <a:endParaRPr kumimoji="1" lang="ja-JP" altLang="en-US"/>
           </a:p>
@@ -2073,7 +2074,7 @@
           <a:p>
             <a:fld id="{5B96D3F8-CD2E-4A0D-AC38-517181EABB18}" type="datetimeFigureOut">
               <a:rPr kumimoji="1" lang="ja-JP" altLang="en-US" smtClean="0"/>
-              <a:t>2024/10/9</a:t>
+              <a:t>2024/10/10</a:t>
             </a:fld>
             <a:endParaRPr kumimoji="1" lang="ja-JP" altLang="en-US"/>
           </a:p>
@@ -2382,7 +2383,7 @@
           <a:p>
             <a:fld id="{5B96D3F8-CD2E-4A0D-AC38-517181EABB18}" type="datetimeFigureOut">
               <a:rPr kumimoji="1" lang="ja-JP" altLang="en-US" smtClean="0"/>
-              <a:t>2024/10/9</a:t>
+              <a:t>2024/10/10</a:t>
             </a:fld>
             <a:endParaRPr kumimoji="1" lang="ja-JP" altLang="en-US"/>
           </a:p>
@@ -2639,7 +2640,7 @@
           <a:p>
             <a:fld id="{5B96D3F8-CD2E-4A0D-AC38-517181EABB18}" type="datetimeFigureOut">
               <a:rPr kumimoji="1" lang="ja-JP" altLang="en-US" smtClean="0"/>
-              <a:t>2024/10/9</a:t>
+              <a:t>2024/10/10</a:t>
             </a:fld>
             <a:endParaRPr kumimoji="1" lang="ja-JP" altLang="en-US"/>
           </a:p>
@@ -2884,7 +2885,7 @@
           <a:p>
             <a:fld id="{5B96D3F8-CD2E-4A0D-AC38-517181EABB18}" type="datetimeFigureOut">
               <a:rPr kumimoji="1" lang="ja-JP" altLang="en-US" smtClean="0"/>
-              <a:t>2024/10/9</a:t>
+              <a:t>2024/10/10</a:t>
             </a:fld>
             <a:endParaRPr kumimoji="1" lang="ja-JP" altLang="en-US"/>
           </a:p>
@@ -17012,7 +17013,7 @@
 </file>
 
 <file path=ppt/slides/slide29.xml><?xml version="1.0" encoding="utf-8"?>
-<p:sld xmlns:a="http://schemas.openxmlformats.org/drawingml/2006/main" xmlns:r="http://schemas.openxmlformats.org/officeDocument/2006/relationships" xmlns:p="http://schemas.openxmlformats.org/presentationml/2006/main">
+<p:sld xmlns:a="http://schemas.openxmlformats.org/drawingml/2006/main" xmlns:r="http://schemas.openxmlformats.org/officeDocument/2006/relationships" xmlns:p="http://schemas.openxmlformats.org/presentationml/2006/main" show="0">
   <p:cSld>
     <p:spTree>
       <p:nvGrpSpPr>
@@ -17050,12 +17051,16 @@
           <a:lstStyle/>
           <a:p>
             <a:r>
-              <a:rPr lang="en-US" altLang="ja-JP" dirty="0"/>
-              <a:t>vector</a:t>
-            </a:r>
-            <a:r>
               <a:rPr kumimoji="1" lang="ja-JP" altLang="en-US" dirty="0"/>
-              <a:t>クラス</a:t>
+              <a:t>イテレータ（</a:t>
+            </a:r>
+            <a:r>
+              <a:rPr kumimoji="1" lang="en-US" altLang="ja-JP" dirty="0"/>
+              <a:t>iterator</a:t>
+            </a:r>
+            <a:r>
+              <a:rPr kumimoji="1" lang="ja-JP" altLang="en-US" dirty="0"/>
+              <a:t>：反復子）</a:t>
             </a:r>
           </a:p>
         </p:txBody>
@@ -17084,103 +17089,66 @@
           <a:lstStyle/>
           <a:p>
             <a:r>
-              <a:rPr lang="en-US" altLang="ja-JP" dirty="0"/>
-              <a:t>vector</a:t>
-            </a:r>
-            <a:r>
               <a:rPr lang="ja-JP" altLang="en-US" dirty="0"/>
-              <a:t>まとめ</a:t>
+              <a:t>最大値や最小値の取得</a:t>
             </a:r>
             <a:br>
               <a:rPr lang="en-US" altLang="ja-JP" dirty="0"/>
             </a:br>
+            <a:br>
+              <a:rPr lang="en-US" altLang="ja-JP" dirty="0"/>
+            </a:br>
+            <a:r>
+              <a:rPr lang="ja-JP" altLang="en-US" dirty="0"/>
+              <a:t>全要素の中から最大値や最小値を取得してみる</a:t>
+            </a:r>
+            <a:br>
+              <a:rPr lang="en-US" altLang="ja-JP" dirty="0"/>
+            </a:br>
+            <a:r>
+              <a:rPr lang="ja-JP" altLang="en-US" dirty="0"/>
+              <a:t>方法としては３通り</a:t>
+            </a:r>
             <a:endParaRPr lang="en-US" altLang="ja-JP" dirty="0"/>
           </a:p>
           <a:p>
-            <a:pPr lvl="1"/>
-            <a:r>
-              <a:rPr lang="ja-JP" altLang="en-US" b="1" dirty="0">
-                <a:solidFill>
-                  <a:srgbClr val="0070C0"/>
-                </a:solidFill>
-              </a:rPr>
-              <a:t>動的配列</a:t>
-            </a:r>
+            <a:pPr marL="971550" lvl="1" indent="-514350">
+              <a:buFont typeface="+mj-ea"/>
+              <a:buAutoNum type="circleNumDbPlain"/>
+            </a:pPr>
             <a:r>
               <a:rPr lang="ja-JP" altLang="en-US" dirty="0"/>
-              <a:t>を実現するコンテナクラス</a:t>
+              <a:t>配列の添え字番号をループで変更しながら最大値と最小値を探す</a:t>
             </a:r>
             <a:endParaRPr lang="en-US" altLang="ja-JP" dirty="0"/>
           </a:p>
           <a:p>
-            <a:pPr lvl="1"/>
+            <a:pPr marL="971550" lvl="1" indent="-514350">
+              <a:buFont typeface="+mj-ea"/>
+              <a:buAutoNum type="circleNumDbPlain"/>
+            </a:pPr>
             <a:r>
               <a:rPr lang="ja-JP" altLang="en-US" dirty="0"/>
-              <a:t>最初に要素数を指定する必要がなく、適宜増減可能</a:t>
+              <a:t>イテレータを使って、イテレータを進めながら最大値と最小値を探す</a:t>
             </a:r>
             <a:endParaRPr lang="en-US" altLang="ja-JP" dirty="0"/>
           </a:p>
           <a:p>
-            <a:pPr lvl="1"/>
-            <a:r>
-              <a:rPr lang="en-US" altLang="ja-JP" dirty="0"/>
-              <a:t>C</a:t>
-            </a:r>
+            <a:pPr marL="971550" lvl="1" indent="-514350">
+              <a:buFont typeface="+mj-ea"/>
+              <a:buAutoNum type="circleNumDbPlain"/>
+            </a:pPr>
             <a:r>
               <a:rPr lang="ja-JP" altLang="en-US" dirty="0"/>
-              <a:t>言語の配列と同様に</a:t>
-            </a:r>
-            <a:r>
-              <a:rPr lang="ja-JP" altLang="en-US" b="1" dirty="0">
-                <a:solidFill>
-                  <a:srgbClr val="00B050"/>
-                </a:solidFill>
-              </a:rPr>
-              <a:t>添え字番号</a:t>
+              <a:t>範囲</a:t>
+            </a:r>
+            <a:r>
+              <a:rPr lang="en-US" altLang="ja-JP" dirty="0"/>
+              <a:t>for</a:t>
             </a:r>
             <a:r>
               <a:rPr lang="ja-JP" altLang="en-US" dirty="0"/>
-              <a:t>で要素にアクセス</a:t>
-            </a:r>
-            <a:endParaRPr lang="en-US" altLang="ja-JP" dirty="0">
-              <a:solidFill>
-                <a:srgbClr val="00B050"/>
-              </a:solidFill>
-            </a:endParaRPr>
-          </a:p>
-          <a:p>
-            <a:pPr lvl="1"/>
-            <a:r>
-              <a:rPr lang="ja-JP" altLang="en-US" dirty="0"/>
-              <a:t>末尾に要素を追加、末尾の要素を削除可能</a:t>
-            </a:r>
-            <a:endParaRPr lang="en-US" altLang="ja-JP" dirty="0"/>
-          </a:p>
-          <a:p>
-            <a:pPr lvl="1"/>
-            <a:r>
-              <a:rPr lang="ja-JP" altLang="en-US" dirty="0"/>
-              <a:t>末尾以外の場所にも追加・削除可能だが</a:t>
-            </a:r>
-            <a:r>
-              <a:rPr lang="ja-JP" altLang="en-US" b="1" dirty="0">
-                <a:solidFill>
-                  <a:srgbClr val="FF0000"/>
-                </a:solidFill>
-              </a:rPr>
-              <a:t>イテレータ</a:t>
-            </a:r>
-            <a:r>
-              <a:rPr lang="ja-JP" altLang="en-US" dirty="0"/>
-              <a:t>による場所の指定が必要</a:t>
-            </a:r>
-            <a:endParaRPr lang="en-US" altLang="ja-JP" dirty="0"/>
-          </a:p>
-          <a:p>
-            <a:pPr lvl="1"/>
-            <a:r>
-              <a:rPr lang="ja-JP" altLang="en-US" dirty="0"/>
-              <a:t>基本データ型以外のクラスインスタンスも格納可能</a:t>
+              <a:t>を使って最大値と最小値を探す</a:t>
             </a:r>
             <a:endParaRPr lang="en-US" altLang="ja-JP" dirty="0"/>
           </a:p>
@@ -17189,7 +17157,7 @@
     </p:spTree>
     <p:extLst>
       <p:ext uri="{BB962C8B-B14F-4D97-AF65-F5344CB8AC3E}">
-        <p14:creationId xmlns:p14="http://schemas.microsoft.com/office/powerpoint/2010/main" val="2492760924"/>
+        <p14:creationId xmlns:p14="http://schemas.microsoft.com/office/powerpoint/2010/main" val="3801234166"/>
       </p:ext>
     </p:extLst>
   </p:cSld>
@@ -17462,6 +17430,194 @@
     <p:extLst>
       <p:ext uri="{BB962C8B-B14F-4D97-AF65-F5344CB8AC3E}">
         <p14:creationId xmlns:p14="http://schemas.microsoft.com/office/powerpoint/2010/main" val="334589800"/>
+      </p:ext>
+    </p:extLst>
+  </p:cSld>
+  <p:clrMapOvr>
+    <a:masterClrMapping/>
+  </p:clrMapOvr>
+</p:sld>
+</file>
+
+<file path=ppt/slides/slide30.xml><?xml version="1.0" encoding="utf-8"?>
+<p:sld xmlns:a="http://schemas.openxmlformats.org/drawingml/2006/main" xmlns:r="http://schemas.openxmlformats.org/officeDocument/2006/relationships" xmlns:p="http://schemas.openxmlformats.org/presentationml/2006/main">
+  <p:cSld>
+    <p:spTree>
+      <p:nvGrpSpPr>
+        <p:cNvPr id="1" name=""/>
+        <p:cNvGrpSpPr/>
+        <p:nvPr/>
+      </p:nvGrpSpPr>
+      <p:grpSpPr>
+        <a:xfrm>
+          <a:off x="0" y="0"/>
+          <a:ext cx="0" cy="0"/>
+          <a:chOff x="0" y="0"/>
+          <a:chExt cx="0" cy="0"/>
+        </a:xfrm>
+      </p:grpSpPr>
+      <p:sp>
+        <p:nvSpPr>
+          <p:cNvPr id="2" name="タイトル 1">
+            <a:extLst>
+              <a:ext uri="{FF2B5EF4-FFF2-40B4-BE49-F238E27FC236}">
+                <a16:creationId xmlns:a16="http://schemas.microsoft.com/office/drawing/2014/main" id="{9F789731-37C4-49DD-AEE8-78E5514E279E}"/>
+              </a:ext>
+            </a:extLst>
+          </p:cNvPr>
+          <p:cNvSpPr>
+            <a:spLocks noGrp="1"/>
+          </p:cNvSpPr>
+          <p:nvPr>
+            <p:ph type="title"/>
+          </p:nvPr>
+        </p:nvSpPr>
+        <p:spPr/>
+        <p:txBody>
+          <a:bodyPr/>
+          <a:lstStyle/>
+          <a:p>
+            <a:r>
+              <a:rPr lang="en-US" altLang="ja-JP" dirty="0"/>
+              <a:t>vector</a:t>
+            </a:r>
+            <a:r>
+              <a:rPr kumimoji="1" lang="ja-JP" altLang="en-US" dirty="0"/>
+              <a:t>クラス</a:t>
+            </a:r>
+          </a:p>
+        </p:txBody>
+      </p:sp>
+      <p:sp>
+        <p:nvSpPr>
+          <p:cNvPr id="3" name="コンテンツ プレースホルダー 2">
+            <a:extLst>
+              <a:ext uri="{FF2B5EF4-FFF2-40B4-BE49-F238E27FC236}">
+                <a16:creationId xmlns:a16="http://schemas.microsoft.com/office/drawing/2014/main" id="{39562F0E-6033-40BD-BCB8-F015661306FD}"/>
+              </a:ext>
+            </a:extLst>
+          </p:cNvPr>
+          <p:cNvSpPr>
+            <a:spLocks noGrp="1"/>
+          </p:cNvSpPr>
+          <p:nvPr>
+            <p:ph idx="1"/>
+          </p:nvPr>
+        </p:nvSpPr>
+        <p:spPr/>
+        <p:txBody>
+          <a:bodyPr>
+            <a:normAutofit/>
+          </a:bodyPr>
+          <a:lstStyle/>
+          <a:p>
+            <a:r>
+              <a:rPr lang="en-US" altLang="ja-JP" dirty="0"/>
+              <a:t>vector</a:t>
+            </a:r>
+            <a:r>
+              <a:rPr lang="ja-JP" altLang="en-US" dirty="0"/>
+              <a:t>まとめ</a:t>
+            </a:r>
+            <a:br>
+              <a:rPr lang="en-US" altLang="ja-JP" dirty="0"/>
+            </a:br>
+            <a:endParaRPr lang="en-US" altLang="ja-JP" dirty="0"/>
+          </a:p>
+          <a:p>
+            <a:pPr lvl="1"/>
+            <a:r>
+              <a:rPr lang="ja-JP" altLang="en-US" b="1" dirty="0">
+                <a:solidFill>
+                  <a:srgbClr val="0070C0"/>
+                </a:solidFill>
+              </a:rPr>
+              <a:t>動的配列</a:t>
+            </a:r>
+            <a:r>
+              <a:rPr lang="ja-JP" altLang="en-US" dirty="0"/>
+              <a:t>を実現するコンテナクラス</a:t>
+            </a:r>
+            <a:endParaRPr lang="en-US" altLang="ja-JP" dirty="0"/>
+          </a:p>
+          <a:p>
+            <a:pPr lvl="1"/>
+            <a:r>
+              <a:rPr lang="ja-JP" altLang="en-US" dirty="0"/>
+              <a:t>最初に要素数を指定する必要がなく、適宜増減可能</a:t>
+            </a:r>
+            <a:endParaRPr lang="en-US" altLang="ja-JP" dirty="0"/>
+          </a:p>
+          <a:p>
+            <a:pPr lvl="1"/>
+            <a:r>
+              <a:rPr lang="en-US" altLang="ja-JP" dirty="0"/>
+              <a:t>C</a:t>
+            </a:r>
+            <a:r>
+              <a:rPr lang="ja-JP" altLang="en-US" dirty="0"/>
+              <a:t>言語の配列と同様に</a:t>
+            </a:r>
+            <a:r>
+              <a:rPr lang="ja-JP" altLang="en-US" b="1" dirty="0">
+                <a:solidFill>
+                  <a:srgbClr val="00B050"/>
+                </a:solidFill>
+              </a:rPr>
+              <a:t>添え字番号</a:t>
+            </a:r>
+            <a:r>
+              <a:rPr lang="ja-JP" altLang="en-US" dirty="0"/>
+              <a:t>で要素にアクセス</a:t>
+            </a:r>
+            <a:endParaRPr lang="en-US" altLang="ja-JP" dirty="0">
+              <a:solidFill>
+                <a:srgbClr val="00B050"/>
+              </a:solidFill>
+            </a:endParaRPr>
+          </a:p>
+          <a:p>
+            <a:pPr lvl="1"/>
+            <a:r>
+              <a:rPr lang="ja-JP" altLang="en-US" dirty="0"/>
+              <a:t>末尾に要素を追加、末尾の要素を削除可能</a:t>
+            </a:r>
+            <a:endParaRPr lang="en-US" altLang="ja-JP" dirty="0"/>
+          </a:p>
+          <a:p>
+            <a:pPr lvl="1"/>
+            <a:r>
+              <a:rPr lang="ja-JP" altLang="en-US" dirty="0"/>
+              <a:t>末尾以外の場所にも追加・削除可能だが</a:t>
+            </a:r>
+            <a:r>
+              <a:rPr lang="ja-JP" altLang="en-US" b="1" dirty="0">
+                <a:solidFill>
+                  <a:srgbClr val="FF0000"/>
+                </a:solidFill>
+              </a:rPr>
+              <a:t>イテレータ</a:t>
+            </a:r>
+            <a:r>
+              <a:rPr lang="ja-JP" altLang="en-US" dirty="0"/>
+              <a:t>による場所の指定が必要</a:t>
+            </a:r>
+            <a:endParaRPr lang="en-US" altLang="ja-JP" dirty="0"/>
+          </a:p>
+          <a:p>
+            <a:pPr lvl="1"/>
+            <a:r>
+              <a:rPr lang="ja-JP" altLang="en-US" dirty="0"/>
+              <a:t>基本データ型以外のクラスインスタンスも格納可能</a:t>
+            </a:r>
+            <a:endParaRPr lang="en-US" altLang="ja-JP" dirty="0"/>
+          </a:p>
+        </p:txBody>
+      </p:sp>
+    </p:spTree>
+    <p:extLst>
+      <p:ext uri="{BB962C8B-B14F-4D97-AF65-F5344CB8AC3E}">
+        <p14:creationId xmlns:p14="http://schemas.microsoft.com/office/powerpoint/2010/main" val="2492760924"/>
       </p:ext>
     </p:extLst>
   </p:cSld>

--- a/授業資料/講義資料：Vectorクラス.pptx
+++ b/授業資料/講義資料：Vectorクラス.pptx
@@ -34,7 +34,8 @@
     <p:sldId id="367" r:id="rId28"/>
     <p:sldId id="373" r:id="rId29"/>
     <p:sldId id="378" r:id="rId30"/>
-    <p:sldId id="374" r:id="rId31"/>
+    <p:sldId id="379" r:id="rId31"/>
+    <p:sldId id="374" r:id="rId32"/>
   </p:sldIdLst>
   <p:sldSz cx="12192000" cy="6858000"/>
   <p:notesSz cx="6858000" cy="9144000"/>
@@ -17052,16 +17053,13 @@
           <a:p>
             <a:r>
               <a:rPr kumimoji="1" lang="ja-JP" altLang="en-US" dirty="0"/>
-              <a:t>イテレータ（</a:t>
+              <a:t>演習：</a:t>
             </a:r>
             <a:r>
               <a:rPr kumimoji="1" lang="en-US" altLang="ja-JP" dirty="0"/>
-              <a:t>iterator</a:t>
-            </a:r>
-            <a:r>
-              <a:rPr kumimoji="1" lang="ja-JP" altLang="en-US" dirty="0"/>
-              <a:t>：反復子）</a:t>
-            </a:r>
+              <a:t>vector</a:t>
+            </a:r>
+            <a:endParaRPr kumimoji="1" lang="ja-JP" altLang="en-US" dirty="0"/>
           </a:p>
         </p:txBody>
       </p:sp>
@@ -17099,56 +17097,66 @@
               <a:rPr lang="en-US" altLang="ja-JP" dirty="0"/>
             </a:br>
             <a:r>
+              <a:rPr lang="en-US" altLang="ja-JP" dirty="0"/>
+              <a:t>int</a:t>
+            </a:r>
+            <a:r>
               <a:rPr lang="ja-JP" altLang="en-US" dirty="0"/>
-              <a:t>全要素の中から最大値や最小値を取得してみる</a:t>
-            </a:r>
-            <a:br>
-              <a:rPr lang="en-US" altLang="ja-JP" dirty="0"/>
-            </a:br>
+              <a:t>値を格納できる</a:t>
+            </a:r>
+            <a:r>
+              <a:rPr lang="en-US" altLang="ja-JP" dirty="0"/>
+              <a:t>vector</a:t>
+            </a:r>
             <a:r>
               <a:rPr lang="ja-JP" altLang="en-US" dirty="0"/>
-              <a:t>方法としては３通り</a:t>
-            </a:r>
-            <a:endParaRPr lang="en-US" altLang="ja-JP" dirty="0"/>
-          </a:p>
-          <a:p>
-            <a:pPr marL="971550" lvl="1" indent="-514350">
-              <a:buFont typeface="+mj-ea"/>
-              <a:buAutoNum type="circleNumDbPlain"/>
-            </a:pPr>
+              <a:t>コンテナクラスの</a:t>
+            </a:r>
+            <a:br>
+              <a:rPr lang="en-US" altLang="ja-JP" dirty="0"/>
+            </a:br>
             <a:r>
               <a:rPr lang="ja-JP" altLang="en-US" dirty="0"/>
-              <a:t>配列の添え字番号をループで変更しながら最大値と最小値を探す</a:t>
-            </a:r>
-            <a:endParaRPr lang="en-US" altLang="ja-JP" dirty="0"/>
-          </a:p>
-          <a:p>
-            <a:pPr marL="971550" lvl="1" indent="-514350">
-              <a:buFont typeface="+mj-ea"/>
-              <a:buAutoNum type="circleNumDbPlain"/>
-            </a:pPr>
+              <a:t>インスタンスを </a:t>
+            </a:r>
+            <a:r>
+              <a:rPr lang="en-US" altLang="ja-JP" dirty="0" err="1"/>
+              <a:t>vec</a:t>
+            </a:r>
+            <a:r>
+              <a:rPr lang="en-US" altLang="ja-JP" dirty="0"/>
+              <a:t> </a:t>
+            </a:r>
             <a:r>
               <a:rPr lang="ja-JP" altLang="en-US" dirty="0"/>
-              <a:t>イテレータを使って、イテレータを進めながら最大値と最小値を探す</a:t>
-            </a:r>
-            <a:endParaRPr lang="en-US" altLang="ja-JP" dirty="0"/>
-          </a:p>
-          <a:p>
-            <a:pPr marL="971550" lvl="1" indent="-514350">
-              <a:buFont typeface="+mj-ea"/>
-              <a:buAutoNum type="circleNumDbPlain"/>
-            </a:pPr>
+              <a:t>として宣言し、初期値として</a:t>
+            </a:r>
+            <a:br>
+              <a:rPr lang="en-US" altLang="ja-JP" sz="2000" dirty="0"/>
+            </a:br>
+            <a:br>
+              <a:rPr lang="en-US" altLang="ja-JP" sz="2000" dirty="0"/>
+            </a:br>
+            <a:r>
+              <a:rPr lang="en-US" altLang="ja-JP" dirty="0"/>
+              <a:t>20, 11, 9, 33, 40, 25</a:t>
+            </a:r>
+            <a:br>
+              <a:rPr lang="en-US" altLang="ja-JP" sz="2400" dirty="0"/>
+            </a:br>
+            <a:br>
+              <a:rPr lang="en-US" altLang="ja-JP" sz="2400" dirty="0"/>
+            </a:br>
             <a:r>
               <a:rPr lang="ja-JP" altLang="en-US" dirty="0"/>
-              <a:t>範囲</a:t>
-            </a:r>
-            <a:r>
-              <a:rPr lang="en-US" altLang="ja-JP" dirty="0"/>
-              <a:t>for</a:t>
-            </a:r>
+              <a:t>を与える</a:t>
+            </a:r>
+            <a:br>
+              <a:rPr lang="en-US" altLang="ja-JP" dirty="0"/>
+            </a:br>
             <a:r>
               <a:rPr lang="ja-JP" altLang="en-US" dirty="0"/>
-              <a:t>を使って最大値と最小値を探す</a:t>
+              <a:t>これらの数値の中から最大値と最小値をみつけて画面上に表示したい</a:t>
             </a:r>
             <a:endParaRPr lang="en-US" altLang="ja-JP" dirty="0"/>
           </a:p>
@@ -17440,6 +17448,163 @@
 </file>
 
 <file path=ppt/slides/slide30.xml><?xml version="1.0" encoding="utf-8"?>
+<p:sld xmlns:a="http://schemas.openxmlformats.org/drawingml/2006/main" xmlns:r="http://schemas.openxmlformats.org/officeDocument/2006/relationships" xmlns:p="http://schemas.openxmlformats.org/presentationml/2006/main" show="0">
+  <p:cSld>
+    <p:spTree>
+      <p:nvGrpSpPr>
+        <p:cNvPr id="1" name=""/>
+        <p:cNvGrpSpPr/>
+        <p:nvPr/>
+      </p:nvGrpSpPr>
+      <p:grpSpPr>
+        <a:xfrm>
+          <a:off x="0" y="0"/>
+          <a:ext cx="0" cy="0"/>
+          <a:chOff x="0" y="0"/>
+          <a:chExt cx="0" cy="0"/>
+        </a:xfrm>
+      </p:grpSpPr>
+      <p:sp>
+        <p:nvSpPr>
+          <p:cNvPr id="2" name="タイトル 1">
+            <a:extLst>
+              <a:ext uri="{FF2B5EF4-FFF2-40B4-BE49-F238E27FC236}">
+                <a16:creationId xmlns:a16="http://schemas.microsoft.com/office/drawing/2014/main" id="{9F789731-37C4-49DD-AEE8-78E5514E279E}"/>
+              </a:ext>
+            </a:extLst>
+          </p:cNvPr>
+          <p:cNvSpPr>
+            <a:spLocks noGrp="1"/>
+          </p:cNvSpPr>
+          <p:nvPr>
+            <p:ph type="title"/>
+          </p:nvPr>
+        </p:nvSpPr>
+        <p:spPr/>
+        <p:txBody>
+          <a:bodyPr/>
+          <a:lstStyle/>
+          <a:p>
+            <a:r>
+              <a:rPr lang="ja-JP" altLang="en-US" dirty="0"/>
+              <a:t>演習：</a:t>
+            </a:r>
+            <a:r>
+              <a:rPr lang="en-US" altLang="ja-JP" dirty="0"/>
+              <a:t>vector</a:t>
+            </a:r>
+            <a:endParaRPr kumimoji="1" lang="ja-JP" altLang="en-US" dirty="0"/>
+          </a:p>
+        </p:txBody>
+      </p:sp>
+      <p:sp>
+        <p:nvSpPr>
+          <p:cNvPr id="3" name="コンテンツ プレースホルダー 2">
+            <a:extLst>
+              <a:ext uri="{FF2B5EF4-FFF2-40B4-BE49-F238E27FC236}">
+                <a16:creationId xmlns:a16="http://schemas.microsoft.com/office/drawing/2014/main" id="{39562F0E-6033-40BD-BCB8-F015661306FD}"/>
+              </a:ext>
+            </a:extLst>
+          </p:cNvPr>
+          <p:cNvSpPr>
+            <a:spLocks noGrp="1"/>
+          </p:cNvSpPr>
+          <p:nvPr>
+            <p:ph idx="1"/>
+          </p:nvPr>
+        </p:nvSpPr>
+        <p:spPr/>
+        <p:txBody>
+          <a:bodyPr>
+            <a:normAutofit/>
+          </a:bodyPr>
+          <a:lstStyle/>
+          <a:p>
+            <a:r>
+              <a:rPr lang="ja-JP" altLang="en-US" dirty="0"/>
+              <a:t>最大値や最小値の取得</a:t>
+            </a:r>
+            <a:br>
+              <a:rPr lang="en-US" altLang="ja-JP" dirty="0"/>
+            </a:br>
+            <a:br>
+              <a:rPr lang="en-US" altLang="ja-JP" dirty="0"/>
+            </a:br>
+            <a:r>
+              <a:rPr lang="ja-JP" altLang="en-US" dirty="0"/>
+              <a:t>同じプログラム</a:t>
+            </a:r>
+            <a:r>
+              <a:rPr lang="en-US" altLang="ja-JP" dirty="0"/>
+              <a:t>(main.cpp</a:t>
+            </a:r>
+            <a:r>
+              <a:rPr lang="ja-JP" altLang="en-US" dirty="0"/>
+              <a:t>）内で以下の３通りの</a:t>
+            </a:r>
+            <a:r>
+              <a:rPr lang="ja-JP" altLang="en-US"/>
+              <a:t>方法で最大値と最小値を取得しなさい</a:t>
+            </a:r>
+            <a:endParaRPr lang="en-US" altLang="ja-JP" dirty="0"/>
+          </a:p>
+          <a:p>
+            <a:pPr marL="971550" lvl="1" indent="-514350">
+              <a:buFont typeface="+mj-ea"/>
+              <a:buAutoNum type="circleNumDbPlain"/>
+            </a:pPr>
+            <a:r>
+              <a:rPr lang="ja-JP" altLang="en-US" dirty="0"/>
+              <a:t>配列の添え字番号をループで変更しながら最大値と最小値を探す</a:t>
+            </a:r>
+            <a:endParaRPr lang="en-US" altLang="ja-JP" dirty="0"/>
+          </a:p>
+          <a:p>
+            <a:pPr marL="971550" lvl="1" indent="-514350">
+              <a:buFont typeface="+mj-ea"/>
+              <a:buAutoNum type="circleNumDbPlain"/>
+            </a:pPr>
+            <a:r>
+              <a:rPr lang="ja-JP" altLang="en-US" dirty="0"/>
+              <a:t>イテレータを使って、イテレータを進めながら最大値と最小値を探す</a:t>
+            </a:r>
+            <a:endParaRPr lang="en-US" altLang="ja-JP" dirty="0"/>
+          </a:p>
+          <a:p>
+            <a:pPr marL="971550" lvl="1" indent="-514350">
+              <a:buFont typeface="+mj-ea"/>
+              <a:buAutoNum type="circleNumDbPlain"/>
+            </a:pPr>
+            <a:r>
+              <a:rPr lang="ja-JP" altLang="en-US" dirty="0"/>
+              <a:t>範囲</a:t>
+            </a:r>
+            <a:r>
+              <a:rPr lang="en-US" altLang="ja-JP" dirty="0"/>
+              <a:t>for</a:t>
+            </a:r>
+            <a:r>
+              <a:rPr lang="ja-JP" altLang="en-US" dirty="0"/>
+              <a:t>を使って最大値と最小値を探す</a:t>
+            </a:r>
+            <a:endParaRPr lang="en-US" altLang="ja-JP" dirty="0"/>
+          </a:p>
+        </p:txBody>
+      </p:sp>
+    </p:spTree>
+    <p:extLst>
+      <p:ext uri="{BB962C8B-B14F-4D97-AF65-F5344CB8AC3E}">
+        <p14:creationId xmlns:p14="http://schemas.microsoft.com/office/powerpoint/2010/main" val="1359039544"/>
+      </p:ext>
+    </p:extLst>
+  </p:cSld>
+  <p:clrMapOvr>
+    <a:masterClrMapping/>
+  </p:clrMapOvr>
+</p:sld>
+</file>
+
+<file path=ppt/slides/slide31.xml><?xml version="1.0" encoding="utf-8"?>
 <p:sld xmlns:a="http://schemas.openxmlformats.org/drawingml/2006/main" xmlns:r="http://schemas.openxmlformats.org/officeDocument/2006/relationships" xmlns:p="http://schemas.openxmlformats.org/presentationml/2006/main">
   <p:cSld>
     <p:spTree>

--- a/授業資料/講義資料：Vectorクラス.pptx
+++ b/授業資料/講義資料：Vectorクラス.pptx
@@ -35,7 +35,9 @@
     <p:sldId id="373" r:id="rId29"/>
     <p:sldId id="378" r:id="rId30"/>
     <p:sldId id="379" r:id="rId31"/>
-    <p:sldId id="374" r:id="rId32"/>
+    <p:sldId id="380" r:id="rId32"/>
+    <p:sldId id="381" r:id="rId33"/>
+    <p:sldId id="374" r:id="rId34"/>
   </p:sldIdLst>
   <p:sldSz cx="12192000" cy="6858000"/>
   <p:notesSz cx="6858000" cy="9144000"/>
@@ -13920,7 +13922,7 @@
               <a:rPr lang="en-US" altLang="ja-JP" sz="1800" dirty="0">
                 <a:ea typeface="ＭＳ ゴシック" panose="020B0609070205080204" pitchFamily="49" charset="-128"/>
               </a:rPr>
-              <a:t>	vector&lt;int&gt;::iterator </a:t>
+              <a:t>	auto </a:t>
             </a:r>
             <a:r>
               <a:rPr lang="en-US" altLang="ja-JP" dirty="0" err="1">
@@ -14614,17 +14616,6 @@
           <a:lstStyle/>
           <a:p>
             <a:r>
-              <a:rPr lang="en-US" altLang="ja-JP" sz="1800" dirty="0">
-                <a:ea typeface="ＭＳ ゴシック" panose="020B0609070205080204" pitchFamily="49" charset="-128"/>
-              </a:rPr>
-              <a:t>	v2.push_back(“DEF”);</a:t>
-            </a:r>
-            <a:br>
-              <a:rPr lang="en-US" altLang="ja-JP" sz="1800" dirty="0">
-                <a:ea typeface="ＭＳ ゴシック" panose="020B0609070205080204" pitchFamily="49" charset="-128"/>
-              </a:rPr>
-            </a:br>
-            <a:r>
               <a:rPr lang="en-US" altLang="ja-JP" dirty="0">
                 <a:ea typeface="ＭＳ ゴシック" panose="020B0609070205080204" pitchFamily="49" charset="-128"/>
               </a:rPr>
@@ -14717,10 +14708,28 @@
               <a:t>	auto </a:t>
             </a:r>
             <a:r>
+              <a:rPr lang="en-US" altLang="ja-JP" dirty="0" err="1">
+                <a:ea typeface="ＭＳ ゴシック" panose="020B0609070205080204" pitchFamily="49" charset="-128"/>
+              </a:rPr>
+              <a:t>itr</a:t>
+            </a:r>
+            <a:r>
               <a:rPr lang="en-US" altLang="ja-JP" dirty="0">
                 <a:ea typeface="ＭＳ ゴシック" panose="020B0609070205080204" pitchFamily="49" charset="-128"/>
               </a:rPr>
-              <a:t>itrV1 = itrV1.begin();  </a:t>
+              <a:t> = </a:t>
+            </a:r>
+            <a:r>
+              <a:rPr lang="en-US" altLang="ja-JP" dirty="0" err="1">
+                <a:ea typeface="ＭＳ ゴシック" panose="020B0609070205080204" pitchFamily="49" charset="-128"/>
+              </a:rPr>
+              <a:t>itr.begin</a:t>
+            </a:r>
+            <a:r>
+              <a:rPr lang="en-US" altLang="ja-JP" dirty="0">
+                <a:ea typeface="ＭＳ ゴシック" panose="020B0609070205080204" pitchFamily="49" charset="-128"/>
+              </a:rPr>
+              <a:t>();  </a:t>
             </a:r>
           </a:p>
           <a:p>
@@ -14764,7 +14773,7 @@
               <a:rPr lang="nn-NO" altLang="ja-JP" sz="1800" dirty="0">
                 <a:ea typeface="ＭＳ ゴシック" panose="020B0609070205080204" pitchFamily="49" charset="-128"/>
               </a:rPr>
-              <a:t>itrV1</a:t>
+              <a:t>itr</a:t>
             </a:r>
             <a:r>
               <a:rPr lang="sv-SE" altLang="ja-JP" sz="1800" dirty="0">
@@ -14781,7 +14790,39 @@
               <a:rPr lang="en-US" altLang="ja-JP" dirty="0">
                 <a:ea typeface="ＭＳ ゴシック" panose="020B0609070205080204" pitchFamily="49" charset="-128"/>
               </a:rPr>
-              <a:t>	v1.insert(itrV1 + 1,11); </a:t>
+              <a:t>	v1.insert(</a:t>
+            </a:r>
+            <a:r>
+              <a:rPr lang="en-US" altLang="ja-JP" dirty="0" err="1">
+                <a:ea typeface="ＭＳ ゴシック" panose="020B0609070205080204" pitchFamily="49" charset="-128"/>
+              </a:rPr>
+              <a:t>itr</a:t>
+            </a:r>
+            <a:r>
+              <a:rPr lang="en-US" altLang="ja-JP" dirty="0">
+                <a:ea typeface="ＭＳ ゴシック" panose="020B0609070205080204" pitchFamily="49" charset="-128"/>
+              </a:rPr>
+              <a:t> + 1, 20);</a:t>
+            </a:r>
+          </a:p>
+          <a:p>
+            <a:r>
+              <a:rPr lang="en-US" altLang="ja-JP" dirty="0">
+                <a:ea typeface="ＭＳ ゴシック" panose="020B0609070205080204" pitchFamily="49" charset="-128"/>
+              </a:rPr>
+              <a:t>	</a:t>
+            </a:r>
+            <a:r>
+              <a:rPr lang="en-US" altLang="ja-JP" dirty="0" err="1">
+                <a:ea typeface="ＭＳ ゴシック" panose="020B0609070205080204" pitchFamily="49" charset="-128"/>
+              </a:rPr>
+              <a:t>itr</a:t>
+            </a:r>
+            <a:r>
+              <a:rPr lang="en-US" altLang="ja-JP" dirty="0">
+                <a:ea typeface="ＭＳ ゴシック" panose="020B0609070205080204" pitchFamily="49" charset="-128"/>
+              </a:rPr>
+              <a:t> = v1.begin(); </a:t>
             </a:r>
             <a:br>
               <a:rPr lang="en-US" altLang="ja-JP" dirty="0">
@@ -14792,7 +14833,19 @@
               <a:rPr lang="en-US" altLang="ja-JP" dirty="0">
                 <a:ea typeface="ＭＳ ゴシック" panose="020B0609070205080204" pitchFamily="49" charset="-128"/>
               </a:rPr>
-              <a:t>	v1.erase(itrV1 + 2);     </a:t>
+              <a:t>	v1.erase(</a:t>
+            </a:r>
+            <a:r>
+              <a:rPr lang="en-US" altLang="ja-JP" dirty="0" err="1">
+                <a:ea typeface="ＭＳ ゴシック" panose="020B0609070205080204" pitchFamily="49" charset="-128"/>
+              </a:rPr>
+              <a:t>itr</a:t>
+            </a:r>
+            <a:r>
+              <a:rPr lang="en-US" altLang="ja-JP" dirty="0">
+                <a:ea typeface="ＭＳ ゴシック" panose="020B0609070205080204" pitchFamily="49" charset="-128"/>
+              </a:rPr>
+              <a:t> + 4);     </a:t>
             </a:r>
             <a:endParaRPr lang="en-US" altLang="ja-JP" sz="1800" dirty="0">
               <a:ea typeface="ＭＳ ゴシック" panose="020B0609070205080204" pitchFamily="49" charset="-128"/>
@@ -17014,7 +17067,7 @@
 </file>
 
 <file path=ppt/slides/slide29.xml><?xml version="1.0" encoding="utf-8"?>
-<p:sld xmlns:a="http://schemas.openxmlformats.org/drawingml/2006/main" xmlns:r="http://schemas.openxmlformats.org/officeDocument/2006/relationships" xmlns:p="http://schemas.openxmlformats.org/presentationml/2006/main" show="0">
+<p:sld xmlns:a="http://schemas.openxmlformats.org/drawingml/2006/main" xmlns:r="http://schemas.openxmlformats.org/officeDocument/2006/relationships" xmlns:p="http://schemas.openxmlformats.org/presentationml/2006/main">
   <p:cSld>
     <p:spTree>
       <p:nvGrpSpPr>
@@ -17052,14 +17105,17 @@
           <a:lstStyle/>
           <a:p>
             <a:r>
+              <a:rPr lang="en-US" altLang="ja-JP" dirty="0"/>
+              <a:t>v</a:t>
+            </a:r>
+            <a:r>
+              <a:rPr kumimoji="1" lang="en-US" altLang="ja-JP" dirty="0"/>
+              <a:t>ector</a:t>
+            </a:r>
+            <a:r>
               <a:rPr kumimoji="1" lang="ja-JP" altLang="en-US" dirty="0"/>
-              <a:t>演習：</a:t>
-            </a:r>
-            <a:r>
-              <a:rPr kumimoji="1" lang="en-US" altLang="ja-JP" dirty="0"/>
-              <a:t>vector</a:t>
-            </a:r>
-            <a:endParaRPr kumimoji="1" lang="ja-JP" altLang="en-US" dirty="0"/>
+              <a:t>クラス（二次元配列）</a:t>
+            </a:r>
           </a:p>
         </p:txBody>
       </p:sp>
@@ -17079,7 +17135,12 @@
             <p:ph idx="1"/>
           </p:nvPr>
         </p:nvSpPr>
-        <p:spPr/>
+        <p:spPr>
+          <a:xfrm>
+            <a:off x="838200" y="1376038"/>
+            <a:ext cx="11233826" cy="4980311"/>
+          </a:xfrm>
+        </p:spPr>
         <p:txBody>
           <a:bodyPr>
             <a:normAutofit/>
@@ -17087,85 +17148,266 @@
           <a:lstStyle/>
           <a:p>
             <a:r>
+              <a:rPr lang="en-US" altLang="ja-JP" dirty="0"/>
+              <a:t>C</a:t>
+            </a:r>
+            <a:r>
               <a:rPr lang="ja-JP" altLang="en-US" dirty="0"/>
-              <a:t>最大値や最小値の取得</a:t>
+              <a:t>言語の配列と同様に</a:t>
+            </a:r>
+            <a:r>
+              <a:rPr lang="en-US" altLang="ja-JP" dirty="0"/>
+              <a:t>vector</a:t>
+            </a:r>
+            <a:r>
+              <a:rPr lang="ja-JP" altLang="en-US" dirty="0"/>
+              <a:t>クラスを使って</a:t>
             </a:r>
             <a:br>
               <a:rPr lang="en-US" altLang="ja-JP" dirty="0"/>
             </a:br>
+            <a:r>
+              <a:rPr lang="ja-JP" altLang="en-US" dirty="0"/>
+              <a:t>二次元配列を定義することが可能</a:t>
+            </a:r>
+            <a:endParaRPr lang="en-US" altLang="ja-JP" dirty="0"/>
+          </a:p>
+          <a:p>
+            <a:pPr lvl="1"/>
+            <a:r>
+              <a:rPr lang="ja-JP" altLang="en-US" dirty="0"/>
+              <a:t>行数と列数を定めずに</a:t>
+            </a:r>
+            <a:r>
+              <a:rPr lang="en-US" altLang="ja-JP" dirty="0"/>
+              <a:t>int</a:t>
+            </a:r>
+            <a:r>
+              <a:rPr lang="ja-JP" altLang="en-US" dirty="0"/>
+              <a:t>型の二次元配列</a:t>
+            </a:r>
+            <a:r>
+              <a:rPr lang="en-US" altLang="ja-JP" dirty="0"/>
+              <a:t>v1</a:t>
+            </a:r>
+            <a:r>
+              <a:rPr lang="ja-JP" altLang="en-US" dirty="0"/>
+              <a:t>を宣言</a:t>
+            </a:r>
             <a:br>
               <a:rPr lang="en-US" altLang="ja-JP" dirty="0"/>
             </a:br>
             <a:r>
+              <a:rPr lang="en-US" altLang="ja-JP" dirty="0">
+                <a:solidFill>
+                  <a:srgbClr val="0070C0"/>
+                </a:solidFill>
+              </a:rPr>
+              <a:t>vector&lt;</a:t>
+            </a:r>
+            <a:r>
+              <a:rPr lang="en-US" altLang="ja-JP" dirty="0">
+                <a:solidFill>
+                  <a:srgbClr val="FF0000"/>
+                </a:solidFill>
+              </a:rPr>
+              <a:t>vector&lt;</a:t>
+            </a:r>
+            <a:r>
               <a:rPr lang="en-US" altLang="ja-JP" dirty="0"/>
               <a:t>int</a:t>
             </a:r>
             <a:r>
+              <a:rPr lang="en-US" altLang="ja-JP" dirty="0">
+                <a:solidFill>
+                  <a:srgbClr val="FF0000"/>
+                </a:solidFill>
+              </a:rPr>
+              <a:t>&gt;</a:t>
+            </a:r>
+            <a:r>
+              <a:rPr lang="en-US" altLang="ja-JP" dirty="0">
+                <a:solidFill>
+                  <a:srgbClr val="0070C0"/>
+                </a:solidFill>
+              </a:rPr>
+              <a:t>&gt;</a:t>
+            </a:r>
+            <a:r>
+              <a:rPr lang="en-US" altLang="ja-JP" dirty="0"/>
+              <a:t> v1</a:t>
+            </a:r>
+            <a:br>
+              <a:rPr lang="en-US" altLang="ja-JP" dirty="0"/>
+            </a:br>
+            <a:endParaRPr lang="en-US" altLang="ja-JP" dirty="0"/>
+          </a:p>
+          <a:p>
+            <a:pPr lvl="1"/>
+            <a:r>
+              <a:rPr lang="en-US" altLang="ja-JP" dirty="0"/>
+              <a:t>2</a:t>
+            </a:r>
+            <a:r>
               <a:rPr lang="ja-JP" altLang="en-US" dirty="0"/>
-              <a:t>値を格納できる</a:t>
-            </a:r>
-            <a:r>
-              <a:rPr lang="en-US" altLang="ja-JP" dirty="0"/>
-              <a:t>vector</a:t>
+              <a:t>行</a:t>
+            </a:r>
+            <a:r>
+              <a:rPr lang="en-US" altLang="ja-JP" dirty="0"/>
+              <a:t>2</a:t>
             </a:r>
             <a:r>
               <a:rPr lang="ja-JP" altLang="en-US" dirty="0"/>
-              <a:t>コンテナクラスの</a:t>
+              <a:t>列の</a:t>
+            </a:r>
+            <a:r>
+              <a:rPr lang="en-US" altLang="ja-JP" dirty="0"/>
+              <a:t>int</a:t>
+            </a:r>
+            <a:r>
+              <a:rPr lang="ja-JP" altLang="en-US" dirty="0"/>
+              <a:t>型の二次元配列</a:t>
+            </a:r>
+            <a:r>
+              <a:rPr lang="en-US" altLang="ja-JP" dirty="0"/>
+              <a:t>v2</a:t>
+            </a:r>
+            <a:r>
+              <a:rPr lang="ja-JP" altLang="en-US" dirty="0"/>
+              <a:t>を宣言</a:t>
             </a:r>
             <a:br>
               <a:rPr lang="en-US" altLang="ja-JP" dirty="0"/>
             </a:br>
             <a:r>
+              <a:rPr lang="en-US" altLang="ja-JP" dirty="0">
+                <a:solidFill>
+                  <a:srgbClr val="0070C0"/>
+                </a:solidFill>
+              </a:rPr>
+              <a:t>vector&lt;</a:t>
+            </a:r>
+            <a:r>
+              <a:rPr lang="en-US" altLang="ja-JP" dirty="0">
+                <a:solidFill>
+                  <a:srgbClr val="FF0000"/>
+                </a:solidFill>
+              </a:rPr>
+              <a:t>vector&lt;</a:t>
+            </a:r>
+            <a:r>
+              <a:rPr lang="en-US" altLang="ja-JP" dirty="0"/>
+              <a:t>int</a:t>
+            </a:r>
+            <a:r>
+              <a:rPr lang="en-US" altLang="ja-JP" dirty="0">
+                <a:solidFill>
+                  <a:srgbClr val="FF0000"/>
+                </a:solidFill>
+              </a:rPr>
+              <a:t>&gt;</a:t>
+            </a:r>
+            <a:r>
+              <a:rPr lang="en-US" altLang="ja-JP" dirty="0">
+                <a:solidFill>
+                  <a:srgbClr val="0070C0"/>
+                </a:solidFill>
+              </a:rPr>
+              <a:t>&gt;</a:t>
+            </a:r>
+            <a:r>
+              <a:rPr lang="en-US" altLang="ja-JP" dirty="0"/>
+              <a:t> v2(2,vector&lt;int&gt;(2))</a:t>
+            </a:r>
+            <a:br>
+              <a:rPr lang="en-US" altLang="ja-JP" dirty="0"/>
+            </a:br>
+            <a:endParaRPr lang="en-US" altLang="ja-JP" dirty="0"/>
+          </a:p>
+          <a:p>
+            <a:pPr lvl="1"/>
+            <a:r>
+              <a:rPr lang="en-US" altLang="ja-JP" dirty="0"/>
+              <a:t>2</a:t>
+            </a:r>
+            <a:r>
               <a:rPr lang="ja-JP" altLang="en-US" dirty="0"/>
-              <a:t>インスタンスを </a:t>
-            </a:r>
-            <a:r>
-              <a:rPr lang="en-US" altLang="ja-JP" dirty="0" err="1"/>
-              <a:t>vec</a:t>
-            </a:r>
-            <a:r>
-              <a:rPr lang="en-US" altLang="ja-JP" dirty="0"/>
-              <a:t> </a:t>
+              <a:t>行</a:t>
+            </a:r>
+            <a:r>
+              <a:rPr lang="en-US" altLang="ja-JP" dirty="0"/>
+              <a:t>2</a:t>
             </a:r>
             <a:r>
               <a:rPr lang="ja-JP" altLang="en-US" dirty="0"/>
-              <a:t>として宣言し、初期値として</a:t>
+              <a:t>列の</a:t>
+            </a:r>
+            <a:r>
+              <a:rPr lang="en-US" altLang="ja-JP" dirty="0"/>
+              <a:t>int</a:t>
+            </a:r>
+            <a:r>
+              <a:rPr lang="ja-JP" altLang="en-US" dirty="0"/>
+              <a:t>型の初期値ありの二次元配列</a:t>
+            </a:r>
+            <a:r>
+              <a:rPr lang="en-US" altLang="ja-JP" dirty="0"/>
+              <a:t>v3</a:t>
+            </a:r>
+            <a:r>
+              <a:rPr lang="ja-JP" altLang="en-US" dirty="0"/>
+              <a:t>を宣言</a:t>
             </a:r>
             <a:br>
-              <a:rPr lang="en-US" altLang="ja-JP" sz="2000" dirty="0"/>
+              <a:rPr lang="en-US" altLang="ja-JP" dirty="0"/>
             </a:br>
-            <a:br>
-              <a:rPr lang="en-US" altLang="ja-JP" sz="2000" dirty="0"/>
-            </a:br>
-            <a:r>
-              <a:rPr lang="en-US" altLang="ja-JP" dirty="0"/>
-              <a:t>20, 11, 9, 33, 40, 25</a:t>
-            </a:r>
-            <a:br>
-              <a:rPr lang="en-US" altLang="ja-JP" sz="2400" dirty="0"/>
-            </a:br>
-            <a:br>
-              <a:rPr lang="en-US" altLang="ja-JP" sz="2400" dirty="0"/>
-            </a:br>
-            <a:r>
-              <a:rPr lang="ja-JP" altLang="en-US" dirty="0"/>
-              <a:t>を与える</a:t>
-            </a:r>
-            <a:br>
-              <a:rPr lang="en-US" altLang="ja-JP" dirty="0"/>
-            </a:br>
-            <a:r>
-              <a:rPr lang="ja-JP" altLang="en-US" dirty="0"/>
-              <a:t>これらの数値の中から最大値と最小値をみつけて画面上に表示したい</a:t>
-            </a:r>
-            <a:endParaRPr lang="en-US" altLang="ja-JP" dirty="0"/>
+            <a:r>
+              <a:rPr lang="en-US" altLang="ja-JP" dirty="0">
+                <a:solidFill>
+                  <a:srgbClr val="0070C0"/>
+                </a:solidFill>
+              </a:rPr>
+              <a:t>vector&lt;</a:t>
+            </a:r>
+            <a:r>
+              <a:rPr lang="en-US" altLang="ja-JP" dirty="0">
+                <a:solidFill>
+                  <a:srgbClr val="FF0000"/>
+                </a:solidFill>
+              </a:rPr>
+              <a:t>vector&lt;</a:t>
+            </a:r>
+            <a:r>
+              <a:rPr lang="en-US" altLang="ja-JP" dirty="0"/>
+              <a:t>int</a:t>
+            </a:r>
+            <a:r>
+              <a:rPr lang="en-US" altLang="ja-JP" dirty="0">
+                <a:solidFill>
+                  <a:srgbClr val="FF0000"/>
+                </a:solidFill>
+              </a:rPr>
+              <a:t>&gt;</a:t>
+            </a:r>
+            <a:r>
+              <a:rPr lang="en-US" altLang="ja-JP" dirty="0">
+                <a:solidFill>
+                  <a:srgbClr val="0070C0"/>
+                </a:solidFill>
+              </a:rPr>
+              <a:t>&gt;</a:t>
+            </a:r>
+            <a:r>
+              <a:rPr lang="en-US" altLang="ja-JP" dirty="0"/>
+              <a:t> v3{ {1,2}, {3,4} }</a:t>
+            </a:r>
           </a:p>
         </p:txBody>
       </p:sp>
     </p:spTree>
     <p:extLst>
       <p:ext uri="{BB962C8B-B14F-4D97-AF65-F5344CB8AC3E}">
-        <p14:creationId xmlns:p14="http://schemas.microsoft.com/office/powerpoint/2010/main" val="3801234166"/>
+        <p14:creationId xmlns:p14="http://schemas.microsoft.com/office/powerpoint/2010/main" val="1640706681"/>
       </p:ext>
     </p:extLst>
   </p:cSld>
@@ -17448,7 +17690,7 @@
 </file>
 
 <file path=ppt/slides/slide30.xml><?xml version="1.0" encoding="utf-8"?>
-<p:sld xmlns:a="http://schemas.openxmlformats.org/drawingml/2006/main" xmlns:r="http://schemas.openxmlformats.org/officeDocument/2006/relationships" xmlns:p="http://schemas.openxmlformats.org/presentationml/2006/main" show="0">
+<p:sld xmlns:a="http://schemas.openxmlformats.org/drawingml/2006/main" xmlns:r="http://schemas.openxmlformats.org/officeDocument/2006/relationships" xmlns:p="http://schemas.openxmlformats.org/presentationml/2006/main">
   <p:cSld>
     <p:spTree>
       <p:nvGrpSpPr>
@@ -17486,14 +17728,17 @@
           <a:lstStyle/>
           <a:p>
             <a:r>
-              <a:rPr lang="ja-JP" altLang="en-US" dirty="0"/>
-              <a:t>演習：</a:t>
-            </a:r>
-            <a:r>
-              <a:rPr lang="en-US" altLang="ja-JP" dirty="0"/>
-              <a:t>vector</a:t>
-            </a:r>
-            <a:endParaRPr kumimoji="1" lang="ja-JP" altLang="en-US" dirty="0"/>
+              <a:rPr lang="en-US" altLang="ja-JP" dirty="0"/>
+              <a:t>v</a:t>
+            </a:r>
+            <a:r>
+              <a:rPr kumimoji="1" lang="en-US" altLang="ja-JP" dirty="0"/>
+              <a:t>ector</a:t>
+            </a:r>
+            <a:r>
+              <a:rPr kumimoji="1" lang="ja-JP" altLang="en-US" dirty="0"/>
+              <a:t>クラス（二次元配列）</a:t>
+            </a:r>
           </a:p>
         </p:txBody>
       </p:sp>
@@ -17513,7 +17758,12 @@
             <p:ph idx="1"/>
           </p:nvPr>
         </p:nvSpPr>
-        <p:spPr/>
+        <p:spPr>
+          <a:xfrm>
+            <a:off x="838200" y="1376038"/>
+            <a:ext cx="11233826" cy="4980311"/>
+          </a:xfrm>
+        </p:spPr>
         <p:txBody>
           <a:bodyPr>
             <a:normAutofit/>
@@ -17521,8 +17771,12 @@
           <a:lstStyle/>
           <a:p>
             <a:r>
+              <a:rPr lang="en-US" altLang="ja-JP" dirty="0"/>
+              <a:t>C</a:t>
+            </a:r>
+            <a:r>
               <a:rPr lang="ja-JP" altLang="en-US" dirty="0"/>
-              <a:t>最大値や最小値の取得</a:t>
+              <a:t>言語の配列と同様に行番号と列番号を添え字で指定することで配列要素にアクセス可能</a:t>
             </a:r>
             <a:br>
               <a:rPr lang="en-US" altLang="ja-JP" dirty="0"/>
@@ -17531,61 +17785,85 @@
               <a:rPr lang="en-US" altLang="ja-JP" dirty="0"/>
             </a:br>
             <a:r>
+              <a:rPr lang="en-US" altLang="ja-JP" dirty="0">
+                <a:solidFill>
+                  <a:srgbClr val="0070C0"/>
+                </a:solidFill>
+              </a:rPr>
+              <a:t>vector&lt;</a:t>
+            </a:r>
+            <a:r>
+              <a:rPr lang="en-US" altLang="ja-JP" dirty="0">
+                <a:solidFill>
+                  <a:srgbClr val="FF0000"/>
+                </a:solidFill>
+              </a:rPr>
+              <a:t>vector&lt;</a:t>
+            </a:r>
+            <a:r>
+              <a:rPr lang="en-US" altLang="ja-JP" dirty="0"/>
+              <a:t>int</a:t>
+            </a:r>
+            <a:r>
+              <a:rPr lang="en-US" altLang="ja-JP" dirty="0">
+                <a:solidFill>
+                  <a:srgbClr val="FF0000"/>
+                </a:solidFill>
+              </a:rPr>
+              <a:t>&gt;</a:t>
+            </a:r>
+            <a:r>
+              <a:rPr lang="en-US" altLang="ja-JP" dirty="0">
+                <a:solidFill>
+                  <a:srgbClr val="0070C0"/>
+                </a:solidFill>
+              </a:rPr>
+              <a:t>&gt;</a:t>
+            </a:r>
+            <a:r>
+              <a:rPr lang="en-US" altLang="ja-JP" dirty="0"/>
+              <a:t> v3{{1,2}, {3,4}}</a:t>
+            </a:r>
+            <a:r>
               <a:rPr lang="ja-JP" altLang="en-US" dirty="0"/>
-              <a:t>同じプログラム</a:t>
-            </a:r>
-            <a:r>
-              <a:rPr lang="en-US" altLang="ja-JP" dirty="0"/>
-              <a:t>(main.cpp</a:t>
-            </a:r>
+              <a:t>；</a:t>
+            </a:r>
+            <a:br>
+              <a:rPr lang="en-US" altLang="ja-JP" dirty="0"/>
+            </a:br>
+            <a:r>
+              <a:rPr lang="en-US" altLang="ja-JP" dirty="0" err="1"/>
+              <a:t>cout</a:t>
+            </a:r>
+            <a:r>
+              <a:rPr lang="en-US" altLang="ja-JP" dirty="0"/>
+              <a:t> &lt;&lt; v3[1][0] &lt;&lt; </a:t>
+            </a:r>
+            <a:r>
+              <a:rPr lang="en-US" altLang="ja-JP" dirty="0" err="1"/>
+              <a:t>endl</a:t>
+            </a:r>
+            <a:r>
+              <a:rPr lang="en-US" altLang="ja-JP" dirty="0"/>
+              <a:t>;</a:t>
+            </a:r>
+            <a:br>
+              <a:rPr lang="en-US" altLang="ja-JP" dirty="0"/>
+            </a:br>
+            <a:br>
+              <a:rPr lang="en-US" altLang="ja-JP" dirty="0"/>
+            </a:br>
             <a:r>
               <a:rPr lang="ja-JP" altLang="en-US" dirty="0"/>
-              <a:t>）内で以下の３通りの</a:t>
-            </a:r>
-            <a:r>
-              <a:rPr lang="ja-JP" altLang="en-US"/>
-              <a:t>方法で最大値と最小値を取得しなさい</a:t>
-            </a:r>
-            <a:endParaRPr lang="en-US" altLang="ja-JP" dirty="0"/>
-          </a:p>
-          <a:p>
-            <a:pPr marL="971550" lvl="1" indent="-514350">
-              <a:buFont typeface="+mj-ea"/>
-              <a:buAutoNum type="circleNumDbPlain"/>
-            </a:pPr>
+              <a:t>とすると、「</a:t>
+            </a:r>
+            <a:r>
+              <a:rPr lang="en-US" altLang="ja-JP" dirty="0"/>
+              <a:t>3</a:t>
+            </a:r>
             <a:r>
               <a:rPr lang="ja-JP" altLang="en-US" dirty="0"/>
-              <a:t>配列の添え字番号をループで変更しながら最大値と最小値を探す</a:t>
-            </a:r>
-            <a:endParaRPr lang="en-US" altLang="ja-JP" dirty="0"/>
-          </a:p>
-          <a:p>
-            <a:pPr marL="971550" lvl="1" indent="-514350">
-              <a:buFont typeface="+mj-ea"/>
-              <a:buAutoNum type="circleNumDbPlain"/>
-            </a:pPr>
-            <a:r>
-              <a:rPr lang="ja-JP" altLang="en-US" dirty="0"/>
-              <a:t>イテレータを使って、イテレータを進めながら最大値と最小値を探す</a:t>
-            </a:r>
-            <a:endParaRPr lang="en-US" altLang="ja-JP" dirty="0"/>
-          </a:p>
-          <a:p>
-            <a:pPr marL="971550" lvl="1" indent="-514350">
-              <a:buFont typeface="+mj-ea"/>
-              <a:buAutoNum type="circleNumDbPlain"/>
-            </a:pPr>
-            <a:r>
-              <a:rPr lang="ja-JP" altLang="en-US" dirty="0"/>
-              <a:t>範囲</a:t>
-            </a:r>
-            <a:r>
-              <a:rPr lang="en-US" altLang="ja-JP" dirty="0"/>
-              <a:t>for</a:t>
-            </a:r>
-            <a:r>
-              <a:rPr lang="ja-JP" altLang="en-US" dirty="0"/>
-              <a:t>を使って最大値と最小値を探す</a:t>
+              <a:t>」が表示される</a:t>
             </a:r>
             <a:endParaRPr lang="en-US" altLang="ja-JP" dirty="0"/>
           </a:p>
@@ -17594,7 +17872,7 @@
     </p:spTree>
     <p:extLst>
       <p:ext uri="{BB962C8B-B14F-4D97-AF65-F5344CB8AC3E}">
-        <p14:creationId xmlns:p14="http://schemas.microsoft.com/office/powerpoint/2010/main" val="1359039544"/>
+        <p14:creationId xmlns:p14="http://schemas.microsoft.com/office/powerpoint/2010/main" val="3520774253"/>
       </p:ext>
     </p:extLst>
   </p:cSld>
@@ -17605,6 +17883,1300 @@
 </file>
 
 <file path=ppt/slides/slide31.xml><?xml version="1.0" encoding="utf-8"?>
+<p:sld xmlns:a="http://schemas.openxmlformats.org/drawingml/2006/main" xmlns:r="http://schemas.openxmlformats.org/officeDocument/2006/relationships" xmlns:p="http://schemas.openxmlformats.org/presentationml/2006/main">
+  <p:cSld>
+    <p:spTree>
+      <p:nvGrpSpPr>
+        <p:cNvPr id="1" name=""/>
+        <p:cNvGrpSpPr/>
+        <p:nvPr/>
+      </p:nvGrpSpPr>
+      <p:grpSpPr>
+        <a:xfrm>
+          <a:off x="0" y="0"/>
+          <a:ext cx="0" cy="0"/>
+          <a:chOff x="0" y="0"/>
+          <a:chExt cx="0" cy="0"/>
+        </a:xfrm>
+      </p:grpSpPr>
+      <p:sp>
+        <p:nvSpPr>
+          <p:cNvPr id="2" name="タイトル 1">
+            <a:extLst>
+              <a:ext uri="{FF2B5EF4-FFF2-40B4-BE49-F238E27FC236}">
+                <a16:creationId xmlns:a16="http://schemas.microsoft.com/office/drawing/2014/main" id="{9F789731-37C4-49DD-AEE8-78E5514E279E}"/>
+              </a:ext>
+            </a:extLst>
+          </p:cNvPr>
+          <p:cNvSpPr>
+            <a:spLocks noGrp="1"/>
+          </p:cNvSpPr>
+          <p:nvPr>
+            <p:ph type="title"/>
+          </p:nvPr>
+        </p:nvSpPr>
+        <p:spPr/>
+        <p:txBody>
+          <a:bodyPr/>
+          <a:lstStyle/>
+          <a:p>
+            <a:r>
+              <a:rPr lang="en-US" altLang="ja-JP" dirty="0"/>
+              <a:t>v</a:t>
+            </a:r>
+            <a:r>
+              <a:rPr kumimoji="1" lang="en-US" altLang="ja-JP" dirty="0"/>
+              <a:t>ector</a:t>
+            </a:r>
+            <a:r>
+              <a:rPr kumimoji="1" lang="ja-JP" altLang="en-US" dirty="0"/>
+              <a:t>クラス（二次元配列）</a:t>
+            </a:r>
+          </a:p>
+        </p:txBody>
+      </p:sp>
+      <p:sp>
+        <p:nvSpPr>
+          <p:cNvPr id="3" name="コンテンツ プレースホルダー 2">
+            <a:extLst>
+              <a:ext uri="{FF2B5EF4-FFF2-40B4-BE49-F238E27FC236}">
+                <a16:creationId xmlns:a16="http://schemas.microsoft.com/office/drawing/2014/main" id="{39562F0E-6033-40BD-BCB8-F015661306FD}"/>
+              </a:ext>
+            </a:extLst>
+          </p:cNvPr>
+          <p:cNvSpPr>
+            <a:spLocks noGrp="1"/>
+          </p:cNvSpPr>
+          <p:nvPr>
+            <p:ph idx="1"/>
+          </p:nvPr>
+        </p:nvSpPr>
+        <p:spPr>
+          <a:xfrm>
+            <a:off x="838200" y="1376038"/>
+            <a:ext cx="11233826" cy="4980311"/>
+          </a:xfrm>
+        </p:spPr>
+        <p:txBody>
+          <a:bodyPr>
+            <a:normAutofit/>
+          </a:bodyPr>
+          <a:lstStyle/>
+          <a:p>
+            <a:r>
+              <a:rPr lang="en-US" altLang="ja-JP" dirty="0"/>
+              <a:t>vector</a:t>
+            </a:r>
+            <a:r>
+              <a:rPr lang="ja-JP" altLang="en-US" dirty="0"/>
+              <a:t>クラスは動的配列のため、行数や列数が</a:t>
+            </a:r>
+            <a:br>
+              <a:rPr lang="en-US" altLang="ja-JP" dirty="0"/>
+            </a:br>
+            <a:r>
+              <a:rPr lang="ja-JP" altLang="en-US" dirty="0"/>
+              <a:t>プログラム中に変わることもある</a:t>
+            </a:r>
+            <a:br>
+              <a:rPr lang="en-US" altLang="ja-JP" dirty="0"/>
+            </a:br>
+            <a:br>
+              <a:rPr lang="en-US" altLang="ja-JP" dirty="0"/>
+            </a:br>
+            <a:r>
+              <a:rPr lang="ja-JP" altLang="en-US" dirty="0"/>
+              <a:t>そのため、</a:t>
+            </a:r>
+            <a:r>
+              <a:rPr lang="en-US" altLang="ja-JP" dirty="0"/>
+              <a:t>1</a:t>
+            </a:r>
+            <a:r>
+              <a:rPr lang="ja-JP" altLang="en-US" dirty="0"/>
+              <a:t>行目は列数が</a:t>
+            </a:r>
+            <a:r>
+              <a:rPr lang="en-US" altLang="ja-JP" dirty="0"/>
+              <a:t>2</a:t>
+            </a:r>
+            <a:r>
+              <a:rPr lang="ja-JP" altLang="en-US" dirty="0"/>
+              <a:t>列、</a:t>
+            </a:r>
+            <a:r>
+              <a:rPr lang="en-US" altLang="ja-JP" dirty="0"/>
+              <a:t>2</a:t>
+            </a:r>
+            <a:r>
+              <a:rPr lang="ja-JP" altLang="en-US" dirty="0"/>
+              <a:t>行目は</a:t>
+            </a:r>
+            <a:r>
+              <a:rPr lang="en-US" altLang="ja-JP" dirty="0"/>
+              <a:t>3</a:t>
+            </a:r>
+            <a:r>
+              <a:rPr lang="ja-JP" altLang="en-US" dirty="0"/>
+              <a:t>列</a:t>
+            </a:r>
+            <a:r>
+              <a:rPr lang="en-US" altLang="ja-JP" dirty="0"/>
+              <a:t>…</a:t>
+            </a:r>
+            <a:br>
+              <a:rPr lang="en-US" altLang="ja-JP" dirty="0"/>
+            </a:br>
+            <a:r>
+              <a:rPr lang="ja-JP" altLang="en-US" dirty="0"/>
+              <a:t>というように不揃いになるため注意する</a:t>
+            </a:r>
+            <a:endParaRPr lang="en-US" altLang="ja-JP" dirty="0"/>
+          </a:p>
+        </p:txBody>
+      </p:sp>
+      <p:sp>
+        <p:nvSpPr>
+          <p:cNvPr id="4" name="正方形/長方形 3">
+            <a:extLst>
+              <a:ext uri="{FF2B5EF4-FFF2-40B4-BE49-F238E27FC236}">
+                <a16:creationId xmlns:a16="http://schemas.microsoft.com/office/drawing/2014/main" id="{C71C4E8C-39FA-71CD-B493-B8C4403F97D6}"/>
+              </a:ext>
+            </a:extLst>
+          </p:cNvPr>
+          <p:cNvSpPr/>
+          <p:nvPr/>
+        </p:nvSpPr>
+        <p:spPr>
+          <a:xfrm>
+            <a:off x="2320855" y="4323303"/>
+            <a:ext cx="1021403" cy="535022"/>
+          </a:xfrm>
+          <a:prstGeom prst="rect">
+            <a:avLst/>
+          </a:prstGeom>
+          <a:ln w="28575"/>
+        </p:spPr>
+        <p:style>
+          <a:lnRef idx="2">
+            <a:schemeClr val="accent1">
+              <a:shade val="15000"/>
+            </a:schemeClr>
+          </a:lnRef>
+          <a:fillRef idx="1">
+            <a:schemeClr val="accent1"/>
+          </a:fillRef>
+          <a:effectRef idx="0">
+            <a:schemeClr val="accent1"/>
+          </a:effectRef>
+          <a:fontRef idx="minor">
+            <a:schemeClr val="lt1"/>
+          </a:fontRef>
+        </p:style>
+        <p:txBody>
+          <a:bodyPr rtlCol="0" anchor="ctr"/>
+          <a:lstStyle/>
+          <a:p>
+            <a:pPr algn="ctr"/>
+            <a:r>
+              <a:rPr kumimoji="1" lang="en-US" altLang="ja-JP" sz="1600" dirty="0"/>
+              <a:t>[0][0]</a:t>
+            </a:r>
+            <a:endParaRPr kumimoji="1" lang="ja-JP" altLang="en-US" sz="1600" dirty="0"/>
+          </a:p>
+        </p:txBody>
+      </p:sp>
+      <p:sp>
+        <p:nvSpPr>
+          <p:cNvPr id="6" name="正方形/長方形 5">
+            <a:extLst>
+              <a:ext uri="{FF2B5EF4-FFF2-40B4-BE49-F238E27FC236}">
+                <a16:creationId xmlns:a16="http://schemas.microsoft.com/office/drawing/2014/main" id="{BE48519C-5AB3-FFE6-C3C4-A3F78AC4F304}"/>
+              </a:ext>
+            </a:extLst>
+          </p:cNvPr>
+          <p:cNvSpPr/>
+          <p:nvPr/>
+        </p:nvSpPr>
+        <p:spPr>
+          <a:xfrm>
+            <a:off x="3361716" y="4323303"/>
+            <a:ext cx="1021403" cy="535022"/>
+          </a:xfrm>
+          <a:prstGeom prst="rect">
+            <a:avLst/>
+          </a:prstGeom>
+          <a:ln w="28575"/>
+        </p:spPr>
+        <p:style>
+          <a:lnRef idx="2">
+            <a:schemeClr val="accent1">
+              <a:shade val="15000"/>
+            </a:schemeClr>
+          </a:lnRef>
+          <a:fillRef idx="1">
+            <a:schemeClr val="accent1"/>
+          </a:fillRef>
+          <a:effectRef idx="0">
+            <a:schemeClr val="accent1"/>
+          </a:effectRef>
+          <a:fontRef idx="minor">
+            <a:schemeClr val="lt1"/>
+          </a:fontRef>
+        </p:style>
+        <p:txBody>
+          <a:bodyPr rtlCol="0" anchor="ctr"/>
+          <a:lstStyle/>
+          <a:p>
+            <a:pPr algn="ctr"/>
+            <a:r>
+              <a:rPr kumimoji="1" lang="en-US" altLang="ja-JP" sz="1600" dirty="0"/>
+              <a:t>[0][1]</a:t>
+            </a:r>
+            <a:endParaRPr kumimoji="1" lang="ja-JP" altLang="en-US" sz="1600" dirty="0"/>
+          </a:p>
+        </p:txBody>
+      </p:sp>
+      <p:sp>
+        <p:nvSpPr>
+          <p:cNvPr id="7" name="正方形/長方形 6">
+            <a:extLst>
+              <a:ext uri="{FF2B5EF4-FFF2-40B4-BE49-F238E27FC236}">
+                <a16:creationId xmlns:a16="http://schemas.microsoft.com/office/drawing/2014/main" id="{D137A73A-09F4-EDB7-92A4-87BFB55CBBF6}"/>
+              </a:ext>
+            </a:extLst>
+          </p:cNvPr>
+          <p:cNvSpPr/>
+          <p:nvPr/>
+        </p:nvSpPr>
+        <p:spPr>
+          <a:xfrm>
+            <a:off x="2320855" y="4883069"/>
+            <a:ext cx="1021403" cy="535022"/>
+          </a:xfrm>
+          <a:prstGeom prst="rect">
+            <a:avLst/>
+          </a:prstGeom>
+          <a:ln w="28575"/>
+        </p:spPr>
+        <p:style>
+          <a:lnRef idx="2">
+            <a:schemeClr val="accent1">
+              <a:shade val="15000"/>
+            </a:schemeClr>
+          </a:lnRef>
+          <a:fillRef idx="1">
+            <a:schemeClr val="accent1"/>
+          </a:fillRef>
+          <a:effectRef idx="0">
+            <a:schemeClr val="accent1"/>
+          </a:effectRef>
+          <a:fontRef idx="minor">
+            <a:schemeClr val="lt1"/>
+          </a:fontRef>
+        </p:style>
+        <p:txBody>
+          <a:bodyPr rtlCol="0" anchor="ctr"/>
+          <a:lstStyle/>
+          <a:p>
+            <a:pPr algn="ctr"/>
+            <a:r>
+              <a:rPr kumimoji="1" lang="en-US" altLang="ja-JP" sz="1600" dirty="0"/>
+              <a:t>[1][0]</a:t>
+            </a:r>
+            <a:endParaRPr kumimoji="1" lang="ja-JP" altLang="en-US" sz="1600" dirty="0"/>
+          </a:p>
+        </p:txBody>
+      </p:sp>
+      <p:sp>
+        <p:nvSpPr>
+          <p:cNvPr id="8" name="正方形/長方形 7">
+            <a:extLst>
+              <a:ext uri="{FF2B5EF4-FFF2-40B4-BE49-F238E27FC236}">
+                <a16:creationId xmlns:a16="http://schemas.microsoft.com/office/drawing/2014/main" id="{E05C3B13-CBE5-33DC-CB18-6C21E4E6F139}"/>
+              </a:ext>
+            </a:extLst>
+          </p:cNvPr>
+          <p:cNvSpPr/>
+          <p:nvPr/>
+        </p:nvSpPr>
+        <p:spPr>
+          <a:xfrm>
+            <a:off x="3361716" y="4883069"/>
+            <a:ext cx="1021403" cy="535022"/>
+          </a:xfrm>
+          <a:prstGeom prst="rect">
+            <a:avLst/>
+          </a:prstGeom>
+          <a:ln w="28575"/>
+        </p:spPr>
+        <p:style>
+          <a:lnRef idx="2">
+            <a:schemeClr val="accent1">
+              <a:shade val="15000"/>
+            </a:schemeClr>
+          </a:lnRef>
+          <a:fillRef idx="1">
+            <a:schemeClr val="accent1"/>
+          </a:fillRef>
+          <a:effectRef idx="0">
+            <a:schemeClr val="accent1"/>
+          </a:effectRef>
+          <a:fontRef idx="minor">
+            <a:schemeClr val="lt1"/>
+          </a:fontRef>
+        </p:style>
+        <p:txBody>
+          <a:bodyPr rtlCol="0" anchor="ctr"/>
+          <a:lstStyle/>
+          <a:p>
+            <a:pPr algn="ctr"/>
+            <a:r>
+              <a:rPr kumimoji="1" lang="en-US" altLang="ja-JP" sz="1600" dirty="0"/>
+              <a:t>[1][1]</a:t>
+            </a:r>
+            <a:endParaRPr kumimoji="1" lang="ja-JP" altLang="en-US" sz="1600" dirty="0"/>
+          </a:p>
+        </p:txBody>
+      </p:sp>
+      <p:sp>
+        <p:nvSpPr>
+          <p:cNvPr id="9" name="正方形/長方形 8">
+            <a:extLst>
+              <a:ext uri="{FF2B5EF4-FFF2-40B4-BE49-F238E27FC236}">
+                <a16:creationId xmlns:a16="http://schemas.microsoft.com/office/drawing/2014/main" id="{6F51213B-BE6B-3CA4-2039-BB5430DD26B2}"/>
+              </a:ext>
+            </a:extLst>
+          </p:cNvPr>
+          <p:cNvSpPr/>
+          <p:nvPr/>
+        </p:nvSpPr>
+        <p:spPr>
+          <a:xfrm>
+            <a:off x="4402577" y="4883069"/>
+            <a:ext cx="1021403" cy="535022"/>
+          </a:xfrm>
+          <a:prstGeom prst="rect">
+            <a:avLst/>
+          </a:prstGeom>
+          <a:ln w="28575"/>
+        </p:spPr>
+        <p:style>
+          <a:lnRef idx="2">
+            <a:schemeClr val="accent1">
+              <a:shade val="15000"/>
+            </a:schemeClr>
+          </a:lnRef>
+          <a:fillRef idx="1">
+            <a:schemeClr val="accent1"/>
+          </a:fillRef>
+          <a:effectRef idx="0">
+            <a:schemeClr val="accent1"/>
+          </a:effectRef>
+          <a:fontRef idx="minor">
+            <a:schemeClr val="lt1"/>
+          </a:fontRef>
+        </p:style>
+        <p:txBody>
+          <a:bodyPr rtlCol="0" anchor="ctr"/>
+          <a:lstStyle/>
+          <a:p>
+            <a:pPr algn="ctr"/>
+            <a:r>
+              <a:rPr kumimoji="1" lang="en-US" altLang="ja-JP" sz="1600" dirty="0"/>
+              <a:t>[1][2]</a:t>
+            </a:r>
+            <a:endParaRPr kumimoji="1" lang="ja-JP" altLang="en-US" sz="1600" dirty="0"/>
+          </a:p>
+        </p:txBody>
+      </p:sp>
+      <p:sp>
+        <p:nvSpPr>
+          <p:cNvPr id="10" name="正方形/長方形 9">
+            <a:extLst>
+              <a:ext uri="{FF2B5EF4-FFF2-40B4-BE49-F238E27FC236}">
+                <a16:creationId xmlns:a16="http://schemas.microsoft.com/office/drawing/2014/main" id="{C3A282D2-8813-18DF-972A-F63ACBA6EF19}"/>
+              </a:ext>
+            </a:extLst>
+          </p:cNvPr>
+          <p:cNvSpPr/>
+          <p:nvPr/>
+        </p:nvSpPr>
+        <p:spPr>
+          <a:xfrm>
+            <a:off x="2320855" y="5442835"/>
+            <a:ext cx="1021403" cy="535022"/>
+          </a:xfrm>
+          <a:prstGeom prst="rect">
+            <a:avLst/>
+          </a:prstGeom>
+          <a:ln w="28575"/>
+        </p:spPr>
+        <p:style>
+          <a:lnRef idx="2">
+            <a:schemeClr val="accent1">
+              <a:shade val="15000"/>
+            </a:schemeClr>
+          </a:lnRef>
+          <a:fillRef idx="1">
+            <a:schemeClr val="accent1"/>
+          </a:fillRef>
+          <a:effectRef idx="0">
+            <a:schemeClr val="accent1"/>
+          </a:effectRef>
+          <a:fontRef idx="minor">
+            <a:schemeClr val="lt1"/>
+          </a:fontRef>
+        </p:style>
+        <p:txBody>
+          <a:bodyPr rtlCol="0" anchor="ctr"/>
+          <a:lstStyle/>
+          <a:p>
+            <a:pPr algn="ctr"/>
+            <a:r>
+              <a:rPr kumimoji="1" lang="en-US" altLang="ja-JP" sz="1600" dirty="0"/>
+              <a:t>[2][0]</a:t>
+            </a:r>
+            <a:endParaRPr kumimoji="1" lang="ja-JP" altLang="en-US" sz="1600" dirty="0"/>
+          </a:p>
+        </p:txBody>
+      </p:sp>
+      <p:sp>
+        <p:nvSpPr>
+          <p:cNvPr id="13" name="正方形/長方形 12">
+            <a:extLst>
+              <a:ext uri="{FF2B5EF4-FFF2-40B4-BE49-F238E27FC236}">
+                <a16:creationId xmlns:a16="http://schemas.microsoft.com/office/drawing/2014/main" id="{191E61CD-D66F-5763-8485-244664ABC1A9}"/>
+              </a:ext>
+            </a:extLst>
+          </p:cNvPr>
+          <p:cNvSpPr/>
+          <p:nvPr/>
+        </p:nvSpPr>
+        <p:spPr>
+          <a:xfrm>
+            <a:off x="2320855" y="6002601"/>
+            <a:ext cx="1021403" cy="535022"/>
+          </a:xfrm>
+          <a:prstGeom prst="rect">
+            <a:avLst/>
+          </a:prstGeom>
+          <a:ln w="28575"/>
+        </p:spPr>
+        <p:style>
+          <a:lnRef idx="2">
+            <a:schemeClr val="accent1">
+              <a:shade val="15000"/>
+            </a:schemeClr>
+          </a:lnRef>
+          <a:fillRef idx="1">
+            <a:schemeClr val="accent1"/>
+          </a:fillRef>
+          <a:effectRef idx="0">
+            <a:schemeClr val="accent1"/>
+          </a:effectRef>
+          <a:fontRef idx="minor">
+            <a:schemeClr val="lt1"/>
+          </a:fontRef>
+        </p:style>
+        <p:txBody>
+          <a:bodyPr rtlCol="0" anchor="ctr"/>
+          <a:lstStyle/>
+          <a:p>
+            <a:pPr algn="ctr"/>
+            <a:r>
+              <a:rPr kumimoji="1" lang="en-US" altLang="ja-JP" sz="1600" dirty="0"/>
+              <a:t>[3][0]</a:t>
+            </a:r>
+            <a:endParaRPr kumimoji="1" lang="ja-JP" altLang="en-US" sz="1600" dirty="0"/>
+          </a:p>
+        </p:txBody>
+      </p:sp>
+      <p:sp>
+        <p:nvSpPr>
+          <p:cNvPr id="14" name="正方形/長方形 13">
+            <a:extLst>
+              <a:ext uri="{FF2B5EF4-FFF2-40B4-BE49-F238E27FC236}">
+                <a16:creationId xmlns:a16="http://schemas.microsoft.com/office/drawing/2014/main" id="{9867C8A0-B62C-EE7A-74C8-60F90E0E9DC1}"/>
+              </a:ext>
+            </a:extLst>
+          </p:cNvPr>
+          <p:cNvSpPr/>
+          <p:nvPr/>
+        </p:nvSpPr>
+        <p:spPr>
+          <a:xfrm>
+            <a:off x="3361716" y="6002601"/>
+            <a:ext cx="1021403" cy="535022"/>
+          </a:xfrm>
+          <a:prstGeom prst="rect">
+            <a:avLst/>
+          </a:prstGeom>
+          <a:ln w="28575"/>
+        </p:spPr>
+        <p:style>
+          <a:lnRef idx="2">
+            <a:schemeClr val="accent1">
+              <a:shade val="15000"/>
+            </a:schemeClr>
+          </a:lnRef>
+          <a:fillRef idx="1">
+            <a:schemeClr val="accent1"/>
+          </a:fillRef>
+          <a:effectRef idx="0">
+            <a:schemeClr val="accent1"/>
+          </a:effectRef>
+          <a:fontRef idx="minor">
+            <a:schemeClr val="lt1"/>
+          </a:fontRef>
+        </p:style>
+        <p:txBody>
+          <a:bodyPr rtlCol="0" anchor="ctr"/>
+          <a:lstStyle/>
+          <a:p>
+            <a:pPr algn="ctr"/>
+            <a:r>
+              <a:rPr kumimoji="1" lang="en-US" altLang="ja-JP" sz="1600" dirty="0"/>
+              <a:t>[3][1]</a:t>
+            </a:r>
+            <a:endParaRPr kumimoji="1" lang="ja-JP" altLang="en-US" sz="1600" dirty="0"/>
+          </a:p>
+        </p:txBody>
+      </p:sp>
+      <p:sp>
+        <p:nvSpPr>
+          <p:cNvPr id="15" name="正方形/長方形 14">
+            <a:extLst>
+              <a:ext uri="{FF2B5EF4-FFF2-40B4-BE49-F238E27FC236}">
+                <a16:creationId xmlns:a16="http://schemas.microsoft.com/office/drawing/2014/main" id="{D76F251D-0DC7-1627-D5C3-3A1B7FBAD7B5}"/>
+              </a:ext>
+            </a:extLst>
+          </p:cNvPr>
+          <p:cNvSpPr/>
+          <p:nvPr/>
+        </p:nvSpPr>
+        <p:spPr>
+          <a:xfrm>
+            <a:off x="4402577" y="6002601"/>
+            <a:ext cx="1021403" cy="535022"/>
+          </a:xfrm>
+          <a:prstGeom prst="rect">
+            <a:avLst/>
+          </a:prstGeom>
+          <a:ln w="28575"/>
+        </p:spPr>
+        <p:style>
+          <a:lnRef idx="2">
+            <a:schemeClr val="accent1">
+              <a:shade val="15000"/>
+            </a:schemeClr>
+          </a:lnRef>
+          <a:fillRef idx="1">
+            <a:schemeClr val="accent1"/>
+          </a:fillRef>
+          <a:effectRef idx="0">
+            <a:schemeClr val="accent1"/>
+          </a:effectRef>
+          <a:fontRef idx="minor">
+            <a:schemeClr val="lt1"/>
+          </a:fontRef>
+        </p:style>
+        <p:txBody>
+          <a:bodyPr rtlCol="0" anchor="ctr"/>
+          <a:lstStyle/>
+          <a:p>
+            <a:pPr algn="ctr"/>
+            <a:r>
+              <a:rPr kumimoji="1" lang="en-US" altLang="ja-JP" sz="1600" dirty="0"/>
+              <a:t>[3][2]</a:t>
+            </a:r>
+            <a:endParaRPr kumimoji="1" lang="ja-JP" altLang="en-US" sz="1600" dirty="0"/>
+          </a:p>
+        </p:txBody>
+      </p:sp>
+      <p:sp>
+        <p:nvSpPr>
+          <p:cNvPr id="16" name="正方形/長方形 15">
+            <a:extLst>
+              <a:ext uri="{FF2B5EF4-FFF2-40B4-BE49-F238E27FC236}">
+                <a16:creationId xmlns:a16="http://schemas.microsoft.com/office/drawing/2014/main" id="{5D7FB9A5-1A74-3D97-6EB2-34EE1D247CC9}"/>
+              </a:ext>
+            </a:extLst>
+          </p:cNvPr>
+          <p:cNvSpPr/>
+          <p:nvPr/>
+        </p:nvSpPr>
+        <p:spPr>
+          <a:xfrm>
+            <a:off x="5433710" y="6002601"/>
+            <a:ext cx="1021403" cy="535022"/>
+          </a:xfrm>
+          <a:prstGeom prst="rect">
+            <a:avLst/>
+          </a:prstGeom>
+          <a:ln w="28575"/>
+        </p:spPr>
+        <p:style>
+          <a:lnRef idx="2">
+            <a:schemeClr val="accent1">
+              <a:shade val="15000"/>
+            </a:schemeClr>
+          </a:lnRef>
+          <a:fillRef idx="1">
+            <a:schemeClr val="accent1"/>
+          </a:fillRef>
+          <a:effectRef idx="0">
+            <a:schemeClr val="accent1"/>
+          </a:effectRef>
+          <a:fontRef idx="minor">
+            <a:schemeClr val="lt1"/>
+          </a:fontRef>
+        </p:style>
+        <p:txBody>
+          <a:bodyPr rtlCol="0" anchor="ctr"/>
+          <a:lstStyle/>
+          <a:p>
+            <a:pPr algn="ctr"/>
+            <a:r>
+              <a:rPr kumimoji="1" lang="en-US" altLang="ja-JP" sz="1600" dirty="0"/>
+              <a:t>[3][3]</a:t>
+            </a:r>
+            <a:endParaRPr kumimoji="1" lang="ja-JP" altLang="en-US" sz="1600" dirty="0"/>
+          </a:p>
+        </p:txBody>
+      </p:sp>
+      <p:sp>
+        <p:nvSpPr>
+          <p:cNvPr id="17" name="テキスト ボックス 16">
+            <a:extLst>
+              <a:ext uri="{FF2B5EF4-FFF2-40B4-BE49-F238E27FC236}">
+                <a16:creationId xmlns:a16="http://schemas.microsoft.com/office/drawing/2014/main" id="{D24484D8-B162-F679-9F41-1BB1D2FD8558}"/>
+              </a:ext>
+            </a:extLst>
+          </p:cNvPr>
+          <p:cNvSpPr txBox="1"/>
+          <p:nvPr/>
+        </p:nvSpPr>
+        <p:spPr>
+          <a:xfrm>
+            <a:off x="1255079" y="4298559"/>
+            <a:ext cx="1061509" cy="523220"/>
+          </a:xfrm>
+          <a:prstGeom prst="rect">
+            <a:avLst/>
+          </a:prstGeom>
+          <a:noFill/>
+        </p:spPr>
+        <p:txBody>
+          <a:bodyPr wrap="none" rtlCol="0">
+            <a:spAutoFit/>
+          </a:bodyPr>
+          <a:lstStyle/>
+          <a:p>
+            <a:r>
+              <a:rPr kumimoji="1" lang="ja-JP" altLang="en-US" sz="2800" dirty="0"/>
+              <a:t>ｖ</a:t>
+            </a:r>
+            <a:r>
+              <a:rPr kumimoji="1" lang="en-US" altLang="ja-JP" sz="2800" dirty="0"/>
+              <a:t>[0]</a:t>
+            </a:r>
+            <a:endParaRPr kumimoji="1" lang="ja-JP" altLang="en-US" sz="2800" dirty="0"/>
+          </a:p>
+        </p:txBody>
+      </p:sp>
+      <p:sp>
+        <p:nvSpPr>
+          <p:cNvPr id="18" name="テキスト ボックス 17">
+            <a:extLst>
+              <a:ext uri="{FF2B5EF4-FFF2-40B4-BE49-F238E27FC236}">
+                <a16:creationId xmlns:a16="http://schemas.microsoft.com/office/drawing/2014/main" id="{97B7FB17-FD73-CA70-5D13-E118B5BA8521}"/>
+              </a:ext>
+            </a:extLst>
+          </p:cNvPr>
+          <p:cNvSpPr txBox="1"/>
+          <p:nvPr/>
+        </p:nvSpPr>
+        <p:spPr>
+          <a:xfrm>
+            <a:off x="1249617" y="4888970"/>
+            <a:ext cx="1061509" cy="523220"/>
+          </a:xfrm>
+          <a:prstGeom prst="rect">
+            <a:avLst/>
+          </a:prstGeom>
+          <a:noFill/>
+        </p:spPr>
+        <p:txBody>
+          <a:bodyPr wrap="none" rtlCol="0">
+            <a:spAutoFit/>
+          </a:bodyPr>
+          <a:lstStyle/>
+          <a:p>
+            <a:r>
+              <a:rPr kumimoji="1" lang="ja-JP" altLang="en-US" sz="2800" dirty="0"/>
+              <a:t>ｖ</a:t>
+            </a:r>
+            <a:r>
+              <a:rPr kumimoji="1" lang="en-US" altLang="ja-JP" sz="2800" dirty="0"/>
+              <a:t>[1]</a:t>
+            </a:r>
+            <a:endParaRPr kumimoji="1" lang="ja-JP" altLang="en-US" sz="2800" dirty="0"/>
+          </a:p>
+        </p:txBody>
+      </p:sp>
+      <p:sp>
+        <p:nvSpPr>
+          <p:cNvPr id="19" name="テキスト ボックス 18">
+            <a:extLst>
+              <a:ext uri="{FF2B5EF4-FFF2-40B4-BE49-F238E27FC236}">
+                <a16:creationId xmlns:a16="http://schemas.microsoft.com/office/drawing/2014/main" id="{75AD95E5-45C3-0B6B-A72F-C9EE8C880ABA}"/>
+              </a:ext>
+            </a:extLst>
+          </p:cNvPr>
+          <p:cNvSpPr txBox="1"/>
+          <p:nvPr/>
+        </p:nvSpPr>
+        <p:spPr>
+          <a:xfrm>
+            <a:off x="1239888" y="5455780"/>
+            <a:ext cx="1061509" cy="523220"/>
+          </a:xfrm>
+          <a:prstGeom prst="rect">
+            <a:avLst/>
+          </a:prstGeom>
+          <a:noFill/>
+        </p:spPr>
+        <p:txBody>
+          <a:bodyPr wrap="none" rtlCol="0">
+            <a:spAutoFit/>
+          </a:bodyPr>
+          <a:lstStyle/>
+          <a:p>
+            <a:r>
+              <a:rPr kumimoji="1" lang="ja-JP" altLang="en-US" sz="2800" dirty="0"/>
+              <a:t>ｖ</a:t>
+            </a:r>
+            <a:r>
+              <a:rPr kumimoji="1" lang="en-US" altLang="ja-JP" sz="2800" dirty="0"/>
+              <a:t>[2]</a:t>
+            </a:r>
+            <a:endParaRPr kumimoji="1" lang="ja-JP" altLang="en-US" sz="2800" dirty="0"/>
+          </a:p>
+        </p:txBody>
+      </p:sp>
+      <p:sp>
+        <p:nvSpPr>
+          <p:cNvPr id="20" name="テキスト ボックス 19">
+            <a:extLst>
+              <a:ext uri="{FF2B5EF4-FFF2-40B4-BE49-F238E27FC236}">
+                <a16:creationId xmlns:a16="http://schemas.microsoft.com/office/drawing/2014/main" id="{DFD98BB6-A77A-9D51-BA0B-7DB0F558748C}"/>
+              </a:ext>
+            </a:extLst>
+          </p:cNvPr>
+          <p:cNvSpPr txBox="1"/>
+          <p:nvPr/>
+        </p:nvSpPr>
+        <p:spPr>
+          <a:xfrm>
+            <a:off x="1234426" y="6046191"/>
+            <a:ext cx="1061509" cy="523220"/>
+          </a:xfrm>
+          <a:prstGeom prst="rect">
+            <a:avLst/>
+          </a:prstGeom>
+          <a:noFill/>
+        </p:spPr>
+        <p:txBody>
+          <a:bodyPr wrap="none" rtlCol="0">
+            <a:spAutoFit/>
+          </a:bodyPr>
+          <a:lstStyle/>
+          <a:p>
+            <a:r>
+              <a:rPr kumimoji="1" lang="ja-JP" altLang="en-US" sz="2800" dirty="0"/>
+              <a:t>ｖ</a:t>
+            </a:r>
+            <a:r>
+              <a:rPr kumimoji="1" lang="en-US" altLang="ja-JP" sz="2800" dirty="0"/>
+              <a:t>[3]</a:t>
+            </a:r>
+            <a:endParaRPr kumimoji="1" lang="ja-JP" altLang="en-US" sz="2800" dirty="0"/>
+          </a:p>
+        </p:txBody>
+      </p:sp>
+      <p:sp>
+        <p:nvSpPr>
+          <p:cNvPr id="22" name="テキスト ボックス 21">
+            <a:extLst>
+              <a:ext uri="{FF2B5EF4-FFF2-40B4-BE49-F238E27FC236}">
+                <a16:creationId xmlns:a16="http://schemas.microsoft.com/office/drawing/2014/main" id="{AE5FC05F-FD6F-DED8-64A0-B425B4E2B837}"/>
+              </a:ext>
+            </a:extLst>
+          </p:cNvPr>
+          <p:cNvSpPr txBox="1"/>
+          <p:nvPr/>
+        </p:nvSpPr>
+        <p:spPr>
+          <a:xfrm>
+            <a:off x="5738155" y="4196473"/>
+            <a:ext cx="6223178" cy="1815882"/>
+          </a:xfrm>
+          <a:prstGeom prst="rect">
+            <a:avLst/>
+          </a:prstGeom>
+          <a:noFill/>
+        </p:spPr>
+        <p:txBody>
+          <a:bodyPr wrap="none" rtlCol="0">
+            <a:spAutoFit/>
+          </a:bodyPr>
+          <a:lstStyle/>
+          <a:p>
+            <a:r>
+              <a:rPr kumimoji="1" lang="en-US" altLang="ja-JP" sz="2800" dirty="0" err="1">
+                <a:solidFill>
+                  <a:srgbClr val="FF0000"/>
+                </a:solidFill>
+              </a:rPr>
+              <a:t>v.size</a:t>
+            </a:r>
+            <a:r>
+              <a:rPr kumimoji="1" lang="en-US" altLang="ja-JP" sz="2800" dirty="0">
+                <a:solidFill>
+                  <a:srgbClr val="FF0000"/>
+                </a:solidFill>
+              </a:rPr>
+              <a:t>()			</a:t>
+            </a:r>
+            <a:r>
+              <a:rPr kumimoji="1" lang="ja-JP" altLang="en-US" sz="2800" dirty="0">
+                <a:solidFill>
+                  <a:srgbClr val="FF0000"/>
+                </a:solidFill>
+              </a:rPr>
+              <a:t>：行数を取得</a:t>
+            </a:r>
+            <a:endParaRPr kumimoji="1" lang="en-US" altLang="ja-JP" sz="2800" dirty="0">
+              <a:solidFill>
+                <a:srgbClr val="FF0000"/>
+              </a:solidFill>
+            </a:endParaRPr>
+          </a:p>
+          <a:p>
+            <a:r>
+              <a:rPr kumimoji="1" lang="en-US" altLang="ja-JP" sz="2800" dirty="0">
+                <a:solidFill>
+                  <a:srgbClr val="FF0000"/>
+                </a:solidFill>
+              </a:rPr>
+              <a:t>v[0].size()	</a:t>
+            </a:r>
+            <a:r>
+              <a:rPr kumimoji="1" lang="ja-JP" altLang="en-US" sz="2800" dirty="0">
+                <a:solidFill>
+                  <a:srgbClr val="FF0000"/>
+                </a:solidFill>
+              </a:rPr>
+              <a:t>：</a:t>
+            </a:r>
+            <a:r>
+              <a:rPr kumimoji="1" lang="en-US" altLang="ja-JP" sz="2800" dirty="0">
+                <a:solidFill>
+                  <a:srgbClr val="FF0000"/>
+                </a:solidFill>
+              </a:rPr>
+              <a:t>0</a:t>
+            </a:r>
+            <a:r>
+              <a:rPr kumimoji="1" lang="ja-JP" altLang="en-US" sz="2800" dirty="0">
+                <a:solidFill>
+                  <a:srgbClr val="FF0000"/>
+                </a:solidFill>
+              </a:rPr>
+              <a:t>行目の列数を取得</a:t>
+            </a:r>
+            <a:endParaRPr kumimoji="1" lang="en-US" altLang="ja-JP" sz="2800" dirty="0">
+              <a:solidFill>
+                <a:srgbClr val="FF0000"/>
+              </a:solidFill>
+            </a:endParaRPr>
+          </a:p>
+          <a:p>
+            <a:r>
+              <a:rPr kumimoji="1" lang="en-US" altLang="ja-JP" sz="2800" dirty="0">
+                <a:solidFill>
+                  <a:srgbClr val="FF0000"/>
+                </a:solidFill>
+              </a:rPr>
+              <a:t>v[1].size()	</a:t>
+            </a:r>
+            <a:r>
+              <a:rPr kumimoji="1" lang="ja-JP" altLang="en-US" sz="2800" dirty="0">
+                <a:solidFill>
+                  <a:srgbClr val="FF0000"/>
+                </a:solidFill>
+              </a:rPr>
+              <a:t>：</a:t>
+            </a:r>
+            <a:r>
+              <a:rPr kumimoji="1" lang="en-US" altLang="ja-JP" sz="2800" dirty="0">
+                <a:solidFill>
+                  <a:srgbClr val="FF0000"/>
+                </a:solidFill>
+              </a:rPr>
+              <a:t>1</a:t>
+            </a:r>
+            <a:r>
+              <a:rPr kumimoji="1" lang="ja-JP" altLang="en-US" sz="2800" dirty="0">
+                <a:solidFill>
+                  <a:srgbClr val="FF0000"/>
+                </a:solidFill>
+              </a:rPr>
+              <a:t>行目の列数を取得</a:t>
+            </a:r>
+          </a:p>
+          <a:p>
+            <a:r>
+              <a:rPr kumimoji="1" lang="ja-JP" altLang="en-US" sz="2800" dirty="0">
+                <a:solidFill>
+                  <a:srgbClr val="FF0000"/>
+                </a:solidFill>
+              </a:rPr>
+              <a:t>    ・・・</a:t>
+            </a:r>
+          </a:p>
+        </p:txBody>
+      </p:sp>
+    </p:spTree>
+    <p:extLst>
+      <p:ext uri="{BB962C8B-B14F-4D97-AF65-F5344CB8AC3E}">
+        <p14:creationId xmlns:p14="http://schemas.microsoft.com/office/powerpoint/2010/main" val="3766520103"/>
+      </p:ext>
+    </p:extLst>
+  </p:cSld>
+  <p:clrMapOvr>
+    <a:masterClrMapping/>
+  </p:clrMapOvr>
+</p:sld>
+</file>
+
+<file path=ppt/slides/slide32.xml><?xml version="1.0" encoding="utf-8"?>
+<p:sld xmlns:a="http://schemas.openxmlformats.org/drawingml/2006/main" xmlns:r="http://schemas.openxmlformats.org/officeDocument/2006/relationships" xmlns:p="http://schemas.openxmlformats.org/presentationml/2006/main">
+  <p:cSld>
+    <p:spTree>
+      <p:nvGrpSpPr>
+        <p:cNvPr id="1" name=""/>
+        <p:cNvGrpSpPr/>
+        <p:nvPr/>
+      </p:nvGrpSpPr>
+      <p:grpSpPr>
+        <a:xfrm>
+          <a:off x="0" y="0"/>
+          <a:ext cx="0" cy="0"/>
+          <a:chOff x="0" y="0"/>
+          <a:chExt cx="0" cy="0"/>
+        </a:xfrm>
+      </p:grpSpPr>
+      <p:sp>
+        <p:nvSpPr>
+          <p:cNvPr id="2" name="タイトル 1">
+            <a:extLst>
+              <a:ext uri="{FF2B5EF4-FFF2-40B4-BE49-F238E27FC236}">
+                <a16:creationId xmlns:a16="http://schemas.microsoft.com/office/drawing/2014/main" id="{9F789731-37C4-49DD-AEE8-78E5514E279E}"/>
+              </a:ext>
+            </a:extLst>
+          </p:cNvPr>
+          <p:cNvSpPr>
+            <a:spLocks noGrp="1"/>
+          </p:cNvSpPr>
+          <p:nvPr>
+            <p:ph type="title"/>
+          </p:nvPr>
+        </p:nvSpPr>
+        <p:spPr/>
+        <p:txBody>
+          <a:bodyPr/>
+          <a:lstStyle/>
+          <a:p>
+            <a:r>
+              <a:rPr lang="en-US" altLang="ja-JP" dirty="0"/>
+              <a:t>v</a:t>
+            </a:r>
+            <a:r>
+              <a:rPr kumimoji="1" lang="en-US" altLang="ja-JP" dirty="0"/>
+              <a:t>ector</a:t>
+            </a:r>
+            <a:r>
+              <a:rPr kumimoji="1" lang="ja-JP" altLang="en-US" dirty="0"/>
+              <a:t>クラス（二次元配列）</a:t>
+            </a:r>
+          </a:p>
+        </p:txBody>
+      </p:sp>
+      <p:sp>
+        <p:nvSpPr>
+          <p:cNvPr id="3" name="コンテンツ プレースホルダー 2">
+            <a:extLst>
+              <a:ext uri="{FF2B5EF4-FFF2-40B4-BE49-F238E27FC236}">
+                <a16:creationId xmlns:a16="http://schemas.microsoft.com/office/drawing/2014/main" id="{39562F0E-6033-40BD-BCB8-F015661306FD}"/>
+              </a:ext>
+            </a:extLst>
+          </p:cNvPr>
+          <p:cNvSpPr>
+            <a:spLocks noGrp="1"/>
+          </p:cNvSpPr>
+          <p:nvPr>
+            <p:ph idx="1"/>
+          </p:nvPr>
+        </p:nvSpPr>
+        <p:spPr>
+          <a:xfrm>
+            <a:off x="838200" y="1376038"/>
+            <a:ext cx="11233826" cy="4980311"/>
+          </a:xfrm>
+        </p:spPr>
+        <p:txBody>
+          <a:bodyPr>
+            <a:normAutofit/>
+          </a:bodyPr>
+          <a:lstStyle/>
+          <a:p>
+            <a:r>
+              <a:rPr lang="ja-JP" altLang="en-US" dirty="0"/>
+              <a:t>要素が空（</a:t>
+            </a:r>
+            <a:r>
+              <a:rPr lang="en-US" altLang="ja-JP" dirty="0"/>
+              <a:t>empty</a:t>
+            </a:r>
+            <a:r>
+              <a:rPr lang="ja-JP" altLang="en-US" dirty="0"/>
+              <a:t>）な配列を宣言した直後は値を追加することができないので注意</a:t>
+            </a:r>
+            <a:br>
+              <a:rPr lang="en-US" altLang="ja-JP" dirty="0"/>
+            </a:br>
+            <a:br>
+              <a:rPr lang="en-US" altLang="ja-JP" dirty="0"/>
+            </a:br>
+            <a:br>
+              <a:rPr lang="en-US" altLang="ja-JP" dirty="0"/>
+            </a:br>
+            <a:endParaRPr lang="en-US" altLang="ja-JP" dirty="0"/>
+          </a:p>
+          <a:p>
+            <a:r>
+              <a:rPr lang="ja-JP" altLang="en-US" dirty="0"/>
+              <a:t>要素を追加していく場合は</a:t>
+            </a:r>
+            <a:r>
+              <a:rPr lang="en-US" altLang="ja-JP" dirty="0"/>
+              <a:t>resize</a:t>
+            </a:r>
+            <a:r>
+              <a:rPr lang="ja-JP" altLang="en-US" dirty="0"/>
+              <a:t>関数を使用する</a:t>
+            </a:r>
+            <a:br>
+              <a:rPr lang="en-US" altLang="ja-JP" dirty="0"/>
+            </a:br>
+            <a:br>
+              <a:rPr lang="en-US" altLang="ja-JP" dirty="0"/>
+            </a:br>
+            <a:endParaRPr lang="en-US" altLang="ja-JP" dirty="0"/>
+          </a:p>
+        </p:txBody>
+      </p:sp>
+      <p:sp>
+        <p:nvSpPr>
+          <p:cNvPr id="22" name="テキスト ボックス 21">
+            <a:extLst>
+              <a:ext uri="{FF2B5EF4-FFF2-40B4-BE49-F238E27FC236}">
+                <a16:creationId xmlns:a16="http://schemas.microsoft.com/office/drawing/2014/main" id="{AE5FC05F-FD6F-DED8-64A0-B425B4E2B837}"/>
+              </a:ext>
+            </a:extLst>
+          </p:cNvPr>
+          <p:cNvSpPr txBox="1"/>
+          <p:nvPr/>
+        </p:nvSpPr>
+        <p:spPr>
+          <a:xfrm>
+            <a:off x="1613628" y="2598881"/>
+            <a:ext cx="8291052" cy="1077218"/>
+          </a:xfrm>
+          <a:prstGeom prst="rect">
+            <a:avLst/>
+          </a:prstGeom>
+          <a:noFill/>
+          <a:ln>
+            <a:solidFill>
+              <a:schemeClr val="tx1"/>
+            </a:solidFill>
+          </a:ln>
+        </p:spPr>
+        <p:txBody>
+          <a:bodyPr wrap="none" rtlCol="0">
+            <a:spAutoFit/>
+          </a:bodyPr>
+          <a:lstStyle/>
+          <a:p>
+            <a:r>
+              <a:rPr kumimoji="1" lang="en-US" altLang="ja-JP" sz="3200" dirty="0"/>
+              <a:t>vector&lt;vector&lt;int&gt;&gt; v{};</a:t>
+            </a:r>
+          </a:p>
+          <a:p>
+            <a:r>
+              <a:rPr kumimoji="1" lang="en-US" altLang="ja-JP" sz="3200" dirty="0" err="1"/>
+              <a:t>v.push_back</a:t>
+            </a:r>
+            <a:r>
+              <a:rPr kumimoji="1" lang="en-US" altLang="ja-JP" sz="3200" dirty="0"/>
+              <a:t>(100); </a:t>
+            </a:r>
+            <a:r>
+              <a:rPr kumimoji="1" lang="en-US" altLang="ja-JP" sz="3200" dirty="0">
+                <a:solidFill>
+                  <a:srgbClr val="FF0000"/>
+                </a:solidFill>
+              </a:rPr>
+              <a:t>//</a:t>
+            </a:r>
+            <a:r>
+              <a:rPr kumimoji="1" lang="ja-JP" altLang="en-US" sz="3200" dirty="0">
+                <a:solidFill>
+                  <a:srgbClr val="FF0000"/>
+                </a:solidFill>
+              </a:rPr>
+              <a:t>コンパイルエラー</a:t>
+            </a:r>
+          </a:p>
+        </p:txBody>
+      </p:sp>
+      <p:sp>
+        <p:nvSpPr>
+          <p:cNvPr id="5" name="テキスト ボックス 4">
+            <a:extLst>
+              <a:ext uri="{FF2B5EF4-FFF2-40B4-BE49-F238E27FC236}">
+                <a16:creationId xmlns:a16="http://schemas.microsoft.com/office/drawing/2014/main" id="{BEA0011B-B53E-037F-4F2B-43BE1710357A}"/>
+              </a:ext>
+            </a:extLst>
+          </p:cNvPr>
+          <p:cNvSpPr txBox="1"/>
+          <p:nvPr/>
+        </p:nvSpPr>
+        <p:spPr>
+          <a:xfrm>
+            <a:off x="1613628" y="4687085"/>
+            <a:ext cx="9698489" cy="2062103"/>
+          </a:xfrm>
+          <a:prstGeom prst="rect">
+            <a:avLst/>
+          </a:prstGeom>
+          <a:noFill/>
+          <a:ln>
+            <a:solidFill>
+              <a:schemeClr val="tx1"/>
+            </a:solidFill>
+          </a:ln>
+        </p:spPr>
+        <p:txBody>
+          <a:bodyPr wrap="none" rtlCol="0">
+            <a:spAutoFit/>
+          </a:bodyPr>
+          <a:lstStyle/>
+          <a:p>
+            <a:r>
+              <a:rPr kumimoji="1" lang="en-US" altLang="ja-JP" sz="3200" dirty="0"/>
+              <a:t>vector&lt;vector&lt;int&gt;&gt; v{};</a:t>
+            </a:r>
+          </a:p>
+          <a:p>
+            <a:r>
+              <a:rPr kumimoji="1" lang="en-US" altLang="ja-JP" sz="3200" dirty="0" err="1"/>
+              <a:t>v.resize</a:t>
+            </a:r>
+            <a:r>
+              <a:rPr kumimoji="1" lang="en-US" altLang="ja-JP" sz="3200" dirty="0"/>
+              <a:t>(1);				//0</a:t>
+            </a:r>
+            <a:r>
+              <a:rPr kumimoji="1" lang="ja-JP" altLang="en-US" sz="3200" dirty="0"/>
+              <a:t>行目を作成</a:t>
+            </a:r>
+            <a:endParaRPr kumimoji="1" lang="en-US" altLang="ja-JP" sz="3200" dirty="0"/>
+          </a:p>
+          <a:p>
+            <a:r>
+              <a:rPr kumimoji="1" lang="en-US" altLang="ja-JP" sz="3200" dirty="0" err="1"/>
+              <a:t>v.push_back</a:t>
+            </a:r>
+            <a:r>
+              <a:rPr kumimoji="1" lang="en-US" altLang="ja-JP" sz="3200" dirty="0"/>
+              <a:t>(100); //v[0][0]</a:t>
+            </a:r>
+            <a:r>
+              <a:rPr kumimoji="1" lang="ja-JP" altLang="en-US" sz="3200" dirty="0"/>
+              <a:t>に</a:t>
+            </a:r>
+            <a:r>
+              <a:rPr kumimoji="1" lang="en-US" altLang="ja-JP" sz="3200" dirty="0"/>
+              <a:t>100</a:t>
+            </a:r>
+            <a:r>
+              <a:rPr kumimoji="1" lang="ja-JP" altLang="en-US" sz="3200" dirty="0"/>
+              <a:t>が入る</a:t>
+            </a:r>
+            <a:endParaRPr kumimoji="1" lang="en-US" altLang="ja-JP" sz="3200" dirty="0"/>
+          </a:p>
+          <a:p>
+            <a:r>
+              <a:rPr kumimoji="1" lang="en-US" altLang="ja-JP" sz="3200" dirty="0" err="1"/>
+              <a:t>v.resize</a:t>
+            </a:r>
+            <a:r>
+              <a:rPr kumimoji="1" lang="en-US" altLang="ja-JP" sz="3200" dirty="0"/>
+              <a:t>(2);	</a:t>
+            </a:r>
+            <a:r>
+              <a:rPr kumimoji="1" lang="en-US" altLang="ja-JP" sz="3200" dirty="0">
+                <a:solidFill>
+                  <a:srgbClr val="FF0000"/>
+                </a:solidFill>
+              </a:rPr>
+              <a:t>			</a:t>
+            </a:r>
+            <a:r>
+              <a:rPr kumimoji="1" lang="en-US" altLang="ja-JP" sz="3200" dirty="0"/>
+              <a:t>//1</a:t>
+            </a:r>
+            <a:r>
+              <a:rPr kumimoji="1" lang="ja-JP" altLang="en-US" sz="3200" dirty="0"/>
+              <a:t>行目を作成</a:t>
+            </a:r>
+            <a:endParaRPr kumimoji="1" lang="ja-JP" altLang="en-US" sz="3200" dirty="0">
+              <a:solidFill>
+                <a:srgbClr val="FF0000"/>
+              </a:solidFill>
+            </a:endParaRPr>
+          </a:p>
+        </p:txBody>
+      </p:sp>
+    </p:spTree>
+    <p:extLst>
+      <p:ext uri="{BB962C8B-B14F-4D97-AF65-F5344CB8AC3E}">
+        <p14:creationId xmlns:p14="http://schemas.microsoft.com/office/powerpoint/2010/main" val="623570575"/>
+      </p:ext>
+    </p:extLst>
+  </p:cSld>
+  <p:clrMapOvr>
+    <a:masterClrMapping/>
+  </p:clrMapOvr>
+</p:sld>
+</file>
+
+<file path=ppt/slides/slide33.xml><?xml version="1.0" encoding="utf-8"?>
 <p:sld xmlns:a="http://schemas.openxmlformats.org/drawingml/2006/main" xmlns:r="http://schemas.openxmlformats.org/officeDocument/2006/relationships" xmlns:p="http://schemas.openxmlformats.org/presentationml/2006/main">
   <p:cSld>
     <p:spTree>

--- a/授業資料/講義資料：Vectorクラス.pptx
+++ b/授業資料/講義資料：Vectorクラス.pptx
@@ -275,7 +275,7 @@
           <a:p>
             <a:fld id="{5B96D3F8-CD2E-4A0D-AC38-517181EABB18}" type="datetimeFigureOut">
               <a:rPr kumimoji="1" lang="ja-JP" altLang="en-US" smtClean="0"/>
-              <a:t>2024/10/10</a:t>
+              <a:t>2024/10/11</a:t>
             </a:fld>
             <a:endParaRPr kumimoji="1" lang="ja-JP" altLang="en-US"/>
           </a:p>
@@ -477,7 +477,7 @@
           <a:p>
             <a:fld id="{5B96D3F8-CD2E-4A0D-AC38-517181EABB18}" type="datetimeFigureOut">
               <a:rPr kumimoji="1" lang="ja-JP" altLang="en-US" smtClean="0"/>
-              <a:t>2024/10/10</a:t>
+              <a:t>2024/10/11</a:t>
             </a:fld>
             <a:endParaRPr kumimoji="1" lang="ja-JP" altLang="en-US"/>
           </a:p>
@@ -689,7 +689,7 @@
           <a:p>
             <a:fld id="{5B96D3F8-CD2E-4A0D-AC38-517181EABB18}" type="datetimeFigureOut">
               <a:rPr kumimoji="1" lang="ja-JP" altLang="en-US" smtClean="0"/>
-              <a:t>2024/10/10</a:t>
+              <a:t>2024/10/11</a:t>
             </a:fld>
             <a:endParaRPr kumimoji="1" lang="ja-JP" altLang="en-US"/>
           </a:p>
@@ -891,7 +891,7 @@
           <a:p>
             <a:fld id="{5B96D3F8-CD2E-4A0D-AC38-517181EABB18}" type="datetimeFigureOut">
               <a:rPr kumimoji="1" lang="ja-JP" altLang="en-US" smtClean="0"/>
-              <a:t>2024/10/10</a:t>
+              <a:t>2024/10/11</a:t>
             </a:fld>
             <a:endParaRPr kumimoji="1" lang="ja-JP" altLang="en-US"/>
           </a:p>
@@ -1137,7 +1137,7 @@
           <a:p>
             <a:fld id="{5B96D3F8-CD2E-4A0D-AC38-517181EABB18}" type="datetimeFigureOut">
               <a:rPr kumimoji="1" lang="ja-JP" altLang="en-US" smtClean="0"/>
-              <a:t>2024/10/10</a:t>
+              <a:t>2024/10/11</a:t>
             </a:fld>
             <a:endParaRPr kumimoji="1" lang="ja-JP" altLang="en-US"/>
           </a:p>
@@ -1433,7 +1433,7 @@
           <a:p>
             <a:fld id="{5B96D3F8-CD2E-4A0D-AC38-517181EABB18}" type="datetimeFigureOut">
               <a:rPr kumimoji="1" lang="ja-JP" altLang="en-US" smtClean="0"/>
-              <a:t>2024/10/10</a:t>
+              <a:t>2024/10/11</a:t>
             </a:fld>
             <a:endParaRPr kumimoji="1" lang="ja-JP" altLang="en-US"/>
           </a:p>
@@ -1864,7 +1864,7 @@
           <a:p>
             <a:fld id="{5B96D3F8-CD2E-4A0D-AC38-517181EABB18}" type="datetimeFigureOut">
               <a:rPr kumimoji="1" lang="ja-JP" altLang="en-US" smtClean="0"/>
-              <a:t>2024/10/10</a:t>
+              <a:t>2024/10/11</a:t>
             </a:fld>
             <a:endParaRPr kumimoji="1" lang="ja-JP" altLang="en-US"/>
           </a:p>
@@ -1982,7 +1982,7 @@
           <a:p>
             <a:fld id="{5B96D3F8-CD2E-4A0D-AC38-517181EABB18}" type="datetimeFigureOut">
               <a:rPr kumimoji="1" lang="ja-JP" altLang="en-US" smtClean="0"/>
-              <a:t>2024/10/10</a:t>
+              <a:t>2024/10/11</a:t>
             </a:fld>
             <a:endParaRPr kumimoji="1" lang="ja-JP" altLang="en-US"/>
           </a:p>
@@ -2077,7 +2077,7 @@
           <a:p>
             <a:fld id="{5B96D3F8-CD2E-4A0D-AC38-517181EABB18}" type="datetimeFigureOut">
               <a:rPr kumimoji="1" lang="ja-JP" altLang="en-US" smtClean="0"/>
-              <a:t>2024/10/10</a:t>
+              <a:t>2024/10/11</a:t>
             </a:fld>
             <a:endParaRPr kumimoji="1" lang="ja-JP" altLang="en-US"/>
           </a:p>
@@ -2386,7 +2386,7 @@
           <a:p>
             <a:fld id="{5B96D3F8-CD2E-4A0D-AC38-517181EABB18}" type="datetimeFigureOut">
               <a:rPr kumimoji="1" lang="ja-JP" altLang="en-US" smtClean="0"/>
-              <a:t>2024/10/10</a:t>
+              <a:t>2024/10/11</a:t>
             </a:fld>
             <a:endParaRPr kumimoji="1" lang="ja-JP" altLang="en-US"/>
           </a:p>
@@ -2643,7 +2643,7 @@
           <a:p>
             <a:fld id="{5B96D3F8-CD2E-4A0D-AC38-517181EABB18}" type="datetimeFigureOut">
               <a:rPr kumimoji="1" lang="ja-JP" altLang="en-US" smtClean="0"/>
-              <a:t>2024/10/10</a:t>
+              <a:t>2024/10/11</a:t>
             </a:fld>
             <a:endParaRPr kumimoji="1" lang="ja-JP" altLang="en-US"/>
           </a:p>
@@ -2888,7 +2888,7 @@
           <a:p>
             <a:fld id="{5B96D3F8-CD2E-4A0D-AC38-517181EABB18}" type="datetimeFigureOut">
               <a:rPr kumimoji="1" lang="ja-JP" altLang="en-US" smtClean="0"/>
-              <a:t>2024/10/10</a:t>
+              <a:t>2024/10/11</a:t>
             </a:fld>
             <a:endParaRPr kumimoji="1" lang="ja-JP" altLang="en-US"/>
           </a:p>
@@ -18971,7 +18971,11 @@
               <a:t>要素を追加していく場合は</a:t>
             </a:r>
             <a:r>
-              <a:rPr lang="en-US" altLang="ja-JP" dirty="0"/>
+              <a:rPr lang="en-US" altLang="ja-JP" b="1" dirty="0">
+                <a:solidFill>
+                  <a:srgbClr val="00B0F0"/>
+                </a:solidFill>
+              </a:rPr>
               <a:t>resize</a:t>
             </a:r>
             <a:r>
@@ -19095,11 +19099,27 @@
           <a:p>
             <a:r>
               <a:rPr kumimoji="1" lang="en-US" altLang="ja-JP" sz="3200" dirty="0" err="1"/>
-              <a:t>v.resize</a:t>
+              <a:t>v.</a:t>
+            </a:r>
+            <a:r>
+              <a:rPr kumimoji="1" lang="en-US" altLang="ja-JP" sz="3200" dirty="0" err="1">
+                <a:solidFill>
+                  <a:srgbClr val="00B0F0"/>
+                </a:solidFill>
+              </a:rPr>
+              <a:t>resize</a:t>
+            </a:r>
+            <a:r>
+              <a:rPr kumimoji="1" lang="en-US" altLang="ja-JP" sz="3200" dirty="0">
+                <a:solidFill>
+                  <a:srgbClr val="00B0F0"/>
+                </a:solidFill>
+              </a:rPr>
+              <a:t>(1)</a:t>
             </a:r>
             <a:r>
               <a:rPr kumimoji="1" lang="en-US" altLang="ja-JP" sz="3200" dirty="0"/>
-              <a:t>(1);				//0</a:t>
+              <a:t>;				//0</a:t>
             </a:r>
             <a:r>
               <a:rPr kumimoji="1" lang="ja-JP" altLang="en-US" sz="3200" dirty="0"/>
@@ -19133,11 +19153,27 @@
           <a:p>
             <a:r>
               <a:rPr kumimoji="1" lang="en-US" altLang="ja-JP" sz="3200" dirty="0" err="1"/>
-              <a:t>v.resize</a:t>
+              <a:t>v.</a:t>
+            </a:r>
+            <a:r>
+              <a:rPr kumimoji="1" lang="en-US" altLang="ja-JP" sz="3200" dirty="0" err="1">
+                <a:solidFill>
+                  <a:srgbClr val="00B0F0"/>
+                </a:solidFill>
+              </a:rPr>
+              <a:t>resize</a:t>
+            </a:r>
+            <a:r>
+              <a:rPr kumimoji="1" lang="en-US" altLang="ja-JP" sz="3200" dirty="0">
+                <a:solidFill>
+                  <a:srgbClr val="00B0F0"/>
+                </a:solidFill>
+              </a:rPr>
+              <a:t>(2)</a:t>
             </a:r>
             <a:r>
               <a:rPr kumimoji="1" lang="en-US" altLang="ja-JP" sz="3200" dirty="0"/>
-              <a:t>(2);	</a:t>
+              <a:t>;	</a:t>
             </a:r>
             <a:r>
               <a:rPr kumimoji="1" lang="en-US" altLang="ja-JP" sz="3200" dirty="0">

--- a/授業資料/講義資料：Vectorクラス.pptx
+++ b/授業資料/講義資料：Vectorクラス.pptx
@@ -275,7 +275,7 @@
           <a:p>
             <a:fld id="{5B96D3F8-CD2E-4A0D-AC38-517181EABB18}" type="datetimeFigureOut">
               <a:rPr kumimoji="1" lang="ja-JP" altLang="en-US" smtClean="0"/>
-              <a:t>2024/10/11</a:t>
+              <a:t>2024/10/15</a:t>
             </a:fld>
             <a:endParaRPr kumimoji="1" lang="ja-JP" altLang="en-US"/>
           </a:p>
@@ -477,7 +477,7 @@
           <a:p>
             <a:fld id="{5B96D3F8-CD2E-4A0D-AC38-517181EABB18}" type="datetimeFigureOut">
               <a:rPr kumimoji="1" lang="ja-JP" altLang="en-US" smtClean="0"/>
-              <a:t>2024/10/11</a:t>
+              <a:t>2024/10/15</a:t>
             </a:fld>
             <a:endParaRPr kumimoji="1" lang="ja-JP" altLang="en-US"/>
           </a:p>
@@ -689,7 +689,7 @@
           <a:p>
             <a:fld id="{5B96D3F8-CD2E-4A0D-AC38-517181EABB18}" type="datetimeFigureOut">
               <a:rPr kumimoji="1" lang="ja-JP" altLang="en-US" smtClean="0"/>
-              <a:t>2024/10/11</a:t>
+              <a:t>2024/10/15</a:t>
             </a:fld>
             <a:endParaRPr kumimoji="1" lang="ja-JP" altLang="en-US"/>
           </a:p>
@@ -891,7 +891,7 @@
           <a:p>
             <a:fld id="{5B96D3F8-CD2E-4A0D-AC38-517181EABB18}" type="datetimeFigureOut">
               <a:rPr kumimoji="1" lang="ja-JP" altLang="en-US" smtClean="0"/>
-              <a:t>2024/10/11</a:t>
+              <a:t>2024/10/15</a:t>
             </a:fld>
             <a:endParaRPr kumimoji="1" lang="ja-JP" altLang="en-US"/>
           </a:p>
@@ -1137,7 +1137,7 @@
           <a:p>
             <a:fld id="{5B96D3F8-CD2E-4A0D-AC38-517181EABB18}" type="datetimeFigureOut">
               <a:rPr kumimoji="1" lang="ja-JP" altLang="en-US" smtClean="0"/>
-              <a:t>2024/10/11</a:t>
+              <a:t>2024/10/15</a:t>
             </a:fld>
             <a:endParaRPr kumimoji="1" lang="ja-JP" altLang="en-US"/>
           </a:p>
@@ -1433,7 +1433,7 @@
           <a:p>
             <a:fld id="{5B96D3F8-CD2E-4A0D-AC38-517181EABB18}" type="datetimeFigureOut">
               <a:rPr kumimoji="1" lang="ja-JP" altLang="en-US" smtClean="0"/>
-              <a:t>2024/10/11</a:t>
+              <a:t>2024/10/15</a:t>
             </a:fld>
             <a:endParaRPr kumimoji="1" lang="ja-JP" altLang="en-US"/>
           </a:p>
@@ -1864,7 +1864,7 @@
           <a:p>
             <a:fld id="{5B96D3F8-CD2E-4A0D-AC38-517181EABB18}" type="datetimeFigureOut">
               <a:rPr kumimoji="1" lang="ja-JP" altLang="en-US" smtClean="0"/>
-              <a:t>2024/10/11</a:t>
+              <a:t>2024/10/15</a:t>
             </a:fld>
             <a:endParaRPr kumimoji="1" lang="ja-JP" altLang="en-US"/>
           </a:p>
@@ -1982,7 +1982,7 @@
           <a:p>
             <a:fld id="{5B96D3F8-CD2E-4A0D-AC38-517181EABB18}" type="datetimeFigureOut">
               <a:rPr kumimoji="1" lang="ja-JP" altLang="en-US" smtClean="0"/>
-              <a:t>2024/10/11</a:t>
+              <a:t>2024/10/15</a:t>
             </a:fld>
             <a:endParaRPr kumimoji="1" lang="ja-JP" altLang="en-US"/>
           </a:p>
@@ -2077,7 +2077,7 @@
           <a:p>
             <a:fld id="{5B96D3F8-CD2E-4A0D-AC38-517181EABB18}" type="datetimeFigureOut">
               <a:rPr kumimoji="1" lang="ja-JP" altLang="en-US" smtClean="0"/>
-              <a:t>2024/10/11</a:t>
+              <a:t>2024/10/15</a:t>
             </a:fld>
             <a:endParaRPr kumimoji="1" lang="ja-JP" altLang="en-US"/>
           </a:p>
@@ -2386,7 +2386,7 @@
           <a:p>
             <a:fld id="{5B96D3F8-CD2E-4A0D-AC38-517181EABB18}" type="datetimeFigureOut">
               <a:rPr kumimoji="1" lang="ja-JP" altLang="en-US" smtClean="0"/>
-              <a:t>2024/10/11</a:t>
+              <a:t>2024/10/15</a:t>
             </a:fld>
             <a:endParaRPr kumimoji="1" lang="ja-JP" altLang="en-US"/>
           </a:p>
@@ -2643,7 +2643,7 @@
           <a:p>
             <a:fld id="{5B96D3F8-CD2E-4A0D-AC38-517181EABB18}" type="datetimeFigureOut">
               <a:rPr kumimoji="1" lang="ja-JP" altLang="en-US" smtClean="0"/>
-              <a:t>2024/10/11</a:t>
+              <a:t>2024/10/15</a:t>
             </a:fld>
             <a:endParaRPr kumimoji="1" lang="ja-JP" altLang="en-US"/>
           </a:p>
@@ -2888,7 +2888,7 @@
           <a:p>
             <a:fld id="{5B96D3F8-CD2E-4A0D-AC38-517181EABB18}" type="datetimeFigureOut">
               <a:rPr kumimoji="1" lang="ja-JP" altLang="en-US" smtClean="0"/>
-              <a:t>2024/10/11</a:t>
+              <a:t>2024/10/15</a:t>
             </a:fld>
             <a:endParaRPr kumimoji="1" lang="ja-JP" altLang="en-US"/>
           </a:p>
@@ -18029,7 +18029,7 @@
             </a:br>
             <a:r>
               <a:rPr lang="ja-JP" altLang="en-US" dirty="0"/>
-              <a:t>というように不揃いになるため注意する</a:t>
+              <a:t>というように不揃いに可能性があるため注意</a:t>
             </a:r>
             <a:endParaRPr lang="en-US" altLang="ja-JP" dirty="0"/>
           </a:p>

--- a/授業資料/講義資料：Vectorクラス.pptx
+++ b/授業資料/講義資料：Vectorクラス.pptx
@@ -275,7 +275,7 @@
           <a:p>
             <a:fld id="{5B96D3F8-CD2E-4A0D-AC38-517181EABB18}" type="datetimeFigureOut">
               <a:rPr kumimoji="1" lang="ja-JP" altLang="en-US" smtClean="0"/>
-              <a:t>2024/10/15</a:t>
+              <a:t>2024/10/16</a:t>
             </a:fld>
             <a:endParaRPr kumimoji="1" lang="ja-JP" altLang="en-US"/>
           </a:p>
@@ -477,7 +477,7 @@
           <a:p>
             <a:fld id="{5B96D3F8-CD2E-4A0D-AC38-517181EABB18}" type="datetimeFigureOut">
               <a:rPr kumimoji="1" lang="ja-JP" altLang="en-US" smtClean="0"/>
-              <a:t>2024/10/15</a:t>
+              <a:t>2024/10/16</a:t>
             </a:fld>
             <a:endParaRPr kumimoji="1" lang="ja-JP" altLang="en-US"/>
           </a:p>
@@ -689,7 +689,7 @@
           <a:p>
             <a:fld id="{5B96D3F8-CD2E-4A0D-AC38-517181EABB18}" type="datetimeFigureOut">
               <a:rPr kumimoji="1" lang="ja-JP" altLang="en-US" smtClean="0"/>
-              <a:t>2024/10/15</a:t>
+              <a:t>2024/10/16</a:t>
             </a:fld>
             <a:endParaRPr kumimoji="1" lang="ja-JP" altLang="en-US"/>
           </a:p>
@@ -891,7 +891,7 @@
           <a:p>
             <a:fld id="{5B96D3F8-CD2E-4A0D-AC38-517181EABB18}" type="datetimeFigureOut">
               <a:rPr kumimoji="1" lang="ja-JP" altLang="en-US" smtClean="0"/>
-              <a:t>2024/10/15</a:t>
+              <a:t>2024/10/16</a:t>
             </a:fld>
             <a:endParaRPr kumimoji="1" lang="ja-JP" altLang="en-US"/>
           </a:p>
@@ -1137,7 +1137,7 @@
           <a:p>
             <a:fld id="{5B96D3F8-CD2E-4A0D-AC38-517181EABB18}" type="datetimeFigureOut">
               <a:rPr kumimoji="1" lang="ja-JP" altLang="en-US" smtClean="0"/>
-              <a:t>2024/10/15</a:t>
+              <a:t>2024/10/16</a:t>
             </a:fld>
             <a:endParaRPr kumimoji="1" lang="ja-JP" altLang="en-US"/>
           </a:p>
@@ -1433,7 +1433,7 @@
           <a:p>
             <a:fld id="{5B96D3F8-CD2E-4A0D-AC38-517181EABB18}" type="datetimeFigureOut">
               <a:rPr kumimoji="1" lang="ja-JP" altLang="en-US" smtClean="0"/>
-              <a:t>2024/10/15</a:t>
+              <a:t>2024/10/16</a:t>
             </a:fld>
             <a:endParaRPr kumimoji="1" lang="ja-JP" altLang="en-US"/>
           </a:p>
@@ -1864,7 +1864,7 @@
           <a:p>
             <a:fld id="{5B96D3F8-CD2E-4A0D-AC38-517181EABB18}" type="datetimeFigureOut">
               <a:rPr kumimoji="1" lang="ja-JP" altLang="en-US" smtClean="0"/>
-              <a:t>2024/10/15</a:t>
+              <a:t>2024/10/16</a:t>
             </a:fld>
             <a:endParaRPr kumimoji="1" lang="ja-JP" altLang="en-US"/>
           </a:p>
@@ -1982,7 +1982,7 @@
           <a:p>
             <a:fld id="{5B96D3F8-CD2E-4A0D-AC38-517181EABB18}" type="datetimeFigureOut">
               <a:rPr kumimoji="1" lang="ja-JP" altLang="en-US" smtClean="0"/>
-              <a:t>2024/10/15</a:t>
+              <a:t>2024/10/16</a:t>
             </a:fld>
             <a:endParaRPr kumimoji="1" lang="ja-JP" altLang="en-US"/>
           </a:p>
@@ -2077,7 +2077,7 @@
           <a:p>
             <a:fld id="{5B96D3F8-CD2E-4A0D-AC38-517181EABB18}" type="datetimeFigureOut">
               <a:rPr kumimoji="1" lang="ja-JP" altLang="en-US" smtClean="0"/>
-              <a:t>2024/10/15</a:t>
+              <a:t>2024/10/16</a:t>
             </a:fld>
             <a:endParaRPr kumimoji="1" lang="ja-JP" altLang="en-US"/>
           </a:p>
@@ -2386,7 +2386,7 @@
           <a:p>
             <a:fld id="{5B96D3F8-CD2E-4A0D-AC38-517181EABB18}" type="datetimeFigureOut">
               <a:rPr kumimoji="1" lang="ja-JP" altLang="en-US" smtClean="0"/>
-              <a:t>2024/10/15</a:t>
+              <a:t>2024/10/16</a:t>
             </a:fld>
             <a:endParaRPr kumimoji="1" lang="ja-JP" altLang="en-US"/>
           </a:p>
@@ -2643,7 +2643,7 @@
           <a:p>
             <a:fld id="{5B96D3F8-CD2E-4A0D-AC38-517181EABB18}" type="datetimeFigureOut">
               <a:rPr kumimoji="1" lang="ja-JP" altLang="en-US" smtClean="0"/>
-              <a:t>2024/10/15</a:t>
+              <a:t>2024/10/16</a:t>
             </a:fld>
             <a:endParaRPr kumimoji="1" lang="ja-JP" altLang="en-US"/>
           </a:p>
@@ -2888,7 +2888,7 @@
           <a:p>
             <a:fld id="{5B96D3F8-CD2E-4A0D-AC38-517181EABB18}" type="datetimeFigureOut">
               <a:rPr kumimoji="1" lang="ja-JP" altLang="en-US" smtClean="0"/>
-              <a:t>2024/10/15</a:t>
+              <a:t>2024/10/16</a:t>
             </a:fld>
             <a:endParaRPr kumimoji="1" lang="ja-JP" altLang="en-US"/>
           </a:p>
@@ -14064,13 +14064,22 @@
               <a:t>番目）へ要素（</a:t>
             </a:r>
             <a:r>
-              <a:rPr lang="en-US" altLang="ja-JP" dirty="0">
+              <a:rPr lang="en-US" altLang="ja-JP">
                 <a:solidFill>
                   <a:srgbClr val="00B050"/>
                 </a:solidFill>
                 <a:latin typeface="+mn-ea"/>
               </a:rPr>
-              <a:t>11</a:t>
+              <a:t>20</a:t>
+            </a:r>
+            <a:r>
+              <a:rPr lang="ja-JP" altLang="en-US">
+                <a:solidFill>
+                  <a:srgbClr val="00B050"/>
+                </a:solidFill>
+                <a:latin typeface="+mn-ea"/>
+              </a:rPr>
+              <a:t>）</a:t>
             </a:r>
             <a:r>
               <a:rPr lang="ja-JP" altLang="en-US" dirty="0">
@@ -14079,7 +14088,7 @@
                 </a:solidFill>
                 <a:latin typeface="+mn-ea"/>
               </a:rPr>
-              <a:t>）を追加</a:t>
+              <a:t>を追加</a:t>
             </a:r>
             <a:br>
               <a:rPr lang="en-US" altLang="ja-JP" dirty="0">

--- a/授業資料/講義資料：Vectorクラス.pptx
+++ b/授業資料/講義資料：Vectorクラス.pptx
@@ -34,10 +34,11 @@
     <p:sldId id="367" r:id="rId28"/>
     <p:sldId id="373" r:id="rId29"/>
     <p:sldId id="378" r:id="rId30"/>
-    <p:sldId id="379" r:id="rId31"/>
-    <p:sldId id="380" r:id="rId32"/>
-    <p:sldId id="381" r:id="rId33"/>
-    <p:sldId id="374" r:id="rId34"/>
+    <p:sldId id="382" r:id="rId31"/>
+    <p:sldId id="379" r:id="rId32"/>
+    <p:sldId id="380" r:id="rId33"/>
+    <p:sldId id="381" r:id="rId34"/>
+    <p:sldId id="374" r:id="rId35"/>
   </p:sldIdLst>
   <p:sldSz cx="12192000" cy="6858000"/>
   <p:notesSz cx="6858000" cy="9144000"/>
@@ -275,7 +276,7 @@
           <a:p>
             <a:fld id="{5B96D3F8-CD2E-4A0D-AC38-517181EABB18}" type="datetimeFigureOut">
               <a:rPr kumimoji="1" lang="ja-JP" altLang="en-US" smtClean="0"/>
-              <a:t>2024/10/16</a:t>
+              <a:t>2024/10/21</a:t>
             </a:fld>
             <a:endParaRPr kumimoji="1" lang="ja-JP" altLang="en-US"/>
           </a:p>
@@ -477,7 +478,7 @@
           <a:p>
             <a:fld id="{5B96D3F8-CD2E-4A0D-AC38-517181EABB18}" type="datetimeFigureOut">
               <a:rPr kumimoji="1" lang="ja-JP" altLang="en-US" smtClean="0"/>
-              <a:t>2024/10/16</a:t>
+              <a:t>2024/10/21</a:t>
             </a:fld>
             <a:endParaRPr kumimoji="1" lang="ja-JP" altLang="en-US"/>
           </a:p>
@@ -689,7 +690,7 @@
           <a:p>
             <a:fld id="{5B96D3F8-CD2E-4A0D-AC38-517181EABB18}" type="datetimeFigureOut">
               <a:rPr kumimoji="1" lang="ja-JP" altLang="en-US" smtClean="0"/>
-              <a:t>2024/10/16</a:t>
+              <a:t>2024/10/21</a:t>
             </a:fld>
             <a:endParaRPr kumimoji="1" lang="ja-JP" altLang="en-US"/>
           </a:p>
@@ -891,7 +892,7 @@
           <a:p>
             <a:fld id="{5B96D3F8-CD2E-4A0D-AC38-517181EABB18}" type="datetimeFigureOut">
               <a:rPr kumimoji="1" lang="ja-JP" altLang="en-US" smtClean="0"/>
-              <a:t>2024/10/16</a:t>
+              <a:t>2024/10/21</a:t>
             </a:fld>
             <a:endParaRPr kumimoji="1" lang="ja-JP" altLang="en-US"/>
           </a:p>
@@ -1137,7 +1138,7 @@
           <a:p>
             <a:fld id="{5B96D3F8-CD2E-4A0D-AC38-517181EABB18}" type="datetimeFigureOut">
               <a:rPr kumimoji="1" lang="ja-JP" altLang="en-US" smtClean="0"/>
-              <a:t>2024/10/16</a:t>
+              <a:t>2024/10/21</a:t>
             </a:fld>
             <a:endParaRPr kumimoji="1" lang="ja-JP" altLang="en-US"/>
           </a:p>
@@ -1433,7 +1434,7 @@
           <a:p>
             <a:fld id="{5B96D3F8-CD2E-4A0D-AC38-517181EABB18}" type="datetimeFigureOut">
               <a:rPr kumimoji="1" lang="ja-JP" altLang="en-US" smtClean="0"/>
-              <a:t>2024/10/16</a:t>
+              <a:t>2024/10/21</a:t>
             </a:fld>
             <a:endParaRPr kumimoji="1" lang="ja-JP" altLang="en-US"/>
           </a:p>
@@ -1864,7 +1865,7 @@
           <a:p>
             <a:fld id="{5B96D3F8-CD2E-4A0D-AC38-517181EABB18}" type="datetimeFigureOut">
               <a:rPr kumimoji="1" lang="ja-JP" altLang="en-US" smtClean="0"/>
-              <a:t>2024/10/16</a:t>
+              <a:t>2024/10/21</a:t>
             </a:fld>
             <a:endParaRPr kumimoji="1" lang="ja-JP" altLang="en-US"/>
           </a:p>
@@ -1982,7 +1983,7 @@
           <a:p>
             <a:fld id="{5B96D3F8-CD2E-4A0D-AC38-517181EABB18}" type="datetimeFigureOut">
               <a:rPr kumimoji="1" lang="ja-JP" altLang="en-US" smtClean="0"/>
-              <a:t>2024/10/16</a:t>
+              <a:t>2024/10/21</a:t>
             </a:fld>
             <a:endParaRPr kumimoji="1" lang="ja-JP" altLang="en-US"/>
           </a:p>
@@ -2077,7 +2078,7 @@
           <a:p>
             <a:fld id="{5B96D3F8-CD2E-4A0D-AC38-517181EABB18}" type="datetimeFigureOut">
               <a:rPr kumimoji="1" lang="ja-JP" altLang="en-US" smtClean="0"/>
-              <a:t>2024/10/16</a:t>
+              <a:t>2024/10/21</a:t>
             </a:fld>
             <a:endParaRPr kumimoji="1" lang="ja-JP" altLang="en-US"/>
           </a:p>
@@ -2386,7 +2387,7 @@
           <a:p>
             <a:fld id="{5B96D3F8-CD2E-4A0D-AC38-517181EABB18}" type="datetimeFigureOut">
               <a:rPr kumimoji="1" lang="ja-JP" altLang="en-US" smtClean="0"/>
-              <a:t>2024/10/16</a:t>
+              <a:t>2024/10/21</a:t>
             </a:fld>
             <a:endParaRPr kumimoji="1" lang="ja-JP" altLang="en-US"/>
           </a:p>
@@ -2643,7 +2644,7 @@
           <a:p>
             <a:fld id="{5B96D3F8-CD2E-4A0D-AC38-517181EABB18}" type="datetimeFigureOut">
               <a:rPr kumimoji="1" lang="ja-JP" altLang="en-US" smtClean="0"/>
-              <a:t>2024/10/16</a:t>
+              <a:t>2024/10/21</a:t>
             </a:fld>
             <a:endParaRPr kumimoji="1" lang="ja-JP" altLang="en-US"/>
           </a:p>
@@ -2888,7 +2889,7 @@
           <a:p>
             <a:fld id="{5B96D3F8-CD2E-4A0D-AC38-517181EABB18}" type="datetimeFigureOut">
               <a:rPr kumimoji="1" lang="ja-JP" altLang="en-US" smtClean="0"/>
-              <a:t>2024/10/16</a:t>
+              <a:t>2024/10/21</a:t>
             </a:fld>
             <a:endParaRPr kumimoji="1" lang="ja-JP" altLang="en-US"/>
           </a:p>
@@ -17147,7 +17148,7 @@
         <p:spPr>
           <a:xfrm>
             <a:off x="838200" y="1376038"/>
-            <a:ext cx="11233826" cy="4980311"/>
+            <a:ext cx="11233826" cy="5287409"/>
           </a:xfrm>
         </p:spPr>
         <p:txBody>
@@ -17179,240 +17180,2875 @@
               <a:rPr lang="ja-JP" altLang="en-US" dirty="0"/>
               <a:t>二次元配列を定義することが可能</a:t>
             </a:r>
+            <a:br>
+              <a:rPr lang="en-US" altLang="ja-JP" dirty="0"/>
+            </a:br>
+            <a:br>
+              <a:rPr lang="en-US" altLang="ja-JP" dirty="0"/>
+            </a:br>
+            <a:br>
+              <a:rPr lang="en-US" altLang="ja-JP" dirty="0"/>
+            </a:br>
+            <a:br>
+              <a:rPr lang="en-US" altLang="ja-JP" dirty="0"/>
+            </a:br>
+            <a:br>
+              <a:rPr lang="en-US" altLang="ja-JP" dirty="0"/>
+            </a:br>
+            <a:br>
+              <a:rPr lang="en-US" altLang="ja-JP" dirty="0"/>
+            </a:br>
+            <a:br>
+              <a:rPr lang="en-US" altLang="ja-JP" dirty="0"/>
+            </a:br>
+            <a:r>
+              <a:rPr lang="en-US" altLang="ja-JP" dirty="0"/>
+              <a:t>vector</a:t>
+            </a:r>
+            <a:r>
+              <a:rPr lang="ja-JP" altLang="en-US" dirty="0"/>
+              <a:t>コンテナの中に、さらに</a:t>
+            </a:r>
+            <a:r>
+              <a:rPr lang="en-US" altLang="ja-JP" dirty="0"/>
+              <a:t>vector</a:t>
+            </a:r>
+            <a:r>
+              <a:rPr lang="ja-JP" altLang="en-US" dirty="0"/>
+              <a:t>のコンテナを格納しているイメージ</a:t>
+            </a:r>
             <a:endParaRPr lang="en-US" altLang="ja-JP" dirty="0"/>
           </a:p>
-          <a:p>
-            <a:pPr lvl="1"/>
-            <a:r>
-              <a:rPr lang="ja-JP" altLang="en-US" dirty="0"/>
-              <a:t>行数と列数を定めずに</a:t>
-            </a:r>
-            <a:r>
-              <a:rPr lang="en-US" altLang="ja-JP" dirty="0"/>
-              <a:t>int</a:t>
-            </a:r>
-            <a:r>
-              <a:rPr lang="ja-JP" altLang="en-US" dirty="0"/>
-              <a:t>型の二次元配列</a:t>
-            </a:r>
-            <a:r>
-              <a:rPr lang="en-US" altLang="ja-JP" dirty="0"/>
-              <a:t>v1</a:t>
-            </a:r>
-            <a:r>
-              <a:rPr lang="ja-JP" altLang="en-US" dirty="0"/>
-              <a:t>を宣言</a:t>
-            </a:r>
-            <a:br>
-              <a:rPr lang="en-US" altLang="ja-JP" dirty="0"/>
-            </a:br>
-            <a:r>
-              <a:rPr lang="en-US" altLang="ja-JP" dirty="0">
+        </p:txBody>
+      </p:sp>
+      <p:sp>
+        <p:nvSpPr>
+          <p:cNvPr id="4" name="正方形/長方形 3">
+            <a:extLst>
+              <a:ext uri="{FF2B5EF4-FFF2-40B4-BE49-F238E27FC236}">
+                <a16:creationId xmlns:a16="http://schemas.microsoft.com/office/drawing/2014/main" id="{20F91565-3A67-6AB5-B820-BFA06C76925E}"/>
+              </a:ext>
+            </a:extLst>
+          </p:cNvPr>
+          <p:cNvSpPr/>
+          <p:nvPr/>
+        </p:nvSpPr>
+        <p:spPr>
+          <a:xfrm>
+            <a:off x="3634090" y="3552955"/>
+            <a:ext cx="1021403" cy="535022"/>
+          </a:xfrm>
+          <a:prstGeom prst="rect">
+            <a:avLst/>
+          </a:prstGeom>
+          <a:solidFill>
+            <a:srgbClr val="0070C0"/>
+          </a:solidFill>
+          <a:ln w="28575"/>
+        </p:spPr>
+        <p:style>
+          <a:lnRef idx="2">
+            <a:schemeClr val="accent1">
+              <a:shade val="15000"/>
+            </a:schemeClr>
+          </a:lnRef>
+          <a:fillRef idx="1">
+            <a:schemeClr val="accent1"/>
+          </a:fillRef>
+          <a:effectRef idx="0">
+            <a:schemeClr val="accent1"/>
+          </a:effectRef>
+          <a:fontRef idx="minor">
+            <a:schemeClr val="lt1"/>
+          </a:fontRef>
+        </p:style>
+        <p:txBody>
+          <a:bodyPr rtlCol="0" anchor="ctr"/>
+          <a:lstStyle/>
+          <a:p>
+            <a:pPr algn="ctr"/>
+            <a:r>
+              <a:rPr kumimoji="1" lang="en-US" altLang="ja-JP" sz="1600" dirty="0">
                 <a:solidFill>
                   <a:srgbClr val="0070C0"/>
                 </a:solidFill>
               </a:rPr>
-              <a:t>vector&lt;</a:t>
-            </a:r>
-            <a:r>
-              <a:rPr lang="en-US" altLang="ja-JP" dirty="0">
-                <a:solidFill>
-                  <a:srgbClr val="FF0000"/>
-                </a:solidFill>
-              </a:rPr>
-              <a:t>vector&lt;</a:t>
-            </a:r>
-            <a:r>
-              <a:rPr lang="en-US" altLang="ja-JP" dirty="0"/>
-              <a:t>int</a:t>
-            </a:r>
-            <a:r>
-              <a:rPr lang="en-US" altLang="ja-JP" dirty="0">
-                <a:solidFill>
-                  <a:srgbClr val="FF0000"/>
-                </a:solidFill>
-              </a:rPr>
-              <a:t>&gt;</a:t>
-            </a:r>
-            <a:r>
-              <a:rPr lang="en-US" altLang="ja-JP" dirty="0">
+              <a:t>[0][0]</a:t>
+            </a:r>
+            <a:endParaRPr kumimoji="1" lang="ja-JP" altLang="en-US" sz="1600" dirty="0">
+              <a:solidFill>
+                <a:srgbClr val="0070C0"/>
+              </a:solidFill>
+            </a:endParaRPr>
+          </a:p>
+        </p:txBody>
+      </p:sp>
+      <p:sp>
+        <p:nvSpPr>
+          <p:cNvPr id="5" name="正方形/長方形 4">
+            <a:extLst>
+              <a:ext uri="{FF2B5EF4-FFF2-40B4-BE49-F238E27FC236}">
+                <a16:creationId xmlns:a16="http://schemas.microsoft.com/office/drawing/2014/main" id="{4E76196D-2297-9F42-474C-171AD584AD93}"/>
+              </a:ext>
+            </a:extLst>
+          </p:cNvPr>
+          <p:cNvSpPr/>
+          <p:nvPr/>
+        </p:nvSpPr>
+        <p:spPr>
+          <a:xfrm>
+            <a:off x="4674951" y="3552955"/>
+            <a:ext cx="1021403" cy="535022"/>
+          </a:xfrm>
+          <a:prstGeom prst="rect">
+            <a:avLst/>
+          </a:prstGeom>
+          <a:solidFill>
+            <a:srgbClr val="0070C0"/>
+          </a:solidFill>
+          <a:ln w="28575"/>
+        </p:spPr>
+        <p:style>
+          <a:lnRef idx="2">
+            <a:schemeClr val="accent1">
+              <a:shade val="15000"/>
+            </a:schemeClr>
+          </a:lnRef>
+          <a:fillRef idx="1">
+            <a:schemeClr val="accent1"/>
+          </a:fillRef>
+          <a:effectRef idx="0">
+            <a:schemeClr val="accent1"/>
+          </a:effectRef>
+          <a:fontRef idx="minor">
+            <a:schemeClr val="lt1"/>
+          </a:fontRef>
+        </p:style>
+        <p:txBody>
+          <a:bodyPr rtlCol="0" anchor="ctr"/>
+          <a:lstStyle/>
+          <a:p>
+            <a:pPr algn="ctr"/>
+            <a:r>
+              <a:rPr kumimoji="1" lang="en-US" altLang="ja-JP" sz="1600" dirty="0">
                 <a:solidFill>
                   <a:srgbClr val="0070C0"/>
                 </a:solidFill>
               </a:rPr>
-              <a:t>&gt;</a:t>
-            </a:r>
-            <a:r>
-              <a:rPr lang="en-US" altLang="ja-JP" dirty="0"/>
-              <a:t> v1</a:t>
-            </a:r>
-            <a:br>
-              <a:rPr lang="en-US" altLang="ja-JP" dirty="0"/>
-            </a:br>
-            <a:endParaRPr lang="en-US" altLang="ja-JP" dirty="0"/>
-          </a:p>
-          <a:p>
-            <a:pPr lvl="1"/>
-            <a:r>
-              <a:rPr lang="en-US" altLang="ja-JP" dirty="0"/>
-              <a:t>2</a:t>
-            </a:r>
-            <a:r>
-              <a:rPr lang="ja-JP" altLang="en-US" dirty="0"/>
-              <a:t>行</a:t>
-            </a:r>
-            <a:r>
-              <a:rPr lang="en-US" altLang="ja-JP" dirty="0"/>
-              <a:t>2</a:t>
-            </a:r>
-            <a:r>
-              <a:rPr lang="ja-JP" altLang="en-US" dirty="0"/>
-              <a:t>列の</a:t>
-            </a:r>
-            <a:r>
-              <a:rPr lang="en-US" altLang="ja-JP" dirty="0"/>
-              <a:t>int</a:t>
-            </a:r>
-            <a:r>
-              <a:rPr lang="ja-JP" altLang="en-US" dirty="0"/>
-              <a:t>型の二次元配列</a:t>
-            </a:r>
-            <a:r>
-              <a:rPr lang="en-US" altLang="ja-JP" dirty="0"/>
-              <a:t>v2</a:t>
-            </a:r>
-            <a:r>
-              <a:rPr lang="ja-JP" altLang="en-US" dirty="0"/>
-              <a:t>を宣言</a:t>
-            </a:r>
-            <a:br>
-              <a:rPr lang="en-US" altLang="ja-JP" dirty="0"/>
-            </a:br>
-            <a:r>
-              <a:rPr lang="en-US" altLang="ja-JP" dirty="0">
+              <a:t>[0][1]</a:t>
+            </a:r>
+            <a:endParaRPr kumimoji="1" lang="ja-JP" altLang="en-US" sz="1600" dirty="0">
+              <a:solidFill>
+                <a:srgbClr val="0070C0"/>
+              </a:solidFill>
+            </a:endParaRPr>
+          </a:p>
+        </p:txBody>
+      </p:sp>
+      <p:sp>
+        <p:nvSpPr>
+          <p:cNvPr id="6" name="正方形/長方形 5">
+            <a:extLst>
+              <a:ext uri="{FF2B5EF4-FFF2-40B4-BE49-F238E27FC236}">
+                <a16:creationId xmlns:a16="http://schemas.microsoft.com/office/drawing/2014/main" id="{20F39F8A-B3B3-3BF4-A052-4A3448362EA0}"/>
+              </a:ext>
+            </a:extLst>
+          </p:cNvPr>
+          <p:cNvSpPr/>
+          <p:nvPr/>
+        </p:nvSpPr>
+        <p:spPr>
+          <a:xfrm>
+            <a:off x="3634090" y="4112721"/>
+            <a:ext cx="1021403" cy="535022"/>
+          </a:xfrm>
+          <a:prstGeom prst="rect">
+            <a:avLst/>
+          </a:prstGeom>
+          <a:solidFill>
+            <a:srgbClr val="0070C0"/>
+          </a:solidFill>
+          <a:ln w="28575"/>
+        </p:spPr>
+        <p:style>
+          <a:lnRef idx="2">
+            <a:schemeClr val="accent1">
+              <a:shade val="15000"/>
+            </a:schemeClr>
+          </a:lnRef>
+          <a:fillRef idx="1">
+            <a:schemeClr val="accent1"/>
+          </a:fillRef>
+          <a:effectRef idx="0">
+            <a:schemeClr val="accent1"/>
+          </a:effectRef>
+          <a:fontRef idx="minor">
+            <a:schemeClr val="lt1"/>
+          </a:fontRef>
+        </p:style>
+        <p:txBody>
+          <a:bodyPr rtlCol="0" anchor="ctr"/>
+          <a:lstStyle/>
+          <a:p>
+            <a:pPr algn="ctr"/>
+            <a:r>
+              <a:rPr kumimoji="1" lang="en-US" altLang="ja-JP" sz="1600" dirty="0">
                 <a:solidFill>
                   <a:srgbClr val="0070C0"/>
                 </a:solidFill>
               </a:rPr>
-              <a:t>vector&lt;</a:t>
-            </a:r>
-            <a:r>
-              <a:rPr lang="en-US" altLang="ja-JP" dirty="0">
-                <a:solidFill>
-                  <a:srgbClr val="FF0000"/>
-                </a:solidFill>
-              </a:rPr>
-              <a:t>vector&lt;</a:t>
-            </a:r>
-            <a:r>
-              <a:rPr lang="en-US" altLang="ja-JP" dirty="0"/>
-              <a:t>int</a:t>
-            </a:r>
-            <a:r>
-              <a:rPr lang="en-US" altLang="ja-JP" dirty="0">
-                <a:solidFill>
-                  <a:srgbClr val="FF0000"/>
-                </a:solidFill>
-              </a:rPr>
-              <a:t>&gt;</a:t>
-            </a:r>
-            <a:r>
-              <a:rPr lang="en-US" altLang="ja-JP" dirty="0">
+              <a:t>[1][0]</a:t>
+            </a:r>
+            <a:endParaRPr kumimoji="1" lang="ja-JP" altLang="en-US" sz="1600" dirty="0">
+              <a:solidFill>
+                <a:srgbClr val="0070C0"/>
+              </a:solidFill>
+            </a:endParaRPr>
+          </a:p>
+        </p:txBody>
+      </p:sp>
+      <p:sp>
+        <p:nvSpPr>
+          <p:cNvPr id="7" name="正方形/長方形 6">
+            <a:extLst>
+              <a:ext uri="{FF2B5EF4-FFF2-40B4-BE49-F238E27FC236}">
+                <a16:creationId xmlns:a16="http://schemas.microsoft.com/office/drawing/2014/main" id="{BFFFB625-6DBE-DA25-07E9-388EEEE0AC79}"/>
+              </a:ext>
+            </a:extLst>
+          </p:cNvPr>
+          <p:cNvSpPr/>
+          <p:nvPr/>
+        </p:nvSpPr>
+        <p:spPr>
+          <a:xfrm>
+            <a:off x="4674951" y="4112721"/>
+            <a:ext cx="1021403" cy="535022"/>
+          </a:xfrm>
+          <a:prstGeom prst="rect">
+            <a:avLst/>
+          </a:prstGeom>
+          <a:solidFill>
+            <a:srgbClr val="0070C0"/>
+          </a:solidFill>
+          <a:ln w="28575"/>
+        </p:spPr>
+        <p:style>
+          <a:lnRef idx="2">
+            <a:schemeClr val="accent1">
+              <a:shade val="15000"/>
+            </a:schemeClr>
+          </a:lnRef>
+          <a:fillRef idx="1">
+            <a:schemeClr val="accent1"/>
+          </a:fillRef>
+          <a:effectRef idx="0">
+            <a:schemeClr val="accent1"/>
+          </a:effectRef>
+          <a:fontRef idx="minor">
+            <a:schemeClr val="lt1"/>
+          </a:fontRef>
+        </p:style>
+        <p:txBody>
+          <a:bodyPr rtlCol="0" anchor="ctr"/>
+          <a:lstStyle/>
+          <a:p>
+            <a:pPr algn="ctr"/>
+            <a:r>
+              <a:rPr kumimoji="1" lang="en-US" altLang="ja-JP" sz="1600" dirty="0">
                 <a:solidFill>
                   <a:srgbClr val="0070C0"/>
                 </a:solidFill>
               </a:rPr>
-              <a:t>&gt;</a:t>
-            </a:r>
-            <a:r>
-              <a:rPr lang="en-US" altLang="ja-JP" dirty="0"/>
-              <a:t> v2(2,vector&lt;int&gt;(2))</a:t>
-            </a:r>
-            <a:br>
-              <a:rPr lang="en-US" altLang="ja-JP" dirty="0"/>
-            </a:br>
-            <a:endParaRPr lang="en-US" altLang="ja-JP" dirty="0"/>
-          </a:p>
-          <a:p>
-            <a:pPr lvl="1"/>
-            <a:r>
-              <a:rPr lang="en-US" altLang="ja-JP" dirty="0"/>
-              <a:t>2</a:t>
-            </a:r>
-            <a:r>
-              <a:rPr lang="ja-JP" altLang="en-US" dirty="0"/>
-              <a:t>行</a:t>
-            </a:r>
-            <a:r>
-              <a:rPr lang="en-US" altLang="ja-JP" dirty="0"/>
-              <a:t>2</a:t>
-            </a:r>
-            <a:r>
-              <a:rPr lang="ja-JP" altLang="en-US" dirty="0"/>
-              <a:t>列の</a:t>
-            </a:r>
-            <a:r>
-              <a:rPr lang="en-US" altLang="ja-JP" dirty="0"/>
-              <a:t>int</a:t>
-            </a:r>
-            <a:r>
-              <a:rPr lang="ja-JP" altLang="en-US" dirty="0"/>
-              <a:t>型の初期値ありの二次元配列</a:t>
-            </a:r>
-            <a:r>
-              <a:rPr lang="en-US" altLang="ja-JP" dirty="0"/>
-              <a:t>v3</a:t>
-            </a:r>
-            <a:r>
-              <a:rPr lang="ja-JP" altLang="en-US" dirty="0"/>
-              <a:t>を宣言</a:t>
-            </a:r>
-            <a:br>
-              <a:rPr lang="en-US" altLang="ja-JP" dirty="0"/>
-            </a:br>
-            <a:r>
-              <a:rPr lang="en-US" altLang="ja-JP" dirty="0">
+              <a:t>[1][1]</a:t>
+            </a:r>
+            <a:endParaRPr kumimoji="1" lang="ja-JP" altLang="en-US" sz="1600" dirty="0">
+              <a:solidFill>
+                <a:srgbClr val="0070C0"/>
+              </a:solidFill>
+            </a:endParaRPr>
+          </a:p>
+        </p:txBody>
+      </p:sp>
+      <p:sp>
+        <p:nvSpPr>
+          <p:cNvPr id="8" name="正方形/長方形 7">
+            <a:extLst>
+              <a:ext uri="{FF2B5EF4-FFF2-40B4-BE49-F238E27FC236}">
+                <a16:creationId xmlns:a16="http://schemas.microsoft.com/office/drawing/2014/main" id="{D3210415-133B-B114-4077-4136AD657B97}"/>
+              </a:ext>
+            </a:extLst>
+          </p:cNvPr>
+          <p:cNvSpPr/>
+          <p:nvPr/>
+        </p:nvSpPr>
+        <p:spPr>
+          <a:xfrm>
+            <a:off x="5725540" y="4112721"/>
+            <a:ext cx="1021403" cy="535022"/>
+          </a:xfrm>
+          <a:prstGeom prst="rect">
+            <a:avLst/>
+          </a:prstGeom>
+          <a:solidFill>
+            <a:srgbClr val="0070C0"/>
+          </a:solidFill>
+          <a:ln w="28575"/>
+        </p:spPr>
+        <p:style>
+          <a:lnRef idx="2">
+            <a:schemeClr val="accent1">
+              <a:shade val="15000"/>
+            </a:schemeClr>
+          </a:lnRef>
+          <a:fillRef idx="1">
+            <a:schemeClr val="accent1"/>
+          </a:fillRef>
+          <a:effectRef idx="0">
+            <a:schemeClr val="accent1"/>
+          </a:effectRef>
+          <a:fontRef idx="minor">
+            <a:schemeClr val="lt1"/>
+          </a:fontRef>
+        </p:style>
+        <p:txBody>
+          <a:bodyPr rtlCol="0" anchor="ctr"/>
+          <a:lstStyle/>
+          <a:p>
+            <a:pPr algn="ctr"/>
+            <a:r>
+              <a:rPr kumimoji="1" lang="en-US" altLang="ja-JP" sz="1600" dirty="0">
                 <a:solidFill>
                   <a:srgbClr val="0070C0"/>
                 </a:solidFill>
               </a:rPr>
-              <a:t>vector&lt;</a:t>
-            </a:r>
-            <a:r>
-              <a:rPr lang="en-US" altLang="ja-JP" dirty="0">
-                <a:solidFill>
-                  <a:srgbClr val="FF0000"/>
-                </a:solidFill>
-              </a:rPr>
-              <a:t>vector&lt;</a:t>
-            </a:r>
-            <a:r>
-              <a:rPr lang="en-US" altLang="ja-JP" dirty="0"/>
-              <a:t>int</a:t>
-            </a:r>
-            <a:r>
-              <a:rPr lang="en-US" altLang="ja-JP" dirty="0">
-                <a:solidFill>
-                  <a:srgbClr val="FF0000"/>
-                </a:solidFill>
-              </a:rPr>
-              <a:t>&gt;</a:t>
-            </a:r>
-            <a:r>
-              <a:rPr lang="en-US" altLang="ja-JP" dirty="0">
+              <a:t>[1][2]</a:t>
+            </a:r>
+            <a:endParaRPr kumimoji="1" lang="ja-JP" altLang="en-US" sz="1600" dirty="0">
+              <a:solidFill>
+                <a:srgbClr val="0070C0"/>
+              </a:solidFill>
+            </a:endParaRPr>
+          </a:p>
+        </p:txBody>
+      </p:sp>
+      <p:sp>
+        <p:nvSpPr>
+          <p:cNvPr id="9" name="正方形/長方形 8">
+            <a:extLst>
+              <a:ext uri="{FF2B5EF4-FFF2-40B4-BE49-F238E27FC236}">
+                <a16:creationId xmlns:a16="http://schemas.microsoft.com/office/drawing/2014/main" id="{3029CFF4-0691-7040-5378-EF6868DEF30A}"/>
+              </a:ext>
+            </a:extLst>
+          </p:cNvPr>
+          <p:cNvSpPr/>
+          <p:nvPr/>
+        </p:nvSpPr>
+        <p:spPr>
+          <a:xfrm>
+            <a:off x="3634090" y="4672487"/>
+            <a:ext cx="1021403" cy="535022"/>
+          </a:xfrm>
+          <a:prstGeom prst="rect">
+            <a:avLst/>
+          </a:prstGeom>
+          <a:solidFill>
+            <a:srgbClr val="0070C0"/>
+          </a:solidFill>
+          <a:ln w="28575"/>
+        </p:spPr>
+        <p:style>
+          <a:lnRef idx="2">
+            <a:schemeClr val="accent1">
+              <a:shade val="15000"/>
+            </a:schemeClr>
+          </a:lnRef>
+          <a:fillRef idx="1">
+            <a:schemeClr val="accent1"/>
+          </a:fillRef>
+          <a:effectRef idx="0">
+            <a:schemeClr val="accent1"/>
+          </a:effectRef>
+          <a:fontRef idx="minor">
+            <a:schemeClr val="lt1"/>
+          </a:fontRef>
+        </p:style>
+        <p:txBody>
+          <a:bodyPr rtlCol="0" anchor="ctr"/>
+          <a:lstStyle/>
+          <a:p>
+            <a:pPr algn="ctr"/>
+            <a:r>
+              <a:rPr kumimoji="1" lang="en-US" altLang="ja-JP" sz="1600" dirty="0">
                 <a:solidFill>
                   <a:srgbClr val="0070C0"/>
                 </a:solidFill>
               </a:rPr>
-              <a:t>&gt;</a:t>
-            </a:r>
-            <a:r>
-              <a:rPr lang="en-US" altLang="ja-JP" dirty="0"/>
-              <a:t> v3{ {1,2}, {3,4} }</a:t>
-            </a:r>
-          </a:p>
-        </p:txBody>
-      </p:sp>
+              <a:t>[2][0]</a:t>
+            </a:r>
+            <a:endParaRPr kumimoji="1" lang="ja-JP" altLang="en-US" sz="1600" dirty="0">
+              <a:solidFill>
+                <a:srgbClr val="0070C0"/>
+              </a:solidFill>
+            </a:endParaRPr>
+          </a:p>
+        </p:txBody>
+      </p:sp>
+      <p:sp>
+        <p:nvSpPr>
+          <p:cNvPr id="10" name="正方形/長方形 9">
+            <a:extLst>
+              <a:ext uri="{FF2B5EF4-FFF2-40B4-BE49-F238E27FC236}">
+                <a16:creationId xmlns:a16="http://schemas.microsoft.com/office/drawing/2014/main" id="{E3D06EDB-A412-8603-F5CD-56C981D69D12}"/>
+              </a:ext>
+            </a:extLst>
+          </p:cNvPr>
+          <p:cNvSpPr/>
+          <p:nvPr/>
+        </p:nvSpPr>
+        <p:spPr>
+          <a:xfrm>
+            <a:off x="6150486" y="2547155"/>
+            <a:ext cx="590780" cy="535022"/>
+          </a:xfrm>
+          <a:prstGeom prst="rect">
+            <a:avLst/>
+          </a:prstGeom>
+          <a:solidFill>
+            <a:srgbClr val="92D050"/>
+          </a:solidFill>
+          <a:ln w="28575"/>
+        </p:spPr>
+        <p:style>
+          <a:lnRef idx="2">
+            <a:schemeClr val="accent1">
+              <a:shade val="15000"/>
+            </a:schemeClr>
+          </a:lnRef>
+          <a:fillRef idx="1">
+            <a:schemeClr val="accent1"/>
+          </a:fillRef>
+          <a:effectRef idx="0">
+            <a:schemeClr val="accent1"/>
+          </a:effectRef>
+          <a:fontRef idx="minor">
+            <a:schemeClr val="lt1"/>
+          </a:fontRef>
+        </p:style>
+        <p:txBody>
+          <a:bodyPr rtlCol="0" anchor="ctr"/>
+          <a:lstStyle/>
+          <a:p>
+            <a:pPr algn="ctr"/>
+            <a:r>
+              <a:rPr kumimoji="1" lang="en-US" altLang="ja-JP" sz="1600" dirty="0">
+                <a:solidFill>
+                  <a:srgbClr val="92D050"/>
+                </a:solidFill>
+              </a:rPr>
+              <a:t>[3][0]</a:t>
+            </a:r>
+            <a:endParaRPr kumimoji="1" lang="ja-JP" altLang="en-US" sz="1600" dirty="0">
+              <a:solidFill>
+                <a:srgbClr val="92D050"/>
+              </a:solidFill>
+            </a:endParaRPr>
+          </a:p>
+        </p:txBody>
+      </p:sp>
+      <p:sp>
+        <p:nvSpPr>
+          <p:cNvPr id="11" name="正方形/長方形 10">
+            <a:extLst>
+              <a:ext uri="{FF2B5EF4-FFF2-40B4-BE49-F238E27FC236}">
+                <a16:creationId xmlns:a16="http://schemas.microsoft.com/office/drawing/2014/main" id="{28DCB8A7-7BB5-6D02-3963-FF7FDB3642B9}"/>
+              </a:ext>
+            </a:extLst>
+          </p:cNvPr>
+          <p:cNvSpPr/>
+          <p:nvPr/>
+        </p:nvSpPr>
+        <p:spPr>
+          <a:xfrm>
+            <a:off x="6743875" y="2547155"/>
+            <a:ext cx="590780" cy="535022"/>
+          </a:xfrm>
+          <a:prstGeom prst="rect">
+            <a:avLst/>
+          </a:prstGeom>
+          <a:solidFill>
+            <a:srgbClr val="92D050"/>
+          </a:solidFill>
+          <a:ln w="28575"/>
+        </p:spPr>
+        <p:style>
+          <a:lnRef idx="2">
+            <a:schemeClr val="accent1">
+              <a:shade val="15000"/>
+            </a:schemeClr>
+          </a:lnRef>
+          <a:fillRef idx="1">
+            <a:schemeClr val="accent1"/>
+          </a:fillRef>
+          <a:effectRef idx="0">
+            <a:schemeClr val="accent1"/>
+          </a:effectRef>
+          <a:fontRef idx="minor">
+            <a:schemeClr val="lt1"/>
+          </a:fontRef>
+        </p:style>
+        <p:txBody>
+          <a:bodyPr rtlCol="0" anchor="ctr"/>
+          <a:lstStyle/>
+          <a:p>
+            <a:pPr algn="ctr"/>
+            <a:r>
+              <a:rPr kumimoji="1" lang="en-US" altLang="ja-JP" sz="1600" dirty="0">
+                <a:solidFill>
+                  <a:srgbClr val="92D050"/>
+                </a:solidFill>
+              </a:rPr>
+              <a:t>[3][1]</a:t>
+            </a:r>
+            <a:endParaRPr kumimoji="1" lang="ja-JP" altLang="en-US" sz="1600" dirty="0">
+              <a:solidFill>
+                <a:srgbClr val="92D050"/>
+              </a:solidFill>
+            </a:endParaRPr>
+          </a:p>
+        </p:txBody>
+      </p:sp>
+      <p:sp>
+        <p:nvSpPr>
+          <p:cNvPr id="12" name="正方形/長方形 11">
+            <a:extLst>
+              <a:ext uri="{FF2B5EF4-FFF2-40B4-BE49-F238E27FC236}">
+                <a16:creationId xmlns:a16="http://schemas.microsoft.com/office/drawing/2014/main" id="{A3734C8C-9CCE-33B7-7170-A4126E39D2BE}"/>
+              </a:ext>
+            </a:extLst>
+          </p:cNvPr>
+          <p:cNvSpPr/>
+          <p:nvPr/>
+        </p:nvSpPr>
+        <p:spPr>
+          <a:xfrm>
+            <a:off x="7337260" y="2547155"/>
+            <a:ext cx="590780" cy="535022"/>
+          </a:xfrm>
+          <a:prstGeom prst="rect">
+            <a:avLst/>
+          </a:prstGeom>
+          <a:solidFill>
+            <a:srgbClr val="92D050"/>
+          </a:solidFill>
+          <a:ln w="28575"/>
+        </p:spPr>
+        <p:style>
+          <a:lnRef idx="2">
+            <a:schemeClr val="accent1">
+              <a:shade val="15000"/>
+            </a:schemeClr>
+          </a:lnRef>
+          <a:fillRef idx="1">
+            <a:schemeClr val="accent1"/>
+          </a:fillRef>
+          <a:effectRef idx="0">
+            <a:schemeClr val="accent1"/>
+          </a:effectRef>
+          <a:fontRef idx="minor">
+            <a:schemeClr val="lt1"/>
+          </a:fontRef>
+        </p:style>
+        <p:txBody>
+          <a:bodyPr rtlCol="0" anchor="ctr"/>
+          <a:lstStyle/>
+          <a:p>
+            <a:pPr algn="ctr"/>
+            <a:r>
+              <a:rPr kumimoji="1" lang="en-US" altLang="ja-JP" sz="1600" dirty="0">
+                <a:solidFill>
+                  <a:srgbClr val="92D050"/>
+                </a:solidFill>
+              </a:rPr>
+              <a:t>[3][2]</a:t>
+            </a:r>
+            <a:endParaRPr kumimoji="1" lang="ja-JP" altLang="en-US" sz="1600" dirty="0">
+              <a:solidFill>
+                <a:srgbClr val="92D050"/>
+              </a:solidFill>
+            </a:endParaRPr>
+          </a:p>
+        </p:txBody>
+      </p:sp>
+      <p:sp>
+        <p:nvSpPr>
+          <p:cNvPr id="13" name="正方形/長方形 12">
+            <a:extLst>
+              <a:ext uri="{FF2B5EF4-FFF2-40B4-BE49-F238E27FC236}">
+                <a16:creationId xmlns:a16="http://schemas.microsoft.com/office/drawing/2014/main" id="{A5A00C29-80D6-E7B3-3963-5973CB61E611}"/>
+              </a:ext>
+            </a:extLst>
+          </p:cNvPr>
+          <p:cNvSpPr/>
+          <p:nvPr/>
+        </p:nvSpPr>
+        <p:spPr>
+          <a:xfrm>
+            <a:off x="7930649" y="2547155"/>
+            <a:ext cx="590780" cy="535022"/>
+          </a:xfrm>
+          <a:prstGeom prst="rect">
+            <a:avLst/>
+          </a:prstGeom>
+          <a:solidFill>
+            <a:srgbClr val="92D050"/>
+          </a:solidFill>
+          <a:ln w="28575"/>
+        </p:spPr>
+        <p:style>
+          <a:lnRef idx="2">
+            <a:schemeClr val="accent1">
+              <a:shade val="15000"/>
+            </a:schemeClr>
+          </a:lnRef>
+          <a:fillRef idx="1">
+            <a:schemeClr val="accent1"/>
+          </a:fillRef>
+          <a:effectRef idx="0">
+            <a:schemeClr val="accent1"/>
+          </a:effectRef>
+          <a:fontRef idx="minor">
+            <a:schemeClr val="lt1"/>
+          </a:fontRef>
+        </p:style>
+        <p:txBody>
+          <a:bodyPr rtlCol="0" anchor="ctr"/>
+          <a:lstStyle/>
+          <a:p>
+            <a:pPr algn="ctr"/>
+            <a:r>
+              <a:rPr kumimoji="1" lang="en-US" altLang="ja-JP" sz="1600" dirty="0">
+                <a:solidFill>
+                  <a:srgbClr val="92D050"/>
+                </a:solidFill>
+              </a:rPr>
+              <a:t>[3][3]</a:t>
+            </a:r>
+            <a:endParaRPr kumimoji="1" lang="ja-JP" altLang="en-US" sz="1600" dirty="0">
+              <a:solidFill>
+                <a:srgbClr val="92D050"/>
+              </a:solidFill>
+            </a:endParaRPr>
+          </a:p>
+        </p:txBody>
+      </p:sp>
+      <p:sp>
+        <p:nvSpPr>
+          <p:cNvPr id="14" name="テキスト ボックス 13">
+            <a:extLst>
+              <a:ext uri="{FF2B5EF4-FFF2-40B4-BE49-F238E27FC236}">
+                <a16:creationId xmlns:a16="http://schemas.microsoft.com/office/drawing/2014/main" id="{32939DEB-7F23-45A1-51D7-9ED1F1E8B424}"/>
+              </a:ext>
+            </a:extLst>
+          </p:cNvPr>
+          <p:cNvSpPr txBox="1"/>
+          <p:nvPr/>
+        </p:nvSpPr>
+        <p:spPr>
+          <a:xfrm>
+            <a:off x="2126946" y="3522310"/>
+            <a:ext cx="1507144" cy="523220"/>
+          </a:xfrm>
+          <a:prstGeom prst="rect">
+            <a:avLst/>
+          </a:prstGeom>
+          <a:noFill/>
+        </p:spPr>
+        <p:txBody>
+          <a:bodyPr wrap="none" rtlCol="0">
+            <a:spAutoFit/>
+          </a:bodyPr>
+          <a:lstStyle/>
+          <a:p>
+            <a:r>
+              <a:rPr kumimoji="1" lang="ja-JP" altLang="en-US" sz="2800" dirty="0"/>
+              <a:t>ｖ</a:t>
+            </a:r>
+            <a:r>
+              <a:rPr kumimoji="1" lang="en-US" altLang="ja-JP" sz="2800" dirty="0" err="1"/>
+              <a:t>ector</a:t>
+            </a:r>
+            <a:endParaRPr kumimoji="1" lang="ja-JP" altLang="en-US" sz="2800" dirty="0"/>
+          </a:p>
+        </p:txBody>
+      </p:sp>
+      <p:sp>
+        <p:nvSpPr>
+          <p:cNvPr id="17" name="テキスト ボックス 16">
+            <a:extLst>
+              <a:ext uri="{FF2B5EF4-FFF2-40B4-BE49-F238E27FC236}">
+                <a16:creationId xmlns:a16="http://schemas.microsoft.com/office/drawing/2014/main" id="{38C81B02-4D80-7508-474A-9CFA25859A34}"/>
+              </a:ext>
+            </a:extLst>
+          </p:cNvPr>
+          <p:cNvSpPr txBox="1"/>
+          <p:nvPr/>
+        </p:nvSpPr>
+        <p:spPr>
+          <a:xfrm>
+            <a:off x="8526002" y="2505358"/>
+            <a:ext cx="1507144" cy="523220"/>
+          </a:xfrm>
+          <a:prstGeom prst="rect">
+            <a:avLst/>
+          </a:prstGeom>
+          <a:noFill/>
+        </p:spPr>
+        <p:txBody>
+          <a:bodyPr wrap="none" rtlCol="0">
+            <a:spAutoFit/>
+          </a:bodyPr>
+          <a:lstStyle/>
+          <a:p>
+            <a:r>
+              <a:rPr kumimoji="1" lang="ja-JP" altLang="en-US" sz="2800" dirty="0"/>
+              <a:t>ｖ</a:t>
+            </a:r>
+            <a:r>
+              <a:rPr kumimoji="1" lang="en-US" altLang="ja-JP" sz="2800" dirty="0" err="1"/>
+              <a:t>ector</a:t>
+            </a:r>
+            <a:endParaRPr kumimoji="1" lang="ja-JP" altLang="en-US" sz="2800" dirty="0"/>
+          </a:p>
+        </p:txBody>
+      </p:sp>
+      <p:sp>
+        <p:nvSpPr>
+          <p:cNvPr id="18" name="正方形/長方形 17">
+            <a:extLst>
+              <a:ext uri="{FF2B5EF4-FFF2-40B4-BE49-F238E27FC236}">
+                <a16:creationId xmlns:a16="http://schemas.microsoft.com/office/drawing/2014/main" id="{01433DBB-3C9E-511E-7F02-08C7FE43EF13}"/>
+              </a:ext>
+            </a:extLst>
+          </p:cNvPr>
+          <p:cNvSpPr/>
+          <p:nvPr/>
+        </p:nvSpPr>
+        <p:spPr>
+          <a:xfrm>
+            <a:off x="5725542" y="3552955"/>
+            <a:ext cx="1021403" cy="535022"/>
+          </a:xfrm>
+          <a:prstGeom prst="rect">
+            <a:avLst/>
+          </a:prstGeom>
+          <a:solidFill>
+            <a:srgbClr val="0070C0"/>
+          </a:solidFill>
+          <a:ln w="28575"/>
+        </p:spPr>
+        <p:style>
+          <a:lnRef idx="2">
+            <a:schemeClr val="accent1">
+              <a:shade val="15000"/>
+            </a:schemeClr>
+          </a:lnRef>
+          <a:fillRef idx="1">
+            <a:schemeClr val="accent1"/>
+          </a:fillRef>
+          <a:effectRef idx="0">
+            <a:schemeClr val="accent1"/>
+          </a:effectRef>
+          <a:fontRef idx="minor">
+            <a:schemeClr val="lt1"/>
+          </a:fontRef>
+        </p:style>
+        <p:txBody>
+          <a:bodyPr rtlCol="0" anchor="ctr"/>
+          <a:lstStyle/>
+          <a:p>
+            <a:pPr algn="ctr"/>
+            <a:r>
+              <a:rPr kumimoji="1" lang="en-US" altLang="ja-JP" sz="1600" dirty="0">
+                <a:solidFill>
+                  <a:srgbClr val="0070C0"/>
+                </a:solidFill>
+              </a:rPr>
+              <a:t>[0][1]</a:t>
+            </a:r>
+            <a:endParaRPr kumimoji="1" lang="ja-JP" altLang="en-US" sz="1600" dirty="0">
+              <a:solidFill>
+                <a:srgbClr val="0070C0"/>
+              </a:solidFill>
+            </a:endParaRPr>
+          </a:p>
+        </p:txBody>
+      </p:sp>
+      <p:sp>
+        <p:nvSpPr>
+          <p:cNvPr id="19" name="正方形/長方形 18">
+            <a:extLst>
+              <a:ext uri="{FF2B5EF4-FFF2-40B4-BE49-F238E27FC236}">
+                <a16:creationId xmlns:a16="http://schemas.microsoft.com/office/drawing/2014/main" id="{D732AF81-B045-2129-9EA5-5F3CA4D396A2}"/>
+              </a:ext>
+            </a:extLst>
+          </p:cNvPr>
+          <p:cNvSpPr/>
+          <p:nvPr/>
+        </p:nvSpPr>
+        <p:spPr>
+          <a:xfrm>
+            <a:off x="4674950" y="4672487"/>
+            <a:ext cx="1021403" cy="535022"/>
+          </a:xfrm>
+          <a:prstGeom prst="rect">
+            <a:avLst/>
+          </a:prstGeom>
+          <a:solidFill>
+            <a:srgbClr val="0070C0"/>
+          </a:solidFill>
+          <a:ln w="28575"/>
+        </p:spPr>
+        <p:style>
+          <a:lnRef idx="2">
+            <a:schemeClr val="accent1">
+              <a:shade val="15000"/>
+            </a:schemeClr>
+          </a:lnRef>
+          <a:fillRef idx="1">
+            <a:schemeClr val="accent1"/>
+          </a:fillRef>
+          <a:effectRef idx="0">
+            <a:schemeClr val="accent1"/>
+          </a:effectRef>
+          <a:fontRef idx="minor">
+            <a:schemeClr val="lt1"/>
+          </a:fontRef>
+        </p:style>
+        <p:txBody>
+          <a:bodyPr rtlCol="0" anchor="ctr"/>
+          <a:lstStyle/>
+          <a:p>
+            <a:pPr algn="ctr"/>
+            <a:r>
+              <a:rPr kumimoji="1" lang="en-US" altLang="ja-JP" sz="1600" dirty="0">
+                <a:solidFill>
+                  <a:srgbClr val="0070C0"/>
+                </a:solidFill>
+              </a:rPr>
+              <a:t>[2][0]</a:t>
+            </a:r>
+            <a:endParaRPr kumimoji="1" lang="ja-JP" altLang="en-US" sz="1600" dirty="0">
+              <a:solidFill>
+                <a:srgbClr val="0070C0"/>
+              </a:solidFill>
+            </a:endParaRPr>
+          </a:p>
+        </p:txBody>
+      </p:sp>
+      <p:sp>
+        <p:nvSpPr>
+          <p:cNvPr id="20" name="正方形/長方形 19">
+            <a:extLst>
+              <a:ext uri="{FF2B5EF4-FFF2-40B4-BE49-F238E27FC236}">
+                <a16:creationId xmlns:a16="http://schemas.microsoft.com/office/drawing/2014/main" id="{AB3E8616-3CCE-AF43-740B-C3E8B388928D}"/>
+              </a:ext>
+            </a:extLst>
+          </p:cNvPr>
+          <p:cNvSpPr/>
+          <p:nvPr/>
+        </p:nvSpPr>
+        <p:spPr>
+          <a:xfrm>
+            <a:off x="5725538" y="4672487"/>
+            <a:ext cx="1021403" cy="535022"/>
+          </a:xfrm>
+          <a:prstGeom prst="rect">
+            <a:avLst/>
+          </a:prstGeom>
+          <a:solidFill>
+            <a:srgbClr val="0070C0"/>
+          </a:solidFill>
+          <a:ln w="28575"/>
+        </p:spPr>
+        <p:style>
+          <a:lnRef idx="2">
+            <a:schemeClr val="accent1">
+              <a:shade val="15000"/>
+            </a:schemeClr>
+          </a:lnRef>
+          <a:fillRef idx="1">
+            <a:schemeClr val="accent1"/>
+          </a:fillRef>
+          <a:effectRef idx="0">
+            <a:schemeClr val="accent1"/>
+          </a:effectRef>
+          <a:fontRef idx="minor">
+            <a:schemeClr val="lt1"/>
+          </a:fontRef>
+        </p:style>
+        <p:txBody>
+          <a:bodyPr rtlCol="0" anchor="ctr"/>
+          <a:lstStyle/>
+          <a:p>
+            <a:pPr algn="ctr"/>
+            <a:r>
+              <a:rPr kumimoji="1" lang="en-US" altLang="ja-JP" sz="1600" dirty="0">
+                <a:solidFill>
+                  <a:srgbClr val="0070C0"/>
+                </a:solidFill>
+              </a:rPr>
+              <a:t>[2][0]</a:t>
+            </a:r>
+            <a:endParaRPr kumimoji="1" lang="ja-JP" altLang="en-US" sz="1600" dirty="0">
+              <a:solidFill>
+                <a:srgbClr val="0070C0"/>
+              </a:solidFill>
+            </a:endParaRPr>
+          </a:p>
+        </p:txBody>
+      </p:sp>
+      <p:cxnSp>
+        <p:nvCxnSpPr>
+          <p:cNvPr id="22" name="直線矢印コネクタ 21">
+            <a:extLst>
+              <a:ext uri="{FF2B5EF4-FFF2-40B4-BE49-F238E27FC236}">
+                <a16:creationId xmlns:a16="http://schemas.microsoft.com/office/drawing/2014/main" id="{B10D3ECF-57B5-49E8-757C-C082182AD7EB}"/>
+              </a:ext>
+            </a:extLst>
+          </p:cNvPr>
+          <p:cNvCxnSpPr/>
+          <p:nvPr/>
+        </p:nvCxnSpPr>
+        <p:spPr>
+          <a:xfrm flipH="1">
+            <a:off x="5725538" y="3082177"/>
+            <a:ext cx="424947" cy="470778"/>
+          </a:xfrm>
+          <a:prstGeom prst="straightConnector1">
+            <a:avLst/>
+          </a:prstGeom>
+          <a:ln w="28575">
+            <a:solidFill>
+              <a:srgbClr val="FF0000"/>
+            </a:solidFill>
+            <a:tailEnd type="triangle"/>
+          </a:ln>
+        </p:spPr>
+        <p:style>
+          <a:lnRef idx="1">
+            <a:schemeClr val="accent1"/>
+          </a:lnRef>
+          <a:fillRef idx="0">
+            <a:schemeClr val="accent1"/>
+          </a:fillRef>
+          <a:effectRef idx="0">
+            <a:schemeClr val="accent1"/>
+          </a:effectRef>
+          <a:fontRef idx="minor">
+            <a:schemeClr val="tx1"/>
+          </a:fontRef>
+        </p:style>
+      </p:cxnSp>
+      <p:cxnSp>
+        <p:nvCxnSpPr>
+          <p:cNvPr id="24" name="直線矢印コネクタ 23">
+            <a:extLst>
+              <a:ext uri="{FF2B5EF4-FFF2-40B4-BE49-F238E27FC236}">
+                <a16:creationId xmlns:a16="http://schemas.microsoft.com/office/drawing/2014/main" id="{BA80BB43-96C1-9BA2-3086-60028FBF21AE}"/>
+              </a:ext>
+            </a:extLst>
+          </p:cNvPr>
+          <p:cNvCxnSpPr>
+            <a:cxnSpLocks/>
+          </p:cNvCxnSpPr>
+          <p:nvPr/>
+        </p:nvCxnSpPr>
+        <p:spPr>
+          <a:xfrm flipH="1">
+            <a:off x="6766403" y="3082177"/>
+            <a:ext cx="1755026" cy="470778"/>
+          </a:xfrm>
+          <a:prstGeom prst="straightConnector1">
+            <a:avLst/>
+          </a:prstGeom>
+          <a:ln w="28575">
+            <a:solidFill>
+              <a:srgbClr val="FF0000"/>
+            </a:solidFill>
+            <a:tailEnd type="triangle"/>
+          </a:ln>
+        </p:spPr>
+        <p:style>
+          <a:lnRef idx="1">
+            <a:schemeClr val="accent1"/>
+          </a:lnRef>
+          <a:fillRef idx="0">
+            <a:schemeClr val="accent1"/>
+          </a:fillRef>
+          <a:effectRef idx="0">
+            <a:schemeClr val="accent1"/>
+          </a:effectRef>
+          <a:fontRef idx="minor">
+            <a:schemeClr val="tx1"/>
+          </a:fontRef>
+        </p:style>
+      </p:cxnSp>
+      <p:grpSp>
+        <p:nvGrpSpPr>
+          <p:cNvPr id="30" name="グループ化 29">
+            <a:extLst>
+              <a:ext uri="{FF2B5EF4-FFF2-40B4-BE49-F238E27FC236}">
+                <a16:creationId xmlns:a16="http://schemas.microsoft.com/office/drawing/2014/main" id="{AC6416F8-38B6-9585-96F2-122D957E9757}"/>
+              </a:ext>
+            </a:extLst>
+          </p:cNvPr>
+          <p:cNvGrpSpPr/>
+          <p:nvPr/>
+        </p:nvGrpSpPr>
+        <p:grpSpPr>
+          <a:xfrm>
+            <a:off x="3705020" y="3624693"/>
+            <a:ext cx="879542" cy="391545"/>
+            <a:chOff x="6906637" y="4877244"/>
+            <a:chExt cx="2370942" cy="535023"/>
+          </a:xfrm>
+          <a:solidFill>
+            <a:srgbClr val="92D050"/>
+          </a:solidFill>
+        </p:grpSpPr>
+        <p:sp>
+          <p:nvSpPr>
+            <p:cNvPr id="26" name="正方形/長方形 25">
+              <a:extLst>
+                <a:ext uri="{FF2B5EF4-FFF2-40B4-BE49-F238E27FC236}">
+                  <a16:creationId xmlns:a16="http://schemas.microsoft.com/office/drawing/2014/main" id="{AC3AF07A-D33F-78AD-2EA3-EE33492F6992}"/>
+                </a:ext>
+              </a:extLst>
+            </p:cNvPr>
+            <p:cNvSpPr/>
+            <p:nvPr/>
+          </p:nvSpPr>
+          <p:spPr>
+            <a:xfrm>
+              <a:off x="6906637" y="4877245"/>
+              <a:ext cx="590780" cy="535022"/>
+            </a:xfrm>
+            <a:prstGeom prst="rect">
+              <a:avLst/>
+            </a:prstGeom>
+            <a:grpFill/>
+            <a:ln w="28575"/>
+          </p:spPr>
+          <p:style>
+            <a:lnRef idx="2">
+              <a:schemeClr val="accent1">
+                <a:shade val="15000"/>
+              </a:schemeClr>
+            </a:lnRef>
+            <a:fillRef idx="1">
+              <a:schemeClr val="accent1"/>
+            </a:fillRef>
+            <a:effectRef idx="0">
+              <a:schemeClr val="accent1"/>
+            </a:effectRef>
+            <a:fontRef idx="minor">
+              <a:schemeClr val="lt1"/>
+            </a:fontRef>
+          </p:style>
+          <p:txBody>
+            <a:bodyPr rtlCol="0" anchor="ctr"/>
+            <a:lstStyle/>
+            <a:p>
+              <a:pPr algn="ctr"/>
+              <a:endParaRPr kumimoji="1" lang="ja-JP" altLang="en-US" sz="1600" dirty="0">
+                <a:solidFill>
+                  <a:srgbClr val="92D050"/>
+                </a:solidFill>
+              </a:endParaRPr>
+            </a:p>
+          </p:txBody>
+        </p:sp>
+        <p:sp>
+          <p:nvSpPr>
+            <p:cNvPr id="27" name="正方形/長方形 26">
+              <a:extLst>
+                <a:ext uri="{FF2B5EF4-FFF2-40B4-BE49-F238E27FC236}">
+                  <a16:creationId xmlns:a16="http://schemas.microsoft.com/office/drawing/2014/main" id="{7934561B-1971-74AB-4B60-FAD57CE29E32}"/>
+                </a:ext>
+              </a:extLst>
+            </p:cNvPr>
+            <p:cNvSpPr/>
+            <p:nvPr/>
+          </p:nvSpPr>
+          <p:spPr>
+            <a:xfrm>
+              <a:off x="7500025" y="4877244"/>
+              <a:ext cx="590780" cy="535022"/>
+            </a:xfrm>
+            <a:prstGeom prst="rect">
+              <a:avLst/>
+            </a:prstGeom>
+            <a:grpFill/>
+            <a:ln w="28575"/>
+          </p:spPr>
+          <p:style>
+            <a:lnRef idx="2">
+              <a:schemeClr val="accent1">
+                <a:shade val="15000"/>
+              </a:schemeClr>
+            </a:lnRef>
+            <a:fillRef idx="1">
+              <a:schemeClr val="accent1"/>
+            </a:fillRef>
+            <a:effectRef idx="0">
+              <a:schemeClr val="accent1"/>
+            </a:effectRef>
+            <a:fontRef idx="minor">
+              <a:schemeClr val="lt1"/>
+            </a:fontRef>
+          </p:style>
+          <p:txBody>
+            <a:bodyPr rtlCol="0" anchor="ctr"/>
+            <a:lstStyle/>
+            <a:p>
+              <a:pPr algn="ctr"/>
+              <a:endParaRPr kumimoji="1" lang="ja-JP" altLang="en-US" sz="1600" dirty="0">
+                <a:solidFill>
+                  <a:srgbClr val="92D050"/>
+                </a:solidFill>
+              </a:endParaRPr>
+            </a:p>
+          </p:txBody>
+        </p:sp>
+        <p:sp>
+          <p:nvSpPr>
+            <p:cNvPr id="28" name="正方形/長方形 27">
+              <a:extLst>
+                <a:ext uri="{FF2B5EF4-FFF2-40B4-BE49-F238E27FC236}">
+                  <a16:creationId xmlns:a16="http://schemas.microsoft.com/office/drawing/2014/main" id="{BFA4EACC-47D5-E22F-6C77-B696A9FFC0A7}"/>
+                </a:ext>
+              </a:extLst>
+            </p:cNvPr>
+            <p:cNvSpPr/>
+            <p:nvPr/>
+          </p:nvSpPr>
+          <p:spPr>
+            <a:xfrm>
+              <a:off x="8093410" y="4877244"/>
+              <a:ext cx="590780" cy="535022"/>
+            </a:xfrm>
+            <a:prstGeom prst="rect">
+              <a:avLst/>
+            </a:prstGeom>
+            <a:grpFill/>
+            <a:ln w="28575"/>
+          </p:spPr>
+          <p:style>
+            <a:lnRef idx="2">
+              <a:schemeClr val="accent1">
+                <a:shade val="15000"/>
+              </a:schemeClr>
+            </a:lnRef>
+            <a:fillRef idx="1">
+              <a:schemeClr val="accent1"/>
+            </a:fillRef>
+            <a:effectRef idx="0">
+              <a:schemeClr val="accent1"/>
+            </a:effectRef>
+            <a:fontRef idx="minor">
+              <a:schemeClr val="lt1"/>
+            </a:fontRef>
+          </p:style>
+          <p:txBody>
+            <a:bodyPr rtlCol="0" anchor="ctr"/>
+            <a:lstStyle/>
+            <a:p>
+              <a:pPr algn="ctr"/>
+              <a:endParaRPr kumimoji="1" lang="ja-JP" altLang="en-US" sz="1600" dirty="0">
+                <a:solidFill>
+                  <a:srgbClr val="92D050"/>
+                </a:solidFill>
+              </a:endParaRPr>
+            </a:p>
+          </p:txBody>
+        </p:sp>
+        <p:sp>
+          <p:nvSpPr>
+            <p:cNvPr id="29" name="正方形/長方形 28">
+              <a:extLst>
+                <a:ext uri="{FF2B5EF4-FFF2-40B4-BE49-F238E27FC236}">
+                  <a16:creationId xmlns:a16="http://schemas.microsoft.com/office/drawing/2014/main" id="{E1B991F7-E269-00A6-FBBE-B1B45D7487F4}"/>
+                </a:ext>
+              </a:extLst>
+            </p:cNvPr>
+            <p:cNvSpPr/>
+            <p:nvPr/>
+          </p:nvSpPr>
+          <p:spPr>
+            <a:xfrm>
+              <a:off x="8686799" y="4877244"/>
+              <a:ext cx="590780" cy="535022"/>
+            </a:xfrm>
+            <a:prstGeom prst="rect">
+              <a:avLst/>
+            </a:prstGeom>
+            <a:grpFill/>
+            <a:ln w="28575"/>
+          </p:spPr>
+          <p:style>
+            <a:lnRef idx="2">
+              <a:schemeClr val="accent1">
+                <a:shade val="15000"/>
+              </a:schemeClr>
+            </a:lnRef>
+            <a:fillRef idx="1">
+              <a:schemeClr val="accent1"/>
+            </a:fillRef>
+            <a:effectRef idx="0">
+              <a:schemeClr val="accent1"/>
+            </a:effectRef>
+            <a:fontRef idx="minor">
+              <a:schemeClr val="lt1"/>
+            </a:fontRef>
+          </p:style>
+          <p:txBody>
+            <a:bodyPr rtlCol="0" anchor="ctr"/>
+            <a:lstStyle/>
+            <a:p>
+              <a:pPr algn="ctr"/>
+              <a:endParaRPr kumimoji="1" lang="ja-JP" altLang="en-US" sz="1600" dirty="0">
+                <a:solidFill>
+                  <a:srgbClr val="92D050"/>
+                </a:solidFill>
+              </a:endParaRPr>
+            </a:p>
+          </p:txBody>
+        </p:sp>
+      </p:grpSp>
+      <p:grpSp>
+        <p:nvGrpSpPr>
+          <p:cNvPr id="31" name="グループ化 30">
+            <a:extLst>
+              <a:ext uri="{FF2B5EF4-FFF2-40B4-BE49-F238E27FC236}">
+                <a16:creationId xmlns:a16="http://schemas.microsoft.com/office/drawing/2014/main" id="{990C471A-ACE7-7E4B-AC3B-E26BD85B4186}"/>
+              </a:ext>
+            </a:extLst>
+          </p:cNvPr>
+          <p:cNvGrpSpPr/>
+          <p:nvPr/>
+        </p:nvGrpSpPr>
+        <p:grpSpPr>
+          <a:xfrm>
+            <a:off x="4745880" y="3624693"/>
+            <a:ext cx="879542" cy="391545"/>
+            <a:chOff x="6906637" y="4877244"/>
+            <a:chExt cx="2370942" cy="535023"/>
+          </a:xfrm>
+          <a:solidFill>
+            <a:srgbClr val="92D050"/>
+          </a:solidFill>
+        </p:grpSpPr>
+        <p:sp>
+          <p:nvSpPr>
+            <p:cNvPr id="32" name="正方形/長方形 31">
+              <a:extLst>
+                <a:ext uri="{FF2B5EF4-FFF2-40B4-BE49-F238E27FC236}">
+                  <a16:creationId xmlns:a16="http://schemas.microsoft.com/office/drawing/2014/main" id="{7FCC005C-1456-6842-7B70-B3193E187221}"/>
+                </a:ext>
+              </a:extLst>
+            </p:cNvPr>
+            <p:cNvSpPr/>
+            <p:nvPr/>
+          </p:nvSpPr>
+          <p:spPr>
+            <a:xfrm>
+              <a:off x="6906637" y="4877245"/>
+              <a:ext cx="590780" cy="535022"/>
+            </a:xfrm>
+            <a:prstGeom prst="rect">
+              <a:avLst/>
+            </a:prstGeom>
+            <a:grpFill/>
+            <a:ln w="28575"/>
+          </p:spPr>
+          <p:style>
+            <a:lnRef idx="2">
+              <a:schemeClr val="accent1">
+                <a:shade val="15000"/>
+              </a:schemeClr>
+            </a:lnRef>
+            <a:fillRef idx="1">
+              <a:schemeClr val="accent1"/>
+            </a:fillRef>
+            <a:effectRef idx="0">
+              <a:schemeClr val="accent1"/>
+            </a:effectRef>
+            <a:fontRef idx="minor">
+              <a:schemeClr val="lt1"/>
+            </a:fontRef>
+          </p:style>
+          <p:txBody>
+            <a:bodyPr rtlCol="0" anchor="ctr"/>
+            <a:lstStyle/>
+            <a:p>
+              <a:pPr algn="ctr"/>
+              <a:endParaRPr kumimoji="1" lang="ja-JP" altLang="en-US" sz="1600" dirty="0">
+                <a:solidFill>
+                  <a:srgbClr val="92D050"/>
+                </a:solidFill>
+              </a:endParaRPr>
+            </a:p>
+          </p:txBody>
+        </p:sp>
+        <p:sp>
+          <p:nvSpPr>
+            <p:cNvPr id="33" name="正方形/長方形 32">
+              <a:extLst>
+                <a:ext uri="{FF2B5EF4-FFF2-40B4-BE49-F238E27FC236}">
+                  <a16:creationId xmlns:a16="http://schemas.microsoft.com/office/drawing/2014/main" id="{3243BA2D-7B10-1C7A-A442-3B62F9832793}"/>
+                </a:ext>
+              </a:extLst>
+            </p:cNvPr>
+            <p:cNvSpPr/>
+            <p:nvPr/>
+          </p:nvSpPr>
+          <p:spPr>
+            <a:xfrm>
+              <a:off x="7500025" y="4877244"/>
+              <a:ext cx="590780" cy="535022"/>
+            </a:xfrm>
+            <a:prstGeom prst="rect">
+              <a:avLst/>
+            </a:prstGeom>
+            <a:grpFill/>
+            <a:ln w="28575"/>
+          </p:spPr>
+          <p:style>
+            <a:lnRef idx="2">
+              <a:schemeClr val="accent1">
+                <a:shade val="15000"/>
+              </a:schemeClr>
+            </a:lnRef>
+            <a:fillRef idx="1">
+              <a:schemeClr val="accent1"/>
+            </a:fillRef>
+            <a:effectRef idx="0">
+              <a:schemeClr val="accent1"/>
+            </a:effectRef>
+            <a:fontRef idx="minor">
+              <a:schemeClr val="lt1"/>
+            </a:fontRef>
+          </p:style>
+          <p:txBody>
+            <a:bodyPr rtlCol="0" anchor="ctr"/>
+            <a:lstStyle/>
+            <a:p>
+              <a:pPr algn="ctr"/>
+              <a:endParaRPr kumimoji="1" lang="ja-JP" altLang="en-US" sz="1600" dirty="0">
+                <a:solidFill>
+                  <a:srgbClr val="92D050"/>
+                </a:solidFill>
+              </a:endParaRPr>
+            </a:p>
+          </p:txBody>
+        </p:sp>
+        <p:sp>
+          <p:nvSpPr>
+            <p:cNvPr id="34" name="正方形/長方形 33">
+              <a:extLst>
+                <a:ext uri="{FF2B5EF4-FFF2-40B4-BE49-F238E27FC236}">
+                  <a16:creationId xmlns:a16="http://schemas.microsoft.com/office/drawing/2014/main" id="{DAA3F585-99A8-6130-13B4-964330EAAE32}"/>
+                </a:ext>
+              </a:extLst>
+            </p:cNvPr>
+            <p:cNvSpPr/>
+            <p:nvPr/>
+          </p:nvSpPr>
+          <p:spPr>
+            <a:xfrm>
+              <a:off x="8093410" y="4877244"/>
+              <a:ext cx="590780" cy="535022"/>
+            </a:xfrm>
+            <a:prstGeom prst="rect">
+              <a:avLst/>
+            </a:prstGeom>
+            <a:grpFill/>
+            <a:ln w="28575"/>
+          </p:spPr>
+          <p:style>
+            <a:lnRef idx="2">
+              <a:schemeClr val="accent1">
+                <a:shade val="15000"/>
+              </a:schemeClr>
+            </a:lnRef>
+            <a:fillRef idx="1">
+              <a:schemeClr val="accent1"/>
+            </a:fillRef>
+            <a:effectRef idx="0">
+              <a:schemeClr val="accent1"/>
+            </a:effectRef>
+            <a:fontRef idx="minor">
+              <a:schemeClr val="lt1"/>
+            </a:fontRef>
+          </p:style>
+          <p:txBody>
+            <a:bodyPr rtlCol="0" anchor="ctr"/>
+            <a:lstStyle/>
+            <a:p>
+              <a:pPr algn="ctr"/>
+              <a:endParaRPr kumimoji="1" lang="ja-JP" altLang="en-US" sz="1600" dirty="0">
+                <a:solidFill>
+                  <a:srgbClr val="92D050"/>
+                </a:solidFill>
+              </a:endParaRPr>
+            </a:p>
+          </p:txBody>
+        </p:sp>
+        <p:sp>
+          <p:nvSpPr>
+            <p:cNvPr id="35" name="正方形/長方形 34">
+              <a:extLst>
+                <a:ext uri="{FF2B5EF4-FFF2-40B4-BE49-F238E27FC236}">
+                  <a16:creationId xmlns:a16="http://schemas.microsoft.com/office/drawing/2014/main" id="{BACF480D-AFFE-4D5D-D390-FD185F90C3F5}"/>
+                </a:ext>
+              </a:extLst>
+            </p:cNvPr>
+            <p:cNvSpPr/>
+            <p:nvPr/>
+          </p:nvSpPr>
+          <p:spPr>
+            <a:xfrm>
+              <a:off x="8686799" y="4877244"/>
+              <a:ext cx="590780" cy="535022"/>
+            </a:xfrm>
+            <a:prstGeom prst="rect">
+              <a:avLst/>
+            </a:prstGeom>
+            <a:grpFill/>
+            <a:ln w="28575"/>
+          </p:spPr>
+          <p:style>
+            <a:lnRef idx="2">
+              <a:schemeClr val="accent1">
+                <a:shade val="15000"/>
+              </a:schemeClr>
+            </a:lnRef>
+            <a:fillRef idx="1">
+              <a:schemeClr val="accent1"/>
+            </a:fillRef>
+            <a:effectRef idx="0">
+              <a:schemeClr val="accent1"/>
+            </a:effectRef>
+            <a:fontRef idx="minor">
+              <a:schemeClr val="lt1"/>
+            </a:fontRef>
+          </p:style>
+          <p:txBody>
+            <a:bodyPr rtlCol="0" anchor="ctr"/>
+            <a:lstStyle/>
+            <a:p>
+              <a:pPr algn="ctr"/>
+              <a:endParaRPr kumimoji="1" lang="ja-JP" altLang="en-US" sz="1600" dirty="0">
+                <a:solidFill>
+                  <a:srgbClr val="92D050"/>
+                </a:solidFill>
+              </a:endParaRPr>
+            </a:p>
+          </p:txBody>
+        </p:sp>
+      </p:grpSp>
+      <p:grpSp>
+        <p:nvGrpSpPr>
+          <p:cNvPr id="36" name="グループ化 35">
+            <a:extLst>
+              <a:ext uri="{FF2B5EF4-FFF2-40B4-BE49-F238E27FC236}">
+                <a16:creationId xmlns:a16="http://schemas.microsoft.com/office/drawing/2014/main" id="{8FE95434-9AFB-8CAB-2D2F-B10CFB905125}"/>
+              </a:ext>
+            </a:extLst>
+          </p:cNvPr>
+          <p:cNvGrpSpPr/>
+          <p:nvPr/>
+        </p:nvGrpSpPr>
+        <p:grpSpPr>
+          <a:xfrm>
+            <a:off x="3715269" y="4184459"/>
+            <a:ext cx="879542" cy="391545"/>
+            <a:chOff x="6906637" y="4877244"/>
+            <a:chExt cx="2370942" cy="535023"/>
+          </a:xfrm>
+          <a:solidFill>
+            <a:srgbClr val="92D050"/>
+          </a:solidFill>
+        </p:grpSpPr>
+        <p:sp>
+          <p:nvSpPr>
+            <p:cNvPr id="37" name="正方形/長方形 36">
+              <a:extLst>
+                <a:ext uri="{FF2B5EF4-FFF2-40B4-BE49-F238E27FC236}">
+                  <a16:creationId xmlns:a16="http://schemas.microsoft.com/office/drawing/2014/main" id="{A4BB473A-96C2-345E-887B-A6D581A40D9E}"/>
+                </a:ext>
+              </a:extLst>
+            </p:cNvPr>
+            <p:cNvSpPr/>
+            <p:nvPr/>
+          </p:nvSpPr>
+          <p:spPr>
+            <a:xfrm>
+              <a:off x="6906637" y="4877245"/>
+              <a:ext cx="590780" cy="535022"/>
+            </a:xfrm>
+            <a:prstGeom prst="rect">
+              <a:avLst/>
+            </a:prstGeom>
+            <a:grpFill/>
+            <a:ln w="28575"/>
+          </p:spPr>
+          <p:style>
+            <a:lnRef idx="2">
+              <a:schemeClr val="accent1">
+                <a:shade val="15000"/>
+              </a:schemeClr>
+            </a:lnRef>
+            <a:fillRef idx="1">
+              <a:schemeClr val="accent1"/>
+            </a:fillRef>
+            <a:effectRef idx="0">
+              <a:schemeClr val="accent1"/>
+            </a:effectRef>
+            <a:fontRef idx="minor">
+              <a:schemeClr val="lt1"/>
+            </a:fontRef>
+          </p:style>
+          <p:txBody>
+            <a:bodyPr rtlCol="0" anchor="ctr"/>
+            <a:lstStyle/>
+            <a:p>
+              <a:pPr algn="ctr"/>
+              <a:endParaRPr kumimoji="1" lang="ja-JP" altLang="en-US" sz="1600" dirty="0">
+                <a:solidFill>
+                  <a:srgbClr val="92D050"/>
+                </a:solidFill>
+              </a:endParaRPr>
+            </a:p>
+          </p:txBody>
+        </p:sp>
+        <p:sp>
+          <p:nvSpPr>
+            <p:cNvPr id="38" name="正方形/長方形 37">
+              <a:extLst>
+                <a:ext uri="{FF2B5EF4-FFF2-40B4-BE49-F238E27FC236}">
+                  <a16:creationId xmlns:a16="http://schemas.microsoft.com/office/drawing/2014/main" id="{97343210-D575-5566-1A9C-2FE0DB4DE75E}"/>
+                </a:ext>
+              </a:extLst>
+            </p:cNvPr>
+            <p:cNvSpPr/>
+            <p:nvPr/>
+          </p:nvSpPr>
+          <p:spPr>
+            <a:xfrm>
+              <a:off x="7500025" y="4877244"/>
+              <a:ext cx="590780" cy="535022"/>
+            </a:xfrm>
+            <a:prstGeom prst="rect">
+              <a:avLst/>
+            </a:prstGeom>
+            <a:grpFill/>
+            <a:ln w="28575"/>
+          </p:spPr>
+          <p:style>
+            <a:lnRef idx="2">
+              <a:schemeClr val="accent1">
+                <a:shade val="15000"/>
+              </a:schemeClr>
+            </a:lnRef>
+            <a:fillRef idx="1">
+              <a:schemeClr val="accent1"/>
+            </a:fillRef>
+            <a:effectRef idx="0">
+              <a:schemeClr val="accent1"/>
+            </a:effectRef>
+            <a:fontRef idx="minor">
+              <a:schemeClr val="lt1"/>
+            </a:fontRef>
+          </p:style>
+          <p:txBody>
+            <a:bodyPr rtlCol="0" anchor="ctr"/>
+            <a:lstStyle/>
+            <a:p>
+              <a:pPr algn="ctr"/>
+              <a:endParaRPr kumimoji="1" lang="ja-JP" altLang="en-US" sz="1600" dirty="0">
+                <a:solidFill>
+                  <a:srgbClr val="92D050"/>
+                </a:solidFill>
+              </a:endParaRPr>
+            </a:p>
+          </p:txBody>
+        </p:sp>
+        <p:sp>
+          <p:nvSpPr>
+            <p:cNvPr id="39" name="正方形/長方形 38">
+              <a:extLst>
+                <a:ext uri="{FF2B5EF4-FFF2-40B4-BE49-F238E27FC236}">
+                  <a16:creationId xmlns:a16="http://schemas.microsoft.com/office/drawing/2014/main" id="{5A74CE29-733A-B861-25C7-AEB114FA44BC}"/>
+                </a:ext>
+              </a:extLst>
+            </p:cNvPr>
+            <p:cNvSpPr/>
+            <p:nvPr/>
+          </p:nvSpPr>
+          <p:spPr>
+            <a:xfrm>
+              <a:off x="8093410" y="4877244"/>
+              <a:ext cx="590780" cy="535022"/>
+            </a:xfrm>
+            <a:prstGeom prst="rect">
+              <a:avLst/>
+            </a:prstGeom>
+            <a:grpFill/>
+            <a:ln w="28575"/>
+          </p:spPr>
+          <p:style>
+            <a:lnRef idx="2">
+              <a:schemeClr val="accent1">
+                <a:shade val="15000"/>
+              </a:schemeClr>
+            </a:lnRef>
+            <a:fillRef idx="1">
+              <a:schemeClr val="accent1"/>
+            </a:fillRef>
+            <a:effectRef idx="0">
+              <a:schemeClr val="accent1"/>
+            </a:effectRef>
+            <a:fontRef idx="minor">
+              <a:schemeClr val="lt1"/>
+            </a:fontRef>
+          </p:style>
+          <p:txBody>
+            <a:bodyPr rtlCol="0" anchor="ctr"/>
+            <a:lstStyle/>
+            <a:p>
+              <a:pPr algn="ctr"/>
+              <a:endParaRPr kumimoji="1" lang="ja-JP" altLang="en-US" sz="1600" dirty="0">
+                <a:solidFill>
+                  <a:srgbClr val="92D050"/>
+                </a:solidFill>
+              </a:endParaRPr>
+            </a:p>
+          </p:txBody>
+        </p:sp>
+        <p:sp>
+          <p:nvSpPr>
+            <p:cNvPr id="40" name="正方形/長方形 39">
+              <a:extLst>
+                <a:ext uri="{FF2B5EF4-FFF2-40B4-BE49-F238E27FC236}">
+                  <a16:creationId xmlns:a16="http://schemas.microsoft.com/office/drawing/2014/main" id="{F848DDBB-5773-94E9-BEED-50F5F1A63359}"/>
+                </a:ext>
+              </a:extLst>
+            </p:cNvPr>
+            <p:cNvSpPr/>
+            <p:nvPr/>
+          </p:nvSpPr>
+          <p:spPr>
+            <a:xfrm>
+              <a:off x="8686799" y="4877244"/>
+              <a:ext cx="590780" cy="535022"/>
+            </a:xfrm>
+            <a:prstGeom prst="rect">
+              <a:avLst/>
+            </a:prstGeom>
+            <a:grpFill/>
+            <a:ln w="28575"/>
+          </p:spPr>
+          <p:style>
+            <a:lnRef idx="2">
+              <a:schemeClr val="accent1">
+                <a:shade val="15000"/>
+              </a:schemeClr>
+            </a:lnRef>
+            <a:fillRef idx="1">
+              <a:schemeClr val="accent1"/>
+            </a:fillRef>
+            <a:effectRef idx="0">
+              <a:schemeClr val="accent1"/>
+            </a:effectRef>
+            <a:fontRef idx="minor">
+              <a:schemeClr val="lt1"/>
+            </a:fontRef>
+          </p:style>
+          <p:txBody>
+            <a:bodyPr rtlCol="0" anchor="ctr"/>
+            <a:lstStyle/>
+            <a:p>
+              <a:pPr algn="ctr"/>
+              <a:endParaRPr kumimoji="1" lang="ja-JP" altLang="en-US" sz="1600" dirty="0">
+                <a:solidFill>
+                  <a:srgbClr val="92D050"/>
+                </a:solidFill>
+              </a:endParaRPr>
+            </a:p>
+          </p:txBody>
+        </p:sp>
+      </p:grpSp>
+      <p:grpSp>
+        <p:nvGrpSpPr>
+          <p:cNvPr id="41" name="グループ化 40">
+            <a:extLst>
+              <a:ext uri="{FF2B5EF4-FFF2-40B4-BE49-F238E27FC236}">
+                <a16:creationId xmlns:a16="http://schemas.microsoft.com/office/drawing/2014/main" id="{BBAE6318-D35D-F878-DCB5-284A73B3947F}"/>
+              </a:ext>
+            </a:extLst>
+          </p:cNvPr>
+          <p:cNvGrpSpPr/>
+          <p:nvPr/>
+        </p:nvGrpSpPr>
+        <p:grpSpPr>
+          <a:xfrm>
+            <a:off x="4755866" y="4196895"/>
+            <a:ext cx="879542" cy="391545"/>
+            <a:chOff x="6906637" y="4877244"/>
+            <a:chExt cx="2370942" cy="535023"/>
+          </a:xfrm>
+          <a:solidFill>
+            <a:srgbClr val="92D050"/>
+          </a:solidFill>
+        </p:grpSpPr>
+        <p:sp>
+          <p:nvSpPr>
+            <p:cNvPr id="42" name="正方形/長方形 41">
+              <a:extLst>
+                <a:ext uri="{FF2B5EF4-FFF2-40B4-BE49-F238E27FC236}">
+                  <a16:creationId xmlns:a16="http://schemas.microsoft.com/office/drawing/2014/main" id="{4361AAE6-814D-3198-7067-5C117FAB5C1B}"/>
+                </a:ext>
+              </a:extLst>
+            </p:cNvPr>
+            <p:cNvSpPr/>
+            <p:nvPr/>
+          </p:nvSpPr>
+          <p:spPr>
+            <a:xfrm>
+              <a:off x="6906637" y="4877245"/>
+              <a:ext cx="590780" cy="535022"/>
+            </a:xfrm>
+            <a:prstGeom prst="rect">
+              <a:avLst/>
+            </a:prstGeom>
+            <a:grpFill/>
+            <a:ln w="28575"/>
+          </p:spPr>
+          <p:style>
+            <a:lnRef idx="2">
+              <a:schemeClr val="accent1">
+                <a:shade val="15000"/>
+              </a:schemeClr>
+            </a:lnRef>
+            <a:fillRef idx="1">
+              <a:schemeClr val="accent1"/>
+            </a:fillRef>
+            <a:effectRef idx="0">
+              <a:schemeClr val="accent1"/>
+            </a:effectRef>
+            <a:fontRef idx="minor">
+              <a:schemeClr val="lt1"/>
+            </a:fontRef>
+          </p:style>
+          <p:txBody>
+            <a:bodyPr rtlCol="0" anchor="ctr"/>
+            <a:lstStyle/>
+            <a:p>
+              <a:pPr algn="ctr"/>
+              <a:endParaRPr kumimoji="1" lang="ja-JP" altLang="en-US" sz="1600" dirty="0">
+                <a:solidFill>
+                  <a:srgbClr val="92D050"/>
+                </a:solidFill>
+              </a:endParaRPr>
+            </a:p>
+          </p:txBody>
+        </p:sp>
+        <p:sp>
+          <p:nvSpPr>
+            <p:cNvPr id="43" name="正方形/長方形 42">
+              <a:extLst>
+                <a:ext uri="{FF2B5EF4-FFF2-40B4-BE49-F238E27FC236}">
+                  <a16:creationId xmlns:a16="http://schemas.microsoft.com/office/drawing/2014/main" id="{67CA833C-25BA-876C-7729-E3E73E879147}"/>
+                </a:ext>
+              </a:extLst>
+            </p:cNvPr>
+            <p:cNvSpPr/>
+            <p:nvPr/>
+          </p:nvSpPr>
+          <p:spPr>
+            <a:xfrm>
+              <a:off x="7500025" y="4877244"/>
+              <a:ext cx="590780" cy="535022"/>
+            </a:xfrm>
+            <a:prstGeom prst="rect">
+              <a:avLst/>
+            </a:prstGeom>
+            <a:grpFill/>
+            <a:ln w="28575"/>
+          </p:spPr>
+          <p:style>
+            <a:lnRef idx="2">
+              <a:schemeClr val="accent1">
+                <a:shade val="15000"/>
+              </a:schemeClr>
+            </a:lnRef>
+            <a:fillRef idx="1">
+              <a:schemeClr val="accent1"/>
+            </a:fillRef>
+            <a:effectRef idx="0">
+              <a:schemeClr val="accent1"/>
+            </a:effectRef>
+            <a:fontRef idx="minor">
+              <a:schemeClr val="lt1"/>
+            </a:fontRef>
+          </p:style>
+          <p:txBody>
+            <a:bodyPr rtlCol="0" anchor="ctr"/>
+            <a:lstStyle/>
+            <a:p>
+              <a:pPr algn="ctr"/>
+              <a:endParaRPr kumimoji="1" lang="ja-JP" altLang="en-US" sz="1600" dirty="0">
+                <a:solidFill>
+                  <a:srgbClr val="92D050"/>
+                </a:solidFill>
+              </a:endParaRPr>
+            </a:p>
+          </p:txBody>
+        </p:sp>
+        <p:sp>
+          <p:nvSpPr>
+            <p:cNvPr id="44" name="正方形/長方形 43">
+              <a:extLst>
+                <a:ext uri="{FF2B5EF4-FFF2-40B4-BE49-F238E27FC236}">
+                  <a16:creationId xmlns:a16="http://schemas.microsoft.com/office/drawing/2014/main" id="{2A74FACC-A5D1-4B37-F492-1996A6CCA567}"/>
+                </a:ext>
+              </a:extLst>
+            </p:cNvPr>
+            <p:cNvSpPr/>
+            <p:nvPr/>
+          </p:nvSpPr>
+          <p:spPr>
+            <a:xfrm>
+              <a:off x="8093410" y="4877244"/>
+              <a:ext cx="590780" cy="535022"/>
+            </a:xfrm>
+            <a:prstGeom prst="rect">
+              <a:avLst/>
+            </a:prstGeom>
+            <a:grpFill/>
+            <a:ln w="28575"/>
+          </p:spPr>
+          <p:style>
+            <a:lnRef idx="2">
+              <a:schemeClr val="accent1">
+                <a:shade val="15000"/>
+              </a:schemeClr>
+            </a:lnRef>
+            <a:fillRef idx="1">
+              <a:schemeClr val="accent1"/>
+            </a:fillRef>
+            <a:effectRef idx="0">
+              <a:schemeClr val="accent1"/>
+            </a:effectRef>
+            <a:fontRef idx="minor">
+              <a:schemeClr val="lt1"/>
+            </a:fontRef>
+          </p:style>
+          <p:txBody>
+            <a:bodyPr rtlCol="0" anchor="ctr"/>
+            <a:lstStyle/>
+            <a:p>
+              <a:pPr algn="ctr"/>
+              <a:endParaRPr kumimoji="1" lang="ja-JP" altLang="en-US" sz="1600" dirty="0">
+                <a:solidFill>
+                  <a:srgbClr val="92D050"/>
+                </a:solidFill>
+              </a:endParaRPr>
+            </a:p>
+          </p:txBody>
+        </p:sp>
+        <p:sp>
+          <p:nvSpPr>
+            <p:cNvPr id="45" name="正方形/長方形 44">
+              <a:extLst>
+                <a:ext uri="{FF2B5EF4-FFF2-40B4-BE49-F238E27FC236}">
+                  <a16:creationId xmlns:a16="http://schemas.microsoft.com/office/drawing/2014/main" id="{614B2EC5-60E0-2072-EA70-BF8C21B3FF44}"/>
+                </a:ext>
+              </a:extLst>
+            </p:cNvPr>
+            <p:cNvSpPr/>
+            <p:nvPr/>
+          </p:nvSpPr>
+          <p:spPr>
+            <a:xfrm>
+              <a:off x="8686799" y="4877244"/>
+              <a:ext cx="590780" cy="535022"/>
+            </a:xfrm>
+            <a:prstGeom prst="rect">
+              <a:avLst/>
+            </a:prstGeom>
+            <a:grpFill/>
+            <a:ln w="28575"/>
+          </p:spPr>
+          <p:style>
+            <a:lnRef idx="2">
+              <a:schemeClr val="accent1">
+                <a:shade val="15000"/>
+              </a:schemeClr>
+            </a:lnRef>
+            <a:fillRef idx="1">
+              <a:schemeClr val="accent1"/>
+            </a:fillRef>
+            <a:effectRef idx="0">
+              <a:schemeClr val="accent1"/>
+            </a:effectRef>
+            <a:fontRef idx="minor">
+              <a:schemeClr val="lt1"/>
+            </a:fontRef>
+          </p:style>
+          <p:txBody>
+            <a:bodyPr rtlCol="0" anchor="ctr"/>
+            <a:lstStyle/>
+            <a:p>
+              <a:pPr algn="ctr"/>
+              <a:endParaRPr kumimoji="1" lang="ja-JP" altLang="en-US" sz="1600" dirty="0">
+                <a:solidFill>
+                  <a:srgbClr val="92D050"/>
+                </a:solidFill>
+              </a:endParaRPr>
+            </a:p>
+          </p:txBody>
+        </p:sp>
+      </p:grpSp>
+      <p:grpSp>
+        <p:nvGrpSpPr>
+          <p:cNvPr id="46" name="グループ化 45">
+            <a:extLst>
+              <a:ext uri="{FF2B5EF4-FFF2-40B4-BE49-F238E27FC236}">
+                <a16:creationId xmlns:a16="http://schemas.microsoft.com/office/drawing/2014/main" id="{3B0BF36E-C945-C8AD-BBF4-2E00A08717D9}"/>
+              </a:ext>
+            </a:extLst>
+          </p:cNvPr>
+          <p:cNvGrpSpPr/>
+          <p:nvPr/>
+        </p:nvGrpSpPr>
+        <p:grpSpPr>
+          <a:xfrm>
+            <a:off x="5796468" y="4196895"/>
+            <a:ext cx="879542" cy="391545"/>
+            <a:chOff x="6906637" y="4877244"/>
+            <a:chExt cx="2370942" cy="535023"/>
+          </a:xfrm>
+          <a:solidFill>
+            <a:srgbClr val="92D050"/>
+          </a:solidFill>
+        </p:grpSpPr>
+        <p:sp>
+          <p:nvSpPr>
+            <p:cNvPr id="47" name="正方形/長方形 46">
+              <a:extLst>
+                <a:ext uri="{FF2B5EF4-FFF2-40B4-BE49-F238E27FC236}">
+                  <a16:creationId xmlns:a16="http://schemas.microsoft.com/office/drawing/2014/main" id="{67E7B71E-72D7-E1E7-5257-CFC6F88AD8DC}"/>
+                </a:ext>
+              </a:extLst>
+            </p:cNvPr>
+            <p:cNvSpPr/>
+            <p:nvPr/>
+          </p:nvSpPr>
+          <p:spPr>
+            <a:xfrm>
+              <a:off x="6906637" y="4877245"/>
+              <a:ext cx="590780" cy="535022"/>
+            </a:xfrm>
+            <a:prstGeom prst="rect">
+              <a:avLst/>
+            </a:prstGeom>
+            <a:grpFill/>
+            <a:ln w="28575"/>
+          </p:spPr>
+          <p:style>
+            <a:lnRef idx="2">
+              <a:schemeClr val="accent1">
+                <a:shade val="15000"/>
+              </a:schemeClr>
+            </a:lnRef>
+            <a:fillRef idx="1">
+              <a:schemeClr val="accent1"/>
+            </a:fillRef>
+            <a:effectRef idx="0">
+              <a:schemeClr val="accent1"/>
+            </a:effectRef>
+            <a:fontRef idx="minor">
+              <a:schemeClr val="lt1"/>
+            </a:fontRef>
+          </p:style>
+          <p:txBody>
+            <a:bodyPr rtlCol="0" anchor="ctr"/>
+            <a:lstStyle/>
+            <a:p>
+              <a:pPr algn="ctr"/>
+              <a:endParaRPr kumimoji="1" lang="ja-JP" altLang="en-US" sz="1600" dirty="0">
+                <a:solidFill>
+                  <a:srgbClr val="92D050"/>
+                </a:solidFill>
+              </a:endParaRPr>
+            </a:p>
+          </p:txBody>
+        </p:sp>
+        <p:sp>
+          <p:nvSpPr>
+            <p:cNvPr id="48" name="正方形/長方形 47">
+              <a:extLst>
+                <a:ext uri="{FF2B5EF4-FFF2-40B4-BE49-F238E27FC236}">
+                  <a16:creationId xmlns:a16="http://schemas.microsoft.com/office/drawing/2014/main" id="{8E57DC55-6D4D-187D-B268-06D35DFB4038}"/>
+                </a:ext>
+              </a:extLst>
+            </p:cNvPr>
+            <p:cNvSpPr/>
+            <p:nvPr/>
+          </p:nvSpPr>
+          <p:spPr>
+            <a:xfrm>
+              <a:off x="7500025" y="4877244"/>
+              <a:ext cx="590780" cy="535022"/>
+            </a:xfrm>
+            <a:prstGeom prst="rect">
+              <a:avLst/>
+            </a:prstGeom>
+            <a:grpFill/>
+            <a:ln w="28575"/>
+          </p:spPr>
+          <p:style>
+            <a:lnRef idx="2">
+              <a:schemeClr val="accent1">
+                <a:shade val="15000"/>
+              </a:schemeClr>
+            </a:lnRef>
+            <a:fillRef idx="1">
+              <a:schemeClr val="accent1"/>
+            </a:fillRef>
+            <a:effectRef idx="0">
+              <a:schemeClr val="accent1"/>
+            </a:effectRef>
+            <a:fontRef idx="minor">
+              <a:schemeClr val="lt1"/>
+            </a:fontRef>
+          </p:style>
+          <p:txBody>
+            <a:bodyPr rtlCol="0" anchor="ctr"/>
+            <a:lstStyle/>
+            <a:p>
+              <a:pPr algn="ctr"/>
+              <a:endParaRPr kumimoji="1" lang="ja-JP" altLang="en-US" sz="1600" dirty="0">
+                <a:solidFill>
+                  <a:srgbClr val="92D050"/>
+                </a:solidFill>
+              </a:endParaRPr>
+            </a:p>
+          </p:txBody>
+        </p:sp>
+        <p:sp>
+          <p:nvSpPr>
+            <p:cNvPr id="49" name="正方形/長方形 48">
+              <a:extLst>
+                <a:ext uri="{FF2B5EF4-FFF2-40B4-BE49-F238E27FC236}">
+                  <a16:creationId xmlns:a16="http://schemas.microsoft.com/office/drawing/2014/main" id="{FD48F702-007D-F903-162D-242A19247432}"/>
+                </a:ext>
+              </a:extLst>
+            </p:cNvPr>
+            <p:cNvSpPr/>
+            <p:nvPr/>
+          </p:nvSpPr>
+          <p:spPr>
+            <a:xfrm>
+              <a:off x="8093410" y="4877244"/>
+              <a:ext cx="590780" cy="535022"/>
+            </a:xfrm>
+            <a:prstGeom prst="rect">
+              <a:avLst/>
+            </a:prstGeom>
+            <a:grpFill/>
+            <a:ln w="28575"/>
+          </p:spPr>
+          <p:style>
+            <a:lnRef idx="2">
+              <a:schemeClr val="accent1">
+                <a:shade val="15000"/>
+              </a:schemeClr>
+            </a:lnRef>
+            <a:fillRef idx="1">
+              <a:schemeClr val="accent1"/>
+            </a:fillRef>
+            <a:effectRef idx="0">
+              <a:schemeClr val="accent1"/>
+            </a:effectRef>
+            <a:fontRef idx="minor">
+              <a:schemeClr val="lt1"/>
+            </a:fontRef>
+          </p:style>
+          <p:txBody>
+            <a:bodyPr rtlCol="0" anchor="ctr"/>
+            <a:lstStyle/>
+            <a:p>
+              <a:pPr algn="ctr"/>
+              <a:endParaRPr kumimoji="1" lang="ja-JP" altLang="en-US" sz="1600" dirty="0">
+                <a:solidFill>
+                  <a:srgbClr val="92D050"/>
+                </a:solidFill>
+              </a:endParaRPr>
+            </a:p>
+          </p:txBody>
+        </p:sp>
+        <p:sp>
+          <p:nvSpPr>
+            <p:cNvPr id="50" name="正方形/長方形 49">
+              <a:extLst>
+                <a:ext uri="{FF2B5EF4-FFF2-40B4-BE49-F238E27FC236}">
+                  <a16:creationId xmlns:a16="http://schemas.microsoft.com/office/drawing/2014/main" id="{C1E5A7A9-4862-ACFE-582F-D9428CB92320}"/>
+                </a:ext>
+              </a:extLst>
+            </p:cNvPr>
+            <p:cNvSpPr/>
+            <p:nvPr/>
+          </p:nvSpPr>
+          <p:spPr>
+            <a:xfrm>
+              <a:off x="8686799" y="4877244"/>
+              <a:ext cx="590780" cy="535022"/>
+            </a:xfrm>
+            <a:prstGeom prst="rect">
+              <a:avLst/>
+            </a:prstGeom>
+            <a:grpFill/>
+            <a:ln w="28575"/>
+          </p:spPr>
+          <p:style>
+            <a:lnRef idx="2">
+              <a:schemeClr val="accent1">
+                <a:shade val="15000"/>
+              </a:schemeClr>
+            </a:lnRef>
+            <a:fillRef idx="1">
+              <a:schemeClr val="accent1"/>
+            </a:fillRef>
+            <a:effectRef idx="0">
+              <a:schemeClr val="accent1"/>
+            </a:effectRef>
+            <a:fontRef idx="minor">
+              <a:schemeClr val="lt1"/>
+            </a:fontRef>
+          </p:style>
+          <p:txBody>
+            <a:bodyPr rtlCol="0" anchor="ctr"/>
+            <a:lstStyle/>
+            <a:p>
+              <a:pPr algn="ctr"/>
+              <a:endParaRPr kumimoji="1" lang="ja-JP" altLang="en-US" sz="1600" dirty="0">
+                <a:solidFill>
+                  <a:srgbClr val="92D050"/>
+                </a:solidFill>
+              </a:endParaRPr>
+            </a:p>
+          </p:txBody>
+        </p:sp>
+      </p:grpSp>
+      <p:grpSp>
+        <p:nvGrpSpPr>
+          <p:cNvPr id="56" name="グループ化 55">
+            <a:extLst>
+              <a:ext uri="{FF2B5EF4-FFF2-40B4-BE49-F238E27FC236}">
+                <a16:creationId xmlns:a16="http://schemas.microsoft.com/office/drawing/2014/main" id="{C381A531-13DA-B200-5CA8-5487B69F9BEF}"/>
+              </a:ext>
+            </a:extLst>
+          </p:cNvPr>
+          <p:cNvGrpSpPr/>
+          <p:nvPr/>
+        </p:nvGrpSpPr>
+        <p:grpSpPr>
+          <a:xfrm>
+            <a:off x="3712050" y="4744225"/>
+            <a:ext cx="879542" cy="391545"/>
+            <a:chOff x="6906637" y="4877244"/>
+            <a:chExt cx="2370942" cy="535023"/>
+          </a:xfrm>
+          <a:solidFill>
+            <a:srgbClr val="92D050"/>
+          </a:solidFill>
+        </p:grpSpPr>
+        <p:sp>
+          <p:nvSpPr>
+            <p:cNvPr id="57" name="正方形/長方形 56">
+              <a:extLst>
+                <a:ext uri="{FF2B5EF4-FFF2-40B4-BE49-F238E27FC236}">
+                  <a16:creationId xmlns:a16="http://schemas.microsoft.com/office/drawing/2014/main" id="{F96B1CD0-D65A-BF1A-318A-EDF787DCC662}"/>
+                </a:ext>
+              </a:extLst>
+            </p:cNvPr>
+            <p:cNvSpPr/>
+            <p:nvPr/>
+          </p:nvSpPr>
+          <p:spPr>
+            <a:xfrm>
+              <a:off x="6906637" y="4877245"/>
+              <a:ext cx="590780" cy="535022"/>
+            </a:xfrm>
+            <a:prstGeom prst="rect">
+              <a:avLst/>
+            </a:prstGeom>
+            <a:grpFill/>
+            <a:ln w="28575"/>
+          </p:spPr>
+          <p:style>
+            <a:lnRef idx="2">
+              <a:schemeClr val="accent1">
+                <a:shade val="15000"/>
+              </a:schemeClr>
+            </a:lnRef>
+            <a:fillRef idx="1">
+              <a:schemeClr val="accent1"/>
+            </a:fillRef>
+            <a:effectRef idx="0">
+              <a:schemeClr val="accent1"/>
+            </a:effectRef>
+            <a:fontRef idx="minor">
+              <a:schemeClr val="lt1"/>
+            </a:fontRef>
+          </p:style>
+          <p:txBody>
+            <a:bodyPr rtlCol="0" anchor="ctr"/>
+            <a:lstStyle/>
+            <a:p>
+              <a:pPr algn="ctr"/>
+              <a:endParaRPr kumimoji="1" lang="ja-JP" altLang="en-US" sz="1600" dirty="0">
+                <a:solidFill>
+                  <a:srgbClr val="92D050"/>
+                </a:solidFill>
+              </a:endParaRPr>
+            </a:p>
+          </p:txBody>
+        </p:sp>
+        <p:sp>
+          <p:nvSpPr>
+            <p:cNvPr id="58" name="正方形/長方形 57">
+              <a:extLst>
+                <a:ext uri="{FF2B5EF4-FFF2-40B4-BE49-F238E27FC236}">
+                  <a16:creationId xmlns:a16="http://schemas.microsoft.com/office/drawing/2014/main" id="{158014DB-3EA2-3004-6A87-24A4EFD3A235}"/>
+                </a:ext>
+              </a:extLst>
+            </p:cNvPr>
+            <p:cNvSpPr/>
+            <p:nvPr/>
+          </p:nvSpPr>
+          <p:spPr>
+            <a:xfrm>
+              <a:off x="7500025" y="4877244"/>
+              <a:ext cx="590780" cy="535022"/>
+            </a:xfrm>
+            <a:prstGeom prst="rect">
+              <a:avLst/>
+            </a:prstGeom>
+            <a:grpFill/>
+            <a:ln w="28575"/>
+          </p:spPr>
+          <p:style>
+            <a:lnRef idx="2">
+              <a:schemeClr val="accent1">
+                <a:shade val="15000"/>
+              </a:schemeClr>
+            </a:lnRef>
+            <a:fillRef idx="1">
+              <a:schemeClr val="accent1"/>
+            </a:fillRef>
+            <a:effectRef idx="0">
+              <a:schemeClr val="accent1"/>
+            </a:effectRef>
+            <a:fontRef idx="minor">
+              <a:schemeClr val="lt1"/>
+            </a:fontRef>
+          </p:style>
+          <p:txBody>
+            <a:bodyPr rtlCol="0" anchor="ctr"/>
+            <a:lstStyle/>
+            <a:p>
+              <a:pPr algn="ctr"/>
+              <a:endParaRPr kumimoji="1" lang="ja-JP" altLang="en-US" sz="1600" dirty="0">
+                <a:solidFill>
+                  <a:srgbClr val="92D050"/>
+                </a:solidFill>
+              </a:endParaRPr>
+            </a:p>
+          </p:txBody>
+        </p:sp>
+        <p:sp>
+          <p:nvSpPr>
+            <p:cNvPr id="59" name="正方形/長方形 58">
+              <a:extLst>
+                <a:ext uri="{FF2B5EF4-FFF2-40B4-BE49-F238E27FC236}">
+                  <a16:creationId xmlns:a16="http://schemas.microsoft.com/office/drawing/2014/main" id="{6907BB94-8820-65ED-4348-BD233A96E7AC}"/>
+                </a:ext>
+              </a:extLst>
+            </p:cNvPr>
+            <p:cNvSpPr/>
+            <p:nvPr/>
+          </p:nvSpPr>
+          <p:spPr>
+            <a:xfrm>
+              <a:off x="8093410" y="4877244"/>
+              <a:ext cx="590780" cy="535022"/>
+            </a:xfrm>
+            <a:prstGeom prst="rect">
+              <a:avLst/>
+            </a:prstGeom>
+            <a:grpFill/>
+            <a:ln w="28575"/>
+          </p:spPr>
+          <p:style>
+            <a:lnRef idx="2">
+              <a:schemeClr val="accent1">
+                <a:shade val="15000"/>
+              </a:schemeClr>
+            </a:lnRef>
+            <a:fillRef idx="1">
+              <a:schemeClr val="accent1"/>
+            </a:fillRef>
+            <a:effectRef idx="0">
+              <a:schemeClr val="accent1"/>
+            </a:effectRef>
+            <a:fontRef idx="minor">
+              <a:schemeClr val="lt1"/>
+            </a:fontRef>
+          </p:style>
+          <p:txBody>
+            <a:bodyPr rtlCol="0" anchor="ctr"/>
+            <a:lstStyle/>
+            <a:p>
+              <a:pPr algn="ctr"/>
+              <a:endParaRPr kumimoji="1" lang="ja-JP" altLang="en-US" sz="1600" dirty="0">
+                <a:solidFill>
+                  <a:srgbClr val="92D050"/>
+                </a:solidFill>
+              </a:endParaRPr>
+            </a:p>
+          </p:txBody>
+        </p:sp>
+        <p:sp>
+          <p:nvSpPr>
+            <p:cNvPr id="60" name="正方形/長方形 59">
+              <a:extLst>
+                <a:ext uri="{FF2B5EF4-FFF2-40B4-BE49-F238E27FC236}">
+                  <a16:creationId xmlns:a16="http://schemas.microsoft.com/office/drawing/2014/main" id="{CE0175D8-3C7A-82F2-37B3-6AF4AD61E0E8}"/>
+                </a:ext>
+              </a:extLst>
+            </p:cNvPr>
+            <p:cNvSpPr/>
+            <p:nvPr/>
+          </p:nvSpPr>
+          <p:spPr>
+            <a:xfrm>
+              <a:off x="8686799" y="4877244"/>
+              <a:ext cx="590780" cy="535022"/>
+            </a:xfrm>
+            <a:prstGeom prst="rect">
+              <a:avLst/>
+            </a:prstGeom>
+            <a:grpFill/>
+            <a:ln w="28575"/>
+          </p:spPr>
+          <p:style>
+            <a:lnRef idx="2">
+              <a:schemeClr val="accent1">
+                <a:shade val="15000"/>
+              </a:schemeClr>
+            </a:lnRef>
+            <a:fillRef idx="1">
+              <a:schemeClr val="accent1"/>
+            </a:fillRef>
+            <a:effectRef idx="0">
+              <a:schemeClr val="accent1"/>
+            </a:effectRef>
+            <a:fontRef idx="minor">
+              <a:schemeClr val="lt1"/>
+            </a:fontRef>
+          </p:style>
+          <p:txBody>
+            <a:bodyPr rtlCol="0" anchor="ctr"/>
+            <a:lstStyle/>
+            <a:p>
+              <a:pPr algn="ctr"/>
+              <a:endParaRPr kumimoji="1" lang="ja-JP" altLang="en-US" sz="1600" dirty="0">
+                <a:solidFill>
+                  <a:srgbClr val="92D050"/>
+                </a:solidFill>
+              </a:endParaRPr>
+            </a:p>
+          </p:txBody>
+        </p:sp>
+      </p:grpSp>
+      <p:grpSp>
+        <p:nvGrpSpPr>
+          <p:cNvPr id="61" name="グループ化 60">
+            <a:extLst>
+              <a:ext uri="{FF2B5EF4-FFF2-40B4-BE49-F238E27FC236}">
+                <a16:creationId xmlns:a16="http://schemas.microsoft.com/office/drawing/2014/main" id="{E1F27AF9-254F-8497-4F1C-F7B0C0726305}"/>
+              </a:ext>
+            </a:extLst>
+          </p:cNvPr>
+          <p:cNvGrpSpPr/>
+          <p:nvPr/>
+        </p:nvGrpSpPr>
+        <p:grpSpPr>
+          <a:xfrm>
+            <a:off x="4745880" y="4753034"/>
+            <a:ext cx="879542" cy="391545"/>
+            <a:chOff x="6906637" y="4877244"/>
+            <a:chExt cx="2370942" cy="535023"/>
+          </a:xfrm>
+          <a:solidFill>
+            <a:srgbClr val="92D050"/>
+          </a:solidFill>
+        </p:grpSpPr>
+        <p:sp>
+          <p:nvSpPr>
+            <p:cNvPr id="62" name="正方形/長方形 61">
+              <a:extLst>
+                <a:ext uri="{FF2B5EF4-FFF2-40B4-BE49-F238E27FC236}">
+                  <a16:creationId xmlns:a16="http://schemas.microsoft.com/office/drawing/2014/main" id="{2AF1315B-1BD2-1DA4-59C2-C3D3149407EB}"/>
+                </a:ext>
+              </a:extLst>
+            </p:cNvPr>
+            <p:cNvSpPr/>
+            <p:nvPr/>
+          </p:nvSpPr>
+          <p:spPr>
+            <a:xfrm>
+              <a:off x="6906637" y="4877245"/>
+              <a:ext cx="590780" cy="535022"/>
+            </a:xfrm>
+            <a:prstGeom prst="rect">
+              <a:avLst/>
+            </a:prstGeom>
+            <a:grpFill/>
+            <a:ln w="28575"/>
+          </p:spPr>
+          <p:style>
+            <a:lnRef idx="2">
+              <a:schemeClr val="accent1">
+                <a:shade val="15000"/>
+              </a:schemeClr>
+            </a:lnRef>
+            <a:fillRef idx="1">
+              <a:schemeClr val="accent1"/>
+            </a:fillRef>
+            <a:effectRef idx="0">
+              <a:schemeClr val="accent1"/>
+            </a:effectRef>
+            <a:fontRef idx="minor">
+              <a:schemeClr val="lt1"/>
+            </a:fontRef>
+          </p:style>
+          <p:txBody>
+            <a:bodyPr rtlCol="0" anchor="ctr"/>
+            <a:lstStyle/>
+            <a:p>
+              <a:pPr algn="ctr"/>
+              <a:endParaRPr kumimoji="1" lang="ja-JP" altLang="en-US" sz="1600" dirty="0">
+                <a:solidFill>
+                  <a:srgbClr val="92D050"/>
+                </a:solidFill>
+              </a:endParaRPr>
+            </a:p>
+          </p:txBody>
+        </p:sp>
+        <p:sp>
+          <p:nvSpPr>
+            <p:cNvPr id="63" name="正方形/長方形 62">
+              <a:extLst>
+                <a:ext uri="{FF2B5EF4-FFF2-40B4-BE49-F238E27FC236}">
+                  <a16:creationId xmlns:a16="http://schemas.microsoft.com/office/drawing/2014/main" id="{8C7D19BE-FA79-3D3D-C2D8-F7F41C6D2E7D}"/>
+                </a:ext>
+              </a:extLst>
+            </p:cNvPr>
+            <p:cNvSpPr/>
+            <p:nvPr/>
+          </p:nvSpPr>
+          <p:spPr>
+            <a:xfrm>
+              <a:off x="7500025" y="4877244"/>
+              <a:ext cx="590780" cy="535022"/>
+            </a:xfrm>
+            <a:prstGeom prst="rect">
+              <a:avLst/>
+            </a:prstGeom>
+            <a:grpFill/>
+            <a:ln w="28575"/>
+          </p:spPr>
+          <p:style>
+            <a:lnRef idx="2">
+              <a:schemeClr val="accent1">
+                <a:shade val="15000"/>
+              </a:schemeClr>
+            </a:lnRef>
+            <a:fillRef idx="1">
+              <a:schemeClr val="accent1"/>
+            </a:fillRef>
+            <a:effectRef idx="0">
+              <a:schemeClr val="accent1"/>
+            </a:effectRef>
+            <a:fontRef idx="minor">
+              <a:schemeClr val="lt1"/>
+            </a:fontRef>
+          </p:style>
+          <p:txBody>
+            <a:bodyPr rtlCol="0" anchor="ctr"/>
+            <a:lstStyle/>
+            <a:p>
+              <a:pPr algn="ctr"/>
+              <a:endParaRPr kumimoji="1" lang="ja-JP" altLang="en-US" sz="1600" dirty="0">
+                <a:solidFill>
+                  <a:srgbClr val="92D050"/>
+                </a:solidFill>
+              </a:endParaRPr>
+            </a:p>
+          </p:txBody>
+        </p:sp>
+        <p:sp>
+          <p:nvSpPr>
+            <p:cNvPr id="64" name="正方形/長方形 63">
+              <a:extLst>
+                <a:ext uri="{FF2B5EF4-FFF2-40B4-BE49-F238E27FC236}">
+                  <a16:creationId xmlns:a16="http://schemas.microsoft.com/office/drawing/2014/main" id="{1DA98A09-37D9-09F4-0A82-ABC9D789D788}"/>
+                </a:ext>
+              </a:extLst>
+            </p:cNvPr>
+            <p:cNvSpPr/>
+            <p:nvPr/>
+          </p:nvSpPr>
+          <p:spPr>
+            <a:xfrm>
+              <a:off x="8093410" y="4877244"/>
+              <a:ext cx="590780" cy="535022"/>
+            </a:xfrm>
+            <a:prstGeom prst="rect">
+              <a:avLst/>
+            </a:prstGeom>
+            <a:grpFill/>
+            <a:ln w="28575"/>
+          </p:spPr>
+          <p:style>
+            <a:lnRef idx="2">
+              <a:schemeClr val="accent1">
+                <a:shade val="15000"/>
+              </a:schemeClr>
+            </a:lnRef>
+            <a:fillRef idx="1">
+              <a:schemeClr val="accent1"/>
+            </a:fillRef>
+            <a:effectRef idx="0">
+              <a:schemeClr val="accent1"/>
+            </a:effectRef>
+            <a:fontRef idx="minor">
+              <a:schemeClr val="lt1"/>
+            </a:fontRef>
+          </p:style>
+          <p:txBody>
+            <a:bodyPr rtlCol="0" anchor="ctr"/>
+            <a:lstStyle/>
+            <a:p>
+              <a:pPr algn="ctr"/>
+              <a:endParaRPr kumimoji="1" lang="ja-JP" altLang="en-US" sz="1600" dirty="0">
+                <a:solidFill>
+                  <a:srgbClr val="92D050"/>
+                </a:solidFill>
+              </a:endParaRPr>
+            </a:p>
+          </p:txBody>
+        </p:sp>
+        <p:sp>
+          <p:nvSpPr>
+            <p:cNvPr id="65" name="正方形/長方形 64">
+              <a:extLst>
+                <a:ext uri="{FF2B5EF4-FFF2-40B4-BE49-F238E27FC236}">
+                  <a16:creationId xmlns:a16="http://schemas.microsoft.com/office/drawing/2014/main" id="{8F3D3EAD-922A-F6FA-D26F-8BF22996B610}"/>
+                </a:ext>
+              </a:extLst>
+            </p:cNvPr>
+            <p:cNvSpPr/>
+            <p:nvPr/>
+          </p:nvSpPr>
+          <p:spPr>
+            <a:xfrm>
+              <a:off x="8686799" y="4877244"/>
+              <a:ext cx="590780" cy="535022"/>
+            </a:xfrm>
+            <a:prstGeom prst="rect">
+              <a:avLst/>
+            </a:prstGeom>
+            <a:grpFill/>
+            <a:ln w="28575"/>
+          </p:spPr>
+          <p:style>
+            <a:lnRef idx="2">
+              <a:schemeClr val="accent1">
+                <a:shade val="15000"/>
+              </a:schemeClr>
+            </a:lnRef>
+            <a:fillRef idx="1">
+              <a:schemeClr val="accent1"/>
+            </a:fillRef>
+            <a:effectRef idx="0">
+              <a:schemeClr val="accent1"/>
+            </a:effectRef>
+            <a:fontRef idx="minor">
+              <a:schemeClr val="lt1"/>
+            </a:fontRef>
+          </p:style>
+          <p:txBody>
+            <a:bodyPr rtlCol="0" anchor="ctr"/>
+            <a:lstStyle/>
+            <a:p>
+              <a:pPr algn="ctr"/>
+              <a:endParaRPr kumimoji="1" lang="ja-JP" altLang="en-US" sz="1600" dirty="0">
+                <a:solidFill>
+                  <a:srgbClr val="92D050"/>
+                </a:solidFill>
+              </a:endParaRPr>
+            </a:p>
+          </p:txBody>
+        </p:sp>
+      </p:grpSp>
+      <p:grpSp>
+        <p:nvGrpSpPr>
+          <p:cNvPr id="66" name="グループ化 65">
+            <a:extLst>
+              <a:ext uri="{FF2B5EF4-FFF2-40B4-BE49-F238E27FC236}">
+                <a16:creationId xmlns:a16="http://schemas.microsoft.com/office/drawing/2014/main" id="{977B217D-119C-9DB5-428F-E0E8F428A4E6}"/>
+              </a:ext>
+            </a:extLst>
+          </p:cNvPr>
+          <p:cNvGrpSpPr/>
+          <p:nvPr/>
+        </p:nvGrpSpPr>
+        <p:grpSpPr>
+          <a:xfrm>
+            <a:off x="5795985" y="4753033"/>
+            <a:ext cx="879542" cy="391545"/>
+            <a:chOff x="6906637" y="4877244"/>
+            <a:chExt cx="2370942" cy="535023"/>
+          </a:xfrm>
+          <a:solidFill>
+            <a:srgbClr val="92D050"/>
+          </a:solidFill>
+        </p:grpSpPr>
+        <p:sp>
+          <p:nvSpPr>
+            <p:cNvPr id="67" name="正方形/長方形 66">
+              <a:extLst>
+                <a:ext uri="{FF2B5EF4-FFF2-40B4-BE49-F238E27FC236}">
+                  <a16:creationId xmlns:a16="http://schemas.microsoft.com/office/drawing/2014/main" id="{B537E3D8-F18C-2FCD-2611-50199CC8EB57}"/>
+                </a:ext>
+              </a:extLst>
+            </p:cNvPr>
+            <p:cNvSpPr/>
+            <p:nvPr/>
+          </p:nvSpPr>
+          <p:spPr>
+            <a:xfrm>
+              <a:off x="6906637" y="4877245"/>
+              <a:ext cx="590780" cy="535022"/>
+            </a:xfrm>
+            <a:prstGeom prst="rect">
+              <a:avLst/>
+            </a:prstGeom>
+            <a:grpFill/>
+            <a:ln w="28575"/>
+          </p:spPr>
+          <p:style>
+            <a:lnRef idx="2">
+              <a:schemeClr val="accent1">
+                <a:shade val="15000"/>
+              </a:schemeClr>
+            </a:lnRef>
+            <a:fillRef idx="1">
+              <a:schemeClr val="accent1"/>
+            </a:fillRef>
+            <a:effectRef idx="0">
+              <a:schemeClr val="accent1"/>
+            </a:effectRef>
+            <a:fontRef idx="minor">
+              <a:schemeClr val="lt1"/>
+            </a:fontRef>
+          </p:style>
+          <p:txBody>
+            <a:bodyPr rtlCol="0" anchor="ctr"/>
+            <a:lstStyle/>
+            <a:p>
+              <a:pPr algn="ctr"/>
+              <a:endParaRPr kumimoji="1" lang="ja-JP" altLang="en-US" sz="1600" dirty="0">
+                <a:solidFill>
+                  <a:srgbClr val="92D050"/>
+                </a:solidFill>
+              </a:endParaRPr>
+            </a:p>
+          </p:txBody>
+        </p:sp>
+        <p:sp>
+          <p:nvSpPr>
+            <p:cNvPr id="68" name="正方形/長方形 67">
+              <a:extLst>
+                <a:ext uri="{FF2B5EF4-FFF2-40B4-BE49-F238E27FC236}">
+                  <a16:creationId xmlns:a16="http://schemas.microsoft.com/office/drawing/2014/main" id="{8249C928-7EBA-871F-2196-97463170108F}"/>
+                </a:ext>
+              </a:extLst>
+            </p:cNvPr>
+            <p:cNvSpPr/>
+            <p:nvPr/>
+          </p:nvSpPr>
+          <p:spPr>
+            <a:xfrm>
+              <a:off x="7500025" y="4877244"/>
+              <a:ext cx="590780" cy="535022"/>
+            </a:xfrm>
+            <a:prstGeom prst="rect">
+              <a:avLst/>
+            </a:prstGeom>
+            <a:grpFill/>
+            <a:ln w="28575"/>
+          </p:spPr>
+          <p:style>
+            <a:lnRef idx="2">
+              <a:schemeClr val="accent1">
+                <a:shade val="15000"/>
+              </a:schemeClr>
+            </a:lnRef>
+            <a:fillRef idx="1">
+              <a:schemeClr val="accent1"/>
+            </a:fillRef>
+            <a:effectRef idx="0">
+              <a:schemeClr val="accent1"/>
+            </a:effectRef>
+            <a:fontRef idx="minor">
+              <a:schemeClr val="lt1"/>
+            </a:fontRef>
+          </p:style>
+          <p:txBody>
+            <a:bodyPr rtlCol="0" anchor="ctr"/>
+            <a:lstStyle/>
+            <a:p>
+              <a:pPr algn="ctr"/>
+              <a:endParaRPr kumimoji="1" lang="ja-JP" altLang="en-US" sz="1600" dirty="0">
+                <a:solidFill>
+                  <a:srgbClr val="92D050"/>
+                </a:solidFill>
+              </a:endParaRPr>
+            </a:p>
+          </p:txBody>
+        </p:sp>
+        <p:sp>
+          <p:nvSpPr>
+            <p:cNvPr id="69" name="正方形/長方形 68">
+              <a:extLst>
+                <a:ext uri="{FF2B5EF4-FFF2-40B4-BE49-F238E27FC236}">
+                  <a16:creationId xmlns:a16="http://schemas.microsoft.com/office/drawing/2014/main" id="{4F0AFD23-48F8-FA4A-4453-B85180728E0A}"/>
+                </a:ext>
+              </a:extLst>
+            </p:cNvPr>
+            <p:cNvSpPr/>
+            <p:nvPr/>
+          </p:nvSpPr>
+          <p:spPr>
+            <a:xfrm>
+              <a:off x="8093410" y="4877244"/>
+              <a:ext cx="590780" cy="535022"/>
+            </a:xfrm>
+            <a:prstGeom prst="rect">
+              <a:avLst/>
+            </a:prstGeom>
+            <a:grpFill/>
+            <a:ln w="28575"/>
+          </p:spPr>
+          <p:style>
+            <a:lnRef idx="2">
+              <a:schemeClr val="accent1">
+                <a:shade val="15000"/>
+              </a:schemeClr>
+            </a:lnRef>
+            <a:fillRef idx="1">
+              <a:schemeClr val="accent1"/>
+            </a:fillRef>
+            <a:effectRef idx="0">
+              <a:schemeClr val="accent1"/>
+            </a:effectRef>
+            <a:fontRef idx="minor">
+              <a:schemeClr val="lt1"/>
+            </a:fontRef>
+          </p:style>
+          <p:txBody>
+            <a:bodyPr rtlCol="0" anchor="ctr"/>
+            <a:lstStyle/>
+            <a:p>
+              <a:pPr algn="ctr"/>
+              <a:endParaRPr kumimoji="1" lang="ja-JP" altLang="en-US" sz="1600" dirty="0">
+                <a:solidFill>
+                  <a:srgbClr val="92D050"/>
+                </a:solidFill>
+              </a:endParaRPr>
+            </a:p>
+          </p:txBody>
+        </p:sp>
+        <p:sp>
+          <p:nvSpPr>
+            <p:cNvPr id="70" name="正方形/長方形 69">
+              <a:extLst>
+                <a:ext uri="{FF2B5EF4-FFF2-40B4-BE49-F238E27FC236}">
+                  <a16:creationId xmlns:a16="http://schemas.microsoft.com/office/drawing/2014/main" id="{D9D63836-AC74-FA16-D080-485772700F60}"/>
+                </a:ext>
+              </a:extLst>
+            </p:cNvPr>
+            <p:cNvSpPr/>
+            <p:nvPr/>
+          </p:nvSpPr>
+          <p:spPr>
+            <a:xfrm>
+              <a:off x="8686799" y="4877244"/>
+              <a:ext cx="590780" cy="535022"/>
+            </a:xfrm>
+            <a:prstGeom prst="rect">
+              <a:avLst/>
+            </a:prstGeom>
+            <a:grpFill/>
+            <a:ln w="28575"/>
+          </p:spPr>
+          <p:style>
+            <a:lnRef idx="2">
+              <a:schemeClr val="accent1">
+                <a:shade val="15000"/>
+              </a:schemeClr>
+            </a:lnRef>
+            <a:fillRef idx="1">
+              <a:schemeClr val="accent1"/>
+            </a:fillRef>
+            <a:effectRef idx="0">
+              <a:schemeClr val="accent1"/>
+            </a:effectRef>
+            <a:fontRef idx="minor">
+              <a:schemeClr val="lt1"/>
+            </a:fontRef>
+          </p:style>
+          <p:txBody>
+            <a:bodyPr rtlCol="0" anchor="ctr"/>
+            <a:lstStyle/>
+            <a:p>
+              <a:pPr algn="ctr"/>
+              <a:endParaRPr kumimoji="1" lang="ja-JP" altLang="en-US" sz="1600" dirty="0">
+                <a:solidFill>
+                  <a:srgbClr val="92D050"/>
+                </a:solidFill>
+              </a:endParaRPr>
+            </a:p>
+          </p:txBody>
+        </p:sp>
+      </p:grpSp>
     </p:spTree>
     <p:extLst>
       <p:ext uri="{BB962C8B-B14F-4D97-AF65-F5344CB8AC3E}">
@@ -17780,16 +20416,36 @@
           <a:lstStyle/>
           <a:p>
             <a:r>
-              <a:rPr lang="en-US" altLang="ja-JP" dirty="0"/>
-              <a:t>C</a:t>
-            </a:r>
-            <a:r>
               <a:rPr lang="ja-JP" altLang="en-US" dirty="0"/>
-              <a:t>言語の配列と同様に行番号と列番号を添え字で指定することで配列要素にアクセス可能</a:t>
+              <a:t>二次元配列を定義する記述方法</a:t>
             </a:r>
             <a:br>
               <a:rPr lang="en-US" altLang="ja-JP" dirty="0"/>
             </a:br>
+            <a:endParaRPr lang="en-US" altLang="ja-JP" dirty="0"/>
+          </a:p>
+          <a:p>
+            <a:pPr lvl="1"/>
+            <a:r>
+              <a:rPr lang="ja-JP" altLang="en-US" dirty="0"/>
+              <a:t>行数と列数を定めずに</a:t>
+            </a:r>
+            <a:r>
+              <a:rPr lang="en-US" altLang="ja-JP" dirty="0"/>
+              <a:t>int</a:t>
+            </a:r>
+            <a:r>
+              <a:rPr lang="ja-JP" altLang="en-US" dirty="0"/>
+              <a:t>型の二次元配列</a:t>
+            </a:r>
+            <a:r>
+              <a:rPr lang="en-US" altLang="ja-JP" dirty="0"/>
+              <a:t>v1</a:t>
+            </a:r>
+            <a:r>
+              <a:rPr lang="ja-JP" altLang="en-US" dirty="0"/>
+              <a:t>を宣言</a:t>
+            </a:r>
             <a:br>
               <a:rPr lang="en-US" altLang="ja-JP" dirty="0"/>
             </a:br>
@@ -17831,57 +20487,281 @@
             </a:r>
             <a:r>
               <a:rPr lang="en-US" altLang="ja-JP" dirty="0"/>
-              <a:t> v3{{1,2}, {3,4}}</a:t>
+              <a:t> v1</a:t>
+            </a:r>
+            <a:br>
+              <a:rPr lang="en-US" altLang="ja-JP" dirty="0"/>
+            </a:br>
+            <a:endParaRPr lang="en-US" altLang="ja-JP" dirty="0"/>
+          </a:p>
+          <a:p>
+            <a:pPr lvl="1"/>
+            <a:r>
+              <a:rPr lang="en-US" altLang="ja-JP" dirty="0"/>
+              <a:t>2</a:t>
             </a:r>
             <a:r>
               <a:rPr lang="ja-JP" altLang="en-US" dirty="0"/>
-              <a:t>；</a:t>
+              <a:t>行</a:t>
+            </a:r>
+            <a:r>
+              <a:rPr lang="en-US" altLang="ja-JP" dirty="0"/>
+              <a:t>2</a:t>
+            </a:r>
+            <a:r>
+              <a:rPr lang="ja-JP" altLang="en-US" dirty="0"/>
+              <a:t>列の</a:t>
+            </a:r>
+            <a:r>
+              <a:rPr lang="en-US" altLang="ja-JP" dirty="0"/>
+              <a:t>int</a:t>
+            </a:r>
+            <a:r>
+              <a:rPr lang="ja-JP" altLang="en-US" dirty="0"/>
+              <a:t>型の二次元配列</a:t>
+            </a:r>
+            <a:r>
+              <a:rPr lang="en-US" altLang="ja-JP" dirty="0"/>
+              <a:t>v2</a:t>
+            </a:r>
+            <a:r>
+              <a:rPr lang="ja-JP" altLang="en-US" dirty="0"/>
+              <a:t>を宣言</a:t>
             </a:r>
             <a:br>
               <a:rPr lang="en-US" altLang="ja-JP" dirty="0"/>
             </a:br>
             <a:r>
-              <a:rPr lang="en-US" altLang="ja-JP" dirty="0" err="1"/>
-              <a:t>cout</a:t>
-            </a:r>
-            <a:r>
-              <a:rPr lang="en-US" altLang="ja-JP" dirty="0"/>
-              <a:t> &lt;&lt; v3[1][0] &lt;&lt; </a:t>
-            </a:r>
-            <a:r>
-              <a:rPr lang="en-US" altLang="ja-JP" dirty="0" err="1"/>
-              <a:t>endl</a:t>
-            </a:r>
-            <a:r>
-              <a:rPr lang="en-US" altLang="ja-JP" dirty="0"/>
-              <a:t>;</a:t>
+              <a:rPr lang="en-US" altLang="ja-JP" dirty="0">
+                <a:solidFill>
+                  <a:srgbClr val="0070C0"/>
+                </a:solidFill>
+              </a:rPr>
+              <a:t>vector&lt;</a:t>
+            </a:r>
+            <a:r>
+              <a:rPr lang="en-US" altLang="ja-JP" dirty="0">
+                <a:solidFill>
+                  <a:srgbClr val="FF0000"/>
+                </a:solidFill>
+              </a:rPr>
+              <a:t>vector&lt;</a:t>
+            </a:r>
+            <a:r>
+              <a:rPr lang="en-US" altLang="ja-JP" dirty="0"/>
+              <a:t>int</a:t>
+            </a:r>
+            <a:r>
+              <a:rPr lang="en-US" altLang="ja-JP" dirty="0">
+                <a:solidFill>
+                  <a:srgbClr val="FF0000"/>
+                </a:solidFill>
+              </a:rPr>
+              <a:t>&gt;</a:t>
+            </a:r>
+            <a:r>
+              <a:rPr lang="en-US" altLang="ja-JP" dirty="0">
+                <a:solidFill>
+                  <a:srgbClr val="0070C0"/>
+                </a:solidFill>
+              </a:rPr>
+              <a:t>&gt;</a:t>
+            </a:r>
+            <a:r>
+              <a:rPr lang="en-US" altLang="ja-JP" dirty="0"/>
+              <a:t> v2(2,</a:t>
+            </a:r>
+            <a:r>
+              <a:rPr lang="en-US" altLang="ja-JP" dirty="0">
+                <a:solidFill>
+                  <a:srgbClr val="FF0000"/>
+                </a:solidFill>
+              </a:rPr>
+              <a:t>vector&lt;</a:t>
+            </a:r>
+            <a:r>
+              <a:rPr lang="en-US" altLang="ja-JP" dirty="0"/>
+              <a:t>int</a:t>
+            </a:r>
+            <a:r>
+              <a:rPr lang="en-US" altLang="ja-JP" dirty="0">
+                <a:solidFill>
+                  <a:srgbClr val="FF0000"/>
+                </a:solidFill>
+              </a:rPr>
+              <a:t>&gt;</a:t>
+            </a:r>
+            <a:r>
+              <a:rPr lang="en-US" altLang="ja-JP" dirty="0"/>
+              <a:t>(2))</a:t>
             </a:r>
             <a:br>
               <a:rPr lang="en-US" altLang="ja-JP" dirty="0"/>
             </a:br>
+            <a:endParaRPr lang="en-US" altLang="ja-JP" dirty="0"/>
+          </a:p>
+          <a:p>
+            <a:pPr lvl="1"/>
+            <a:r>
+              <a:rPr lang="en-US" altLang="ja-JP" dirty="0"/>
+              <a:t>2</a:t>
+            </a:r>
+            <a:r>
+              <a:rPr lang="ja-JP" altLang="en-US" dirty="0"/>
+              <a:t>行</a:t>
+            </a:r>
+            <a:r>
+              <a:rPr lang="en-US" altLang="ja-JP" dirty="0"/>
+              <a:t>2</a:t>
+            </a:r>
+            <a:r>
+              <a:rPr lang="ja-JP" altLang="en-US" dirty="0"/>
+              <a:t>列の</a:t>
+            </a:r>
+            <a:r>
+              <a:rPr lang="en-US" altLang="ja-JP" dirty="0"/>
+              <a:t>int</a:t>
+            </a:r>
+            <a:r>
+              <a:rPr lang="ja-JP" altLang="en-US" dirty="0"/>
+              <a:t>型の初期値ありの二次元配列</a:t>
+            </a:r>
+            <a:r>
+              <a:rPr lang="en-US" altLang="ja-JP" dirty="0"/>
+              <a:t>v3</a:t>
+            </a:r>
+            <a:r>
+              <a:rPr lang="ja-JP" altLang="en-US" dirty="0"/>
+              <a:t>を宣言</a:t>
+            </a:r>
             <a:br>
               <a:rPr lang="en-US" altLang="ja-JP" dirty="0"/>
             </a:br>
             <a:r>
-              <a:rPr lang="ja-JP" altLang="en-US" dirty="0"/>
-              <a:t>とすると、「</a:t>
-            </a:r>
-            <a:r>
-              <a:rPr lang="en-US" altLang="ja-JP" dirty="0"/>
-              <a:t>3</a:t>
-            </a:r>
-            <a:r>
-              <a:rPr lang="ja-JP" altLang="en-US" dirty="0"/>
-              <a:t>」が表示される</a:t>
-            </a:r>
-            <a:endParaRPr lang="en-US" altLang="ja-JP" dirty="0"/>
+              <a:rPr lang="en-US" altLang="ja-JP" dirty="0">
+                <a:solidFill>
+                  <a:srgbClr val="0070C0"/>
+                </a:solidFill>
+              </a:rPr>
+              <a:t>vector&lt;</a:t>
+            </a:r>
+            <a:r>
+              <a:rPr lang="en-US" altLang="ja-JP" dirty="0">
+                <a:solidFill>
+                  <a:srgbClr val="FF0000"/>
+                </a:solidFill>
+              </a:rPr>
+              <a:t>vector&lt;</a:t>
+            </a:r>
+            <a:r>
+              <a:rPr lang="en-US" altLang="ja-JP" dirty="0"/>
+              <a:t>int</a:t>
+            </a:r>
+            <a:r>
+              <a:rPr lang="en-US" altLang="ja-JP" dirty="0">
+                <a:solidFill>
+                  <a:srgbClr val="FF0000"/>
+                </a:solidFill>
+              </a:rPr>
+              <a:t>&gt;</a:t>
+            </a:r>
+            <a:r>
+              <a:rPr lang="en-US" altLang="ja-JP" dirty="0">
+                <a:solidFill>
+                  <a:srgbClr val="0070C0"/>
+                </a:solidFill>
+              </a:rPr>
+              <a:t>&gt;</a:t>
+            </a:r>
+            <a:r>
+              <a:rPr lang="en-US" altLang="ja-JP" dirty="0"/>
+              <a:t> v3{ {1,2}, {3,4} }</a:t>
+            </a:r>
+          </a:p>
+        </p:txBody>
+      </p:sp>
+      <p:sp>
+        <p:nvSpPr>
+          <p:cNvPr id="4" name="テキスト ボックス 3">
+            <a:extLst>
+              <a:ext uri="{FF2B5EF4-FFF2-40B4-BE49-F238E27FC236}">
+                <a16:creationId xmlns:a16="http://schemas.microsoft.com/office/drawing/2014/main" id="{95E6DB39-1741-820A-31C3-F8C41EF089A7}"/>
+              </a:ext>
+            </a:extLst>
+          </p:cNvPr>
+          <p:cNvSpPr txBox="1"/>
+          <p:nvPr/>
+        </p:nvSpPr>
+        <p:spPr>
+          <a:xfrm>
+            <a:off x="7247106" y="4708188"/>
+            <a:ext cx="646331" cy="369332"/>
+          </a:xfrm>
+          <a:prstGeom prst="rect">
+            <a:avLst/>
+          </a:prstGeom>
+          <a:noFill/>
+        </p:spPr>
+        <p:txBody>
+          <a:bodyPr wrap="none" rtlCol="0">
+            <a:spAutoFit/>
+          </a:bodyPr>
+          <a:lstStyle/>
+          <a:p>
+            <a:r>
+              <a:rPr kumimoji="1" lang="ja-JP" altLang="en-US" dirty="0">
+                <a:solidFill>
+                  <a:srgbClr val="00B0F0"/>
+                </a:solidFill>
+              </a:rPr>
+              <a:t>行数</a:t>
+            </a:r>
+          </a:p>
+        </p:txBody>
+      </p:sp>
+      <p:sp>
+        <p:nvSpPr>
+          <p:cNvPr id="5" name="テキスト ボックス 4">
+            <a:extLst>
+              <a:ext uri="{FF2B5EF4-FFF2-40B4-BE49-F238E27FC236}">
+                <a16:creationId xmlns:a16="http://schemas.microsoft.com/office/drawing/2014/main" id="{D114FA14-E9D5-0B58-91D2-E48A7FC9A3FC}"/>
+              </a:ext>
+            </a:extLst>
+          </p:cNvPr>
+          <p:cNvSpPr txBox="1"/>
+          <p:nvPr/>
+        </p:nvSpPr>
+        <p:spPr>
+          <a:xfrm>
+            <a:off x="10784731" y="4708188"/>
+            <a:ext cx="646331" cy="369332"/>
+          </a:xfrm>
+          <a:prstGeom prst="rect">
+            <a:avLst/>
+          </a:prstGeom>
+          <a:noFill/>
+        </p:spPr>
+        <p:txBody>
+          <a:bodyPr wrap="none" rtlCol="0">
+            <a:spAutoFit/>
+          </a:bodyPr>
+          <a:lstStyle/>
+          <a:p>
+            <a:r>
+              <a:rPr kumimoji="1" lang="ja-JP" altLang="en-US" dirty="0">
+                <a:solidFill>
+                  <a:srgbClr val="FF0000"/>
+                </a:solidFill>
+              </a:rPr>
+              <a:t>列数</a:t>
+            </a:r>
           </a:p>
         </p:txBody>
       </p:sp>
     </p:spTree>
     <p:extLst>
       <p:ext uri="{BB962C8B-B14F-4D97-AF65-F5344CB8AC3E}">
-        <p14:creationId xmlns:p14="http://schemas.microsoft.com/office/powerpoint/2010/main" val="3520774253"/>
+        <p14:creationId xmlns:p14="http://schemas.microsoft.com/office/powerpoint/2010/main" val="511115455"/>
       </p:ext>
     </p:extLst>
   </p:cSld>
@@ -17968,6 +20848,252 @@
         </p:spPr>
         <p:txBody>
           <a:bodyPr>
+            <a:normAutofit lnSpcReduction="10000"/>
+          </a:bodyPr>
+          <a:lstStyle/>
+          <a:p>
+            <a:r>
+              <a:rPr lang="en-US" altLang="ja-JP" dirty="0"/>
+              <a:t>C</a:t>
+            </a:r>
+            <a:r>
+              <a:rPr lang="ja-JP" altLang="en-US" dirty="0"/>
+              <a:t>言語の配列と同様に行番号と列番号を添え字で指定することで配列要素にアクセス可能</a:t>
+            </a:r>
+            <a:br>
+              <a:rPr lang="en-US" altLang="ja-JP" dirty="0"/>
+            </a:br>
+            <a:br>
+              <a:rPr lang="en-US" altLang="ja-JP" dirty="0"/>
+            </a:br>
+            <a:r>
+              <a:rPr lang="en-US" altLang="ja-JP" dirty="0">
+                <a:solidFill>
+                  <a:srgbClr val="0070C0"/>
+                </a:solidFill>
+              </a:rPr>
+              <a:t>vector&lt;</a:t>
+            </a:r>
+            <a:r>
+              <a:rPr lang="en-US" altLang="ja-JP" dirty="0">
+                <a:solidFill>
+                  <a:srgbClr val="FF0000"/>
+                </a:solidFill>
+              </a:rPr>
+              <a:t>vector&lt;</a:t>
+            </a:r>
+            <a:r>
+              <a:rPr lang="en-US" altLang="ja-JP" dirty="0"/>
+              <a:t>int</a:t>
+            </a:r>
+            <a:r>
+              <a:rPr lang="en-US" altLang="ja-JP" dirty="0">
+                <a:solidFill>
+                  <a:srgbClr val="FF0000"/>
+                </a:solidFill>
+              </a:rPr>
+              <a:t>&gt;</a:t>
+            </a:r>
+            <a:r>
+              <a:rPr lang="en-US" altLang="ja-JP" dirty="0">
+                <a:solidFill>
+                  <a:srgbClr val="0070C0"/>
+                </a:solidFill>
+              </a:rPr>
+              <a:t>&gt;</a:t>
+            </a:r>
+            <a:r>
+              <a:rPr lang="en-US" altLang="ja-JP" dirty="0"/>
+              <a:t> v3{{1,2}, {3,4}}</a:t>
+            </a:r>
+            <a:r>
+              <a:rPr lang="ja-JP" altLang="en-US" dirty="0"/>
+              <a:t>；</a:t>
+            </a:r>
+            <a:br>
+              <a:rPr lang="en-US" altLang="ja-JP" dirty="0"/>
+            </a:br>
+            <a:br>
+              <a:rPr lang="en-US" altLang="ja-JP" dirty="0"/>
+            </a:br>
+            <a:r>
+              <a:rPr lang="ja-JP" altLang="en-US" dirty="0"/>
+              <a:t>と宣言したあと、</a:t>
+            </a:r>
+            <a:br>
+              <a:rPr lang="en-US" altLang="ja-JP" dirty="0"/>
+            </a:br>
+            <a:br>
+              <a:rPr lang="en-US" altLang="ja-JP" dirty="0"/>
+            </a:br>
+            <a:r>
+              <a:rPr lang="en-US" altLang="ja-JP" dirty="0" err="1"/>
+              <a:t>cout</a:t>
+            </a:r>
+            <a:r>
+              <a:rPr lang="en-US" altLang="ja-JP" dirty="0"/>
+              <a:t> &lt;&lt; v3[</a:t>
+            </a:r>
+            <a:r>
+              <a:rPr lang="en-US" altLang="ja-JP" dirty="0">
+                <a:solidFill>
+                  <a:srgbClr val="0070C0"/>
+                </a:solidFill>
+              </a:rPr>
+              <a:t>1</a:t>
+            </a:r>
+            <a:r>
+              <a:rPr lang="en-US" altLang="ja-JP" dirty="0"/>
+              <a:t>][</a:t>
+            </a:r>
+            <a:r>
+              <a:rPr lang="en-US" altLang="ja-JP" dirty="0">
+                <a:solidFill>
+                  <a:srgbClr val="FF0000"/>
+                </a:solidFill>
+              </a:rPr>
+              <a:t>0</a:t>
+            </a:r>
+            <a:r>
+              <a:rPr lang="en-US" altLang="ja-JP" dirty="0"/>
+              <a:t>] &lt;&lt; </a:t>
+            </a:r>
+            <a:r>
+              <a:rPr lang="en-US" altLang="ja-JP" dirty="0" err="1"/>
+              <a:t>endl</a:t>
+            </a:r>
+            <a:r>
+              <a:rPr lang="en-US" altLang="ja-JP" dirty="0"/>
+              <a:t>;</a:t>
+            </a:r>
+            <a:br>
+              <a:rPr lang="en-US" altLang="ja-JP" dirty="0"/>
+            </a:br>
+            <a:br>
+              <a:rPr lang="en-US" altLang="ja-JP" dirty="0"/>
+            </a:br>
+            <a:r>
+              <a:rPr lang="ja-JP" altLang="en-US" dirty="0"/>
+              <a:t>を実行すると、</a:t>
+            </a:r>
+            <a:r>
+              <a:rPr lang="en-US" altLang="ja-JP" dirty="0"/>
+              <a:t>1</a:t>
+            </a:r>
+            <a:r>
+              <a:rPr lang="ja-JP" altLang="en-US" dirty="0"/>
+              <a:t>行</a:t>
+            </a:r>
+            <a:r>
+              <a:rPr lang="en-US" altLang="ja-JP" dirty="0"/>
+              <a:t>0</a:t>
+            </a:r>
+            <a:r>
+              <a:rPr lang="ja-JP" altLang="en-US" dirty="0"/>
+              <a:t>列目の「</a:t>
+            </a:r>
+            <a:r>
+              <a:rPr lang="en-US" altLang="ja-JP" dirty="0"/>
+              <a:t>3</a:t>
+            </a:r>
+            <a:r>
+              <a:rPr lang="ja-JP" altLang="en-US" dirty="0"/>
+              <a:t>」が表示される</a:t>
+            </a:r>
+            <a:endParaRPr lang="en-US" altLang="ja-JP" dirty="0"/>
+          </a:p>
+        </p:txBody>
+      </p:sp>
+    </p:spTree>
+    <p:extLst>
+      <p:ext uri="{BB962C8B-B14F-4D97-AF65-F5344CB8AC3E}">
+        <p14:creationId xmlns:p14="http://schemas.microsoft.com/office/powerpoint/2010/main" val="3520774253"/>
+      </p:ext>
+    </p:extLst>
+  </p:cSld>
+  <p:clrMapOvr>
+    <a:masterClrMapping/>
+  </p:clrMapOvr>
+</p:sld>
+</file>
+
+<file path=ppt/slides/slide32.xml><?xml version="1.0" encoding="utf-8"?>
+<p:sld xmlns:a="http://schemas.openxmlformats.org/drawingml/2006/main" xmlns:r="http://schemas.openxmlformats.org/officeDocument/2006/relationships" xmlns:p="http://schemas.openxmlformats.org/presentationml/2006/main">
+  <p:cSld>
+    <p:spTree>
+      <p:nvGrpSpPr>
+        <p:cNvPr id="1" name=""/>
+        <p:cNvGrpSpPr/>
+        <p:nvPr/>
+      </p:nvGrpSpPr>
+      <p:grpSpPr>
+        <a:xfrm>
+          <a:off x="0" y="0"/>
+          <a:ext cx="0" cy="0"/>
+          <a:chOff x="0" y="0"/>
+          <a:chExt cx="0" cy="0"/>
+        </a:xfrm>
+      </p:grpSpPr>
+      <p:sp>
+        <p:nvSpPr>
+          <p:cNvPr id="2" name="タイトル 1">
+            <a:extLst>
+              <a:ext uri="{FF2B5EF4-FFF2-40B4-BE49-F238E27FC236}">
+                <a16:creationId xmlns:a16="http://schemas.microsoft.com/office/drawing/2014/main" id="{9F789731-37C4-49DD-AEE8-78E5514E279E}"/>
+              </a:ext>
+            </a:extLst>
+          </p:cNvPr>
+          <p:cNvSpPr>
+            <a:spLocks noGrp="1"/>
+          </p:cNvSpPr>
+          <p:nvPr>
+            <p:ph type="title"/>
+          </p:nvPr>
+        </p:nvSpPr>
+        <p:spPr/>
+        <p:txBody>
+          <a:bodyPr/>
+          <a:lstStyle/>
+          <a:p>
+            <a:r>
+              <a:rPr lang="en-US" altLang="ja-JP" dirty="0"/>
+              <a:t>v</a:t>
+            </a:r>
+            <a:r>
+              <a:rPr kumimoji="1" lang="en-US" altLang="ja-JP" dirty="0"/>
+              <a:t>ector</a:t>
+            </a:r>
+            <a:r>
+              <a:rPr kumimoji="1" lang="ja-JP" altLang="en-US" dirty="0"/>
+              <a:t>クラス（二次元配列）</a:t>
+            </a:r>
+          </a:p>
+        </p:txBody>
+      </p:sp>
+      <p:sp>
+        <p:nvSpPr>
+          <p:cNvPr id="3" name="コンテンツ プレースホルダー 2">
+            <a:extLst>
+              <a:ext uri="{FF2B5EF4-FFF2-40B4-BE49-F238E27FC236}">
+                <a16:creationId xmlns:a16="http://schemas.microsoft.com/office/drawing/2014/main" id="{39562F0E-6033-40BD-BCB8-F015661306FD}"/>
+              </a:ext>
+            </a:extLst>
+          </p:cNvPr>
+          <p:cNvSpPr>
+            <a:spLocks noGrp="1"/>
+          </p:cNvSpPr>
+          <p:nvPr>
+            <p:ph idx="1"/>
+          </p:nvPr>
+        </p:nvSpPr>
+        <p:spPr>
+          <a:xfrm>
+            <a:off x="838200" y="1376038"/>
+            <a:ext cx="11233826" cy="4980311"/>
+          </a:xfrm>
+        </p:spPr>
+        <p:txBody>
+          <a:bodyPr>
             <a:normAutofit/>
           </a:bodyPr>
           <a:lstStyle/>
@@ -18870,7 +21996,7 @@
 </p:sld>
 </file>
 
-<file path=ppt/slides/slide32.xml><?xml version="1.0" encoding="utf-8"?>
+<file path=ppt/slides/slide33.xml><?xml version="1.0" encoding="utf-8"?>
 <p:sld xmlns:a="http://schemas.openxmlformats.org/drawingml/2006/main" xmlns:r="http://schemas.openxmlformats.org/officeDocument/2006/relationships" xmlns:p="http://schemas.openxmlformats.org/presentationml/2006/main">
   <p:cSld>
     <p:spTree>
@@ -19221,7 +22347,7 @@
 </p:sld>
 </file>
 
-<file path=ppt/slides/slide33.xml><?xml version="1.0" encoding="utf-8"?>
+<file path=ppt/slides/slide34.xml><?xml version="1.0" encoding="utf-8"?>
 <p:sld xmlns:a="http://schemas.openxmlformats.org/drawingml/2006/main" xmlns:r="http://schemas.openxmlformats.org/officeDocument/2006/relationships" xmlns:p="http://schemas.openxmlformats.org/presentationml/2006/main">
   <p:cSld>
     <p:spTree>

--- a/授業資料/講義資料：Vectorクラス.pptx
+++ b/授業資料/講義資料：Vectorクラス.pptx
@@ -14053,7 +14053,7 @@
                 </a:solidFill>
                 <a:latin typeface="+mn-ea"/>
               </a:rPr>
-              <a:t>+1</a:t>
+              <a:t>+2</a:t>
             </a:r>
             <a:r>
               <a:rPr lang="ja-JP" altLang="en-US" dirty="0">
@@ -14065,7 +14065,7 @@
               <a:t>番目）へ要素（</a:t>
             </a:r>
             <a:r>
-              <a:rPr lang="en-US" altLang="ja-JP">
+              <a:rPr lang="en-US" altLang="ja-JP" dirty="0">
                 <a:solidFill>
                   <a:srgbClr val="00B050"/>
                 </a:solidFill>
@@ -14074,22 +14074,13 @@
               <a:t>20</a:t>
             </a:r>
             <a:r>
-              <a:rPr lang="ja-JP" altLang="en-US">
+              <a:rPr lang="ja-JP" altLang="en-US" dirty="0">
                 <a:solidFill>
                   <a:srgbClr val="00B050"/>
                 </a:solidFill>
                 <a:latin typeface="+mn-ea"/>
               </a:rPr>
-              <a:t>）</a:t>
-            </a:r>
-            <a:r>
-              <a:rPr lang="ja-JP" altLang="en-US" dirty="0">
-                <a:solidFill>
-                  <a:srgbClr val="00B050"/>
-                </a:solidFill>
-                <a:latin typeface="+mn-ea"/>
-              </a:rPr>
-              <a:t>を追加</a:t>
+              <a:t>）を追加</a:t>
             </a:r>
             <a:br>
               <a:rPr lang="en-US" altLang="ja-JP" dirty="0">
@@ -14211,7 +14202,7 @@
                 </a:solidFill>
                 <a:latin typeface="+mn-ea"/>
               </a:rPr>
-              <a:t>+2</a:t>
+              <a:t>+4</a:t>
             </a:r>
             <a:r>
               <a:rPr lang="ja-JP" altLang="en-US" dirty="0">
@@ -15938,13 +15929,13 @@
               <a:t> </a:t>
             </a:r>
             <a:r>
-              <a:rPr lang="en-US" altLang="ja-JP" sz="3200" dirty="0" err="1">
+              <a:rPr lang="en-US" altLang="ja-JP" sz="3200" dirty="0">
                 <a:solidFill>
                   <a:srgbClr val="00B050"/>
                 </a:solidFill>
                 <a:ea typeface="ＭＳ ゴシック" panose="020B0609070205080204" pitchFamily="49" charset="-128"/>
               </a:rPr>
-              <a:t>itr</a:t>
+              <a:t>d</a:t>
             </a:r>
             <a:r>
               <a:rPr lang="en-US" altLang="ja-JP" sz="3200" dirty="0">
@@ -15995,7 +15986,25 @@
                 </a:solidFill>
                 <a:ea typeface="ＭＳ ゴシック" panose="020B0609070205080204" pitchFamily="49" charset="-128"/>
               </a:rPr>
-              <a:t>の場合</a:t>
+              <a:t>を使うと</a:t>
+            </a:r>
+            <a:r>
+              <a:rPr lang="en-US" altLang="ja-JP" sz="3200" dirty="0">
+                <a:solidFill>
+                  <a:srgbClr val="00B050"/>
+                </a:solidFill>
+                <a:ea typeface="ＭＳ ゴシック" panose="020B0609070205080204" pitchFamily="49" charset="-128"/>
+              </a:rPr>
+              <a:t>d</a:t>
+            </a:r>
+            <a:r>
+              <a:rPr lang="ja-JP" altLang="en-US" sz="3200" dirty="0">
+                <a:solidFill>
+                  <a:srgbClr val="00B050"/>
+                </a:solidFill>
+                <a:ea typeface="ＭＳ ゴシック" panose="020B0609070205080204" pitchFamily="49" charset="-128"/>
+              </a:rPr>
+              <a:t>に</a:t>
             </a:r>
             <a:endParaRPr lang="nn-NO" altLang="ja-JP" sz="3200" dirty="0">
               <a:solidFill>
@@ -16021,7 +16030,7 @@
                 </a:solidFill>
                 <a:ea typeface="ＭＳ ゴシック" panose="020B0609070205080204" pitchFamily="49" charset="-128"/>
               </a:rPr>
-              <a:t>itr</a:t>
+              <a:t>d</a:t>
             </a:r>
             <a:r>
               <a:rPr lang="nn-NO" altLang="ja-JP" sz="3200" dirty="0">
@@ -16048,52 +16057,16 @@
                 </a:solidFill>
                 <a:ea typeface="ＭＳ ゴシック" panose="020B0609070205080204" pitchFamily="49" charset="-128"/>
               </a:rPr>
-              <a:t>//</a:t>
-            </a:r>
-            <a:r>
-              <a:rPr lang="en-US" altLang="ja-JP" sz="3200" dirty="0" err="1">
+              <a:t>//v1</a:t>
+            </a:r>
+            <a:r>
+              <a:rPr lang="ja-JP" altLang="en-US" sz="3200" dirty="0">
                 <a:solidFill>
                   <a:srgbClr val="00B050"/>
                 </a:solidFill>
                 <a:ea typeface="ＭＳ ゴシック" panose="020B0609070205080204" pitchFamily="49" charset="-128"/>
               </a:rPr>
-              <a:t>itr</a:t>
-            </a:r>
-            <a:r>
-              <a:rPr lang="ja-JP" altLang="en-US" sz="3200" dirty="0">
-                <a:solidFill>
-                  <a:srgbClr val="00B050"/>
-                </a:solidFill>
-                <a:ea typeface="ＭＳ ゴシック" panose="020B0609070205080204" pitchFamily="49" charset="-128"/>
-              </a:rPr>
-              <a:t>に</a:t>
-            </a:r>
-            <a:r>
-              <a:rPr lang="en-US" altLang="ja-JP" sz="3200" dirty="0">
-                <a:solidFill>
-                  <a:srgbClr val="00B050"/>
-                </a:solidFill>
-                <a:ea typeface="ＭＳ ゴシック" panose="020B0609070205080204" pitchFamily="49" charset="-128"/>
-              </a:rPr>
-              <a:t>”*”</a:t>
-            </a:r>
-            <a:r>
-              <a:rPr lang="ja-JP" altLang="en-US" sz="3200" dirty="0">
-                <a:solidFill>
-                  <a:srgbClr val="00B050"/>
-                </a:solidFill>
-                <a:ea typeface="ＭＳ ゴシック" panose="020B0609070205080204" pitchFamily="49" charset="-128"/>
-              </a:rPr>
-              <a:t>は不要</a:t>
-            </a:r>
-            <a:r>
-              <a:rPr lang="nn-NO" altLang="ja-JP" sz="3200" dirty="0">
-                <a:solidFill>
-                  <a:srgbClr val="00B050"/>
-                </a:solidFill>
-                <a:ea typeface="ＭＳ ゴシック" panose="020B0609070205080204" pitchFamily="49" charset="-128"/>
-              </a:rPr>
-              <a:t> </a:t>
+              <a:t>の要素が順に格納</a:t>
             </a:r>
             <a:br>
               <a:rPr lang="nn-NO" altLang="ja-JP" sz="3200" dirty="0">
@@ -16616,7 +16589,7 @@
               <a:t>cout &lt;&lt; </a:t>
             </a:r>
             <a:r>
-              <a:rPr lang="sv-SE" altLang="ja-JP" sz="2000" b="1" dirty="0">
+              <a:rPr lang="sv-SE" altLang="ja-JP" sz="2000" dirty="0">
                 <a:solidFill>
                   <a:srgbClr val="00B050"/>
                 </a:solidFill>
@@ -16662,16 +16635,7 @@
                 </a:solidFill>
                 <a:ea typeface="ＭＳ ゴシック" panose="020B0609070205080204" pitchFamily="49" charset="-128"/>
               </a:rPr>
-              <a:t>for (auto </a:t>
-            </a:r>
-            <a:r>
-              <a:rPr lang="en-US" altLang="ja-JP" dirty="0" err="1">
-                <a:solidFill>
-                  <a:srgbClr val="FF0000"/>
-                </a:solidFill>
-                <a:ea typeface="ＭＳ ゴシック" panose="020B0609070205080204" pitchFamily="49" charset="-128"/>
-              </a:rPr>
-              <a:t>itr</a:t>
+              <a:t>for (auto d</a:t>
             </a:r>
             <a:r>
               <a:rPr lang="en-US" altLang="ja-JP" dirty="0">
@@ -16786,7 +16750,7 @@
                 </a:solidFill>
                 <a:ea typeface="ＭＳ ゴシック" panose="020B0609070205080204" pitchFamily="49" charset="-128"/>
               </a:rPr>
-              <a:t>itr </a:t>
+              <a:t>d </a:t>
             </a:r>
             <a:r>
               <a:rPr lang="sv-SE" altLang="ja-JP" sz="1800" dirty="0">
@@ -22161,8 +22125,48 @@
           <a:lstStyle/>
           <a:p>
             <a:r>
+              <a:rPr kumimoji="1" lang="en-US" altLang="ja-JP" sz="3200" dirty="0">
+                <a:solidFill>
+                  <a:srgbClr val="0070C0"/>
+                </a:solidFill>
+              </a:rPr>
+              <a:t>vector&lt;</a:t>
+            </a:r>
+            <a:r>
+              <a:rPr kumimoji="1" lang="en-US" altLang="ja-JP" sz="3200" dirty="0">
+                <a:solidFill>
+                  <a:srgbClr val="FF0000"/>
+                </a:solidFill>
+              </a:rPr>
+              <a:t>vector&lt;</a:t>
+            </a:r>
+            <a:r>
+              <a:rPr kumimoji="1" lang="en-US" altLang="ja-JP" sz="3200" dirty="0">
+                <a:solidFill>
+                  <a:srgbClr val="00B0F0"/>
+                </a:solidFill>
+              </a:rPr>
+              <a:t>int</a:t>
+            </a:r>
+            <a:r>
+              <a:rPr kumimoji="1" lang="en-US" altLang="ja-JP" sz="3200" dirty="0">
+                <a:solidFill>
+                  <a:srgbClr val="FF0000"/>
+                </a:solidFill>
+              </a:rPr>
+              <a:t>&gt;</a:t>
+            </a:r>
+            <a:r>
+              <a:rPr kumimoji="1" lang="en-US" altLang="ja-JP" sz="3200" dirty="0">
+                <a:solidFill>
+                  <a:srgbClr val="0070C0"/>
+                </a:solidFill>
+              </a:rPr>
+              <a:t>&gt;</a:t>
+            </a:r>
+            <a:r>
               <a:rPr kumimoji="1" lang="en-US" altLang="ja-JP" sz="3200" dirty="0"/>
-              <a:t>vector&lt;vector&lt;int&gt;&gt; v{};</a:t>
+              <a:t> v{};</a:t>
             </a:r>
           </a:p>
           <a:p>

--- a/授業資料/講義資料：Vectorクラス.pptx
+++ b/授業資料/講義資料：Vectorクラス.pptx
@@ -276,7 +276,7 @@
           <a:p>
             <a:fld id="{5B96D3F8-CD2E-4A0D-AC38-517181EABB18}" type="datetimeFigureOut">
               <a:rPr kumimoji="1" lang="ja-JP" altLang="en-US" smtClean="0"/>
-              <a:t>2024/10/21</a:t>
+              <a:t>2025/9/5</a:t>
             </a:fld>
             <a:endParaRPr kumimoji="1" lang="ja-JP" altLang="en-US"/>
           </a:p>
@@ -478,7 +478,7 @@
           <a:p>
             <a:fld id="{5B96D3F8-CD2E-4A0D-AC38-517181EABB18}" type="datetimeFigureOut">
               <a:rPr kumimoji="1" lang="ja-JP" altLang="en-US" smtClean="0"/>
-              <a:t>2024/10/21</a:t>
+              <a:t>2025/9/5</a:t>
             </a:fld>
             <a:endParaRPr kumimoji="1" lang="ja-JP" altLang="en-US"/>
           </a:p>
@@ -690,7 +690,7 @@
           <a:p>
             <a:fld id="{5B96D3F8-CD2E-4A0D-AC38-517181EABB18}" type="datetimeFigureOut">
               <a:rPr kumimoji="1" lang="ja-JP" altLang="en-US" smtClean="0"/>
-              <a:t>2024/10/21</a:t>
+              <a:t>2025/9/5</a:t>
             </a:fld>
             <a:endParaRPr kumimoji="1" lang="ja-JP" altLang="en-US"/>
           </a:p>
@@ -892,7 +892,7 @@
           <a:p>
             <a:fld id="{5B96D3F8-CD2E-4A0D-AC38-517181EABB18}" type="datetimeFigureOut">
               <a:rPr kumimoji="1" lang="ja-JP" altLang="en-US" smtClean="0"/>
-              <a:t>2024/10/21</a:t>
+              <a:t>2025/9/5</a:t>
             </a:fld>
             <a:endParaRPr kumimoji="1" lang="ja-JP" altLang="en-US"/>
           </a:p>
@@ -1138,7 +1138,7 @@
           <a:p>
             <a:fld id="{5B96D3F8-CD2E-4A0D-AC38-517181EABB18}" type="datetimeFigureOut">
               <a:rPr kumimoji="1" lang="ja-JP" altLang="en-US" smtClean="0"/>
-              <a:t>2024/10/21</a:t>
+              <a:t>2025/9/5</a:t>
             </a:fld>
             <a:endParaRPr kumimoji="1" lang="ja-JP" altLang="en-US"/>
           </a:p>
@@ -1434,7 +1434,7 @@
           <a:p>
             <a:fld id="{5B96D3F8-CD2E-4A0D-AC38-517181EABB18}" type="datetimeFigureOut">
               <a:rPr kumimoji="1" lang="ja-JP" altLang="en-US" smtClean="0"/>
-              <a:t>2024/10/21</a:t>
+              <a:t>2025/9/5</a:t>
             </a:fld>
             <a:endParaRPr kumimoji="1" lang="ja-JP" altLang="en-US"/>
           </a:p>
@@ -1865,7 +1865,7 @@
           <a:p>
             <a:fld id="{5B96D3F8-CD2E-4A0D-AC38-517181EABB18}" type="datetimeFigureOut">
               <a:rPr kumimoji="1" lang="ja-JP" altLang="en-US" smtClean="0"/>
-              <a:t>2024/10/21</a:t>
+              <a:t>2025/9/5</a:t>
             </a:fld>
             <a:endParaRPr kumimoji="1" lang="ja-JP" altLang="en-US"/>
           </a:p>
@@ -1983,7 +1983,7 @@
           <a:p>
             <a:fld id="{5B96D3F8-CD2E-4A0D-AC38-517181EABB18}" type="datetimeFigureOut">
               <a:rPr kumimoji="1" lang="ja-JP" altLang="en-US" smtClean="0"/>
-              <a:t>2024/10/21</a:t>
+              <a:t>2025/9/5</a:t>
             </a:fld>
             <a:endParaRPr kumimoji="1" lang="ja-JP" altLang="en-US"/>
           </a:p>
@@ -2078,7 +2078,7 @@
           <a:p>
             <a:fld id="{5B96D3F8-CD2E-4A0D-AC38-517181EABB18}" type="datetimeFigureOut">
               <a:rPr kumimoji="1" lang="ja-JP" altLang="en-US" smtClean="0"/>
-              <a:t>2024/10/21</a:t>
+              <a:t>2025/9/5</a:t>
             </a:fld>
             <a:endParaRPr kumimoji="1" lang="ja-JP" altLang="en-US"/>
           </a:p>
@@ -2387,7 +2387,7 @@
           <a:p>
             <a:fld id="{5B96D3F8-CD2E-4A0D-AC38-517181EABB18}" type="datetimeFigureOut">
               <a:rPr kumimoji="1" lang="ja-JP" altLang="en-US" smtClean="0"/>
-              <a:t>2024/10/21</a:t>
+              <a:t>2025/9/5</a:t>
             </a:fld>
             <a:endParaRPr kumimoji="1" lang="ja-JP" altLang="en-US"/>
           </a:p>
@@ -2644,7 +2644,7 @@
           <a:p>
             <a:fld id="{5B96D3F8-CD2E-4A0D-AC38-517181EABB18}" type="datetimeFigureOut">
               <a:rPr kumimoji="1" lang="ja-JP" altLang="en-US" smtClean="0"/>
-              <a:t>2024/10/21</a:t>
+              <a:t>2025/9/5</a:t>
             </a:fld>
             <a:endParaRPr kumimoji="1" lang="ja-JP" altLang="en-US"/>
           </a:p>
@@ -2889,7 +2889,7 @@
           <a:p>
             <a:fld id="{5B96D3F8-CD2E-4A0D-AC38-517181EABB18}" type="datetimeFigureOut">
               <a:rPr kumimoji="1" lang="ja-JP" altLang="en-US" smtClean="0"/>
-              <a:t>2024/10/21</a:t>
+              <a:t>2025/9/5</a:t>
             </a:fld>
             <a:endParaRPr kumimoji="1" lang="ja-JP" altLang="en-US"/>
           </a:p>
@@ -17199,7 +17199,7 @@
         </p:nvSpPr>
         <p:spPr>
           <a:xfrm>
-            <a:off x="3634090" y="3552955"/>
+            <a:off x="1063276" y="3552955"/>
             <a:ext cx="1021403" cy="535022"/>
           </a:xfrm>
           <a:prstGeom prst="rect">
@@ -17261,7 +17261,7 @@
         </p:nvSpPr>
         <p:spPr>
           <a:xfrm>
-            <a:off x="4674951" y="3552955"/>
+            <a:off x="2104137" y="3552955"/>
             <a:ext cx="1021403" cy="535022"/>
           </a:xfrm>
           <a:prstGeom prst="rect">
@@ -17323,7 +17323,7 @@
         </p:nvSpPr>
         <p:spPr>
           <a:xfrm>
-            <a:off x="3634090" y="4112721"/>
+            <a:off x="4205319" y="3552955"/>
             <a:ext cx="1021403" cy="535022"/>
           </a:xfrm>
           <a:prstGeom prst="rect">
@@ -17385,7 +17385,7 @@
         </p:nvSpPr>
         <p:spPr>
           <a:xfrm>
-            <a:off x="4674951" y="4112721"/>
+            <a:off x="5246180" y="3552955"/>
             <a:ext cx="1021403" cy="535022"/>
           </a:xfrm>
           <a:prstGeom prst="rect">
@@ -17447,7 +17447,7 @@
         </p:nvSpPr>
         <p:spPr>
           <a:xfrm>
-            <a:off x="5725540" y="4112721"/>
+            <a:off x="6296769" y="3552955"/>
             <a:ext cx="1021403" cy="535022"/>
           </a:xfrm>
           <a:prstGeom prst="rect">
@@ -17509,7 +17509,7 @@
         </p:nvSpPr>
         <p:spPr>
           <a:xfrm>
-            <a:off x="3634090" y="4672487"/>
+            <a:off x="7308160" y="3552955"/>
             <a:ext cx="1021403" cy="535022"/>
           </a:xfrm>
           <a:prstGeom prst="rect">
@@ -17571,7 +17571,7 @@
         </p:nvSpPr>
         <p:spPr>
           <a:xfrm>
-            <a:off x="6150486" y="2547155"/>
+            <a:off x="1488224" y="2526835"/>
             <a:ext cx="590780" cy="535022"/>
           </a:xfrm>
           <a:prstGeom prst="rect">
@@ -17633,7 +17633,7 @@
         </p:nvSpPr>
         <p:spPr>
           <a:xfrm>
-            <a:off x="6743875" y="2547155"/>
+            <a:off x="2081613" y="2526835"/>
             <a:ext cx="590780" cy="535022"/>
           </a:xfrm>
           <a:prstGeom prst="rect">
@@ -17695,7 +17695,7 @@
         </p:nvSpPr>
         <p:spPr>
           <a:xfrm>
-            <a:off x="7337260" y="2547155"/>
+            <a:off x="2674998" y="2526835"/>
             <a:ext cx="590780" cy="535022"/>
           </a:xfrm>
           <a:prstGeom prst="rect">
@@ -17757,7 +17757,7 @@
         </p:nvSpPr>
         <p:spPr>
           <a:xfrm>
-            <a:off x="7930649" y="2547155"/>
+            <a:off x="3268387" y="2526835"/>
             <a:ext cx="590780" cy="535022"/>
           </a:xfrm>
           <a:prstGeom prst="rect">
@@ -17819,7 +17819,7 @@
         </p:nvSpPr>
         <p:spPr>
           <a:xfrm>
-            <a:off x="2126946" y="3522310"/>
+            <a:off x="-1621706" y="2794346"/>
             <a:ext cx="1507144" cy="523220"/>
           </a:xfrm>
           <a:prstGeom prst="rect">
@@ -17859,7 +17859,7 @@
         </p:nvSpPr>
         <p:spPr>
           <a:xfrm>
-            <a:off x="8526002" y="2505358"/>
+            <a:off x="5543197" y="2781825"/>
             <a:ext cx="1507144" cy="523220"/>
           </a:xfrm>
           <a:prstGeom prst="rect">
@@ -17899,7 +17899,7 @@
         </p:nvSpPr>
         <p:spPr>
           <a:xfrm>
-            <a:off x="5725542" y="3552955"/>
+            <a:off x="3154728" y="3552955"/>
             <a:ext cx="1021403" cy="535022"/>
           </a:xfrm>
           <a:prstGeom prst="rect">
@@ -17961,7 +17961,7 @@
         </p:nvSpPr>
         <p:spPr>
           <a:xfrm>
-            <a:off x="4674950" y="4672487"/>
+            <a:off x="8349020" y="3552955"/>
             <a:ext cx="1021403" cy="535022"/>
           </a:xfrm>
           <a:prstGeom prst="rect">
@@ -18023,7 +18023,7 @@
         </p:nvSpPr>
         <p:spPr>
           <a:xfrm>
-            <a:off x="5725538" y="4672487"/>
+            <a:off x="9399608" y="3552955"/>
             <a:ext cx="1021403" cy="535022"/>
           </a:xfrm>
           <a:prstGeom prst="rect">
@@ -18085,7 +18085,7 @@
         </p:nvCxnSpPr>
         <p:spPr>
           <a:xfrm flipH="1">
-            <a:off x="5725538" y="3082177"/>
+            <a:off x="1063276" y="3061857"/>
             <a:ext cx="424947" cy="470778"/>
           </a:xfrm>
           <a:prstGeom prst="straightConnector1">
@@ -18129,7 +18129,7 @@
         </p:nvCxnSpPr>
         <p:spPr>
           <a:xfrm flipH="1">
-            <a:off x="6766403" y="3082177"/>
+            <a:off x="2104141" y="3061857"/>
             <a:ext cx="1755026" cy="470778"/>
           </a:xfrm>
           <a:prstGeom prst="straightConnector1">
@@ -18171,7 +18171,7 @@
         </p:nvGrpSpPr>
         <p:grpSpPr>
           <a:xfrm>
-            <a:off x="3705020" y="3624693"/>
+            <a:off x="2190502" y="3617199"/>
             <a:ext cx="879542" cy="391545"/>
             <a:chOff x="6906637" y="4877244"/>
             <a:chExt cx="2370942" cy="535023"/>
@@ -18403,7 +18403,7 @@
         </p:nvGrpSpPr>
         <p:grpSpPr>
           <a:xfrm>
-            <a:off x="4745880" y="3624693"/>
+            <a:off x="3231362" y="3617199"/>
             <a:ext cx="879542" cy="391545"/>
             <a:chOff x="6906637" y="4877244"/>
             <a:chExt cx="2370942" cy="535023"/>
@@ -18635,7 +18635,7 @@
         </p:nvGrpSpPr>
         <p:grpSpPr>
           <a:xfrm>
-            <a:off x="3715269" y="4184459"/>
+            <a:off x="4286498" y="3624693"/>
             <a:ext cx="879542" cy="391545"/>
             <a:chOff x="6906637" y="4877244"/>
             <a:chExt cx="2370942" cy="535023"/>
@@ -18867,7 +18867,7 @@
         </p:nvGrpSpPr>
         <p:grpSpPr>
           <a:xfrm>
-            <a:off x="4755866" y="4196895"/>
+            <a:off x="5327095" y="3637129"/>
             <a:ext cx="879542" cy="391545"/>
             <a:chOff x="6906637" y="4877244"/>
             <a:chExt cx="2370942" cy="535023"/>
@@ -19099,7 +19099,7 @@
         </p:nvGrpSpPr>
         <p:grpSpPr>
           <a:xfrm>
-            <a:off x="5796468" y="4196895"/>
+            <a:off x="6367697" y="3637129"/>
             <a:ext cx="879542" cy="391545"/>
             <a:chOff x="6906637" y="4877244"/>
             <a:chExt cx="2370942" cy="535023"/>
@@ -19331,7 +19331,7 @@
         </p:nvGrpSpPr>
         <p:grpSpPr>
           <a:xfrm>
-            <a:off x="3712050" y="4744225"/>
+            <a:off x="7386120" y="3624693"/>
             <a:ext cx="879542" cy="391545"/>
             <a:chOff x="6906637" y="4877244"/>
             <a:chExt cx="2370942" cy="535023"/>
@@ -19563,7 +19563,7 @@
         </p:nvGrpSpPr>
         <p:grpSpPr>
           <a:xfrm>
-            <a:off x="4745880" y="4753034"/>
+            <a:off x="8419950" y="3633502"/>
             <a:ext cx="879542" cy="391545"/>
             <a:chOff x="6906637" y="4877244"/>
             <a:chExt cx="2370942" cy="535023"/>
@@ -19795,7 +19795,7 @@
         </p:nvGrpSpPr>
         <p:grpSpPr>
           <a:xfrm>
-            <a:off x="5795985" y="4753033"/>
+            <a:off x="9470055" y="3633501"/>
             <a:ext cx="879542" cy="391545"/>
             <a:chOff x="6906637" y="4877244"/>
             <a:chExt cx="2370942" cy="535023"/>

--- a/授業資料/講義資料：Vectorクラス.pptx
+++ b/授業資料/講義資料：Vectorクラス.pptx
@@ -10696,7 +10696,7 @@
         <p:spPr>
           <a:xfrm>
             <a:off x="4094646" y="2780296"/>
-            <a:ext cx="1295547" cy="400110"/>
+            <a:ext cx="1136850" cy="400110"/>
           </a:xfrm>
           <a:prstGeom prst="rect">
             <a:avLst/>
@@ -10711,43 +10711,7 @@
           <a:p>
             <a:r>
               <a:rPr kumimoji="1" lang="en-US" altLang="ja-JP" sz="2000" dirty="0"/>
-              <a:t>begin()</a:t>
-            </a:r>
-            <a:endParaRPr kumimoji="1" lang="ja-JP" altLang="en-US" sz="2000" dirty="0"/>
-          </a:p>
-        </p:txBody>
-      </p:sp>
-      <p:sp>
-        <p:nvSpPr>
-          <p:cNvPr id="16" name="テキスト ボックス 15">
-            <a:extLst>
-              <a:ext uri="{FF2B5EF4-FFF2-40B4-BE49-F238E27FC236}">
-                <a16:creationId xmlns:a16="http://schemas.microsoft.com/office/drawing/2014/main" id="{E3AF7324-9633-8FC2-F7C1-DDB8BA082EF8}"/>
-              </a:ext>
-            </a:extLst>
-          </p:cNvPr>
-          <p:cNvSpPr txBox="1"/>
-          <p:nvPr/>
-        </p:nvSpPr>
-        <p:spPr>
-          <a:xfrm>
-            <a:off x="4094645" y="4969350"/>
-            <a:ext cx="978153" cy="400110"/>
-          </a:xfrm>
-          <a:prstGeom prst="rect">
-            <a:avLst/>
-          </a:prstGeom>
-          <a:noFill/>
-        </p:spPr>
-        <p:txBody>
-          <a:bodyPr wrap="none" rtlCol="0">
-            <a:spAutoFit/>
-          </a:bodyPr>
-          <a:lstStyle/>
-          <a:p>
-            <a:r>
-              <a:rPr kumimoji="1" lang="en-US" altLang="ja-JP" sz="2000" dirty="0"/>
-              <a:t>end()</a:t>
+              <a:t>*(p+0)</a:t>
             </a:r>
             <a:endParaRPr kumimoji="1" lang="ja-JP" altLang="en-US" sz="2000" dirty="0"/>
           </a:p>
@@ -12408,6 +12372,150 @@
           </a:fontRef>
         </p:style>
       </p:cxnSp>
+      <p:sp>
+        <p:nvSpPr>
+          <p:cNvPr id="51" name="テキスト ボックス 50">
+            <a:extLst>
+              <a:ext uri="{FF2B5EF4-FFF2-40B4-BE49-F238E27FC236}">
+                <a16:creationId xmlns:a16="http://schemas.microsoft.com/office/drawing/2014/main" id="{A1B260E8-CFF4-4BCF-8D9E-F72591AB27A1}"/>
+              </a:ext>
+            </a:extLst>
+          </p:cNvPr>
+          <p:cNvSpPr txBox="1"/>
+          <p:nvPr/>
+        </p:nvSpPr>
+        <p:spPr>
+          <a:xfrm>
+            <a:off x="4094646" y="4406491"/>
+            <a:ext cx="1136850" cy="400110"/>
+          </a:xfrm>
+          <a:prstGeom prst="rect">
+            <a:avLst/>
+          </a:prstGeom>
+          <a:noFill/>
+        </p:spPr>
+        <p:txBody>
+          <a:bodyPr wrap="none" rtlCol="0">
+            <a:spAutoFit/>
+          </a:bodyPr>
+          <a:lstStyle/>
+          <a:p>
+            <a:r>
+              <a:rPr kumimoji="1" lang="en-US" altLang="ja-JP" sz="2000" dirty="0"/>
+              <a:t>*(p+3)</a:t>
+            </a:r>
+            <a:endParaRPr kumimoji="1" lang="ja-JP" altLang="en-US" sz="2000" dirty="0"/>
+          </a:p>
+        </p:txBody>
+      </p:sp>
+      <p:sp>
+        <p:nvSpPr>
+          <p:cNvPr id="53" name="テキスト ボックス 52">
+            <a:extLst>
+              <a:ext uri="{FF2B5EF4-FFF2-40B4-BE49-F238E27FC236}">
+                <a16:creationId xmlns:a16="http://schemas.microsoft.com/office/drawing/2014/main" id="{949FF511-95C7-4480-90E3-3B7451D94D80}"/>
+              </a:ext>
+            </a:extLst>
+          </p:cNvPr>
+          <p:cNvSpPr txBox="1"/>
+          <p:nvPr/>
+        </p:nvSpPr>
+        <p:spPr>
+          <a:xfrm>
+            <a:off x="578212" y="2825542"/>
+            <a:ext cx="502061" cy="400110"/>
+          </a:xfrm>
+          <a:prstGeom prst="rect">
+            <a:avLst/>
+          </a:prstGeom>
+          <a:noFill/>
+        </p:spPr>
+        <p:txBody>
+          <a:bodyPr wrap="none" rtlCol="0">
+            <a:spAutoFit/>
+          </a:bodyPr>
+          <a:lstStyle/>
+          <a:p>
+            <a:r>
+              <a:rPr kumimoji="1" lang="en-US" altLang="ja-JP" sz="2000" dirty="0"/>
+              <a:t>p=</a:t>
+            </a:r>
+            <a:endParaRPr kumimoji="1" lang="ja-JP" altLang="en-US" sz="2000" dirty="0"/>
+          </a:p>
+        </p:txBody>
+      </p:sp>
+      <p:sp>
+        <p:nvSpPr>
+          <p:cNvPr id="54" name="テキスト ボックス 53">
+            <a:extLst>
+              <a:ext uri="{FF2B5EF4-FFF2-40B4-BE49-F238E27FC236}">
+                <a16:creationId xmlns:a16="http://schemas.microsoft.com/office/drawing/2014/main" id="{52FB46E2-2F05-45C8-AA6B-849E46DC17E9}"/>
+              </a:ext>
+            </a:extLst>
+          </p:cNvPr>
+          <p:cNvSpPr txBox="1"/>
+          <p:nvPr/>
+        </p:nvSpPr>
+        <p:spPr>
+          <a:xfrm>
+            <a:off x="4094646" y="3360077"/>
+            <a:ext cx="1136850" cy="400110"/>
+          </a:xfrm>
+          <a:prstGeom prst="rect">
+            <a:avLst/>
+          </a:prstGeom>
+          <a:noFill/>
+        </p:spPr>
+        <p:txBody>
+          <a:bodyPr wrap="none" rtlCol="0">
+            <a:spAutoFit/>
+          </a:bodyPr>
+          <a:lstStyle/>
+          <a:p>
+            <a:r>
+              <a:rPr kumimoji="1" lang="en-US" altLang="ja-JP" sz="2000" dirty="0"/>
+              <a:t>*(p+1)</a:t>
+            </a:r>
+            <a:endParaRPr kumimoji="1" lang="ja-JP" altLang="en-US" sz="2000" dirty="0"/>
+          </a:p>
+        </p:txBody>
+      </p:sp>
+      <p:sp>
+        <p:nvSpPr>
+          <p:cNvPr id="55" name="テキスト ボックス 54">
+            <a:extLst>
+              <a:ext uri="{FF2B5EF4-FFF2-40B4-BE49-F238E27FC236}">
+                <a16:creationId xmlns:a16="http://schemas.microsoft.com/office/drawing/2014/main" id="{1EC8063D-224F-4439-A082-E7FB49BF28D6}"/>
+              </a:ext>
+            </a:extLst>
+          </p:cNvPr>
+          <p:cNvSpPr txBox="1"/>
+          <p:nvPr/>
+        </p:nvSpPr>
+        <p:spPr>
+          <a:xfrm>
+            <a:off x="4094646" y="3899000"/>
+            <a:ext cx="1136850" cy="400110"/>
+          </a:xfrm>
+          <a:prstGeom prst="rect">
+            <a:avLst/>
+          </a:prstGeom>
+          <a:noFill/>
+        </p:spPr>
+        <p:txBody>
+          <a:bodyPr wrap="none" rtlCol="0">
+            <a:spAutoFit/>
+          </a:bodyPr>
+          <a:lstStyle/>
+          <a:p>
+            <a:r>
+              <a:rPr kumimoji="1" lang="en-US" altLang="ja-JP" sz="2000" dirty="0"/>
+              <a:t>*(p+2)</a:t>
+            </a:r>
+            <a:endParaRPr kumimoji="1" lang="ja-JP" altLang="en-US" sz="2000" dirty="0"/>
+          </a:p>
+        </p:txBody>
+      </p:sp>
     </p:spTree>
     <p:extLst>
       <p:ext uri="{BB962C8B-B14F-4D97-AF65-F5344CB8AC3E}">
@@ -12617,7 +12725,7 @@
         <p:spPr>
           <a:xfrm>
             <a:off x="4094646" y="2780296"/>
-            <a:ext cx="1295547" cy="400110"/>
+            <a:ext cx="1136850" cy="400110"/>
           </a:xfrm>
           <a:prstGeom prst="rect">
             <a:avLst/>
@@ -12632,7 +12740,7 @@
           <a:p>
             <a:r>
               <a:rPr kumimoji="1" lang="en-US" altLang="ja-JP" sz="2000" dirty="0"/>
-              <a:t>begin()</a:t>
+              <a:t>*(p+0)</a:t>
             </a:r>
             <a:endParaRPr kumimoji="1" lang="ja-JP" altLang="en-US" sz="2000" dirty="0"/>
           </a:p>
@@ -14339,6 +14447,42 @@
               <a:t>イテレータ</a:t>
             </a:r>
             <a:endParaRPr kumimoji="1" lang="ja-JP" altLang="en-US" sz="3600" b="1" dirty="0"/>
+          </a:p>
+        </p:txBody>
+      </p:sp>
+      <p:sp>
+        <p:nvSpPr>
+          <p:cNvPr id="51" name="テキスト ボックス 50">
+            <a:extLst>
+              <a:ext uri="{FF2B5EF4-FFF2-40B4-BE49-F238E27FC236}">
+                <a16:creationId xmlns:a16="http://schemas.microsoft.com/office/drawing/2014/main" id="{D0D641D8-1604-4BC5-B1C6-6D64B2AEE0DC}"/>
+              </a:ext>
+            </a:extLst>
+          </p:cNvPr>
+          <p:cNvSpPr txBox="1"/>
+          <p:nvPr/>
+        </p:nvSpPr>
+        <p:spPr>
+          <a:xfrm>
+            <a:off x="578212" y="2825542"/>
+            <a:ext cx="502061" cy="400110"/>
+          </a:xfrm>
+          <a:prstGeom prst="rect">
+            <a:avLst/>
+          </a:prstGeom>
+          <a:noFill/>
+        </p:spPr>
+        <p:txBody>
+          <a:bodyPr wrap="none" rtlCol="0">
+            <a:spAutoFit/>
+          </a:bodyPr>
+          <a:lstStyle/>
+          <a:p>
+            <a:r>
+              <a:rPr kumimoji="1" lang="en-US" altLang="ja-JP" sz="2000" dirty="0"/>
+              <a:t>p=</a:t>
+            </a:r>
+            <a:endParaRPr kumimoji="1" lang="ja-JP" altLang="en-US" sz="2000" dirty="0"/>
           </a:p>
         </p:txBody>
       </p:sp>
